--- a/Documentacion/Base de Datos - Agencia de Viajes.pptx
+++ b/Documentacion/Base de Datos - Agencia de Viajes.pptx
@@ -9,18 +9,21 @@
     <p:sldMasterId id="2147483671" r:id="rId5"/>
   </p:sldMasterIdLst>
   <p:notesMasterIdLst>
-    <p:notesMasterId r:id="rId12"/>
+    <p:notesMasterId r:id="rId15"/>
   </p:notesMasterIdLst>
   <p:handoutMasterIdLst>
-    <p:handoutMasterId r:id="rId13"/>
+    <p:handoutMasterId r:id="rId16"/>
   </p:handoutMasterIdLst>
   <p:sldIdLst>
     <p:sldId id="664" r:id="rId6"/>
     <p:sldId id="682" r:id="rId7"/>
-    <p:sldId id="670" r:id="rId8"/>
-    <p:sldId id="689" r:id="rId9"/>
-    <p:sldId id="669" r:id="rId10"/>
-    <p:sldId id="680" r:id="rId11"/>
+    <p:sldId id="689" r:id="rId8"/>
+    <p:sldId id="670" r:id="rId9"/>
+    <p:sldId id="690" r:id="rId10"/>
+    <p:sldId id="691" r:id="rId11"/>
+    <p:sldId id="692" r:id="rId12"/>
+    <p:sldId id="669" r:id="rId13"/>
+    <p:sldId id="680" r:id="rId14"/>
   </p:sldIdLst>
   <p:sldSz cx="12192000" cy="6858000"/>
   <p:notesSz cx="6858000" cy="9144000"/>
@@ -7908,334 +7911,6 @@
         </p:nvSpPr>
         <p:spPr>
           <a:xfrm flipH="1">
-            <a:off x="5815848" y="2116570"/>
-            <a:ext cx="4941803" cy="1028161"/>
-          </a:xfrm>
-          <a:prstGeom prst="chevron">
-            <a:avLst>
-              <a:gd name="adj" fmla="val 29021"/>
-            </a:avLst>
-          </a:prstGeom>
-          <a:gradFill flip="none" rotWithShape="1">
-            <a:gsLst>
-              <a:gs pos="0">
-                <a:srgbClr val="F9AC7D"/>
-              </a:gs>
-              <a:gs pos="100000">
-                <a:srgbClr val="F28893"/>
-              </a:gs>
-            </a:gsLst>
-            <a:lin ang="0" scaled="1"/>
-            <a:tileRect/>
-          </a:gradFill>
-          <a:ln>
-            <a:noFill/>
-          </a:ln>
-        </p:spPr>
-        <p:style>
-          <a:lnRef idx="2">
-            <a:schemeClr val="accent1">
-              <a:shade val="50000"/>
-            </a:schemeClr>
-          </a:lnRef>
-          <a:fillRef idx="1">
-            <a:schemeClr val="accent1"/>
-          </a:fillRef>
-          <a:effectRef idx="0">
-            <a:schemeClr val="accent1"/>
-          </a:effectRef>
-          <a:fontRef idx="minor">
-            <a:schemeClr val="lt1"/>
-          </a:fontRef>
-        </p:style>
-        <p:txBody>
-          <a:bodyPr rtlCol="0" anchor="ctr"/>
-          <a:lstStyle>
-            <a:defPPr>
-              <a:defRPr lang="en-US">
-                <a:solidFill>
-                  <a:schemeClr val="lt1"/>
-                </a:solidFill>
-              </a:defRPr>
-            </a:defPPr>
-            <a:lvl1pPr marL="0" algn="l" defTabSz="685800" rtl="0" eaLnBrk="1" latinLnBrk="0" hangingPunct="1">
-              <a:defRPr sz="1350" kern="1200">
-                <a:solidFill>
-                  <a:schemeClr val="lt1"/>
-                </a:solidFill>
-                <a:latin typeface="+mn-lt"/>
-                <a:ea typeface="+mn-ea"/>
-                <a:cs typeface="+mn-cs"/>
-              </a:defRPr>
-            </a:lvl1pPr>
-            <a:lvl2pPr marL="342900" algn="l" defTabSz="685800" rtl="0" eaLnBrk="1" latinLnBrk="0" hangingPunct="1">
-              <a:defRPr sz="1350" kern="1200">
-                <a:solidFill>
-                  <a:schemeClr val="lt1"/>
-                </a:solidFill>
-                <a:latin typeface="+mn-lt"/>
-                <a:ea typeface="+mn-ea"/>
-                <a:cs typeface="+mn-cs"/>
-              </a:defRPr>
-            </a:lvl2pPr>
-            <a:lvl3pPr marL="685800" algn="l" defTabSz="685800" rtl="0" eaLnBrk="1" latinLnBrk="0" hangingPunct="1">
-              <a:defRPr sz="1350" kern="1200">
-                <a:solidFill>
-                  <a:schemeClr val="lt1"/>
-                </a:solidFill>
-                <a:latin typeface="+mn-lt"/>
-                <a:ea typeface="+mn-ea"/>
-                <a:cs typeface="+mn-cs"/>
-              </a:defRPr>
-            </a:lvl3pPr>
-            <a:lvl4pPr marL="1028700" algn="l" defTabSz="685800" rtl="0" eaLnBrk="1" latinLnBrk="0" hangingPunct="1">
-              <a:defRPr sz="1350" kern="1200">
-                <a:solidFill>
-                  <a:schemeClr val="lt1"/>
-                </a:solidFill>
-                <a:latin typeface="+mn-lt"/>
-                <a:ea typeface="+mn-ea"/>
-                <a:cs typeface="+mn-cs"/>
-              </a:defRPr>
-            </a:lvl4pPr>
-            <a:lvl5pPr marL="1371600" algn="l" defTabSz="685800" rtl="0" eaLnBrk="1" latinLnBrk="0" hangingPunct="1">
-              <a:defRPr sz="1350" kern="1200">
-                <a:solidFill>
-                  <a:schemeClr val="lt1"/>
-                </a:solidFill>
-                <a:latin typeface="+mn-lt"/>
-                <a:ea typeface="+mn-ea"/>
-                <a:cs typeface="+mn-cs"/>
-              </a:defRPr>
-            </a:lvl5pPr>
-            <a:lvl6pPr marL="1714500" algn="l" defTabSz="685800" rtl="0" eaLnBrk="1" latinLnBrk="0" hangingPunct="1">
-              <a:defRPr sz="1350" kern="1200">
-                <a:solidFill>
-                  <a:schemeClr val="lt1"/>
-                </a:solidFill>
-                <a:latin typeface="+mn-lt"/>
-                <a:ea typeface="+mn-ea"/>
-                <a:cs typeface="+mn-cs"/>
-              </a:defRPr>
-            </a:lvl6pPr>
-            <a:lvl7pPr marL="2057400" algn="l" defTabSz="685800" rtl="0" eaLnBrk="1" latinLnBrk="0" hangingPunct="1">
-              <a:defRPr sz="1350" kern="1200">
-                <a:solidFill>
-                  <a:schemeClr val="lt1"/>
-                </a:solidFill>
-                <a:latin typeface="+mn-lt"/>
-                <a:ea typeface="+mn-ea"/>
-                <a:cs typeface="+mn-cs"/>
-              </a:defRPr>
-            </a:lvl7pPr>
-            <a:lvl8pPr marL="2400300" algn="l" defTabSz="685800" rtl="0" eaLnBrk="1" latinLnBrk="0" hangingPunct="1">
-              <a:defRPr sz="1350" kern="1200">
-                <a:solidFill>
-                  <a:schemeClr val="lt1"/>
-                </a:solidFill>
-                <a:latin typeface="+mn-lt"/>
-                <a:ea typeface="+mn-ea"/>
-                <a:cs typeface="+mn-cs"/>
-              </a:defRPr>
-            </a:lvl8pPr>
-            <a:lvl9pPr marL="2743200" algn="l" defTabSz="685800" rtl="0" eaLnBrk="1" latinLnBrk="0" hangingPunct="1">
-              <a:defRPr sz="1350" kern="1200">
-                <a:solidFill>
-                  <a:schemeClr val="lt1"/>
-                </a:solidFill>
-                <a:latin typeface="+mn-lt"/>
-                <a:ea typeface="+mn-ea"/>
-                <a:cs typeface="+mn-cs"/>
-              </a:defRPr>
-            </a:lvl9pPr>
-          </a:lstStyle>
-          <a:p>
-            <a:pPr algn="ctr"/>
-            <a:r>
-              <a:rPr lang="es-ES" altLang="zh-CN" sz="2000" dirty="0" smtClean="0">
-                <a:solidFill>
-                  <a:schemeClr val="bg1"/>
-                </a:solidFill>
-              </a:rPr>
-              <a:t>Registro de datos generales de clientes, administrador, personal de la agencia</a:t>
-            </a:r>
-            <a:endParaRPr lang="zh-CN" altLang="en-US" sz="2000" dirty="0">
-              <a:solidFill>
-                <a:schemeClr val="bg1"/>
-              </a:solidFill>
-            </a:endParaRPr>
-          </a:p>
-        </p:txBody>
-      </p:sp>
-    </p:spTree>
-  </p:cSld>
-  <p:clrMapOvr>
-    <a:masterClrMapping/>
-  </p:clrMapOvr>
-  <mc:AlternateContent xmlns:mc="http://schemas.openxmlformats.org/markup-compatibility/2006" xmlns:p14="http://schemas.microsoft.com/office/powerpoint/2010/main">
-    <mc:Choice Requires="p14">
-      <p:transition spd="slow" p14:dur="1500">
-        <p:random/>
-      </p:transition>
-    </mc:Choice>
-    <mc:Fallback xmlns="">
-      <p:transition spd="slow">
-        <p:random/>
-      </p:transition>
-    </mc:Fallback>
-  </mc:AlternateContent>
-  <p:timing>
-    <p:tnLst>
-      <p:par>
-        <p:cTn id="1" dur="indefinite" restart="never" nodeType="tmRoot"/>
-      </p:par>
-    </p:tnLst>
-  </p:timing>
-</p:sld>
-</file>
-
-<file path=ppt/slides/slide4.xml><?xml version="1.0" encoding="utf-8"?>
-<p:sld xmlns:a="http://schemas.openxmlformats.org/drawingml/2006/main" xmlns:r="http://schemas.openxmlformats.org/officeDocument/2006/relationships" xmlns:p="http://schemas.openxmlformats.org/presentationml/2006/main">
-  <p:cSld>
-    <p:spTree>
-      <p:nvGrpSpPr>
-        <p:cNvPr id="1" name=""/>
-        <p:cNvGrpSpPr/>
-        <p:nvPr/>
-      </p:nvGrpSpPr>
-      <p:grpSpPr>
-        <a:xfrm>
-          <a:off x="0" y="0"/>
-          <a:ext cx="0" cy="0"/>
-          <a:chOff x="0" y="0"/>
-          <a:chExt cx="0" cy="0"/>
-        </a:xfrm>
-      </p:grpSpPr>
-      <p:sp>
-        <p:nvSpPr>
-          <p:cNvPr id="34" name="Rectangle 33"/>
-          <p:cNvSpPr/>
-          <p:nvPr/>
-        </p:nvSpPr>
-        <p:spPr>
-          <a:xfrm>
-            <a:off x="0" y="6115607"/>
-            <a:ext cx="12192000" cy="1047733"/>
-          </a:xfrm>
-          <a:prstGeom prst="rect">
-            <a:avLst/>
-          </a:prstGeom>
-          <a:solidFill>
-            <a:srgbClr val="D2D0D0"/>
-          </a:solidFill>
-          <a:ln>
-            <a:noFill/>
-          </a:ln>
-        </p:spPr>
-        <p:style>
-          <a:lnRef idx="2">
-            <a:schemeClr val="accent1">
-              <a:shade val="50000"/>
-            </a:schemeClr>
-          </a:lnRef>
-          <a:fillRef idx="1">
-            <a:schemeClr val="accent1"/>
-          </a:fillRef>
-          <a:effectRef idx="0">
-            <a:schemeClr val="accent1"/>
-          </a:effectRef>
-          <a:fontRef idx="minor">
-            <a:schemeClr val="lt1"/>
-          </a:fontRef>
-        </p:style>
-        <p:txBody>
-          <a:bodyPr rtlCol="0" anchor="ctr"/>
-          <a:lstStyle/>
-          <a:p>
-            <a:pPr algn="ctr" fontAlgn="base">
-              <a:spcBef>
-                <a:spcPct val="0"/>
-              </a:spcBef>
-              <a:spcAft>
-                <a:spcPct val="0"/>
-              </a:spcAft>
-            </a:pPr>
-            <a:endParaRPr lang="en-US" sz="2800">
-              <a:solidFill>
-                <a:prstClr val="white"/>
-              </a:solidFill>
-              <a:cs typeface="+mn-ea"/>
-              <a:sym typeface="+mn-lt"/>
-            </a:endParaRPr>
-          </a:p>
-        </p:txBody>
-      </p:sp>
-      <p:pic>
-        <p:nvPicPr>
-          <p:cNvPr id="1026" name="Picture 2"/>
-          <p:cNvPicPr>
-            <a:picLocks noChangeAspect="1" noChangeArrowheads="1"/>
-          </p:cNvPicPr>
-          <p:nvPr/>
-        </p:nvPicPr>
-        <p:blipFill>
-          <a:blip r:embed="rId2">
-            <a:extLst>
-              <a:ext uri="{28A0092B-C50C-407E-A947-70E740481C1C}">
-                <a14:useLocalDpi xmlns:a14="http://schemas.microsoft.com/office/drawing/2010/main" val="0"/>
-              </a:ext>
-            </a:extLst>
-          </a:blip>
-          <a:srcRect/>
-          <a:stretch>
-            <a:fillRect/>
-          </a:stretch>
-        </p:blipFill>
-        <p:spPr bwMode="auto">
-          <a:xfrm>
-            <a:off x="1833563" y="852487"/>
-            <a:ext cx="3576637" cy="4584487"/>
-          </a:xfrm>
-          <a:prstGeom prst="roundRect">
-            <a:avLst>
-              <a:gd name="adj" fmla="val 8594"/>
-            </a:avLst>
-          </a:prstGeom>
-          <a:solidFill>
-            <a:srgbClr val="FFFFFF">
-              <a:shade val="85000"/>
-            </a:srgbClr>
-          </a:solidFill>
-          <a:ln w="9525">
-            <a:solidFill>
-              <a:schemeClr val="tx1"/>
-            </a:solidFill>
-            <a:miter lim="800000"/>
-            <a:headEnd/>
-            <a:tailEnd/>
-          </a:ln>
-          <a:effectLst>
-            <a:reflection blurRad="12700" stA="38000" endPos="28000" dist="5000" dir="5400000" sy="-100000" algn="bl" rotWithShape="0"/>
-          </a:effectLst>
-          <a:extLst>
-            <a:ext uri="{909E8E84-426E-40DD-AFC4-6F175D3DCCD1}">
-              <a14:hiddenFill xmlns:a14="http://schemas.microsoft.com/office/drawing/2010/main">
-                <a:solidFill>
-                  <a:schemeClr val="accent1"/>
-                </a:solidFill>
-              </a14:hiddenFill>
-            </a:ext>
-          </a:extLst>
-        </p:spPr>
-      </p:pic>
-      <p:sp>
-        <p:nvSpPr>
-          <p:cNvPr id="10" name="箭头: V 形 105"/>
-          <p:cNvSpPr/>
-          <p:nvPr/>
-        </p:nvSpPr>
-        <p:spPr>
-          <a:xfrm flipH="1">
             <a:off x="5815847" y="1754620"/>
             <a:ext cx="4941803" cy="1028161"/>
           </a:xfrm>
@@ -8594,7 +8269,1334 @@
 </p:sld>
 </file>
 
+<file path=ppt/slides/slide4.xml><?xml version="1.0" encoding="utf-8"?>
+<p:sld xmlns:a="http://schemas.openxmlformats.org/drawingml/2006/main" xmlns:r="http://schemas.openxmlformats.org/officeDocument/2006/relationships" xmlns:p="http://schemas.openxmlformats.org/presentationml/2006/main">
+  <p:cSld>
+    <p:spTree>
+      <p:nvGrpSpPr>
+        <p:cNvPr id="1" name=""/>
+        <p:cNvGrpSpPr/>
+        <p:nvPr/>
+      </p:nvGrpSpPr>
+      <p:grpSpPr>
+        <a:xfrm>
+          <a:off x="0" y="0"/>
+          <a:ext cx="0" cy="0"/>
+          <a:chOff x="0" y="0"/>
+          <a:chExt cx="0" cy="0"/>
+        </a:xfrm>
+      </p:grpSpPr>
+      <p:sp>
+        <p:nvSpPr>
+          <p:cNvPr id="34" name="Rectangle 33"/>
+          <p:cNvSpPr/>
+          <p:nvPr/>
+        </p:nvSpPr>
+        <p:spPr>
+          <a:xfrm>
+            <a:off x="0" y="6115607"/>
+            <a:ext cx="12192000" cy="1047733"/>
+          </a:xfrm>
+          <a:prstGeom prst="rect">
+            <a:avLst/>
+          </a:prstGeom>
+          <a:solidFill>
+            <a:srgbClr val="D2D0D0"/>
+          </a:solidFill>
+          <a:ln>
+            <a:noFill/>
+          </a:ln>
+        </p:spPr>
+        <p:style>
+          <a:lnRef idx="2">
+            <a:schemeClr val="accent1">
+              <a:shade val="50000"/>
+            </a:schemeClr>
+          </a:lnRef>
+          <a:fillRef idx="1">
+            <a:schemeClr val="accent1"/>
+          </a:fillRef>
+          <a:effectRef idx="0">
+            <a:schemeClr val="accent1"/>
+          </a:effectRef>
+          <a:fontRef idx="minor">
+            <a:schemeClr val="lt1"/>
+          </a:fontRef>
+        </p:style>
+        <p:txBody>
+          <a:bodyPr rtlCol="0" anchor="ctr"/>
+          <a:lstStyle/>
+          <a:p>
+            <a:pPr algn="ctr" fontAlgn="base">
+              <a:spcBef>
+                <a:spcPct val="0"/>
+              </a:spcBef>
+              <a:spcAft>
+                <a:spcPct val="0"/>
+              </a:spcAft>
+            </a:pPr>
+            <a:endParaRPr lang="en-US" sz="2800">
+              <a:solidFill>
+                <a:prstClr val="white"/>
+              </a:solidFill>
+              <a:cs typeface="+mn-ea"/>
+              <a:sym typeface="+mn-lt"/>
+            </a:endParaRPr>
+          </a:p>
+        </p:txBody>
+      </p:sp>
+      <p:sp>
+        <p:nvSpPr>
+          <p:cNvPr id="10" name="箭头: V 形 105"/>
+          <p:cNvSpPr/>
+          <p:nvPr/>
+        </p:nvSpPr>
+        <p:spPr>
+          <a:xfrm flipH="1">
+            <a:off x="6406398" y="2440959"/>
+            <a:ext cx="4941803" cy="1028161"/>
+          </a:xfrm>
+          <a:prstGeom prst="chevron">
+            <a:avLst>
+              <a:gd name="adj" fmla="val 29021"/>
+            </a:avLst>
+          </a:prstGeom>
+          <a:gradFill flip="none" rotWithShape="1">
+            <a:gsLst>
+              <a:gs pos="0">
+                <a:srgbClr val="F9AC7D"/>
+              </a:gs>
+              <a:gs pos="100000">
+                <a:srgbClr val="F28893"/>
+              </a:gs>
+            </a:gsLst>
+            <a:lin ang="0" scaled="1"/>
+            <a:tileRect/>
+          </a:gradFill>
+          <a:ln>
+            <a:noFill/>
+          </a:ln>
+        </p:spPr>
+        <p:style>
+          <a:lnRef idx="2">
+            <a:schemeClr val="accent1">
+              <a:shade val="50000"/>
+            </a:schemeClr>
+          </a:lnRef>
+          <a:fillRef idx="1">
+            <a:schemeClr val="accent1"/>
+          </a:fillRef>
+          <a:effectRef idx="0">
+            <a:schemeClr val="accent1"/>
+          </a:effectRef>
+          <a:fontRef idx="minor">
+            <a:schemeClr val="lt1"/>
+          </a:fontRef>
+        </p:style>
+        <p:txBody>
+          <a:bodyPr rtlCol="0" anchor="ctr"/>
+          <a:lstStyle>
+            <a:defPPr>
+              <a:defRPr lang="en-US">
+                <a:solidFill>
+                  <a:schemeClr val="lt1"/>
+                </a:solidFill>
+              </a:defRPr>
+            </a:defPPr>
+            <a:lvl1pPr marL="0" algn="l" defTabSz="685800" rtl="0" eaLnBrk="1" latinLnBrk="0" hangingPunct="1">
+              <a:defRPr sz="1350" kern="1200">
+                <a:solidFill>
+                  <a:schemeClr val="lt1"/>
+                </a:solidFill>
+                <a:latin typeface="+mn-lt"/>
+                <a:ea typeface="+mn-ea"/>
+                <a:cs typeface="+mn-cs"/>
+              </a:defRPr>
+            </a:lvl1pPr>
+            <a:lvl2pPr marL="342900" algn="l" defTabSz="685800" rtl="0" eaLnBrk="1" latinLnBrk="0" hangingPunct="1">
+              <a:defRPr sz="1350" kern="1200">
+                <a:solidFill>
+                  <a:schemeClr val="lt1"/>
+                </a:solidFill>
+                <a:latin typeface="+mn-lt"/>
+                <a:ea typeface="+mn-ea"/>
+                <a:cs typeface="+mn-cs"/>
+              </a:defRPr>
+            </a:lvl2pPr>
+            <a:lvl3pPr marL="685800" algn="l" defTabSz="685800" rtl="0" eaLnBrk="1" latinLnBrk="0" hangingPunct="1">
+              <a:defRPr sz="1350" kern="1200">
+                <a:solidFill>
+                  <a:schemeClr val="lt1"/>
+                </a:solidFill>
+                <a:latin typeface="+mn-lt"/>
+                <a:ea typeface="+mn-ea"/>
+                <a:cs typeface="+mn-cs"/>
+              </a:defRPr>
+            </a:lvl3pPr>
+            <a:lvl4pPr marL="1028700" algn="l" defTabSz="685800" rtl="0" eaLnBrk="1" latinLnBrk="0" hangingPunct="1">
+              <a:defRPr sz="1350" kern="1200">
+                <a:solidFill>
+                  <a:schemeClr val="lt1"/>
+                </a:solidFill>
+                <a:latin typeface="+mn-lt"/>
+                <a:ea typeface="+mn-ea"/>
+                <a:cs typeface="+mn-cs"/>
+              </a:defRPr>
+            </a:lvl4pPr>
+            <a:lvl5pPr marL="1371600" algn="l" defTabSz="685800" rtl="0" eaLnBrk="1" latinLnBrk="0" hangingPunct="1">
+              <a:defRPr sz="1350" kern="1200">
+                <a:solidFill>
+                  <a:schemeClr val="lt1"/>
+                </a:solidFill>
+                <a:latin typeface="+mn-lt"/>
+                <a:ea typeface="+mn-ea"/>
+                <a:cs typeface="+mn-cs"/>
+              </a:defRPr>
+            </a:lvl5pPr>
+            <a:lvl6pPr marL="1714500" algn="l" defTabSz="685800" rtl="0" eaLnBrk="1" latinLnBrk="0" hangingPunct="1">
+              <a:defRPr sz="1350" kern="1200">
+                <a:solidFill>
+                  <a:schemeClr val="lt1"/>
+                </a:solidFill>
+                <a:latin typeface="+mn-lt"/>
+                <a:ea typeface="+mn-ea"/>
+                <a:cs typeface="+mn-cs"/>
+              </a:defRPr>
+            </a:lvl6pPr>
+            <a:lvl7pPr marL="2057400" algn="l" defTabSz="685800" rtl="0" eaLnBrk="1" latinLnBrk="0" hangingPunct="1">
+              <a:defRPr sz="1350" kern="1200">
+                <a:solidFill>
+                  <a:schemeClr val="lt1"/>
+                </a:solidFill>
+                <a:latin typeface="+mn-lt"/>
+                <a:ea typeface="+mn-ea"/>
+                <a:cs typeface="+mn-cs"/>
+              </a:defRPr>
+            </a:lvl7pPr>
+            <a:lvl8pPr marL="2400300" algn="l" defTabSz="685800" rtl="0" eaLnBrk="1" latinLnBrk="0" hangingPunct="1">
+              <a:defRPr sz="1350" kern="1200">
+                <a:solidFill>
+                  <a:schemeClr val="lt1"/>
+                </a:solidFill>
+                <a:latin typeface="+mn-lt"/>
+                <a:ea typeface="+mn-ea"/>
+                <a:cs typeface="+mn-cs"/>
+              </a:defRPr>
+            </a:lvl8pPr>
+            <a:lvl9pPr marL="2743200" algn="l" defTabSz="685800" rtl="0" eaLnBrk="1" latinLnBrk="0" hangingPunct="1">
+              <a:defRPr sz="1350" kern="1200">
+                <a:solidFill>
+                  <a:schemeClr val="lt1"/>
+                </a:solidFill>
+                <a:latin typeface="+mn-lt"/>
+                <a:ea typeface="+mn-ea"/>
+                <a:cs typeface="+mn-cs"/>
+              </a:defRPr>
+            </a:lvl9pPr>
+          </a:lstStyle>
+          <a:p>
+            <a:pPr algn="ctr"/>
+            <a:r>
+              <a:rPr lang="es-ES" altLang="zh-CN" sz="2000" dirty="0" smtClean="0">
+                <a:solidFill>
+                  <a:schemeClr val="bg1"/>
+                </a:solidFill>
+              </a:rPr>
+              <a:t>El usuario de tipo “cliente” podrá realizar una reserva de uno o muchos vuelos.</a:t>
+            </a:r>
+            <a:endParaRPr lang="zh-CN" altLang="en-US" sz="2000" dirty="0">
+              <a:solidFill>
+                <a:schemeClr val="bg1"/>
+              </a:solidFill>
+            </a:endParaRPr>
+          </a:p>
+        </p:txBody>
+      </p:sp>
+      <p:pic>
+        <p:nvPicPr>
+          <p:cNvPr id="1028" name="Picture 4"/>
+          <p:cNvPicPr>
+            <a:picLocks noChangeAspect="1" noChangeArrowheads="1"/>
+          </p:cNvPicPr>
+          <p:nvPr/>
+        </p:nvPicPr>
+        <p:blipFill>
+          <a:blip r:embed="rId2">
+            <a:extLst>
+              <a:ext uri="{28A0092B-C50C-407E-A947-70E740481C1C}">
+                <a14:useLocalDpi xmlns:a14="http://schemas.microsoft.com/office/drawing/2010/main" val="0"/>
+              </a:ext>
+            </a:extLst>
+          </a:blip>
+          <a:srcRect/>
+          <a:stretch>
+            <a:fillRect/>
+          </a:stretch>
+        </p:blipFill>
+        <p:spPr bwMode="auto">
+          <a:xfrm>
+            <a:off x="819150" y="65748"/>
+            <a:ext cx="4857750" cy="6792252"/>
+          </a:xfrm>
+          <a:prstGeom prst="roundRect">
+            <a:avLst>
+              <a:gd name="adj" fmla="val 8594"/>
+            </a:avLst>
+          </a:prstGeom>
+          <a:solidFill>
+            <a:srgbClr val="FFFFFF">
+              <a:shade val="85000"/>
+            </a:srgbClr>
+          </a:solidFill>
+          <a:ln w="9525">
+            <a:solidFill>
+              <a:schemeClr val="tx1"/>
+            </a:solidFill>
+            <a:miter lim="800000"/>
+            <a:headEnd/>
+            <a:tailEnd/>
+          </a:ln>
+          <a:effectLst>
+            <a:reflection blurRad="12700" stA="38000" endPos="28000" dist="5000" dir="5400000" sy="-100000" algn="bl" rotWithShape="0"/>
+          </a:effectLst>
+          <a:extLst>
+            <a:ext uri="{909E8E84-426E-40DD-AFC4-6F175D3DCCD1}">
+              <a14:hiddenFill xmlns:a14="http://schemas.microsoft.com/office/drawing/2010/main">
+                <a:solidFill>
+                  <a:schemeClr val="accent1"/>
+                </a:solidFill>
+              </a14:hiddenFill>
+            </a:ext>
+          </a:extLst>
+        </p:spPr>
+      </p:pic>
+    </p:spTree>
+  </p:cSld>
+  <p:clrMapOvr>
+    <a:masterClrMapping/>
+  </p:clrMapOvr>
+  <mc:AlternateContent xmlns:mc="http://schemas.openxmlformats.org/markup-compatibility/2006" xmlns:p14="http://schemas.microsoft.com/office/powerpoint/2010/main">
+    <mc:Choice Requires="p14">
+      <p:transition spd="slow" p14:dur="1500">
+        <p:random/>
+      </p:transition>
+    </mc:Choice>
+    <mc:Fallback xmlns="">
+      <p:transition spd="slow">
+        <p:random/>
+      </p:transition>
+    </mc:Fallback>
+  </mc:AlternateContent>
+  <p:timing>
+    <p:tnLst>
+      <p:par>
+        <p:cTn id="1" dur="indefinite" restart="never" nodeType="tmRoot"/>
+      </p:par>
+    </p:tnLst>
+  </p:timing>
+</p:sld>
+</file>
+
 <file path=ppt/slides/slide5.xml><?xml version="1.0" encoding="utf-8"?>
+<p:sld xmlns:a="http://schemas.openxmlformats.org/drawingml/2006/main" xmlns:r="http://schemas.openxmlformats.org/officeDocument/2006/relationships" xmlns:p="http://schemas.openxmlformats.org/presentationml/2006/main">
+  <p:cSld>
+    <p:spTree>
+      <p:nvGrpSpPr>
+        <p:cNvPr id="1" name=""/>
+        <p:cNvGrpSpPr/>
+        <p:nvPr/>
+      </p:nvGrpSpPr>
+      <p:grpSpPr>
+        <a:xfrm>
+          <a:off x="0" y="0"/>
+          <a:ext cx="0" cy="0"/>
+          <a:chOff x="0" y="0"/>
+          <a:chExt cx="0" cy="0"/>
+        </a:xfrm>
+      </p:grpSpPr>
+      <p:sp>
+        <p:nvSpPr>
+          <p:cNvPr id="34" name="Rectangle 33"/>
+          <p:cNvSpPr/>
+          <p:nvPr/>
+        </p:nvSpPr>
+        <p:spPr>
+          <a:xfrm>
+            <a:off x="0" y="6115607"/>
+            <a:ext cx="12192000" cy="1047733"/>
+          </a:xfrm>
+          <a:prstGeom prst="rect">
+            <a:avLst/>
+          </a:prstGeom>
+          <a:solidFill>
+            <a:srgbClr val="D2D0D0"/>
+          </a:solidFill>
+          <a:ln>
+            <a:noFill/>
+          </a:ln>
+        </p:spPr>
+        <p:style>
+          <a:lnRef idx="2">
+            <a:schemeClr val="accent1">
+              <a:shade val="50000"/>
+            </a:schemeClr>
+          </a:lnRef>
+          <a:fillRef idx="1">
+            <a:schemeClr val="accent1"/>
+          </a:fillRef>
+          <a:effectRef idx="0">
+            <a:schemeClr val="accent1"/>
+          </a:effectRef>
+          <a:fontRef idx="minor">
+            <a:schemeClr val="lt1"/>
+          </a:fontRef>
+        </p:style>
+        <p:txBody>
+          <a:bodyPr rtlCol="0" anchor="ctr"/>
+          <a:lstStyle/>
+          <a:p>
+            <a:pPr algn="ctr" fontAlgn="base">
+              <a:spcBef>
+                <a:spcPct val="0"/>
+              </a:spcBef>
+              <a:spcAft>
+                <a:spcPct val="0"/>
+              </a:spcAft>
+            </a:pPr>
+            <a:endParaRPr lang="en-US" sz="2800">
+              <a:solidFill>
+                <a:prstClr val="white"/>
+              </a:solidFill>
+              <a:cs typeface="+mn-ea"/>
+              <a:sym typeface="+mn-lt"/>
+            </a:endParaRPr>
+          </a:p>
+        </p:txBody>
+      </p:sp>
+      <p:sp>
+        <p:nvSpPr>
+          <p:cNvPr id="10" name="箭头: V 形 105"/>
+          <p:cNvSpPr/>
+          <p:nvPr/>
+        </p:nvSpPr>
+        <p:spPr>
+          <a:xfrm flipH="1">
+            <a:off x="7250197" y="5279409"/>
+            <a:ext cx="4941803" cy="1028161"/>
+          </a:xfrm>
+          <a:prstGeom prst="chevron">
+            <a:avLst>
+              <a:gd name="adj" fmla="val 29021"/>
+            </a:avLst>
+          </a:prstGeom>
+          <a:gradFill flip="none" rotWithShape="1">
+            <a:gsLst>
+              <a:gs pos="0">
+                <a:srgbClr val="F9AC7D"/>
+              </a:gs>
+              <a:gs pos="100000">
+                <a:srgbClr val="F28893"/>
+              </a:gs>
+            </a:gsLst>
+            <a:lin ang="0" scaled="1"/>
+            <a:tileRect/>
+          </a:gradFill>
+          <a:ln>
+            <a:noFill/>
+          </a:ln>
+        </p:spPr>
+        <p:style>
+          <a:lnRef idx="2">
+            <a:schemeClr val="accent1">
+              <a:shade val="50000"/>
+            </a:schemeClr>
+          </a:lnRef>
+          <a:fillRef idx="1">
+            <a:schemeClr val="accent1"/>
+          </a:fillRef>
+          <a:effectRef idx="0">
+            <a:schemeClr val="accent1"/>
+          </a:effectRef>
+          <a:fontRef idx="minor">
+            <a:schemeClr val="lt1"/>
+          </a:fontRef>
+        </p:style>
+        <p:txBody>
+          <a:bodyPr rtlCol="0" anchor="ctr"/>
+          <a:lstStyle>
+            <a:defPPr>
+              <a:defRPr lang="en-US">
+                <a:solidFill>
+                  <a:schemeClr val="lt1"/>
+                </a:solidFill>
+              </a:defRPr>
+            </a:defPPr>
+            <a:lvl1pPr marL="0" algn="l" defTabSz="685800" rtl="0" eaLnBrk="1" latinLnBrk="0" hangingPunct="1">
+              <a:defRPr sz="1350" kern="1200">
+                <a:solidFill>
+                  <a:schemeClr val="lt1"/>
+                </a:solidFill>
+                <a:latin typeface="+mn-lt"/>
+                <a:ea typeface="+mn-ea"/>
+                <a:cs typeface="+mn-cs"/>
+              </a:defRPr>
+            </a:lvl1pPr>
+            <a:lvl2pPr marL="342900" algn="l" defTabSz="685800" rtl="0" eaLnBrk="1" latinLnBrk="0" hangingPunct="1">
+              <a:defRPr sz="1350" kern="1200">
+                <a:solidFill>
+                  <a:schemeClr val="lt1"/>
+                </a:solidFill>
+                <a:latin typeface="+mn-lt"/>
+                <a:ea typeface="+mn-ea"/>
+                <a:cs typeface="+mn-cs"/>
+              </a:defRPr>
+            </a:lvl2pPr>
+            <a:lvl3pPr marL="685800" algn="l" defTabSz="685800" rtl="0" eaLnBrk="1" latinLnBrk="0" hangingPunct="1">
+              <a:defRPr sz="1350" kern="1200">
+                <a:solidFill>
+                  <a:schemeClr val="lt1"/>
+                </a:solidFill>
+                <a:latin typeface="+mn-lt"/>
+                <a:ea typeface="+mn-ea"/>
+                <a:cs typeface="+mn-cs"/>
+              </a:defRPr>
+            </a:lvl3pPr>
+            <a:lvl4pPr marL="1028700" algn="l" defTabSz="685800" rtl="0" eaLnBrk="1" latinLnBrk="0" hangingPunct="1">
+              <a:defRPr sz="1350" kern="1200">
+                <a:solidFill>
+                  <a:schemeClr val="lt1"/>
+                </a:solidFill>
+                <a:latin typeface="+mn-lt"/>
+                <a:ea typeface="+mn-ea"/>
+                <a:cs typeface="+mn-cs"/>
+              </a:defRPr>
+            </a:lvl4pPr>
+            <a:lvl5pPr marL="1371600" algn="l" defTabSz="685800" rtl="0" eaLnBrk="1" latinLnBrk="0" hangingPunct="1">
+              <a:defRPr sz="1350" kern="1200">
+                <a:solidFill>
+                  <a:schemeClr val="lt1"/>
+                </a:solidFill>
+                <a:latin typeface="+mn-lt"/>
+                <a:ea typeface="+mn-ea"/>
+                <a:cs typeface="+mn-cs"/>
+              </a:defRPr>
+            </a:lvl5pPr>
+            <a:lvl6pPr marL="1714500" algn="l" defTabSz="685800" rtl="0" eaLnBrk="1" latinLnBrk="0" hangingPunct="1">
+              <a:defRPr sz="1350" kern="1200">
+                <a:solidFill>
+                  <a:schemeClr val="lt1"/>
+                </a:solidFill>
+                <a:latin typeface="+mn-lt"/>
+                <a:ea typeface="+mn-ea"/>
+                <a:cs typeface="+mn-cs"/>
+              </a:defRPr>
+            </a:lvl6pPr>
+            <a:lvl7pPr marL="2057400" algn="l" defTabSz="685800" rtl="0" eaLnBrk="1" latinLnBrk="0" hangingPunct="1">
+              <a:defRPr sz="1350" kern="1200">
+                <a:solidFill>
+                  <a:schemeClr val="lt1"/>
+                </a:solidFill>
+                <a:latin typeface="+mn-lt"/>
+                <a:ea typeface="+mn-ea"/>
+                <a:cs typeface="+mn-cs"/>
+              </a:defRPr>
+            </a:lvl7pPr>
+            <a:lvl8pPr marL="2400300" algn="l" defTabSz="685800" rtl="0" eaLnBrk="1" latinLnBrk="0" hangingPunct="1">
+              <a:defRPr sz="1350" kern="1200">
+                <a:solidFill>
+                  <a:schemeClr val="lt1"/>
+                </a:solidFill>
+                <a:latin typeface="+mn-lt"/>
+                <a:ea typeface="+mn-ea"/>
+                <a:cs typeface="+mn-cs"/>
+              </a:defRPr>
+            </a:lvl8pPr>
+            <a:lvl9pPr marL="2743200" algn="l" defTabSz="685800" rtl="0" eaLnBrk="1" latinLnBrk="0" hangingPunct="1">
+              <a:defRPr sz="1350" kern="1200">
+                <a:solidFill>
+                  <a:schemeClr val="lt1"/>
+                </a:solidFill>
+                <a:latin typeface="+mn-lt"/>
+                <a:ea typeface="+mn-ea"/>
+                <a:cs typeface="+mn-cs"/>
+              </a:defRPr>
+            </a:lvl9pPr>
+          </a:lstStyle>
+          <a:p>
+            <a:pPr algn="ctr"/>
+            <a:r>
+              <a:rPr lang="es-ES" altLang="zh-CN" sz="2000" dirty="0" smtClean="0">
+                <a:solidFill>
+                  <a:schemeClr val="bg1"/>
+                </a:solidFill>
+              </a:rPr>
+              <a:t>El usuario…</a:t>
+            </a:r>
+            <a:endParaRPr lang="zh-CN" altLang="en-US" sz="2000" dirty="0">
+              <a:solidFill>
+                <a:schemeClr val="bg1"/>
+              </a:solidFill>
+            </a:endParaRPr>
+          </a:p>
+        </p:txBody>
+      </p:sp>
+      <p:pic>
+        <p:nvPicPr>
+          <p:cNvPr id="2050" name="Picture 2"/>
+          <p:cNvPicPr>
+            <a:picLocks noChangeAspect="1" noChangeArrowheads="1"/>
+          </p:cNvPicPr>
+          <p:nvPr/>
+        </p:nvPicPr>
+        <p:blipFill>
+          <a:blip r:embed="rId2">
+            <a:extLst>
+              <a:ext uri="{28A0092B-C50C-407E-A947-70E740481C1C}">
+                <a14:useLocalDpi xmlns:a14="http://schemas.microsoft.com/office/drawing/2010/main" val="0"/>
+              </a:ext>
+            </a:extLst>
+          </a:blip>
+          <a:srcRect/>
+          <a:stretch>
+            <a:fillRect/>
+          </a:stretch>
+        </p:blipFill>
+        <p:spPr bwMode="auto">
+          <a:xfrm>
+            <a:off x="309563" y="211839"/>
+            <a:ext cx="8829675" cy="4876800"/>
+          </a:xfrm>
+          <a:prstGeom prst="roundRect">
+            <a:avLst>
+              <a:gd name="adj" fmla="val 8594"/>
+            </a:avLst>
+          </a:prstGeom>
+          <a:solidFill>
+            <a:srgbClr val="FFFFFF">
+              <a:shade val="85000"/>
+            </a:srgbClr>
+          </a:solidFill>
+          <a:ln w="9525">
+            <a:solidFill>
+              <a:schemeClr val="tx1"/>
+            </a:solidFill>
+            <a:miter lim="800000"/>
+            <a:headEnd/>
+            <a:tailEnd/>
+          </a:ln>
+          <a:effectLst>
+            <a:reflection blurRad="12700" stA="38000" endPos="28000" dist="5000" dir="5400000" sy="-100000" algn="bl" rotWithShape="0"/>
+          </a:effectLst>
+          <a:extLst>
+            <a:ext uri="{909E8E84-426E-40DD-AFC4-6F175D3DCCD1}">
+              <a14:hiddenFill xmlns:a14="http://schemas.microsoft.com/office/drawing/2010/main">
+                <a:solidFill>
+                  <a:schemeClr val="accent1"/>
+                </a:solidFill>
+              </a14:hiddenFill>
+            </a:ext>
+          </a:extLst>
+        </p:spPr>
+      </p:pic>
+    </p:spTree>
+    <p:extLst>
+      <p:ext uri="{BB962C8B-B14F-4D97-AF65-F5344CB8AC3E}">
+        <p14:creationId xmlns:p14="http://schemas.microsoft.com/office/powerpoint/2010/main" val="2250952663"/>
+      </p:ext>
+    </p:extLst>
+  </p:cSld>
+  <p:clrMapOvr>
+    <a:masterClrMapping/>
+  </p:clrMapOvr>
+  <mc:AlternateContent xmlns:mc="http://schemas.openxmlformats.org/markup-compatibility/2006" xmlns:p14="http://schemas.microsoft.com/office/powerpoint/2010/main">
+    <mc:Choice Requires="p14">
+      <p:transition spd="slow" p14:dur="1500">
+        <p:random/>
+      </p:transition>
+    </mc:Choice>
+    <mc:Fallback xmlns="">
+      <p:transition spd="slow">
+        <p:random/>
+      </p:transition>
+    </mc:Fallback>
+  </mc:AlternateContent>
+  <p:timing>
+    <p:tnLst>
+      <p:par>
+        <p:cTn id="1" dur="indefinite" restart="never" nodeType="tmRoot"/>
+      </p:par>
+    </p:tnLst>
+  </p:timing>
+</p:sld>
+</file>
+
+<file path=ppt/slides/slide6.xml><?xml version="1.0" encoding="utf-8"?>
+<p:sld xmlns:a="http://schemas.openxmlformats.org/drawingml/2006/main" xmlns:r="http://schemas.openxmlformats.org/officeDocument/2006/relationships" xmlns:p="http://schemas.openxmlformats.org/presentationml/2006/main">
+  <p:cSld>
+    <p:spTree>
+      <p:nvGrpSpPr>
+        <p:cNvPr id="1" name=""/>
+        <p:cNvGrpSpPr/>
+        <p:nvPr/>
+      </p:nvGrpSpPr>
+      <p:grpSpPr>
+        <a:xfrm>
+          <a:off x="0" y="0"/>
+          <a:ext cx="0" cy="0"/>
+          <a:chOff x="0" y="0"/>
+          <a:chExt cx="0" cy="0"/>
+        </a:xfrm>
+      </p:grpSpPr>
+      <p:sp>
+        <p:nvSpPr>
+          <p:cNvPr id="34" name="Rectangle 33"/>
+          <p:cNvSpPr/>
+          <p:nvPr/>
+        </p:nvSpPr>
+        <p:spPr>
+          <a:xfrm>
+            <a:off x="0" y="6115607"/>
+            <a:ext cx="12192000" cy="1047733"/>
+          </a:xfrm>
+          <a:prstGeom prst="rect">
+            <a:avLst/>
+          </a:prstGeom>
+          <a:solidFill>
+            <a:srgbClr val="D2D0D0"/>
+          </a:solidFill>
+          <a:ln>
+            <a:noFill/>
+          </a:ln>
+        </p:spPr>
+        <p:style>
+          <a:lnRef idx="2">
+            <a:schemeClr val="accent1">
+              <a:shade val="50000"/>
+            </a:schemeClr>
+          </a:lnRef>
+          <a:fillRef idx="1">
+            <a:schemeClr val="accent1"/>
+          </a:fillRef>
+          <a:effectRef idx="0">
+            <a:schemeClr val="accent1"/>
+          </a:effectRef>
+          <a:fontRef idx="minor">
+            <a:schemeClr val="lt1"/>
+          </a:fontRef>
+        </p:style>
+        <p:txBody>
+          <a:bodyPr rtlCol="0" anchor="ctr"/>
+          <a:lstStyle/>
+          <a:p>
+            <a:pPr algn="ctr" fontAlgn="base">
+              <a:spcBef>
+                <a:spcPct val="0"/>
+              </a:spcBef>
+              <a:spcAft>
+                <a:spcPct val="0"/>
+              </a:spcAft>
+            </a:pPr>
+            <a:endParaRPr lang="en-US" sz="2800">
+              <a:solidFill>
+                <a:prstClr val="white"/>
+              </a:solidFill>
+              <a:cs typeface="+mn-ea"/>
+              <a:sym typeface="+mn-lt"/>
+            </a:endParaRPr>
+          </a:p>
+        </p:txBody>
+      </p:sp>
+      <p:sp>
+        <p:nvSpPr>
+          <p:cNvPr id="10" name="箭头: V 形 105"/>
+          <p:cNvSpPr/>
+          <p:nvPr/>
+        </p:nvSpPr>
+        <p:spPr>
+          <a:xfrm flipH="1">
+            <a:off x="7250197" y="5279409"/>
+            <a:ext cx="4941803" cy="1028161"/>
+          </a:xfrm>
+          <a:prstGeom prst="chevron">
+            <a:avLst>
+              <a:gd name="adj" fmla="val 29021"/>
+            </a:avLst>
+          </a:prstGeom>
+          <a:gradFill flip="none" rotWithShape="1">
+            <a:gsLst>
+              <a:gs pos="0">
+                <a:srgbClr val="F9AC7D"/>
+              </a:gs>
+              <a:gs pos="100000">
+                <a:srgbClr val="F28893"/>
+              </a:gs>
+            </a:gsLst>
+            <a:lin ang="0" scaled="1"/>
+            <a:tileRect/>
+          </a:gradFill>
+          <a:ln>
+            <a:noFill/>
+          </a:ln>
+        </p:spPr>
+        <p:style>
+          <a:lnRef idx="2">
+            <a:schemeClr val="accent1">
+              <a:shade val="50000"/>
+            </a:schemeClr>
+          </a:lnRef>
+          <a:fillRef idx="1">
+            <a:schemeClr val="accent1"/>
+          </a:fillRef>
+          <a:effectRef idx="0">
+            <a:schemeClr val="accent1"/>
+          </a:effectRef>
+          <a:fontRef idx="minor">
+            <a:schemeClr val="lt1"/>
+          </a:fontRef>
+        </p:style>
+        <p:txBody>
+          <a:bodyPr rtlCol="0" anchor="ctr"/>
+          <a:lstStyle>
+            <a:defPPr>
+              <a:defRPr lang="en-US">
+                <a:solidFill>
+                  <a:schemeClr val="lt1"/>
+                </a:solidFill>
+              </a:defRPr>
+            </a:defPPr>
+            <a:lvl1pPr marL="0" algn="l" defTabSz="685800" rtl="0" eaLnBrk="1" latinLnBrk="0" hangingPunct="1">
+              <a:defRPr sz="1350" kern="1200">
+                <a:solidFill>
+                  <a:schemeClr val="lt1"/>
+                </a:solidFill>
+                <a:latin typeface="+mn-lt"/>
+                <a:ea typeface="+mn-ea"/>
+                <a:cs typeface="+mn-cs"/>
+              </a:defRPr>
+            </a:lvl1pPr>
+            <a:lvl2pPr marL="342900" algn="l" defTabSz="685800" rtl="0" eaLnBrk="1" latinLnBrk="0" hangingPunct="1">
+              <a:defRPr sz="1350" kern="1200">
+                <a:solidFill>
+                  <a:schemeClr val="lt1"/>
+                </a:solidFill>
+                <a:latin typeface="+mn-lt"/>
+                <a:ea typeface="+mn-ea"/>
+                <a:cs typeface="+mn-cs"/>
+              </a:defRPr>
+            </a:lvl2pPr>
+            <a:lvl3pPr marL="685800" algn="l" defTabSz="685800" rtl="0" eaLnBrk="1" latinLnBrk="0" hangingPunct="1">
+              <a:defRPr sz="1350" kern="1200">
+                <a:solidFill>
+                  <a:schemeClr val="lt1"/>
+                </a:solidFill>
+                <a:latin typeface="+mn-lt"/>
+                <a:ea typeface="+mn-ea"/>
+                <a:cs typeface="+mn-cs"/>
+              </a:defRPr>
+            </a:lvl3pPr>
+            <a:lvl4pPr marL="1028700" algn="l" defTabSz="685800" rtl="0" eaLnBrk="1" latinLnBrk="0" hangingPunct="1">
+              <a:defRPr sz="1350" kern="1200">
+                <a:solidFill>
+                  <a:schemeClr val="lt1"/>
+                </a:solidFill>
+                <a:latin typeface="+mn-lt"/>
+                <a:ea typeface="+mn-ea"/>
+                <a:cs typeface="+mn-cs"/>
+              </a:defRPr>
+            </a:lvl4pPr>
+            <a:lvl5pPr marL="1371600" algn="l" defTabSz="685800" rtl="0" eaLnBrk="1" latinLnBrk="0" hangingPunct="1">
+              <a:defRPr sz="1350" kern="1200">
+                <a:solidFill>
+                  <a:schemeClr val="lt1"/>
+                </a:solidFill>
+                <a:latin typeface="+mn-lt"/>
+                <a:ea typeface="+mn-ea"/>
+                <a:cs typeface="+mn-cs"/>
+              </a:defRPr>
+            </a:lvl5pPr>
+            <a:lvl6pPr marL="1714500" algn="l" defTabSz="685800" rtl="0" eaLnBrk="1" latinLnBrk="0" hangingPunct="1">
+              <a:defRPr sz="1350" kern="1200">
+                <a:solidFill>
+                  <a:schemeClr val="lt1"/>
+                </a:solidFill>
+                <a:latin typeface="+mn-lt"/>
+                <a:ea typeface="+mn-ea"/>
+                <a:cs typeface="+mn-cs"/>
+              </a:defRPr>
+            </a:lvl6pPr>
+            <a:lvl7pPr marL="2057400" algn="l" defTabSz="685800" rtl="0" eaLnBrk="1" latinLnBrk="0" hangingPunct="1">
+              <a:defRPr sz="1350" kern="1200">
+                <a:solidFill>
+                  <a:schemeClr val="lt1"/>
+                </a:solidFill>
+                <a:latin typeface="+mn-lt"/>
+                <a:ea typeface="+mn-ea"/>
+                <a:cs typeface="+mn-cs"/>
+              </a:defRPr>
+            </a:lvl7pPr>
+            <a:lvl8pPr marL="2400300" algn="l" defTabSz="685800" rtl="0" eaLnBrk="1" latinLnBrk="0" hangingPunct="1">
+              <a:defRPr sz="1350" kern="1200">
+                <a:solidFill>
+                  <a:schemeClr val="lt1"/>
+                </a:solidFill>
+                <a:latin typeface="+mn-lt"/>
+                <a:ea typeface="+mn-ea"/>
+                <a:cs typeface="+mn-cs"/>
+              </a:defRPr>
+            </a:lvl8pPr>
+            <a:lvl9pPr marL="2743200" algn="l" defTabSz="685800" rtl="0" eaLnBrk="1" latinLnBrk="0" hangingPunct="1">
+              <a:defRPr sz="1350" kern="1200">
+                <a:solidFill>
+                  <a:schemeClr val="lt1"/>
+                </a:solidFill>
+                <a:latin typeface="+mn-lt"/>
+                <a:ea typeface="+mn-ea"/>
+                <a:cs typeface="+mn-cs"/>
+              </a:defRPr>
+            </a:lvl9pPr>
+          </a:lstStyle>
+          <a:p>
+            <a:pPr algn="ctr"/>
+            <a:r>
+              <a:rPr lang="es-ES" altLang="zh-CN" sz="2000" dirty="0" smtClean="0">
+                <a:solidFill>
+                  <a:schemeClr val="bg1"/>
+                </a:solidFill>
+              </a:rPr>
+              <a:t>El usuario…</a:t>
+            </a:r>
+            <a:endParaRPr lang="zh-CN" altLang="en-US" sz="2000" dirty="0">
+              <a:solidFill>
+                <a:schemeClr val="bg1"/>
+              </a:solidFill>
+            </a:endParaRPr>
+          </a:p>
+        </p:txBody>
+      </p:sp>
+      <p:pic>
+        <p:nvPicPr>
+          <p:cNvPr id="3075" name="Picture 3"/>
+          <p:cNvPicPr>
+            <a:picLocks noChangeAspect="1" noChangeArrowheads="1"/>
+          </p:cNvPicPr>
+          <p:nvPr/>
+        </p:nvPicPr>
+        <p:blipFill>
+          <a:blip r:embed="rId2">
+            <a:extLst>
+              <a:ext uri="{28A0092B-C50C-407E-A947-70E740481C1C}">
+                <a14:useLocalDpi xmlns:a14="http://schemas.microsoft.com/office/drawing/2010/main" val="0"/>
+              </a:ext>
+            </a:extLst>
+          </a:blip>
+          <a:srcRect/>
+          <a:stretch>
+            <a:fillRect/>
+          </a:stretch>
+        </p:blipFill>
+        <p:spPr bwMode="auto">
+          <a:xfrm>
+            <a:off x="476250" y="152464"/>
+            <a:ext cx="5981700" cy="6610285"/>
+          </a:xfrm>
+          <a:prstGeom prst="roundRect">
+            <a:avLst>
+              <a:gd name="adj" fmla="val 8594"/>
+            </a:avLst>
+          </a:prstGeom>
+          <a:solidFill>
+            <a:srgbClr val="FFFFFF">
+              <a:shade val="85000"/>
+            </a:srgbClr>
+          </a:solidFill>
+          <a:ln w="9525">
+            <a:solidFill>
+              <a:schemeClr val="tx1"/>
+            </a:solidFill>
+            <a:miter lim="800000"/>
+            <a:headEnd/>
+            <a:tailEnd/>
+          </a:ln>
+          <a:effectLst>
+            <a:reflection blurRad="12700" stA="38000" endPos="28000" dist="5000" dir="5400000" sy="-100000" algn="bl" rotWithShape="0"/>
+          </a:effectLst>
+          <a:extLst>
+            <a:ext uri="{909E8E84-426E-40DD-AFC4-6F175D3DCCD1}">
+              <a14:hiddenFill xmlns:a14="http://schemas.microsoft.com/office/drawing/2010/main">
+                <a:solidFill>
+                  <a:schemeClr val="accent1"/>
+                </a:solidFill>
+              </a14:hiddenFill>
+            </a:ext>
+          </a:extLst>
+        </p:spPr>
+      </p:pic>
+    </p:spTree>
+    <p:extLst>
+      <p:ext uri="{BB962C8B-B14F-4D97-AF65-F5344CB8AC3E}">
+        <p14:creationId xmlns:p14="http://schemas.microsoft.com/office/powerpoint/2010/main" val="1970214700"/>
+      </p:ext>
+    </p:extLst>
+  </p:cSld>
+  <p:clrMapOvr>
+    <a:masterClrMapping/>
+  </p:clrMapOvr>
+  <mc:AlternateContent xmlns:mc="http://schemas.openxmlformats.org/markup-compatibility/2006" xmlns:p14="http://schemas.microsoft.com/office/powerpoint/2010/main">
+    <mc:Choice Requires="p14">
+      <p:transition spd="slow" p14:dur="1500">
+        <p:random/>
+      </p:transition>
+    </mc:Choice>
+    <mc:Fallback xmlns="">
+      <p:transition spd="slow">
+        <p:random/>
+      </p:transition>
+    </mc:Fallback>
+  </mc:AlternateContent>
+  <p:timing>
+    <p:tnLst>
+      <p:par>
+        <p:cTn id="1" dur="indefinite" restart="never" nodeType="tmRoot"/>
+      </p:par>
+    </p:tnLst>
+  </p:timing>
+</p:sld>
+</file>
+
+<file path=ppt/slides/slide7.xml><?xml version="1.0" encoding="utf-8"?>
+<p:sld xmlns:a="http://schemas.openxmlformats.org/drawingml/2006/main" xmlns:r="http://schemas.openxmlformats.org/officeDocument/2006/relationships" xmlns:p="http://schemas.openxmlformats.org/presentationml/2006/main">
+  <p:cSld>
+    <p:spTree>
+      <p:nvGrpSpPr>
+        <p:cNvPr id="1" name=""/>
+        <p:cNvGrpSpPr/>
+        <p:nvPr/>
+      </p:nvGrpSpPr>
+      <p:grpSpPr>
+        <a:xfrm>
+          <a:off x="0" y="0"/>
+          <a:ext cx="0" cy="0"/>
+          <a:chOff x="0" y="0"/>
+          <a:chExt cx="0" cy="0"/>
+        </a:xfrm>
+      </p:grpSpPr>
+      <p:sp>
+        <p:nvSpPr>
+          <p:cNvPr id="34" name="Rectangle 33"/>
+          <p:cNvSpPr/>
+          <p:nvPr/>
+        </p:nvSpPr>
+        <p:spPr>
+          <a:xfrm>
+            <a:off x="0" y="6115607"/>
+            <a:ext cx="12192000" cy="1047733"/>
+          </a:xfrm>
+          <a:prstGeom prst="rect">
+            <a:avLst/>
+          </a:prstGeom>
+          <a:solidFill>
+            <a:srgbClr val="D2D0D0"/>
+          </a:solidFill>
+          <a:ln>
+            <a:noFill/>
+          </a:ln>
+        </p:spPr>
+        <p:style>
+          <a:lnRef idx="2">
+            <a:schemeClr val="accent1">
+              <a:shade val="50000"/>
+            </a:schemeClr>
+          </a:lnRef>
+          <a:fillRef idx="1">
+            <a:schemeClr val="accent1"/>
+          </a:fillRef>
+          <a:effectRef idx="0">
+            <a:schemeClr val="accent1"/>
+          </a:effectRef>
+          <a:fontRef idx="minor">
+            <a:schemeClr val="lt1"/>
+          </a:fontRef>
+        </p:style>
+        <p:txBody>
+          <a:bodyPr rtlCol="0" anchor="ctr"/>
+          <a:lstStyle/>
+          <a:p>
+            <a:pPr algn="ctr" fontAlgn="base">
+              <a:spcBef>
+                <a:spcPct val="0"/>
+              </a:spcBef>
+              <a:spcAft>
+                <a:spcPct val="0"/>
+              </a:spcAft>
+            </a:pPr>
+            <a:endParaRPr lang="en-US" sz="2800">
+              <a:solidFill>
+                <a:prstClr val="white"/>
+              </a:solidFill>
+              <a:cs typeface="+mn-ea"/>
+              <a:sym typeface="+mn-lt"/>
+            </a:endParaRPr>
+          </a:p>
+        </p:txBody>
+      </p:sp>
+      <p:sp>
+        <p:nvSpPr>
+          <p:cNvPr id="10" name="箭头: V 形 105"/>
+          <p:cNvSpPr/>
+          <p:nvPr/>
+        </p:nvSpPr>
+        <p:spPr>
+          <a:xfrm flipH="1">
+            <a:off x="7250197" y="5279409"/>
+            <a:ext cx="4941803" cy="1028161"/>
+          </a:xfrm>
+          <a:prstGeom prst="chevron">
+            <a:avLst>
+              <a:gd name="adj" fmla="val 29021"/>
+            </a:avLst>
+          </a:prstGeom>
+          <a:gradFill flip="none" rotWithShape="1">
+            <a:gsLst>
+              <a:gs pos="0">
+                <a:srgbClr val="F9AC7D"/>
+              </a:gs>
+              <a:gs pos="100000">
+                <a:srgbClr val="F28893"/>
+              </a:gs>
+            </a:gsLst>
+            <a:lin ang="0" scaled="1"/>
+            <a:tileRect/>
+          </a:gradFill>
+          <a:ln>
+            <a:noFill/>
+          </a:ln>
+        </p:spPr>
+        <p:style>
+          <a:lnRef idx="2">
+            <a:schemeClr val="accent1">
+              <a:shade val="50000"/>
+            </a:schemeClr>
+          </a:lnRef>
+          <a:fillRef idx="1">
+            <a:schemeClr val="accent1"/>
+          </a:fillRef>
+          <a:effectRef idx="0">
+            <a:schemeClr val="accent1"/>
+          </a:effectRef>
+          <a:fontRef idx="minor">
+            <a:schemeClr val="lt1"/>
+          </a:fontRef>
+        </p:style>
+        <p:txBody>
+          <a:bodyPr rtlCol="0" anchor="ctr"/>
+          <a:lstStyle>
+            <a:defPPr>
+              <a:defRPr lang="en-US">
+                <a:solidFill>
+                  <a:schemeClr val="lt1"/>
+                </a:solidFill>
+              </a:defRPr>
+            </a:defPPr>
+            <a:lvl1pPr marL="0" algn="l" defTabSz="685800" rtl="0" eaLnBrk="1" latinLnBrk="0" hangingPunct="1">
+              <a:defRPr sz="1350" kern="1200">
+                <a:solidFill>
+                  <a:schemeClr val="lt1"/>
+                </a:solidFill>
+                <a:latin typeface="+mn-lt"/>
+                <a:ea typeface="+mn-ea"/>
+                <a:cs typeface="+mn-cs"/>
+              </a:defRPr>
+            </a:lvl1pPr>
+            <a:lvl2pPr marL="342900" algn="l" defTabSz="685800" rtl="0" eaLnBrk="1" latinLnBrk="0" hangingPunct="1">
+              <a:defRPr sz="1350" kern="1200">
+                <a:solidFill>
+                  <a:schemeClr val="lt1"/>
+                </a:solidFill>
+                <a:latin typeface="+mn-lt"/>
+                <a:ea typeface="+mn-ea"/>
+                <a:cs typeface="+mn-cs"/>
+              </a:defRPr>
+            </a:lvl2pPr>
+            <a:lvl3pPr marL="685800" algn="l" defTabSz="685800" rtl="0" eaLnBrk="1" latinLnBrk="0" hangingPunct="1">
+              <a:defRPr sz="1350" kern="1200">
+                <a:solidFill>
+                  <a:schemeClr val="lt1"/>
+                </a:solidFill>
+                <a:latin typeface="+mn-lt"/>
+                <a:ea typeface="+mn-ea"/>
+                <a:cs typeface="+mn-cs"/>
+              </a:defRPr>
+            </a:lvl3pPr>
+            <a:lvl4pPr marL="1028700" algn="l" defTabSz="685800" rtl="0" eaLnBrk="1" latinLnBrk="0" hangingPunct="1">
+              <a:defRPr sz="1350" kern="1200">
+                <a:solidFill>
+                  <a:schemeClr val="lt1"/>
+                </a:solidFill>
+                <a:latin typeface="+mn-lt"/>
+                <a:ea typeface="+mn-ea"/>
+                <a:cs typeface="+mn-cs"/>
+              </a:defRPr>
+            </a:lvl4pPr>
+            <a:lvl5pPr marL="1371600" algn="l" defTabSz="685800" rtl="0" eaLnBrk="1" latinLnBrk="0" hangingPunct="1">
+              <a:defRPr sz="1350" kern="1200">
+                <a:solidFill>
+                  <a:schemeClr val="lt1"/>
+                </a:solidFill>
+                <a:latin typeface="+mn-lt"/>
+                <a:ea typeface="+mn-ea"/>
+                <a:cs typeface="+mn-cs"/>
+              </a:defRPr>
+            </a:lvl5pPr>
+            <a:lvl6pPr marL="1714500" algn="l" defTabSz="685800" rtl="0" eaLnBrk="1" latinLnBrk="0" hangingPunct="1">
+              <a:defRPr sz="1350" kern="1200">
+                <a:solidFill>
+                  <a:schemeClr val="lt1"/>
+                </a:solidFill>
+                <a:latin typeface="+mn-lt"/>
+                <a:ea typeface="+mn-ea"/>
+                <a:cs typeface="+mn-cs"/>
+              </a:defRPr>
+            </a:lvl6pPr>
+            <a:lvl7pPr marL="2057400" algn="l" defTabSz="685800" rtl="0" eaLnBrk="1" latinLnBrk="0" hangingPunct="1">
+              <a:defRPr sz="1350" kern="1200">
+                <a:solidFill>
+                  <a:schemeClr val="lt1"/>
+                </a:solidFill>
+                <a:latin typeface="+mn-lt"/>
+                <a:ea typeface="+mn-ea"/>
+                <a:cs typeface="+mn-cs"/>
+              </a:defRPr>
+            </a:lvl7pPr>
+            <a:lvl8pPr marL="2400300" algn="l" defTabSz="685800" rtl="0" eaLnBrk="1" latinLnBrk="0" hangingPunct="1">
+              <a:defRPr sz="1350" kern="1200">
+                <a:solidFill>
+                  <a:schemeClr val="lt1"/>
+                </a:solidFill>
+                <a:latin typeface="+mn-lt"/>
+                <a:ea typeface="+mn-ea"/>
+                <a:cs typeface="+mn-cs"/>
+              </a:defRPr>
+            </a:lvl8pPr>
+            <a:lvl9pPr marL="2743200" algn="l" defTabSz="685800" rtl="0" eaLnBrk="1" latinLnBrk="0" hangingPunct="1">
+              <a:defRPr sz="1350" kern="1200">
+                <a:solidFill>
+                  <a:schemeClr val="lt1"/>
+                </a:solidFill>
+                <a:latin typeface="+mn-lt"/>
+                <a:ea typeface="+mn-ea"/>
+                <a:cs typeface="+mn-cs"/>
+              </a:defRPr>
+            </a:lvl9pPr>
+          </a:lstStyle>
+          <a:p>
+            <a:pPr algn="ctr"/>
+            <a:r>
+              <a:rPr lang="es-ES" altLang="zh-CN" sz="2000" dirty="0" smtClean="0">
+                <a:solidFill>
+                  <a:schemeClr val="bg1"/>
+                </a:solidFill>
+              </a:rPr>
+              <a:t>El usuario…</a:t>
+            </a:r>
+            <a:endParaRPr lang="zh-CN" altLang="en-US" sz="2000" dirty="0">
+              <a:solidFill>
+                <a:schemeClr val="bg1"/>
+              </a:solidFill>
+            </a:endParaRPr>
+          </a:p>
+        </p:txBody>
+      </p:sp>
+      <p:pic>
+        <p:nvPicPr>
+          <p:cNvPr id="4098" name="Picture 2"/>
+          <p:cNvPicPr>
+            <a:picLocks noChangeAspect="1" noChangeArrowheads="1"/>
+          </p:cNvPicPr>
+          <p:nvPr/>
+        </p:nvPicPr>
+        <p:blipFill>
+          <a:blip r:embed="rId2">
+            <a:extLst>
+              <a:ext uri="{28A0092B-C50C-407E-A947-70E740481C1C}">
+                <a14:useLocalDpi xmlns:a14="http://schemas.microsoft.com/office/drawing/2010/main" val="0"/>
+              </a:ext>
+            </a:extLst>
+          </a:blip>
+          <a:srcRect/>
+          <a:stretch>
+            <a:fillRect/>
+          </a:stretch>
+        </p:blipFill>
+        <p:spPr bwMode="auto">
+          <a:xfrm>
+            <a:off x="471488" y="290059"/>
+            <a:ext cx="6058459" cy="6569961"/>
+          </a:xfrm>
+          <a:prstGeom prst="roundRect">
+            <a:avLst>
+              <a:gd name="adj" fmla="val 8594"/>
+            </a:avLst>
+          </a:prstGeom>
+          <a:solidFill>
+            <a:srgbClr val="FFFFFF">
+              <a:shade val="85000"/>
+            </a:srgbClr>
+          </a:solidFill>
+          <a:ln w="9525">
+            <a:solidFill>
+              <a:schemeClr val="tx1"/>
+            </a:solidFill>
+            <a:miter lim="800000"/>
+            <a:headEnd/>
+            <a:tailEnd/>
+          </a:ln>
+          <a:effectLst>
+            <a:reflection blurRad="12700" stA="38000" endPos="28000" dist="5000" dir="5400000" sy="-100000" algn="bl" rotWithShape="0"/>
+          </a:effectLst>
+          <a:extLst>
+            <a:ext uri="{909E8E84-426E-40DD-AFC4-6F175D3DCCD1}">
+              <a14:hiddenFill xmlns:a14="http://schemas.microsoft.com/office/drawing/2010/main">
+                <a:solidFill>
+                  <a:schemeClr val="accent1"/>
+                </a:solidFill>
+              </a14:hiddenFill>
+            </a:ext>
+          </a:extLst>
+        </p:spPr>
+      </p:pic>
+    </p:spTree>
+    <p:extLst>
+      <p:ext uri="{BB962C8B-B14F-4D97-AF65-F5344CB8AC3E}">
+        <p14:creationId xmlns:p14="http://schemas.microsoft.com/office/powerpoint/2010/main" val="2174911341"/>
+      </p:ext>
+    </p:extLst>
+  </p:cSld>
+  <p:clrMapOvr>
+    <a:masterClrMapping/>
+  </p:clrMapOvr>
+  <mc:AlternateContent xmlns:mc="http://schemas.openxmlformats.org/markup-compatibility/2006" xmlns:p14="http://schemas.microsoft.com/office/powerpoint/2010/main">
+    <mc:Choice Requires="p14">
+      <p:transition spd="slow" p14:dur="1500">
+        <p:random/>
+      </p:transition>
+    </mc:Choice>
+    <mc:Fallback xmlns="">
+      <p:transition spd="slow">
+        <p:random/>
+      </p:transition>
+    </mc:Fallback>
+  </mc:AlternateContent>
+  <p:timing>
+    <p:tnLst>
+      <p:par>
+        <p:cTn id="1" dur="indefinite" restart="never" nodeType="tmRoot"/>
+      </p:par>
+    </p:tnLst>
+  </p:timing>
+</p:sld>
+</file>
+
+<file path=ppt/slides/slide8.xml><?xml version="1.0" encoding="utf-8"?>
 <p:sld xmlns:a="http://schemas.openxmlformats.org/drawingml/2006/main" xmlns:r="http://schemas.openxmlformats.org/officeDocument/2006/relationships" xmlns:p="http://schemas.openxmlformats.org/presentationml/2006/main">
   <p:cSld>
     <p:spTree>
@@ -12197,7 +13199,7 @@
 </p:sld>
 </file>
 
-<file path=ppt/slides/slide6.xml><?xml version="1.0" encoding="utf-8"?>
+<file path=ppt/slides/slide9.xml><?xml version="1.0" encoding="utf-8"?>
 <p:sld xmlns:a="http://schemas.openxmlformats.org/drawingml/2006/main" xmlns:r="http://schemas.openxmlformats.org/officeDocument/2006/relationships" xmlns:p="http://schemas.openxmlformats.org/presentationml/2006/main">
   <p:cSld>
     <p:spTree>

--- a/Documentacion/Base de Datos - Agencia de Viajes.pptx
+++ b/Documentacion/Base de Datos - Agencia de Viajes.pptx
@@ -9,10 +9,10 @@
     <p:sldMasterId id="2147483671" r:id="rId5"/>
   </p:sldMasterIdLst>
   <p:notesMasterIdLst>
-    <p:notesMasterId r:id="rId15"/>
+    <p:notesMasterId r:id="rId18"/>
   </p:notesMasterIdLst>
   <p:handoutMasterIdLst>
-    <p:handoutMasterId r:id="rId16"/>
+    <p:handoutMasterId r:id="rId19"/>
   </p:handoutMasterIdLst>
   <p:sldIdLst>
     <p:sldId id="664" r:id="rId6"/>
@@ -22,8 +22,11 @@
     <p:sldId id="690" r:id="rId10"/>
     <p:sldId id="691" r:id="rId11"/>
     <p:sldId id="692" r:id="rId12"/>
-    <p:sldId id="669" r:id="rId13"/>
-    <p:sldId id="680" r:id="rId14"/>
+    <p:sldId id="693" r:id="rId13"/>
+    <p:sldId id="694" r:id="rId14"/>
+    <p:sldId id="695" r:id="rId15"/>
+    <p:sldId id="669" r:id="rId16"/>
+    <p:sldId id="680" r:id="rId17"/>
   </p:sldIdLst>
   <p:sldSz cx="12192000" cy="6858000"/>
   <p:notesSz cx="6858000" cy="9144000"/>
@@ -7096,1508 +7099,7 @@
 </p:sld>
 </file>
 
-<file path=ppt/slides/slide2.xml><?xml version="1.0" encoding="utf-8"?>
-<p:sld xmlns:a="http://schemas.openxmlformats.org/drawingml/2006/main" xmlns:r="http://schemas.openxmlformats.org/officeDocument/2006/relationships" xmlns:p="http://schemas.openxmlformats.org/presentationml/2006/main">
-  <p:cSld>
-    <p:spTree>
-      <p:nvGrpSpPr>
-        <p:cNvPr id="1" name=""/>
-        <p:cNvGrpSpPr/>
-        <p:nvPr/>
-      </p:nvGrpSpPr>
-      <p:grpSpPr>
-        <a:xfrm>
-          <a:off x="0" y="0"/>
-          <a:ext cx="0" cy="0"/>
-          <a:chOff x="0" y="0"/>
-          <a:chExt cx="0" cy="0"/>
-        </a:xfrm>
-      </p:grpSpPr>
-      <p:grpSp>
-        <p:nvGrpSpPr>
-          <p:cNvPr id="6" name="组合 5"/>
-          <p:cNvGrpSpPr/>
-          <p:nvPr/>
-        </p:nvGrpSpPr>
-        <p:grpSpPr>
-          <a:xfrm rot="10432293">
-            <a:off x="6609098" y="-1577400"/>
-            <a:ext cx="10246260" cy="10160900"/>
-            <a:chOff x="5709690" y="-614862"/>
-            <a:chExt cx="6987375" cy="7464925"/>
-          </a:xfrm>
-        </p:grpSpPr>
-        <p:cxnSp>
-          <p:nvCxnSpPr>
-            <p:cNvPr id="7" name="直接连接符 6"/>
-            <p:cNvCxnSpPr/>
-            <p:nvPr userDrawn="1"/>
-          </p:nvCxnSpPr>
-          <p:spPr>
-            <a:xfrm>
-              <a:off x="9918700" y="0"/>
-              <a:ext cx="2262188" cy="2076450"/>
-            </a:xfrm>
-            <a:prstGeom prst="line">
-              <a:avLst/>
-            </a:prstGeom>
-            <a:ln w="38100">
-              <a:solidFill>
-                <a:srgbClr val="C5C3C3"/>
-              </a:solidFill>
-            </a:ln>
-          </p:spPr>
-          <p:style>
-            <a:lnRef idx="1">
-              <a:schemeClr val="accent1"/>
-            </a:lnRef>
-            <a:fillRef idx="0">
-              <a:schemeClr val="accent1"/>
-            </a:fillRef>
-            <a:effectRef idx="0">
-              <a:schemeClr val="accent1"/>
-            </a:effectRef>
-            <a:fontRef idx="minor">
-              <a:schemeClr val="tx1"/>
-            </a:fontRef>
-          </p:style>
-        </p:cxnSp>
-        <p:cxnSp>
-          <p:nvCxnSpPr>
-            <p:cNvPr id="8" name="直接连接符 7"/>
-            <p:cNvCxnSpPr/>
-            <p:nvPr userDrawn="1"/>
-          </p:nvCxnSpPr>
-          <p:spPr>
-            <a:xfrm>
-              <a:off x="9613900" y="0"/>
-              <a:ext cx="2566988" cy="4768850"/>
-            </a:xfrm>
-            <a:prstGeom prst="line">
-              <a:avLst/>
-            </a:prstGeom>
-            <a:ln w="38100">
-              <a:solidFill>
-                <a:srgbClr val="C5C3C3"/>
-              </a:solidFill>
-            </a:ln>
-          </p:spPr>
-          <p:style>
-            <a:lnRef idx="1">
-              <a:schemeClr val="accent1"/>
-            </a:lnRef>
-            <a:fillRef idx="0">
-              <a:schemeClr val="accent1"/>
-            </a:fillRef>
-            <a:effectRef idx="0">
-              <a:schemeClr val="accent1"/>
-            </a:effectRef>
-            <a:fontRef idx="minor">
-              <a:schemeClr val="tx1"/>
-            </a:fontRef>
-          </p:style>
-        </p:cxnSp>
-        <p:cxnSp>
-          <p:nvCxnSpPr>
-            <p:cNvPr id="9" name="直接连接符 8"/>
-            <p:cNvCxnSpPr/>
-            <p:nvPr userDrawn="1"/>
-          </p:nvCxnSpPr>
-          <p:spPr>
-            <a:xfrm>
-              <a:off x="6724650" y="0"/>
-              <a:ext cx="5467350" cy="5181600"/>
-            </a:xfrm>
-            <a:prstGeom prst="line">
-              <a:avLst/>
-            </a:prstGeom>
-            <a:ln w="38100">
-              <a:solidFill>
-                <a:srgbClr val="C5C3C3"/>
-              </a:solidFill>
-            </a:ln>
-          </p:spPr>
-          <p:style>
-            <a:lnRef idx="1">
-              <a:schemeClr val="accent1"/>
-            </a:lnRef>
-            <a:fillRef idx="0">
-              <a:schemeClr val="accent1"/>
-            </a:fillRef>
-            <a:effectRef idx="0">
-              <a:schemeClr val="accent1"/>
-            </a:effectRef>
-            <a:fontRef idx="minor">
-              <a:schemeClr val="tx1"/>
-            </a:fontRef>
-          </p:style>
-        </p:cxnSp>
-        <p:cxnSp>
-          <p:nvCxnSpPr>
-            <p:cNvPr id="10" name="直接连接符 9"/>
-            <p:cNvCxnSpPr/>
-            <p:nvPr userDrawn="1"/>
-          </p:nvCxnSpPr>
-          <p:spPr>
-            <a:xfrm flipH="1">
-              <a:off x="7378700" y="0"/>
-              <a:ext cx="1568451" cy="4234656"/>
-            </a:xfrm>
-            <a:prstGeom prst="line">
-              <a:avLst/>
-            </a:prstGeom>
-            <a:ln w="38100">
-              <a:solidFill>
-                <a:srgbClr val="C5C3C3"/>
-              </a:solidFill>
-            </a:ln>
-          </p:spPr>
-          <p:style>
-            <a:lnRef idx="1">
-              <a:schemeClr val="accent1"/>
-            </a:lnRef>
-            <a:fillRef idx="0">
-              <a:schemeClr val="accent1"/>
-            </a:fillRef>
-            <a:effectRef idx="0">
-              <a:schemeClr val="accent1"/>
-            </a:effectRef>
-            <a:fontRef idx="minor">
-              <a:schemeClr val="tx1"/>
-            </a:fontRef>
-          </p:style>
-        </p:cxnSp>
-        <p:cxnSp>
-          <p:nvCxnSpPr>
-            <p:cNvPr id="11" name="直接连接符 10"/>
-            <p:cNvCxnSpPr/>
-            <p:nvPr userDrawn="1"/>
-          </p:nvCxnSpPr>
-          <p:spPr>
-            <a:xfrm rot="10800000" flipH="1" flipV="1">
-              <a:off x="5709690" y="3325368"/>
-              <a:ext cx="5412335" cy="1701120"/>
-            </a:xfrm>
-            <a:prstGeom prst="line">
-              <a:avLst/>
-            </a:prstGeom>
-            <a:ln w="38100">
-              <a:solidFill>
-                <a:srgbClr val="C5C3C3"/>
-              </a:solidFill>
-            </a:ln>
-          </p:spPr>
-          <p:style>
-            <a:lnRef idx="1">
-              <a:schemeClr val="accent1"/>
-            </a:lnRef>
-            <a:fillRef idx="0">
-              <a:schemeClr val="accent1"/>
-            </a:fillRef>
-            <a:effectRef idx="0">
-              <a:schemeClr val="accent1"/>
-            </a:effectRef>
-            <a:fontRef idx="minor">
-              <a:schemeClr val="tx1"/>
-            </a:fontRef>
-          </p:style>
-        </p:cxnSp>
-        <p:cxnSp>
-          <p:nvCxnSpPr>
-            <p:cNvPr id="12" name="直接连接符 11"/>
-            <p:cNvCxnSpPr/>
-            <p:nvPr userDrawn="1"/>
-          </p:nvCxnSpPr>
-          <p:spPr>
-            <a:xfrm>
-              <a:off x="7378700" y="4234656"/>
-              <a:ext cx="996950" cy="2615407"/>
-            </a:xfrm>
-            <a:prstGeom prst="line">
-              <a:avLst/>
-            </a:prstGeom>
-            <a:ln w="38100">
-              <a:solidFill>
-                <a:srgbClr val="C5C3C3"/>
-              </a:solidFill>
-            </a:ln>
-          </p:spPr>
-          <p:style>
-            <a:lnRef idx="1">
-              <a:schemeClr val="accent1"/>
-            </a:lnRef>
-            <a:fillRef idx="0">
-              <a:schemeClr val="accent1"/>
-            </a:fillRef>
-            <a:effectRef idx="0">
-              <a:schemeClr val="accent1"/>
-            </a:effectRef>
-            <a:fontRef idx="minor">
-              <a:schemeClr val="tx1"/>
-            </a:fontRef>
-          </p:style>
-        </p:cxnSp>
-        <p:cxnSp>
-          <p:nvCxnSpPr>
-            <p:cNvPr id="13" name="直接连接符 12"/>
-            <p:cNvCxnSpPr/>
-            <p:nvPr/>
-          </p:nvCxnSpPr>
-          <p:spPr>
-            <a:xfrm flipH="1">
-              <a:off x="10604500" y="0"/>
-              <a:ext cx="1035050" cy="3663950"/>
-            </a:xfrm>
-            <a:prstGeom prst="line">
-              <a:avLst/>
-            </a:prstGeom>
-            <a:ln w="38100">
-              <a:solidFill>
-                <a:srgbClr val="C5C3C3"/>
-              </a:solidFill>
-            </a:ln>
-          </p:spPr>
-          <p:style>
-            <a:lnRef idx="1">
-              <a:schemeClr val="accent1"/>
-            </a:lnRef>
-            <a:fillRef idx="0">
-              <a:schemeClr val="accent1"/>
-            </a:fillRef>
-            <a:effectRef idx="0">
-              <a:schemeClr val="accent1"/>
-            </a:effectRef>
-            <a:fontRef idx="minor">
-              <a:schemeClr val="tx1"/>
-            </a:fontRef>
-          </p:style>
-        </p:cxnSp>
-        <p:cxnSp>
-          <p:nvCxnSpPr>
-            <p:cNvPr id="14" name="直接连接符 13"/>
-            <p:cNvCxnSpPr/>
-            <p:nvPr userDrawn="1"/>
-          </p:nvCxnSpPr>
-          <p:spPr>
-            <a:xfrm flipH="1" flipV="1">
-              <a:off x="7727950" y="3262512"/>
-              <a:ext cx="2876550" cy="388738"/>
-            </a:xfrm>
-            <a:prstGeom prst="line">
-              <a:avLst/>
-            </a:prstGeom>
-            <a:ln w="38100">
-              <a:solidFill>
-                <a:srgbClr val="C5C3C3"/>
-              </a:solidFill>
-            </a:ln>
-          </p:spPr>
-          <p:style>
-            <a:lnRef idx="1">
-              <a:schemeClr val="accent1"/>
-            </a:lnRef>
-            <a:fillRef idx="0">
-              <a:schemeClr val="accent1"/>
-            </a:fillRef>
-            <a:effectRef idx="0">
-              <a:schemeClr val="accent1"/>
-            </a:effectRef>
-            <a:fontRef idx="minor">
-              <a:schemeClr val="tx1"/>
-            </a:fontRef>
-          </p:style>
-        </p:cxnSp>
-        <p:cxnSp>
-          <p:nvCxnSpPr>
-            <p:cNvPr id="15" name="直接连接符 14"/>
-            <p:cNvCxnSpPr/>
-            <p:nvPr userDrawn="1"/>
-          </p:nvCxnSpPr>
-          <p:spPr>
-            <a:xfrm flipH="1">
-              <a:off x="7389329" y="2076450"/>
-              <a:ext cx="4791559" cy="4773613"/>
-            </a:xfrm>
-            <a:prstGeom prst="line">
-              <a:avLst/>
-            </a:prstGeom>
-            <a:ln w="38100">
-              <a:solidFill>
-                <a:srgbClr val="C5C3C3"/>
-              </a:solidFill>
-            </a:ln>
-          </p:spPr>
-          <p:style>
-            <a:lnRef idx="1">
-              <a:schemeClr val="accent1"/>
-            </a:lnRef>
-            <a:fillRef idx="0">
-              <a:schemeClr val="accent1"/>
-            </a:fillRef>
-            <a:effectRef idx="0">
-              <a:schemeClr val="accent1"/>
-            </a:effectRef>
-            <a:fontRef idx="minor">
-              <a:schemeClr val="tx1"/>
-            </a:fontRef>
-          </p:style>
-        </p:cxnSp>
-        <p:cxnSp>
-          <p:nvCxnSpPr>
-            <p:cNvPr id="16" name="直接连接符 15"/>
-            <p:cNvCxnSpPr/>
-            <p:nvPr userDrawn="1"/>
-          </p:nvCxnSpPr>
-          <p:spPr>
-            <a:xfrm rot="3659565" flipH="1">
-              <a:off x="9279655" y="-378448"/>
-              <a:ext cx="743761" cy="270934"/>
-            </a:xfrm>
-            <a:prstGeom prst="line">
-              <a:avLst/>
-            </a:prstGeom>
-            <a:ln w="38100">
-              <a:solidFill>
-                <a:srgbClr val="C5C3C3"/>
-              </a:solidFill>
-            </a:ln>
-          </p:spPr>
-          <p:style>
-            <a:lnRef idx="1">
-              <a:schemeClr val="accent1"/>
-            </a:lnRef>
-            <a:fillRef idx="0">
-              <a:schemeClr val="accent1"/>
-            </a:fillRef>
-            <a:effectRef idx="0">
-              <a:schemeClr val="accent1"/>
-            </a:effectRef>
-            <a:fontRef idx="minor">
-              <a:schemeClr val="tx1"/>
-            </a:fontRef>
-          </p:style>
-        </p:cxnSp>
-        <p:cxnSp>
-          <p:nvCxnSpPr>
-            <p:cNvPr id="17" name="直接连接符 16"/>
-            <p:cNvCxnSpPr/>
-            <p:nvPr userDrawn="1"/>
-          </p:nvCxnSpPr>
-          <p:spPr>
-            <a:xfrm flipH="1" flipV="1">
-              <a:off x="6686550" y="7937"/>
-              <a:ext cx="1041400" cy="3254575"/>
-            </a:xfrm>
-            <a:prstGeom prst="line">
-              <a:avLst/>
-            </a:prstGeom>
-            <a:ln w="38100">
-              <a:solidFill>
-                <a:srgbClr val="C5C3C3"/>
-              </a:solidFill>
-            </a:ln>
-          </p:spPr>
-          <p:style>
-            <a:lnRef idx="1">
-              <a:schemeClr val="accent1"/>
-            </a:lnRef>
-            <a:fillRef idx="0">
-              <a:schemeClr val="accent1"/>
-            </a:fillRef>
-            <a:effectRef idx="0">
-              <a:schemeClr val="accent1"/>
-            </a:effectRef>
-            <a:fontRef idx="minor">
-              <a:schemeClr val="tx1"/>
-            </a:fontRef>
-          </p:style>
-        </p:cxnSp>
-        <p:cxnSp>
-          <p:nvCxnSpPr>
-            <p:cNvPr id="18" name="直接连接符 17"/>
-            <p:cNvCxnSpPr/>
-            <p:nvPr/>
-          </p:nvCxnSpPr>
-          <p:spPr>
-            <a:xfrm rot="3659565" flipH="1">
-              <a:off x="9206630" y="-252542"/>
-              <a:ext cx="564180" cy="9532"/>
-            </a:xfrm>
-            <a:prstGeom prst="line">
-              <a:avLst/>
-            </a:prstGeom>
-            <a:ln w="38100">
-              <a:solidFill>
-                <a:srgbClr val="C5C3C3"/>
-              </a:solidFill>
-            </a:ln>
-          </p:spPr>
-          <p:style>
-            <a:lnRef idx="1">
-              <a:schemeClr val="accent1"/>
-            </a:lnRef>
-            <a:fillRef idx="0">
-              <a:schemeClr val="accent1"/>
-            </a:fillRef>
-            <a:effectRef idx="0">
-              <a:schemeClr val="accent1"/>
-            </a:effectRef>
-            <a:fontRef idx="minor">
-              <a:schemeClr val="tx1"/>
-            </a:fontRef>
-          </p:style>
-        </p:cxnSp>
-        <p:cxnSp>
-          <p:nvCxnSpPr>
-            <p:cNvPr id="19" name="直接连接符 18"/>
-            <p:cNvCxnSpPr/>
-            <p:nvPr/>
-          </p:nvCxnSpPr>
-          <p:spPr>
-            <a:xfrm rot="11729128" flipH="1" flipV="1">
-              <a:off x="12099148" y="4850070"/>
-              <a:ext cx="597917" cy="643698"/>
-            </a:xfrm>
-            <a:prstGeom prst="line">
-              <a:avLst/>
-            </a:prstGeom>
-            <a:ln w="38100">
-              <a:solidFill>
-                <a:srgbClr val="C5C3C3"/>
-              </a:solidFill>
-            </a:ln>
-          </p:spPr>
-          <p:style>
-            <a:lnRef idx="1">
-              <a:schemeClr val="accent1"/>
-            </a:lnRef>
-            <a:fillRef idx="0">
-              <a:schemeClr val="accent1"/>
-            </a:fillRef>
-            <a:effectRef idx="0">
-              <a:schemeClr val="accent1"/>
-            </a:effectRef>
-            <a:fontRef idx="minor">
-              <a:schemeClr val="tx1"/>
-            </a:fontRef>
-          </p:style>
-        </p:cxnSp>
-        <p:cxnSp>
-          <p:nvCxnSpPr>
-            <p:cNvPr id="20" name="直接连接符 19"/>
-            <p:cNvCxnSpPr/>
-            <p:nvPr/>
-          </p:nvCxnSpPr>
-          <p:spPr>
-            <a:xfrm rot="11729128" flipH="1" flipV="1">
-              <a:off x="12147119" y="5249324"/>
-              <a:ext cx="488474" cy="255869"/>
-            </a:xfrm>
-            <a:prstGeom prst="line">
-              <a:avLst/>
-            </a:prstGeom>
-            <a:ln w="38100">
-              <a:solidFill>
-                <a:srgbClr val="C5C3C3"/>
-              </a:solidFill>
-            </a:ln>
-          </p:spPr>
-          <p:style>
-            <a:lnRef idx="1">
-              <a:schemeClr val="accent1"/>
-            </a:lnRef>
-            <a:fillRef idx="0">
-              <a:schemeClr val="accent1"/>
-            </a:fillRef>
-            <a:effectRef idx="0">
-              <a:schemeClr val="accent1"/>
-            </a:effectRef>
-            <a:fontRef idx="minor">
-              <a:schemeClr val="tx1"/>
-            </a:fontRef>
-          </p:style>
-        </p:cxnSp>
-      </p:grpSp>
-      <p:pic>
-        <p:nvPicPr>
-          <p:cNvPr id="2" name="1 Imagen"/>
-          <p:cNvPicPr>
-            <a:picLocks noChangeAspect="1"/>
-          </p:cNvPicPr>
-          <p:nvPr/>
-        </p:nvPicPr>
-        <p:blipFill>
-          <a:blip r:embed="rId2">
-            <a:extLst>
-              <a:ext uri="{28A0092B-C50C-407E-A947-70E740481C1C}">
-                <a14:useLocalDpi xmlns:a14="http://schemas.microsoft.com/office/drawing/2010/main" val="0"/>
-              </a:ext>
-            </a:extLst>
-          </a:blip>
-          <a:stretch>
-            <a:fillRect/>
-          </a:stretch>
-        </p:blipFill>
-        <p:spPr>
-          <a:xfrm>
-            <a:off x="1155966" y="0"/>
-            <a:ext cx="9880068" cy="6858000"/>
-          </a:xfrm>
-          <a:prstGeom prst="roundRect">
-            <a:avLst>
-              <a:gd name="adj" fmla="val 8594"/>
-            </a:avLst>
-          </a:prstGeom>
-          <a:solidFill>
-            <a:srgbClr val="FFFFFF">
-              <a:shade val="85000"/>
-            </a:srgbClr>
-          </a:solidFill>
-          <a:ln>
-            <a:solidFill>
-              <a:srgbClr val="DBDADA"/>
-            </a:solidFill>
-          </a:ln>
-          <a:effectLst>
-            <a:reflection blurRad="12700" stA="38000" endPos="28000" dist="5000" dir="5400000" sy="-100000" algn="bl" rotWithShape="0"/>
-          </a:effectLst>
-        </p:spPr>
-      </p:pic>
-    </p:spTree>
-  </p:cSld>
-  <p:clrMapOvr>
-    <a:masterClrMapping/>
-  </p:clrMapOvr>
-  <mc:AlternateContent xmlns:mc="http://schemas.openxmlformats.org/markup-compatibility/2006" xmlns:p14="http://schemas.microsoft.com/office/powerpoint/2010/main">
-    <mc:Choice Requires="p14">
-      <p:transition spd="slow" p14:dur="1500">
-        <p:random/>
-      </p:transition>
-    </mc:Choice>
-    <mc:Fallback xmlns="">
-      <p:transition spd="slow">
-        <p:random/>
-      </p:transition>
-    </mc:Fallback>
-  </mc:AlternateContent>
-  <p:timing>
-    <p:tnLst>
-      <p:par>
-        <p:cTn id="1" dur="indefinite" restart="never" nodeType="tmRoot">
-          <p:childTnLst>
-            <p:seq concurrent="1" nextAc="seek">
-              <p:cTn id="2" dur="indefinite" nodeType="mainSeq">
-                <p:childTnLst>
-                  <p:par>
-                    <p:cTn id="3" fill="hold">
-                      <p:stCondLst>
-                        <p:cond delay="indefinite"/>
-                        <p:cond evt="onBegin" delay="0">
-                          <p:tn val="2"/>
-                        </p:cond>
-                      </p:stCondLst>
-                      <p:childTnLst>
-                        <p:par>
-                          <p:cTn id="4" fill="hold">
-                            <p:stCondLst>
-                              <p:cond delay="0"/>
-                            </p:stCondLst>
-                            <p:childTnLst>
-                              <p:par>
-                                <p:cTn id="5" presetID="18" presetClass="entr" presetSubtype="12" fill="hold" nodeType="afterEffect">
-                                  <p:stCondLst>
-                                    <p:cond delay="0"/>
-                                  </p:stCondLst>
-                                  <p:childTnLst>
-                                    <p:set>
-                                      <p:cBhvr>
-                                        <p:cTn id="6" dur="1" fill="hold">
-                                          <p:stCondLst>
-                                            <p:cond delay="0"/>
-                                          </p:stCondLst>
-                                        </p:cTn>
-                                        <p:tgtEl>
-                                          <p:spTgt spid="6"/>
-                                        </p:tgtEl>
-                                        <p:attrNameLst>
-                                          <p:attrName>style.visibility</p:attrName>
-                                        </p:attrNameLst>
-                                      </p:cBhvr>
-                                      <p:to>
-                                        <p:strVal val="visible"/>
-                                      </p:to>
-                                    </p:set>
-                                    <p:animEffect transition="in" filter="strips(downLeft)">
-                                      <p:cBhvr>
-                                        <p:cTn id="7" dur="750"/>
-                                        <p:tgtEl>
-                                          <p:spTgt spid="6"/>
-                                        </p:tgtEl>
-                                      </p:cBhvr>
-                                    </p:animEffect>
-                                  </p:childTnLst>
-                                </p:cTn>
-                              </p:par>
-                            </p:childTnLst>
-                          </p:cTn>
-                        </p:par>
-                      </p:childTnLst>
-                    </p:cTn>
-                  </p:par>
-                </p:childTnLst>
-              </p:cTn>
-              <p:prevCondLst>
-                <p:cond evt="onPrev" delay="0">
-                  <p:tgtEl>
-                    <p:sldTgt/>
-                  </p:tgtEl>
-                </p:cond>
-              </p:prevCondLst>
-              <p:nextCondLst>
-                <p:cond evt="onNext" delay="0">
-                  <p:tgtEl>
-                    <p:sldTgt/>
-                  </p:tgtEl>
-                </p:cond>
-              </p:nextCondLst>
-            </p:seq>
-          </p:childTnLst>
-        </p:cTn>
-      </p:par>
-    </p:tnLst>
-  </p:timing>
-</p:sld>
-</file>
-
-<file path=ppt/slides/slide3.xml><?xml version="1.0" encoding="utf-8"?>
-<p:sld xmlns:a="http://schemas.openxmlformats.org/drawingml/2006/main" xmlns:r="http://schemas.openxmlformats.org/officeDocument/2006/relationships" xmlns:p="http://schemas.openxmlformats.org/presentationml/2006/main">
-  <p:cSld>
-    <p:spTree>
-      <p:nvGrpSpPr>
-        <p:cNvPr id="1" name=""/>
-        <p:cNvGrpSpPr/>
-        <p:nvPr/>
-      </p:nvGrpSpPr>
-      <p:grpSpPr>
-        <a:xfrm>
-          <a:off x="0" y="0"/>
-          <a:ext cx="0" cy="0"/>
-          <a:chOff x="0" y="0"/>
-          <a:chExt cx="0" cy="0"/>
-        </a:xfrm>
-      </p:grpSpPr>
-      <p:sp>
-        <p:nvSpPr>
-          <p:cNvPr id="34" name="Rectangle 33"/>
-          <p:cNvSpPr/>
-          <p:nvPr/>
-        </p:nvSpPr>
-        <p:spPr>
-          <a:xfrm>
-            <a:off x="0" y="6115607"/>
-            <a:ext cx="12192000" cy="1047733"/>
-          </a:xfrm>
-          <a:prstGeom prst="rect">
-            <a:avLst/>
-          </a:prstGeom>
-          <a:solidFill>
-            <a:srgbClr val="D2D0D0"/>
-          </a:solidFill>
-          <a:ln>
-            <a:noFill/>
-          </a:ln>
-        </p:spPr>
-        <p:style>
-          <a:lnRef idx="2">
-            <a:schemeClr val="accent1">
-              <a:shade val="50000"/>
-            </a:schemeClr>
-          </a:lnRef>
-          <a:fillRef idx="1">
-            <a:schemeClr val="accent1"/>
-          </a:fillRef>
-          <a:effectRef idx="0">
-            <a:schemeClr val="accent1"/>
-          </a:effectRef>
-          <a:fontRef idx="minor">
-            <a:schemeClr val="lt1"/>
-          </a:fontRef>
-        </p:style>
-        <p:txBody>
-          <a:bodyPr rtlCol="0" anchor="ctr"/>
-          <a:lstStyle/>
-          <a:p>
-            <a:pPr algn="ctr" fontAlgn="base">
-              <a:spcBef>
-                <a:spcPct val="0"/>
-              </a:spcBef>
-              <a:spcAft>
-                <a:spcPct val="0"/>
-              </a:spcAft>
-            </a:pPr>
-            <a:endParaRPr lang="en-US" sz="2800">
-              <a:solidFill>
-                <a:prstClr val="white"/>
-              </a:solidFill>
-              <a:cs typeface="+mn-ea"/>
-              <a:sym typeface="+mn-lt"/>
-            </a:endParaRPr>
-          </a:p>
-        </p:txBody>
-      </p:sp>
-      <p:pic>
-        <p:nvPicPr>
-          <p:cNvPr id="1026" name="Picture 2"/>
-          <p:cNvPicPr>
-            <a:picLocks noChangeAspect="1" noChangeArrowheads="1"/>
-          </p:cNvPicPr>
-          <p:nvPr/>
-        </p:nvPicPr>
-        <p:blipFill>
-          <a:blip r:embed="rId2">
-            <a:extLst>
-              <a:ext uri="{28A0092B-C50C-407E-A947-70E740481C1C}">
-                <a14:useLocalDpi xmlns:a14="http://schemas.microsoft.com/office/drawing/2010/main" val="0"/>
-              </a:ext>
-            </a:extLst>
-          </a:blip>
-          <a:srcRect/>
-          <a:stretch>
-            <a:fillRect/>
-          </a:stretch>
-        </p:blipFill>
-        <p:spPr bwMode="auto">
-          <a:xfrm>
-            <a:off x="1833563" y="852487"/>
-            <a:ext cx="3576637" cy="4584487"/>
-          </a:xfrm>
-          <a:prstGeom prst="roundRect">
-            <a:avLst>
-              <a:gd name="adj" fmla="val 8594"/>
-            </a:avLst>
-          </a:prstGeom>
-          <a:solidFill>
-            <a:srgbClr val="FFFFFF">
-              <a:shade val="85000"/>
-            </a:srgbClr>
-          </a:solidFill>
-          <a:ln w="9525">
-            <a:solidFill>
-              <a:schemeClr val="tx1"/>
-            </a:solidFill>
-            <a:miter lim="800000"/>
-            <a:headEnd/>
-            <a:tailEnd/>
-          </a:ln>
-          <a:effectLst>
-            <a:reflection blurRad="12700" stA="38000" endPos="28000" dist="5000" dir="5400000" sy="-100000" algn="bl" rotWithShape="0"/>
-          </a:effectLst>
-          <a:extLst>
-            <a:ext uri="{909E8E84-426E-40DD-AFC4-6F175D3DCCD1}">
-              <a14:hiddenFill xmlns:a14="http://schemas.microsoft.com/office/drawing/2010/main">
-                <a:solidFill>
-                  <a:schemeClr val="accent1"/>
-                </a:solidFill>
-              </a14:hiddenFill>
-            </a:ext>
-          </a:extLst>
-        </p:spPr>
-      </p:pic>
-      <p:sp>
-        <p:nvSpPr>
-          <p:cNvPr id="10" name="箭头: V 形 105"/>
-          <p:cNvSpPr/>
-          <p:nvPr/>
-        </p:nvSpPr>
-        <p:spPr>
-          <a:xfrm flipH="1">
-            <a:off x="5815847" y="1754620"/>
-            <a:ext cx="4941803" cy="1028161"/>
-          </a:xfrm>
-          <a:prstGeom prst="chevron">
-            <a:avLst>
-              <a:gd name="adj" fmla="val 29021"/>
-            </a:avLst>
-          </a:prstGeom>
-          <a:gradFill flip="none" rotWithShape="1">
-            <a:gsLst>
-              <a:gs pos="0">
-                <a:srgbClr val="F9AC7D"/>
-              </a:gs>
-              <a:gs pos="100000">
-                <a:srgbClr val="F28893"/>
-              </a:gs>
-            </a:gsLst>
-            <a:lin ang="0" scaled="1"/>
-            <a:tileRect/>
-          </a:gradFill>
-          <a:ln>
-            <a:noFill/>
-          </a:ln>
-        </p:spPr>
-        <p:style>
-          <a:lnRef idx="2">
-            <a:schemeClr val="accent1">
-              <a:shade val="50000"/>
-            </a:schemeClr>
-          </a:lnRef>
-          <a:fillRef idx="1">
-            <a:schemeClr val="accent1"/>
-          </a:fillRef>
-          <a:effectRef idx="0">
-            <a:schemeClr val="accent1"/>
-          </a:effectRef>
-          <a:fontRef idx="minor">
-            <a:schemeClr val="lt1"/>
-          </a:fontRef>
-        </p:style>
-        <p:txBody>
-          <a:bodyPr rtlCol="0" anchor="ctr"/>
-          <a:lstStyle>
-            <a:defPPr>
-              <a:defRPr lang="en-US">
-                <a:solidFill>
-                  <a:schemeClr val="lt1"/>
-                </a:solidFill>
-              </a:defRPr>
-            </a:defPPr>
-            <a:lvl1pPr marL="0" algn="l" defTabSz="685800" rtl="0" eaLnBrk="1" latinLnBrk="0" hangingPunct="1">
-              <a:defRPr sz="1350" kern="1200">
-                <a:solidFill>
-                  <a:schemeClr val="lt1"/>
-                </a:solidFill>
-                <a:latin typeface="+mn-lt"/>
-                <a:ea typeface="+mn-ea"/>
-                <a:cs typeface="+mn-cs"/>
-              </a:defRPr>
-            </a:lvl1pPr>
-            <a:lvl2pPr marL="342900" algn="l" defTabSz="685800" rtl="0" eaLnBrk="1" latinLnBrk="0" hangingPunct="1">
-              <a:defRPr sz="1350" kern="1200">
-                <a:solidFill>
-                  <a:schemeClr val="lt1"/>
-                </a:solidFill>
-                <a:latin typeface="+mn-lt"/>
-                <a:ea typeface="+mn-ea"/>
-                <a:cs typeface="+mn-cs"/>
-              </a:defRPr>
-            </a:lvl2pPr>
-            <a:lvl3pPr marL="685800" algn="l" defTabSz="685800" rtl="0" eaLnBrk="1" latinLnBrk="0" hangingPunct="1">
-              <a:defRPr sz="1350" kern="1200">
-                <a:solidFill>
-                  <a:schemeClr val="lt1"/>
-                </a:solidFill>
-                <a:latin typeface="+mn-lt"/>
-                <a:ea typeface="+mn-ea"/>
-                <a:cs typeface="+mn-cs"/>
-              </a:defRPr>
-            </a:lvl3pPr>
-            <a:lvl4pPr marL="1028700" algn="l" defTabSz="685800" rtl="0" eaLnBrk="1" latinLnBrk="0" hangingPunct="1">
-              <a:defRPr sz="1350" kern="1200">
-                <a:solidFill>
-                  <a:schemeClr val="lt1"/>
-                </a:solidFill>
-                <a:latin typeface="+mn-lt"/>
-                <a:ea typeface="+mn-ea"/>
-                <a:cs typeface="+mn-cs"/>
-              </a:defRPr>
-            </a:lvl4pPr>
-            <a:lvl5pPr marL="1371600" algn="l" defTabSz="685800" rtl="0" eaLnBrk="1" latinLnBrk="0" hangingPunct="1">
-              <a:defRPr sz="1350" kern="1200">
-                <a:solidFill>
-                  <a:schemeClr val="lt1"/>
-                </a:solidFill>
-                <a:latin typeface="+mn-lt"/>
-                <a:ea typeface="+mn-ea"/>
-                <a:cs typeface="+mn-cs"/>
-              </a:defRPr>
-            </a:lvl5pPr>
-            <a:lvl6pPr marL="1714500" algn="l" defTabSz="685800" rtl="0" eaLnBrk="1" latinLnBrk="0" hangingPunct="1">
-              <a:defRPr sz="1350" kern="1200">
-                <a:solidFill>
-                  <a:schemeClr val="lt1"/>
-                </a:solidFill>
-                <a:latin typeface="+mn-lt"/>
-                <a:ea typeface="+mn-ea"/>
-                <a:cs typeface="+mn-cs"/>
-              </a:defRPr>
-            </a:lvl6pPr>
-            <a:lvl7pPr marL="2057400" algn="l" defTabSz="685800" rtl="0" eaLnBrk="1" latinLnBrk="0" hangingPunct="1">
-              <a:defRPr sz="1350" kern="1200">
-                <a:solidFill>
-                  <a:schemeClr val="lt1"/>
-                </a:solidFill>
-                <a:latin typeface="+mn-lt"/>
-                <a:ea typeface="+mn-ea"/>
-                <a:cs typeface="+mn-cs"/>
-              </a:defRPr>
-            </a:lvl7pPr>
-            <a:lvl8pPr marL="2400300" algn="l" defTabSz="685800" rtl="0" eaLnBrk="1" latinLnBrk="0" hangingPunct="1">
-              <a:defRPr sz="1350" kern="1200">
-                <a:solidFill>
-                  <a:schemeClr val="lt1"/>
-                </a:solidFill>
-                <a:latin typeface="+mn-lt"/>
-                <a:ea typeface="+mn-ea"/>
-                <a:cs typeface="+mn-cs"/>
-              </a:defRPr>
-            </a:lvl8pPr>
-            <a:lvl9pPr marL="2743200" algn="l" defTabSz="685800" rtl="0" eaLnBrk="1" latinLnBrk="0" hangingPunct="1">
-              <a:defRPr sz="1350" kern="1200">
-                <a:solidFill>
-                  <a:schemeClr val="lt1"/>
-                </a:solidFill>
-                <a:latin typeface="+mn-lt"/>
-                <a:ea typeface="+mn-ea"/>
-                <a:cs typeface="+mn-cs"/>
-              </a:defRPr>
-            </a:lvl9pPr>
-          </a:lstStyle>
-          <a:p>
-            <a:pPr algn="ctr"/>
-            <a:r>
-              <a:rPr lang="es-ES" altLang="zh-CN" sz="2000" dirty="0" smtClean="0">
-                <a:solidFill>
-                  <a:schemeClr val="bg1"/>
-                </a:solidFill>
-              </a:rPr>
-              <a:t>Registro de datos generales de clientes, administrador, personal de la agencia</a:t>
-            </a:r>
-            <a:endParaRPr lang="zh-CN" altLang="en-US" sz="2000" dirty="0">
-              <a:solidFill>
-                <a:schemeClr val="bg1"/>
-              </a:solidFill>
-            </a:endParaRPr>
-          </a:p>
-        </p:txBody>
-      </p:sp>
-      <p:sp>
-        <p:nvSpPr>
-          <p:cNvPr id="5" name="箭头: V 形 109"/>
-          <p:cNvSpPr/>
-          <p:nvPr/>
-        </p:nvSpPr>
-        <p:spPr>
-          <a:xfrm flipH="1">
-            <a:off x="5815846" y="3429000"/>
-            <a:ext cx="4941803" cy="1028161"/>
-          </a:xfrm>
-          <a:prstGeom prst="chevron">
-            <a:avLst>
-              <a:gd name="adj" fmla="val 29021"/>
-            </a:avLst>
-          </a:prstGeom>
-          <a:gradFill flip="none" rotWithShape="1">
-            <a:gsLst>
-              <a:gs pos="100000">
-                <a:srgbClr val="A7DD63"/>
-              </a:gs>
-              <a:gs pos="0">
-                <a:srgbClr val="68C7AE"/>
-              </a:gs>
-            </a:gsLst>
-            <a:lin ang="0" scaled="1"/>
-            <a:tileRect/>
-          </a:gradFill>
-          <a:ln>
-            <a:noFill/>
-          </a:ln>
-        </p:spPr>
-        <p:style>
-          <a:lnRef idx="2">
-            <a:schemeClr val="accent1">
-              <a:shade val="50000"/>
-            </a:schemeClr>
-          </a:lnRef>
-          <a:fillRef idx="1">
-            <a:schemeClr val="accent1"/>
-          </a:fillRef>
-          <a:effectRef idx="0">
-            <a:schemeClr val="accent1"/>
-          </a:effectRef>
-          <a:fontRef idx="minor">
-            <a:schemeClr val="lt1"/>
-          </a:fontRef>
-        </p:style>
-        <p:txBody>
-          <a:bodyPr rtlCol="0" anchor="ctr"/>
-          <a:lstStyle>
-            <a:defPPr>
-              <a:defRPr lang="en-US">
-                <a:solidFill>
-                  <a:schemeClr val="lt1"/>
-                </a:solidFill>
-              </a:defRPr>
-            </a:defPPr>
-            <a:lvl1pPr marL="0" algn="l" defTabSz="685800" rtl="0" eaLnBrk="1" latinLnBrk="0" hangingPunct="1">
-              <a:defRPr sz="1350" kern="1200">
-                <a:solidFill>
-                  <a:schemeClr val="lt1"/>
-                </a:solidFill>
-                <a:latin typeface="+mn-lt"/>
-                <a:ea typeface="+mn-ea"/>
-                <a:cs typeface="+mn-cs"/>
-              </a:defRPr>
-            </a:lvl1pPr>
-            <a:lvl2pPr marL="342900" algn="l" defTabSz="685800" rtl="0" eaLnBrk="1" latinLnBrk="0" hangingPunct="1">
-              <a:defRPr sz="1350" kern="1200">
-                <a:solidFill>
-                  <a:schemeClr val="lt1"/>
-                </a:solidFill>
-                <a:latin typeface="+mn-lt"/>
-                <a:ea typeface="+mn-ea"/>
-                <a:cs typeface="+mn-cs"/>
-              </a:defRPr>
-            </a:lvl2pPr>
-            <a:lvl3pPr marL="685800" algn="l" defTabSz="685800" rtl="0" eaLnBrk="1" latinLnBrk="0" hangingPunct="1">
-              <a:defRPr sz="1350" kern="1200">
-                <a:solidFill>
-                  <a:schemeClr val="lt1"/>
-                </a:solidFill>
-                <a:latin typeface="+mn-lt"/>
-                <a:ea typeface="+mn-ea"/>
-                <a:cs typeface="+mn-cs"/>
-              </a:defRPr>
-            </a:lvl3pPr>
-            <a:lvl4pPr marL="1028700" algn="l" defTabSz="685800" rtl="0" eaLnBrk="1" latinLnBrk="0" hangingPunct="1">
-              <a:defRPr sz="1350" kern="1200">
-                <a:solidFill>
-                  <a:schemeClr val="lt1"/>
-                </a:solidFill>
-                <a:latin typeface="+mn-lt"/>
-                <a:ea typeface="+mn-ea"/>
-                <a:cs typeface="+mn-cs"/>
-              </a:defRPr>
-            </a:lvl4pPr>
-            <a:lvl5pPr marL="1371600" algn="l" defTabSz="685800" rtl="0" eaLnBrk="1" latinLnBrk="0" hangingPunct="1">
-              <a:defRPr sz="1350" kern="1200">
-                <a:solidFill>
-                  <a:schemeClr val="lt1"/>
-                </a:solidFill>
-                <a:latin typeface="+mn-lt"/>
-                <a:ea typeface="+mn-ea"/>
-                <a:cs typeface="+mn-cs"/>
-              </a:defRPr>
-            </a:lvl5pPr>
-            <a:lvl6pPr marL="1714500" algn="l" defTabSz="685800" rtl="0" eaLnBrk="1" latinLnBrk="0" hangingPunct="1">
-              <a:defRPr sz="1350" kern="1200">
-                <a:solidFill>
-                  <a:schemeClr val="lt1"/>
-                </a:solidFill>
-                <a:latin typeface="+mn-lt"/>
-                <a:ea typeface="+mn-ea"/>
-                <a:cs typeface="+mn-cs"/>
-              </a:defRPr>
-            </a:lvl6pPr>
-            <a:lvl7pPr marL="2057400" algn="l" defTabSz="685800" rtl="0" eaLnBrk="1" latinLnBrk="0" hangingPunct="1">
-              <a:defRPr sz="1350" kern="1200">
-                <a:solidFill>
-                  <a:schemeClr val="lt1"/>
-                </a:solidFill>
-                <a:latin typeface="+mn-lt"/>
-                <a:ea typeface="+mn-ea"/>
-                <a:cs typeface="+mn-cs"/>
-              </a:defRPr>
-            </a:lvl7pPr>
-            <a:lvl8pPr marL="2400300" algn="l" defTabSz="685800" rtl="0" eaLnBrk="1" latinLnBrk="0" hangingPunct="1">
-              <a:defRPr sz="1350" kern="1200">
-                <a:solidFill>
-                  <a:schemeClr val="lt1"/>
-                </a:solidFill>
-                <a:latin typeface="+mn-lt"/>
-                <a:ea typeface="+mn-ea"/>
-                <a:cs typeface="+mn-cs"/>
-              </a:defRPr>
-            </a:lvl8pPr>
-            <a:lvl9pPr marL="2743200" algn="l" defTabSz="685800" rtl="0" eaLnBrk="1" latinLnBrk="0" hangingPunct="1">
-              <a:defRPr sz="1350" kern="1200">
-                <a:solidFill>
-                  <a:schemeClr val="lt1"/>
-                </a:solidFill>
-                <a:latin typeface="+mn-lt"/>
-                <a:ea typeface="+mn-ea"/>
-                <a:cs typeface="+mn-cs"/>
-              </a:defRPr>
-            </a:lvl9pPr>
-          </a:lstStyle>
-          <a:p>
-            <a:pPr algn="ctr"/>
-            <a:r>
-              <a:rPr lang="es-ES" altLang="zh-CN" sz="2000" dirty="0" smtClean="0">
-                <a:solidFill>
-                  <a:schemeClr val="bg1"/>
-                </a:solidFill>
-              </a:rPr>
-              <a:t>En el campo “nivel” se detallara el tipo de usuario</a:t>
-            </a:r>
-            <a:endParaRPr lang="zh-CN" altLang="en-US" sz="2000" dirty="0">
-              <a:solidFill>
-                <a:schemeClr val="bg1"/>
-              </a:solidFill>
-            </a:endParaRPr>
-          </a:p>
-        </p:txBody>
-      </p:sp>
-    </p:spTree>
-    <p:extLst>
-      <p:ext uri="{BB962C8B-B14F-4D97-AF65-F5344CB8AC3E}">
-        <p14:creationId xmlns:p14="http://schemas.microsoft.com/office/powerpoint/2010/main" val="1372549725"/>
-      </p:ext>
-    </p:extLst>
-  </p:cSld>
-  <p:clrMapOvr>
-    <a:masterClrMapping/>
-  </p:clrMapOvr>
-  <mc:AlternateContent xmlns:mc="http://schemas.openxmlformats.org/markup-compatibility/2006" xmlns:p14="http://schemas.microsoft.com/office/powerpoint/2010/main">
-    <mc:Choice Requires="p14">
-      <p:transition spd="slow" p14:dur="1500">
-        <p:random/>
-      </p:transition>
-    </mc:Choice>
-    <mc:Fallback xmlns="">
-      <p:transition spd="slow">
-        <p:random/>
-      </p:transition>
-    </mc:Fallback>
-  </mc:AlternateContent>
-  <p:timing>
-    <p:tnLst>
-      <p:par>
-        <p:cTn id="1" dur="indefinite" restart="never" nodeType="tmRoot"/>
-      </p:par>
-    </p:tnLst>
-  </p:timing>
-</p:sld>
-</file>
-
-<file path=ppt/slides/slide4.xml><?xml version="1.0" encoding="utf-8"?>
-<p:sld xmlns:a="http://schemas.openxmlformats.org/drawingml/2006/main" xmlns:r="http://schemas.openxmlformats.org/officeDocument/2006/relationships" xmlns:p="http://schemas.openxmlformats.org/presentationml/2006/main">
-  <p:cSld>
-    <p:spTree>
-      <p:nvGrpSpPr>
-        <p:cNvPr id="1" name=""/>
-        <p:cNvGrpSpPr/>
-        <p:nvPr/>
-      </p:nvGrpSpPr>
-      <p:grpSpPr>
-        <a:xfrm>
-          <a:off x="0" y="0"/>
-          <a:ext cx="0" cy="0"/>
-          <a:chOff x="0" y="0"/>
-          <a:chExt cx="0" cy="0"/>
-        </a:xfrm>
-      </p:grpSpPr>
-      <p:sp>
-        <p:nvSpPr>
-          <p:cNvPr id="34" name="Rectangle 33"/>
-          <p:cNvSpPr/>
-          <p:nvPr/>
-        </p:nvSpPr>
-        <p:spPr>
-          <a:xfrm>
-            <a:off x="0" y="6115607"/>
-            <a:ext cx="12192000" cy="1047733"/>
-          </a:xfrm>
-          <a:prstGeom prst="rect">
-            <a:avLst/>
-          </a:prstGeom>
-          <a:solidFill>
-            <a:srgbClr val="D2D0D0"/>
-          </a:solidFill>
-          <a:ln>
-            <a:noFill/>
-          </a:ln>
-        </p:spPr>
-        <p:style>
-          <a:lnRef idx="2">
-            <a:schemeClr val="accent1">
-              <a:shade val="50000"/>
-            </a:schemeClr>
-          </a:lnRef>
-          <a:fillRef idx="1">
-            <a:schemeClr val="accent1"/>
-          </a:fillRef>
-          <a:effectRef idx="0">
-            <a:schemeClr val="accent1"/>
-          </a:effectRef>
-          <a:fontRef idx="minor">
-            <a:schemeClr val="lt1"/>
-          </a:fontRef>
-        </p:style>
-        <p:txBody>
-          <a:bodyPr rtlCol="0" anchor="ctr"/>
-          <a:lstStyle/>
-          <a:p>
-            <a:pPr algn="ctr" fontAlgn="base">
-              <a:spcBef>
-                <a:spcPct val="0"/>
-              </a:spcBef>
-              <a:spcAft>
-                <a:spcPct val="0"/>
-              </a:spcAft>
-            </a:pPr>
-            <a:endParaRPr lang="en-US" sz="2800">
-              <a:solidFill>
-                <a:prstClr val="white"/>
-              </a:solidFill>
-              <a:cs typeface="+mn-ea"/>
-              <a:sym typeface="+mn-lt"/>
-            </a:endParaRPr>
-          </a:p>
-        </p:txBody>
-      </p:sp>
-      <p:sp>
-        <p:nvSpPr>
-          <p:cNvPr id="10" name="箭头: V 形 105"/>
-          <p:cNvSpPr/>
-          <p:nvPr/>
-        </p:nvSpPr>
-        <p:spPr>
-          <a:xfrm flipH="1">
-            <a:off x="6406398" y="2440959"/>
-            <a:ext cx="4941803" cy="1028161"/>
-          </a:xfrm>
-          <a:prstGeom prst="chevron">
-            <a:avLst>
-              <a:gd name="adj" fmla="val 29021"/>
-            </a:avLst>
-          </a:prstGeom>
-          <a:gradFill flip="none" rotWithShape="1">
-            <a:gsLst>
-              <a:gs pos="0">
-                <a:srgbClr val="F9AC7D"/>
-              </a:gs>
-              <a:gs pos="100000">
-                <a:srgbClr val="F28893"/>
-              </a:gs>
-            </a:gsLst>
-            <a:lin ang="0" scaled="1"/>
-            <a:tileRect/>
-          </a:gradFill>
-          <a:ln>
-            <a:noFill/>
-          </a:ln>
-        </p:spPr>
-        <p:style>
-          <a:lnRef idx="2">
-            <a:schemeClr val="accent1">
-              <a:shade val="50000"/>
-            </a:schemeClr>
-          </a:lnRef>
-          <a:fillRef idx="1">
-            <a:schemeClr val="accent1"/>
-          </a:fillRef>
-          <a:effectRef idx="0">
-            <a:schemeClr val="accent1"/>
-          </a:effectRef>
-          <a:fontRef idx="minor">
-            <a:schemeClr val="lt1"/>
-          </a:fontRef>
-        </p:style>
-        <p:txBody>
-          <a:bodyPr rtlCol="0" anchor="ctr"/>
-          <a:lstStyle>
-            <a:defPPr>
-              <a:defRPr lang="en-US">
-                <a:solidFill>
-                  <a:schemeClr val="lt1"/>
-                </a:solidFill>
-              </a:defRPr>
-            </a:defPPr>
-            <a:lvl1pPr marL="0" algn="l" defTabSz="685800" rtl="0" eaLnBrk="1" latinLnBrk="0" hangingPunct="1">
-              <a:defRPr sz="1350" kern="1200">
-                <a:solidFill>
-                  <a:schemeClr val="lt1"/>
-                </a:solidFill>
-                <a:latin typeface="+mn-lt"/>
-                <a:ea typeface="+mn-ea"/>
-                <a:cs typeface="+mn-cs"/>
-              </a:defRPr>
-            </a:lvl1pPr>
-            <a:lvl2pPr marL="342900" algn="l" defTabSz="685800" rtl="0" eaLnBrk="1" latinLnBrk="0" hangingPunct="1">
-              <a:defRPr sz="1350" kern="1200">
-                <a:solidFill>
-                  <a:schemeClr val="lt1"/>
-                </a:solidFill>
-                <a:latin typeface="+mn-lt"/>
-                <a:ea typeface="+mn-ea"/>
-                <a:cs typeface="+mn-cs"/>
-              </a:defRPr>
-            </a:lvl2pPr>
-            <a:lvl3pPr marL="685800" algn="l" defTabSz="685800" rtl="0" eaLnBrk="1" latinLnBrk="0" hangingPunct="1">
-              <a:defRPr sz="1350" kern="1200">
-                <a:solidFill>
-                  <a:schemeClr val="lt1"/>
-                </a:solidFill>
-                <a:latin typeface="+mn-lt"/>
-                <a:ea typeface="+mn-ea"/>
-                <a:cs typeface="+mn-cs"/>
-              </a:defRPr>
-            </a:lvl3pPr>
-            <a:lvl4pPr marL="1028700" algn="l" defTabSz="685800" rtl="0" eaLnBrk="1" latinLnBrk="0" hangingPunct="1">
-              <a:defRPr sz="1350" kern="1200">
-                <a:solidFill>
-                  <a:schemeClr val="lt1"/>
-                </a:solidFill>
-                <a:latin typeface="+mn-lt"/>
-                <a:ea typeface="+mn-ea"/>
-                <a:cs typeface="+mn-cs"/>
-              </a:defRPr>
-            </a:lvl4pPr>
-            <a:lvl5pPr marL="1371600" algn="l" defTabSz="685800" rtl="0" eaLnBrk="1" latinLnBrk="0" hangingPunct="1">
-              <a:defRPr sz="1350" kern="1200">
-                <a:solidFill>
-                  <a:schemeClr val="lt1"/>
-                </a:solidFill>
-                <a:latin typeface="+mn-lt"/>
-                <a:ea typeface="+mn-ea"/>
-                <a:cs typeface="+mn-cs"/>
-              </a:defRPr>
-            </a:lvl5pPr>
-            <a:lvl6pPr marL="1714500" algn="l" defTabSz="685800" rtl="0" eaLnBrk="1" latinLnBrk="0" hangingPunct="1">
-              <a:defRPr sz="1350" kern="1200">
-                <a:solidFill>
-                  <a:schemeClr val="lt1"/>
-                </a:solidFill>
-                <a:latin typeface="+mn-lt"/>
-                <a:ea typeface="+mn-ea"/>
-                <a:cs typeface="+mn-cs"/>
-              </a:defRPr>
-            </a:lvl6pPr>
-            <a:lvl7pPr marL="2057400" algn="l" defTabSz="685800" rtl="0" eaLnBrk="1" latinLnBrk="0" hangingPunct="1">
-              <a:defRPr sz="1350" kern="1200">
-                <a:solidFill>
-                  <a:schemeClr val="lt1"/>
-                </a:solidFill>
-                <a:latin typeface="+mn-lt"/>
-                <a:ea typeface="+mn-ea"/>
-                <a:cs typeface="+mn-cs"/>
-              </a:defRPr>
-            </a:lvl7pPr>
-            <a:lvl8pPr marL="2400300" algn="l" defTabSz="685800" rtl="0" eaLnBrk="1" latinLnBrk="0" hangingPunct="1">
-              <a:defRPr sz="1350" kern="1200">
-                <a:solidFill>
-                  <a:schemeClr val="lt1"/>
-                </a:solidFill>
-                <a:latin typeface="+mn-lt"/>
-                <a:ea typeface="+mn-ea"/>
-                <a:cs typeface="+mn-cs"/>
-              </a:defRPr>
-            </a:lvl8pPr>
-            <a:lvl9pPr marL="2743200" algn="l" defTabSz="685800" rtl="0" eaLnBrk="1" latinLnBrk="0" hangingPunct="1">
-              <a:defRPr sz="1350" kern="1200">
-                <a:solidFill>
-                  <a:schemeClr val="lt1"/>
-                </a:solidFill>
-                <a:latin typeface="+mn-lt"/>
-                <a:ea typeface="+mn-ea"/>
-                <a:cs typeface="+mn-cs"/>
-              </a:defRPr>
-            </a:lvl9pPr>
-          </a:lstStyle>
-          <a:p>
-            <a:pPr algn="ctr"/>
-            <a:r>
-              <a:rPr lang="es-ES" altLang="zh-CN" sz="2000" dirty="0" smtClean="0">
-                <a:solidFill>
-                  <a:schemeClr val="bg1"/>
-                </a:solidFill>
-              </a:rPr>
-              <a:t>El usuario de tipo “cliente” podrá realizar una reserva de uno o muchos vuelos.</a:t>
-            </a:r>
-            <a:endParaRPr lang="zh-CN" altLang="en-US" sz="2000" dirty="0">
-              <a:solidFill>
-                <a:schemeClr val="bg1"/>
-              </a:solidFill>
-            </a:endParaRPr>
-          </a:p>
-        </p:txBody>
-      </p:sp>
-      <p:pic>
-        <p:nvPicPr>
-          <p:cNvPr id="1028" name="Picture 4"/>
-          <p:cNvPicPr>
-            <a:picLocks noChangeAspect="1" noChangeArrowheads="1"/>
-          </p:cNvPicPr>
-          <p:nvPr/>
-        </p:nvPicPr>
-        <p:blipFill>
-          <a:blip r:embed="rId2">
-            <a:extLst>
-              <a:ext uri="{28A0092B-C50C-407E-A947-70E740481C1C}">
-                <a14:useLocalDpi xmlns:a14="http://schemas.microsoft.com/office/drawing/2010/main" val="0"/>
-              </a:ext>
-            </a:extLst>
-          </a:blip>
-          <a:srcRect/>
-          <a:stretch>
-            <a:fillRect/>
-          </a:stretch>
-        </p:blipFill>
-        <p:spPr bwMode="auto">
-          <a:xfrm>
-            <a:off x="819150" y="65748"/>
-            <a:ext cx="4857750" cy="6792252"/>
-          </a:xfrm>
-          <a:prstGeom prst="roundRect">
-            <a:avLst>
-              <a:gd name="adj" fmla="val 8594"/>
-            </a:avLst>
-          </a:prstGeom>
-          <a:solidFill>
-            <a:srgbClr val="FFFFFF">
-              <a:shade val="85000"/>
-            </a:srgbClr>
-          </a:solidFill>
-          <a:ln w="9525">
-            <a:solidFill>
-              <a:schemeClr val="tx1"/>
-            </a:solidFill>
-            <a:miter lim="800000"/>
-            <a:headEnd/>
-            <a:tailEnd/>
-          </a:ln>
-          <a:effectLst>
-            <a:reflection blurRad="12700" stA="38000" endPos="28000" dist="5000" dir="5400000" sy="-100000" algn="bl" rotWithShape="0"/>
-          </a:effectLst>
-          <a:extLst>
-            <a:ext uri="{909E8E84-426E-40DD-AFC4-6F175D3DCCD1}">
-              <a14:hiddenFill xmlns:a14="http://schemas.microsoft.com/office/drawing/2010/main">
-                <a:solidFill>
-                  <a:schemeClr val="accent1"/>
-                </a:solidFill>
-              </a14:hiddenFill>
-            </a:ext>
-          </a:extLst>
-        </p:spPr>
-      </p:pic>
-    </p:spTree>
-  </p:cSld>
-  <p:clrMapOvr>
-    <a:masterClrMapping/>
-  </p:clrMapOvr>
-  <mc:AlternateContent xmlns:mc="http://schemas.openxmlformats.org/markup-compatibility/2006" xmlns:p14="http://schemas.microsoft.com/office/powerpoint/2010/main">
-    <mc:Choice Requires="p14">
-      <p:transition spd="slow" p14:dur="1500">
-        <p:random/>
-      </p:transition>
-    </mc:Choice>
-    <mc:Fallback xmlns="">
-      <p:transition spd="slow">
-        <p:random/>
-      </p:transition>
-    </mc:Fallback>
-  </mc:AlternateContent>
-  <p:timing>
-    <p:tnLst>
-      <p:par>
-        <p:cTn id="1" dur="indefinite" restart="never" nodeType="tmRoot"/>
-      </p:par>
-    </p:tnLst>
-  </p:timing>
-</p:sld>
-</file>
-
-<file path=ppt/slides/slide5.xml><?xml version="1.0" encoding="utf-8"?>
+<file path=ppt/slides/slide10.xml><?xml version="1.0" encoding="utf-8"?>
 <p:sld xmlns:a="http://schemas.openxmlformats.org/drawingml/2006/main" xmlns:r="http://schemas.openxmlformats.org/officeDocument/2006/relationships" xmlns:p="http://schemas.openxmlformats.org/presentationml/2006/main">
   <p:cSld>
     <p:spTree>
@@ -8842,7 +7344,7 @@
       </p:sp>
       <p:pic>
         <p:nvPicPr>
-          <p:cNvPr id="2050" name="Picture 2"/>
+          <p:cNvPr id="7170" name="Picture 2"/>
           <p:cNvPicPr>
             <a:picLocks noChangeAspect="1" noChangeArrowheads="1"/>
           </p:cNvPicPr>
@@ -8863,8 +7365,8 @@
         </p:blipFill>
         <p:spPr bwMode="auto">
           <a:xfrm>
-            <a:off x="309563" y="211839"/>
-            <a:ext cx="8829675" cy="4876800"/>
+            <a:off x="785813" y="400050"/>
+            <a:ext cx="4570624" cy="6239423"/>
           </a:xfrm>
           <a:prstGeom prst="roundRect">
             <a:avLst>
@@ -8901,7 +7403,7 @@
     </p:spTree>
     <p:extLst>
       <p:ext uri="{BB962C8B-B14F-4D97-AF65-F5344CB8AC3E}">
-        <p14:creationId xmlns:p14="http://schemas.microsoft.com/office/powerpoint/2010/main" val="2250952663"/>
+        <p14:creationId xmlns:p14="http://schemas.microsoft.com/office/powerpoint/2010/main" val="2398951730"/>
       </p:ext>
     </p:extLst>
   </p:cSld>
@@ -8930,673 +7432,7 @@
 </p:sld>
 </file>
 
-<file path=ppt/slides/slide6.xml><?xml version="1.0" encoding="utf-8"?>
-<p:sld xmlns:a="http://schemas.openxmlformats.org/drawingml/2006/main" xmlns:r="http://schemas.openxmlformats.org/officeDocument/2006/relationships" xmlns:p="http://schemas.openxmlformats.org/presentationml/2006/main">
-  <p:cSld>
-    <p:spTree>
-      <p:nvGrpSpPr>
-        <p:cNvPr id="1" name=""/>
-        <p:cNvGrpSpPr/>
-        <p:nvPr/>
-      </p:nvGrpSpPr>
-      <p:grpSpPr>
-        <a:xfrm>
-          <a:off x="0" y="0"/>
-          <a:ext cx="0" cy="0"/>
-          <a:chOff x="0" y="0"/>
-          <a:chExt cx="0" cy="0"/>
-        </a:xfrm>
-      </p:grpSpPr>
-      <p:sp>
-        <p:nvSpPr>
-          <p:cNvPr id="34" name="Rectangle 33"/>
-          <p:cNvSpPr/>
-          <p:nvPr/>
-        </p:nvSpPr>
-        <p:spPr>
-          <a:xfrm>
-            <a:off x="0" y="6115607"/>
-            <a:ext cx="12192000" cy="1047733"/>
-          </a:xfrm>
-          <a:prstGeom prst="rect">
-            <a:avLst/>
-          </a:prstGeom>
-          <a:solidFill>
-            <a:srgbClr val="D2D0D0"/>
-          </a:solidFill>
-          <a:ln>
-            <a:noFill/>
-          </a:ln>
-        </p:spPr>
-        <p:style>
-          <a:lnRef idx="2">
-            <a:schemeClr val="accent1">
-              <a:shade val="50000"/>
-            </a:schemeClr>
-          </a:lnRef>
-          <a:fillRef idx="1">
-            <a:schemeClr val="accent1"/>
-          </a:fillRef>
-          <a:effectRef idx="0">
-            <a:schemeClr val="accent1"/>
-          </a:effectRef>
-          <a:fontRef idx="minor">
-            <a:schemeClr val="lt1"/>
-          </a:fontRef>
-        </p:style>
-        <p:txBody>
-          <a:bodyPr rtlCol="0" anchor="ctr"/>
-          <a:lstStyle/>
-          <a:p>
-            <a:pPr algn="ctr" fontAlgn="base">
-              <a:spcBef>
-                <a:spcPct val="0"/>
-              </a:spcBef>
-              <a:spcAft>
-                <a:spcPct val="0"/>
-              </a:spcAft>
-            </a:pPr>
-            <a:endParaRPr lang="en-US" sz="2800">
-              <a:solidFill>
-                <a:prstClr val="white"/>
-              </a:solidFill>
-              <a:cs typeface="+mn-ea"/>
-              <a:sym typeface="+mn-lt"/>
-            </a:endParaRPr>
-          </a:p>
-        </p:txBody>
-      </p:sp>
-      <p:sp>
-        <p:nvSpPr>
-          <p:cNvPr id="10" name="箭头: V 形 105"/>
-          <p:cNvSpPr/>
-          <p:nvPr/>
-        </p:nvSpPr>
-        <p:spPr>
-          <a:xfrm flipH="1">
-            <a:off x="7250197" y="5279409"/>
-            <a:ext cx="4941803" cy="1028161"/>
-          </a:xfrm>
-          <a:prstGeom prst="chevron">
-            <a:avLst>
-              <a:gd name="adj" fmla="val 29021"/>
-            </a:avLst>
-          </a:prstGeom>
-          <a:gradFill flip="none" rotWithShape="1">
-            <a:gsLst>
-              <a:gs pos="0">
-                <a:srgbClr val="F9AC7D"/>
-              </a:gs>
-              <a:gs pos="100000">
-                <a:srgbClr val="F28893"/>
-              </a:gs>
-            </a:gsLst>
-            <a:lin ang="0" scaled="1"/>
-            <a:tileRect/>
-          </a:gradFill>
-          <a:ln>
-            <a:noFill/>
-          </a:ln>
-        </p:spPr>
-        <p:style>
-          <a:lnRef idx="2">
-            <a:schemeClr val="accent1">
-              <a:shade val="50000"/>
-            </a:schemeClr>
-          </a:lnRef>
-          <a:fillRef idx="1">
-            <a:schemeClr val="accent1"/>
-          </a:fillRef>
-          <a:effectRef idx="0">
-            <a:schemeClr val="accent1"/>
-          </a:effectRef>
-          <a:fontRef idx="minor">
-            <a:schemeClr val="lt1"/>
-          </a:fontRef>
-        </p:style>
-        <p:txBody>
-          <a:bodyPr rtlCol="0" anchor="ctr"/>
-          <a:lstStyle>
-            <a:defPPr>
-              <a:defRPr lang="en-US">
-                <a:solidFill>
-                  <a:schemeClr val="lt1"/>
-                </a:solidFill>
-              </a:defRPr>
-            </a:defPPr>
-            <a:lvl1pPr marL="0" algn="l" defTabSz="685800" rtl="0" eaLnBrk="1" latinLnBrk="0" hangingPunct="1">
-              <a:defRPr sz="1350" kern="1200">
-                <a:solidFill>
-                  <a:schemeClr val="lt1"/>
-                </a:solidFill>
-                <a:latin typeface="+mn-lt"/>
-                <a:ea typeface="+mn-ea"/>
-                <a:cs typeface="+mn-cs"/>
-              </a:defRPr>
-            </a:lvl1pPr>
-            <a:lvl2pPr marL="342900" algn="l" defTabSz="685800" rtl="0" eaLnBrk="1" latinLnBrk="0" hangingPunct="1">
-              <a:defRPr sz="1350" kern="1200">
-                <a:solidFill>
-                  <a:schemeClr val="lt1"/>
-                </a:solidFill>
-                <a:latin typeface="+mn-lt"/>
-                <a:ea typeface="+mn-ea"/>
-                <a:cs typeface="+mn-cs"/>
-              </a:defRPr>
-            </a:lvl2pPr>
-            <a:lvl3pPr marL="685800" algn="l" defTabSz="685800" rtl="0" eaLnBrk="1" latinLnBrk="0" hangingPunct="1">
-              <a:defRPr sz="1350" kern="1200">
-                <a:solidFill>
-                  <a:schemeClr val="lt1"/>
-                </a:solidFill>
-                <a:latin typeface="+mn-lt"/>
-                <a:ea typeface="+mn-ea"/>
-                <a:cs typeface="+mn-cs"/>
-              </a:defRPr>
-            </a:lvl3pPr>
-            <a:lvl4pPr marL="1028700" algn="l" defTabSz="685800" rtl="0" eaLnBrk="1" latinLnBrk="0" hangingPunct="1">
-              <a:defRPr sz="1350" kern="1200">
-                <a:solidFill>
-                  <a:schemeClr val="lt1"/>
-                </a:solidFill>
-                <a:latin typeface="+mn-lt"/>
-                <a:ea typeface="+mn-ea"/>
-                <a:cs typeface="+mn-cs"/>
-              </a:defRPr>
-            </a:lvl4pPr>
-            <a:lvl5pPr marL="1371600" algn="l" defTabSz="685800" rtl="0" eaLnBrk="1" latinLnBrk="0" hangingPunct="1">
-              <a:defRPr sz="1350" kern="1200">
-                <a:solidFill>
-                  <a:schemeClr val="lt1"/>
-                </a:solidFill>
-                <a:latin typeface="+mn-lt"/>
-                <a:ea typeface="+mn-ea"/>
-                <a:cs typeface="+mn-cs"/>
-              </a:defRPr>
-            </a:lvl5pPr>
-            <a:lvl6pPr marL="1714500" algn="l" defTabSz="685800" rtl="0" eaLnBrk="1" latinLnBrk="0" hangingPunct="1">
-              <a:defRPr sz="1350" kern="1200">
-                <a:solidFill>
-                  <a:schemeClr val="lt1"/>
-                </a:solidFill>
-                <a:latin typeface="+mn-lt"/>
-                <a:ea typeface="+mn-ea"/>
-                <a:cs typeface="+mn-cs"/>
-              </a:defRPr>
-            </a:lvl6pPr>
-            <a:lvl7pPr marL="2057400" algn="l" defTabSz="685800" rtl="0" eaLnBrk="1" latinLnBrk="0" hangingPunct="1">
-              <a:defRPr sz="1350" kern="1200">
-                <a:solidFill>
-                  <a:schemeClr val="lt1"/>
-                </a:solidFill>
-                <a:latin typeface="+mn-lt"/>
-                <a:ea typeface="+mn-ea"/>
-                <a:cs typeface="+mn-cs"/>
-              </a:defRPr>
-            </a:lvl7pPr>
-            <a:lvl8pPr marL="2400300" algn="l" defTabSz="685800" rtl="0" eaLnBrk="1" latinLnBrk="0" hangingPunct="1">
-              <a:defRPr sz="1350" kern="1200">
-                <a:solidFill>
-                  <a:schemeClr val="lt1"/>
-                </a:solidFill>
-                <a:latin typeface="+mn-lt"/>
-                <a:ea typeface="+mn-ea"/>
-                <a:cs typeface="+mn-cs"/>
-              </a:defRPr>
-            </a:lvl8pPr>
-            <a:lvl9pPr marL="2743200" algn="l" defTabSz="685800" rtl="0" eaLnBrk="1" latinLnBrk="0" hangingPunct="1">
-              <a:defRPr sz="1350" kern="1200">
-                <a:solidFill>
-                  <a:schemeClr val="lt1"/>
-                </a:solidFill>
-                <a:latin typeface="+mn-lt"/>
-                <a:ea typeface="+mn-ea"/>
-                <a:cs typeface="+mn-cs"/>
-              </a:defRPr>
-            </a:lvl9pPr>
-          </a:lstStyle>
-          <a:p>
-            <a:pPr algn="ctr"/>
-            <a:r>
-              <a:rPr lang="es-ES" altLang="zh-CN" sz="2000" dirty="0" smtClean="0">
-                <a:solidFill>
-                  <a:schemeClr val="bg1"/>
-                </a:solidFill>
-              </a:rPr>
-              <a:t>El usuario…</a:t>
-            </a:r>
-            <a:endParaRPr lang="zh-CN" altLang="en-US" sz="2000" dirty="0">
-              <a:solidFill>
-                <a:schemeClr val="bg1"/>
-              </a:solidFill>
-            </a:endParaRPr>
-          </a:p>
-        </p:txBody>
-      </p:sp>
-      <p:pic>
-        <p:nvPicPr>
-          <p:cNvPr id="3075" name="Picture 3"/>
-          <p:cNvPicPr>
-            <a:picLocks noChangeAspect="1" noChangeArrowheads="1"/>
-          </p:cNvPicPr>
-          <p:nvPr/>
-        </p:nvPicPr>
-        <p:blipFill>
-          <a:blip r:embed="rId2">
-            <a:extLst>
-              <a:ext uri="{28A0092B-C50C-407E-A947-70E740481C1C}">
-                <a14:useLocalDpi xmlns:a14="http://schemas.microsoft.com/office/drawing/2010/main" val="0"/>
-              </a:ext>
-            </a:extLst>
-          </a:blip>
-          <a:srcRect/>
-          <a:stretch>
-            <a:fillRect/>
-          </a:stretch>
-        </p:blipFill>
-        <p:spPr bwMode="auto">
-          <a:xfrm>
-            <a:off x="476250" y="152464"/>
-            <a:ext cx="5981700" cy="6610285"/>
-          </a:xfrm>
-          <a:prstGeom prst="roundRect">
-            <a:avLst>
-              <a:gd name="adj" fmla="val 8594"/>
-            </a:avLst>
-          </a:prstGeom>
-          <a:solidFill>
-            <a:srgbClr val="FFFFFF">
-              <a:shade val="85000"/>
-            </a:srgbClr>
-          </a:solidFill>
-          <a:ln w="9525">
-            <a:solidFill>
-              <a:schemeClr val="tx1"/>
-            </a:solidFill>
-            <a:miter lim="800000"/>
-            <a:headEnd/>
-            <a:tailEnd/>
-          </a:ln>
-          <a:effectLst>
-            <a:reflection blurRad="12700" stA="38000" endPos="28000" dist="5000" dir="5400000" sy="-100000" algn="bl" rotWithShape="0"/>
-          </a:effectLst>
-          <a:extLst>
-            <a:ext uri="{909E8E84-426E-40DD-AFC4-6F175D3DCCD1}">
-              <a14:hiddenFill xmlns:a14="http://schemas.microsoft.com/office/drawing/2010/main">
-                <a:solidFill>
-                  <a:schemeClr val="accent1"/>
-                </a:solidFill>
-              </a14:hiddenFill>
-            </a:ext>
-          </a:extLst>
-        </p:spPr>
-      </p:pic>
-    </p:spTree>
-    <p:extLst>
-      <p:ext uri="{BB962C8B-B14F-4D97-AF65-F5344CB8AC3E}">
-        <p14:creationId xmlns:p14="http://schemas.microsoft.com/office/powerpoint/2010/main" val="1970214700"/>
-      </p:ext>
-    </p:extLst>
-  </p:cSld>
-  <p:clrMapOvr>
-    <a:masterClrMapping/>
-  </p:clrMapOvr>
-  <mc:AlternateContent xmlns:mc="http://schemas.openxmlformats.org/markup-compatibility/2006" xmlns:p14="http://schemas.microsoft.com/office/powerpoint/2010/main">
-    <mc:Choice Requires="p14">
-      <p:transition spd="slow" p14:dur="1500">
-        <p:random/>
-      </p:transition>
-    </mc:Choice>
-    <mc:Fallback xmlns="">
-      <p:transition spd="slow">
-        <p:random/>
-      </p:transition>
-    </mc:Fallback>
-  </mc:AlternateContent>
-  <p:timing>
-    <p:tnLst>
-      <p:par>
-        <p:cTn id="1" dur="indefinite" restart="never" nodeType="tmRoot"/>
-      </p:par>
-    </p:tnLst>
-  </p:timing>
-</p:sld>
-</file>
-
-<file path=ppt/slides/slide7.xml><?xml version="1.0" encoding="utf-8"?>
-<p:sld xmlns:a="http://schemas.openxmlformats.org/drawingml/2006/main" xmlns:r="http://schemas.openxmlformats.org/officeDocument/2006/relationships" xmlns:p="http://schemas.openxmlformats.org/presentationml/2006/main">
-  <p:cSld>
-    <p:spTree>
-      <p:nvGrpSpPr>
-        <p:cNvPr id="1" name=""/>
-        <p:cNvGrpSpPr/>
-        <p:nvPr/>
-      </p:nvGrpSpPr>
-      <p:grpSpPr>
-        <a:xfrm>
-          <a:off x="0" y="0"/>
-          <a:ext cx="0" cy="0"/>
-          <a:chOff x="0" y="0"/>
-          <a:chExt cx="0" cy="0"/>
-        </a:xfrm>
-      </p:grpSpPr>
-      <p:sp>
-        <p:nvSpPr>
-          <p:cNvPr id="34" name="Rectangle 33"/>
-          <p:cNvSpPr/>
-          <p:nvPr/>
-        </p:nvSpPr>
-        <p:spPr>
-          <a:xfrm>
-            <a:off x="0" y="6115607"/>
-            <a:ext cx="12192000" cy="1047733"/>
-          </a:xfrm>
-          <a:prstGeom prst="rect">
-            <a:avLst/>
-          </a:prstGeom>
-          <a:solidFill>
-            <a:srgbClr val="D2D0D0"/>
-          </a:solidFill>
-          <a:ln>
-            <a:noFill/>
-          </a:ln>
-        </p:spPr>
-        <p:style>
-          <a:lnRef idx="2">
-            <a:schemeClr val="accent1">
-              <a:shade val="50000"/>
-            </a:schemeClr>
-          </a:lnRef>
-          <a:fillRef idx="1">
-            <a:schemeClr val="accent1"/>
-          </a:fillRef>
-          <a:effectRef idx="0">
-            <a:schemeClr val="accent1"/>
-          </a:effectRef>
-          <a:fontRef idx="minor">
-            <a:schemeClr val="lt1"/>
-          </a:fontRef>
-        </p:style>
-        <p:txBody>
-          <a:bodyPr rtlCol="0" anchor="ctr"/>
-          <a:lstStyle/>
-          <a:p>
-            <a:pPr algn="ctr" fontAlgn="base">
-              <a:spcBef>
-                <a:spcPct val="0"/>
-              </a:spcBef>
-              <a:spcAft>
-                <a:spcPct val="0"/>
-              </a:spcAft>
-            </a:pPr>
-            <a:endParaRPr lang="en-US" sz="2800">
-              <a:solidFill>
-                <a:prstClr val="white"/>
-              </a:solidFill>
-              <a:cs typeface="+mn-ea"/>
-              <a:sym typeface="+mn-lt"/>
-            </a:endParaRPr>
-          </a:p>
-        </p:txBody>
-      </p:sp>
-      <p:sp>
-        <p:nvSpPr>
-          <p:cNvPr id="10" name="箭头: V 形 105"/>
-          <p:cNvSpPr/>
-          <p:nvPr/>
-        </p:nvSpPr>
-        <p:spPr>
-          <a:xfrm flipH="1">
-            <a:off x="7250197" y="5279409"/>
-            <a:ext cx="4941803" cy="1028161"/>
-          </a:xfrm>
-          <a:prstGeom prst="chevron">
-            <a:avLst>
-              <a:gd name="adj" fmla="val 29021"/>
-            </a:avLst>
-          </a:prstGeom>
-          <a:gradFill flip="none" rotWithShape="1">
-            <a:gsLst>
-              <a:gs pos="0">
-                <a:srgbClr val="F9AC7D"/>
-              </a:gs>
-              <a:gs pos="100000">
-                <a:srgbClr val="F28893"/>
-              </a:gs>
-            </a:gsLst>
-            <a:lin ang="0" scaled="1"/>
-            <a:tileRect/>
-          </a:gradFill>
-          <a:ln>
-            <a:noFill/>
-          </a:ln>
-        </p:spPr>
-        <p:style>
-          <a:lnRef idx="2">
-            <a:schemeClr val="accent1">
-              <a:shade val="50000"/>
-            </a:schemeClr>
-          </a:lnRef>
-          <a:fillRef idx="1">
-            <a:schemeClr val="accent1"/>
-          </a:fillRef>
-          <a:effectRef idx="0">
-            <a:schemeClr val="accent1"/>
-          </a:effectRef>
-          <a:fontRef idx="minor">
-            <a:schemeClr val="lt1"/>
-          </a:fontRef>
-        </p:style>
-        <p:txBody>
-          <a:bodyPr rtlCol="0" anchor="ctr"/>
-          <a:lstStyle>
-            <a:defPPr>
-              <a:defRPr lang="en-US">
-                <a:solidFill>
-                  <a:schemeClr val="lt1"/>
-                </a:solidFill>
-              </a:defRPr>
-            </a:defPPr>
-            <a:lvl1pPr marL="0" algn="l" defTabSz="685800" rtl="0" eaLnBrk="1" latinLnBrk="0" hangingPunct="1">
-              <a:defRPr sz="1350" kern="1200">
-                <a:solidFill>
-                  <a:schemeClr val="lt1"/>
-                </a:solidFill>
-                <a:latin typeface="+mn-lt"/>
-                <a:ea typeface="+mn-ea"/>
-                <a:cs typeface="+mn-cs"/>
-              </a:defRPr>
-            </a:lvl1pPr>
-            <a:lvl2pPr marL="342900" algn="l" defTabSz="685800" rtl="0" eaLnBrk="1" latinLnBrk="0" hangingPunct="1">
-              <a:defRPr sz="1350" kern="1200">
-                <a:solidFill>
-                  <a:schemeClr val="lt1"/>
-                </a:solidFill>
-                <a:latin typeface="+mn-lt"/>
-                <a:ea typeface="+mn-ea"/>
-                <a:cs typeface="+mn-cs"/>
-              </a:defRPr>
-            </a:lvl2pPr>
-            <a:lvl3pPr marL="685800" algn="l" defTabSz="685800" rtl="0" eaLnBrk="1" latinLnBrk="0" hangingPunct="1">
-              <a:defRPr sz="1350" kern="1200">
-                <a:solidFill>
-                  <a:schemeClr val="lt1"/>
-                </a:solidFill>
-                <a:latin typeface="+mn-lt"/>
-                <a:ea typeface="+mn-ea"/>
-                <a:cs typeface="+mn-cs"/>
-              </a:defRPr>
-            </a:lvl3pPr>
-            <a:lvl4pPr marL="1028700" algn="l" defTabSz="685800" rtl="0" eaLnBrk="1" latinLnBrk="0" hangingPunct="1">
-              <a:defRPr sz="1350" kern="1200">
-                <a:solidFill>
-                  <a:schemeClr val="lt1"/>
-                </a:solidFill>
-                <a:latin typeface="+mn-lt"/>
-                <a:ea typeface="+mn-ea"/>
-                <a:cs typeface="+mn-cs"/>
-              </a:defRPr>
-            </a:lvl4pPr>
-            <a:lvl5pPr marL="1371600" algn="l" defTabSz="685800" rtl="0" eaLnBrk="1" latinLnBrk="0" hangingPunct="1">
-              <a:defRPr sz="1350" kern="1200">
-                <a:solidFill>
-                  <a:schemeClr val="lt1"/>
-                </a:solidFill>
-                <a:latin typeface="+mn-lt"/>
-                <a:ea typeface="+mn-ea"/>
-                <a:cs typeface="+mn-cs"/>
-              </a:defRPr>
-            </a:lvl5pPr>
-            <a:lvl6pPr marL="1714500" algn="l" defTabSz="685800" rtl="0" eaLnBrk="1" latinLnBrk="0" hangingPunct="1">
-              <a:defRPr sz="1350" kern="1200">
-                <a:solidFill>
-                  <a:schemeClr val="lt1"/>
-                </a:solidFill>
-                <a:latin typeface="+mn-lt"/>
-                <a:ea typeface="+mn-ea"/>
-                <a:cs typeface="+mn-cs"/>
-              </a:defRPr>
-            </a:lvl6pPr>
-            <a:lvl7pPr marL="2057400" algn="l" defTabSz="685800" rtl="0" eaLnBrk="1" latinLnBrk="0" hangingPunct="1">
-              <a:defRPr sz="1350" kern="1200">
-                <a:solidFill>
-                  <a:schemeClr val="lt1"/>
-                </a:solidFill>
-                <a:latin typeface="+mn-lt"/>
-                <a:ea typeface="+mn-ea"/>
-                <a:cs typeface="+mn-cs"/>
-              </a:defRPr>
-            </a:lvl7pPr>
-            <a:lvl8pPr marL="2400300" algn="l" defTabSz="685800" rtl="0" eaLnBrk="1" latinLnBrk="0" hangingPunct="1">
-              <a:defRPr sz="1350" kern="1200">
-                <a:solidFill>
-                  <a:schemeClr val="lt1"/>
-                </a:solidFill>
-                <a:latin typeface="+mn-lt"/>
-                <a:ea typeface="+mn-ea"/>
-                <a:cs typeface="+mn-cs"/>
-              </a:defRPr>
-            </a:lvl8pPr>
-            <a:lvl9pPr marL="2743200" algn="l" defTabSz="685800" rtl="0" eaLnBrk="1" latinLnBrk="0" hangingPunct="1">
-              <a:defRPr sz="1350" kern="1200">
-                <a:solidFill>
-                  <a:schemeClr val="lt1"/>
-                </a:solidFill>
-                <a:latin typeface="+mn-lt"/>
-                <a:ea typeface="+mn-ea"/>
-                <a:cs typeface="+mn-cs"/>
-              </a:defRPr>
-            </a:lvl9pPr>
-          </a:lstStyle>
-          <a:p>
-            <a:pPr algn="ctr"/>
-            <a:r>
-              <a:rPr lang="es-ES" altLang="zh-CN" sz="2000" dirty="0" smtClean="0">
-                <a:solidFill>
-                  <a:schemeClr val="bg1"/>
-                </a:solidFill>
-              </a:rPr>
-              <a:t>El usuario…</a:t>
-            </a:r>
-            <a:endParaRPr lang="zh-CN" altLang="en-US" sz="2000" dirty="0">
-              <a:solidFill>
-                <a:schemeClr val="bg1"/>
-              </a:solidFill>
-            </a:endParaRPr>
-          </a:p>
-        </p:txBody>
-      </p:sp>
-      <p:pic>
-        <p:nvPicPr>
-          <p:cNvPr id="4098" name="Picture 2"/>
-          <p:cNvPicPr>
-            <a:picLocks noChangeAspect="1" noChangeArrowheads="1"/>
-          </p:cNvPicPr>
-          <p:nvPr/>
-        </p:nvPicPr>
-        <p:blipFill>
-          <a:blip r:embed="rId2">
-            <a:extLst>
-              <a:ext uri="{28A0092B-C50C-407E-A947-70E740481C1C}">
-                <a14:useLocalDpi xmlns:a14="http://schemas.microsoft.com/office/drawing/2010/main" val="0"/>
-              </a:ext>
-            </a:extLst>
-          </a:blip>
-          <a:srcRect/>
-          <a:stretch>
-            <a:fillRect/>
-          </a:stretch>
-        </p:blipFill>
-        <p:spPr bwMode="auto">
-          <a:xfrm>
-            <a:off x="471488" y="290059"/>
-            <a:ext cx="6058459" cy="6569961"/>
-          </a:xfrm>
-          <a:prstGeom prst="roundRect">
-            <a:avLst>
-              <a:gd name="adj" fmla="val 8594"/>
-            </a:avLst>
-          </a:prstGeom>
-          <a:solidFill>
-            <a:srgbClr val="FFFFFF">
-              <a:shade val="85000"/>
-            </a:srgbClr>
-          </a:solidFill>
-          <a:ln w="9525">
-            <a:solidFill>
-              <a:schemeClr val="tx1"/>
-            </a:solidFill>
-            <a:miter lim="800000"/>
-            <a:headEnd/>
-            <a:tailEnd/>
-          </a:ln>
-          <a:effectLst>
-            <a:reflection blurRad="12700" stA="38000" endPos="28000" dist="5000" dir="5400000" sy="-100000" algn="bl" rotWithShape="0"/>
-          </a:effectLst>
-          <a:extLst>
-            <a:ext uri="{909E8E84-426E-40DD-AFC4-6F175D3DCCD1}">
-              <a14:hiddenFill xmlns:a14="http://schemas.microsoft.com/office/drawing/2010/main">
-                <a:solidFill>
-                  <a:schemeClr val="accent1"/>
-                </a:solidFill>
-              </a14:hiddenFill>
-            </a:ext>
-          </a:extLst>
-        </p:spPr>
-      </p:pic>
-    </p:spTree>
-    <p:extLst>
-      <p:ext uri="{BB962C8B-B14F-4D97-AF65-F5344CB8AC3E}">
-        <p14:creationId xmlns:p14="http://schemas.microsoft.com/office/powerpoint/2010/main" val="2174911341"/>
-      </p:ext>
-    </p:extLst>
-  </p:cSld>
-  <p:clrMapOvr>
-    <a:masterClrMapping/>
-  </p:clrMapOvr>
-  <mc:AlternateContent xmlns:mc="http://schemas.openxmlformats.org/markup-compatibility/2006" xmlns:p14="http://schemas.microsoft.com/office/powerpoint/2010/main">
-    <mc:Choice Requires="p14">
-      <p:transition spd="slow" p14:dur="1500">
-        <p:random/>
-      </p:transition>
-    </mc:Choice>
-    <mc:Fallback xmlns="">
-      <p:transition spd="slow">
-        <p:random/>
-      </p:transition>
-    </mc:Fallback>
-  </mc:AlternateContent>
-  <p:timing>
-    <p:tnLst>
-      <p:par>
-        <p:cTn id="1" dur="indefinite" restart="never" nodeType="tmRoot"/>
-      </p:par>
-    </p:tnLst>
-  </p:timing>
-</p:sld>
-</file>
-
-<file path=ppt/slides/slide8.xml><?xml version="1.0" encoding="utf-8"?>
+<file path=ppt/slides/slide11.xml><?xml version="1.0" encoding="utf-8"?>
 <p:sld xmlns:a="http://schemas.openxmlformats.org/drawingml/2006/main" xmlns:r="http://schemas.openxmlformats.org/officeDocument/2006/relationships" xmlns:p="http://schemas.openxmlformats.org/presentationml/2006/main">
   <p:cSld>
     <p:spTree>
@@ -13199,7 +11035,7 @@
 </p:sld>
 </file>
 
-<file path=ppt/slides/slide9.xml><?xml version="1.0" encoding="utf-8"?>
+<file path=ppt/slides/slide12.xml><?xml version="1.0" encoding="utf-8"?>
 <p:sld xmlns:a="http://schemas.openxmlformats.org/drawingml/2006/main" xmlns:r="http://schemas.openxmlformats.org/officeDocument/2006/relationships" xmlns:p="http://schemas.openxmlformats.org/presentationml/2006/main">
   <p:cSld>
     <p:spTree>
@@ -14260,6 +12096,3172 @@
       <p:bldP spid="4" grpId="0"/>
       <p:bldP spid="5" grpId="0"/>
     </p:bldLst>
+  </p:timing>
+</p:sld>
+</file>
+
+<file path=ppt/slides/slide2.xml><?xml version="1.0" encoding="utf-8"?>
+<p:sld xmlns:a="http://schemas.openxmlformats.org/drawingml/2006/main" xmlns:r="http://schemas.openxmlformats.org/officeDocument/2006/relationships" xmlns:p="http://schemas.openxmlformats.org/presentationml/2006/main">
+  <p:cSld>
+    <p:spTree>
+      <p:nvGrpSpPr>
+        <p:cNvPr id="1" name=""/>
+        <p:cNvGrpSpPr/>
+        <p:nvPr/>
+      </p:nvGrpSpPr>
+      <p:grpSpPr>
+        <a:xfrm>
+          <a:off x="0" y="0"/>
+          <a:ext cx="0" cy="0"/>
+          <a:chOff x="0" y="0"/>
+          <a:chExt cx="0" cy="0"/>
+        </a:xfrm>
+      </p:grpSpPr>
+      <p:grpSp>
+        <p:nvGrpSpPr>
+          <p:cNvPr id="6" name="组合 5"/>
+          <p:cNvGrpSpPr/>
+          <p:nvPr/>
+        </p:nvGrpSpPr>
+        <p:grpSpPr>
+          <a:xfrm rot="10432293">
+            <a:off x="6609098" y="-1577400"/>
+            <a:ext cx="10246260" cy="10160900"/>
+            <a:chOff x="5709690" y="-614862"/>
+            <a:chExt cx="6987375" cy="7464925"/>
+          </a:xfrm>
+        </p:grpSpPr>
+        <p:cxnSp>
+          <p:nvCxnSpPr>
+            <p:cNvPr id="7" name="直接连接符 6"/>
+            <p:cNvCxnSpPr/>
+            <p:nvPr userDrawn="1"/>
+          </p:nvCxnSpPr>
+          <p:spPr>
+            <a:xfrm>
+              <a:off x="9918700" y="0"/>
+              <a:ext cx="2262188" cy="2076450"/>
+            </a:xfrm>
+            <a:prstGeom prst="line">
+              <a:avLst/>
+            </a:prstGeom>
+            <a:ln w="38100">
+              <a:solidFill>
+                <a:srgbClr val="C5C3C3"/>
+              </a:solidFill>
+            </a:ln>
+          </p:spPr>
+          <p:style>
+            <a:lnRef idx="1">
+              <a:schemeClr val="accent1"/>
+            </a:lnRef>
+            <a:fillRef idx="0">
+              <a:schemeClr val="accent1"/>
+            </a:fillRef>
+            <a:effectRef idx="0">
+              <a:schemeClr val="accent1"/>
+            </a:effectRef>
+            <a:fontRef idx="minor">
+              <a:schemeClr val="tx1"/>
+            </a:fontRef>
+          </p:style>
+        </p:cxnSp>
+        <p:cxnSp>
+          <p:nvCxnSpPr>
+            <p:cNvPr id="8" name="直接连接符 7"/>
+            <p:cNvCxnSpPr/>
+            <p:nvPr userDrawn="1"/>
+          </p:nvCxnSpPr>
+          <p:spPr>
+            <a:xfrm>
+              <a:off x="9613900" y="0"/>
+              <a:ext cx="2566988" cy="4768850"/>
+            </a:xfrm>
+            <a:prstGeom prst="line">
+              <a:avLst/>
+            </a:prstGeom>
+            <a:ln w="38100">
+              <a:solidFill>
+                <a:srgbClr val="C5C3C3"/>
+              </a:solidFill>
+            </a:ln>
+          </p:spPr>
+          <p:style>
+            <a:lnRef idx="1">
+              <a:schemeClr val="accent1"/>
+            </a:lnRef>
+            <a:fillRef idx="0">
+              <a:schemeClr val="accent1"/>
+            </a:fillRef>
+            <a:effectRef idx="0">
+              <a:schemeClr val="accent1"/>
+            </a:effectRef>
+            <a:fontRef idx="minor">
+              <a:schemeClr val="tx1"/>
+            </a:fontRef>
+          </p:style>
+        </p:cxnSp>
+        <p:cxnSp>
+          <p:nvCxnSpPr>
+            <p:cNvPr id="9" name="直接连接符 8"/>
+            <p:cNvCxnSpPr/>
+            <p:nvPr userDrawn="1"/>
+          </p:nvCxnSpPr>
+          <p:spPr>
+            <a:xfrm>
+              <a:off x="6724650" y="0"/>
+              <a:ext cx="5467350" cy="5181600"/>
+            </a:xfrm>
+            <a:prstGeom prst="line">
+              <a:avLst/>
+            </a:prstGeom>
+            <a:ln w="38100">
+              <a:solidFill>
+                <a:srgbClr val="C5C3C3"/>
+              </a:solidFill>
+            </a:ln>
+          </p:spPr>
+          <p:style>
+            <a:lnRef idx="1">
+              <a:schemeClr val="accent1"/>
+            </a:lnRef>
+            <a:fillRef idx="0">
+              <a:schemeClr val="accent1"/>
+            </a:fillRef>
+            <a:effectRef idx="0">
+              <a:schemeClr val="accent1"/>
+            </a:effectRef>
+            <a:fontRef idx="minor">
+              <a:schemeClr val="tx1"/>
+            </a:fontRef>
+          </p:style>
+        </p:cxnSp>
+        <p:cxnSp>
+          <p:nvCxnSpPr>
+            <p:cNvPr id="10" name="直接连接符 9"/>
+            <p:cNvCxnSpPr/>
+            <p:nvPr userDrawn="1"/>
+          </p:nvCxnSpPr>
+          <p:spPr>
+            <a:xfrm flipH="1">
+              <a:off x="7378700" y="0"/>
+              <a:ext cx="1568451" cy="4234656"/>
+            </a:xfrm>
+            <a:prstGeom prst="line">
+              <a:avLst/>
+            </a:prstGeom>
+            <a:ln w="38100">
+              <a:solidFill>
+                <a:srgbClr val="C5C3C3"/>
+              </a:solidFill>
+            </a:ln>
+          </p:spPr>
+          <p:style>
+            <a:lnRef idx="1">
+              <a:schemeClr val="accent1"/>
+            </a:lnRef>
+            <a:fillRef idx="0">
+              <a:schemeClr val="accent1"/>
+            </a:fillRef>
+            <a:effectRef idx="0">
+              <a:schemeClr val="accent1"/>
+            </a:effectRef>
+            <a:fontRef idx="minor">
+              <a:schemeClr val="tx1"/>
+            </a:fontRef>
+          </p:style>
+        </p:cxnSp>
+        <p:cxnSp>
+          <p:nvCxnSpPr>
+            <p:cNvPr id="11" name="直接连接符 10"/>
+            <p:cNvCxnSpPr/>
+            <p:nvPr userDrawn="1"/>
+          </p:nvCxnSpPr>
+          <p:spPr>
+            <a:xfrm rot="10800000" flipH="1" flipV="1">
+              <a:off x="5709690" y="3325368"/>
+              <a:ext cx="5412335" cy="1701120"/>
+            </a:xfrm>
+            <a:prstGeom prst="line">
+              <a:avLst/>
+            </a:prstGeom>
+            <a:ln w="38100">
+              <a:solidFill>
+                <a:srgbClr val="C5C3C3"/>
+              </a:solidFill>
+            </a:ln>
+          </p:spPr>
+          <p:style>
+            <a:lnRef idx="1">
+              <a:schemeClr val="accent1"/>
+            </a:lnRef>
+            <a:fillRef idx="0">
+              <a:schemeClr val="accent1"/>
+            </a:fillRef>
+            <a:effectRef idx="0">
+              <a:schemeClr val="accent1"/>
+            </a:effectRef>
+            <a:fontRef idx="minor">
+              <a:schemeClr val="tx1"/>
+            </a:fontRef>
+          </p:style>
+        </p:cxnSp>
+        <p:cxnSp>
+          <p:nvCxnSpPr>
+            <p:cNvPr id="12" name="直接连接符 11"/>
+            <p:cNvCxnSpPr/>
+            <p:nvPr userDrawn="1"/>
+          </p:nvCxnSpPr>
+          <p:spPr>
+            <a:xfrm>
+              <a:off x="7378700" y="4234656"/>
+              <a:ext cx="996950" cy="2615407"/>
+            </a:xfrm>
+            <a:prstGeom prst="line">
+              <a:avLst/>
+            </a:prstGeom>
+            <a:ln w="38100">
+              <a:solidFill>
+                <a:srgbClr val="C5C3C3"/>
+              </a:solidFill>
+            </a:ln>
+          </p:spPr>
+          <p:style>
+            <a:lnRef idx="1">
+              <a:schemeClr val="accent1"/>
+            </a:lnRef>
+            <a:fillRef idx="0">
+              <a:schemeClr val="accent1"/>
+            </a:fillRef>
+            <a:effectRef idx="0">
+              <a:schemeClr val="accent1"/>
+            </a:effectRef>
+            <a:fontRef idx="minor">
+              <a:schemeClr val="tx1"/>
+            </a:fontRef>
+          </p:style>
+        </p:cxnSp>
+        <p:cxnSp>
+          <p:nvCxnSpPr>
+            <p:cNvPr id="13" name="直接连接符 12"/>
+            <p:cNvCxnSpPr/>
+            <p:nvPr/>
+          </p:nvCxnSpPr>
+          <p:spPr>
+            <a:xfrm flipH="1">
+              <a:off x="10604500" y="0"/>
+              <a:ext cx="1035050" cy="3663950"/>
+            </a:xfrm>
+            <a:prstGeom prst="line">
+              <a:avLst/>
+            </a:prstGeom>
+            <a:ln w="38100">
+              <a:solidFill>
+                <a:srgbClr val="C5C3C3"/>
+              </a:solidFill>
+            </a:ln>
+          </p:spPr>
+          <p:style>
+            <a:lnRef idx="1">
+              <a:schemeClr val="accent1"/>
+            </a:lnRef>
+            <a:fillRef idx="0">
+              <a:schemeClr val="accent1"/>
+            </a:fillRef>
+            <a:effectRef idx="0">
+              <a:schemeClr val="accent1"/>
+            </a:effectRef>
+            <a:fontRef idx="minor">
+              <a:schemeClr val="tx1"/>
+            </a:fontRef>
+          </p:style>
+        </p:cxnSp>
+        <p:cxnSp>
+          <p:nvCxnSpPr>
+            <p:cNvPr id="14" name="直接连接符 13"/>
+            <p:cNvCxnSpPr/>
+            <p:nvPr userDrawn="1"/>
+          </p:nvCxnSpPr>
+          <p:spPr>
+            <a:xfrm flipH="1" flipV="1">
+              <a:off x="7727950" y="3262512"/>
+              <a:ext cx="2876550" cy="388738"/>
+            </a:xfrm>
+            <a:prstGeom prst="line">
+              <a:avLst/>
+            </a:prstGeom>
+            <a:ln w="38100">
+              <a:solidFill>
+                <a:srgbClr val="C5C3C3"/>
+              </a:solidFill>
+            </a:ln>
+          </p:spPr>
+          <p:style>
+            <a:lnRef idx="1">
+              <a:schemeClr val="accent1"/>
+            </a:lnRef>
+            <a:fillRef idx="0">
+              <a:schemeClr val="accent1"/>
+            </a:fillRef>
+            <a:effectRef idx="0">
+              <a:schemeClr val="accent1"/>
+            </a:effectRef>
+            <a:fontRef idx="minor">
+              <a:schemeClr val="tx1"/>
+            </a:fontRef>
+          </p:style>
+        </p:cxnSp>
+        <p:cxnSp>
+          <p:nvCxnSpPr>
+            <p:cNvPr id="15" name="直接连接符 14"/>
+            <p:cNvCxnSpPr/>
+            <p:nvPr userDrawn="1"/>
+          </p:nvCxnSpPr>
+          <p:spPr>
+            <a:xfrm flipH="1">
+              <a:off x="7389329" y="2076450"/>
+              <a:ext cx="4791559" cy="4773613"/>
+            </a:xfrm>
+            <a:prstGeom prst="line">
+              <a:avLst/>
+            </a:prstGeom>
+            <a:ln w="38100">
+              <a:solidFill>
+                <a:srgbClr val="C5C3C3"/>
+              </a:solidFill>
+            </a:ln>
+          </p:spPr>
+          <p:style>
+            <a:lnRef idx="1">
+              <a:schemeClr val="accent1"/>
+            </a:lnRef>
+            <a:fillRef idx="0">
+              <a:schemeClr val="accent1"/>
+            </a:fillRef>
+            <a:effectRef idx="0">
+              <a:schemeClr val="accent1"/>
+            </a:effectRef>
+            <a:fontRef idx="minor">
+              <a:schemeClr val="tx1"/>
+            </a:fontRef>
+          </p:style>
+        </p:cxnSp>
+        <p:cxnSp>
+          <p:nvCxnSpPr>
+            <p:cNvPr id="16" name="直接连接符 15"/>
+            <p:cNvCxnSpPr/>
+            <p:nvPr userDrawn="1"/>
+          </p:nvCxnSpPr>
+          <p:spPr>
+            <a:xfrm rot="3659565" flipH="1">
+              <a:off x="9279655" y="-378448"/>
+              <a:ext cx="743761" cy="270934"/>
+            </a:xfrm>
+            <a:prstGeom prst="line">
+              <a:avLst/>
+            </a:prstGeom>
+            <a:ln w="38100">
+              <a:solidFill>
+                <a:srgbClr val="C5C3C3"/>
+              </a:solidFill>
+            </a:ln>
+          </p:spPr>
+          <p:style>
+            <a:lnRef idx="1">
+              <a:schemeClr val="accent1"/>
+            </a:lnRef>
+            <a:fillRef idx="0">
+              <a:schemeClr val="accent1"/>
+            </a:fillRef>
+            <a:effectRef idx="0">
+              <a:schemeClr val="accent1"/>
+            </a:effectRef>
+            <a:fontRef idx="minor">
+              <a:schemeClr val="tx1"/>
+            </a:fontRef>
+          </p:style>
+        </p:cxnSp>
+        <p:cxnSp>
+          <p:nvCxnSpPr>
+            <p:cNvPr id="17" name="直接连接符 16"/>
+            <p:cNvCxnSpPr/>
+            <p:nvPr userDrawn="1"/>
+          </p:nvCxnSpPr>
+          <p:spPr>
+            <a:xfrm flipH="1" flipV="1">
+              <a:off x="6686550" y="7937"/>
+              <a:ext cx="1041400" cy="3254575"/>
+            </a:xfrm>
+            <a:prstGeom prst="line">
+              <a:avLst/>
+            </a:prstGeom>
+            <a:ln w="38100">
+              <a:solidFill>
+                <a:srgbClr val="C5C3C3"/>
+              </a:solidFill>
+            </a:ln>
+          </p:spPr>
+          <p:style>
+            <a:lnRef idx="1">
+              <a:schemeClr val="accent1"/>
+            </a:lnRef>
+            <a:fillRef idx="0">
+              <a:schemeClr val="accent1"/>
+            </a:fillRef>
+            <a:effectRef idx="0">
+              <a:schemeClr val="accent1"/>
+            </a:effectRef>
+            <a:fontRef idx="minor">
+              <a:schemeClr val="tx1"/>
+            </a:fontRef>
+          </p:style>
+        </p:cxnSp>
+        <p:cxnSp>
+          <p:nvCxnSpPr>
+            <p:cNvPr id="18" name="直接连接符 17"/>
+            <p:cNvCxnSpPr/>
+            <p:nvPr/>
+          </p:nvCxnSpPr>
+          <p:spPr>
+            <a:xfrm rot="3659565" flipH="1">
+              <a:off x="9206630" y="-252542"/>
+              <a:ext cx="564180" cy="9532"/>
+            </a:xfrm>
+            <a:prstGeom prst="line">
+              <a:avLst/>
+            </a:prstGeom>
+            <a:ln w="38100">
+              <a:solidFill>
+                <a:srgbClr val="C5C3C3"/>
+              </a:solidFill>
+            </a:ln>
+          </p:spPr>
+          <p:style>
+            <a:lnRef idx="1">
+              <a:schemeClr val="accent1"/>
+            </a:lnRef>
+            <a:fillRef idx="0">
+              <a:schemeClr val="accent1"/>
+            </a:fillRef>
+            <a:effectRef idx="0">
+              <a:schemeClr val="accent1"/>
+            </a:effectRef>
+            <a:fontRef idx="minor">
+              <a:schemeClr val="tx1"/>
+            </a:fontRef>
+          </p:style>
+        </p:cxnSp>
+        <p:cxnSp>
+          <p:nvCxnSpPr>
+            <p:cNvPr id="19" name="直接连接符 18"/>
+            <p:cNvCxnSpPr/>
+            <p:nvPr/>
+          </p:nvCxnSpPr>
+          <p:spPr>
+            <a:xfrm rot="11729128" flipH="1" flipV="1">
+              <a:off x="12099148" y="4850070"/>
+              <a:ext cx="597917" cy="643698"/>
+            </a:xfrm>
+            <a:prstGeom prst="line">
+              <a:avLst/>
+            </a:prstGeom>
+            <a:ln w="38100">
+              <a:solidFill>
+                <a:srgbClr val="C5C3C3"/>
+              </a:solidFill>
+            </a:ln>
+          </p:spPr>
+          <p:style>
+            <a:lnRef idx="1">
+              <a:schemeClr val="accent1"/>
+            </a:lnRef>
+            <a:fillRef idx="0">
+              <a:schemeClr val="accent1"/>
+            </a:fillRef>
+            <a:effectRef idx="0">
+              <a:schemeClr val="accent1"/>
+            </a:effectRef>
+            <a:fontRef idx="minor">
+              <a:schemeClr val="tx1"/>
+            </a:fontRef>
+          </p:style>
+        </p:cxnSp>
+        <p:cxnSp>
+          <p:nvCxnSpPr>
+            <p:cNvPr id="20" name="直接连接符 19"/>
+            <p:cNvCxnSpPr/>
+            <p:nvPr/>
+          </p:nvCxnSpPr>
+          <p:spPr>
+            <a:xfrm rot="11729128" flipH="1" flipV="1">
+              <a:off x="12147119" y="5249324"/>
+              <a:ext cx="488474" cy="255869"/>
+            </a:xfrm>
+            <a:prstGeom prst="line">
+              <a:avLst/>
+            </a:prstGeom>
+            <a:ln w="38100">
+              <a:solidFill>
+                <a:srgbClr val="C5C3C3"/>
+              </a:solidFill>
+            </a:ln>
+          </p:spPr>
+          <p:style>
+            <a:lnRef idx="1">
+              <a:schemeClr val="accent1"/>
+            </a:lnRef>
+            <a:fillRef idx="0">
+              <a:schemeClr val="accent1"/>
+            </a:fillRef>
+            <a:effectRef idx="0">
+              <a:schemeClr val="accent1"/>
+            </a:effectRef>
+            <a:fontRef idx="minor">
+              <a:schemeClr val="tx1"/>
+            </a:fontRef>
+          </p:style>
+        </p:cxnSp>
+      </p:grpSp>
+      <p:pic>
+        <p:nvPicPr>
+          <p:cNvPr id="2" name="1 Imagen"/>
+          <p:cNvPicPr>
+            <a:picLocks noChangeAspect="1"/>
+          </p:cNvPicPr>
+          <p:nvPr/>
+        </p:nvPicPr>
+        <p:blipFill>
+          <a:blip r:embed="rId2">
+            <a:extLst>
+              <a:ext uri="{28A0092B-C50C-407E-A947-70E740481C1C}">
+                <a14:useLocalDpi xmlns:a14="http://schemas.microsoft.com/office/drawing/2010/main" val="0"/>
+              </a:ext>
+            </a:extLst>
+          </a:blip>
+          <a:stretch>
+            <a:fillRect/>
+          </a:stretch>
+        </p:blipFill>
+        <p:spPr>
+          <a:xfrm>
+            <a:off x="1155966" y="0"/>
+            <a:ext cx="9880068" cy="6858000"/>
+          </a:xfrm>
+          <a:prstGeom prst="roundRect">
+            <a:avLst>
+              <a:gd name="adj" fmla="val 8594"/>
+            </a:avLst>
+          </a:prstGeom>
+          <a:solidFill>
+            <a:srgbClr val="FFFFFF">
+              <a:shade val="85000"/>
+            </a:srgbClr>
+          </a:solidFill>
+          <a:ln>
+            <a:solidFill>
+              <a:srgbClr val="DBDADA"/>
+            </a:solidFill>
+          </a:ln>
+          <a:effectLst>
+            <a:reflection blurRad="12700" stA="38000" endPos="28000" dist="5000" dir="5400000" sy="-100000" algn="bl" rotWithShape="0"/>
+          </a:effectLst>
+        </p:spPr>
+      </p:pic>
+    </p:spTree>
+  </p:cSld>
+  <p:clrMapOvr>
+    <a:masterClrMapping/>
+  </p:clrMapOvr>
+  <mc:AlternateContent xmlns:mc="http://schemas.openxmlformats.org/markup-compatibility/2006" xmlns:p14="http://schemas.microsoft.com/office/powerpoint/2010/main">
+    <mc:Choice Requires="p14">
+      <p:transition spd="slow" p14:dur="1500">
+        <p:random/>
+      </p:transition>
+    </mc:Choice>
+    <mc:Fallback xmlns="">
+      <p:transition spd="slow">
+        <p:random/>
+      </p:transition>
+    </mc:Fallback>
+  </mc:AlternateContent>
+  <p:timing>
+    <p:tnLst>
+      <p:par>
+        <p:cTn id="1" dur="indefinite" restart="never" nodeType="tmRoot">
+          <p:childTnLst>
+            <p:seq concurrent="1" nextAc="seek">
+              <p:cTn id="2" dur="indefinite" nodeType="mainSeq">
+                <p:childTnLst>
+                  <p:par>
+                    <p:cTn id="3" fill="hold">
+                      <p:stCondLst>
+                        <p:cond delay="indefinite"/>
+                        <p:cond evt="onBegin" delay="0">
+                          <p:tn val="2"/>
+                        </p:cond>
+                      </p:stCondLst>
+                      <p:childTnLst>
+                        <p:par>
+                          <p:cTn id="4" fill="hold">
+                            <p:stCondLst>
+                              <p:cond delay="0"/>
+                            </p:stCondLst>
+                            <p:childTnLst>
+                              <p:par>
+                                <p:cTn id="5" presetID="18" presetClass="entr" presetSubtype="12" fill="hold" nodeType="afterEffect">
+                                  <p:stCondLst>
+                                    <p:cond delay="0"/>
+                                  </p:stCondLst>
+                                  <p:childTnLst>
+                                    <p:set>
+                                      <p:cBhvr>
+                                        <p:cTn id="6" dur="1" fill="hold">
+                                          <p:stCondLst>
+                                            <p:cond delay="0"/>
+                                          </p:stCondLst>
+                                        </p:cTn>
+                                        <p:tgtEl>
+                                          <p:spTgt spid="6"/>
+                                        </p:tgtEl>
+                                        <p:attrNameLst>
+                                          <p:attrName>style.visibility</p:attrName>
+                                        </p:attrNameLst>
+                                      </p:cBhvr>
+                                      <p:to>
+                                        <p:strVal val="visible"/>
+                                      </p:to>
+                                    </p:set>
+                                    <p:animEffect transition="in" filter="strips(downLeft)">
+                                      <p:cBhvr>
+                                        <p:cTn id="7" dur="750"/>
+                                        <p:tgtEl>
+                                          <p:spTgt spid="6"/>
+                                        </p:tgtEl>
+                                      </p:cBhvr>
+                                    </p:animEffect>
+                                  </p:childTnLst>
+                                </p:cTn>
+                              </p:par>
+                            </p:childTnLst>
+                          </p:cTn>
+                        </p:par>
+                      </p:childTnLst>
+                    </p:cTn>
+                  </p:par>
+                </p:childTnLst>
+              </p:cTn>
+              <p:prevCondLst>
+                <p:cond evt="onPrev" delay="0">
+                  <p:tgtEl>
+                    <p:sldTgt/>
+                  </p:tgtEl>
+                </p:cond>
+              </p:prevCondLst>
+              <p:nextCondLst>
+                <p:cond evt="onNext" delay="0">
+                  <p:tgtEl>
+                    <p:sldTgt/>
+                  </p:tgtEl>
+                </p:cond>
+              </p:nextCondLst>
+            </p:seq>
+          </p:childTnLst>
+        </p:cTn>
+      </p:par>
+    </p:tnLst>
+  </p:timing>
+</p:sld>
+</file>
+
+<file path=ppt/slides/slide3.xml><?xml version="1.0" encoding="utf-8"?>
+<p:sld xmlns:a="http://schemas.openxmlformats.org/drawingml/2006/main" xmlns:r="http://schemas.openxmlformats.org/officeDocument/2006/relationships" xmlns:p="http://schemas.openxmlformats.org/presentationml/2006/main">
+  <p:cSld>
+    <p:spTree>
+      <p:nvGrpSpPr>
+        <p:cNvPr id="1" name=""/>
+        <p:cNvGrpSpPr/>
+        <p:nvPr/>
+      </p:nvGrpSpPr>
+      <p:grpSpPr>
+        <a:xfrm>
+          <a:off x="0" y="0"/>
+          <a:ext cx="0" cy="0"/>
+          <a:chOff x="0" y="0"/>
+          <a:chExt cx="0" cy="0"/>
+        </a:xfrm>
+      </p:grpSpPr>
+      <p:sp>
+        <p:nvSpPr>
+          <p:cNvPr id="34" name="Rectangle 33"/>
+          <p:cNvSpPr/>
+          <p:nvPr/>
+        </p:nvSpPr>
+        <p:spPr>
+          <a:xfrm>
+            <a:off x="0" y="6115607"/>
+            <a:ext cx="12192000" cy="1047733"/>
+          </a:xfrm>
+          <a:prstGeom prst="rect">
+            <a:avLst/>
+          </a:prstGeom>
+          <a:solidFill>
+            <a:srgbClr val="D2D0D0"/>
+          </a:solidFill>
+          <a:ln>
+            <a:noFill/>
+          </a:ln>
+        </p:spPr>
+        <p:style>
+          <a:lnRef idx="2">
+            <a:schemeClr val="accent1">
+              <a:shade val="50000"/>
+            </a:schemeClr>
+          </a:lnRef>
+          <a:fillRef idx="1">
+            <a:schemeClr val="accent1"/>
+          </a:fillRef>
+          <a:effectRef idx="0">
+            <a:schemeClr val="accent1"/>
+          </a:effectRef>
+          <a:fontRef idx="minor">
+            <a:schemeClr val="lt1"/>
+          </a:fontRef>
+        </p:style>
+        <p:txBody>
+          <a:bodyPr rtlCol="0" anchor="ctr"/>
+          <a:lstStyle/>
+          <a:p>
+            <a:pPr algn="ctr" fontAlgn="base">
+              <a:spcBef>
+                <a:spcPct val="0"/>
+              </a:spcBef>
+              <a:spcAft>
+                <a:spcPct val="0"/>
+              </a:spcAft>
+            </a:pPr>
+            <a:endParaRPr lang="en-US" sz="2800">
+              <a:solidFill>
+                <a:prstClr val="white"/>
+              </a:solidFill>
+              <a:cs typeface="+mn-ea"/>
+              <a:sym typeface="+mn-lt"/>
+            </a:endParaRPr>
+          </a:p>
+        </p:txBody>
+      </p:sp>
+      <p:pic>
+        <p:nvPicPr>
+          <p:cNvPr id="1026" name="Picture 2"/>
+          <p:cNvPicPr>
+            <a:picLocks noChangeAspect="1" noChangeArrowheads="1"/>
+          </p:cNvPicPr>
+          <p:nvPr/>
+        </p:nvPicPr>
+        <p:blipFill>
+          <a:blip r:embed="rId2">
+            <a:extLst>
+              <a:ext uri="{28A0092B-C50C-407E-A947-70E740481C1C}">
+                <a14:useLocalDpi xmlns:a14="http://schemas.microsoft.com/office/drawing/2010/main" val="0"/>
+              </a:ext>
+            </a:extLst>
+          </a:blip>
+          <a:srcRect/>
+          <a:stretch>
+            <a:fillRect/>
+          </a:stretch>
+        </p:blipFill>
+        <p:spPr bwMode="auto">
+          <a:xfrm>
+            <a:off x="1833563" y="852487"/>
+            <a:ext cx="3576637" cy="4584487"/>
+          </a:xfrm>
+          <a:prstGeom prst="roundRect">
+            <a:avLst>
+              <a:gd name="adj" fmla="val 8594"/>
+            </a:avLst>
+          </a:prstGeom>
+          <a:solidFill>
+            <a:srgbClr val="FFFFFF">
+              <a:shade val="85000"/>
+            </a:srgbClr>
+          </a:solidFill>
+          <a:ln w="9525">
+            <a:solidFill>
+              <a:schemeClr val="tx1"/>
+            </a:solidFill>
+            <a:miter lim="800000"/>
+            <a:headEnd/>
+            <a:tailEnd/>
+          </a:ln>
+          <a:effectLst>
+            <a:reflection blurRad="12700" stA="38000" endPos="28000" dist="5000" dir="5400000" sy="-100000" algn="bl" rotWithShape="0"/>
+          </a:effectLst>
+          <a:extLst>
+            <a:ext uri="{909E8E84-426E-40DD-AFC4-6F175D3DCCD1}">
+              <a14:hiddenFill xmlns:a14="http://schemas.microsoft.com/office/drawing/2010/main">
+                <a:solidFill>
+                  <a:schemeClr val="accent1"/>
+                </a:solidFill>
+              </a14:hiddenFill>
+            </a:ext>
+          </a:extLst>
+        </p:spPr>
+      </p:pic>
+      <p:sp>
+        <p:nvSpPr>
+          <p:cNvPr id="10" name="箭头: V 形 105"/>
+          <p:cNvSpPr/>
+          <p:nvPr/>
+        </p:nvSpPr>
+        <p:spPr>
+          <a:xfrm flipH="1">
+            <a:off x="5815847" y="1754620"/>
+            <a:ext cx="4941803" cy="1028161"/>
+          </a:xfrm>
+          <a:prstGeom prst="chevron">
+            <a:avLst>
+              <a:gd name="adj" fmla="val 29021"/>
+            </a:avLst>
+          </a:prstGeom>
+          <a:gradFill flip="none" rotWithShape="1">
+            <a:gsLst>
+              <a:gs pos="0">
+                <a:srgbClr val="F9AC7D"/>
+              </a:gs>
+              <a:gs pos="100000">
+                <a:srgbClr val="F28893"/>
+              </a:gs>
+            </a:gsLst>
+            <a:lin ang="0" scaled="1"/>
+            <a:tileRect/>
+          </a:gradFill>
+          <a:ln>
+            <a:noFill/>
+          </a:ln>
+        </p:spPr>
+        <p:style>
+          <a:lnRef idx="2">
+            <a:schemeClr val="accent1">
+              <a:shade val="50000"/>
+            </a:schemeClr>
+          </a:lnRef>
+          <a:fillRef idx="1">
+            <a:schemeClr val="accent1"/>
+          </a:fillRef>
+          <a:effectRef idx="0">
+            <a:schemeClr val="accent1"/>
+          </a:effectRef>
+          <a:fontRef idx="minor">
+            <a:schemeClr val="lt1"/>
+          </a:fontRef>
+        </p:style>
+        <p:txBody>
+          <a:bodyPr rtlCol="0" anchor="ctr"/>
+          <a:lstStyle>
+            <a:defPPr>
+              <a:defRPr lang="en-US">
+                <a:solidFill>
+                  <a:schemeClr val="lt1"/>
+                </a:solidFill>
+              </a:defRPr>
+            </a:defPPr>
+            <a:lvl1pPr marL="0" algn="l" defTabSz="685800" rtl="0" eaLnBrk="1" latinLnBrk="0" hangingPunct="1">
+              <a:defRPr sz="1350" kern="1200">
+                <a:solidFill>
+                  <a:schemeClr val="lt1"/>
+                </a:solidFill>
+                <a:latin typeface="+mn-lt"/>
+                <a:ea typeface="+mn-ea"/>
+                <a:cs typeface="+mn-cs"/>
+              </a:defRPr>
+            </a:lvl1pPr>
+            <a:lvl2pPr marL="342900" algn="l" defTabSz="685800" rtl="0" eaLnBrk="1" latinLnBrk="0" hangingPunct="1">
+              <a:defRPr sz="1350" kern="1200">
+                <a:solidFill>
+                  <a:schemeClr val="lt1"/>
+                </a:solidFill>
+                <a:latin typeface="+mn-lt"/>
+                <a:ea typeface="+mn-ea"/>
+                <a:cs typeface="+mn-cs"/>
+              </a:defRPr>
+            </a:lvl2pPr>
+            <a:lvl3pPr marL="685800" algn="l" defTabSz="685800" rtl="0" eaLnBrk="1" latinLnBrk="0" hangingPunct="1">
+              <a:defRPr sz="1350" kern="1200">
+                <a:solidFill>
+                  <a:schemeClr val="lt1"/>
+                </a:solidFill>
+                <a:latin typeface="+mn-lt"/>
+                <a:ea typeface="+mn-ea"/>
+                <a:cs typeface="+mn-cs"/>
+              </a:defRPr>
+            </a:lvl3pPr>
+            <a:lvl4pPr marL="1028700" algn="l" defTabSz="685800" rtl="0" eaLnBrk="1" latinLnBrk="0" hangingPunct="1">
+              <a:defRPr sz="1350" kern="1200">
+                <a:solidFill>
+                  <a:schemeClr val="lt1"/>
+                </a:solidFill>
+                <a:latin typeface="+mn-lt"/>
+                <a:ea typeface="+mn-ea"/>
+                <a:cs typeface="+mn-cs"/>
+              </a:defRPr>
+            </a:lvl4pPr>
+            <a:lvl5pPr marL="1371600" algn="l" defTabSz="685800" rtl="0" eaLnBrk="1" latinLnBrk="0" hangingPunct="1">
+              <a:defRPr sz="1350" kern="1200">
+                <a:solidFill>
+                  <a:schemeClr val="lt1"/>
+                </a:solidFill>
+                <a:latin typeface="+mn-lt"/>
+                <a:ea typeface="+mn-ea"/>
+                <a:cs typeface="+mn-cs"/>
+              </a:defRPr>
+            </a:lvl5pPr>
+            <a:lvl6pPr marL="1714500" algn="l" defTabSz="685800" rtl="0" eaLnBrk="1" latinLnBrk="0" hangingPunct="1">
+              <a:defRPr sz="1350" kern="1200">
+                <a:solidFill>
+                  <a:schemeClr val="lt1"/>
+                </a:solidFill>
+                <a:latin typeface="+mn-lt"/>
+                <a:ea typeface="+mn-ea"/>
+                <a:cs typeface="+mn-cs"/>
+              </a:defRPr>
+            </a:lvl6pPr>
+            <a:lvl7pPr marL="2057400" algn="l" defTabSz="685800" rtl="0" eaLnBrk="1" latinLnBrk="0" hangingPunct="1">
+              <a:defRPr sz="1350" kern="1200">
+                <a:solidFill>
+                  <a:schemeClr val="lt1"/>
+                </a:solidFill>
+                <a:latin typeface="+mn-lt"/>
+                <a:ea typeface="+mn-ea"/>
+                <a:cs typeface="+mn-cs"/>
+              </a:defRPr>
+            </a:lvl7pPr>
+            <a:lvl8pPr marL="2400300" algn="l" defTabSz="685800" rtl="0" eaLnBrk="1" latinLnBrk="0" hangingPunct="1">
+              <a:defRPr sz="1350" kern="1200">
+                <a:solidFill>
+                  <a:schemeClr val="lt1"/>
+                </a:solidFill>
+                <a:latin typeface="+mn-lt"/>
+                <a:ea typeface="+mn-ea"/>
+                <a:cs typeface="+mn-cs"/>
+              </a:defRPr>
+            </a:lvl8pPr>
+            <a:lvl9pPr marL="2743200" algn="l" defTabSz="685800" rtl="0" eaLnBrk="1" latinLnBrk="0" hangingPunct="1">
+              <a:defRPr sz="1350" kern="1200">
+                <a:solidFill>
+                  <a:schemeClr val="lt1"/>
+                </a:solidFill>
+                <a:latin typeface="+mn-lt"/>
+                <a:ea typeface="+mn-ea"/>
+                <a:cs typeface="+mn-cs"/>
+              </a:defRPr>
+            </a:lvl9pPr>
+          </a:lstStyle>
+          <a:p>
+            <a:pPr algn="ctr"/>
+            <a:r>
+              <a:rPr lang="es-ES" altLang="zh-CN" sz="2000" dirty="0" smtClean="0">
+                <a:solidFill>
+                  <a:schemeClr val="bg1"/>
+                </a:solidFill>
+              </a:rPr>
+              <a:t>Registro de datos generales de clientes, administrador, personal de la agencia</a:t>
+            </a:r>
+            <a:endParaRPr lang="zh-CN" altLang="en-US" sz="2000" dirty="0">
+              <a:solidFill>
+                <a:schemeClr val="bg1"/>
+              </a:solidFill>
+            </a:endParaRPr>
+          </a:p>
+        </p:txBody>
+      </p:sp>
+      <p:sp>
+        <p:nvSpPr>
+          <p:cNvPr id="5" name="箭头: V 形 109"/>
+          <p:cNvSpPr/>
+          <p:nvPr/>
+        </p:nvSpPr>
+        <p:spPr>
+          <a:xfrm flipH="1">
+            <a:off x="5815846" y="3429000"/>
+            <a:ext cx="4941803" cy="1028161"/>
+          </a:xfrm>
+          <a:prstGeom prst="chevron">
+            <a:avLst>
+              <a:gd name="adj" fmla="val 29021"/>
+            </a:avLst>
+          </a:prstGeom>
+          <a:gradFill flip="none" rotWithShape="1">
+            <a:gsLst>
+              <a:gs pos="100000">
+                <a:srgbClr val="A7DD63"/>
+              </a:gs>
+              <a:gs pos="0">
+                <a:srgbClr val="68C7AE"/>
+              </a:gs>
+            </a:gsLst>
+            <a:lin ang="0" scaled="1"/>
+            <a:tileRect/>
+          </a:gradFill>
+          <a:ln>
+            <a:noFill/>
+          </a:ln>
+        </p:spPr>
+        <p:style>
+          <a:lnRef idx="2">
+            <a:schemeClr val="accent1">
+              <a:shade val="50000"/>
+            </a:schemeClr>
+          </a:lnRef>
+          <a:fillRef idx="1">
+            <a:schemeClr val="accent1"/>
+          </a:fillRef>
+          <a:effectRef idx="0">
+            <a:schemeClr val="accent1"/>
+          </a:effectRef>
+          <a:fontRef idx="minor">
+            <a:schemeClr val="lt1"/>
+          </a:fontRef>
+        </p:style>
+        <p:txBody>
+          <a:bodyPr rtlCol="0" anchor="ctr"/>
+          <a:lstStyle>
+            <a:defPPr>
+              <a:defRPr lang="en-US">
+                <a:solidFill>
+                  <a:schemeClr val="lt1"/>
+                </a:solidFill>
+              </a:defRPr>
+            </a:defPPr>
+            <a:lvl1pPr marL="0" algn="l" defTabSz="685800" rtl="0" eaLnBrk="1" latinLnBrk="0" hangingPunct="1">
+              <a:defRPr sz="1350" kern="1200">
+                <a:solidFill>
+                  <a:schemeClr val="lt1"/>
+                </a:solidFill>
+                <a:latin typeface="+mn-lt"/>
+                <a:ea typeface="+mn-ea"/>
+                <a:cs typeface="+mn-cs"/>
+              </a:defRPr>
+            </a:lvl1pPr>
+            <a:lvl2pPr marL="342900" algn="l" defTabSz="685800" rtl="0" eaLnBrk="1" latinLnBrk="0" hangingPunct="1">
+              <a:defRPr sz="1350" kern="1200">
+                <a:solidFill>
+                  <a:schemeClr val="lt1"/>
+                </a:solidFill>
+                <a:latin typeface="+mn-lt"/>
+                <a:ea typeface="+mn-ea"/>
+                <a:cs typeface="+mn-cs"/>
+              </a:defRPr>
+            </a:lvl2pPr>
+            <a:lvl3pPr marL="685800" algn="l" defTabSz="685800" rtl="0" eaLnBrk="1" latinLnBrk="0" hangingPunct="1">
+              <a:defRPr sz="1350" kern="1200">
+                <a:solidFill>
+                  <a:schemeClr val="lt1"/>
+                </a:solidFill>
+                <a:latin typeface="+mn-lt"/>
+                <a:ea typeface="+mn-ea"/>
+                <a:cs typeface="+mn-cs"/>
+              </a:defRPr>
+            </a:lvl3pPr>
+            <a:lvl4pPr marL="1028700" algn="l" defTabSz="685800" rtl="0" eaLnBrk="1" latinLnBrk="0" hangingPunct="1">
+              <a:defRPr sz="1350" kern="1200">
+                <a:solidFill>
+                  <a:schemeClr val="lt1"/>
+                </a:solidFill>
+                <a:latin typeface="+mn-lt"/>
+                <a:ea typeface="+mn-ea"/>
+                <a:cs typeface="+mn-cs"/>
+              </a:defRPr>
+            </a:lvl4pPr>
+            <a:lvl5pPr marL="1371600" algn="l" defTabSz="685800" rtl="0" eaLnBrk="1" latinLnBrk="0" hangingPunct="1">
+              <a:defRPr sz="1350" kern="1200">
+                <a:solidFill>
+                  <a:schemeClr val="lt1"/>
+                </a:solidFill>
+                <a:latin typeface="+mn-lt"/>
+                <a:ea typeface="+mn-ea"/>
+                <a:cs typeface="+mn-cs"/>
+              </a:defRPr>
+            </a:lvl5pPr>
+            <a:lvl6pPr marL="1714500" algn="l" defTabSz="685800" rtl="0" eaLnBrk="1" latinLnBrk="0" hangingPunct="1">
+              <a:defRPr sz="1350" kern="1200">
+                <a:solidFill>
+                  <a:schemeClr val="lt1"/>
+                </a:solidFill>
+                <a:latin typeface="+mn-lt"/>
+                <a:ea typeface="+mn-ea"/>
+                <a:cs typeface="+mn-cs"/>
+              </a:defRPr>
+            </a:lvl6pPr>
+            <a:lvl7pPr marL="2057400" algn="l" defTabSz="685800" rtl="0" eaLnBrk="1" latinLnBrk="0" hangingPunct="1">
+              <a:defRPr sz="1350" kern="1200">
+                <a:solidFill>
+                  <a:schemeClr val="lt1"/>
+                </a:solidFill>
+                <a:latin typeface="+mn-lt"/>
+                <a:ea typeface="+mn-ea"/>
+                <a:cs typeface="+mn-cs"/>
+              </a:defRPr>
+            </a:lvl7pPr>
+            <a:lvl8pPr marL="2400300" algn="l" defTabSz="685800" rtl="0" eaLnBrk="1" latinLnBrk="0" hangingPunct="1">
+              <a:defRPr sz="1350" kern="1200">
+                <a:solidFill>
+                  <a:schemeClr val="lt1"/>
+                </a:solidFill>
+                <a:latin typeface="+mn-lt"/>
+                <a:ea typeface="+mn-ea"/>
+                <a:cs typeface="+mn-cs"/>
+              </a:defRPr>
+            </a:lvl8pPr>
+            <a:lvl9pPr marL="2743200" algn="l" defTabSz="685800" rtl="0" eaLnBrk="1" latinLnBrk="0" hangingPunct="1">
+              <a:defRPr sz="1350" kern="1200">
+                <a:solidFill>
+                  <a:schemeClr val="lt1"/>
+                </a:solidFill>
+                <a:latin typeface="+mn-lt"/>
+                <a:ea typeface="+mn-ea"/>
+                <a:cs typeface="+mn-cs"/>
+              </a:defRPr>
+            </a:lvl9pPr>
+          </a:lstStyle>
+          <a:p>
+            <a:pPr algn="ctr"/>
+            <a:r>
+              <a:rPr lang="es-ES" altLang="zh-CN" sz="2000" dirty="0" smtClean="0">
+                <a:solidFill>
+                  <a:schemeClr val="bg1"/>
+                </a:solidFill>
+              </a:rPr>
+              <a:t>En el campo “nivel” se detallara el tipo de usuario</a:t>
+            </a:r>
+            <a:endParaRPr lang="zh-CN" altLang="en-US" sz="2000" dirty="0">
+              <a:solidFill>
+                <a:schemeClr val="bg1"/>
+              </a:solidFill>
+            </a:endParaRPr>
+          </a:p>
+        </p:txBody>
+      </p:sp>
+    </p:spTree>
+    <p:extLst>
+      <p:ext uri="{BB962C8B-B14F-4D97-AF65-F5344CB8AC3E}">
+        <p14:creationId xmlns:p14="http://schemas.microsoft.com/office/powerpoint/2010/main" val="1372549725"/>
+      </p:ext>
+    </p:extLst>
+  </p:cSld>
+  <p:clrMapOvr>
+    <a:masterClrMapping/>
+  </p:clrMapOvr>
+  <mc:AlternateContent xmlns:mc="http://schemas.openxmlformats.org/markup-compatibility/2006" xmlns:p14="http://schemas.microsoft.com/office/powerpoint/2010/main">
+    <mc:Choice Requires="p14">
+      <p:transition spd="slow" p14:dur="1500">
+        <p:random/>
+      </p:transition>
+    </mc:Choice>
+    <mc:Fallback xmlns="">
+      <p:transition spd="slow">
+        <p:random/>
+      </p:transition>
+    </mc:Fallback>
+  </mc:AlternateContent>
+  <p:timing>
+    <p:tnLst>
+      <p:par>
+        <p:cTn id="1" dur="indefinite" restart="never" nodeType="tmRoot"/>
+      </p:par>
+    </p:tnLst>
+  </p:timing>
+</p:sld>
+</file>
+
+<file path=ppt/slides/slide4.xml><?xml version="1.0" encoding="utf-8"?>
+<p:sld xmlns:a="http://schemas.openxmlformats.org/drawingml/2006/main" xmlns:r="http://schemas.openxmlformats.org/officeDocument/2006/relationships" xmlns:p="http://schemas.openxmlformats.org/presentationml/2006/main">
+  <p:cSld>
+    <p:spTree>
+      <p:nvGrpSpPr>
+        <p:cNvPr id="1" name=""/>
+        <p:cNvGrpSpPr/>
+        <p:nvPr/>
+      </p:nvGrpSpPr>
+      <p:grpSpPr>
+        <a:xfrm>
+          <a:off x="0" y="0"/>
+          <a:ext cx="0" cy="0"/>
+          <a:chOff x="0" y="0"/>
+          <a:chExt cx="0" cy="0"/>
+        </a:xfrm>
+      </p:grpSpPr>
+      <p:sp>
+        <p:nvSpPr>
+          <p:cNvPr id="34" name="Rectangle 33"/>
+          <p:cNvSpPr/>
+          <p:nvPr/>
+        </p:nvSpPr>
+        <p:spPr>
+          <a:xfrm>
+            <a:off x="0" y="6115607"/>
+            <a:ext cx="12192000" cy="1047733"/>
+          </a:xfrm>
+          <a:prstGeom prst="rect">
+            <a:avLst/>
+          </a:prstGeom>
+          <a:solidFill>
+            <a:srgbClr val="D2D0D0"/>
+          </a:solidFill>
+          <a:ln>
+            <a:noFill/>
+          </a:ln>
+        </p:spPr>
+        <p:style>
+          <a:lnRef idx="2">
+            <a:schemeClr val="accent1">
+              <a:shade val="50000"/>
+            </a:schemeClr>
+          </a:lnRef>
+          <a:fillRef idx="1">
+            <a:schemeClr val="accent1"/>
+          </a:fillRef>
+          <a:effectRef idx="0">
+            <a:schemeClr val="accent1"/>
+          </a:effectRef>
+          <a:fontRef idx="minor">
+            <a:schemeClr val="lt1"/>
+          </a:fontRef>
+        </p:style>
+        <p:txBody>
+          <a:bodyPr rtlCol="0" anchor="ctr"/>
+          <a:lstStyle/>
+          <a:p>
+            <a:pPr algn="ctr" fontAlgn="base">
+              <a:spcBef>
+                <a:spcPct val="0"/>
+              </a:spcBef>
+              <a:spcAft>
+                <a:spcPct val="0"/>
+              </a:spcAft>
+            </a:pPr>
+            <a:endParaRPr lang="en-US" sz="2800">
+              <a:solidFill>
+                <a:prstClr val="white"/>
+              </a:solidFill>
+              <a:cs typeface="+mn-ea"/>
+              <a:sym typeface="+mn-lt"/>
+            </a:endParaRPr>
+          </a:p>
+        </p:txBody>
+      </p:sp>
+      <p:sp>
+        <p:nvSpPr>
+          <p:cNvPr id="10" name="箭头: V 形 105"/>
+          <p:cNvSpPr/>
+          <p:nvPr/>
+        </p:nvSpPr>
+        <p:spPr>
+          <a:xfrm flipH="1">
+            <a:off x="6406398" y="2440959"/>
+            <a:ext cx="4941803" cy="1028161"/>
+          </a:xfrm>
+          <a:prstGeom prst="chevron">
+            <a:avLst>
+              <a:gd name="adj" fmla="val 29021"/>
+            </a:avLst>
+          </a:prstGeom>
+          <a:gradFill flip="none" rotWithShape="1">
+            <a:gsLst>
+              <a:gs pos="0">
+                <a:srgbClr val="F9AC7D"/>
+              </a:gs>
+              <a:gs pos="100000">
+                <a:srgbClr val="F28893"/>
+              </a:gs>
+            </a:gsLst>
+            <a:lin ang="0" scaled="1"/>
+            <a:tileRect/>
+          </a:gradFill>
+          <a:ln>
+            <a:noFill/>
+          </a:ln>
+        </p:spPr>
+        <p:style>
+          <a:lnRef idx="2">
+            <a:schemeClr val="accent1">
+              <a:shade val="50000"/>
+            </a:schemeClr>
+          </a:lnRef>
+          <a:fillRef idx="1">
+            <a:schemeClr val="accent1"/>
+          </a:fillRef>
+          <a:effectRef idx="0">
+            <a:schemeClr val="accent1"/>
+          </a:effectRef>
+          <a:fontRef idx="minor">
+            <a:schemeClr val="lt1"/>
+          </a:fontRef>
+        </p:style>
+        <p:txBody>
+          <a:bodyPr rtlCol="0" anchor="ctr"/>
+          <a:lstStyle>
+            <a:defPPr>
+              <a:defRPr lang="en-US">
+                <a:solidFill>
+                  <a:schemeClr val="lt1"/>
+                </a:solidFill>
+              </a:defRPr>
+            </a:defPPr>
+            <a:lvl1pPr marL="0" algn="l" defTabSz="685800" rtl="0" eaLnBrk="1" latinLnBrk="0" hangingPunct="1">
+              <a:defRPr sz="1350" kern="1200">
+                <a:solidFill>
+                  <a:schemeClr val="lt1"/>
+                </a:solidFill>
+                <a:latin typeface="+mn-lt"/>
+                <a:ea typeface="+mn-ea"/>
+                <a:cs typeface="+mn-cs"/>
+              </a:defRPr>
+            </a:lvl1pPr>
+            <a:lvl2pPr marL="342900" algn="l" defTabSz="685800" rtl="0" eaLnBrk="1" latinLnBrk="0" hangingPunct="1">
+              <a:defRPr sz="1350" kern="1200">
+                <a:solidFill>
+                  <a:schemeClr val="lt1"/>
+                </a:solidFill>
+                <a:latin typeface="+mn-lt"/>
+                <a:ea typeface="+mn-ea"/>
+                <a:cs typeface="+mn-cs"/>
+              </a:defRPr>
+            </a:lvl2pPr>
+            <a:lvl3pPr marL="685800" algn="l" defTabSz="685800" rtl="0" eaLnBrk="1" latinLnBrk="0" hangingPunct="1">
+              <a:defRPr sz="1350" kern="1200">
+                <a:solidFill>
+                  <a:schemeClr val="lt1"/>
+                </a:solidFill>
+                <a:latin typeface="+mn-lt"/>
+                <a:ea typeface="+mn-ea"/>
+                <a:cs typeface="+mn-cs"/>
+              </a:defRPr>
+            </a:lvl3pPr>
+            <a:lvl4pPr marL="1028700" algn="l" defTabSz="685800" rtl="0" eaLnBrk="1" latinLnBrk="0" hangingPunct="1">
+              <a:defRPr sz="1350" kern="1200">
+                <a:solidFill>
+                  <a:schemeClr val="lt1"/>
+                </a:solidFill>
+                <a:latin typeface="+mn-lt"/>
+                <a:ea typeface="+mn-ea"/>
+                <a:cs typeface="+mn-cs"/>
+              </a:defRPr>
+            </a:lvl4pPr>
+            <a:lvl5pPr marL="1371600" algn="l" defTabSz="685800" rtl="0" eaLnBrk="1" latinLnBrk="0" hangingPunct="1">
+              <a:defRPr sz="1350" kern="1200">
+                <a:solidFill>
+                  <a:schemeClr val="lt1"/>
+                </a:solidFill>
+                <a:latin typeface="+mn-lt"/>
+                <a:ea typeface="+mn-ea"/>
+                <a:cs typeface="+mn-cs"/>
+              </a:defRPr>
+            </a:lvl5pPr>
+            <a:lvl6pPr marL="1714500" algn="l" defTabSz="685800" rtl="0" eaLnBrk="1" latinLnBrk="0" hangingPunct="1">
+              <a:defRPr sz="1350" kern="1200">
+                <a:solidFill>
+                  <a:schemeClr val="lt1"/>
+                </a:solidFill>
+                <a:latin typeface="+mn-lt"/>
+                <a:ea typeface="+mn-ea"/>
+                <a:cs typeface="+mn-cs"/>
+              </a:defRPr>
+            </a:lvl6pPr>
+            <a:lvl7pPr marL="2057400" algn="l" defTabSz="685800" rtl="0" eaLnBrk="1" latinLnBrk="0" hangingPunct="1">
+              <a:defRPr sz="1350" kern="1200">
+                <a:solidFill>
+                  <a:schemeClr val="lt1"/>
+                </a:solidFill>
+                <a:latin typeface="+mn-lt"/>
+                <a:ea typeface="+mn-ea"/>
+                <a:cs typeface="+mn-cs"/>
+              </a:defRPr>
+            </a:lvl7pPr>
+            <a:lvl8pPr marL="2400300" algn="l" defTabSz="685800" rtl="0" eaLnBrk="1" latinLnBrk="0" hangingPunct="1">
+              <a:defRPr sz="1350" kern="1200">
+                <a:solidFill>
+                  <a:schemeClr val="lt1"/>
+                </a:solidFill>
+                <a:latin typeface="+mn-lt"/>
+                <a:ea typeface="+mn-ea"/>
+                <a:cs typeface="+mn-cs"/>
+              </a:defRPr>
+            </a:lvl8pPr>
+            <a:lvl9pPr marL="2743200" algn="l" defTabSz="685800" rtl="0" eaLnBrk="1" latinLnBrk="0" hangingPunct="1">
+              <a:defRPr sz="1350" kern="1200">
+                <a:solidFill>
+                  <a:schemeClr val="lt1"/>
+                </a:solidFill>
+                <a:latin typeface="+mn-lt"/>
+                <a:ea typeface="+mn-ea"/>
+                <a:cs typeface="+mn-cs"/>
+              </a:defRPr>
+            </a:lvl9pPr>
+          </a:lstStyle>
+          <a:p>
+            <a:pPr algn="ctr"/>
+            <a:r>
+              <a:rPr lang="es-ES" altLang="zh-CN" sz="2000" dirty="0" smtClean="0">
+                <a:solidFill>
+                  <a:schemeClr val="bg1"/>
+                </a:solidFill>
+              </a:rPr>
+              <a:t>El usuario de tipo “cliente” podrá realizar una reserva de uno o muchos vuelos.</a:t>
+            </a:r>
+            <a:endParaRPr lang="zh-CN" altLang="en-US" sz="2000" dirty="0">
+              <a:solidFill>
+                <a:schemeClr val="bg1"/>
+              </a:solidFill>
+            </a:endParaRPr>
+          </a:p>
+        </p:txBody>
+      </p:sp>
+      <p:pic>
+        <p:nvPicPr>
+          <p:cNvPr id="1028" name="Picture 4"/>
+          <p:cNvPicPr>
+            <a:picLocks noChangeAspect="1" noChangeArrowheads="1"/>
+          </p:cNvPicPr>
+          <p:nvPr/>
+        </p:nvPicPr>
+        <p:blipFill>
+          <a:blip r:embed="rId2">
+            <a:extLst>
+              <a:ext uri="{28A0092B-C50C-407E-A947-70E740481C1C}">
+                <a14:useLocalDpi xmlns:a14="http://schemas.microsoft.com/office/drawing/2010/main" val="0"/>
+              </a:ext>
+            </a:extLst>
+          </a:blip>
+          <a:srcRect/>
+          <a:stretch>
+            <a:fillRect/>
+          </a:stretch>
+        </p:blipFill>
+        <p:spPr bwMode="auto">
+          <a:xfrm>
+            <a:off x="819150" y="65748"/>
+            <a:ext cx="4857750" cy="6792252"/>
+          </a:xfrm>
+          <a:prstGeom prst="roundRect">
+            <a:avLst>
+              <a:gd name="adj" fmla="val 8594"/>
+            </a:avLst>
+          </a:prstGeom>
+          <a:solidFill>
+            <a:srgbClr val="FFFFFF">
+              <a:shade val="85000"/>
+            </a:srgbClr>
+          </a:solidFill>
+          <a:ln w="9525">
+            <a:solidFill>
+              <a:schemeClr val="tx1"/>
+            </a:solidFill>
+            <a:miter lim="800000"/>
+            <a:headEnd/>
+            <a:tailEnd/>
+          </a:ln>
+          <a:effectLst>
+            <a:reflection blurRad="12700" stA="38000" endPos="28000" dist="5000" dir="5400000" sy="-100000" algn="bl" rotWithShape="0"/>
+          </a:effectLst>
+          <a:extLst>
+            <a:ext uri="{909E8E84-426E-40DD-AFC4-6F175D3DCCD1}">
+              <a14:hiddenFill xmlns:a14="http://schemas.microsoft.com/office/drawing/2010/main">
+                <a:solidFill>
+                  <a:schemeClr val="accent1"/>
+                </a:solidFill>
+              </a14:hiddenFill>
+            </a:ext>
+          </a:extLst>
+        </p:spPr>
+      </p:pic>
+    </p:spTree>
+  </p:cSld>
+  <p:clrMapOvr>
+    <a:masterClrMapping/>
+  </p:clrMapOvr>
+  <mc:AlternateContent xmlns:mc="http://schemas.openxmlformats.org/markup-compatibility/2006" xmlns:p14="http://schemas.microsoft.com/office/powerpoint/2010/main">
+    <mc:Choice Requires="p14">
+      <p:transition spd="slow" p14:dur="1500">
+        <p:random/>
+      </p:transition>
+    </mc:Choice>
+    <mc:Fallback xmlns="">
+      <p:transition spd="slow">
+        <p:random/>
+      </p:transition>
+    </mc:Fallback>
+  </mc:AlternateContent>
+  <p:timing>
+    <p:tnLst>
+      <p:par>
+        <p:cTn id="1" dur="indefinite" restart="never" nodeType="tmRoot"/>
+      </p:par>
+    </p:tnLst>
+  </p:timing>
+</p:sld>
+</file>
+
+<file path=ppt/slides/slide5.xml><?xml version="1.0" encoding="utf-8"?>
+<p:sld xmlns:a="http://schemas.openxmlformats.org/drawingml/2006/main" xmlns:r="http://schemas.openxmlformats.org/officeDocument/2006/relationships" xmlns:p="http://schemas.openxmlformats.org/presentationml/2006/main">
+  <p:cSld>
+    <p:spTree>
+      <p:nvGrpSpPr>
+        <p:cNvPr id="1" name=""/>
+        <p:cNvGrpSpPr/>
+        <p:nvPr/>
+      </p:nvGrpSpPr>
+      <p:grpSpPr>
+        <a:xfrm>
+          <a:off x="0" y="0"/>
+          <a:ext cx="0" cy="0"/>
+          <a:chOff x="0" y="0"/>
+          <a:chExt cx="0" cy="0"/>
+        </a:xfrm>
+      </p:grpSpPr>
+      <p:sp>
+        <p:nvSpPr>
+          <p:cNvPr id="34" name="Rectangle 33"/>
+          <p:cNvSpPr/>
+          <p:nvPr/>
+        </p:nvSpPr>
+        <p:spPr>
+          <a:xfrm>
+            <a:off x="0" y="6115607"/>
+            <a:ext cx="12192000" cy="1047733"/>
+          </a:xfrm>
+          <a:prstGeom prst="rect">
+            <a:avLst/>
+          </a:prstGeom>
+          <a:solidFill>
+            <a:srgbClr val="D2D0D0"/>
+          </a:solidFill>
+          <a:ln>
+            <a:noFill/>
+          </a:ln>
+        </p:spPr>
+        <p:style>
+          <a:lnRef idx="2">
+            <a:schemeClr val="accent1">
+              <a:shade val="50000"/>
+            </a:schemeClr>
+          </a:lnRef>
+          <a:fillRef idx="1">
+            <a:schemeClr val="accent1"/>
+          </a:fillRef>
+          <a:effectRef idx="0">
+            <a:schemeClr val="accent1"/>
+          </a:effectRef>
+          <a:fontRef idx="minor">
+            <a:schemeClr val="lt1"/>
+          </a:fontRef>
+        </p:style>
+        <p:txBody>
+          <a:bodyPr rtlCol="0" anchor="ctr"/>
+          <a:lstStyle/>
+          <a:p>
+            <a:pPr algn="ctr" fontAlgn="base">
+              <a:spcBef>
+                <a:spcPct val="0"/>
+              </a:spcBef>
+              <a:spcAft>
+                <a:spcPct val="0"/>
+              </a:spcAft>
+            </a:pPr>
+            <a:endParaRPr lang="en-US" sz="2800">
+              <a:solidFill>
+                <a:prstClr val="white"/>
+              </a:solidFill>
+              <a:cs typeface="+mn-ea"/>
+              <a:sym typeface="+mn-lt"/>
+            </a:endParaRPr>
+          </a:p>
+        </p:txBody>
+      </p:sp>
+      <p:sp>
+        <p:nvSpPr>
+          <p:cNvPr id="10" name="箭头: V 形 105"/>
+          <p:cNvSpPr/>
+          <p:nvPr/>
+        </p:nvSpPr>
+        <p:spPr>
+          <a:xfrm flipH="1">
+            <a:off x="7250197" y="5279409"/>
+            <a:ext cx="4941803" cy="1028161"/>
+          </a:xfrm>
+          <a:prstGeom prst="chevron">
+            <a:avLst>
+              <a:gd name="adj" fmla="val 29021"/>
+            </a:avLst>
+          </a:prstGeom>
+          <a:gradFill flip="none" rotWithShape="1">
+            <a:gsLst>
+              <a:gs pos="0">
+                <a:srgbClr val="F9AC7D"/>
+              </a:gs>
+              <a:gs pos="100000">
+                <a:srgbClr val="F28893"/>
+              </a:gs>
+            </a:gsLst>
+            <a:lin ang="0" scaled="1"/>
+            <a:tileRect/>
+          </a:gradFill>
+          <a:ln>
+            <a:noFill/>
+          </a:ln>
+        </p:spPr>
+        <p:style>
+          <a:lnRef idx="2">
+            <a:schemeClr val="accent1">
+              <a:shade val="50000"/>
+            </a:schemeClr>
+          </a:lnRef>
+          <a:fillRef idx="1">
+            <a:schemeClr val="accent1"/>
+          </a:fillRef>
+          <a:effectRef idx="0">
+            <a:schemeClr val="accent1"/>
+          </a:effectRef>
+          <a:fontRef idx="minor">
+            <a:schemeClr val="lt1"/>
+          </a:fontRef>
+        </p:style>
+        <p:txBody>
+          <a:bodyPr rtlCol="0" anchor="ctr"/>
+          <a:lstStyle>
+            <a:defPPr>
+              <a:defRPr lang="en-US">
+                <a:solidFill>
+                  <a:schemeClr val="lt1"/>
+                </a:solidFill>
+              </a:defRPr>
+            </a:defPPr>
+            <a:lvl1pPr marL="0" algn="l" defTabSz="685800" rtl="0" eaLnBrk="1" latinLnBrk="0" hangingPunct="1">
+              <a:defRPr sz="1350" kern="1200">
+                <a:solidFill>
+                  <a:schemeClr val="lt1"/>
+                </a:solidFill>
+                <a:latin typeface="+mn-lt"/>
+                <a:ea typeface="+mn-ea"/>
+                <a:cs typeface="+mn-cs"/>
+              </a:defRPr>
+            </a:lvl1pPr>
+            <a:lvl2pPr marL="342900" algn="l" defTabSz="685800" rtl="0" eaLnBrk="1" latinLnBrk="0" hangingPunct="1">
+              <a:defRPr sz="1350" kern="1200">
+                <a:solidFill>
+                  <a:schemeClr val="lt1"/>
+                </a:solidFill>
+                <a:latin typeface="+mn-lt"/>
+                <a:ea typeface="+mn-ea"/>
+                <a:cs typeface="+mn-cs"/>
+              </a:defRPr>
+            </a:lvl2pPr>
+            <a:lvl3pPr marL="685800" algn="l" defTabSz="685800" rtl="0" eaLnBrk="1" latinLnBrk="0" hangingPunct="1">
+              <a:defRPr sz="1350" kern="1200">
+                <a:solidFill>
+                  <a:schemeClr val="lt1"/>
+                </a:solidFill>
+                <a:latin typeface="+mn-lt"/>
+                <a:ea typeface="+mn-ea"/>
+                <a:cs typeface="+mn-cs"/>
+              </a:defRPr>
+            </a:lvl3pPr>
+            <a:lvl4pPr marL="1028700" algn="l" defTabSz="685800" rtl="0" eaLnBrk="1" latinLnBrk="0" hangingPunct="1">
+              <a:defRPr sz="1350" kern="1200">
+                <a:solidFill>
+                  <a:schemeClr val="lt1"/>
+                </a:solidFill>
+                <a:latin typeface="+mn-lt"/>
+                <a:ea typeface="+mn-ea"/>
+                <a:cs typeface="+mn-cs"/>
+              </a:defRPr>
+            </a:lvl4pPr>
+            <a:lvl5pPr marL="1371600" algn="l" defTabSz="685800" rtl="0" eaLnBrk="1" latinLnBrk="0" hangingPunct="1">
+              <a:defRPr sz="1350" kern="1200">
+                <a:solidFill>
+                  <a:schemeClr val="lt1"/>
+                </a:solidFill>
+                <a:latin typeface="+mn-lt"/>
+                <a:ea typeface="+mn-ea"/>
+                <a:cs typeface="+mn-cs"/>
+              </a:defRPr>
+            </a:lvl5pPr>
+            <a:lvl6pPr marL="1714500" algn="l" defTabSz="685800" rtl="0" eaLnBrk="1" latinLnBrk="0" hangingPunct="1">
+              <a:defRPr sz="1350" kern="1200">
+                <a:solidFill>
+                  <a:schemeClr val="lt1"/>
+                </a:solidFill>
+                <a:latin typeface="+mn-lt"/>
+                <a:ea typeface="+mn-ea"/>
+                <a:cs typeface="+mn-cs"/>
+              </a:defRPr>
+            </a:lvl6pPr>
+            <a:lvl7pPr marL="2057400" algn="l" defTabSz="685800" rtl="0" eaLnBrk="1" latinLnBrk="0" hangingPunct="1">
+              <a:defRPr sz="1350" kern="1200">
+                <a:solidFill>
+                  <a:schemeClr val="lt1"/>
+                </a:solidFill>
+                <a:latin typeface="+mn-lt"/>
+                <a:ea typeface="+mn-ea"/>
+                <a:cs typeface="+mn-cs"/>
+              </a:defRPr>
+            </a:lvl7pPr>
+            <a:lvl8pPr marL="2400300" algn="l" defTabSz="685800" rtl="0" eaLnBrk="1" latinLnBrk="0" hangingPunct="1">
+              <a:defRPr sz="1350" kern="1200">
+                <a:solidFill>
+                  <a:schemeClr val="lt1"/>
+                </a:solidFill>
+                <a:latin typeface="+mn-lt"/>
+                <a:ea typeface="+mn-ea"/>
+                <a:cs typeface="+mn-cs"/>
+              </a:defRPr>
+            </a:lvl8pPr>
+            <a:lvl9pPr marL="2743200" algn="l" defTabSz="685800" rtl="0" eaLnBrk="1" latinLnBrk="0" hangingPunct="1">
+              <a:defRPr sz="1350" kern="1200">
+                <a:solidFill>
+                  <a:schemeClr val="lt1"/>
+                </a:solidFill>
+                <a:latin typeface="+mn-lt"/>
+                <a:ea typeface="+mn-ea"/>
+                <a:cs typeface="+mn-cs"/>
+              </a:defRPr>
+            </a:lvl9pPr>
+          </a:lstStyle>
+          <a:p>
+            <a:pPr algn="ctr"/>
+            <a:r>
+              <a:rPr lang="es-ES" altLang="zh-CN" sz="2000" dirty="0" smtClean="0">
+                <a:solidFill>
+                  <a:schemeClr val="bg1"/>
+                </a:solidFill>
+              </a:rPr>
+              <a:t>El usuario…</a:t>
+            </a:r>
+            <a:endParaRPr lang="zh-CN" altLang="en-US" sz="2000" dirty="0">
+              <a:solidFill>
+                <a:schemeClr val="bg1"/>
+              </a:solidFill>
+            </a:endParaRPr>
+          </a:p>
+        </p:txBody>
+      </p:sp>
+      <p:pic>
+        <p:nvPicPr>
+          <p:cNvPr id="2050" name="Picture 2"/>
+          <p:cNvPicPr>
+            <a:picLocks noChangeAspect="1" noChangeArrowheads="1"/>
+          </p:cNvPicPr>
+          <p:nvPr/>
+        </p:nvPicPr>
+        <p:blipFill>
+          <a:blip r:embed="rId2">
+            <a:extLst>
+              <a:ext uri="{28A0092B-C50C-407E-A947-70E740481C1C}">
+                <a14:useLocalDpi xmlns:a14="http://schemas.microsoft.com/office/drawing/2010/main" val="0"/>
+              </a:ext>
+            </a:extLst>
+          </a:blip>
+          <a:srcRect/>
+          <a:stretch>
+            <a:fillRect/>
+          </a:stretch>
+        </p:blipFill>
+        <p:spPr bwMode="auto">
+          <a:xfrm>
+            <a:off x="309563" y="211839"/>
+            <a:ext cx="8829675" cy="4876800"/>
+          </a:xfrm>
+          <a:prstGeom prst="roundRect">
+            <a:avLst>
+              <a:gd name="adj" fmla="val 8594"/>
+            </a:avLst>
+          </a:prstGeom>
+          <a:solidFill>
+            <a:srgbClr val="FFFFFF">
+              <a:shade val="85000"/>
+            </a:srgbClr>
+          </a:solidFill>
+          <a:ln w="9525">
+            <a:solidFill>
+              <a:schemeClr val="tx1"/>
+            </a:solidFill>
+            <a:miter lim="800000"/>
+            <a:headEnd/>
+            <a:tailEnd/>
+          </a:ln>
+          <a:effectLst>
+            <a:reflection blurRad="12700" stA="38000" endPos="28000" dist="5000" dir="5400000" sy="-100000" algn="bl" rotWithShape="0"/>
+          </a:effectLst>
+          <a:extLst>
+            <a:ext uri="{909E8E84-426E-40DD-AFC4-6F175D3DCCD1}">
+              <a14:hiddenFill xmlns:a14="http://schemas.microsoft.com/office/drawing/2010/main">
+                <a:solidFill>
+                  <a:schemeClr val="accent1"/>
+                </a:solidFill>
+              </a14:hiddenFill>
+            </a:ext>
+          </a:extLst>
+        </p:spPr>
+      </p:pic>
+    </p:spTree>
+    <p:extLst>
+      <p:ext uri="{BB962C8B-B14F-4D97-AF65-F5344CB8AC3E}">
+        <p14:creationId xmlns:p14="http://schemas.microsoft.com/office/powerpoint/2010/main" val="2250952663"/>
+      </p:ext>
+    </p:extLst>
+  </p:cSld>
+  <p:clrMapOvr>
+    <a:masterClrMapping/>
+  </p:clrMapOvr>
+  <mc:AlternateContent xmlns:mc="http://schemas.openxmlformats.org/markup-compatibility/2006" xmlns:p14="http://schemas.microsoft.com/office/powerpoint/2010/main">
+    <mc:Choice Requires="p14">
+      <p:transition spd="slow" p14:dur="1500">
+        <p:random/>
+      </p:transition>
+    </mc:Choice>
+    <mc:Fallback xmlns="">
+      <p:transition spd="slow">
+        <p:random/>
+      </p:transition>
+    </mc:Fallback>
+  </mc:AlternateContent>
+  <p:timing>
+    <p:tnLst>
+      <p:par>
+        <p:cTn id="1" dur="indefinite" restart="never" nodeType="tmRoot"/>
+      </p:par>
+    </p:tnLst>
+  </p:timing>
+</p:sld>
+</file>
+
+<file path=ppt/slides/slide6.xml><?xml version="1.0" encoding="utf-8"?>
+<p:sld xmlns:a="http://schemas.openxmlformats.org/drawingml/2006/main" xmlns:r="http://schemas.openxmlformats.org/officeDocument/2006/relationships" xmlns:p="http://schemas.openxmlformats.org/presentationml/2006/main">
+  <p:cSld>
+    <p:spTree>
+      <p:nvGrpSpPr>
+        <p:cNvPr id="1" name=""/>
+        <p:cNvGrpSpPr/>
+        <p:nvPr/>
+      </p:nvGrpSpPr>
+      <p:grpSpPr>
+        <a:xfrm>
+          <a:off x="0" y="0"/>
+          <a:ext cx="0" cy="0"/>
+          <a:chOff x="0" y="0"/>
+          <a:chExt cx="0" cy="0"/>
+        </a:xfrm>
+      </p:grpSpPr>
+      <p:sp>
+        <p:nvSpPr>
+          <p:cNvPr id="34" name="Rectangle 33"/>
+          <p:cNvSpPr/>
+          <p:nvPr/>
+        </p:nvSpPr>
+        <p:spPr>
+          <a:xfrm>
+            <a:off x="0" y="6115607"/>
+            <a:ext cx="12192000" cy="1047733"/>
+          </a:xfrm>
+          <a:prstGeom prst="rect">
+            <a:avLst/>
+          </a:prstGeom>
+          <a:solidFill>
+            <a:srgbClr val="D2D0D0"/>
+          </a:solidFill>
+          <a:ln>
+            <a:noFill/>
+          </a:ln>
+        </p:spPr>
+        <p:style>
+          <a:lnRef idx="2">
+            <a:schemeClr val="accent1">
+              <a:shade val="50000"/>
+            </a:schemeClr>
+          </a:lnRef>
+          <a:fillRef idx="1">
+            <a:schemeClr val="accent1"/>
+          </a:fillRef>
+          <a:effectRef idx="0">
+            <a:schemeClr val="accent1"/>
+          </a:effectRef>
+          <a:fontRef idx="minor">
+            <a:schemeClr val="lt1"/>
+          </a:fontRef>
+        </p:style>
+        <p:txBody>
+          <a:bodyPr rtlCol="0" anchor="ctr"/>
+          <a:lstStyle/>
+          <a:p>
+            <a:pPr algn="ctr" fontAlgn="base">
+              <a:spcBef>
+                <a:spcPct val="0"/>
+              </a:spcBef>
+              <a:spcAft>
+                <a:spcPct val="0"/>
+              </a:spcAft>
+            </a:pPr>
+            <a:endParaRPr lang="en-US" sz="2800">
+              <a:solidFill>
+                <a:prstClr val="white"/>
+              </a:solidFill>
+              <a:cs typeface="+mn-ea"/>
+              <a:sym typeface="+mn-lt"/>
+            </a:endParaRPr>
+          </a:p>
+        </p:txBody>
+      </p:sp>
+      <p:sp>
+        <p:nvSpPr>
+          <p:cNvPr id="10" name="箭头: V 形 105"/>
+          <p:cNvSpPr/>
+          <p:nvPr/>
+        </p:nvSpPr>
+        <p:spPr>
+          <a:xfrm flipH="1">
+            <a:off x="7250197" y="5279409"/>
+            <a:ext cx="4941803" cy="1028161"/>
+          </a:xfrm>
+          <a:prstGeom prst="chevron">
+            <a:avLst>
+              <a:gd name="adj" fmla="val 29021"/>
+            </a:avLst>
+          </a:prstGeom>
+          <a:gradFill flip="none" rotWithShape="1">
+            <a:gsLst>
+              <a:gs pos="0">
+                <a:srgbClr val="F9AC7D"/>
+              </a:gs>
+              <a:gs pos="100000">
+                <a:srgbClr val="F28893"/>
+              </a:gs>
+            </a:gsLst>
+            <a:lin ang="0" scaled="1"/>
+            <a:tileRect/>
+          </a:gradFill>
+          <a:ln>
+            <a:noFill/>
+          </a:ln>
+        </p:spPr>
+        <p:style>
+          <a:lnRef idx="2">
+            <a:schemeClr val="accent1">
+              <a:shade val="50000"/>
+            </a:schemeClr>
+          </a:lnRef>
+          <a:fillRef idx="1">
+            <a:schemeClr val="accent1"/>
+          </a:fillRef>
+          <a:effectRef idx="0">
+            <a:schemeClr val="accent1"/>
+          </a:effectRef>
+          <a:fontRef idx="minor">
+            <a:schemeClr val="lt1"/>
+          </a:fontRef>
+        </p:style>
+        <p:txBody>
+          <a:bodyPr rtlCol="0" anchor="ctr"/>
+          <a:lstStyle>
+            <a:defPPr>
+              <a:defRPr lang="en-US">
+                <a:solidFill>
+                  <a:schemeClr val="lt1"/>
+                </a:solidFill>
+              </a:defRPr>
+            </a:defPPr>
+            <a:lvl1pPr marL="0" algn="l" defTabSz="685800" rtl="0" eaLnBrk="1" latinLnBrk="0" hangingPunct="1">
+              <a:defRPr sz="1350" kern="1200">
+                <a:solidFill>
+                  <a:schemeClr val="lt1"/>
+                </a:solidFill>
+                <a:latin typeface="+mn-lt"/>
+                <a:ea typeface="+mn-ea"/>
+                <a:cs typeface="+mn-cs"/>
+              </a:defRPr>
+            </a:lvl1pPr>
+            <a:lvl2pPr marL="342900" algn="l" defTabSz="685800" rtl="0" eaLnBrk="1" latinLnBrk="0" hangingPunct="1">
+              <a:defRPr sz="1350" kern="1200">
+                <a:solidFill>
+                  <a:schemeClr val="lt1"/>
+                </a:solidFill>
+                <a:latin typeface="+mn-lt"/>
+                <a:ea typeface="+mn-ea"/>
+                <a:cs typeface="+mn-cs"/>
+              </a:defRPr>
+            </a:lvl2pPr>
+            <a:lvl3pPr marL="685800" algn="l" defTabSz="685800" rtl="0" eaLnBrk="1" latinLnBrk="0" hangingPunct="1">
+              <a:defRPr sz="1350" kern="1200">
+                <a:solidFill>
+                  <a:schemeClr val="lt1"/>
+                </a:solidFill>
+                <a:latin typeface="+mn-lt"/>
+                <a:ea typeface="+mn-ea"/>
+                <a:cs typeface="+mn-cs"/>
+              </a:defRPr>
+            </a:lvl3pPr>
+            <a:lvl4pPr marL="1028700" algn="l" defTabSz="685800" rtl="0" eaLnBrk="1" latinLnBrk="0" hangingPunct="1">
+              <a:defRPr sz="1350" kern="1200">
+                <a:solidFill>
+                  <a:schemeClr val="lt1"/>
+                </a:solidFill>
+                <a:latin typeface="+mn-lt"/>
+                <a:ea typeface="+mn-ea"/>
+                <a:cs typeface="+mn-cs"/>
+              </a:defRPr>
+            </a:lvl4pPr>
+            <a:lvl5pPr marL="1371600" algn="l" defTabSz="685800" rtl="0" eaLnBrk="1" latinLnBrk="0" hangingPunct="1">
+              <a:defRPr sz="1350" kern="1200">
+                <a:solidFill>
+                  <a:schemeClr val="lt1"/>
+                </a:solidFill>
+                <a:latin typeface="+mn-lt"/>
+                <a:ea typeface="+mn-ea"/>
+                <a:cs typeface="+mn-cs"/>
+              </a:defRPr>
+            </a:lvl5pPr>
+            <a:lvl6pPr marL="1714500" algn="l" defTabSz="685800" rtl="0" eaLnBrk="1" latinLnBrk="0" hangingPunct="1">
+              <a:defRPr sz="1350" kern="1200">
+                <a:solidFill>
+                  <a:schemeClr val="lt1"/>
+                </a:solidFill>
+                <a:latin typeface="+mn-lt"/>
+                <a:ea typeface="+mn-ea"/>
+                <a:cs typeface="+mn-cs"/>
+              </a:defRPr>
+            </a:lvl6pPr>
+            <a:lvl7pPr marL="2057400" algn="l" defTabSz="685800" rtl="0" eaLnBrk="1" latinLnBrk="0" hangingPunct="1">
+              <a:defRPr sz="1350" kern="1200">
+                <a:solidFill>
+                  <a:schemeClr val="lt1"/>
+                </a:solidFill>
+                <a:latin typeface="+mn-lt"/>
+                <a:ea typeface="+mn-ea"/>
+                <a:cs typeface="+mn-cs"/>
+              </a:defRPr>
+            </a:lvl7pPr>
+            <a:lvl8pPr marL="2400300" algn="l" defTabSz="685800" rtl="0" eaLnBrk="1" latinLnBrk="0" hangingPunct="1">
+              <a:defRPr sz="1350" kern="1200">
+                <a:solidFill>
+                  <a:schemeClr val="lt1"/>
+                </a:solidFill>
+                <a:latin typeface="+mn-lt"/>
+                <a:ea typeface="+mn-ea"/>
+                <a:cs typeface="+mn-cs"/>
+              </a:defRPr>
+            </a:lvl8pPr>
+            <a:lvl9pPr marL="2743200" algn="l" defTabSz="685800" rtl="0" eaLnBrk="1" latinLnBrk="0" hangingPunct="1">
+              <a:defRPr sz="1350" kern="1200">
+                <a:solidFill>
+                  <a:schemeClr val="lt1"/>
+                </a:solidFill>
+                <a:latin typeface="+mn-lt"/>
+                <a:ea typeface="+mn-ea"/>
+                <a:cs typeface="+mn-cs"/>
+              </a:defRPr>
+            </a:lvl9pPr>
+          </a:lstStyle>
+          <a:p>
+            <a:pPr algn="ctr"/>
+            <a:r>
+              <a:rPr lang="es-ES" altLang="zh-CN" sz="2000" dirty="0" smtClean="0">
+                <a:solidFill>
+                  <a:schemeClr val="bg1"/>
+                </a:solidFill>
+              </a:rPr>
+              <a:t>El usuario…</a:t>
+            </a:r>
+            <a:endParaRPr lang="zh-CN" altLang="en-US" sz="2000" dirty="0">
+              <a:solidFill>
+                <a:schemeClr val="bg1"/>
+              </a:solidFill>
+            </a:endParaRPr>
+          </a:p>
+        </p:txBody>
+      </p:sp>
+      <p:pic>
+        <p:nvPicPr>
+          <p:cNvPr id="3075" name="Picture 3"/>
+          <p:cNvPicPr>
+            <a:picLocks noChangeAspect="1" noChangeArrowheads="1"/>
+          </p:cNvPicPr>
+          <p:nvPr/>
+        </p:nvPicPr>
+        <p:blipFill>
+          <a:blip r:embed="rId2">
+            <a:extLst>
+              <a:ext uri="{28A0092B-C50C-407E-A947-70E740481C1C}">
+                <a14:useLocalDpi xmlns:a14="http://schemas.microsoft.com/office/drawing/2010/main" val="0"/>
+              </a:ext>
+            </a:extLst>
+          </a:blip>
+          <a:srcRect/>
+          <a:stretch>
+            <a:fillRect/>
+          </a:stretch>
+        </p:blipFill>
+        <p:spPr bwMode="auto">
+          <a:xfrm>
+            <a:off x="476250" y="152464"/>
+            <a:ext cx="5981700" cy="6610285"/>
+          </a:xfrm>
+          <a:prstGeom prst="roundRect">
+            <a:avLst>
+              <a:gd name="adj" fmla="val 8594"/>
+            </a:avLst>
+          </a:prstGeom>
+          <a:solidFill>
+            <a:srgbClr val="FFFFFF">
+              <a:shade val="85000"/>
+            </a:srgbClr>
+          </a:solidFill>
+          <a:ln w="9525">
+            <a:solidFill>
+              <a:schemeClr val="tx1"/>
+            </a:solidFill>
+            <a:miter lim="800000"/>
+            <a:headEnd/>
+            <a:tailEnd/>
+          </a:ln>
+          <a:effectLst>
+            <a:reflection blurRad="12700" stA="38000" endPos="28000" dist="5000" dir="5400000" sy="-100000" algn="bl" rotWithShape="0"/>
+          </a:effectLst>
+          <a:extLst>
+            <a:ext uri="{909E8E84-426E-40DD-AFC4-6F175D3DCCD1}">
+              <a14:hiddenFill xmlns:a14="http://schemas.microsoft.com/office/drawing/2010/main">
+                <a:solidFill>
+                  <a:schemeClr val="accent1"/>
+                </a:solidFill>
+              </a14:hiddenFill>
+            </a:ext>
+          </a:extLst>
+        </p:spPr>
+      </p:pic>
+    </p:spTree>
+    <p:extLst>
+      <p:ext uri="{BB962C8B-B14F-4D97-AF65-F5344CB8AC3E}">
+        <p14:creationId xmlns:p14="http://schemas.microsoft.com/office/powerpoint/2010/main" val="1970214700"/>
+      </p:ext>
+    </p:extLst>
+  </p:cSld>
+  <p:clrMapOvr>
+    <a:masterClrMapping/>
+  </p:clrMapOvr>
+  <mc:AlternateContent xmlns:mc="http://schemas.openxmlformats.org/markup-compatibility/2006" xmlns:p14="http://schemas.microsoft.com/office/powerpoint/2010/main">
+    <mc:Choice Requires="p14">
+      <p:transition spd="slow" p14:dur="1500">
+        <p:random/>
+      </p:transition>
+    </mc:Choice>
+    <mc:Fallback xmlns="">
+      <p:transition spd="slow">
+        <p:random/>
+      </p:transition>
+    </mc:Fallback>
+  </mc:AlternateContent>
+  <p:timing>
+    <p:tnLst>
+      <p:par>
+        <p:cTn id="1" dur="indefinite" restart="never" nodeType="tmRoot"/>
+      </p:par>
+    </p:tnLst>
+  </p:timing>
+</p:sld>
+</file>
+
+<file path=ppt/slides/slide7.xml><?xml version="1.0" encoding="utf-8"?>
+<p:sld xmlns:a="http://schemas.openxmlformats.org/drawingml/2006/main" xmlns:r="http://schemas.openxmlformats.org/officeDocument/2006/relationships" xmlns:p="http://schemas.openxmlformats.org/presentationml/2006/main">
+  <p:cSld>
+    <p:spTree>
+      <p:nvGrpSpPr>
+        <p:cNvPr id="1" name=""/>
+        <p:cNvGrpSpPr/>
+        <p:nvPr/>
+      </p:nvGrpSpPr>
+      <p:grpSpPr>
+        <a:xfrm>
+          <a:off x="0" y="0"/>
+          <a:ext cx="0" cy="0"/>
+          <a:chOff x="0" y="0"/>
+          <a:chExt cx="0" cy="0"/>
+        </a:xfrm>
+      </p:grpSpPr>
+      <p:sp>
+        <p:nvSpPr>
+          <p:cNvPr id="34" name="Rectangle 33"/>
+          <p:cNvSpPr/>
+          <p:nvPr/>
+        </p:nvSpPr>
+        <p:spPr>
+          <a:xfrm>
+            <a:off x="0" y="6115607"/>
+            <a:ext cx="12192000" cy="1047733"/>
+          </a:xfrm>
+          <a:prstGeom prst="rect">
+            <a:avLst/>
+          </a:prstGeom>
+          <a:solidFill>
+            <a:srgbClr val="D2D0D0"/>
+          </a:solidFill>
+          <a:ln>
+            <a:noFill/>
+          </a:ln>
+        </p:spPr>
+        <p:style>
+          <a:lnRef idx="2">
+            <a:schemeClr val="accent1">
+              <a:shade val="50000"/>
+            </a:schemeClr>
+          </a:lnRef>
+          <a:fillRef idx="1">
+            <a:schemeClr val="accent1"/>
+          </a:fillRef>
+          <a:effectRef idx="0">
+            <a:schemeClr val="accent1"/>
+          </a:effectRef>
+          <a:fontRef idx="minor">
+            <a:schemeClr val="lt1"/>
+          </a:fontRef>
+        </p:style>
+        <p:txBody>
+          <a:bodyPr rtlCol="0" anchor="ctr"/>
+          <a:lstStyle/>
+          <a:p>
+            <a:pPr algn="ctr" fontAlgn="base">
+              <a:spcBef>
+                <a:spcPct val="0"/>
+              </a:spcBef>
+              <a:spcAft>
+                <a:spcPct val="0"/>
+              </a:spcAft>
+            </a:pPr>
+            <a:endParaRPr lang="en-US" sz="2800">
+              <a:solidFill>
+                <a:prstClr val="white"/>
+              </a:solidFill>
+              <a:cs typeface="+mn-ea"/>
+              <a:sym typeface="+mn-lt"/>
+            </a:endParaRPr>
+          </a:p>
+        </p:txBody>
+      </p:sp>
+      <p:sp>
+        <p:nvSpPr>
+          <p:cNvPr id="10" name="箭头: V 形 105"/>
+          <p:cNvSpPr/>
+          <p:nvPr/>
+        </p:nvSpPr>
+        <p:spPr>
+          <a:xfrm flipH="1">
+            <a:off x="7250197" y="5279409"/>
+            <a:ext cx="4941803" cy="1028161"/>
+          </a:xfrm>
+          <a:prstGeom prst="chevron">
+            <a:avLst>
+              <a:gd name="adj" fmla="val 29021"/>
+            </a:avLst>
+          </a:prstGeom>
+          <a:gradFill flip="none" rotWithShape="1">
+            <a:gsLst>
+              <a:gs pos="0">
+                <a:srgbClr val="F9AC7D"/>
+              </a:gs>
+              <a:gs pos="100000">
+                <a:srgbClr val="F28893"/>
+              </a:gs>
+            </a:gsLst>
+            <a:lin ang="0" scaled="1"/>
+            <a:tileRect/>
+          </a:gradFill>
+          <a:ln>
+            <a:noFill/>
+          </a:ln>
+        </p:spPr>
+        <p:style>
+          <a:lnRef idx="2">
+            <a:schemeClr val="accent1">
+              <a:shade val="50000"/>
+            </a:schemeClr>
+          </a:lnRef>
+          <a:fillRef idx="1">
+            <a:schemeClr val="accent1"/>
+          </a:fillRef>
+          <a:effectRef idx="0">
+            <a:schemeClr val="accent1"/>
+          </a:effectRef>
+          <a:fontRef idx="minor">
+            <a:schemeClr val="lt1"/>
+          </a:fontRef>
+        </p:style>
+        <p:txBody>
+          <a:bodyPr rtlCol="0" anchor="ctr"/>
+          <a:lstStyle>
+            <a:defPPr>
+              <a:defRPr lang="en-US">
+                <a:solidFill>
+                  <a:schemeClr val="lt1"/>
+                </a:solidFill>
+              </a:defRPr>
+            </a:defPPr>
+            <a:lvl1pPr marL="0" algn="l" defTabSz="685800" rtl="0" eaLnBrk="1" latinLnBrk="0" hangingPunct="1">
+              <a:defRPr sz="1350" kern="1200">
+                <a:solidFill>
+                  <a:schemeClr val="lt1"/>
+                </a:solidFill>
+                <a:latin typeface="+mn-lt"/>
+                <a:ea typeface="+mn-ea"/>
+                <a:cs typeface="+mn-cs"/>
+              </a:defRPr>
+            </a:lvl1pPr>
+            <a:lvl2pPr marL="342900" algn="l" defTabSz="685800" rtl="0" eaLnBrk="1" latinLnBrk="0" hangingPunct="1">
+              <a:defRPr sz="1350" kern="1200">
+                <a:solidFill>
+                  <a:schemeClr val="lt1"/>
+                </a:solidFill>
+                <a:latin typeface="+mn-lt"/>
+                <a:ea typeface="+mn-ea"/>
+                <a:cs typeface="+mn-cs"/>
+              </a:defRPr>
+            </a:lvl2pPr>
+            <a:lvl3pPr marL="685800" algn="l" defTabSz="685800" rtl="0" eaLnBrk="1" latinLnBrk="0" hangingPunct="1">
+              <a:defRPr sz="1350" kern="1200">
+                <a:solidFill>
+                  <a:schemeClr val="lt1"/>
+                </a:solidFill>
+                <a:latin typeface="+mn-lt"/>
+                <a:ea typeface="+mn-ea"/>
+                <a:cs typeface="+mn-cs"/>
+              </a:defRPr>
+            </a:lvl3pPr>
+            <a:lvl4pPr marL="1028700" algn="l" defTabSz="685800" rtl="0" eaLnBrk="1" latinLnBrk="0" hangingPunct="1">
+              <a:defRPr sz="1350" kern="1200">
+                <a:solidFill>
+                  <a:schemeClr val="lt1"/>
+                </a:solidFill>
+                <a:latin typeface="+mn-lt"/>
+                <a:ea typeface="+mn-ea"/>
+                <a:cs typeface="+mn-cs"/>
+              </a:defRPr>
+            </a:lvl4pPr>
+            <a:lvl5pPr marL="1371600" algn="l" defTabSz="685800" rtl="0" eaLnBrk="1" latinLnBrk="0" hangingPunct="1">
+              <a:defRPr sz="1350" kern="1200">
+                <a:solidFill>
+                  <a:schemeClr val="lt1"/>
+                </a:solidFill>
+                <a:latin typeface="+mn-lt"/>
+                <a:ea typeface="+mn-ea"/>
+                <a:cs typeface="+mn-cs"/>
+              </a:defRPr>
+            </a:lvl5pPr>
+            <a:lvl6pPr marL="1714500" algn="l" defTabSz="685800" rtl="0" eaLnBrk="1" latinLnBrk="0" hangingPunct="1">
+              <a:defRPr sz="1350" kern="1200">
+                <a:solidFill>
+                  <a:schemeClr val="lt1"/>
+                </a:solidFill>
+                <a:latin typeface="+mn-lt"/>
+                <a:ea typeface="+mn-ea"/>
+                <a:cs typeface="+mn-cs"/>
+              </a:defRPr>
+            </a:lvl6pPr>
+            <a:lvl7pPr marL="2057400" algn="l" defTabSz="685800" rtl="0" eaLnBrk="1" latinLnBrk="0" hangingPunct="1">
+              <a:defRPr sz="1350" kern="1200">
+                <a:solidFill>
+                  <a:schemeClr val="lt1"/>
+                </a:solidFill>
+                <a:latin typeface="+mn-lt"/>
+                <a:ea typeface="+mn-ea"/>
+                <a:cs typeface="+mn-cs"/>
+              </a:defRPr>
+            </a:lvl7pPr>
+            <a:lvl8pPr marL="2400300" algn="l" defTabSz="685800" rtl="0" eaLnBrk="1" latinLnBrk="0" hangingPunct="1">
+              <a:defRPr sz="1350" kern="1200">
+                <a:solidFill>
+                  <a:schemeClr val="lt1"/>
+                </a:solidFill>
+                <a:latin typeface="+mn-lt"/>
+                <a:ea typeface="+mn-ea"/>
+                <a:cs typeface="+mn-cs"/>
+              </a:defRPr>
+            </a:lvl8pPr>
+            <a:lvl9pPr marL="2743200" algn="l" defTabSz="685800" rtl="0" eaLnBrk="1" latinLnBrk="0" hangingPunct="1">
+              <a:defRPr sz="1350" kern="1200">
+                <a:solidFill>
+                  <a:schemeClr val="lt1"/>
+                </a:solidFill>
+                <a:latin typeface="+mn-lt"/>
+                <a:ea typeface="+mn-ea"/>
+                <a:cs typeface="+mn-cs"/>
+              </a:defRPr>
+            </a:lvl9pPr>
+          </a:lstStyle>
+          <a:p>
+            <a:pPr algn="ctr"/>
+            <a:r>
+              <a:rPr lang="es-ES" altLang="zh-CN" sz="2000" dirty="0" smtClean="0">
+                <a:solidFill>
+                  <a:schemeClr val="bg1"/>
+                </a:solidFill>
+              </a:rPr>
+              <a:t>El usuario…</a:t>
+            </a:r>
+            <a:endParaRPr lang="zh-CN" altLang="en-US" sz="2000" dirty="0">
+              <a:solidFill>
+                <a:schemeClr val="bg1"/>
+              </a:solidFill>
+            </a:endParaRPr>
+          </a:p>
+        </p:txBody>
+      </p:sp>
+      <p:pic>
+        <p:nvPicPr>
+          <p:cNvPr id="4098" name="Picture 2"/>
+          <p:cNvPicPr>
+            <a:picLocks noChangeAspect="1" noChangeArrowheads="1"/>
+          </p:cNvPicPr>
+          <p:nvPr/>
+        </p:nvPicPr>
+        <p:blipFill>
+          <a:blip r:embed="rId2">
+            <a:extLst>
+              <a:ext uri="{28A0092B-C50C-407E-A947-70E740481C1C}">
+                <a14:useLocalDpi xmlns:a14="http://schemas.microsoft.com/office/drawing/2010/main" val="0"/>
+              </a:ext>
+            </a:extLst>
+          </a:blip>
+          <a:srcRect/>
+          <a:stretch>
+            <a:fillRect/>
+          </a:stretch>
+        </p:blipFill>
+        <p:spPr bwMode="auto">
+          <a:xfrm>
+            <a:off x="471488" y="290059"/>
+            <a:ext cx="6058459" cy="6569961"/>
+          </a:xfrm>
+          <a:prstGeom prst="roundRect">
+            <a:avLst>
+              <a:gd name="adj" fmla="val 8594"/>
+            </a:avLst>
+          </a:prstGeom>
+          <a:solidFill>
+            <a:srgbClr val="FFFFFF">
+              <a:shade val="85000"/>
+            </a:srgbClr>
+          </a:solidFill>
+          <a:ln w="9525">
+            <a:solidFill>
+              <a:schemeClr val="tx1"/>
+            </a:solidFill>
+            <a:miter lim="800000"/>
+            <a:headEnd/>
+            <a:tailEnd/>
+          </a:ln>
+          <a:effectLst>
+            <a:reflection blurRad="12700" stA="38000" endPos="28000" dist="5000" dir="5400000" sy="-100000" algn="bl" rotWithShape="0"/>
+          </a:effectLst>
+          <a:extLst>
+            <a:ext uri="{909E8E84-426E-40DD-AFC4-6F175D3DCCD1}">
+              <a14:hiddenFill xmlns:a14="http://schemas.microsoft.com/office/drawing/2010/main">
+                <a:solidFill>
+                  <a:schemeClr val="accent1"/>
+                </a:solidFill>
+              </a14:hiddenFill>
+            </a:ext>
+          </a:extLst>
+        </p:spPr>
+      </p:pic>
+    </p:spTree>
+    <p:extLst>
+      <p:ext uri="{BB962C8B-B14F-4D97-AF65-F5344CB8AC3E}">
+        <p14:creationId xmlns:p14="http://schemas.microsoft.com/office/powerpoint/2010/main" val="2174911341"/>
+      </p:ext>
+    </p:extLst>
+  </p:cSld>
+  <p:clrMapOvr>
+    <a:masterClrMapping/>
+  </p:clrMapOvr>
+  <mc:AlternateContent xmlns:mc="http://schemas.openxmlformats.org/markup-compatibility/2006" xmlns:p14="http://schemas.microsoft.com/office/powerpoint/2010/main">
+    <mc:Choice Requires="p14">
+      <p:transition spd="slow" p14:dur="1500">
+        <p:random/>
+      </p:transition>
+    </mc:Choice>
+    <mc:Fallback xmlns="">
+      <p:transition spd="slow">
+        <p:random/>
+      </p:transition>
+    </mc:Fallback>
+  </mc:AlternateContent>
+  <p:timing>
+    <p:tnLst>
+      <p:par>
+        <p:cTn id="1" dur="indefinite" restart="never" nodeType="tmRoot"/>
+      </p:par>
+    </p:tnLst>
+  </p:timing>
+</p:sld>
+</file>
+
+<file path=ppt/slides/slide8.xml><?xml version="1.0" encoding="utf-8"?>
+<p:sld xmlns:a="http://schemas.openxmlformats.org/drawingml/2006/main" xmlns:r="http://schemas.openxmlformats.org/officeDocument/2006/relationships" xmlns:p="http://schemas.openxmlformats.org/presentationml/2006/main">
+  <p:cSld>
+    <p:spTree>
+      <p:nvGrpSpPr>
+        <p:cNvPr id="1" name=""/>
+        <p:cNvGrpSpPr/>
+        <p:nvPr/>
+      </p:nvGrpSpPr>
+      <p:grpSpPr>
+        <a:xfrm>
+          <a:off x="0" y="0"/>
+          <a:ext cx="0" cy="0"/>
+          <a:chOff x="0" y="0"/>
+          <a:chExt cx="0" cy="0"/>
+        </a:xfrm>
+      </p:grpSpPr>
+      <p:sp>
+        <p:nvSpPr>
+          <p:cNvPr id="34" name="Rectangle 33"/>
+          <p:cNvSpPr/>
+          <p:nvPr/>
+        </p:nvSpPr>
+        <p:spPr>
+          <a:xfrm>
+            <a:off x="0" y="6115607"/>
+            <a:ext cx="12192000" cy="1047733"/>
+          </a:xfrm>
+          <a:prstGeom prst="rect">
+            <a:avLst/>
+          </a:prstGeom>
+          <a:solidFill>
+            <a:srgbClr val="D2D0D0"/>
+          </a:solidFill>
+          <a:ln>
+            <a:noFill/>
+          </a:ln>
+        </p:spPr>
+        <p:style>
+          <a:lnRef idx="2">
+            <a:schemeClr val="accent1">
+              <a:shade val="50000"/>
+            </a:schemeClr>
+          </a:lnRef>
+          <a:fillRef idx="1">
+            <a:schemeClr val="accent1"/>
+          </a:fillRef>
+          <a:effectRef idx="0">
+            <a:schemeClr val="accent1"/>
+          </a:effectRef>
+          <a:fontRef idx="minor">
+            <a:schemeClr val="lt1"/>
+          </a:fontRef>
+        </p:style>
+        <p:txBody>
+          <a:bodyPr rtlCol="0" anchor="ctr"/>
+          <a:lstStyle/>
+          <a:p>
+            <a:pPr algn="ctr" fontAlgn="base">
+              <a:spcBef>
+                <a:spcPct val="0"/>
+              </a:spcBef>
+              <a:spcAft>
+                <a:spcPct val="0"/>
+              </a:spcAft>
+            </a:pPr>
+            <a:endParaRPr lang="en-US" sz="2800">
+              <a:solidFill>
+                <a:prstClr val="white"/>
+              </a:solidFill>
+              <a:cs typeface="+mn-ea"/>
+              <a:sym typeface="+mn-lt"/>
+            </a:endParaRPr>
+          </a:p>
+        </p:txBody>
+      </p:sp>
+      <p:sp>
+        <p:nvSpPr>
+          <p:cNvPr id="10" name="箭头: V 形 105"/>
+          <p:cNvSpPr/>
+          <p:nvPr/>
+        </p:nvSpPr>
+        <p:spPr>
+          <a:xfrm flipH="1">
+            <a:off x="7250197" y="5279409"/>
+            <a:ext cx="4941803" cy="1028161"/>
+          </a:xfrm>
+          <a:prstGeom prst="chevron">
+            <a:avLst>
+              <a:gd name="adj" fmla="val 29021"/>
+            </a:avLst>
+          </a:prstGeom>
+          <a:gradFill flip="none" rotWithShape="1">
+            <a:gsLst>
+              <a:gs pos="0">
+                <a:srgbClr val="F9AC7D"/>
+              </a:gs>
+              <a:gs pos="100000">
+                <a:srgbClr val="F28893"/>
+              </a:gs>
+            </a:gsLst>
+            <a:lin ang="0" scaled="1"/>
+            <a:tileRect/>
+          </a:gradFill>
+          <a:ln>
+            <a:noFill/>
+          </a:ln>
+        </p:spPr>
+        <p:style>
+          <a:lnRef idx="2">
+            <a:schemeClr val="accent1">
+              <a:shade val="50000"/>
+            </a:schemeClr>
+          </a:lnRef>
+          <a:fillRef idx="1">
+            <a:schemeClr val="accent1"/>
+          </a:fillRef>
+          <a:effectRef idx="0">
+            <a:schemeClr val="accent1"/>
+          </a:effectRef>
+          <a:fontRef idx="minor">
+            <a:schemeClr val="lt1"/>
+          </a:fontRef>
+        </p:style>
+        <p:txBody>
+          <a:bodyPr rtlCol="0" anchor="ctr"/>
+          <a:lstStyle>
+            <a:defPPr>
+              <a:defRPr lang="en-US">
+                <a:solidFill>
+                  <a:schemeClr val="lt1"/>
+                </a:solidFill>
+              </a:defRPr>
+            </a:defPPr>
+            <a:lvl1pPr marL="0" algn="l" defTabSz="685800" rtl="0" eaLnBrk="1" latinLnBrk="0" hangingPunct="1">
+              <a:defRPr sz="1350" kern="1200">
+                <a:solidFill>
+                  <a:schemeClr val="lt1"/>
+                </a:solidFill>
+                <a:latin typeface="+mn-lt"/>
+                <a:ea typeface="+mn-ea"/>
+                <a:cs typeface="+mn-cs"/>
+              </a:defRPr>
+            </a:lvl1pPr>
+            <a:lvl2pPr marL="342900" algn="l" defTabSz="685800" rtl="0" eaLnBrk="1" latinLnBrk="0" hangingPunct="1">
+              <a:defRPr sz="1350" kern="1200">
+                <a:solidFill>
+                  <a:schemeClr val="lt1"/>
+                </a:solidFill>
+                <a:latin typeface="+mn-lt"/>
+                <a:ea typeface="+mn-ea"/>
+                <a:cs typeface="+mn-cs"/>
+              </a:defRPr>
+            </a:lvl2pPr>
+            <a:lvl3pPr marL="685800" algn="l" defTabSz="685800" rtl="0" eaLnBrk="1" latinLnBrk="0" hangingPunct="1">
+              <a:defRPr sz="1350" kern="1200">
+                <a:solidFill>
+                  <a:schemeClr val="lt1"/>
+                </a:solidFill>
+                <a:latin typeface="+mn-lt"/>
+                <a:ea typeface="+mn-ea"/>
+                <a:cs typeface="+mn-cs"/>
+              </a:defRPr>
+            </a:lvl3pPr>
+            <a:lvl4pPr marL="1028700" algn="l" defTabSz="685800" rtl="0" eaLnBrk="1" latinLnBrk="0" hangingPunct="1">
+              <a:defRPr sz="1350" kern="1200">
+                <a:solidFill>
+                  <a:schemeClr val="lt1"/>
+                </a:solidFill>
+                <a:latin typeface="+mn-lt"/>
+                <a:ea typeface="+mn-ea"/>
+                <a:cs typeface="+mn-cs"/>
+              </a:defRPr>
+            </a:lvl4pPr>
+            <a:lvl5pPr marL="1371600" algn="l" defTabSz="685800" rtl="0" eaLnBrk="1" latinLnBrk="0" hangingPunct="1">
+              <a:defRPr sz="1350" kern="1200">
+                <a:solidFill>
+                  <a:schemeClr val="lt1"/>
+                </a:solidFill>
+                <a:latin typeface="+mn-lt"/>
+                <a:ea typeface="+mn-ea"/>
+                <a:cs typeface="+mn-cs"/>
+              </a:defRPr>
+            </a:lvl5pPr>
+            <a:lvl6pPr marL="1714500" algn="l" defTabSz="685800" rtl="0" eaLnBrk="1" latinLnBrk="0" hangingPunct="1">
+              <a:defRPr sz="1350" kern="1200">
+                <a:solidFill>
+                  <a:schemeClr val="lt1"/>
+                </a:solidFill>
+                <a:latin typeface="+mn-lt"/>
+                <a:ea typeface="+mn-ea"/>
+                <a:cs typeface="+mn-cs"/>
+              </a:defRPr>
+            </a:lvl6pPr>
+            <a:lvl7pPr marL="2057400" algn="l" defTabSz="685800" rtl="0" eaLnBrk="1" latinLnBrk="0" hangingPunct="1">
+              <a:defRPr sz="1350" kern="1200">
+                <a:solidFill>
+                  <a:schemeClr val="lt1"/>
+                </a:solidFill>
+                <a:latin typeface="+mn-lt"/>
+                <a:ea typeface="+mn-ea"/>
+                <a:cs typeface="+mn-cs"/>
+              </a:defRPr>
+            </a:lvl7pPr>
+            <a:lvl8pPr marL="2400300" algn="l" defTabSz="685800" rtl="0" eaLnBrk="1" latinLnBrk="0" hangingPunct="1">
+              <a:defRPr sz="1350" kern="1200">
+                <a:solidFill>
+                  <a:schemeClr val="lt1"/>
+                </a:solidFill>
+                <a:latin typeface="+mn-lt"/>
+                <a:ea typeface="+mn-ea"/>
+                <a:cs typeface="+mn-cs"/>
+              </a:defRPr>
+            </a:lvl8pPr>
+            <a:lvl9pPr marL="2743200" algn="l" defTabSz="685800" rtl="0" eaLnBrk="1" latinLnBrk="0" hangingPunct="1">
+              <a:defRPr sz="1350" kern="1200">
+                <a:solidFill>
+                  <a:schemeClr val="lt1"/>
+                </a:solidFill>
+                <a:latin typeface="+mn-lt"/>
+                <a:ea typeface="+mn-ea"/>
+                <a:cs typeface="+mn-cs"/>
+              </a:defRPr>
+            </a:lvl9pPr>
+          </a:lstStyle>
+          <a:p>
+            <a:pPr algn="ctr"/>
+            <a:r>
+              <a:rPr lang="es-ES" altLang="zh-CN" sz="2000" dirty="0" smtClean="0">
+                <a:solidFill>
+                  <a:schemeClr val="bg1"/>
+                </a:solidFill>
+              </a:rPr>
+              <a:t>El usuario…</a:t>
+            </a:r>
+            <a:endParaRPr lang="zh-CN" altLang="en-US" sz="2000" dirty="0">
+              <a:solidFill>
+                <a:schemeClr val="bg1"/>
+              </a:solidFill>
+            </a:endParaRPr>
+          </a:p>
+        </p:txBody>
+      </p:sp>
+      <p:pic>
+        <p:nvPicPr>
+          <p:cNvPr id="5122" name="Picture 2"/>
+          <p:cNvPicPr>
+            <a:picLocks noChangeAspect="1" noChangeArrowheads="1"/>
+          </p:cNvPicPr>
+          <p:nvPr/>
+        </p:nvPicPr>
+        <p:blipFill>
+          <a:blip r:embed="rId2">
+            <a:extLst>
+              <a:ext uri="{28A0092B-C50C-407E-A947-70E740481C1C}">
+                <a14:useLocalDpi xmlns:a14="http://schemas.microsoft.com/office/drawing/2010/main" val="0"/>
+              </a:ext>
+            </a:extLst>
+          </a:blip>
+          <a:srcRect/>
+          <a:stretch>
+            <a:fillRect/>
+          </a:stretch>
+        </p:blipFill>
+        <p:spPr bwMode="auto">
+          <a:xfrm>
+            <a:off x="457199" y="267780"/>
+            <a:ext cx="6305551" cy="6371693"/>
+          </a:xfrm>
+          <a:prstGeom prst="roundRect">
+            <a:avLst>
+              <a:gd name="adj" fmla="val 8594"/>
+            </a:avLst>
+          </a:prstGeom>
+          <a:solidFill>
+            <a:srgbClr val="FFFFFF">
+              <a:shade val="85000"/>
+            </a:srgbClr>
+          </a:solidFill>
+          <a:ln w="9525">
+            <a:solidFill>
+              <a:schemeClr val="tx1"/>
+            </a:solidFill>
+            <a:miter lim="800000"/>
+            <a:headEnd/>
+            <a:tailEnd/>
+          </a:ln>
+          <a:effectLst>
+            <a:reflection blurRad="12700" stA="38000" endPos="28000" dist="5000" dir="5400000" sy="-100000" algn="bl" rotWithShape="0"/>
+          </a:effectLst>
+          <a:extLst>
+            <a:ext uri="{909E8E84-426E-40DD-AFC4-6F175D3DCCD1}">
+              <a14:hiddenFill xmlns:a14="http://schemas.microsoft.com/office/drawing/2010/main">
+                <a:solidFill>
+                  <a:schemeClr val="accent1"/>
+                </a:solidFill>
+              </a14:hiddenFill>
+            </a:ext>
+          </a:extLst>
+        </p:spPr>
+      </p:pic>
+    </p:spTree>
+    <p:extLst>
+      <p:ext uri="{BB962C8B-B14F-4D97-AF65-F5344CB8AC3E}">
+        <p14:creationId xmlns:p14="http://schemas.microsoft.com/office/powerpoint/2010/main" val="4110398210"/>
+      </p:ext>
+    </p:extLst>
+  </p:cSld>
+  <p:clrMapOvr>
+    <a:masterClrMapping/>
+  </p:clrMapOvr>
+  <mc:AlternateContent xmlns:mc="http://schemas.openxmlformats.org/markup-compatibility/2006" xmlns:p14="http://schemas.microsoft.com/office/powerpoint/2010/main">
+    <mc:Choice Requires="p14">
+      <p:transition spd="slow" p14:dur="1500">
+        <p:random/>
+      </p:transition>
+    </mc:Choice>
+    <mc:Fallback xmlns="">
+      <p:transition spd="slow">
+        <p:random/>
+      </p:transition>
+    </mc:Fallback>
+  </mc:AlternateContent>
+  <p:timing>
+    <p:tnLst>
+      <p:par>
+        <p:cTn id="1" dur="indefinite" restart="never" nodeType="tmRoot"/>
+      </p:par>
+    </p:tnLst>
+  </p:timing>
+</p:sld>
+</file>
+
+<file path=ppt/slides/slide9.xml><?xml version="1.0" encoding="utf-8"?>
+<p:sld xmlns:a="http://schemas.openxmlformats.org/drawingml/2006/main" xmlns:r="http://schemas.openxmlformats.org/officeDocument/2006/relationships" xmlns:p="http://schemas.openxmlformats.org/presentationml/2006/main">
+  <p:cSld>
+    <p:spTree>
+      <p:nvGrpSpPr>
+        <p:cNvPr id="1" name=""/>
+        <p:cNvGrpSpPr/>
+        <p:nvPr/>
+      </p:nvGrpSpPr>
+      <p:grpSpPr>
+        <a:xfrm>
+          <a:off x="0" y="0"/>
+          <a:ext cx="0" cy="0"/>
+          <a:chOff x="0" y="0"/>
+          <a:chExt cx="0" cy="0"/>
+        </a:xfrm>
+      </p:grpSpPr>
+      <p:sp>
+        <p:nvSpPr>
+          <p:cNvPr id="34" name="Rectangle 33"/>
+          <p:cNvSpPr/>
+          <p:nvPr/>
+        </p:nvSpPr>
+        <p:spPr>
+          <a:xfrm>
+            <a:off x="0" y="6115607"/>
+            <a:ext cx="12192000" cy="1047733"/>
+          </a:xfrm>
+          <a:prstGeom prst="rect">
+            <a:avLst/>
+          </a:prstGeom>
+          <a:solidFill>
+            <a:srgbClr val="D2D0D0"/>
+          </a:solidFill>
+          <a:ln>
+            <a:noFill/>
+          </a:ln>
+        </p:spPr>
+        <p:style>
+          <a:lnRef idx="2">
+            <a:schemeClr val="accent1">
+              <a:shade val="50000"/>
+            </a:schemeClr>
+          </a:lnRef>
+          <a:fillRef idx="1">
+            <a:schemeClr val="accent1"/>
+          </a:fillRef>
+          <a:effectRef idx="0">
+            <a:schemeClr val="accent1"/>
+          </a:effectRef>
+          <a:fontRef idx="minor">
+            <a:schemeClr val="lt1"/>
+          </a:fontRef>
+        </p:style>
+        <p:txBody>
+          <a:bodyPr rtlCol="0" anchor="ctr"/>
+          <a:lstStyle/>
+          <a:p>
+            <a:pPr algn="ctr" fontAlgn="base">
+              <a:spcBef>
+                <a:spcPct val="0"/>
+              </a:spcBef>
+              <a:spcAft>
+                <a:spcPct val="0"/>
+              </a:spcAft>
+            </a:pPr>
+            <a:endParaRPr lang="en-US" sz="2800">
+              <a:solidFill>
+                <a:prstClr val="white"/>
+              </a:solidFill>
+              <a:cs typeface="+mn-ea"/>
+              <a:sym typeface="+mn-lt"/>
+            </a:endParaRPr>
+          </a:p>
+        </p:txBody>
+      </p:sp>
+      <p:sp>
+        <p:nvSpPr>
+          <p:cNvPr id="10" name="箭头: V 形 105"/>
+          <p:cNvSpPr/>
+          <p:nvPr/>
+        </p:nvSpPr>
+        <p:spPr>
+          <a:xfrm flipH="1">
+            <a:off x="7250197" y="5279409"/>
+            <a:ext cx="4941803" cy="1028161"/>
+          </a:xfrm>
+          <a:prstGeom prst="chevron">
+            <a:avLst>
+              <a:gd name="adj" fmla="val 29021"/>
+            </a:avLst>
+          </a:prstGeom>
+          <a:gradFill flip="none" rotWithShape="1">
+            <a:gsLst>
+              <a:gs pos="0">
+                <a:srgbClr val="F9AC7D"/>
+              </a:gs>
+              <a:gs pos="100000">
+                <a:srgbClr val="F28893"/>
+              </a:gs>
+            </a:gsLst>
+            <a:lin ang="0" scaled="1"/>
+            <a:tileRect/>
+          </a:gradFill>
+          <a:ln>
+            <a:noFill/>
+          </a:ln>
+        </p:spPr>
+        <p:style>
+          <a:lnRef idx="2">
+            <a:schemeClr val="accent1">
+              <a:shade val="50000"/>
+            </a:schemeClr>
+          </a:lnRef>
+          <a:fillRef idx="1">
+            <a:schemeClr val="accent1"/>
+          </a:fillRef>
+          <a:effectRef idx="0">
+            <a:schemeClr val="accent1"/>
+          </a:effectRef>
+          <a:fontRef idx="minor">
+            <a:schemeClr val="lt1"/>
+          </a:fontRef>
+        </p:style>
+        <p:txBody>
+          <a:bodyPr rtlCol="0" anchor="ctr"/>
+          <a:lstStyle>
+            <a:defPPr>
+              <a:defRPr lang="en-US">
+                <a:solidFill>
+                  <a:schemeClr val="lt1"/>
+                </a:solidFill>
+              </a:defRPr>
+            </a:defPPr>
+            <a:lvl1pPr marL="0" algn="l" defTabSz="685800" rtl="0" eaLnBrk="1" latinLnBrk="0" hangingPunct="1">
+              <a:defRPr sz="1350" kern="1200">
+                <a:solidFill>
+                  <a:schemeClr val="lt1"/>
+                </a:solidFill>
+                <a:latin typeface="+mn-lt"/>
+                <a:ea typeface="+mn-ea"/>
+                <a:cs typeface="+mn-cs"/>
+              </a:defRPr>
+            </a:lvl1pPr>
+            <a:lvl2pPr marL="342900" algn="l" defTabSz="685800" rtl="0" eaLnBrk="1" latinLnBrk="0" hangingPunct="1">
+              <a:defRPr sz="1350" kern="1200">
+                <a:solidFill>
+                  <a:schemeClr val="lt1"/>
+                </a:solidFill>
+                <a:latin typeface="+mn-lt"/>
+                <a:ea typeface="+mn-ea"/>
+                <a:cs typeface="+mn-cs"/>
+              </a:defRPr>
+            </a:lvl2pPr>
+            <a:lvl3pPr marL="685800" algn="l" defTabSz="685800" rtl="0" eaLnBrk="1" latinLnBrk="0" hangingPunct="1">
+              <a:defRPr sz="1350" kern="1200">
+                <a:solidFill>
+                  <a:schemeClr val="lt1"/>
+                </a:solidFill>
+                <a:latin typeface="+mn-lt"/>
+                <a:ea typeface="+mn-ea"/>
+                <a:cs typeface="+mn-cs"/>
+              </a:defRPr>
+            </a:lvl3pPr>
+            <a:lvl4pPr marL="1028700" algn="l" defTabSz="685800" rtl="0" eaLnBrk="1" latinLnBrk="0" hangingPunct="1">
+              <a:defRPr sz="1350" kern="1200">
+                <a:solidFill>
+                  <a:schemeClr val="lt1"/>
+                </a:solidFill>
+                <a:latin typeface="+mn-lt"/>
+                <a:ea typeface="+mn-ea"/>
+                <a:cs typeface="+mn-cs"/>
+              </a:defRPr>
+            </a:lvl4pPr>
+            <a:lvl5pPr marL="1371600" algn="l" defTabSz="685800" rtl="0" eaLnBrk="1" latinLnBrk="0" hangingPunct="1">
+              <a:defRPr sz="1350" kern="1200">
+                <a:solidFill>
+                  <a:schemeClr val="lt1"/>
+                </a:solidFill>
+                <a:latin typeface="+mn-lt"/>
+                <a:ea typeface="+mn-ea"/>
+                <a:cs typeface="+mn-cs"/>
+              </a:defRPr>
+            </a:lvl5pPr>
+            <a:lvl6pPr marL="1714500" algn="l" defTabSz="685800" rtl="0" eaLnBrk="1" latinLnBrk="0" hangingPunct="1">
+              <a:defRPr sz="1350" kern="1200">
+                <a:solidFill>
+                  <a:schemeClr val="lt1"/>
+                </a:solidFill>
+                <a:latin typeface="+mn-lt"/>
+                <a:ea typeface="+mn-ea"/>
+                <a:cs typeface="+mn-cs"/>
+              </a:defRPr>
+            </a:lvl6pPr>
+            <a:lvl7pPr marL="2057400" algn="l" defTabSz="685800" rtl="0" eaLnBrk="1" latinLnBrk="0" hangingPunct="1">
+              <a:defRPr sz="1350" kern="1200">
+                <a:solidFill>
+                  <a:schemeClr val="lt1"/>
+                </a:solidFill>
+                <a:latin typeface="+mn-lt"/>
+                <a:ea typeface="+mn-ea"/>
+                <a:cs typeface="+mn-cs"/>
+              </a:defRPr>
+            </a:lvl7pPr>
+            <a:lvl8pPr marL="2400300" algn="l" defTabSz="685800" rtl="0" eaLnBrk="1" latinLnBrk="0" hangingPunct="1">
+              <a:defRPr sz="1350" kern="1200">
+                <a:solidFill>
+                  <a:schemeClr val="lt1"/>
+                </a:solidFill>
+                <a:latin typeface="+mn-lt"/>
+                <a:ea typeface="+mn-ea"/>
+                <a:cs typeface="+mn-cs"/>
+              </a:defRPr>
+            </a:lvl8pPr>
+            <a:lvl9pPr marL="2743200" algn="l" defTabSz="685800" rtl="0" eaLnBrk="1" latinLnBrk="0" hangingPunct="1">
+              <a:defRPr sz="1350" kern="1200">
+                <a:solidFill>
+                  <a:schemeClr val="lt1"/>
+                </a:solidFill>
+                <a:latin typeface="+mn-lt"/>
+                <a:ea typeface="+mn-ea"/>
+                <a:cs typeface="+mn-cs"/>
+              </a:defRPr>
+            </a:lvl9pPr>
+          </a:lstStyle>
+          <a:p>
+            <a:pPr algn="ctr"/>
+            <a:r>
+              <a:rPr lang="es-ES" altLang="zh-CN" sz="2000" dirty="0" smtClean="0">
+                <a:solidFill>
+                  <a:schemeClr val="bg1"/>
+                </a:solidFill>
+              </a:rPr>
+              <a:t>El usuario…</a:t>
+            </a:r>
+            <a:endParaRPr lang="zh-CN" altLang="en-US" sz="2000" dirty="0">
+              <a:solidFill>
+                <a:schemeClr val="bg1"/>
+              </a:solidFill>
+            </a:endParaRPr>
+          </a:p>
+        </p:txBody>
+      </p:sp>
+      <p:pic>
+        <p:nvPicPr>
+          <p:cNvPr id="6146" name="Picture 2"/>
+          <p:cNvPicPr>
+            <a:picLocks noChangeAspect="1" noChangeArrowheads="1"/>
+          </p:cNvPicPr>
+          <p:nvPr/>
+        </p:nvPicPr>
+        <p:blipFill>
+          <a:blip r:embed="rId2">
+            <a:extLst>
+              <a:ext uri="{28A0092B-C50C-407E-A947-70E740481C1C}">
+                <a14:useLocalDpi xmlns:a14="http://schemas.microsoft.com/office/drawing/2010/main" val="0"/>
+              </a:ext>
+            </a:extLst>
+          </a:blip>
+          <a:srcRect/>
+          <a:stretch>
+            <a:fillRect/>
+          </a:stretch>
+        </p:blipFill>
+        <p:spPr bwMode="auto">
+          <a:xfrm>
+            <a:off x="504825" y="838200"/>
+            <a:ext cx="5591175" cy="5010670"/>
+          </a:xfrm>
+          <a:prstGeom prst="roundRect">
+            <a:avLst>
+              <a:gd name="adj" fmla="val 8594"/>
+            </a:avLst>
+          </a:prstGeom>
+          <a:solidFill>
+            <a:srgbClr val="FFFFFF">
+              <a:shade val="85000"/>
+            </a:srgbClr>
+          </a:solidFill>
+          <a:ln w="9525">
+            <a:solidFill>
+              <a:schemeClr val="tx1"/>
+            </a:solidFill>
+            <a:miter lim="800000"/>
+            <a:headEnd/>
+            <a:tailEnd/>
+          </a:ln>
+          <a:effectLst>
+            <a:reflection blurRad="12700" stA="38000" endPos="28000" dist="5000" dir="5400000" sy="-100000" algn="bl" rotWithShape="0"/>
+          </a:effectLst>
+          <a:extLst>
+            <a:ext uri="{909E8E84-426E-40DD-AFC4-6F175D3DCCD1}">
+              <a14:hiddenFill xmlns:a14="http://schemas.microsoft.com/office/drawing/2010/main">
+                <a:solidFill>
+                  <a:schemeClr val="accent1"/>
+                </a:solidFill>
+              </a14:hiddenFill>
+            </a:ext>
+          </a:extLst>
+        </p:spPr>
+      </p:pic>
+    </p:spTree>
+    <p:extLst>
+      <p:ext uri="{BB962C8B-B14F-4D97-AF65-F5344CB8AC3E}">
+        <p14:creationId xmlns:p14="http://schemas.microsoft.com/office/powerpoint/2010/main" val="1792306883"/>
+      </p:ext>
+    </p:extLst>
+  </p:cSld>
+  <p:clrMapOvr>
+    <a:masterClrMapping/>
+  </p:clrMapOvr>
+  <mc:AlternateContent xmlns:mc="http://schemas.openxmlformats.org/markup-compatibility/2006" xmlns:p14="http://schemas.microsoft.com/office/powerpoint/2010/main">
+    <mc:Choice Requires="p14">
+      <p:transition spd="slow" p14:dur="1500">
+        <p:random/>
+      </p:transition>
+    </mc:Choice>
+    <mc:Fallback xmlns="">
+      <p:transition spd="slow">
+        <p:random/>
+      </p:transition>
+    </mc:Fallback>
+  </mc:AlternateContent>
+  <p:timing>
+    <p:tnLst>
+      <p:par>
+        <p:cTn id="1" dur="indefinite" restart="never" nodeType="tmRoot"/>
+      </p:par>
+    </p:tnLst>
   </p:timing>
 </p:sld>
 </file>

--- a/Documentacion/Base de Datos - Agencia de Viajes.pptx
+++ b/Documentacion/Base de Datos - Agencia de Viajes.pptx
@@ -9,10 +9,10 @@
     <p:sldMasterId id="2147483671" r:id="rId5"/>
   </p:sldMasterIdLst>
   <p:notesMasterIdLst>
-    <p:notesMasterId r:id="rId18"/>
+    <p:notesMasterId r:id="rId19"/>
   </p:notesMasterIdLst>
   <p:handoutMasterIdLst>
-    <p:handoutMasterId r:id="rId19"/>
+    <p:handoutMasterId r:id="rId20"/>
   </p:handoutMasterIdLst>
   <p:sldIdLst>
     <p:sldId id="664" r:id="rId6"/>
@@ -20,13 +20,14 @@
     <p:sldId id="689" r:id="rId8"/>
     <p:sldId id="670" r:id="rId9"/>
     <p:sldId id="690" r:id="rId10"/>
-    <p:sldId id="691" r:id="rId11"/>
-    <p:sldId id="692" r:id="rId12"/>
-    <p:sldId id="693" r:id="rId13"/>
-    <p:sldId id="694" r:id="rId14"/>
+    <p:sldId id="696" r:id="rId11"/>
+    <p:sldId id="691" r:id="rId12"/>
+    <p:sldId id="692" r:id="rId13"/>
+    <p:sldId id="693" r:id="rId14"/>
     <p:sldId id="695" r:id="rId15"/>
-    <p:sldId id="669" r:id="rId16"/>
-    <p:sldId id="680" r:id="rId17"/>
+    <p:sldId id="694" r:id="rId16"/>
+    <p:sldId id="669" r:id="rId17"/>
+    <p:sldId id="680" r:id="rId18"/>
   </p:sldIdLst>
   <p:sldSz cx="12192000" cy="6858000"/>
   <p:notesSz cx="6858000" cy="9144000"/>
@@ -125,6 +126,22 @@
       </a:defRPr>
     </a:lvl9pPr>
   </p:defaultTextStyle>
+  <p:extLst>
+    <p:ext uri="{EFAFB233-063F-42B5-8137-9DF3F51BA10A}">
+      <p15:sldGuideLst xmlns:p15="http://schemas.microsoft.com/office/powerpoint/2012/main">
+        <p15:guide id="1" orient="horz" pos="2131">
+          <p15:clr>
+            <a:srgbClr val="A4A3A4"/>
+          </p15:clr>
+        </p15:guide>
+        <p15:guide id="2" pos="3840">
+          <p15:clr>
+            <a:srgbClr val="A4A3A4"/>
+          </p15:clr>
+        </p15:guide>
+      </p15:sldGuideLst>
+    </p:ext>
+  </p:extLst>
 </p:presentation>
 </file>
 
@@ -7183,8 +7200,8 @@
         </p:nvSpPr>
         <p:spPr>
           <a:xfrm flipH="1">
-            <a:off x="7250197" y="5279409"/>
-            <a:ext cx="4941803" cy="1028161"/>
+            <a:off x="5619700" y="211650"/>
+            <a:ext cx="5716656" cy="1308677"/>
           </a:xfrm>
           <a:prstGeom prst="chevron">
             <a:avLst>
@@ -7332,7 +7349,23 @@
                   <a:schemeClr val="bg1"/>
                 </a:solidFill>
               </a:rPr>
-              <a:t>El usuario…</a:t>
+              <a:t>Un Tour-paquete puede visitar uno o muchos sitios turísticos, hoteles, restaurantes, lagos, ruinas </a:t>
+            </a:r>
+            <a:r>
+              <a:rPr lang="es-ES" altLang="zh-CN" sz="2000" dirty="0" err="1" smtClean="0">
+                <a:solidFill>
+                  <a:schemeClr val="bg1"/>
+                </a:solidFill>
+              </a:rPr>
+              <a:t>etc</a:t>
+            </a:r>
+            <a:r>
+              <a:rPr lang="es-ES" altLang="zh-CN" sz="2000" dirty="0" smtClean="0">
+                <a:solidFill>
+                  <a:schemeClr val="bg1"/>
+                </a:solidFill>
+              </a:rPr>
+              <a:t> </a:t>
             </a:r>
             <a:endParaRPr lang="zh-CN" altLang="en-US" sz="2000" dirty="0">
               <a:solidFill>
@@ -7389,17 +7422,359 @@
           <a:effectLst>
             <a:reflection blurRad="12700" stA="38000" endPos="28000" dist="5000" dir="5400000" sy="-100000" algn="bl" rotWithShape="0"/>
           </a:effectLst>
-          <a:extLst>
-            <a:ext uri="{909E8E84-426E-40DD-AFC4-6F175D3DCCD1}">
-              <a14:hiddenFill xmlns:a14="http://schemas.microsoft.com/office/drawing/2010/main">
-                <a:solidFill>
-                  <a:schemeClr val="accent1"/>
-                </a:solidFill>
-              </a14:hiddenFill>
-            </a:ext>
-          </a:extLst>
+          <a:extLst/>
         </p:spPr>
       </p:pic>
+      <p:sp>
+        <p:nvSpPr>
+          <p:cNvPr id="5" name="箭头: V 形 105"/>
+          <p:cNvSpPr/>
+          <p:nvPr/>
+        </p:nvSpPr>
+        <p:spPr>
+          <a:xfrm flipH="1">
+            <a:off x="5636572" y="2027597"/>
+            <a:ext cx="5716656" cy="1308677"/>
+          </a:xfrm>
+          <a:prstGeom prst="chevron">
+            <a:avLst>
+              <a:gd name="adj" fmla="val 29021"/>
+            </a:avLst>
+          </a:prstGeom>
+          <a:gradFill flip="none" rotWithShape="1">
+            <a:gsLst>
+              <a:gs pos="0">
+                <a:srgbClr val="F9AC7D"/>
+              </a:gs>
+              <a:gs pos="100000">
+                <a:srgbClr val="F28893"/>
+              </a:gs>
+            </a:gsLst>
+            <a:lin ang="0" scaled="1"/>
+            <a:tileRect/>
+          </a:gradFill>
+          <a:ln>
+            <a:noFill/>
+          </a:ln>
+        </p:spPr>
+        <p:style>
+          <a:lnRef idx="2">
+            <a:schemeClr val="accent1">
+              <a:shade val="50000"/>
+            </a:schemeClr>
+          </a:lnRef>
+          <a:fillRef idx="1">
+            <a:schemeClr val="accent1"/>
+          </a:fillRef>
+          <a:effectRef idx="0">
+            <a:schemeClr val="accent1"/>
+          </a:effectRef>
+          <a:fontRef idx="minor">
+            <a:schemeClr val="lt1"/>
+          </a:fontRef>
+        </p:style>
+        <p:txBody>
+          <a:bodyPr rtlCol="0" anchor="ctr"/>
+          <a:lstStyle>
+            <a:defPPr>
+              <a:defRPr lang="en-US">
+                <a:solidFill>
+                  <a:schemeClr val="lt1"/>
+                </a:solidFill>
+              </a:defRPr>
+            </a:defPPr>
+            <a:lvl1pPr marL="0" algn="l" defTabSz="685800" rtl="0" eaLnBrk="1" latinLnBrk="0" hangingPunct="1">
+              <a:defRPr sz="1350" kern="1200">
+                <a:solidFill>
+                  <a:schemeClr val="lt1"/>
+                </a:solidFill>
+                <a:latin typeface="+mn-lt"/>
+                <a:ea typeface="+mn-ea"/>
+                <a:cs typeface="+mn-cs"/>
+              </a:defRPr>
+            </a:lvl1pPr>
+            <a:lvl2pPr marL="342900" algn="l" defTabSz="685800" rtl="0" eaLnBrk="1" latinLnBrk="0" hangingPunct="1">
+              <a:defRPr sz="1350" kern="1200">
+                <a:solidFill>
+                  <a:schemeClr val="lt1"/>
+                </a:solidFill>
+                <a:latin typeface="+mn-lt"/>
+                <a:ea typeface="+mn-ea"/>
+                <a:cs typeface="+mn-cs"/>
+              </a:defRPr>
+            </a:lvl2pPr>
+            <a:lvl3pPr marL="685800" algn="l" defTabSz="685800" rtl="0" eaLnBrk="1" latinLnBrk="0" hangingPunct="1">
+              <a:defRPr sz="1350" kern="1200">
+                <a:solidFill>
+                  <a:schemeClr val="lt1"/>
+                </a:solidFill>
+                <a:latin typeface="+mn-lt"/>
+                <a:ea typeface="+mn-ea"/>
+                <a:cs typeface="+mn-cs"/>
+              </a:defRPr>
+            </a:lvl3pPr>
+            <a:lvl4pPr marL="1028700" algn="l" defTabSz="685800" rtl="0" eaLnBrk="1" latinLnBrk="0" hangingPunct="1">
+              <a:defRPr sz="1350" kern="1200">
+                <a:solidFill>
+                  <a:schemeClr val="lt1"/>
+                </a:solidFill>
+                <a:latin typeface="+mn-lt"/>
+                <a:ea typeface="+mn-ea"/>
+                <a:cs typeface="+mn-cs"/>
+              </a:defRPr>
+            </a:lvl4pPr>
+            <a:lvl5pPr marL="1371600" algn="l" defTabSz="685800" rtl="0" eaLnBrk="1" latinLnBrk="0" hangingPunct="1">
+              <a:defRPr sz="1350" kern="1200">
+                <a:solidFill>
+                  <a:schemeClr val="lt1"/>
+                </a:solidFill>
+                <a:latin typeface="+mn-lt"/>
+                <a:ea typeface="+mn-ea"/>
+                <a:cs typeface="+mn-cs"/>
+              </a:defRPr>
+            </a:lvl5pPr>
+            <a:lvl6pPr marL="1714500" algn="l" defTabSz="685800" rtl="0" eaLnBrk="1" latinLnBrk="0" hangingPunct="1">
+              <a:defRPr sz="1350" kern="1200">
+                <a:solidFill>
+                  <a:schemeClr val="lt1"/>
+                </a:solidFill>
+                <a:latin typeface="+mn-lt"/>
+                <a:ea typeface="+mn-ea"/>
+                <a:cs typeface="+mn-cs"/>
+              </a:defRPr>
+            </a:lvl6pPr>
+            <a:lvl7pPr marL="2057400" algn="l" defTabSz="685800" rtl="0" eaLnBrk="1" latinLnBrk="0" hangingPunct="1">
+              <a:defRPr sz="1350" kern="1200">
+                <a:solidFill>
+                  <a:schemeClr val="lt1"/>
+                </a:solidFill>
+                <a:latin typeface="+mn-lt"/>
+                <a:ea typeface="+mn-ea"/>
+                <a:cs typeface="+mn-cs"/>
+              </a:defRPr>
+            </a:lvl7pPr>
+            <a:lvl8pPr marL="2400300" algn="l" defTabSz="685800" rtl="0" eaLnBrk="1" latinLnBrk="0" hangingPunct="1">
+              <a:defRPr sz="1350" kern="1200">
+                <a:solidFill>
+                  <a:schemeClr val="lt1"/>
+                </a:solidFill>
+                <a:latin typeface="+mn-lt"/>
+                <a:ea typeface="+mn-ea"/>
+                <a:cs typeface="+mn-cs"/>
+              </a:defRPr>
+            </a:lvl8pPr>
+            <a:lvl9pPr marL="2743200" algn="l" defTabSz="685800" rtl="0" eaLnBrk="1" latinLnBrk="0" hangingPunct="1">
+              <a:defRPr sz="1350" kern="1200">
+                <a:solidFill>
+                  <a:schemeClr val="lt1"/>
+                </a:solidFill>
+                <a:latin typeface="+mn-lt"/>
+                <a:ea typeface="+mn-ea"/>
+                <a:cs typeface="+mn-cs"/>
+              </a:defRPr>
+            </a:lvl9pPr>
+          </a:lstStyle>
+          <a:p>
+            <a:pPr algn="ctr"/>
+            <a:r>
+              <a:rPr lang="es-ES" altLang="zh-CN" sz="2000" dirty="0" smtClean="0">
+                <a:solidFill>
+                  <a:schemeClr val="bg1"/>
+                </a:solidFill>
+              </a:rPr>
+              <a:t>La unión de sitios turísticos y tours-paquetes es el itinerario el cual detallara que lugar se visitara en un </a:t>
+            </a:r>
+            <a:r>
+              <a:rPr lang="es-ES" altLang="zh-CN" sz="2000" dirty="0" err="1" smtClean="0">
+                <a:solidFill>
+                  <a:schemeClr val="bg1"/>
+                </a:solidFill>
+              </a:rPr>
+              <a:t>dia</a:t>
+            </a:r>
+            <a:r>
+              <a:rPr lang="es-ES" altLang="zh-CN" sz="2000" dirty="0" smtClean="0">
+                <a:solidFill>
+                  <a:schemeClr val="bg1"/>
+                </a:solidFill>
+              </a:rPr>
+              <a:t> determinado</a:t>
+            </a:r>
+            <a:endParaRPr lang="zh-CN" altLang="en-US" sz="2000" dirty="0">
+              <a:solidFill>
+                <a:schemeClr val="bg1"/>
+              </a:solidFill>
+            </a:endParaRPr>
+          </a:p>
+        </p:txBody>
+      </p:sp>
+      <p:sp>
+        <p:nvSpPr>
+          <p:cNvPr id="6" name="箭头: V 形 105"/>
+          <p:cNvSpPr/>
+          <p:nvPr/>
+        </p:nvSpPr>
+        <p:spPr>
+          <a:xfrm flipH="1">
+            <a:off x="5518712" y="3645321"/>
+            <a:ext cx="5716656" cy="1308677"/>
+          </a:xfrm>
+          <a:prstGeom prst="chevron">
+            <a:avLst>
+              <a:gd name="adj" fmla="val 29021"/>
+            </a:avLst>
+          </a:prstGeom>
+          <a:gradFill flip="none" rotWithShape="1">
+            <a:gsLst>
+              <a:gs pos="0">
+                <a:srgbClr val="F9AC7D"/>
+              </a:gs>
+              <a:gs pos="100000">
+                <a:srgbClr val="F28893"/>
+              </a:gs>
+            </a:gsLst>
+            <a:lin ang="0" scaled="1"/>
+            <a:tileRect/>
+          </a:gradFill>
+          <a:ln>
+            <a:noFill/>
+          </a:ln>
+        </p:spPr>
+        <p:style>
+          <a:lnRef idx="2">
+            <a:schemeClr val="accent1">
+              <a:shade val="50000"/>
+            </a:schemeClr>
+          </a:lnRef>
+          <a:fillRef idx="1">
+            <a:schemeClr val="accent1"/>
+          </a:fillRef>
+          <a:effectRef idx="0">
+            <a:schemeClr val="accent1"/>
+          </a:effectRef>
+          <a:fontRef idx="minor">
+            <a:schemeClr val="lt1"/>
+          </a:fontRef>
+        </p:style>
+        <p:txBody>
+          <a:bodyPr rtlCol="0" anchor="ctr"/>
+          <a:lstStyle>
+            <a:defPPr>
+              <a:defRPr lang="en-US">
+                <a:solidFill>
+                  <a:schemeClr val="lt1"/>
+                </a:solidFill>
+              </a:defRPr>
+            </a:defPPr>
+            <a:lvl1pPr marL="0" algn="l" defTabSz="685800" rtl="0" eaLnBrk="1" latinLnBrk="0" hangingPunct="1">
+              <a:defRPr sz="1350" kern="1200">
+                <a:solidFill>
+                  <a:schemeClr val="lt1"/>
+                </a:solidFill>
+                <a:latin typeface="+mn-lt"/>
+                <a:ea typeface="+mn-ea"/>
+                <a:cs typeface="+mn-cs"/>
+              </a:defRPr>
+            </a:lvl1pPr>
+            <a:lvl2pPr marL="342900" algn="l" defTabSz="685800" rtl="0" eaLnBrk="1" latinLnBrk="0" hangingPunct="1">
+              <a:defRPr sz="1350" kern="1200">
+                <a:solidFill>
+                  <a:schemeClr val="lt1"/>
+                </a:solidFill>
+                <a:latin typeface="+mn-lt"/>
+                <a:ea typeface="+mn-ea"/>
+                <a:cs typeface="+mn-cs"/>
+              </a:defRPr>
+            </a:lvl2pPr>
+            <a:lvl3pPr marL="685800" algn="l" defTabSz="685800" rtl="0" eaLnBrk="1" latinLnBrk="0" hangingPunct="1">
+              <a:defRPr sz="1350" kern="1200">
+                <a:solidFill>
+                  <a:schemeClr val="lt1"/>
+                </a:solidFill>
+                <a:latin typeface="+mn-lt"/>
+                <a:ea typeface="+mn-ea"/>
+                <a:cs typeface="+mn-cs"/>
+              </a:defRPr>
+            </a:lvl3pPr>
+            <a:lvl4pPr marL="1028700" algn="l" defTabSz="685800" rtl="0" eaLnBrk="1" latinLnBrk="0" hangingPunct="1">
+              <a:defRPr sz="1350" kern="1200">
+                <a:solidFill>
+                  <a:schemeClr val="lt1"/>
+                </a:solidFill>
+                <a:latin typeface="+mn-lt"/>
+                <a:ea typeface="+mn-ea"/>
+                <a:cs typeface="+mn-cs"/>
+              </a:defRPr>
+            </a:lvl4pPr>
+            <a:lvl5pPr marL="1371600" algn="l" defTabSz="685800" rtl="0" eaLnBrk="1" latinLnBrk="0" hangingPunct="1">
+              <a:defRPr sz="1350" kern="1200">
+                <a:solidFill>
+                  <a:schemeClr val="lt1"/>
+                </a:solidFill>
+                <a:latin typeface="+mn-lt"/>
+                <a:ea typeface="+mn-ea"/>
+                <a:cs typeface="+mn-cs"/>
+              </a:defRPr>
+            </a:lvl5pPr>
+            <a:lvl6pPr marL="1714500" algn="l" defTabSz="685800" rtl="0" eaLnBrk="1" latinLnBrk="0" hangingPunct="1">
+              <a:defRPr sz="1350" kern="1200">
+                <a:solidFill>
+                  <a:schemeClr val="lt1"/>
+                </a:solidFill>
+                <a:latin typeface="+mn-lt"/>
+                <a:ea typeface="+mn-ea"/>
+                <a:cs typeface="+mn-cs"/>
+              </a:defRPr>
+            </a:lvl6pPr>
+            <a:lvl7pPr marL="2057400" algn="l" defTabSz="685800" rtl="0" eaLnBrk="1" latinLnBrk="0" hangingPunct="1">
+              <a:defRPr sz="1350" kern="1200">
+                <a:solidFill>
+                  <a:schemeClr val="lt1"/>
+                </a:solidFill>
+                <a:latin typeface="+mn-lt"/>
+                <a:ea typeface="+mn-ea"/>
+                <a:cs typeface="+mn-cs"/>
+              </a:defRPr>
+            </a:lvl7pPr>
+            <a:lvl8pPr marL="2400300" algn="l" defTabSz="685800" rtl="0" eaLnBrk="1" latinLnBrk="0" hangingPunct="1">
+              <a:defRPr sz="1350" kern="1200">
+                <a:solidFill>
+                  <a:schemeClr val="lt1"/>
+                </a:solidFill>
+                <a:latin typeface="+mn-lt"/>
+                <a:ea typeface="+mn-ea"/>
+                <a:cs typeface="+mn-cs"/>
+              </a:defRPr>
+            </a:lvl8pPr>
+            <a:lvl9pPr marL="2743200" algn="l" defTabSz="685800" rtl="0" eaLnBrk="1" latinLnBrk="0" hangingPunct="1">
+              <a:defRPr sz="1350" kern="1200">
+                <a:solidFill>
+                  <a:schemeClr val="lt1"/>
+                </a:solidFill>
+                <a:latin typeface="+mn-lt"/>
+                <a:ea typeface="+mn-ea"/>
+                <a:cs typeface="+mn-cs"/>
+              </a:defRPr>
+            </a:lvl9pPr>
+          </a:lstStyle>
+          <a:p>
+            <a:pPr algn="ctr"/>
+            <a:r>
+              <a:rPr lang="es-ES" altLang="zh-CN" sz="2000" dirty="0" smtClean="0">
+                <a:solidFill>
+                  <a:schemeClr val="bg1"/>
+                </a:solidFill>
+              </a:rPr>
+              <a:t>Los sitios turísticos poseerán muchas fotos, con esto se lograra crear una galería de fotos para la pagina web</a:t>
+            </a:r>
+            <a:endParaRPr lang="zh-CN" altLang="en-US" sz="2000" dirty="0">
+              <a:solidFill>
+                <a:schemeClr val="bg1"/>
+              </a:solidFill>
+            </a:endParaRPr>
+          </a:p>
+        </p:txBody>
+      </p:sp>
     </p:spTree>
     <p:extLst>
       <p:ext uri="{BB962C8B-B14F-4D97-AF65-F5344CB8AC3E}">
@@ -7433,6 +7808,406 @@
 </file>
 
 <file path=ppt/slides/slide11.xml><?xml version="1.0" encoding="utf-8"?>
+<p:sld xmlns:a="http://schemas.openxmlformats.org/drawingml/2006/main" xmlns:r="http://schemas.openxmlformats.org/officeDocument/2006/relationships" xmlns:p="http://schemas.openxmlformats.org/presentationml/2006/main">
+  <p:cSld>
+    <p:spTree>
+      <p:nvGrpSpPr>
+        <p:cNvPr id="1" name=""/>
+        <p:cNvGrpSpPr/>
+        <p:nvPr/>
+      </p:nvGrpSpPr>
+      <p:grpSpPr>
+        <a:xfrm>
+          <a:off x="0" y="0"/>
+          <a:ext cx="0" cy="0"/>
+          <a:chOff x="0" y="0"/>
+          <a:chExt cx="0" cy="0"/>
+        </a:xfrm>
+      </p:grpSpPr>
+      <p:sp>
+        <p:nvSpPr>
+          <p:cNvPr id="34" name="Rectangle 33"/>
+          <p:cNvSpPr/>
+          <p:nvPr/>
+        </p:nvSpPr>
+        <p:spPr>
+          <a:xfrm>
+            <a:off x="0" y="6115607"/>
+            <a:ext cx="12192000" cy="1047733"/>
+          </a:xfrm>
+          <a:prstGeom prst="rect">
+            <a:avLst/>
+          </a:prstGeom>
+          <a:solidFill>
+            <a:srgbClr val="D2D0D0"/>
+          </a:solidFill>
+          <a:ln>
+            <a:noFill/>
+          </a:ln>
+        </p:spPr>
+        <p:style>
+          <a:lnRef idx="2">
+            <a:schemeClr val="accent1">
+              <a:shade val="50000"/>
+            </a:schemeClr>
+          </a:lnRef>
+          <a:fillRef idx="1">
+            <a:schemeClr val="accent1"/>
+          </a:fillRef>
+          <a:effectRef idx="0">
+            <a:schemeClr val="accent1"/>
+          </a:effectRef>
+          <a:fontRef idx="minor">
+            <a:schemeClr val="lt1"/>
+          </a:fontRef>
+        </p:style>
+        <p:txBody>
+          <a:bodyPr rtlCol="0" anchor="ctr"/>
+          <a:lstStyle/>
+          <a:p>
+            <a:pPr algn="ctr" fontAlgn="base">
+              <a:spcBef>
+                <a:spcPct val="0"/>
+              </a:spcBef>
+              <a:spcAft>
+                <a:spcPct val="0"/>
+              </a:spcAft>
+            </a:pPr>
+            <a:endParaRPr lang="en-US" sz="2800">
+              <a:solidFill>
+                <a:prstClr val="white"/>
+              </a:solidFill>
+              <a:cs typeface="+mn-ea"/>
+              <a:sym typeface="+mn-lt"/>
+            </a:endParaRPr>
+          </a:p>
+        </p:txBody>
+      </p:sp>
+      <p:sp>
+        <p:nvSpPr>
+          <p:cNvPr id="10" name="箭头: V 形 105"/>
+          <p:cNvSpPr/>
+          <p:nvPr/>
+        </p:nvSpPr>
+        <p:spPr>
+          <a:xfrm flipH="1">
+            <a:off x="6313760" y="838200"/>
+            <a:ext cx="5705641" cy="3634648"/>
+          </a:xfrm>
+          <a:prstGeom prst="chevron">
+            <a:avLst>
+              <a:gd name="adj" fmla="val 29021"/>
+            </a:avLst>
+          </a:prstGeom>
+          <a:gradFill flip="none" rotWithShape="1">
+            <a:gsLst>
+              <a:gs pos="0">
+                <a:srgbClr val="F9AC7D"/>
+              </a:gs>
+              <a:gs pos="100000">
+                <a:srgbClr val="F28893"/>
+              </a:gs>
+            </a:gsLst>
+            <a:lin ang="0" scaled="1"/>
+            <a:tileRect/>
+          </a:gradFill>
+          <a:ln>
+            <a:noFill/>
+          </a:ln>
+        </p:spPr>
+        <p:style>
+          <a:lnRef idx="2">
+            <a:schemeClr val="accent1">
+              <a:shade val="50000"/>
+            </a:schemeClr>
+          </a:lnRef>
+          <a:fillRef idx="1">
+            <a:schemeClr val="accent1"/>
+          </a:fillRef>
+          <a:effectRef idx="0">
+            <a:schemeClr val="accent1"/>
+          </a:effectRef>
+          <a:fontRef idx="minor">
+            <a:schemeClr val="lt1"/>
+          </a:fontRef>
+        </p:style>
+        <p:txBody>
+          <a:bodyPr rtlCol="0" anchor="ctr"/>
+          <a:lstStyle>
+            <a:defPPr>
+              <a:defRPr lang="en-US">
+                <a:solidFill>
+                  <a:schemeClr val="lt1"/>
+                </a:solidFill>
+              </a:defRPr>
+            </a:defPPr>
+            <a:lvl1pPr marL="0" algn="l" defTabSz="685800" rtl="0" eaLnBrk="1" latinLnBrk="0" hangingPunct="1">
+              <a:defRPr sz="1350" kern="1200">
+                <a:solidFill>
+                  <a:schemeClr val="lt1"/>
+                </a:solidFill>
+                <a:latin typeface="+mn-lt"/>
+                <a:ea typeface="+mn-ea"/>
+                <a:cs typeface="+mn-cs"/>
+              </a:defRPr>
+            </a:lvl1pPr>
+            <a:lvl2pPr marL="342900" algn="l" defTabSz="685800" rtl="0" eaLnBrk="1" latinLnBrk="0" hangingPunct="1">
+              <a:defRPr sz="1350" kern="1200">
+                <a:solidFill>
+                  <a:schemeClr val="lt1"/>
+                </a:solidFill>
+                <a:latin typeface="+mn-lt"/>
+                <a:ea typeface="+mn-ea"/>
+                <a:cs typeface="+mn-cs"/>
+              </a:defRPr>
+            </a:lvl2pPr>
+            <a:lvl3pPr marL="685800" algn="l" defTabSz="685800" rtl="0" eaLnBrk="1" latinLnBrk="0" hangingPunct="1">
+              <a:defRPr sz="1350" kern="1200">
+                <a:solidFill>
+                  <a:schemeClr val="lt1"/>
+                </a:solidFill>
+                <a:latin typeface="+mn-lt"/>
+                <a:ea typeface="+mn-ea"/>
+                <a:cs typeface="+mn-cs"/>
+              </a:defRPr>
+            </a:lvl3pPr>
+            <a:lvl4pPr marL="1028700" algn="l" defTabSz="685800" rtl="0" eaLnBrk="1" latinLnBrk="0" hangingPunct="1">
+              <a:defRPr sz="1350" kern="1200">
+                <a:solidFill>
+                  <a:schemeClr val="lt1"/>
+                </a:solidFill>
+                <a:latin typeface="+mn-lt"/>
+                <a:ea typeface="+mn-ea"/>
+                <a:cs typeface="+mn-cs"/>
+              </a:defRPr>
+            </a:lvl4pPr>
+            <a:lvl5pPr marL="1371600" algn="l" defTabSz="685800" rtl="0" eaLnBrk="1" latinLnBrk="0" hangingPunct="1">
+              <a:defRPr sz="1350" kern="1200">
+                <a:solidFill>
+                  <a:schemeClr val="lt1"/>
+                </a:solidFill>
+                <a:latin typeface="+mn-lt"/>
+                <a:ea typeface="+mn-ea"/>
+                <a:cs typeface="+mn-cs"/>
+              </a:defRPr>
+            </a:lvl5pPr>
+            <a:lvl6pPr marL="1714500" algn="l" defTabSz="685800" rtl="0" eaLnBrk="1" latinLnBrk="0" hangingPunct="1">
+              <a:defRPr sz="1350" kern="1200">
+                <a:solidFill>
+                  <a:schemeClr val="lt1"/>
+                </a:solidFill>
+                <a:latin typeface="+mn-lt"/>
+                <a:ea typeface="+mn-ea"/>
+                <a:cs typeface="+mn-cs"/>
+              </a:defRPr>
+            </a:lvl6pPr>
+            <a:lvl7pPr marL="2057400" algn="l" defTabSz="685800" rtl="0" eaLnBrk="1" latinLnBrk="0" hangingPunct="1">
+              <a:defRPr sz="1350" kern="1200">
+                <a:solidFill>
+                  <a:schemeClr val="lt1"/>
+                </a:solidFill>
+                <a:latin typeface="+mn-lt"/>
+                <a:ea typeface="+mn-ea"/>
+                <a:cs typeface="+mn-cs"/>
+              </a:defRPr>
+            </a:lvl7pPr>
+            <a:lvl8pPr marL="2400300" algn="l" defTabSz="685800" rtl="0" eaLnBrk="1" latinLnBrk="0" hangingPunct="1">
+              <a:defRPr sz="1350" kern="1200">
+                <a:solidFill>
+                  <a:schemeClr val="lt1"/>
+                </a:solidFill>
+                <a:latin typeface="+mn-lt"/>
+                <a:ea typeface="+mn-ea"/>
+                <a:cs typeface="+mn-cs"/>
+              </a:defRPr>
+            </a:lvl8pPr>
+            <a:lvl9pPr marL="2743200" algn="l" defTabSz="685800" rtl="0" eaLnBrk="1" latinLnBrk="0" hangingPunct="1">
+              <a:defRPr sz="1350" kern="1200">
+                <a:solidFill>
+                  <a:schemeClr val="lt1"/>
+                </a:solidFill>
+                <a:latin typeface="+mn-lt"/>
+                <a:ea typeface="+mn-ea"/>
+                <a:cs typeface="+mn-cs"/>
+              </a:defRPr>
+            </a:lvl9pPr>
+          </a:lstStyle>
+          <a:p>
+            <a:pPr algn="ctr"/>
+            <a:r>
+              <a:rPr lang="es-ES" altLang="zh-CN" sz="2000" dirty="0" smtClean="0">
+                <a:solidFill>
+                  <a:schemeClr val="bg1"/>
+                </a:solidFill>
+              </a:rPr>
+              <a:t>El usuario podrá hacer la cotización de todos los servicios que posee la agencia, tours-paquetes, renta de vehículos, compra de boleos de avión, asesorías migratorias, cargo </a:t>
+            </a:r>
+            <a:r>
+              <a:rPr lang="es-ES" altLang="zh-CN" sz="2000" dirty="0" err="1" smtClean="0">
+                <a:solidFill>
+                  <a:schemeClr val="bg1"/>
+                </a:solidFill>
+              </a:rPr>
+              <a:t>express</a:t>
+            </a:r>
+            <a:r>
+              <a:rPr lang="es-ES" altLang="zh-CN" sz="2000" dirty="0" smtClean="0">
+                <a:solidFill>
+                  <a:schemeClr val="bg1"/>
+                </a:solidFill>
+              </a:rPr>
+              <a:t> </a:t>
+            </a:r>
+            <a:r>
+              <a:rPr lang="es-ES" altLang="zh-CN" sz="2000" dirty="0" err="1" smtClean="0">
+                <a:solidFill>
+                  <a:schemeClr val="bg1"/>
+                </a:solidFill>
+              </a:rPr>
+              <a:t>etc</a:t>
+            </a:r>
+            <a:r>
+              <a:rPr lang="es-ES" altLang="zh-CN" sz="2000" dirty="0" smtClean="0">
+                <a:solidFill>
+                  <a:schemeClr val="bg1"/>
+                </a:solidFill>
+              </a:rPr>
+              <a:t>,</a:t>
+            </a:r>
+          </a:p>
+          <a:p>
+            <a:pPr algn="ctr"/>
+            <a:r>
+              <a:rPr lang="es-ES" altLang="zh-CN" sz="2000" dirty="0" smtClean="0">
+                <a:solidFill>
+                  <a:schemeClr val="bg1"/>
+                </a:solidFill>
+              </a:rPr>
+              <a:t>Los cuales serán enviados a atención al </a:t>
+            </a:r>
+            <a:r>
+              <a:rPr lang="es-ES" altLang="zh-CN" sz="2000" dirty="0" err="1" smtClean="0">
+                <a:solidFill>
+                  <a:schemeClr val="bg1"/>
+                </a:solidFill>
+              </a:rPr>
+              <a:t>cliene</a:t>
+            </a:r>
+            <a:r>
+              <a:rPr lang="es-ES" altLang="zh-CN" sz="2000" dirty="0" smtClean="0">
+                <a:solidFill>
+                  <a:schemeClr val="bg1"/>
+                </a:solidFill>
+              </a:rPr>
+              <a:t> para ser </a:t>
+            </a:r>
+            <a:r>
+              <a:rPr lang="es-ES" altLang="zh-CN" sz="2000" dirty="0" err="1" smtClean="0">
+                <a:solidFill>
+                  <a:schemeClr val="bg1"/>
+                </a:solidFill>
+              </a:rPr>
+              <a:t>aprovados</a:t>
+            </a:r>
+            <a:r>
+              <a:rPr lang="es-ES" altLang="zh-CN" sz="2000" dirty="0" smtClean="0">
+                <a:solidFill>
+                  <a:schemeClr val="bg1"/>
+                </a:solidFill>
+              </a:rPr>
+              <a:t> o rechazados</a:t>
+            </a:r>
+            <a:endParaRPr lang="zh-CN" altLang="en-US" sz="2000" dirty="0">
+              <a:solidFill>
+                <a:schemeClr val="bg1"/>
+              </a:solidFill>
+            </a:endParaRPr>
+          </a:p>
+        </p:txBody>
+      </p:sp>
+      <p:pic>
+        <p:nvPicPr>
+          <p:cNvPr id="6146" name="Picture 2"/>
+          <p:cNvPicPr>
+            <a:picLocks noChangeAspect="1" noChangeArrowheads="1"/>
+          </p:cNvPicPr>
+          <p:nvPr/>
+        </p:nvPicPr>
+        <p:blipFill>
+          <a:blip r:embed="rId2">
+            <a:extLst>
+              <a:ext uri="{28A0092B-C50C-407E-A947-70E740481C1C}">
+                <a14:useLocalDpi xmlns:a14="http://schemas.microsoft.com/office/drawing/2010/main" val="0"/>
+              </a:ext>
+            </a:extLst>
+          </a:blip>
+          <a:srcRect/>
+          <a:stretch>
+            <a:fillRect/>
+          </a:stretch>
+        </p:blipFill>
+        <p:spPr bwMode="auto">
+          <a:xfrm>
+            <a:off x="504825" y="838200"/>
+            <a:ext cx="5591175" cy="5010670"/>
+          </a:xfrm>
+          <a:prstGeom prst="roundRect">
+            <a:avLst>
+              <a:gd name="adj" fmla="val 8594"/>
+            </a:avLst>
+          </a:prstGeom>
+          <a:solidFill>
+            <a:srgbClr val="FFFFFF">
+              <a:shade val="85000"/>
+            </a:srgbClr>
+          </a:solidFill>
+          <a:ln w="9525">
+            <a:solidFill>
+              <a:schemeClr val="tx1"/>
+            </a:solidFill>
+            <a:miter lim="800000"/>
+            <a:headEnd/>
+            <a:tailEnd/>
+          </a:ln>
+          <a:effectLst>
+            <a:reflection blurRad="12700" stA="38000" endPos="28000" dist="5000" dir="5400000" sy="-100000" algn="bl" rotWithShape="0"/>
+          </a:effectLst>
+          <a:extLst/>
+        </p:spPr>
+      </p:pic>
+    </p:spTree>
+    <p:extLst>
+      <p:ext uri="{BB962C8B-B14F-4D97-AF65-F5344CB8AC3E}">
+        <p14:creationId xmlns:p14="http://schemas.microsoft.com/office/powerpoint/2010/main" val="1792306883"/>
+      </p:ext>
+    </p:extLst>
+  </p:cSld>
+  <p:clrMapOvr>
+    <a:masterClrMapping/>
+  </p:clrMapOvr>
+  <mc:AlternateContent xmlns:mc="http://schemas.openxmlformats.org/markup-compatibility/2006" xmlns:p14="http://schemas.microsoft.com/office/powerpoint/2010/main">
+    <mc:Choice Requires="p14">
+      <p:transition spd="slow" p14:dur="1500">
+        <p:random/>
+      </p:transition>
+    </mc:Choice>
+    <mc:Fallback xmlns="">
+      <p:transition spd="slow">
+        <p:random/>
+      </p:transition>
+    </mc:Fallback>
+  </mc:AlternateContent>
+  <p:timing>
+    <p:tnLst>
+      <p:par>
+        <p:cTn id="1" dur="indefinite" restart="never" nodeType="tmRoot"/>
+      </p:par>
+    </p:tnLst>
+  </p:timing>
+</p:sld>
+</file>
+
+<file path=ppt/slides/slide12.xml><?xml version="1.0" encoding="utf-8"?>
 <p:sld xmlns:a="http://schemas.openxmlformats.org/drawingml/2006/main" xmlns:r="http://schemas.openxmlformats.org/officeDocument/2006/relationships" xmlns:p="http://schemas.openxmlformats.org/presentationml/2006/main">
   <p:cSld>
     <p:spTree>
@@ -11035,7 +11810,7 @@
 </p:sld>
 </file>
 
-<file path=ppt/slides/slide12.xml><?xml version="1.0" encoding="utf-8"?>
+<file path=ppt/slides/slide13.xml><?xml version="1.0" encoding="utf-8"?>
 <p:sld xmlns:a="http://schemas.openxmlformats.org/drawingml/2006/main" xmlns:r="http://schemas.openxmlformats.org/officeDocument/2006/relationships" xmlns:p="http://schemas.openxmlformats.org/presentationml/2006/main">
   <p:cSld>
     <p:spTree>
@@ -12896,15 +13671,7 @@
           <a:effectLst>
             <a:reflection blurRad="12700" stA="38000" endPos="28000" dist="5000" dir="5400000" sy="-100000" algn="bl" rotWithShape="0"/>
           </a:effectLst>
-          <a:extLst>
-            <a:ext uri="{909E8E84-426E-40DD-AFC4-6F175D3DCCD1}">
-              <a14:hiddenFill xmlns:a14="http://schemas.microsoft.com/office/drawing/2010/main">
-                <a:solidFill>
-                  <a:schemeClr val="accent1"/>
-                </a:solidFill>
-              </a14:hiddenFill>
-            </a:ext>
-          </a:extLst>
+          <a:extLst/>
         </p:spPr>
       </p:pic>
       <p:sp>
@@ -13082,8 +13849,8 @@
         </p:nvSpPr>
         <p:spPr>
           <a:xfrm flipH="1">
-            <a:off x="5815846" y="3429000"/>
-            <a:ext cx="4941803" cy="1028161"/>
+            <a:off x="5815845" y="3429000"/>
+            <a:ext cx="4941804" cy="1297236"/>
           </a:xfrm>
           <a:prstGeom prst="chevron">
             <a:avLst>
@@ -13231,7 +13998,15 @@
                   <a:schemeClr val="bg1"/>
                 </a:solidFill>
               </a:rPr>
-              <a:t>En el campo “nivel” se detallara el tipo de usuario</a:t>
+              <a:t>En el campo “nivel” se detallara el tipo de </a:t>
+            </a:r>
+            <a:r>
+              <a:rPr lang="es-ES" altLang="zh-CN" sz="2000" dirty="0" smtClean="0">
+                <a:solidFill>
+                  <a:schemeClr val="bg1"/>
+                </a:solidFill>
+              </a:rPr>
+              <a:t>usuario, los cuales pueden ser un cliente normal y un administrador</a:t>
             </a:r>
             <a:endParaRPr lang="zh-CN" altLang="en-US" sz="2000" dirty="0">
               <a:solidFill>
@@ -13357,7 +14132,7 @@
         </p:nvSpPr>
         <p:spPr>
           <a:xfrm flipH="1">
-            <a:off x="6406398" y="2440959"/>
+            <a:off x="5998774" y="182501"/>
             <a:ext cx="4941803" cy="1028161"/>
           </a:xfrm>
           <a:prstGeom prst="chevron">
@@ -13563,15 +14338,419 @@
           <a:effectLst>
             <a:reflection blurRad="12700" stA="38000" endPos="28000" dist="5000" dir="5400000" sy="-100000" algn="bl" rotWithShape="0"/>
           </a:effectLst>
-          <a:extLst>
-            <a:ext uri="{909E8E84-426E-40DD-AFC4-6F175D3DCCD1}">
-              <a14:hiddenFill xmlns:a14="http://schemas.microsoft.com/office/drawing/2010/main">
-                <a:solidFill>
-                  <a:schemeClr val="accent1"/>
-                </a:solidFill>
-              </a14:hiddenFill>
-            </a:ext>
-          </a:extLst>
+          <a:extLst/>
+        </p:spPr>
+      </p:pic>
+      <p:sp>
+        <p:nvSpPr>
+          <p:cNvPr id="5" name="箭头: V 形 105"/>
+          <p:cNvSpPr/>
+          <p:nvPr/>
+        </p:nvSpPr>
+        <p:spPr>
+          <a:xfrm flipH="1">
+            <a:off x="5883006" y="1432193"/>
+            <a:ext cx="4978615" cy="2379643"/>
+          </a:xfrm>
+          <a:prstGeom prst="chevron">
+            <a:avLst>
+              <a:gd name="adj" fmla="val 29021"/>
+            </a:avLst>
+          </a:prstGeom>
+          <a:gradFill flip="none" rotWithShape="1">
+            <a:gsLst>
+              <a:gs pos="0">
+                <a:srgbClr val="F9AC7D"/>
+              </a:gs>
+              <a:gs pos="100000">
+                <a:srgbClr val="F28893"/>
+              </a:gs>
+            </a:gsLst>
+            <a:lin ang="0" scaled="1"/>
+            <a:tileRect/>
+          </a:gradFill>
+          <a:ln>
+            <a:noFill/>
+          </a:ln>
+        </p:spPr>
+        <p:style>
+          <a:lnRef idx="2">
+            <a:schemeClr val="accent1">
+              <a:shade val="50000"/>
+            </a:schemeClr>
+          </a:lnRef>
+          <a:fillRef idx="1">
+            <a:schemeClr val="accent1"/>
+          </a:fillRef>
+          <a:effectRef idx="0">
+            <a:schemeClr val="accent1"/>
+          </a:effectRef>
+          <a:fontRef idx="minor">
+            <a:schemeClr val="lt1"/>
+          </a:fontRef>
+        </p:style>
+        <p:txBody>
+          <a:bodyPr rtlCol="0" anchor="ctr"/>
+          <a:lstStyle>
+            <a:defPPr>
+              <a:defRPr lang="en-US">
+                <a:solidFill>
+                  <a:schemeClr val="lt1"/>
+                </a:solidFill>
+              </a:defRPr>
+            </a:defPPr>
+            <a:lvl1pPr marL="0" algn="l" defTabSz="685800" rtl="0" eaLnBrk="1" latinLnBrk="0" hangingPunct="1">
+              <a:defRPr sz="1350" kern="1200">
+                <a:solidFill>
+                  <a:schemeClr val="lt1"/>
+                </a:solidFill>
+                <a:latin typeface="+mn-lt"/>
+                <a:ea typeface="+mn-ea"/>
+                <a:cs typeface="+mn-cs"/>
+              </a:defRPr>
+            </a:lvl1pPr>
+            <a:lvl2pPr marL="342900" algn="l" defTabSz="685800" rtl="0" eaLnBrk="1" latinLnBrk="0" hangingPunct="1">
+              <a:defRPr sz="1350" kern="1200">
+                <a:solidFill>
+                  <a:schemeClr val="lt1"/>
+                </a:solidFill>
+                <a:latin typeface="+mn-lt"/>
+                <a:ea typeface="+mn-ea"/>
+                <a:cs typeface="+mn-cs"/>
+              </a:defRPr>
+            </a:lvl2pPr>
+            <a:lvl3pPr marL="685800" algn="l" defTabSz="685800" rtl="0" eaLnBrk="1" latinLnBrk="0" hangingPunct="1">
+              <a:defRPr sz="1350" kern="1200">
+                <a:solidFill>
+                  <a:schemeClr val="lt1"/>
+                </a:solidFill>
+                <a:latin typeface="+mn-lt"/>
+                <a:ea typeface="+mn-ea"/>
+                <a:cs typeface="+mn-cs"/>
+              </a:defRPr>
+            </a:lvl3pPr>
+            <a:lvl4pPr marL="1028700" algn="l" defTabSz="685800" rtl="0" eaLnBrk="1" latinLnBrk="0" hangingPunct="1">
+              <a:defRPr sz="1350" kern="1200">
+                <a:solidFill>
+                  <a:schemeClr val="lt1"/>
+                </a:solidFill>
+                <a:latin typeface="+mn-lt"/>
+                <a:ea typeface="+mn-ea"/>
+                <a:cs typeface="+mn-cs"/>
+              </a:defRPr>
+            </a:lvl4pPr>
+            <a:lvl5pPr marL="1371600" algn="l" defTabSz="685800" rtl="0" eaLnBrk="1" latinLnBrk="0" hangingPunct="1">
+              <a:defRPr sz="1350" kern="1200">
+                <a:solidFill>
+                  <a:schemeClr val="lt1"/>
+                </a:solidFill>
+                <a:latin typeface="+mn-lt"/>
+                <a:ea typeface="+mn-ea"/>
+                <a:cs typeface="+mn-cs"/>
+              </a:defRPr>
+            </a:lvl5pPr>
+            <a:lvl6pPr marL="1714500" algn="l" defTabSz="685800" rtl="0" eaLnBrk="1" latinLnBrk="0" hangingPunct="1">
+              <a:defRPr sz="1350" kern="1200">
+                <a:solidFill>
+                  <a:schemeClr val="lt1"/>
+                </a:solidFill>
+                <a:latin typeface="+mn-lt"/>
+                <a:ea typeface="+mn-ea"/>
+                <a:cs typeface="+mn-cs"/>
+              </a:defRPr>
+            </a:lvl6pPr>
+            <a:lvl7pPr marL="2057400" algn="l" defTabSz="685800" rtl="0" eaLnBrk="1" latinLnBrk="0" hangingPunct="1">
+              <a:defRPr sz="1350" kern="1200">
+                <a:solidFill>
+                  <a:schemeClr val="lt1"/>
+                </a:solidFill>
+                <a:latin typeface="+mn-lt"/>
+                <a:ea typeface="+mn-ea"/>
+                <a:cs typeface="+mn-cs"/>
+              </a:defRPr>
+            </a:lvl7pPr>
+            <a:lvl8pPr marL="2400300" algn="l" defTabSz="685800" rtl="0" eaLnBrk="1" latinLnBrk="0" hangingPunct="1">
+              <a:defRPr sz="1350" kern="1200">
+                <a:solidFill>
+                  <a:schemeClr val="lt1"/>
+                </a:solidFill>
+                <a:latin typeface="+mn-lt"/>
+                <a:ea typeface="+mn-ea"/>
+                <a:cs typeface="+mn-cs"/>
+              </a:defRPr>
+            </a:lvl8pPr>
+            <a:lvl9pPr marL="2743200" algn="l" defTabSz="685800" rtl="0" eaLnBrk="1" latinLnBrk="0" hangingPunct="1">
+              <a:defRPr sz="1350" kern="1200">
+                <a:solidFill>
+                  <a:schemeClr val="lt1"/>
+                </a:solidFill>
+                <a:latin typeface="+mn-lt"/>
+                <a:ea typeface="+mn-ea"/>
+                <a:cs typeface="+mn-cs"/>
+              </a:defRPr>
+            </a:lvl9pPr>
+          </a:lstStyle>
+          <a:p>
+            <a:pPr algn="ctr"/>
+            <a:r>
+              <a:rPr lang="es-ES" altLang="zh-CN" sz="2000" dirty="0" smtClean="0">
+                <a:solidFill>
+                  <a:schemeClr val="bg1"/>
+                </a:solidFill>
+              </a:rPr>
+              <a:t>En la tabla vuelo se detallaran los datos generales de un vuelo, los precios por asiento, fecha de salida, si se realizara con escalas, si es con ida y vuelta, la aerolínea, una fot</a:t>
+            </a:r>
+            <a:r>
+              <a:rPr lang="es-ES" altLang="zh-CN" sz="2000" dirty="0" smtClean="0">
+                <a:solidFill>
+                  <a:schemeClr val="bg1"/>
+                </a:solidFill>
+              </a:rPr>
+              <a:t>o por para promocionar el vuelo </a:t>
+            </a:r>
+            <a:r>
+              <a:rPr lang="es-ES" altLang="zh-CN" sz="2000" dirty="0" err="1" smtClean="0">
+                <a:solidFill>
+                  <a:schemeClr val="bg1"/>
+                </a:solidFill>
+              </a:rPr>
+              <a:t>etc</a:t>
+            </a:r>
+            <a:endParaRPr lang="zh-CN" altLang="en-US" sz="2000" dirty="0">
+              <a:solidFill>
+                <a:schemeClr val="bg1"/>
+              </a:solidFill>
+            </a:endParaRPr>
+          </a:p>
+        </p:txBody>
+      </p:sp>
+      <p:sp>
+        <p:nvSpPr>
+          <p:cNvPr id="6" name="箭头: V 形 105"/>
+          <p:cNvSpPr/>
+          <p:nvPr/>
+        </p:nvSpPr>
+        <p:spPr>
+          <a:xfrm flipH="1">
+            <a:off x="5901411" y="4196254"/>
+            <a:ext cx="5039166" cy="1488451"/>
+          </a:xfrm>
+          <a:prstGeom prst="chevron">
+            <a:avLst>
+              <a:gd name="adj" fmla="val 29021"/>
+            </a:avLst>
+          </a:prstGeom>
+          <a:gradFill flip="none" rotWithShape="1">
+            <a:gsLst>
+              <a:gs pos="0">
+                <a:srgbClr val="F9AC7D"/>
+              </a:gs>
+              <a:gs pos="100000">
+                <a:srgbClr val="F28893"/>
+              </a:gs>
+            </a:gsLst>
+            <a:lin ang="0" scaled="1"/>
+            <a:tileRect/>
+          </a:gradFill>
+          <a:ln>
+            <a:noFill/>
+          </a:ln>
+        </p:spPr>
+        <p:style>
+          <a:lnRef idx="2">
+            <a:schemeClr val="accent1">
+              <a:shade val="50000"/>
+            </a:schemeClr>
+          </a:lnRef>
+          <a:fillRef idx="1">
+            <a:schemeClr val="accent1"/>
+          </a:fillRef>
+          <a:effectRef idx="0">
+            <a:schemeClr val="accent1"/>
+          </a:effectRef>
+          <a:fontRef idx="minor">
+            <a:schemeClr val="lt1"/>
+          </a:fontRef>
+        </p:style>
+        <p:txBody>
+          <a:bodyPr rtlCol="0" anchor="ctr"/>
+          <a:lstStyle>
+            <a:defPPr>
+              <a:defRPr lang="en-US">
+                <a:solidFill>
+                  <a:schemeClr val="lt1"/>
+                </a:solidFill>
+              </a:defRPr>
+            </a:defPPr>
+            <a:lvl1pPr marL="0" algn="l" defTabSz="685800" rtl="0" eaLnBrk="1" latinLnBrk="0" hangingPunct="1">
+              <a:defRPr sz="1350" kern="1200">
+                <a:solidFill>
+                  <a:schemeClr val="lt1"/>
+                </a:solidFill>
+                <a:latin typeface="+mn-lt"/>
+                <a:ea typeface="+mn-ea"/>
+                <a:cs typeface="+mn-cs"/>
+              </a:defRPr>
+            </a:lvl1pPr>
+            <a:lvl2pPr marL="342900" algn="l" defTabSz="685800" rtl="0" eaLnBrk="1" latinLnBrk="0" hangingPunct="1">
+              <a:defRPr sz="1350" kern="1200">
+                <a:solidFill>
+                  <a:schemeClr val="lt1"/>
+                </a:solidFill>
+                <a:latin typeface="+mn-lt"/>
+                <a:ea typeface="+mn-ea"/>
+                <a:cs typeface="+mn-cs"/>
+              </a:defRPr>
+            </a:lvl2pPr>
+            <a:lvl3pPr marL="685800" algn="l" defTabSz="685800" rtl="0" eaLnBrk="1" latinLnBrk="0" hangingPunct="1">
+              <a:defRPr sz="1350" kern="1200">
+                <a:solidFill>
+                  <a:schemeClr val="lt1"/>
+                </a:solidFill>
+                <a:latin typeface="+mn-lt"/>
+                <a:ea typeface="+mn-ea"/>
+                <a:cs typeface="+mn-cs"/>
+              </a:defRPr>
+            </a:lvl3pPr>
+            <a:lvl4pPr marL="1028700" algn="l" defTabSz="685800" rtl="0" eaLnBrk="1" latinLnBrk="0" hangingPunct="1">
+              <a:defRPr sz="1350" kern="1200">
+                <a:solidFill>
+                  <a:schemeClr val="lt1"/>
+                </a:solidFill>
+                <a:latin typeface="+mn-lt"/>
+                <a:ea typeface="+mn-ea"/>
+                <a:cs typeface="+mn-cs"/>
+              </a:defRPr>
+            </a:lvl4pPr>
+            <a:lvl5pPr marL="1371600" algn="l" defTabSz="685800" rtl="0" eaLnBrk="1" latinLnBrk="0" hangingPunct="1">
+              <a:defRPr sz="1350" kern="1200">
+                <a:solidFill>
+                  <a:schemeClr val="lt1"/>
+                </a:solidFill>
+                <a:latin typeface="+mn-lt"/>
+                <a:ea typeface="+mn-ea"/>
+                <a:cs typeface="+mn-cs"/>
+              </a:defRPr>
+            </a:lvl5pPr>
+            <a:lvl6pPr marL="1714500" algn="l" defTabSz="685800" rtl="0" eaLnBrk="1" latinLnBrk="0" hangingPunct="1">
+              <a:defRPr sz="1350" kern="1200">
+                <a:solidFill>
+                  <a:schemeClr val="lt1"/>
+                </a:solidFill>
+                <a:latin typeface="+mn-lt"/>
+                <a:ea typeface="+mn-ea"/>
+                <a:cs typeface="+mn-cs"/>
+              </a:defRPr>
+            </a:lvl6pPr>
+            <a:lvl7pPr marL="2057400" algn="l" defTabSz="685800" rtl="0" eaLnBrk="1" latinLnBrk="0" hangingPunct="1">
+              <a:defRPr sz="1350" kern="1200">
+                <a:solidFill>
+                  <a:schemeClr val="lt1"/>
+                </a:solidFill>
+                <a:latin typeface="+mn-lt"/>
+                <a:ea typeface="+mn-ea"/>
+                <a:cs typeface="+mn-cs"/>
+              </a:defRPr>
+            </a:lvl7pPr>
+            <a:lvl8pPr marL="2400300" algn="l" defTabSz="685800" rtl="0" eaLnBrk="1" latinLnBrk="0" hangingPunct="1">
+              <a:defRPr sz="1350" kern="1200">
+                <a:solidFill>
+                  <a:schemeClr val="lt1"/>
+                </a:solidFill>
+                <a:latin typeface="+mn-lt"/>
+                <a:ea typeface="+mn-ea"/>
+                <a:cs typeface="+mn-cs"/>
+              </a:defRPr>
+            </a:lvl8pPr>
+            <a:lvl9pPr marL="2743200" algn="l" defTabSz="685800" rtl="0" eaLnBrk="1" latinLnBrk="0" hangingPunct="1">
+              <a:defRPr sz="1350" kern="1200">
+                <a:solidFill>
+                  <a:schemeClr val="lt1"/>
+                </a:solidFill>
+                <a:latin typeface="+mn-lt"/>
+                <a:ea typeface="+mn-ea"/>
+                <a:cs typeface="+mn-cs"/>
+              </a:defRPr>
+            </a:lvl9pPr>
+          </a:lstStyle>
+          <a:p>
+            <a:pPr algn="ctr"/>
+            <a:r>
+              <a:rPr lang="es-ES" altLang="zh-CN" sz="2000" dirty="0" smtClean="0">
+                <a:solidFill>
+                  <a:schemeClr val="bg1"/>
+                </a:solidFill>
+              </a:rPr>
+              <a:t>En la reserva de vuelos se detallaran datos como si el usuario desea equipaje extra, si viajara con ni</a:t>
+            </a:r>
+            <a:r>
+              <a:rPr lang="es-SV" altLang="zh-CN" sz="2000" dirty="0" err="1" smtClean="0">
+                <a:solidFill>
+                  <a:schemeClr val="bg1"/>
+                </a:solidFill>
+              </a:rPr>
+              <a:t>ños</a:t>
+            </a:r>
+            <a:r>
+              <a:rPr lang="es-SV" altLang="zh-CN" sz="2000" dirty="0" smtClean="0">
+                <a:solidFill>
+                  <a:schemeClr val="bg1"/>
+                </a:solidFill>
+              </a:rPr>
+              <a:t> o con bebes, si se le </a:t>
+            </a:r>
+            <a:r>
+              <a:rPr lang="es-SV" altLang="zh-CN" sz="2000" dirty="0" err="1" smtClean="0">
+                <a:solidFill>
+                  <a:schemeClr val="bg1"/>
+                </a:solidFill>
+              </a:rPr>
+              <a:t>hara</a:t>
+            </a:r>
+            <a:r>
+              <a:rPr lang="es-SV" altLang="zh-CN" sz="2000" dirty="0" smtClean="0">
+                <a:solidFill>
+                  <a:schemeClr val="bg1"/>
+                </a:solidFill>
+              </a:rPr>
+              <a:t> un descuento et</a:t>
+            </a:r>
+            <a:endParaRPr lang="zh-CN" altLang="en-US" sz="2000" dirty="0">
+              <a:solidFill>
+                <a:schemeClr val="bg1"/>
+              </a:solidFill>
+            </a:endParaRPr>
+          </a:p>
+        </p:txBody>
+      </p:sp>
+      <p:pic>
+        <p:nvPicPr>
+          <p:cNvPr id="2" name="Imagen 1"/>
+          <p:cNvPicPr>
+            <a:picLocks noChangeAspect="1"/>
+          </p:cNvPicPr>
+          <p:nvPr/>
+        </p:nvPicPr>
+        <p:blipFill>
+          <a:blip r:embed="rId3">
+            <a:extLst>
+              <a:ext uri="{28A0092B-C50C-407E-A947-70E740481C1C}">
+                <a14:useLocalDpi xmlns:a14="http://schemas.microsoft.com/office/drawing/2010/main" val="0"/>
+              </a:ext>
+            </a:extLst>
+          </a:blip>
+          <a:stretch>
+            <a:fillRect/>
+          </a:stretch>
+        </p:blipFill>
+        <p:spPr>
+          <a:xfrm>
+            <a:off x="1068993" y="65748"/>
+            <a:ext cx="4402131" cy="3830863"/>
+          </a:xfrm>
+          <a:prstGeom prst="rect">
+            <a:avLst/>
+          </a:prstGeom>
         </p:spPr>
       </p:pic>
     </p:spTree>
@@ -13677,173 +14856,6 @@
           </a:p>
         </p:txBody>
       </p:sp>
-      <p:sp>
-        <p:nvSpPr>
-          <p:cNvPr id="10" name="箭头: V 形 105"/>
-          <p:cNvSpPr/>
-          <p:nvPr/>
-        </p:nvSpPr>
-        <p:spPr>
-          <a:xfrm flipH="1">
-            <a:off x="7250197" y="5279409"/>
-            <a:ext cx="4941803" cy="1028161"/>
-          </a:xfrm>
-          <a:prstGeom prst="chevron">
-            <a:avLst>
-              <a:gd name="adj" fmla="val 29021"/>
-            </a:avLst>
-          </a:prstGeom>
-          <a:gradFill flip="none" rotWithShape="1">
-            <a:gsLst>
-              <a:gs pos="0">
-                <a:srgbClr val="F9AC7D"/>
-              </a:gs>
-              <a:gs pos="100000">
-                <a:srgbClr val="F28893"/>
-              </a:gs>
-            </a:gsLst>
-            <a:lin ang="0" scaled="1"/>
-            <a:tileRect/>
-          </a:gradFill>
-          <a:ln>
-            <a:noFill/>
-          </a:ln>
-        </p:spPr>
-        <p:style>
-          <a:lnRef idx="2">
-            <a:schemeClr val="accent1">
-              <a:shade val="50000"/>
-            </a:schemeClr>
-          </a:lnRef>
-          <a:fillRef idx="1">
-            <a:schemeClr val="accent1"/>
-          </a:fillRef>
-          <a:effectRef idx="0">
-            <a:schemeClr val="accent1"/>
-          </a:effectRef>
-          <a:fontRef idx="minor">
-            <a:schemeClr val="lt1"/>
-          </a:fontRef>
-        </p:style>
-        <p:txBody>
-          <a:bodyPr rtlCol="0" anchor="ctr"/>
-          <a:lstStyle>
-            <a:defPPr>
-              <a:defRPr lang="en-US">
-                <a:solidFill>
-                  <a:schemeClr val="lt1"/>
-                </a:solidFill>
-              </a:defRPr>
-            </a:defPPr>
-            <a:lvl1pPr marL="0" algn="l" defTabSz="685800" rtl="0" eaLnBrk="1" latinLnBrk="0" hangingPunct="1">
-              <a:defRPr sz="1350" kern="1200">
-                <a:solidFill>
-                  <a:schemeClr val="lt1"/>
-                </a:solidFill>
-                <a:latin typeface="+mn-lt"/>
-                <a:ea typeface="+mn-ea"/>
-                <a:cs typeface="+mn-cs"/>
-              </a:defRPr>
-            </a:lvl1pPr>
-            <a:lvl2pPr marL="342900" algn="l" defTabSz="685800" rtl="0" eaLnBrk="1" latinLnBrk="0" hangingPunct="1">
-              <a:defRPr sz="1350" kern="1200">
-                <a:solidFill>
-                  <a:schemeClr val="lt1"/>
-                </a:solidFill>
-                <a:latin typeface="+mn-lt"/>
-                <a:ea typeface="+mn-ea"/>
-                <a:cs typeface="+mn-cs"/>
-              </a:defRPr>
-            </a:lvl2pPr>
-            <a:lvl3pPr marL="685800" algn="l" defTabSz="685800" rtl="0" eaLnBrk="1" latinLnBrk="0" hangingPunct="1">
-              <a:defRPr sz="1350" kern="1200">
-                <a:solidFill>
-                  <a:schemeClr val="lt1"/>
-                </a:solidFill>
-                <a:latin typeface="+mn-lt"/>
-                <a:ea typeface="+mn-ea"/>
-                <a:cs typeface="+mn-cs"/>
-              </a:defRPr>
-            </a:lvl3pPr>
-            <a:lvl4pPr marL="1028700" algn="l" defTabSz="685800" rtl="0" eaLnBrk="1" latinLnBrk="0" hangingPunct="1">
-              <a:defRPr sz="1350" kern="1200">
-                <a:solidFill>
-                  <a:schemeClr val="lt1"/>
-                </a:solidFill>
-                <a:latin typeface="+mn-lt"/>
-                <a:ea typeface="+mn-ea"/>
-                <a:cs typeface="+mn-cs"/>
-              </a:defRPr>
-            </a:lvl4pPr>
-            <a:lvl5pPr marL="1371600" algn="l" defTabSz="685800" rtl="0" eaLnBrk="1" latinLnBrk="0" hangingPunct="1">
-              <a:defRPr sz="1350" kern="1200">
-                <a:solidFill>
-                  <a:schemeClr val="lt1"/>
-                </a:solidFill>
-                <a:latin typeface="+mn-lt"/>
-                <a:ea typeface="+mn-ea"/>
-                <a:cs typeface="+mn-cs"/>
-              </a:defRPr>
-            </a:lvl5pPr>
-            <a:lvl6pPr marL="1714500" algn="l" defTabSz="685800" rtl="0" eaLnBrk="1" latinLnBrk="0" hangingPunct="1">
-              <a:defRPr sz="1350" kern="1200">
-                <a:solidFill>
-                  <a:schemeClr val="lt1"/>
-                </a:solidFill>
-                <a:latin typeface="+mn-lt"/>
-                <a:ea typeface="+mn-ea"/>
-                <a:cs typeface="+mn-cs"/>
-              </a:defRPr>
-            </a:lvl6pPr>
-            <a:lvl7pPr marL="2057400" algn="l" defTabSz="685800" rtl="0" eaLnBrk="1" latinLnBrk="0" hangingPunct="1">
-              <a:defRPr sz="1350" kern="1200">
-                <a:solidFill>
-                  <a:schemeClr val="lt1"/>
-                </a:solidFill>
-                <a:latin typeface="+mn-lt"/>
-                <a:ea typeface="+mn-ea"/>
-                <a:cs typeface="+mn-cs"/>
-              </a:defRPr>
-            </a:lvl7pPr>
-            <a:lvl8pPr marL="2400300" algn="l" defTabSz="685800" rtl="0" eaLnBrk="1" latinLnBrk="0" hangingPunct="1">
-              <a:defRPr sz="1350" kern="1200">
-                <a:solidFill>
-                  <a:schemeClr val="lt1"/>
-                </a:solidFill>
-                <a:latin typeface="+mn-lt"/>
-                <a:ea typeface="+mn-ea"/>
-                <a:cs typeface="+mn-cs"/>
-              </a:defRPr>
-            </a:lvl8pPr>
-            <a:lvl9pPr marL="2743200" algn="l" defTabSz="685800" rtl="0" eaLnBrk="1" latinLnBrk="0" hangingPunct="1">
-              <a:defRPr sz="1350" kern="1200">
-                <a:solidFill>
-                  <a:schemeClr val="lt1"/>
-                </a:solidFill>
-                <a:latin typeface="+mn-lt"/>
-                <a:ea typeface="+mn-ea"/>
-                <a:cs typeface="+mn-cs"/>
-              </a:defRPr>
-            </a:lvl9pPr>
-          </a:lstStyle>
-          <a:p>
-            <a:pPr algn="ctr"/>
-            <a:r>
-              <a:rPr lang="es-ES" altLang="zh-CN" sz="2000" dirty="0" smtClean="0">
-                <a:solidFill>
-                  <a:schemeClr val="bg1"/>
-                </a:solidFill>
-              </a:rPr>
-              <a:t>El usuario…</a:t>
-            </a:r>
-            <a:endParaRPr lang="zh-CN" altLang="en-US" sz="2000" dirty="0">
-              <a:solidFill>
-                <a:schemeClr val="bg1"/>
-              </a:solidFill>
-            </a:endParaRPr>
-          </a:p>
-        </p:txBody>
-      </p:sp>
       <p:pic>
         <p:nvPicPr>
           <p:cNvPr id="2050" name="Picture 2"/>
@@ -13891,15 +14903,67 @@
           <a:effectLst>
             <a:reflection blurRad="12700" stA="38000" endPos="28000" dist="5000" dir="5400000" sy="-100000" algn="bl" rotWithShape="0"/>
           </a:effectLst>
-          <a:extLst>
-            <a:ext uri="{909E8E84-426E-40DD-AFC4-6F175D3DCCD1}">
-              <a14:hiddenFill xmlns:a14="http://schemas.microsoft.com/office/drawing/2010/main">
-                <a:solidFill>
-                  <a:schemeClr val="accent1"/>
-                </a:solidFill>
-              </a14:hiddenFill>
-            </a:ext>
-          </a:extLst>
+          <a:extLst/>
+        </p:spPr>
+      </p:pic>
+      <p:pic>
+        <p:nvPicPr>
+          <p:cNvPr id="2" name="Imagen 1"/>
+          <p:cNvPicPr>
+            <a:picLocks noChangeAspect="1"/>
+          </p:cNvPicPr>
+          <p:nvPr/>
+        </p:nvPicPr>
+        <p:blipFill>
+          <a:blip r:embed="rId3">
+            <a:extLst>
+              <a:ext uri="{28A0092B-C50C-407E-A947-70E740481C1C}">
+                <a14:useLocalDpi xmlns:a14="http://schemas.microsoft.com/office/drawing/2010/main" val="0"/>
+              </a:ext>
+            </a:extLst>
+          </a:blip>
+          <a:stretch>
+            <a:fillRect/>
+          </a:stretch>
+        </p:blipFill>
+        <p:spPr>
+          <a:xfrm>
+            <a:off x="6329882" y="0"/>
+            <a:ext cx="1581371" cy="1895740"/>
+          </a:xfrm>
+          <a:prstGeom prst="rect">
+            <a:avLst/>
+          </a:prstGeom>
+        </p:spPr>
+      </p:pic>
+      <p:pic>
+        <p:nvPicPr>
+          <p:cNvPr id="3" name="Imagen 2"/>
+          <p:cNvPicPr>
+            <a:picLocks noChangeAspect="1"/>
+          </p:cNvPicPr>
+          <p:nvPr/>
+        </p:nvPicPr>
+        <p:blipFill>
+          <a:blip r:embed="rId4">
+            <a:extLst>
+              <a:ext uri="{28A0092B-C50C-407E-A947-70E740481C1C}">
+                <a14:useLocalDpi xmlns:a14="http://schemas.microsoft.com/office/drawing/2010/main" val="0"/>
+              </a:ext>
+            </a:extLst>
+          </a:blip>
+          <a:stretch>
+            <a:fillRect/>
+          </a:stretch>
+        </p:blipFill>
+        <p:spPr>
+          <a:xfrm>
+            <a:off x="7469675" y="2544319"/>
+            <a:ext cx="1505160" cy="1895740"/>
+          </a:xfrm>
+          <a:prstGeom prst="rect">
+            <a:avLst/>
+          </a:prstGeom>
         </p:spPr>
       </p:pic>
     </p:spTree>
@@ -13953,73 +15017,49 @@
       </p:grpSpPr>
       <p:sp>
         <p:nvSpPr>
-          <p:cNvPr id="34" name="Rectangle 33"/>
-          <p:cNvSpPr/>
-          <p:nvPr/>
+          <p:cNvPr id="2" name="Marcador de número de diapositiva 1"/>
+          <p:cNvSpPr>
+            <a:spLocks noGrp="1"/>
+          </p:cNvSpPr>
+          <p:nvPr>
+            <p:ph type="sldNum" sz="quarter" idx="12"/>
+          </p:nvPr>
         </p:nvSpPr>
-        <p:spPr>
-          <a:xfrm>
-            <a:off x="0" y="6115607"/>
-            <a:ext cx="12192000" cy="1047733"/>
-          </a:xfrm>
-          <a:prstGeom prst="rect">
-            <a:avLst/>
-          </a:prstGeom>
-          <a:solidFill>
-            <a:srgbClr val="D2D0D0"/>
-          </a:solidFill>
-          <a:ln>
-            <a:noFill/>
-          </a:ln>
-        </p:spPr>
-        <p:style>
-          <a:lnRef idx="2">
-            <a:schemeClr val="accent1">
-              <a:shade val="50000"/>
-            </a:schemeClr>
-          </a:lnRef>
-          <a:fillRef idx="1">
-            <a:schemeClr val="accent1"/>
-          </a:fillRef>
-          <a:effectRef idx="0">
-            <a:schemeClr val="accent1"/>
-          </a:effectRef>
-          <a:fontRef idx="minor">
-            <a:schemeClr val="lt1"/>
-          </a:fontRef>
-        </p:style>
+        <p:spPr/>
         <p:txBody>
-          <a:bodyPr rtlCol="0" anchor="ctr"/>
+          <a:bodyPr/>
           <a:lstStyle/>
           <a:p>
-            <a:pPr algn="ctr" fontAlgn="base">
-              <a:spcBef>
-                <a:spcPct val="0"/>
-              </a:spcBef>
-              <a:spcAft>
-                <a:spcPct val="0"/>
-              </a:spcAft>
-            </a:pPr>
-            <a:endParaRPr lang="en-US" sz="2800">
+            <a:fld id="{E16EE1C3-4C97-4D89-86D4-AB0FC9C35DCF}" type="slidenum">
+              <a:rPr lang="en-US" smtClean="0">
+                <a:solidFill>
+                  <a:srgbClr val="7E7E7E">
+                    <a:tint val="75000"/>
+                  </a:srgbClr>
+                </a:solidFill>
+              </a:rPr>
+              <a:t>6</a:t>
+            </a:fld>
+            <a:endParaRPr lang="en-US">
               <a:solidFill>
-                <a:prstClr val="white"/>
+                <a:srgbClr val="7E7E7E">
+                  <a:tint val="75000"/>
+                </a:srgbClr>
               </a:solidFill>
-              <a:cs typeface="+mn-ea"/>
-              <a:sym typeface="+mn-lt"/>
             </a:endParaRPr>
           </a:p>
         </p:txBody>
       </p:sp>
       <p:sp>
         <p:nvSpPr>
-          <p:cNvPr id="10" name="箭头: V 形 105"/>
+          <p:cNvPr id="3" name="箭头: V 形 105"/>
           <p:cNvSpPr/>
           <p:nvPr/>
         </p:nvSpPr>
         <p:spPr>
           <a:xfrm flipH="1">
-            <a:off x="7250197" y="5279409"/>
-            <a:ext cx="4941803" cy="1028161"/>
+            <a:off x="5697187" y="360021"/>
+            <a:ext cx="5826825" cy="1611998"/>
           </a:xfrm>
           <a:prstGeom prst="chevron">
             <a:avLst>
@@ -14167,7 +15207,7 @@
                   <a:schemeClr val="bg1"/>
                 </a:solidFill>
               </a:rPr>
-              <a:t>El usuario…</a:t>
+              <a:t>El será capaz de realizar el registro de vehículos para que aparezcan en la pagina web y sean visibles para los clientes detallando todas las características posibles</a:t>
             </a:r>
             <a:endParaRPr lang="zh-CN" altLang="en-US" sz="2000" dirty="0">
               <a:solidFill>
@@ -14177,68 +15217,527 @@
           </a:p>
         </p:txBody>
       </p:sp>
-      <p:pic>
-        <p:nvPicPr>
-          <p:cNvPr id="3075" name="Picture 3"/>
-          <p:cNvPicPr>
-            <a:picLocks noChangeAspect="1" noChangeArrowheads="1"/>
-          </p:cNvPicPr>
+      <p:sp>
+        <p:nvSpPr>
+          <p:cNvPr id="4" name="箭头: V 形 105"/>
+          <p:cNvSpPr/>
           <p:nvPr/>
-        </p:nvPicPr>
-        <p:blipFill>
-          <a:blip r:embed="rId2">
-            <a:extLst>
-              <a:ext uri="{28A0092B-C50C-407E-A947-70E740481C1C}">
-                <a14:useLocalDpi xmlns:a14="http://schemas.microsoft.com/office/drawing/2010/main" val="0"/>
-              </a:ext>
-            </a:extLst>
-          </a:blip>
-          <a:srcRect/>
-          <a:stretch>
-            <a:fillRect/>
-          </a:stretch>
-        </p:blipFill>
-        <p:spPr bwMode="auto">
-          <a:xfrm>
-            <a:off x="476250" y="152464"/>
-            <a:ext cx="5981700" cy="6610285"/>
+        </p:nvSpPr>
+        <p:spPr>
+          <a:xfrm flipH="1">
+            <a:off x="287536" y="275914"/>
+            <a:ext cx="5233750" cy="1696105"/>
           </a:xfrm>
-          <a:prstGeom prst="roundRect">
+          <a:prstGeom prst="chevron">
             <a:avLst>
-              <a:gd name="adj" fmla="val 8594"/>
+              <a:gd name="adj" fmla="val 29021"/>
             </a:avLst>
           </a:prstGeom>
-          <a:solidFill>
-            <a:srgbClr val="FFFFFF">
-              <a:shade val="85000"/>
-            </a:srgbClr>
-          </a:solidFill>
-          <a:ln w="9525">
-            <a:solidFill>
-              <a:schemeClr val="tx1"/>
-            </a:solidFill>
-            <a:miter lim="800000"/>
-            <a:headEnd/>
-            <a:tailEnd/>
+          <a:gradFill flip="none" rotWithShape="1">
+            <a:gsLst>
+              <a:gs pos="0">
+                <a:srgbClr val="F9AC7D"/>
+              </a:gs>
+              <a:gs pos="100000">
+                <a:srgbClr val="F28893"/>
+              </a:gs>
+            </a:gsLst>
+            <a:lin ang="0" scaled="1"/>
+            <a:tileRect/>
+          </a:gradFill>
+          <a:ln>
+            <a:noFill/>
           </a:ln>
-          <a:effectLst>
-            <a:reflection blurRad="12700" stA="38000" endPos="28000" dist="5000" dir="5400000" sy="-100000" algn="bl" rotWithShape="0"/>
-          </a:effectLst>
-          <a:extLst>
-            <a:ext uri="{909E8E84-426E-40DD-AFC4-6F175D3DCCD1}">
-              <a14:hiddenFill xmlns:a14="http://schemas.microsoft.com/office/drawing/2010/main">
-                <a:solidFill>
-                  <a:schemeClr val="accent1"/>
-                </a:solidFill>
-              </a14:hiddenFill>
-            </a:ext>
-          </a:extLst>
         </p:spPr>
-      </p:pic>
+        <p:style>
+          <a:lnRef idx="2">
+            <a:schemeClr val="accent1">
+              <a:shade val="50000"/>
+            </a:schemeClr>
+          </a:lnRef>
+          <a:fillRef idx="1">
+            <a:schemeClr val="accent1"/>
+          </a:fillRef>
+          <a:effectRef idx="0">
+            <a:schemeClr val="accent1"/>
+          </a:effectRef>
+          <a:fontRef idx="minor">
+            <a:schemeClr val="lt1"/>
+          </a:fontRef>
+        </p:style>
+        <p:txBody>
+          <a:bodyPr rtlCol="0" anchor="ctr"/>
+          <a:lstStyle>
+            <a:defPPr>
+              <a:defRPr lang="en-US">
+                <a:solidFill>
+                  <a:schemeClr val="lt1"/>
+                </a:solidFill>
+              </a:defRPr>
+            </a:defPPr>
+            <a:lvl1pPr marL="0" algn="l" defTabSz="685800" rtl="0" eaLnBrk="1" latinLnBrk="0" hangingPunct="1">
+              <a:defRPr sz="1350" kern="1200">
+                <a:solidFill>
+                  <a:schemeClr val="lt1"/>
+                </a:solidFill>
+                <a:latin typeface="+mn-lt"/>
+                <a:ea typeface="+mn-ea"/>
+                <a:cs typeface="+mn-cs"/>
+              </a:defRPr>
+            </a:lvl1pPr>
+            <a:lvl2pPr marL="342900" algn="l" defTabSz="685800" rtl="0" eaLnBrk="1" latinLnBrk="0" hangingPunct="1">
+              <a:defRPr sz="1350" kern="1200">
+                <a:solidFill>
+                  <a:schemeClr val="lt1"/>
+                </a:solidFill>
+                <a:latin typeface="+mn-lt"/>
+                <a:ea typeface="+mn-ea"/>
+                <a:cs typeface="+mn-cs"/>
+              </a:defRPr>
+            </a:lvl2pPr>
+            <a:lvl3pPr marL="685800" algn="l" defTabSz="685800" rtl="0" eaLnBrk="1" latinLnBrk="0" hangingPunct="1">
+              <a:defRPr sz="1350" kern="1200">
+                <a:solidFill>
+                  <a:schemeClr val="lt1"/>
+                </a:solidFill>
+                <a:latin typeface="+mn-lt"/>
+                <a:ea typeface="+mn-ea"/>
+                <a:cs typeface="+mn-cs"/>
+              </a:defRPr>
+            </a:lvl3pPr>
+            <a:lvl4pPr marL="1028700" algn="l" defTabSz="685800" rtl="0" eaLnBrk="1" latinLnBrk="0" hangingPunct="1">
+              <a:defRPr sz="1350" kern="1200">
+                <a:solidFill>
+                  <a:schemeClr val="lt1"/>
+                </a:solidFill>
+                <a:latin typeface="+mn-lt"/>
+                <a:ea typeface="+mn-ea"/>
+                <a:cs typeface="+mn-cs"/>
+              </a:defRPr>
+            </a:lvl4pPr>
+            <a:lvl5pPr marL="1371600" algn="l" defTabSz="685800" rtl="0" eaLnBrk="1" latinLnBrk="0" hangingPunct="1">
+              <a:defRPr sz="1350" kern="1200">
+                <a:solidFill>
+                  <a:schemeClr val="lt1"/>
+                </a:solidFill>
+                <a:latin typeface="+mn-lt"/>
+                <a:ea typeface="+mn-ea"/>
+                <a:cs typeface="+mn-cs"/>
+              </a:defRPr>
+            </a:lvl5pPr>
+            <a:lvl6pPr marL="1714500" algn="l" defTabSz="685800" rtl="0" eaLnBrk="1" latinLnBrk="0" hangingPunct="1">
+              <a:defRPr sz="1350" kern="1200">
+                <a:solidFill>
+                  <a:schemeClr val="lt1"/>
+                </a:solidFill>
+                <a:latin typeface="+mn-lt"/>
+                <a:ea typeface="+mn-ea"/>
+                <a:cs typeface="+mn-cs"/>
+              </a:defRPr>
+            </a:lvl6pPr>
+            <a:lvl7pPr marL="2057400" algn="l" defTabSz="685800" rtl="0" eaLnBrk="1" latinLnBrk="0" hangingPunct="1">
+              <a:defRPr sz="1350" kern="1200">
+                <a:solidFill>
+                  <a:schemeClr val="lt1"/>
+                </a:solidFill>
+                <a:latin typeface="+mn-lt"/>
+                <a:ea typeface="+mn-ea"/>
+                <a:cs typeface="+mn-cs"/>
+              </a:defRPr>
+            </a:lvl7pPr>
+            <a:lvl8pPr marL="2400300" algn="l" defTabSz="685800" rtl="0" eaLnBrk="1" latinLnBrk="0" hangingPunct="1">
+              <a:defRPr sz="1350" kern="1200">
+                <a:solidFill>
+                  <a:schemeClr val="lt1"/>
+                </a:solidFill>
+                <a:latin typeface="+mn-lt"/>
+                <a:ea typeface="+mn-ea"/>
+                <a:cs typeface="+mn-cs"/>
+              </a:defRPr>
+            </a:lvl8pPr>
+            <a:lvl9pPr marL="2743200" algn="l" defTabSz="685800" rtl="0" eaLnBrk="1" latinLnBrk="0" hangingPunct="1">
+              <a:defRPr sz="1350" kern="1200">
+                <a:solidFill>
+                  <a:schemeClr val="lt1"/>
+                </a:solidFill>
+                <a:latin typeface="+mn-lt"/>
+                <a:ea typeface="+mn-ea"/>
+                <a:cs typeface="+mn-cs"/>
+              </a:defRPr>
+            </a:lvl9pPr>
+          </a:lstStyle>
+          <a:p>
+            <a:pPr algn="ctr"/>
+            <a:r>
+              <a:rPr lang="es-ES" altLang="zh-CN" sz="2000" dirty="0" smtClean="0">
+                <a:solidFill>
+                  <a:schemeClr val="bg1"/>
+                </a:solidFill>
+              </a:rPr>
+              <a:t>La tabla de agencia estarán los datos generales de las distintas agencias de rentas de vehículos con las que se tiene convenio </a:t>
+            </a:r>
+            <a:endParaRPr lang="zh-CN" altLang="en-US" sz="2000" dirty="0">
+              <a:solidFill>
+                <a:schemeClr val="bg1"/>
+              </a:solidFill>
+            </a:endParaRPr>
+          </a:p>
+        </p:txBody>
+      </p:sp>
+      <p:sp>
+        <p:nvSpPr>
+          <p:cNvPr id="5" name="箭头: V 形 105"/>
+          <p:cNvSpPr/>
+          <p:nvPr/>
+        </p:nvSpPr>
+        <p:spPr>
+          <a:xfrm flipH="1">
+            <a:off x="153497" y="2411350"/>
+            <a:ext cx="5233750" cy="1696105"/>
+          </a:xfrm>
+          <a:prstGeom prst="chevron">
+            <a:avLst>
+              <a:gd name="adj" fmla="val 29021"/>
+            </a:avLst>
+          </a:prstGeom>
+          <a:gradFill flip="none" rotWithShape="1">
+            <a:gsLst>
+              <a:gs pos="0">
+                <a:srgbClr val="F9AC7D"/>
+              </a:gs>
+              <a:gs pos="100000">
+                <a:srgbClr val="F28893"/>
+              </a:gs>
+            </a:gsLst>
+            <a:lin ang="0" scaled="1"/>
+            <a:tileRect/>
+          </a:gradFill>
+          <a:ln>
+            <a:noFill/>
+          </a:ln>
+        </p:spPr>
+        <p:style>
+          <a:lnRef idx="2">
+            <a:schemeClr val="accent1">
+              <a:shade val="50000"/>
+            </a:schemeClr>
+          </a:lnRef>
+          <a:fillRef idx="1">
+            <a:schemeClr val="accent1"/>
+          </a:fillRef>
+          <a:effectRef idx="0">
+            <a:schemeClr val="accent1"/>
+          </a:effectRef>
+          <a:fontRef idx="minor">
+            <a:schemeClr val="lt1"/>
+          </a:fontRef>
+        </p:style>
+        <p:txBody>
+          <a:bodyPr rtlCol="0" anchor="ctr"/>
+          <a:lstStyle>
+            <a:defPPr>
+              <a:defRPr lang="en-US">
+                <a:solidFill>
+                  <a:schemeClr val="lt1"/>
+                </a:solidFill>
+              </a:defRPr>
+            </a:defPPr>
+            <a:lvl1pPr marL="0" algn="l" defTabSz="685800" rtl="0" eaLnBrk="1" latinLnBrk="0" hangingPunct="1">
+              <a:defRPr sz="1350" kern="1200">
+                <a:solidFill>
+                  <a:schemeClr val="lt1"/>
+                </a:solidFill>
+                <a:latin typeface="+mn-lt"/>
+                <a:ea typeface="+mn-ea"/>
+                <a:cs typeface="+mn-cs"/>
+              </a:defRPr>
+            </a:lvl1pPr>
+            <a:lvl2pPr marL="342900" algn="l" defTabSz="685800" rtl="0" eaLnBrk="1" latinLnBrk="0" hangingPunct="1">
+              <a:defRPr sz="1350" kern="1200">
+                <a:solidFill>
+                  <a:schemeClr val="lt1"/>
+                </a:solidFill>
+                <a:latin typeface="+mn-lt"/>
+                <a:ea typeface="+mn-ea"/>
+                <a:cs typeface="+mn-cs"/>
+              </a:defRPr>
+            </a:lvl2pPr>
+            <a:lvl3pPr marL="685800" algn="l" defTabSz="685800" rtl="0" eaLnBrk="1" latinLnBrk="0" hangingPunct="1">
+              <a:defRPr sz="1350" kern="1200">
+                <a:solidFill>
+                  <a:schemeClr val="lt1"/>
+                </a:solidFill>
+                <a:latin typeface="+mn-lt"/>
+                <a:ea typeface="+mn-ea"/>
+                <a:cs typeface="+mn-cs"/>
+              </a:defRPr>
+            </a:lvl3pPr>
+            <a:lvl4pPr marL="1028700" algn="l" defTabSz="685800" rtl="0" eaLnBrk="1" latinLnBrk="0" hangingPunct="1">
+              <a:defRPr sz="1350" kern="1200">
+                <a:solidFill>
+                  <a:schemeClr val="lt1"/>
+                </a:solidFill>
+                <a:latin typeface="+mn-lt"/>
+                <a:ea typeface="+mn-ea"/>
+                <a:cs typeface="+mn-cs"/>
+              </a:defRPr>
+            </a:lvl4pPr>
+            <a:lvl5pPr marL="1371600" algn="l" defTabSz="685800" rtl="0" eaLnBrk="1" latinLnBrk="0" hangingPunct="1">
+              <a:defRPr sz="1350" kern="1200">
+                <a:solidFill>
+                  <a:schemeClr val="lt1"/>
+                </a:solidFill>
+                <a:latin typeface="+mn-lt"/>
+                <a:ea typeface="+mn-ea"/>
+                <a:cs typeface="+mn-cs"/>
+              </a:defRPr>
+            </a:lvl5pPr>
+            <a:lvl6pPr marL="1714500" algn="l" defTabSz="685800" rtl="0" eaLnBrk="1" latinLnBrk="0" hangingPunct="1">
+              <a:defRPr sz="1350" kern="1200">
+                <a:solidFill>
+                  <a:schemeClr val="lt1"/>
+                </a:solidFill>
+                <a:latin typeface="+mn-lt"/>
+                <a:ea typeface="+mn-ea"/>
+                <a:cs typeface="+mn-cs"/>
+              </a:defRPr>
+            </a:lvl6pPr>
+            <a:lvl7pPr marL="2057400" algn="l" defTabSz="685800" rtl="0" eaLnBrk="1" latinLnBrk="0" hangingPunct="1">
+              <a:defRPr sz="1350" kern="1200">
+                <a:solidFill>
+                  <a:schemeClr val="lt1"/>
+                </a:solidFill>
+                <a:latin typeface="+mn-lt"/>
+                <a:ea typeface="+mn-ea"/>
+                <a:cs typeface="+mn-cs"/>
+              </a:defRPr>
+            </a:lvl7pPr>
+            <a:lvl8pPr marL="2400300" algn="l" defTabSz="685800" rtl="0" eaLnBrk="1" latinLnBrk="0" hangingPunct="1">
+              <a:defRPr sz="1350" kern="1200">
+                <a:solidFill>
+                  <a:schemeClr val="lt1"/>
+                </a:solidFill>
+                <a:latin typeface="+mn-lt"/>
+                <a:ea typeface="+mn-ea"/>
+                <a:cs typeface="+mn-cs"/>
+              </a:defRPr>
+            </a:lvl8pPr>
+            <a:lvl9pPr marL="2743200" algn="l" defTabSz="685800" rtl="0" eaLnBrk="1" latinLnBrk="0" hangingPunct="1">
+              <a:defRPr sz="1350" kern="1200">
+                <a:solidFill>
+                  <a:schemeClr val="lt1"/>
+                </a:solidFill>
+                <a:latin typeface="+mn-lt"/>
+                <a:ea typeface="+mn-ea"/>
+                <a:cs typeface="+mn-cs"/>
+              </a:defRPr>
+            </a:lvl9pPr>
+          </a:lstStyle>
+          <a:p>
+            <a:pPr algn="ctr"/>
+            <a:r>
+              <a:rPr lang="es-ES" altLang="zh-CN" sz="2000" dirty="0" smtClean="0">
+                <a:solidFill>
+                  <a:schemeClr val="bg1"/>
+                </a:solidFill>
+              </a:rPr>
+              <a:t>Además de eso el vehículo llevara un </a:t>
+            </a:r>
+            <a:r>
+              <a:rPr lang="es-ES" altLang="zh-CN" sz="2000" dirty="0" err="1" smtClean="0">
+                <a:solidFill>
+                  <a:schemeClr val="bg1"/>
+                </a:solidFill>
+              </a:rPr>
+              <a:t>recod</a:t>
+            </a:r>
+            <a:r>
+              <a:rPr lang="es-ES" altLang="zh-CN" sz="2000" dirty="0" smtClean="0">
+                <a:solidFill>
+                  <a:schemeClr val="bg1"/>
+                </a:solidFill>
+              </a:rPr>
+              <a:t> de todos los mantenimientos que se le han efectuado y si esta disponible o no</a:t>
+            </a:r>
+            <a:endParaRPr lang="zh-CN" altLang="en-US" sz="2000" dirty="0">
+              <a:solidFill>
+                <a:schemeClr val="bg1"/>
+              </a:solidFill>
+            </a:endParaRPr>
+          </a:p>
+        </p:txBody>
+      </p:sp>
+      <p:sp>
+        <p:nvSpPr>
+          <p:cNvPr id="6" name="箭头: V 形 105"/>
+          <p:cNvSpPr/>
+          <p:nvPr/>
+        </p:nvSpPr>
+        <p:spPr>
+          <a:xfrm flipH="1">
+            <a:off x="5993724" y="2411350"/>
+            <a:ext cx="5233750" cy="1696105"/>
+          </a:xfrm>
+          <a:prstGeom prst="chevron">
+            <a:avLst>
+              <a:gd name="adj" fmla="val 29021"/>
+            </a:avLst>
+          </a:prstGeom>
+          <a:gradFill flip="none" rotWithShape="1">
+            <a:gsLst>
+              <a:gs pos="0">
+                <a:srgbClr val="F9AC7D"/>
+              </a:gs>
+              <a:gs pos="100000">
+                <a:srgbClr val="F28893"/>
+              </a:gs>
+            </a:gsLst>
+            <a:lin ang="0" scaled="1"/>
+            <a:tileRect/>
+          </a:gradFill>
+          <a:ln>
+            <a:noFill/>
+          </a:ln>
+        </p:spPr>
+        <p:style>
+          <a:lnRef idx="2">
+            <a:schemeClr val="accent1">
+              <a:shade val="50000"/>
+            </a:schemeClr>
+          </a:lnRef>
+          <a:fillRef idx="1">
+            <a:schemeClr val="accent1"/>
+          </a:fillRef>
+          <a:effectRef idx="0">
+            <a:schemeClr val="accent1"/>
+          </a:effectRef>
+          <a:fontRef idx="minor">
+            <a:schemeClr val="lt1"/>
+          </a:fontRef>
+        </p:style>
+        <p:txBody>
+          <a:bodyPr rtlCol="0" anchor="ctr"/>
+          <a:lstStyle>
+            <a:defPPr>
+              <a:defRPr lang="en-US">
+                <a:solidFill>
+                  <a:schemeClr val="lt1"/>
+                </a:solidFill>
+              </a:defRPr>
+            </a:defPPr>
+            <a:lvl1pPr marL="0" algn="l" defTabSz="685800" rtl="0" eaLnBrk="1" latinLnBrk="0" hangingPunct="1">
+              <a:defRPr sz="1350" kern="1200">
+                <a:solidFill>
+                  <a:schemeClr val="lt1"/>
+                </a:solidFill>
+                <a:latin typeface="+mn-lt"/>
+                <a:ea typeface="+mn-ea"/>
+                <a:cs typeface="+mn-cs"/>
+              </a:defRPr>
+            </a:lvl1pPr>
+            <a:lvl2pPr marL="342900" algn="l" defTabSz="685800" rtl="0" eaLnBrk="1" latinLnBrk="0" hangingPunct="1">
+              <a:defRPr sz="1350" kern="1200">
+                <a:solidFill>
+                  <a:schemeClr val="lt1"/>
+                </a:solidFill>
+                <a:latin typeface="+mn-lt"/>
+                <a:ea typeface="+mn-ea"/>
+                <a:cs typeface="+mn-cs"/>
+              </a:defRPr>
+            </a:lvl2pPr>
+            <a:lvl3pPr marL="685800" algn="l" defTabSz="685800" rtl="0" eaLnBrk="1" latinLnBrk="0" hangingPunct="1">
+              <a:defRPr sz="1350" kern="1200">
+                <a:solidFill>
+                  <a:schemeClr val="lt1"/>
+                </a:solidFill>
+                <a:latin typeface="+mn-lt"/>
+                <a:ea typeface="+mn-ea"/>
+                <a:cs typeface="+mn-cs"/>
+              </a:defRPr>
+            </a:lvl3pPr>
+            <a:lvl4pPr marL="1028700" algn="l" defTabSz="685800" rtl="0" eaLnBrk="1" latinLnBrk="0" hangingPunct="1">
+              <a:defRPr sz="1350" kern="1200">
+                <a:solidFill>
+                  <a:schemeClr val="lt1"/>
+                </a:solidFill>
+                <a:latin typeface="+mn-lt"/>
+                <a:ea typeface="+mn-ea"/>
+                <a:cs typeface="+mn-cs"/>
+              </a:defRPr>
+            </a:lvl4pPr>
+            <a:lvl5pPr marL="1371600" algn="l" defTabSz="685800" rtl="0" eaLnBrk="1" latinLnBrk="0" hangingPunct="1">
+              <a:defRPr sz="1350" kern="1200">
+                <a:solidFill>
+                  <a:schemeClr val="lt1"/>
+                </a:solidFill>
+                <a:latin typeface="+mn-lt"/>
+                <a:ea typeface="+mn-ea"/>
+                <a:cs typeface="+mn-cs"/>
+              </a:defRPr>
+            </a:lvl5pPr>
+            <a:lvl6pPr marL="1714500" algn="l" defTabSz="685800" rtl="0" eaLnBrk="1" latinLnBrk="0" hangingPunct="1">
+              <a:defRPr sz="1350" kern="1200">
+                <a:solidFill>
+                  <a:schemeClr val="lt1"/>
+                </a:solidFill>
+                <a:latin typeface="+mn-lt"/>
+                <a:ea typeface="+mn-ea"/>
+                <a:cs typeface="+mn-cs"/>
+              </a:defRPr>
+            </a:lvl6pPr>
+            <a:lvl7pPr marL="2057400" algn="l" defTabSz="685800" rtl="0" eaLnBrk="1" latinLnBrk="0" hangingPunct="1">
+              <a:defRPr sz="1350" kern="1200">
+                <a:solidFill>
+                  <a:schemeClr val="lt1"/>
+                </a:solidFill>
+                <a:latin typeface="+mn-lt"/>
+                <a:ea typeface="+mn-ea"/>
+                <a:cs typeface="+mn-cs"/>
+              </a:defRPr>
+            </a:lvl7pPr>
+            <a:lvl8pPr marL="2400300" algn="l" defTabSz="685800" rtl="0" eaLnBrk="1" latinLnBrk="0" hangingPunct="1">
+              <a:defRPr sz="1350" kern="1200">
+                <a:solidFill>
+                  <a:schemeClr val="lt1"/>
+                </a:solidFill>
+                <a:latin typeface="+mn-lt"/>
+                <a:ea typeface="+mn-ea"/>
+                <a:cs typeface="+mn-cs"/>
+              </a:defRPr>
+            </a:lvl8pPr>
+            <a:lvl9pPr marL="2743200" algn="l" defTabSz="685800" rtl="0" eaLnBrk="1" latinLnBrk="0" hangingPunct="1">
+              <a:defRPr sz="1350" kern="1200">
+                <a:solidFill>
+                  <a:schemeClr val="lt1"/>
+                </a:solidFill>
+                <a:latin typeface="+mn-lt"/>
+                <a:ea typeface="+mn-ea"/>
+                <a:cs typeface="+mn-cs"/>
+              </a:defRPr>
+            </a:lvl9pPr>
+          </a:lstStyle>
+          <a:p>
+            <a:pPr algn="ctr"/>
+            <a:r>
+              <a:rPr lang="es-ES" altLang="zh-CN" sz="2000" dirty="0" smtClean="0">
+                <a:solidFill>
+                  <a:schemeClr val="bg1"/>
+                </a:solidFill>
+              </a:rPr>
+              <a:t>El cliente será capaz de rentar el vehículo que desee y que este disponible </a:t>
+            </a:r>
+            <a:endParaRPr lang="zh-CN" altLang="en-US" sz="2000" dirty="0">
+              <a:solidFill>
+                <a:schemeClr val="bg1"/>
+              </a:solidFill>
+            </a:endParaRPr>
+          </a:p>
+        </p:txBody>
+      </p:sp>
     </p:spTree>
     <p:extLst>
       <p:ext uri="{BB962C8B-B14F-4D97-AF65-F5344CB8AC3E}">
-        <p14:creationId xmlns:p14="http://schemas.microsoft.com/office/powerpoint/2010/main" val="1970214700"/>
+        <p14:creationId xmlns:p14="http://schemas.microsoft.com/office/powerpoint/2010/main" val="2323609180"/>
       </p:ext>
     </p:extLst>
   </p:cSld>
@@ -14257,13 +15756,6 @@
       </p:transition>
     </mc:Fallback>
   </mc:AlternateContent>
-  <p:timing>
-    <p:tnLst>
-      <p:par>
-        <p:cTn id="1" dur="indefinite" restart="never" nodeType="tmRoot"/>
-      </p:par>
-    </p:tnLst>
-  </p:timing>
 </p:sld>
 </file>
 
@@ -14351,8 +15843,8 @@
         </p:nvSpPr>
         <p:spPr>
           <a:xfrm flipH="1">
-            <a:off x="7250197" y="5279409"/>
-            <a:ext cx="4941803" cy="1028161"/>
+            <a:off x="6589182" y="53311"/>
+            <a:ext cx="4941803" cy="640750"/>
           </a:xfrm>
           <a:prstGeom prst="chevron">
             <a:avLst>
@@ -14500,7 +15992,15 @@
                   <a:schemeClr val="bg1"/>
                 </a:solidFill>
               </a:rPr>
-              <a:t>El usuario…</a:t>
+              <a:t>El </a:t>
+            </a:r>
+            <a:r>
+              <a:rPr lang="es-ES" altLang="zh-CN" sz="2000" dirty="0" smtClean="0">
+                <a:solidFill>
+                  <a:schemeClr val="bg1"/>
+                </a:solidFill>
+              </a:rPr>
+              <a:t>usuario será capaz de realizar una o muchas encomiendas</a:t>
             </a:r>
             <a:endParaRPr lang="zh-CN" altLang="en-US" sz="2000" dirty="0">
               <a:solidFill>
@@ -14512,7 +16012,7 @@
       </p:sp>
       <p:pic>
         <p:nvPicPr>
-          <p:cNvPr id="4098" name="Picture 2"/>
+          <p:cNvPr id="3075" name="Picture 3"/>
           <p:cNvPicPr>
             <a:picLocks noChangeAspect="1" noChangeArrowheads="1"/>
           </p:cNvPicPr>
@@ -14533,8 +16033,8 @@
         </p:blipFill>
         <p:spPr bwMode="auto">
           <a:xfrm>
-            <a:off x="471488" y="290059"/>
-            <a:ext cx="6058459" cy="6569961"/>
+            <a:off x="476250" y="152464"/>
+            <a:ext cx="5981700" cy="6610285"/>
           </a:xfrm>
           <a:prstGeom prst="roundRect">
             <a:avLst>
@@ -14557,21 +16057,697 @@
           <a:effectLst>
             <a:reflection blurRad="12700" stA="38000" endPos="28000" dist="5000" dir="5400000" sy="-100000" algn="bl" rotWithShape="0"/>
           </a:effectLst>
-          <a:extLst>
-            <a:ext uri="{909E8E84-426E-40DD-AFC4-6F175D3DCCD1}">
-              <a14:hiddenFill xmlns:a14="http://schemas.microsoft.com/office/drawing/2010/main">
-                <a:solidFill>
-                  <a:schemeClr val="accent1"/>
-                </a:solidFill>
-              </a14:hiddenFill>
-            </a:ext>
-          </a:extLst>
+          <a:extLst/>
         </p:spPr>
       </p:pic>
+      <p:sp>
+        <p:nvSpPr>
+          <p:cNvPr id="5" name="箭头: V 形 105"/>
+          <p:cNvSpPr/>
+          <p:nvPr/>
+        </p:nvSpPr>
+        <p:spPr>
+          <a:xfrm flipH="1">
+            <a:off x="6457950" y="733241"/>
+            <a:ext cx="5734048" cy="1040473"/>
+          </a:xfrm>
+          <a:prstGeom prst="chevron">
+            <a:avLst>
+              <a:gd name="adj" fmla="val 29021"/>
+            </a:avLst>
+          </a:prstGeom>
+          <a:gradFill flip="none" rotWithShape="1">
+            <a:gsLst>
+              <a:gs pos="0">
+                <a:srgbClr val="F9AC7D"/>
+              </a:gs>
+              <a:gs pos="100000">
+                <a:srgbClr val="F28893"/>
+              </a:gs>
+            </a:gsLst>
+            <a:lin ang="0" scaled="1"/>
+            <a:tileRect/>
+          </a:gradFill>
+          <a:ln>
+            <a:noFill/>
+          </a:ln>
+        </p:spPr>
+        <p:style>
+          <a:lnRef idx="2">
+            <a:schemeClr val="accent1">
+              <a:shade val="50000"/>
+            </a:schemeClr>
+          </a:lnRef>
+          <a:fillRef idx="1">
+            <a:schemeClr val="accent1"/>
+          </a:fillRef>
+          <a:effectRef idx="0">
+            <a:schemeClr val="accent1"/>
+          </a:effectRef>
+          <a:fontRef idx="minor">
+            <a:schemeClr val="lt1"/>
+          </a:fontRef>
+        </p:style>
+        <p:txBody>
+          <a:bodyPr rtlCol="0" anchor="ctr"/>
+          <a:lstStyle>
+            <a:defPPr>
+              <a:defRPr lang="en-US">
+                <a:solidFill>
+                  <a:schemeClr val="lt1"/>
+                </a:solidFill>
+              </a:defRPr>
+            </a:defPPr>
+            <a:lvl1pPr marL="0" algn="l" defTabSz="685800" rtl="0" eaLnBrk="1" latinLnBrk="0" hangingPunct="1">
+              <a:defRPr sz="1350" kern="1200">
+                <a:solidFill>
+                  <a:schemeClr val="lt1"/>
+                </a:solidFill>
+                <a:latin typeface="+mn-lt"/>
+                <a:ea typeface="+mn-ea"/>
+                <a:cs typeface="+mn-cs"/>
+              </a:defRPr>
+            </a:lvl1pPr>
+            <a:lvl2pPr marL="342900" algn="l" defTabSz="685800" rtl="0" eaLnBrk="1" latinLnBrk="0" hangingPunct="1">
+              <a:defRPr sz="1350" kern="1200">
+                <a:solidFill>
+                  <a:schemeClr val="lt1"/>
+                </a:solidFill>
+                <a:latin typeface="+mn-lt"/>
+                <a:ea typeface="+mn-ea"/>
+                <a:cs typeface="+mn-cs"/>
+              </a:defRPr>
+            </a:lvl2pPr>
+            <a:lvl3pPr marL="685800" algn="l" defTabSz="685800" rtl="0" eaLnBrk="1" latinLnBrk="0" hangingPunct="1">
+              <a:defRPr sz="1350" kern="1200">
+                <a:solidFill>
+                  <a:schemeClr val="lt1"/>
+                </a:solidFill>
+                <a:latin typeface="+mn-lt"/>
+                <a:ea typeface="+mn-ea"/>
+                <a:cs typeface="+mn-cs"/>
+              </a:defRPr>
+            </a:lvl3pPr>
+            <a:lvl4pPr marL="1028700" algn="l" defTabSz="685800" rtl="0" eaLnBrk="1" latinLnBrk="0" hangingPunct="1">
+              <a:defRPr sz="1350" kern="1200">
+                <a:solidFill>
+                  <a:schemeClr val="lt1"/>
+                </a:solidFill>
+                <a:latin typeface="+mn-lt"/>
+                <a:ea typeface="+mn-ea"/>
+                <a:cs typeface="+mn-cs"/>
+              </a:defRPr>
+            </a:lvl4pPr>
+            <a:lvl5pPr marL="1371600" algn="l" defTabSz="685800" rtl="0" eaLnBrk="1" latinLnBrk="0" hangingPunct="1">
+              <a:defRPr sz="1350" kern="1200">
+                <a:solidFill>
+                  <a:schemeClr val="lt1"/>
+                </a:solidFill>
+                <a:latin typeface="+mn-lt"/>
+                <a:ea typeface="+mn-ea"/>
+                <a:cs typeface="+mn-cs"/>
+              </a:defRPr>
+            </a:lvl5pPr>
+            <a:lvl6pPr marL="1714500" algn="l" defTabSz="685800" rtl="0" eaLnBrk="1" latinLnBrk="0" hangingPunct="1">
+              <a:defRPr sz="1350" kern="1200">
+                <a:solidFill>
+                  <a:schemeClr val="lt1"/>
+                </a:solidFill>
+                <a:latin typeface="+mn-lt"/>
+                <a:ea typeface="+mn-ea"/>
+                <a:cs typeface="+mn-cs"/>
+              </a:defRPr>
+            </a:lvl6pPr>
+            <a:lvl7pPr marL="2057400" algn="l" defTabSz="685800" rtl="0" eaLnBrk="1" latinLnBrk="0" hangingPunct="1">
+              <a:defRPr sz="1350" kern="1200">
+                <a:solidFill>
+                  <a:schemeClr val="lt1"/>
+                </a:solidFill>
+                <a:latin typeface="+mn-lt"/>
+                <a:ea typeface="+mn-ea"/>
+                <a:cs typeface="+mn-cs"/>
+              </a:defRPr>
+            </a:lvl7pPr>
+            <a:lvl8pPr marL="2400300" algn="l" defTabSz="685800" rtl="0" eaLnBrk="1" latinLnBrk="0" hangingPunct="1">
+              <a:defRPr sz="1350" kern="1200">
+                <a:solidFill>
+                  <a:schemeClr val="lt1"/>
+                </a:solidFill>
+                <a:latin typeface="+mn-lt"/>
+                <a:ea typeface="+mn-ea"/>
+                <a:cs typeface="+mn-cs"/>
+              </a:defRPr>
+            </a:lvl8pPr>
+            <a:lvl9pPr marL="2743200" algn="l" defTabSz="685800" rtl="0" eaLnBrk="1" latinLnBrk="0" hangingPunct="1">
+              <a:defRPr sz="1350" kern="1200">
+                <a:solidFill>
+                  <a:schemeClr val="lt1"/>
+                </a:solidFill>
+                <a:latin typeface="+mn-lt"/>
+                <a:ea typeface="+mn-ea"/>
+                <a:cs typeface="+mn-cs"/>
+              </a:defRPr>
+            </a:lvl9pPr>
+          </a:lstStyle>
+          <a:p>
+            <a:pPr algn="ctr"/>
+            <a:r>
+              <a:rPr lang="es-ES" altLang="zh-CN" sz="2000" dirty="0" smtClean="0">
+                <a:solidFill>
+                  <a:schemeClr val="bg1"/>
+                </a:solidFill>
+              </a:rPr>
+              <a:t>una encomienda esta formada por uno o muchos y estos productos pueden estar en muchas encomiendas</a:t>
+            </a:r>
+            <a:endParaRPr lang="zh-CN" altLang="en-US" sz="2000" dirty="0">
+              <a:solidFill>
+                <a:schemeClr val="bg1"/>
+              </a:solidFill>
+            </a:endParaRPr>
+          </a:p>
+        </p:txBody>
+      </p:sp>
+      <p:sp>
+        <p:nvSpPr>
+          <p:cNvPr id="6" name="箭头: V 形 105"/>
+          <p:cNvSpPr/>
+          <p:nvPr/>
+        </p:nvSpPr>
+        <p:spPr>
+          <a:xfrm flipH="1">
+            <a:off x="6457950" y="1819028"/>
+            <a:ext cx="5734048" cy="1794507"/>
+          </a:xfrm>
+          <a:prstGeom prst="chevron">
+            <a:avLst>
+              <a:gd name="adj" fmla="val 29021"/>
+            </a:avLst>
+          </a:prstGeom>
+          <a:gradFill flip="none" rotWithShape="1">
+            <a:gsLst>
+              <a:gs pos="0">
+                <a:srgbClr val="F9AC7D"/>
+              </a:gs>
+              <a:gs pos="100000">
+                <a:srgbClr val="F28893"/>
+              </a:gs>
+            </a:gsLst>
+            <a:lin ang="0" scaled="1"/>
+            <a:tileRect/>
+          </a:gradFill>
+          <a:ln>
+            <a:noFill/>
+          </a:ln>
+        </p:spPr>
+        <p:style>
+          <a:lnRef idx="2">
+            <a:schemeClr val="accent1">
+              <a:shade val="50000"/>
+            </a:schemeClr>
+          </a:lnRef>
+          <a:fillRef idx="1">
+            <a:schemeClr val="accent1"/>
+          </a:fillRef>
+          <a:effectRef idx="0">
+            <a:schemeClr val="accent1"/>
+          </a:effectRef>
+          <a:fontRef idx="minor">
+            <a:schemeClr val="lt1"/>
+          </a:fontRef>
+        </p:style>
+        <p:txBody>
+          <a:bodyPr rtlCol="0" anchor="ctr"/>
+          <a:lstStyle>
+            <a:defPPr>
+              <a:defRPr lang="en-US">
+                <a:solidFill>
+                  <a:schemeClr val="lt1"/>
+                </a:solidFill>
+              </a:defRPr>
+            </a:defPPr>
+            <a:lvl1pPr marL="0" algn="l" defTabSz="685800" rtl="0" eaLnBrk="1" latinLnBrk="0" hangingPunct="1">
+              <a:defRPr sz="1350" kern="1200">
+                <a:solidFill>
+                  <a:schemeClr val="lt1"/>
+                </a:solidFill>
+                <a:latin typeface="+mn-lt"/>
+                <a:ea typeface="+mn-ea"/>
+                <a:cs typeface="+mn-cs"/>
+              </a:defRPr>
+            </a:lvl1pPr>
+            <a:lvl2pPr marL="342900" algn="l" defTabSz="685800" rtl="0" eaLnBrk="1" latinLnBrk="0" hangingPunct="1">
+              <a:defRPr sz="1350" kern="1200">
+                <a:solidFill>
+                  <a:schemeClr val="lt1"/>
+                </a:solidFill>
+                <a:latin typeface="+mn-lt"/>
+                <a:ea typeface="+mn-ea"/>
+                <a:cs typeface="+mn-cs"/>
+              </a:defRPr>
+            </a:lvl2pPr>
+            <a:lvl3pPr marL="685800" algn="l" defTabSz="685800" rtl="0" eaLnBrk="1" latinLnBrk="0" hangingPunct="1">
+              <a:defRPr sz="1350" kern="1200">
+                <a:solidFill>
+                  <a:schemeClr val="lt1"/>
+                </a:solidFill>
+                <a:latin typeface="+mn-lt"/>
+                <a:ea typeface="+mn-ea"/>
+                <a:cs typeface="+mn-cs"/>
+              </a:defRPr>
+            </a:lvl3pPr>
+            <a:lvl4pPr marL="1028700" algn="l" defTabSz="685800" rtl="0" eaLnBrk="1" latinLnBrk="0" hangingPunct="1">
+              <a:defRPr sz="1350" kern="1200">
+                <a:solidFill>
+                  <a:schemeClr val="lt1"/>
+                </a:solidFill>
+                <a:latin typeface="+mn-lt"/>
+                <a:ea typeface="+mn-ea"/>
+                <a:cs typeface="+mn-cs"/>
+              </a:defRPr>
+            </a:lvl4pPr>
+            <a:lvl5pPr marL="1371600" algn="l" defTabSz="685800" rtl="0" eaLnBrk="1" latinLnBrk="0" hangingPunct="1">
+              <a:defRPr sz="1350" kern="1200">
+                <a:solidFill>
+                  <a:schemeClr val="lt1"/>
+                </a:solidFill>
+                <a:latin typeface="+mn-lt"/>
+                <a:ea typeface="+mn-ea"/>
+                <a:cs typeface="+mn-cs"/>
+              </a:defRPr>
+            </a:lvl5pPr>
+            <a:lvl6pPr marL="1714500" algn="l" defTabSz="685800" rtl="0" eaLnBrk="1" latinLnBrk="0" hangingPunct="1">
+              <a:defRPr sz="1350" kern="1200">
+                <a:solidFill>
+                  <a:schemeClr val="lt1"/>
+                </a:solidFill>
+                <a:latin typeface="+mn-lt"/>
+                <a:ea typeface="+mn-ea"/>
+                <a:cs typeface="+mn-cs"/>
+              </a:defRPr>
+            </a:lvl6pPr>
+            <a:lvl7pPr marL="2057400" algn="l" defTabSz="685800" rtl="0" eaLnBrk="1" latinLnBrk="0" hangingPunct="1">
+              <a:defRPr sz="1350" kern="1200">
+                <a:solidFill>
+                  <a:schemeClr val="lt1"/>
+                </a:solidFill>
+                <a:latin typeface="+mn-lt"/>
+                <a:ea typeface="+mn-ea"/>
+                <a:cs typeface="+mn-cs"/>
+              </a:defRPr>
+            </a:lvl7pPr>
+            <a:lvl8pPr marL="2400300" algn="l" defTabSz="685800" rtl="0" eaLnBrk="1" latinLnBrk="0" hangingPunct="1">
+              <a:defRPr sz="1350" kern="1200">
+                <a:solidFill>
+                  <a:schemeClr val="lt1"/>
+                </a:solidFill>
+                <a:latin typeface="+mn-lt"/>
+                <a:ea typeface="+mn-ea"/>
+                <a:cs typeface="+mn-cs"/>
+              </a:defRPr>
+            </a:lvl8pPr>
+            <a:lvl9pPr marL="2743200" algn="l" defTabSz="685800" rtl="0" eaLnBrk="1" latinLnBrk="0" hangingPunct="1">
+              <a:defRPr sz="1350" kern="1200">
+                <a:solidFill>
+                  <a:schemeClr val="lt1"/>
+                </a:solidFill>
+                <a:latin typeface="+mn-lt"/>
+                <a:ea typeface="+mn-ea"/>
+                <a:cs typeface="+mn-cs"/>
+              </a:defRPr>
+            </a:lvl9pPr>
+          </a:lstStyle>
+          <a:p>
+            <a:pPr algn="ctr"/>
+            <a:r>
+              <a:rPr lang="es-ES" altLang="zh-CN" sz="2000" dirty="0" smtClean="0">
+                <a:solidFill>
+                  <a:schemeClr val="bg1"/>
+                </a:solidFill>
+              </a:rPr>
+              <a:t>Los productos pueden deben de ser de una categoría en especifico, alimentos, medicina, documentación, el administrador podrá registrar si un producto es permitido o no </a:t>
+            </a:r>
+            <a:endParaRPr lang="zh-CN" altLang="en-US" sz="2000" dirty="0">
+              <a:solidFill>
+                <a:schemeClr val="bg1"/>
+              </a:solidFill>
+            </a:endParaRPr>
+          </a:p>
+        </p:txBody>
+      </p:sp>
+      <p:sp>
+        <p:nvSpPr>
+          <p:cNvPr id="7" name="箭头: V 形 105"/>
+          <p:cNvSpPr/>
+          <p:nvPr/>
+        </p:nvSpPr>
+        <p:spPr>
+          <a:xfrm flipH="1">
+            <a:off x="6589180" y="3698020"/>
+            <a:ext cx="5602819" cy="862960"/>
+          </a:xfrm>
+          <a:prstGeom prst="chevron">
+            <a:avLst>
+              <a:gd name="adj" fmla="val 29021"/>
+            </a:avLst>
+          </a:prstGeom>
+          <a:gradFill flip="none" rotWithShape="1">
+            <a:gsLst>
+              <a:gs pos="0">
+                <a:srgbClr val="F9AC7D"/>
+              </a:gs>
+              <a:gs pos="100000">
+                <a:srgbClr val="F28893"/>
+              </a:gs>
+            </a:gsLst>
+            <a:lin ang="0" scaled="1"/>
+            <a:tileRect/>
+          </a:gradFill>
+          <a:ln>
+            <a:noFill/>
+          </a:ln>
+        </p:spPr>
+        <p:style>
+          <a:lnRef idx="2">
+            <a:schemeClr val="accent1">
+              <a:shade val="50000"/>
+            </a:schemeClr>
+          </a:lnRef>
+          <a:fillRef idx="1">
+            <a:schemeClr val="accent1"/>
+          </a:fillRef>
+          <a:effectRef idx="0">
+            <a:schemeClr val="accent1"/>
+          </a:effectRef>
+          <a:fontRef idx="minor">
+            <a:schemeClr val="lt1"/>
+          </a:fontRef>
+        </p:style>
+        <p:txBody>
+          <a:bodyPr rtlCol="0" anchor="ctr"/>
+          <a:lstStyle>
+            <a:defPPr>
+              <a:defRPr lang="en-US">
+                <a:solidFill>
+                  <a:schemeClr val="lt1"/>
+                </a:solidFill>
+              </a:defRPr>
+            </a:defPPr>
+            <a:lvl1pPr marL="0" algn="l" defTabSz="685800" rtl="0" eaLnBrk="1" latinLnBrk="0" hangingPunct="1">
+              <a:defRPr sz="1350" kern="1200">
+                <a:solidFill>
+                  <a:schemeClr val="lt1"/>
+                </a:solidFill>
+                <a:latin typeface="+mn-lt"/>
+                <a:ea typeface="+mn-ea"/>
+                <a:cs typeface="+mn-cs"/>
+              </a:defRPr>
+            </a:lvl1pPr>
+            <a:lvl2pPr marL="342900" algn="l" defTabSz="685800" rtl="0" eaLnBrk="1" latinLnBrk="0" hangingPunct="1">
+              <a:defRPr sz="1350" kern="1200">
+                <a:solidFill>
+                  <a:schemeClr val="lt1"/>
+                </a:solidFill>
+                <a:latin typeface="+mn-lt"/>
+                <a:ea typeface="+mn-ea"/>
+                <a:cs typeface="+mn-cs"/>
+              </a:defRPr>
+            </a:lvl2pPr>
+            <a:lvl3pPr marL="685800" algn="l" defTabSz="685800" rtl="0" eaLnBrk="1" latinLnBrk="0" hangingPunct="1">
+              <a:defRPr sz="1350" kern="1200">
+                <a:solidFill>
+                  <a:schemeClr val="lt1"/>
+                </a:solidFill>
+                <a:latin typeface="+mn-lt"/>
+                <a:ea typeface="+mn-ea"/>
+                <a:cs typeface="+mn-cs"/>
+              </a:defRPr>
+            </a:lvl3pPr>
+            <a:lvl4pPr marL="1028700" algn="l" defTabSz="685800" rtl="0" eaLnBrk="1" latinLnBrk="0" hangingPunct="1">
+              <a:defRPr sz="1350" kern="1200">
+                <a:solidFill>
+                  <a:schemeClr val="lt1"/>
+                </a:solidFill>
+                <a:latin typeface="+mn-lt"/>
+                <a:ea typeface="+mn-ea"/>
+                <a:cs typeface="+mn-cs"/>
+              </a:defRPr>
+            </a:lvl4pPr>
+            <a:lvl5pPr marL="1371600" algn="l" defTabSz="685800" rtl="0" eaLnBrk="1" latinLnBrk="0" hangingPunct="1">
+              <a:defRPr sz="1350" kern="1200">
+                <a:solidFill>
+                  <a:schemeClr val="lt1"/>
+                </a:solidFill>
+                <a:latin typeface="+mn-lt"/>
+                <a:ea typeface="+mn-ea"/>
+                <a:cs typeface="+mn-cs"/>
+              </a:defRPr>
+            </a:lvl5pPr>
+            <a:lvl6pPr marL="1714500" algn="l" defTabSz="685800" rtl="0" eaLnBrk="1" latinLnBrk="0" hangingPunct="1">
+              <a:defRPr sz="1350" kern="1200">
+                <a:solidFill>
+                  <a:schemeClr val="lt1"/>
+                </a:solidFill>
+                <a:latin typeface="+mn-lt"/>
+                <a:ea typeface="+mn-ea"/>
+                <a:cs typeface="+mn-cs"/>
+              </a:defRPr>
+            </a:lvl6pPr>
+            <a:lvl7pPr marL="2057400" algn="l" defTabSz="685800" rtl="0" eaLnBrk="1" latinLnBrk="0" hangingPunct="1">
+              <a:defRPr sz="1350" kern="1200">
+                <a:solidFill>
+                  <a:schemeClr val="lt1"/>
+                </a:solidFill>
+                <a:latin typeface="+mn-lt"/>
+                <a:ea typeface="+mn-ea"/>
+                <a:cs typeface="+mn-cs"/>
+              </a:defRPr>
+            </a:lvl7pPr>
+            <a:lvl8pPr marL="2400300" algn="l" defTabSz="685800" rtl="0" eaLnBrk="1" latinLnBrk="0" hangingPunct="1">
+              <a:defRPr sz="1350" kern="1200">
+                <a:solidFill>
+                  <a:schemeClr val="lt1"/>
+                </a:solidFill>
+                <a:latin typeface="+mn-lt"/>
+                <a:ea typeface="+mn-ea"/>
+                <a:cs typeface="+mn-cs"/>
+              </a:defRPr>
+            </a:lvl8pPr>
+            <a:lvl9pPr marL="2743200" algn="l" defTabSz="685800" rtl="0" eaLnBrk="1" latinLnBrk="0" hangingPunct="1">
+              <a:defRPr sz="1350" kern="1200">
+                <a:solidFill>
+                  <a:schemeClr val="lt1"/>
+                </a:solidFill>
+                <a:latin typeface="+mn-lt"/>
+                <a:ea typeface="+mn-ea"/>
+                <a:cs typeface="+mn-cs"/>
+              </a:defRPr>
+            </a:lvl9pPr>
+          </a:lstStyle>
+          <a:p>
+            <a:pPr algn="ctr"/>
+            <a:r>
+              <a:rPr lang="es-ES" altLang="zh-CN" sz="2000" dirty="0" smtClean="0">
+                <a:solidFill>
+                  <a:schemeClr val="bg1"/>
+                </a:solidFill>
+              </a:rPr>
+              <a:t>Los productos pueden tener distintas reglas, tarifa por cantidad, unidad de medición etc.</a:t>
+            </a:r>
+            <a:endParaRPr lang="zh-CN" altLang="en-US" sz="2000" dirty="0">
+              <a:solidFill>
+                <a:schemeClr val="bg1"/>
+              </a:solidFill>
+            </a:endParaRPr>
+          </a:p>
+        </p:txBody>
+      </p:sp>
+      <p:sp>
+        <p:nvSpPr>
+          <p:cNvPr id="8" name="箭头: V 形 105"/>
+          <p:cNvSpPr/>
+          <p:nvPr/>
+        </p:nvSpPr>
+        <p:spPr>
+          <a:xfrm flipH="1">
+            <a:off x="6495589" y="4690780"/>
+            <a:ext cx="5696407" cy="1335448"/>
+          </a:xfrm>
+          <a:prstGeom prst="chevron">
+            <a:avLst>
+              <a:gd name="adj" fmla="val 29021"/>
+            </a:avLst>
+          </a:prstGeom>
+          <a:gradFill flip="none" rotWithShape="1">
+            <a:gsLst>
+              <a:gs pos="0">
+                <a:srgbClr val="F9AC7D"/>
+              </a:gs>
+              <a:gs pos="100000">
+                <a:srgbClr val="F28893"/>
+              </a:gs>
+            </a:gsLst>
+            <a:lin ang="0" scaled="1"/>
+            <a:tileRect/>
+          </a:gradFill>
+          <a:ln>
+            <a:noFill/>
+          </a:ln>
+        </p:spPr>
+        <p:style>
+          <a:lnRef idx="2">
+            <a:schemeClr val="accent1">
+              <a:shade val="50000"/>
+            </a:schemeClr>
+          </a:lnRef>
+          <a:fillRef idx="1">
+            <a:schemeClr val="accent1"/>
+          </a:fillRef>
+          <a:effectRef idx="0">
+            <a:schemeClr val="accent1"/>
+          </a:effectRef>
+          <a:fontRef idx="minor">
+            <a:schemeClr val="lt1"/>
+          </a:fontRef>
+        </p:style>
+        <p:txBody>
+          <a:bodyPr rtlCol="0" anchor="ctr"/>
+          <a:lstStyle>
+            <a:defPPr>
+              <a:defRPr lang="en-US">
+                <a:solidFill>
+                  <a:schemeClr val="lt1"/>
+                </a:solidFill>
+              </a:defRPr>
+            </a:defPPr>
+            <a:lvl1pPr marL="0" algn="l" defTabSz="685800" rtl="0" eaLnBrk="1" latinLnBrk="0" hangingPunct="1">
+              <a:defRPr sz="1350" kern="1200">
+                <a:solidFill>
+                  <a:schemeClr val="lt1"/>
+                </a:solidFill>
+                <a:latin typeface="+mn-lt"/>
+                <a:ea typeface="+mn-ea"/>
+                <a:cs typeface="+mn-cs"/>
+              </a:defRPr>
+            </a:lvl1pPr>
+            <a:lvl2pPr marL="342900" algn="l" defTabSz="685800" rtl="0" eaLnBrk="1" latinLnBrk="0" hangingPunct="1">
+              <a:defRPr sz="1350" kern="1200">
+                <a:solidFill>
+                  <a:schemeClr val="lt1"/>
+                </a:solidFill>
+                <a:latin typeface="+mn-lt"/>
+                <a:ea typeface="+mn-ea"/>
+                <a:cs typeface="+mn-cs"/>
+              </a:defRPr>
+            </a:lvl2pPr>
+            <a:lvl3pPr marL="685800" algn="l" defTabSz="685800" rtl="0" eaLnBrk="1" latinLnBrk="0" hangingPunct="1">
+              <a:defRPr sz="1350" kern="1200">
+                <a:solidFill>
+                  <a:schemeClr val="lt1"/>
+                </a:solidFill>
+                <a:latin typeface="+mn-lt"/>
+                <a:ea typeface="+mn-ea"/>
+                <a:cs typeface="+mn-cs"/>
+              </a:defRPr>
+            </a:lvl3pPr>
+            <a:lvl4pPr marL="1028700" algn="l" defTabSz="685800" rtl="0" eaLnBrk="1" latinLnBrk="0" hangingPunct="1">
+              <a:defRPr sz="1350" kern="1200">
+                <a:solidFill>
+                  <a:schemeClr val="lt1"/>
+                </a:solidFill>
+                <a:latin typeface="+mn-lt"/>
+                <a:ea typeface="+mn-ea"/>
+                <a:cs typeface="+mn-cs"/>
+              </a:defRPr>
+            </a:lvl4pPr>
+            <a:lvl5pPr marL="1371600" algn="l" defTabSz="685800" rtl="0" eaLnBrk="1" latinLnBrk="0" hangingPunct="1">
+              <a:defRPr sz="1350" kern="1200">
+                <a:solidFill>
+                  <a:schemeClr val="lt1"/>
+                </a:solidFill>
+                <a:latin typeface="+mn-lt"/>
+                <a:ea typeface="+mn-ea"/>
+                <a:cs typeface="+mn-cs"/>
+              </a:defRPr>
+            </a:lvl5pPr>
+            <a:lvl6pPr marL="1714500" algn="l" defTabSz="685800" rtl="0" eaLnBrk="1" latinLnBrk="0" hangingPunct="1">
+              <a:defRPr sz="1350" kern="1200">
+                <a:solidFill>
+                  <a:schemeClr val="lt1"/>
+                </a:solidFill>
+                <a:latin typeface="+mn-lt"/>
+                <a:ea typeface="+mn-ea"/>
+                <a:cs typeface="+mn-cs"/>
+              </a:defRPr>
+            </a:lvl6pPr>
+            <a:lvl7pPr marL="2057400" algn="l" defTabSz="685800" rtl="0" eaLnBrk="1" latinLnBrk="0" hangingPunct="1">
+              <a:defRPr sz="1350" kern="1200">
+                <a:solidFill>
+                  <a:schemeClr val="lt1"/>
+                </a:solidFill>
+                <a:latin typeface="+mn-lt"/>
+                <a:ea typeface="+mn-ea"/>
+                <a:cs typeface="+mn-cs"/>
+              </a:defRPr>
+            </a:lvl7pPr>
+            <a:lvl8pPr marL="2400300" algn="l" defTabSz="685800" rtl="0" eaLnBrk="1" latinLnBrk="0" hangingPunct="1">
+              <a:defRPr sz="1350" kern="1200">
+                <a:solidFill>
+                  <a:schemeClr val="lt1"/>
+                </a:solidFill>
+                <a:latin typeface="+mn-lt"/>
+                <a:ea typeface="+mn-ea"/>
+                <a:cs typeface="+mn-cs"/>
+              </a:defRPr>
+            </a:lvl8pPr>
+            <a:lvl9pPr marL="2743200" algn="l" defTabSz="685800" rtl="0" eaLnBrk="1" latinLnBrk="0" hangingPunct="1">
+              <a:defRPr sz="1350" kern="1200">
+                <a:solidFill>
+                  <a:schemeClr val="lt1"/>
+                </a:solidFill>
+                <a:latin typeface="+mn-lt"/>
+                <a:ea typeface="+mn-ea"/>
+                <a:cs typeface="+mn-cs"/>
+              </a:defRPr>
+            </a:lvl9pPr>
+          </a:lstStyle>
+          <a:p>
+            <a:pPr algn="ctr"/>
+            <a:r>
+              <a:rPr lang="es-ES" altLang="zh-CN" sz="2000" dirty="0" smtClean="0">
+                <a:solidFill>
+                  <a:schemeClr val="bg1"/>
+                </a:solidFill>
+              </a:rPr>
+              <a:t>La tabla </a:t>
+            </a:r>
+            <a:r>
+              <a:rPr lang="es-ES" altLang="zh-CN" sz="2000" dirty="0" err="1" smtClean="0">
+                <a:solidFill>
+                  <a:schemeClr val="bg1"/>
+                </a:solidFill>
+              </a:rPr>
+              <a:t>detalle_envio</a:t>
+            </a:r>
+            <a:r>
+              <a:rPr lang="es-ES" altLang="zh-CN" sz="2000" dirty="0" smtClean="0">
+                <a:solidFill>
+                  <a:schemeClr val="bg1"/>
+                </a:solidFill>
+              </a:rPr>
+              <a:t> detallara el avance en carretera que ha hecho una encomienda</a:t>
+            </a:r>
+            <a:endParaRPr lang="zh-CN" altLang="en-US" sz="2000" dirty="0">
+              <a:solidFill>
+                <a:schemeClr val="bg1"/>
+              </a:solidFill>
+            </a:endParaRPr>
+          </a:p>
+        </p:txBody>
+      </p:sp>
     </p:spTree>
     <p:extLst>
       <p:ext uri="{BB962C8B-B14F-4D97-AF65-F5344CB8AC3E}">
-        <p14:creationId xmlns:p14="http://schemas.microsoft.com/office/powerpoint/2010/main" val="2174911341"/>
+        <p14:creationId xmlns:p14="http://schemas.microsoft.com/office/powerpoint/2010/main" val="1970214700"/>
       </p:ext>
     </p:extLst>
   </p:cSld>
@@ -14684,8 +16860,8 @@
         </p:nvSpPr>
         <p:spPr>
           <a:xfrm flipH="1">
-            <a:off x="7250197" y="5279409"/>
-            <a:ext cx="4941803" cy="1028161"/>
+            <a:off x="6687238" y="79448"/>
+            <a:ext cx="5504760" cy="1028161"/>
           </a:xfrm>
           <a:prstGeom prst="chevron">
             <a:avLst>
@@ -14833,7 +17009,15 @@
                   <a:schemeClr val="bg1"/>
                 </a:solidFill>
               </a:rPr>
-              <a:t>El usuario…</a:t>
+              <a:t>El </a:t>
+            </a:r>
+            <a:r>
+              <a:rPr lang="es-ES" altLang="zh-CN" sz="2000" dirty="0" smtClean="0">
+                <a:solidFill>
+                  <a:schemeClr val="bg1"/>
+                </a:solidFill>
+              </a:rPr>
+              <a:t>usuario puede solicitar una asesoría migratoria, para la realización de una asesoría </a:t>
             </a:r>
             <a:endParaRPr lang="zh-CN" altLang="en-US" sz="2000" dirty="0">
               <a:solidFill>
@@ -14845,7 +17029,7 @@
       </p:sp>
       <p:pic>
         <p:nvPicPr>
-          <p:cNvPr id="5122" name="Picture 2"/>
+          <p:cNvPr id="4098" name="Picture 2"/>
           <p:cNvPicPr>
             <a:picLocks noChangeAspect="1" noChangeArrowheads="1"/>
           </p:cNvPicPr>
@@ -14866,8 +17050,8 @@
         </p:blipFill>
         <p:spPr bwMode="auto">
           <a:xfrm>
-            <a:off x="457199" y="267780"/>
-            <a:ext cx="6305551" cy="6371693"/>
+            <a:off x="471488" y="290059"/>
+            <a:ext cx="6058459" cy="6569961"/>
           </a:xfrm>
           <a:prstGeom prst="roundRect">
             <a:avLst>
@@ -14890,21 +17074,689 @@
           <a:effectLst>
             <a:reflection blurRad="12700" stA="38000" endPos="28000" dist="5000" dir="5400000" sy="-100000" algn="bl" rotWithShape="0"/>
           </a:effectLst>
-          <a:extLst>
-            <a:ext uri="{909E8E84-426E-40DD-AFC4-6F175D3DCCD1}">
-              <a14:hiddenFill xmlns:a14="http://schemas.microsoft.com/office/drawing/2010/main">
-                <a:solidFill>
-                  <a:schemeClr val="accent1"/>
-                </a:solidFill>
-              </a14:hiddenFill>
-            </a:ext>
-          </a:extLst>
+          <a:extLst/>
         </p:spPr>
       </p:pic>
+      <p:sp>
+        <p:nvSpPr>
+          <p:cNvPr id="5" name="箭头: V 形 105"/>
+          <p:cNvSpPr/>
+          <p:nvPr/>
+        </p:nvSpPr>
+        <p:spPr>
+          <a:xfrm flipH="1">
+            <a:off x="6687240" y="1211719"/>
+            <a:ext cx="5504760" cy="1028161"/>
+          </a:xfrm>
+          <a:prstGeom prst="chevron">
+            <a:avLst>
+              <a:gd name="adj" fmla="val 29021"/>
+            </a:avLst>
+          </a:prstGeom>
+          <a:gradFill flip="none" rotWithShape="1">
+            <a:gsLst>
+              <a:gs pos="0">
+                <a:srgbClr val="F9AC7D"/>
+              </a:gs>
+              <a:gs pos="100000">
+                <a:srgbClr val="F28893"/>
+              </a:gs>
+            </a:gsLst>
+            <a:lin ang="0" scaled="1"/>
+            <a:tileRect/>
+          </a:gradFill>
+          <a:ln>
+            <a:noFill/>
+          </a:ln>
+        </p:spPr>
+        <p:style>
+          <a:lnRef idx="2">
+            <a:schemeClr val="accent1">
+              <a:shade val="50000"/>
+            </a:schemeClr>
+          </a:lnRef>
+          <a:fillRef idx="1">
+            <a:schemeClr val="accent1"/>
+          </a:fillRef>
+          <a:effectRef idx="0">
+            <a:schemeClr val="accent1"/>
+          </a:effectRef>
+          <a:fontRef idx="minor">
+            <a:schemeClr val="lt1"/>
+          </a:fontRef>
+        </p:style>
+        <p:txBody>
+          <a:bodyPr rtlCol="0" anchor="ctr"/>
+          <a:lstStyle>
+            <a:defPPr>
+              <a:defRPr lang="en-US">
+                <a:solidFill>
+                  <a:schemeClr val="lt1"/>
+                </a:solidFill>
+              </a:defRPr>
+            </a:defPPr>
+            <a:lvl1pPr marL="0" algn="l" defTabSz="685800" rtl="0" eaLnBrk="1" latinLnBrk="0" hangingPunct="1">
+              <a:defRPr sz="1350" kern="1200">
+                <a:solidFill>
+                  <a:schemeClr val="lt1"/>
+                </a:solidFill>
+                <a:latin typeface="+mn-lt"/>
+                <a:ea typeface="+mn-ea"/>
+                <a:cs typeface="+mn-cs"/>
+              </a:defRPr>
+            </a:lvl1pPr>
+            <a:lvl2pPr marL="342900" algn="l" defTabSz="685800" rtl="0" eaLnBrk="1" latinLnBrk="0" hangingPunct="1">
+              <a:defRPr sz="1350" kern="1200">
+                <a:solidFill>
+                  <a:schemeClr val="lt1"/>
+                </a:solidFill>
+                <a:latin typeface="+mn-lt"/>
+                <a:ea typeface="+mn-ea"/>
+                <a:cs typeface="+mn-cs"/>
+              </a:defRPr>
+            </a:lvl2pPr>
+            <a:lvl3pPr marL="685800" algn="l" defTabSz="685800" rtl="0" eaLnBrk="1" latinLnBrk="0" hangingPunct="1">
+              <a:defRPr sz="1350" kern="1200">
+                <a:solidFill>
+                  <a:schemeClr val="lt1"/>
+                </a:solidFill>
+                <a:latin typeface="+mn-lt"/>
+                <a:ea typeface="+mn-ea"/>
+                <a:cs typeface="+mn-cs"/>
+              </a:defRPr>
+            </a:lvl3pPr>
+            <a:lvl4pPr marL="1028700" algn="l" defTabSz="685800" rtl="0" eaLnBrk="1" latinLnBrk="0" hangingPunct="1">
+              <a:defRPr sz="1350" kern="1200">
+                <a:solidFill>
+                  <a:schemeClr val="lt1"/>
+                </a:solidFill>
+                <a:latin typeface="+mn-lt"/>
+                <a:ea typeface="+mn-ea"/>
+                <a:cs typeface="+mn-cs"/>
+              </a:defRPr>
+            </a:lvl4pPr>
+            <a:lvl5pPr marL="1371600" algn="l" defTabSz="685800" rtl="0" eaLnBrk="1" latinLnBrk="0" hangingPunct="1">
+              <a:defRPr sz="1350" kern="1200">
+                <a:solidFill>
+                  <a:schemeClr val="lt1"/>
+                </a:solidFill>
+                <a:latin typeface="+mn-lt"/>
+                <a:ea typeface="+mn-ea"/>
+                <a:cs typeface="+mn-cs"/>
+              </a:defRPr>
+            </a:lvl5pPr>
+            <a:lvl6pPr marL="1714500" algn="l" defTabSz="685800" rtl="0" eaLnBrk="1" latinLnBrk="0" hangingPunct="1">
+              <a:defRPr sz="1350" kern="1200">
+                <a:solidFill>
+                  <a:schemeClr val="lt1"/>
+                </a:solidFill>
+                <a:latin typeface="+mn-lt"/>
+                <a:ea typeface="+mn-ea"/>
+                <a:cs typeface="+mn-cs"/>
+              </a:defRPr>
+            </a:lvl6pPr>
+            <a:lvl7pPr marL="2057400" algn="l" defTabSz="685800" rtl="0" eaLnBrk="1" latinLnBrk="0" hangingPunct="1">
+              <a:defRPr sz="1350" kern="1200">
+                <a:solidFill>
+                  <a:schemeClr val="lt1"/>
+                </a:solidFill>
+                <a:latin typeface="+mn-lt"/>
+                <a:ea typeface="+mn-ea"/>
+                <a:cs typeface="+mn-cs"/>
+              </a:defRPr>
+            </a:lvl7pPr>
+            <a:lvl8pPr marL="2400300" algn="l" defTabSz="685800" rtl="0" eaLnBrk="1" latinLnBrk="0" hangingPunct="1">
+              <a:defRPr sz="1350" kern="1200">
+                <a:solidFill>
+                  <a:schemeClr val="lt1"/>
+                </a:solidFill>
+                <a:latin typeface="+mn-lt"/>
+                <a:ea typeface="+mn-ea"/>
+                <a:cs typeface="+mn-cs"/>
+              </a:defRPr>
+            </a:lvl8pPr>
+            <a:lvl9pPr marL="2743200" algn="l" defTabSz="685800" rtl="0" eaLnBrk="1" latinLnBrk="0" hangingPunct="1">
+              <a:defRPr sz="1350" kern="1200">
+                <a:solidFill>
+                  <a:schemeClr val="lt1"/>
+                </a:solidFill>
+                <a:latin typeface="+mn-lt"/>
+                <a:ea typeface="+mn-ea"/>
+                <a:cs typeface="+mn-cs"/>
+              </a:defRPr>
+            </a:lvl9pPr>
+          </a:lstStyle>
+          <a:p>
+            <a:pPr algn="ctr"/>
+            <a:r>
+              <a:rPr lang="es-ES" altLang="zh-CN" sz="2000" dirty="0" smtClean="0">
+                <a:solidFill>
+                  <a:schemeClr val="bg1"/>
+                </a:solidFill>
+              </a:rPr>
+              <a:t>En la asesoría se llenaran todos los datos migratorios de los clientes y así llevar un registro para una futura </a:t>
+            </a:r>
+            <a:r>
+              <a:rPr lang="es-ES" altLang="zh-CN" sz="2000" dirty="0" err="1" smtClean="0">
+                <a:solidFill>
+                  <a:schemeClr val="bg1"/>
+                </a:solidFill>
+              </a:rPr>
+              <a:t>asesoria</a:t>
+            </a:r>
+            <a:endParaRPr lang="zh-CN" altLang="en-US" sz="2000" dirty="0">
+              <a:solidFill>
+                <a:schemeClr val="bg1"/>
+              </a:solidFill>
+            </a:endParaRPr>
+          </a:p>
+        </p:txBody>
+      </p:sp>
+      <p:sp>
+        <p:nvSpPr>
+          <p:cNvPr id="6" name="箭头: V 形 105"/>
+          <p:cNvSpPr/>
+          <p:nvPr/>
+        </p:nvSpPr>
+        <p:spPr>
+          <a:xfrm flipH="1">
+            <a:off x="6608593" y="2388607"/>
+            <a:ext cx="5504760" cy="1313730"/>
+          </a:xfrm>
+          <a:prstGeom prst="chevron">
+            <a:avLst>
+              <a:gd name="adj" fmla="val 29021"/>
+            </a:avLst>
+          </a:prstGeom>
+          <a:gradFill flip="none" rotWithShape="1">
+            <a:gsLst>
+              <a:gs pos="0">
+                <a:srgbClr val="F9AC7D"/>
+              </a:gs>
+              <a:gs pos="100000">
+                <a:srgbClr val="F28893"/>
+              </a:gs>
+            </a:gsLst>
+            <a:lin ang="0" scaled="1"/>
+            <a:tileRect/>
+          </a:gradFill>
+          <a:ln>
+            <a:noFill/>
+          </a:ln>
+        </p:spPr>
+        <p:style>
+          <a:lnRef idx="2">
+            <a:schemeClr val="accent1">
+              <a:shade val="50000"/>
+            </a:schemeClr>
+          </a:lnRef>
+          <a:fillRef idx="1">
+            <a:schemeClr val="accent1"/>
+          </a:fillRef>
+          <a:effectRef idx="0">
+            <a:schemeClr val="accent1"/>
+          </a:effectRef>
+          <a:fontRef idx="minor">
+            <a:schemeClr val="lt1"/>
+          </a:fontRef>
+        </p:style>
+        <p:txBody>
+          <a:bodyPr rtlCol="0" anchor="ctr"/>
+          <a:lstStyle>
+            <a:defPPr>
+              <a:defRPr lang="en-US">
+                <a:solidFill>
+                  <a:schemeClr val="lt1"/>
+                </a:solidFill>
+              </a:defRPr>
+            </a:defPPr>
+            <a:lvl1pPr marL="0" algn="l" defTabSz="685800" rtl="0" eaLnBrk="1" latinLnBrk="0" hangingPunct="1">
+              <a:defRPr sz="1350" kern="1200">
+                <a:solidFill>
+                  <a:schemeClr val="lt1"/>
+                </a:solidFill>
+                <a:latin typeface="+mn-lt"/>
+                <a:ea typeface="+mn-ea"/>
+                <a:cs typeface="+mn-cs"/>
+              </a:defRPr>
+            </a:lvl1pPr>
+            <a:lvl2pPr marL="342900" algn="l" defTabSz="685800" rtl="0" eaLnBrk="1" latinLnBrk="0" hangingPunct="1">
+              <a:defRPr sz="1350" kern="1200">
+                <a:solidFill>
+                  <a:schemeClr val="lt1"/>
+                </a:solidFill>
+                <a:latin typeface="+mn-lt"/>
+                <a:ea typeface="+mn-ea"/>
+                <a:cs typeface="+mn-cs"/>
+              </a:defRPr>
+            </a:lvl2pPr>
+            <a:lvl3pPr marL="685800" algn="l" defTabSz="685800" rtl="0" eaLnBrk="1" latinLnBrk="0" hangingPunct="1">
+              <a:defRPr sz="1350" kern="1200">
+                <a:solidFill>
+                  <a:schemeClr val="lt1"/>
+                </a:solidFill>
+                <a:latin typeface="+mn-lt"/>
+                <a:ea typeface="+mn-ea"/>
+                <a:cs typeface="+mn-cs"/>
+              </a:defRPr>
+            </a:lvl3pPr>
+            <a:lvl4pPr marL="1028700" algn="l" defTabSz="685800" rtl="0" eaLnBrk="1" latinLnBrk="0" hangingPunct="1">
+              <a:defRPr sz="1350" kern="1200">
+                <a:solidFill>
+                  <a:schemeClr val="lt1"/>
+                </a:solidFill>
+                <a:latin typeface="+mn-lt"/>
+                <a:ea typeface="+mn-ea"/>
+                <a:cs typeface="+mn-cs"/>
+              </a:defRPr>
+            </a:lvl4pPr>
+            <a:lvl5pPr marL="1371600" algn="l" defTabSz="685800" rtl="0" eaLnBrk="1" latinLnBrk="0" hangingPunct="1">
+              <a:defRPr sz="1350" kern="1200">
+                <a:solidFill>
+                  <a:schemeClr val="lt1"/>
+                </a:solidFill>
+                <a:latin typeface="+mn-lt"/>
+                <a:ea typeface="+mn-ea"/>
+                <a:cs typeface="+mn-cs"/>
+              </a:defRPr>
+            </a:lvl5pPr>
+            <a:lvl6pPr marL="1714500" algn="l" defTabSz="685800" rtl="0" eaLnBrk="1" latinLnBrk="0" hangingPunct="1">
+              <a:defRPr sz="1350" kern="1200">
+                <a:solidFill>
+                  <a:schemeClr val="lt1"/>
+                </a:solidFill>
+                <a:latin typeface="+mn-lt"/>
+                <a:ea typeface="+mn-ea"/>
+                <a:cs typeface="+mn-cs"/>
+              </a:defRPr>
+            </a:lvl6pPr>
+            <a:lvl7pPr marL="2057400" algn="l" defTabSz="685800" rtl="0" eaLnBrk="1" latinLnBrk="0" hangingPunct="1">
+              <a:defRPr sz="1350" kern="1200">
+                <a:solidFill>
+                  <a:schemeClr val="lt1"/>
+                </a:solidFill>
+                <a:latin typeface="+mn-lt"/>
+                <a:ea typeface="+mn-ea"/>
+                <a:cs typeface="+mn-cs"/>
+              </a:defRPr>
+            </a:lvl7pPr>
+            <a:lvl8pPr marL="2400300" algn="l" defTabSz="685800" rtl="0" eaLnBrk="1" latinLnBrk="0" hangingPunct="1">
+              <a:defRPr sz="1350" kern="1200">
+                <a:solidFill>
+                  <a:schemeClr val="lt1"/>
+                </a:solidFill>
+                <a:latin typeface="+mn-lt"/>
+                <a:ea typeface="+mn-ea"/>
+                <a:cs typeface="+mn-cs"/>
+              </a:defRPr>
+            </a:lvl8pPr>
+            <a:lvl9pPr marL="2743200" algn="l" defTabSz="685800" rtl="0" eaLnBrk="1" latinLnBrk="0" hangingPunct="1">
+              <a:defRPr sz="1350" kern="1200">
+                <a:solidFill>
+                  <a:schemeClr val="lt1"/>
+                </a:solidFill>
+                <a:latin typeface="+mn-lt"/>
+                <a:ea typeface="+mn-ea"/>
+                <a:cs typeface="+mn-cs"/>
+              </a:defRPr>
+            </a:lvl9pPr>
+          </a:lstStyle>
+          <a:p>
+            <a:pPr algn="ctr"/>
+            <a:r>
+              <a:rPr lang="es-ES" altLang="zh-CN" sz="2000" dirty="0" smtClean="0">
+                <a:solidFill>
+                  <a:schemeClr val="bg1"/>
+                </a:solidFill>
+              </a:rPr>
+              <a:t>La asesoría se hace a través de un formulario migratorio (actualmente se realiza a mano y luego es llenado en la pagina de la embajada americana)</a:t>
+            </a:r>
+            <a:endParaRPr lang="zh-CN" altLang="en-US" sz="2000" dirty="0">
+              <a:solidFill>
+                <a:schemeClr val="bg1"/>
+              </a:solidFill>
+            </a:endParaRPr>
+          </a:p>
+        </p:txBody>
+      </p:sp>
+      <p:sp>
+        <p:nvSpPr>
+          <p:cNvPr id="7" name="箭头: V 形 105"/>
+          <p:cNvSpPr/>
+          <p:nvPr/>
+        </p:nvSpPr>
+        <p:spPr>
+          <a:xfrm flipH="1">
+            <a:off x="6687238" y="3851064"/>
+            <a:ext cx="5504760" cy="1075446"/>
+          </a:xfrm>
+          <a:prstGeom prst="chevron">
+            <a:avLst>
+              <a:gd name="adj" fmla="val 29021"/>
+            </a:avLst>
+          </a:prstGeom>
+          <a:gradFill flip="none" rotWithShape="1">
+            <a:gsLst>
+              <a:gs pos="0">
+                <a:srgbClr val="F9AC7D"/>
+              </a:gs>
+              <a:gs pos="100000">
+                <a:srgbClr val="F28893"/>
+              </a:gs>
+            </a:gsLst>
+            <a:lin ang="0" scaled="1"/>
+            <a:tileRect/>
+          </a:gradFill>
+          <a:ln>
+            <a:noFill/>
+          </a:ln>
+        </p:spPr>
+        <p:style>
+          <a:lnRef idx="2">
+            <a:schemeClr val="accent1">
+              <a:shade val="50000"/>
+            </a:schemeClr>
+          </a:lnRef>
+          <a:fillRef idx="1">
+            <a:schemeClr val="accent1"/>
+          </a:fillRef>
+          <a:effectRef idx="0">
+            <a:schemeClr val="accent1"/>
+          </a:effectRef>
+          <a:fontRef idx="minor">
+            <a:schemeClr val="lt1"/>
+          </a:fontRef>
+        </p:style>
+        <p:txBody>
+          <a:bodyPr rtlCol="0" anchor="ctr"/>
+          <a:lstStyle>
+            <a:defPPr>
+              <a:defRPr lang="en-US">
+                <a:solidFill>
+                  <a:schemeClr val="lt1"/>
+                </a:solidFill>
+              </a:defRPr>
+            </a:defPPr>
+            <a:lvl1pPr marL="0" algn="l" defTabSz="685800" rtl="0" eaLnBrk="1" latinLnBrk="0" hangingPunct="1">
+              <a:defRPr sz="1350" kern="1200">
+                <a:solidFill>
+                  <a:schemeClr val="lt1"/>
+                </a:solidFill>
+                <a:latin typeface="+mn-lt"/>
+                <a:ea typeface="+mn-ea"/>
+                <a:cs typeface="+mn-cs"/>
+              </a:defRPr>
+            </a:lvl1pPr>
+            <a:lvl2pPr marL="342900" algn="l" defTabSz="685800" rtl="0" eaLnBrk="1" latinLnBrk="0" hangingPunct="1">
+              <a:defRPr sz="1350" kern="1200">
+                <a:solidFill>
+                  <a:schemeClr val="lt1"/>
+                </a:solidFill>
+                <a:latin typeface="+mn-lt"/>
+                <a:ea typeface="+mn-ea"/>
+                <a:cs typeface="+mn-cs"/>
+              </a:defRPr>
+            </a:lvl2pPr>
+            <a:lvl3pPr marL="685800" algn="l" defTabSz="685800" rtl="0" eaLnBrk="1" latinLnBrk="0" hangingPunct="1">
+              <a:defRPr sz="1350" kern="1200">
+                <a:solidFill>
+                  <a:schemeClr val="lt1"/>
+                </a:solidFill>
+                <a:latin typeface="+mn-lt"/>
+                <a:ea typeface="+mn-ea"/>
+                <a:cs typeface="+mn-cs"/>
+              </a:defRPr>
+            </a:lvl3pPr>
+            <a:lvl4pPr marL="1028700" algn="l" defTabSz="685800" rtl="0" eaLnBrk="1" latinLnBrk="0" hangingPunct="1">
+              <a:defRPr sz="1350" kern="1200">
+                <a:solidFill>
+                  <a:schemeClr val="lt1"/>
+                </a:solidFill>
+                <a:latin typeface="+mn-lt"/>
+                <a:ea typeface="+mn-ea"/>
+                <a:cs typeface="+mn-cs"/>
+              </a:defRPr>
+            </a:lvl4pPr>
+            <a:lvl5pPr marL="1371600" algn="l" defTabSz="685800" rtl="0" eaLnBrk="1" latinLnBrk="0" hangingPunct="1">
+              <a:defRPr sz="1350" kern="1200">
+                <a:solidFill>
+                  <a:schemeClr val="lt1"/>
+                </a:solidFill>
+                <a:latin typeface="+mn-lt"/>
+                <a:ea typeface="+mn-ea"/>
+                <a:cs typeface="+mn-cs"/>
+              </a:defRPr>
+            </a:lvl5pPr>
+            <a:lvl6pPr marL="1714500" algn="l" defTabSz="685800" rtl="0" eaLnBrk="1" latinLnBrk="0" hangingPunct="1">
+              <a:defRPr sz="1350" kern="1200">
+                <a:solidFill>
+                  <a:schemeClr val="lt1"/>
+                </a:solidFill>
+                <a:latin typeface="+mn-lt"/>
+                <a:ea typeface="+mn-ea"/>
+                <a:cs typeface="+mn-cs"/>
+              </a:defRPr>
+            </a:lvl6pPr>
+            <a:lvl7pPr marL="2057400" algn="l" defTabSz="685800" rtl="0" eaLnBrk="1" latinLnBrk="0" hangingPunct="1">
+              <a:defRPr sz="1350" kern="1200">
+                <a:solidFill>
+                  <a:schemeClr val="lt1"/>
+                </a:solidFill>
+                <a:latin typeface="+mn-lt"/>
+                <a:ea typeface="+mn-ea"/>
+                <a:cs typeface="+mn-cs"/>
+              </a:defRPr>
+            </a:lvl7pPr>
+            <a:lvl8pPr marL="2400300" algn="l" defTabSz="685800" rtl="0" eaLnBrk="1" latinLnBrk="0" hangingPunct="1">
+              <a:defRPr sz="1350" kern="1200">
+                <a:solidFill>
+                  <a:schemeClr val="lt1"/>
+                </a:solidFill>
+                <a:latin typeface="+mn-lt"/>
+                <a:ea typeface="+mn-ea"/>
+                <a:cs typeface="+mn-cs"/>
+              </a:defRPr>
+            </a:lvl8pPr>
+            <a:lvl9pPr marL="2743200" algn="l" defTabSz="685800" rtl="0" eaLnBrk="1" latinLnBrk="0" hangingPunct="1">
+              <a:defRPr sz="1350" kern="1200">
+                <a:solidFill>
+                  <a:schemeClr val="lt1"/>
+                </a:solidFill>
+                <a:latin typeface="+mn-lt"/>
+                <a:ea typeface="+mn-ea"/>
+                <a:cs typeface="+mn-cs"/>
+              </a:defRPr>
+            </a:lvl9pPr>
+          </a:lstStyle>
+          <a:p>
+            <a:pPr algn="ctr"/>
+            <a:r>
+              <a:rPr lang="es-ES" altLang="zh-CN" sz="2000" dirty="0" smtClean="0">
+                <a:solidFill>
+                  <a:schemeClr val="bg1"/>
+                </a:solidFill>
+              </a:rPr>
+              <a:t>Los formularios a su vez están conformados por una o muchas preguntas</a:t>
+            </a:r>
+            <a:endParaRPr lang="zh-CN" altLang="en-US" sz="2000" dirty="0">
+              <a:solidFill>
+                <a:schemeClr val="bg1"/>
+              </a:solidFill>
+            </a:endParaRPr>
+          </a:p>
+        </p:txBody>
+      </p:sp>
+      <p:sp>
+        <p:nvSpPr>
+          <p:cNvPr id="8" name="箭头: V 形 105"/>
+          <p:cNvSpPr/>
+          <p:nvPr/>
+        </p:nvSpPr>
+        <p:spPr>
+          <a:xfrm flipH="1">
+            <a:off x="6687240" y="4983335"/>
+            <a:ext cx="5504760" cy="1075446"/>
+          </a:xfrm>
+          <a:prstGeom prst="chevron">
+            <a:avLst>
+              <a:gd name="adj" fmla="val 29021"/>
+            </a:avLst>
+          </a:prstGeom>
+          <a:gradFill flip="none" rotWithShape="1">
+            <a:gsLst>
+              <a:gs pos="0">
+                <a:srgbClr val="F9AC7D"/>
+              </a:gs>
+              <a:gs pos="100000">
+                <a:srgbClr val="F28893"/>
+              </a:gs>
+            </a:gsLst>
+            <a:lin ang="0" scaled="1"/>
+            <a:tileRect/>
+          </a:gradFill>
+          <a:ln>
+            <a:noFill/>
+          </a:ln>
+        </p:spPr>
+        <p:style>
+          <a:lnRef idx="2">
+            <a:schemeClr val="accent1">
+              <a:shade val="50000"/>
+            </a:schemeClr>
+          </a:lnRef>
+          <a:fillRef idx="1">
+            <a:schemeClr val="accent1"/>
+          </a:fillRef>
+          <a:effectRef idx="0">
+            <a:schemeClr val="accent1"/>
+          </a:effectRef>
+          <a:fontRef idx="minor">
+            <a:schemeClr val="lt1"/>
+          </a:fontRef>
+        </p:style>
+        <p:txBody>
+          <a:bodyPr rtlCol="0" anchor="ctr"/>
+          <a:lstStyle>
+            <a:defPPr>
+              <a:defRPr lang="en-US">
+                <a:solidFill>
+                  <a:schemeClr val="lt1"/>
+                </a:solidFill>
+              </a:defRPr>
+            </a:defPPr>
+            <a:lvl1pPr marL="0" algn="l" defTabSz="685800" rtl="0" eaLnBrk="1" latinLnBrk="0" hangingPunct="1">
+              <a:defRPr sz="1350" kern="1200">
+                <a:solidFill>
+                  <a:schemeClr val="lt1"/>
+                </a:solidFill>
+                <a:latin typeface="+mn-lt"/>
+                <a:ea typeface="+mn-ea"/>
+                <a:cs typeface="+mn-cs"/>
+              </a:defRPr>
+            </a:lvl1pPr>
+            <a:lvl2pPr marL="342900" algn="l" defTabSz="685800" rtl="0" eaLnBrk="1" latinLnBrk="0" hangingPunct="1">
+              <a:defRPr sz="1350" kern="1200">
+                <a:solidFill>
+                  <a:schemeClr val="lt1"/>
+                </a:solidFill>
+                <a:latin typeface="+mn-lt"/>
+                <a:ea typeface="+mn-ea"/>
+                <a:cs typeface="+mn-cs"/>
+              </a:defRPr>
+            </a:lvl2pPr>
+            <a:lvl3pPr marL="685800" algn="l" defTabSz="685800" rtl="0" eaLnBrk="1" latinLnBrk="0" hangingPunct="1">
+              <a:defRPr sz="1350" kern="1200">
+                <a:solidFill>
+                  <a:schemeClr val="lt1"/>
+                </a:solidFill>
+                <a:latin typeface="+mn-lt"/>
+                <a:ea typeface="+mn-ea"/>
+                <a:cs typeface="+mn-cs"/>
+              </a:defRPr>
+            </a:lvl3pPr>
+            <a:lvl4pPr marL="1028700" algn="l" defTabSz="685800" rtl="0" eaLnBrk="1" latinLnBrk="0" hangingPunct="1">
+              <a:defRPr sz="1350" kern="1200">
+                <a:solidFill>
+                  <a:schemeClr val="lt1"/>
+                </a:solidFill>
+                <a:latin typeface="+mn-lt"/>
+                <a:ea typeface="+mn-ea"/>
+                <a:cs typeface="+mn-cs"/>
+              </a:defRPr>
+            </a:lvl4pPr>
+            <a:lvl5pPr marL="1371600" algn="l" defTabSz="685800" rtl="0" eaLnBrk="1" latinLnBrk="0" hangingPunct="1">
+              <a:defRPr sz="1350" kern="1200">
+                <a:solidFill>
+                  <a:schemeClr val="lt1"/>
+                </a:solidFill>
+                <a:latin typeface="+mn-lt"/>
+                <a:ea typeface="+mn-ea"/>
+                <a:cs typeface="+mn-cs"/>
+              </a:defRPr>
+            </a:lvl5pPr>
+            <a:lvl6pPr marL="1714500" algn="l" defTabSz="685800" rtl="0" eaLnBrk="1" latinLnBrk="0" hangingPunct="1">
+              <a:defRPr sz="1350" kern="1200">
+                <a:solidFill>
+                  <a:schemeClr val="lt1"/>
+                </a:solidFill>
+                <a:latin typeface="+mn-lt"/>
+                <a:ea typeface="+mn-ea"/>
+                <a:cs typeface="+mn-cs"/>
+              </a:defRPr>
+            </a:lvl6pPr>
+            <a:lvl7pPr marL="2057400" algn="l" defTabSz="685800" rtl="0" eaLnBrk="1" latinLnBrk="0" hangingPunct="1">
+              <a:defRPr sz="1350" kern="1200">
+                <a:solidFill>
+                  <a:schemeClr val="lt1"/>
+                </a:solidFill>
+                <a:latin typeface="+mn-lt"/>
+                <a:ea typeface="+mn-ea"/>
+                <a:cs typeface="+mn-cs"/>
+              </a:defRPr>
+            </a:lvl7pPr>
+            <a:lvl8pPr marL="2400300" algn="l" defTabSz="685800" rtl="0" eaLnBrk="1" latinLnBrk="0" hangingPunct="1">
+              <a:defRPr sz="1350" kern="1200">
+                <a:solidFill>
+                  <a:schemeClr val="lt1"/>
+                </a:solidFill>
+                <a:latin typeface="+mn-lt"/>
+                <a:ea typeface="+mn-ea"/>
+                <a:cs typeface="+mn-cs"/>
+              </a:defRPr>
+            </a:lvl8pPr>
+            <a:lvl9pPr marL="2743200" algn="l" defTabSz="685800" rtl="0" eaLnBrk="1" latinLnBrk="0" hangingPunct="1">
+              <a:defRPr sz="1350" kern="1200">
+                <a:solidFill>
+                  <a:schemeClr val="lt1"/>
+                </a:solidFill>
+                <a:latin typeface="+mn-lt"/>
+                <a:ea typeface="+mn-ea"/>
+                <a:cs typeface="+mn-cs"/>
+              </a:defRPr>
+            </a:lvl9pPr>
+          </a:lstStyle>
+          <a:p>
+            <a:pPr algn="ctr"/>
+            <a:r>
+              <a:rPr lang="es-ES" altLang="zh-CN" sz="2000" dirty="0" smtClean="0">
+                <a:solidFill>
+                  <a:schemeClr val="bg1"/>
+                </a:solidFill>
+              </a:rPr>
+              <a:t>Los Usuarios podrán realizar sitas para el pago de servicios si no desean hacerlo a través de internet, o para la cotización de otros servicios</a:t>
+            </a:r>
+            <a:endParaRPr lang="zh-CN" altLang="en-US" sz="2000" dirty="0">
+              <a:solidFill>
+                <a:schemeClr val="bg1"/>
+              </a:solidFill>
+            </a:endParaRPr>
+          </a:p>
+        </p:txBody>
+      </p:sp>
     </p:spTree>
     <p:extLst>
       <p:ext uri="{BB962C8B-B14F-4D97-AF65-F5344CB8AC3E}">
-        <p14:creationId xmlns:p14="http://schemas.microsoft.com/office/powerpoint/2010/main" val="4110398210"/>
+        <p14:creationId xmlns:p14="http://schemas.microsoft.com/office/powerpoint/2010/main" val="2174911341"/>
       </p:ext>
     </p:extLst>
   </p:cSld>
@@ -15017,8 +17869,8 @@
         </p:nvSpPr>
         <p:spPr>
           <a:xfrm flipH="1">
-            <a:off x="7250197" y="5279409"/>
-            <a:ext cx="4941803" cy="1028161"/>
+            <a:off x="6762749" y="0"/>
+            <a:ext cx="5429250" cy="1551543"/>
           </a:xfrm>
           <a:prstGeom prst="chevron">
             <a:avLst>
@@ -15161,12 +18013,12 @@
           <a:p>
             <a:pPr algn="ctr"/>
             <a:r>
-              <a:rPr lang="es-ES" altLang="zh-CN" sz="2000" dirty="0" smtClean="0">
+              <a:rPr lang="es-SV" altLang="zh-CN" sz="2000" dirty="0" smtClean="0">
                 <a:solidFill>
                   <a:schemeClr val="bg1"/>
                 </a:solidFill>
               </a:rPr>
-              <a:t>El usuario…</a:t>
+              <a:t>La tabla tours-paquetes detallaran la información general de los viajes costos fechas entre otros datos y un tipo para diferenciar si es un paquete o tour</a:t>
             </a:r>
             <a:endParaRPr lang="zh-CN" altLang="en-US" sz="2000" dirty="0">
               <a:solidFill>
@@ -15178,7 +18030,7 @@
       </p:sp>
       <p:pic>
         <p:nvPicPr>
-          <p:cNvPr id="6146" name="Picture 2"/>
+          <p:cNvPr id="5122" name="Picture 2"/>
           <p:cNvPicPr>
             <a:picLocks noChangeAspect="1" noChangeArrowheads="1"/>
           </p:cNvPicPr>
@@ -15199,8 +18051,8 @@
         </p:blipFill>
         <p:spPr bwMode="auto">
           <a:xfrm>
-            <a:off x="504825" y="838200"/>
-            <a:ext cx="5591175" cy="5010670"/>
+            <a:off x="457199" y="267780"/>
+            <a:ext cx="6305551" cy="6371693"/>
           </a:xfrm>
           <a:prstGeom prst="roundRect">
             <a:avLst>
@@ -15223,21 +18075,377 @@
           <a:effectLst>
             <a:reflection blurRad="12700" stA="38000" endPos="28000" dist="5000" dir="5400000" sy="-100000" algn="bl" rotWithShape="0"/>
           </a:effectLst>
-          <a:extLst>
-            <a:ext uri="{909E8E84-426E-40DD-AFC4-6F175D3DCCD1}">
-              <a14:hiddenFill xmlns:a14="http://schemas.microsoft.com/office/drawing/2010/main">
-                <a:solidFill>
-                  <a:schemeClr val="accent1"/>
-                </a:solidFill>
-              </a14:hiddenFill>
-            </a:ext>
-          </a:extLst>
+          <a:extLst/>
         </p:spPr>
       </p:pic>
+      <p:pic>
+        <p:nvPicPr>
+          <p:cNvPr id="2" name="Imagen 1"/>
+          <p:cNvPicPr>
+            <a:picLocks noChangeAspect="1"/>
+          </p:cNvPicPr>
+          <p:nvPr/>
+        </p:nvPicPr>
+        <p:blipFill>
+          <a:blip r:embed="rId3">
+            <a:extLst>
+              <a:ext uri="{28A0092B-C50C-407E-A947-70E740481C1C}">
+                <a14:useLocalDpi xmlns:a14="http://schemas.microsoft.com/office/drawing/2010/main" val="0"/>
+              </a:ext>
+            </a:extLst>
+          </a:blip>
+          <a:stretch>
+            <a:fillRect/>
+          </a:stretch>
+        </p:blipFill>
+        <p:spPr>
+          <a:xfrm>
+            <a:off x="2947673" y="4030910"/>
+            <a:ext cx="1093908" cy="1984299"/>
+          </a:xfrm>
+          <a:prstGeom prst="rect">
+            <a:avLst/>
+          </a:prstGeom>
+        </p:spPr>
+      </p:pic>
+      <p:sp>
+        <p:nvSpPr>
+          <p:cNvPr id="6" name="箭头: V 形 105"/>
+          <p:cNvSpPr/>
+          <p:nvPr/>
+        </p:nvSpPr>
+        <p:spPr>
+          <a:xfrm flipH="1">
+            <a:off x="6762749" y="1673255"/>
+            <a:ext cx="5429250" cy="1028161"/>
+          </a:xfrm>
+          <a:prstGeom prst="chevron">
+            <a:avLst>
+              <a:gd name="adj" fmla="val 29021"/>
+            </a:avLst>
+          </a:prstGeom>
+          <a:gradFill flip="none" rotWithShape="1">
+            <a:gsLst>
+              <a:gs pos="0">
+                <a:srgbClr val="F9AC7D"/>
+              </a:gs>
+              <a:gs pos="100000">
+                <a:srgbClr val="F28893"/>
+              </a:gs>
+            </a:gsLst>
+            <a:lin ang="0" scaled="1"/>
+            <a:tileRect/>
+          </a:gradFill>
+          <a:ln>
+            <a:noFill/>
+          </a:ln>
+        </p:spPr>
+        <p:style>
+          <a:lnRef idx="2">
+            <a:schemeClr val="accent1">
+              <a:shade val="50000"/>
+            </a:schemeClr>
+          </a:lnRef>
+          <a:fillRef idx="1">
+            <a:schemeClr val="accent1"/>
+          </a:fillRef>
+          <a:effectRef idx="0">
+            <a:schemeClr val="accent1"/>
+          </a:effectRef>
+          <a:fontRef idx="minor">
+            <a:schemeClr val="lt1"/>
+          </a:fontRef>
+        </p:style>
+        <p:txBody>
+          <a:bodyPr rtlCol="0" anchor="ctr"/>
+          <a:lstStyle>
+            <a:defPPr>
+              <a:defRPr lang="en-US">
+                <a:solidFill>
+                  <a:schemeClr val="lt1"/>
+                </a:solidFill>
+              </a:defRPr>
+            </a:defPPr>
+            <a:lvl1pPr marL="0" algn="l" defTabSz="685800" rtl="0" eaLnBrk="1" latinLnBrk="0" hangingPunct="1">
+              <a:defRPr sz="1350" kern="1200">
+                <a:solidFill>
+                  <a:schemeClr val="lt1"/>
+                </a:solidFill>
+                <a:latin typeface="+mn-lt"/>
+                <a:ea typeface="+mn-ea"/>
+                <a:cs typeface="+mn-cs"/>
+              </a:defRPr>
+            </a:lvl1pPr>
+            <a:lvl2pPr marL="342900" algn="l" defTabSz="685800" rtl="0" eaLnBrk="1" latinLnBrk="0" hangingPunct="1">
+              <a:defRPr sz="1350" kern="1200">
+                <a:solidFill>
+                  <a:schemeClr val="lt1"/>
+                </a:solidFill>
+                <a:latin typeface="+mn-lt"/>
+                <a:ea typeface="+mn-ea"/>
+                <a:cs typeface="+mn-cs"/>
+              </a:defRPr>
+            </a:lvl2pPr>
+            <a:lvl3pPr marL="685800" algn="l" defTabSz="685800" rtl="0" eaLnBrk="1" latinLnBrk="0" hangingPunct="1">
+              <a:defRPr sz="1350" kern="1200">
+                <a:solidFill>
+                  <a:schemeClr val="lt1"/>
+                </a:solidFill>
+                <a:latin typeface="+mn-lt"/>
+                <a:ea typeface="+mn-ea"/>
+                <a:cs typeface="+mn-cs"/>
+              </a:defRPr>
+            </a:lvl3pPr>
+            <a:lvl4pPr marL="1028700" algn="l" defTabSz="685800" rtl="0" eaLnBrk="1" latinLnBrk="0" hangingPunct="1">
+              <a:defRPr sz="1350" kern="1200">
+                <a:solidFill>
+                  <a:schemeClr val="lt1"/>
+                </a:solidFill>
+                <a:latin typeface="+mn-lt"/>
+                <a:ea typeface="+mn-ea"/>
+                <a:cs typeface="+mn-cs"/>
+              </a:defRPr>
+            </a:lvl4pPr>
+            <a:lvl5pPr marL="1371600" algn="l" defTabSz="685800" rtl="0" eaLnBrk="1" latinLnBrk="0" hangingPunct="1">
+              <a:defRPr sz="1350" kern="1200">
+                <a:solidFill>
+                  <a:schemeClr val="lt1"/>
+                </a:solidFill>
+                <a:latin typeface="+mn-lt"/>
+                <a:ea typeface="+mn-ea"/>
+                <a:cs typeface="+mn-cs"/>
+              </a:defRPr>
+            </a:lvl5pPr>
+            <a:lvl6pPr marL="1714500" algn="l" defTabSz="685800" rtl="0" eaLnBrk="1" latinLnBrk="0" hangingPunct="1">
+              <a:defRPr sz="1350" kern="1200">
+                <a:solidFill>
+                  <a:schemeClr val="lt1"/>
+                </a:solidFill>
+                <a:latin typeface="+mn-lt"/>
+                <a:ea typeface="+mn-ea"/>
+                <a:cs typeface="+mn-cs"/>
+              </a:defRPr>
+            </a:lvl6pPr>
+            <a:lvl7pPr marL="2057400" algn="l" defTabSz="685800" rtl="0" eaLnBrk="1" latinLnBrk="0" hangingPunct="1">
+              <a:defRPr sz="1350" kern="1200">
+                <a:solidFill>
+                  <a:schemeClr val="lt1"/>
+                </a:solidFill>
+                <a:latin typeface="+mn-lt"/>
+                <a:ea typeface="+mn-ea"/>
+                <a:cs typeface="+mn-cs"/>
+              </a:defRPr>
+            </a:lvl7pPr>
+            <a:lvl8pPr marL="2400300" algn="l" defTabSz="685800" rtl="0" eaLnBrk="1" latinLnBrk="0" hangingPunct="1">
+              <a:defRPr sz="1350" kern="1200">
+                <a:solidFill>
+                  <a:schemeClr val="lt1"/>
+                </a:solidFill>
+                <a:latin typeface="+mn-lt"/>
+                <a:ea typeface="+mn-ea"/>
+                <a:cs typeface="+mn-cs"/>
+              </a:defRPr>
+            </a:lvl8pPr>
+            <a:lvl9pPr marL="2743200" algn="l" defTabSz="685800" rtl="0" eaLnBrk="1" latinLnBrk="0" hangingPunct="1">
+              <a:defRPr sz="1350" kern="1200">
+                <a:solidFill>
+                  <a:schemeClr val="lt1"/>
+                </a:solidFill>
+                <a:latin typeface="+mn-lt"/>
+                <a:ea typeface="+mn-ea"/>
+                <a:cs typeface="+mn-cs"/>
+              </a:defRPr>
+            </a:lvl9pPr>
+          </a:lstStyle>
+          <a:p>
+            <a:pPr algn="ctr"/>
+            <a:r>
+              <a:rPr lang="es-SV" altLang="zh-CN" sz="2000" dirty="0" smtClean="0">
+                <a:solidFill>
+                  <a:schemeClr val="bg1"/>
+                </a:solidFill>
+              </a:rPr>
+              <a:t>Un tour-paquete puede tener uno o muchos contactos que son los que brindaran servicios en medio del viaje</a:t>
+            </a:r>
+            <a:endParaRPr lang="zh-CN" altLang="en-US" sz="2000" dirty="0">
+              <a:solidFill>
+                <a:schemeClr val="bg1"/>
+              </a:solidFill>
+            </a:endParaRPr>
+          </a:p>
+        </p:txBody>
+      </p:sp>
+      <p:sp>
+        <p:nvSpPr>
+          <p:cNvPr id="7" name="箭头: V 形 105"/>
+          <p:cNvSpPr/>
+          <p:nvPr/>
+        </p:nvSpPr>
+        <p:spPr>
+          <a:xfrm flipH="1">
+            <a:off x="6762749" y="2823128"/>
+            <a:ext cx="5429250" cy="1207782"/>
+          </a:xfrm>
+          <a:prstGeom prst="chevron">
+            <a:avLst>
+              <a:gd name="adj" fmla="val 29021"/>
+            </a:avLst>
+          </a:prstGeom>
+          <a:gradFill flip="none" rotWithShape="1">
+            <a:gsLst>
+              <a:gs pos="0">
+                <a:srgbClr val="F9AC7D"/>
+              </a:gs>
+              <a:gs pos="100000">
+                <a:srgbClr val="F28893"/>
+              </a:gs>
+            </a:gsLst>
+            <a:lin ang="0" scaled="1"/>
+            <a:tileRect/>
+          </a:gradFill>
+          <a:ln>
+            <a:noFill/>
+          </a:ln>
+        </p:spPr>
+        <p:style>
+          <a:lnRef idx="2">
+            <a:schemeClr val="accent1">
+              <a:shade val="50000"/>
+            </a:schemeClr>
+          </a:lnRef>
+          <a:fillRef idx="1">
+            <a:schemeClr val="accent1"/>
+          </a:fillRef>
+          <a:effectRef idx="0">
+            <a:schemeClr val="accent1"/>
+          </a:effectRef>
+          <a:fontRef idx="minor">
+            <a:schemeClr val="lt1"/>
+          </a:fontRef>
+        </p:style>
+        <p:txBody>
+          <a:bodyPr rtlCol="0" anchor="ctr"/>
+          <a:lstStyle>
+            <a:defPPr>
+              <a:defRPr lang="en-US">
+                <a:solidFill>
+                  <a:schemeClr val="lt1"/>
+                </a:solidFill>
+              </a:defRPr>
+            </a:defPPr>
+            <a:lvl1pPr marL="0" algn="l" defTabSz="685800" rtl="0" eaLnBrk="1" latinLnBrk="0" hangingPunct="1">
+              <a:defRPr sz="1350" kern="1200">
+                <a:solidFill>
+                  <a:schemeClr val="lt1"/>
+                </a:solidFill>
+                <a:latin typeface="+mn-lt"/>
+                <a:ea typeface="+mn-ea"/>
+                <a:cs typeface="+mn-cs"/>
+              </a:defRPr>
+            </a:lvl1pPr>
+            <a:lvl2pPr marL="342900" algn="l" defTabSz="685800" rtl="0" eaLnBrk="1" latinLnBrk="0" hangingPunct="1">
+              <a:defRPr sz="1350" kern="1200">
+                <a:solidFill>
+                  <a:schemeClr val="lt1"/>
+                </a:solidFill>
+                <a:latin typeface="+mn-lt"/>
+                <a:ea typeface="+mn-ea"/>
+                <a:cs typeface="+mn-cs"/>
+              </a:defRPr>
+            </a:lvl2pPr>
+            <a:lvl3pPr marL="685800" algn="l" defTabSz="685800" rtl="0" eaLnBrk="1" latinLnBrk="0" hangingPunct="1">
+              <a:defRPr sz="1350" kern="1200">
+                <a:solidFill>
+                  <a:schemeClr val="lt1"/>
+                </a:solidFill>
+                <a:latin typeface="+mn-lt"/>
+                <a:ea typeface="+mn-ea"/>
+                <a:cs typeface="+mn-cs"/>
+              </a:defRPr>
+            </a:lvl3pPr>
+            <a:lvl4pPr marL="1028700" algn="l" defTabSz="685800" rtl="0" eaLnBrk="1" latinLnBrk="0" hangingPunct="1">
+              <a:defRPr sz="1350" kern="1200">
+                <a:solidFill>
+                  <a:schemeClr val="lt1"/>
+                </a:solidFill>
+                <a:latin typeface="+mn-lt"/>
+                <a:ea typeface="+mn-ea"/>
+                <a:cs typeface="+mn-cs"/>
+              </a:defRPr>
+            </a:lvl4pPr>
+            <a:lvl5pPr marL="1371600" algn="l" defTabSz="685800" rtl="0" eaLnBrk="1" latinLnBrk="0" hangingPunct="1">
+              <a:defRPr sz="1350" kern="1200">
+                <a:solidFill>
+                  <a:schemeClr val="lt1"/>
+                </a:solidFill>
+                <a:latin typeface="+mn-lt"/>
+                <a:ea typeface="+mn-ea"/>
+                <a:cs typeface="+mn-cs"/>
+              </a:defRPr>
+            </a:lvl5pPr>
+            <a:lvl6pPr marL="1714500" algn="l" defTabSz="685800" rtl="0" eaLnBrk="1" latinLnBrk="0" hangingPunct="1">
+              <a:defRPr sz="1350" kern="1200">
+                <a:solidFill>
+                  <a:schemeClr val="lt1"/>
+                </a:solidFill>
+                <a:latin typeface="+mn-lt"/>
+                <a:ea typeface="+mn-ea"/>
+                <a:cs typeface="+mn-cs"/>
+              </a:defRPr>
+            </a:lvl6pPr>
+            <a:lvl7pPr marL="2057400" algn="l" defTabSz="685800" rtl="0" eaLnBrk="1" latinLnBrk="0" hangingPunct="1">
+              <a:defRPr sz="1350" kern="1200">
+                <a:solidFill>
+                  <a:schemeClr val="lt1"/>
+                </a:solidFill>
+                <a:latin typeface="+mn-lt"/>
+                <a:ea typeface="+mn-ea"/>
+                <a:cs typeface="+mn-cs"/>
+              </a:defRPr>
+            </a:lvl7pPr>
+            <a:lvl8pPr marL="2400300" algn="l" defTabSz="685800" rtl="0" eaLnBrk="1" latinLnBrk="0" hangingPunct="1">
+              <a:defRPr sz="1350" kern="1200">
+                <a:solidFill>
+                  <a:schemeClr val="lt1"/>
+                </a:solidFill>
+                <a:latin typeface="+mn-lt"/>
+                <a:ea typeface="+mn-ea"/>
+                <a:cs typeface="+mn-cs"/>
+              </a:defRPr>
+            </a:lvl8pPr>
+            <a:lvl9pPr marL="2743200" algn="l" defTabSz="685800" rtl="0" eaLnBrk="1" latinLnBrk="0" hangingPunct="1">
+              <a:defRPr sz="1350" kern="1200">
+                <a:solidFill>
+                  <a:schemeClr val="lt1"/>
+                </a:solidFill>
+                <a:latin typeface="+mn-lt"/>
+                <a:ea typeface="+mn-ea"/>
+                <a:cs typeface="+mn-cs"/>
+              </a:defRPr>
+            </a:lvl9pPr>
+          </a:lstStyle>
+          <a:p>
+            <a:pPr algn="ctr"/>
+            <a:r>
+              <a:rPr lang="es-SV" altLang="zh-CN" sz="2000" dirty="0" smtClean="0">
+                <a:solidFill>
+                  <a:schemeClr val="bg1"/>
+                </a:solidFill>
+              </a:rPr>
+              <a:t>Un usuario puede realizar reservas detallando cuantos asientos desea, si los ocupara un bebe, niño o adulto, y si es apto a un descuento</a:t>
+            </a:r>
+            <a:endParaRPr lang="zh-CN" altLang="en-US" sz="2000" dirty="0">
+              <a:solidFill>
+                <a:schemeClr val="bg1"/>
+              </a:solidFill>
+            </a:endParaRPr>
+          </a:p>
+        </p:txBody>
+      </p:sp>
     </p:spTree>
     <p:extLst>
       <p:ext uri="{BB962C8B-B14F-4D97-AF65-F5344CB8AC3E}">
-        <p14:creationId xmlns:p14="http://schemas.microsoft.com/office/powerpoint/2010/main" val="1792306883"/>
+        <p14:creationId xmlns:p14="http://schemas.microsoft.com/office/powerpoint/2010/main" val="4110398210"/>
       </p:ext>
     </p:extLst>
   </p:cSld>
@@ -15461,7 +18669,7 @@
   <a:extraClrSchemeLst/>
   <a:extLst>
     <a:ext uri="{05A4C25C-085E-4340-85A3-A5531E510DB2}">
-      <thm15:themeFamily xmlns:thm15="http://schemas.microsoft.com/office/thememl/2012/main" xmlns="" name="Office Theme" id="{62F939B6-93AF-4DB8-9C6B-D6C7DFDC589F}" vid="{4A3C46E8-61CC-4603-A589-7422A47A8E4A}"/>
+      <thm15:themeFamily xmlns:thm15="http://schemas.microsoft.com/office/thememl/2012/main" name="Office Theme" id="{62F939B6-93AF-4DB8-9C6B-D6C7DFDC589F}" vid="{4A3C46E8-61CC-4603-A589-7422A47A8E4A}"/>
     </a:ext>
   </a:extLst>
 </a:theme>
@@ -15662,7 +18870,7 @@
   <a:extraClrSchemeLst/>
   <a:extLst>
     <a:ext uri="{05A4C25C-085E-4340-85A3-A5531E510DB2}">
-      <thm15:themeFamily xmlns:thm15="http://schemas.microsoft.com/office/thememl/2012/main" xmlns="" name="Office Theme" id="{62F939B6-93AF-4DB8-9C6B-D6C7DFDC589F}" vid="{4A3C46E8-61CC-4603-A589-7422A47A8E4A}"/>
+      <thm15:themeFamily xmlns:thm15="http://schemas.microsoft.com/office/thememl/2012/main" name="Office Theme" id="{62F939B6-93AF-4DB8-9C6B-D6C7DFDC589F}" vid="{4A3C46E8-61CC-4603-A589-7422A47A8E4A}"/>
     </a:ext>
   </a:extLst>
 </a:theme>
@@ -15863,7 +19071,7 @@
   <a:extraClrSchemeLst/>
   <a:extLst>
     <a:ext uri="{05A4C25C-085E-4340-85A3-A5531E510DB2}">
-      <thm15:themeFamily xmlns:thm15="http://schemas.microsoft.com/office/thememl/2012/main" xmlns="" name="Office Theme" id="{62F939B6-93AF-4DB8-9C6B-D6C7DFDC589F}" vid="{4A3C46E8-61CC-4603-A589-7422A47A8E4A}"/>
+      <thm15:themeFamily xmlns:thm15="http://schemas.microsoft.com/office/thememl/2012/main" name="Office Theme" id="{62F939B6-93AF-4DB8-9C6B-D6C7DFDC589F}" vid="{4A3C46E8-61CC-4603-A589-7422A47A8E4A}"/>
     </a:ext>
   </a:extLst>
 </a:theme>
@@ -16064,7 +19272,7 @@
   <a:extraClrSchemeLst/>
   <a:extLst>
     <a:ext uri="{05A4C25C-085E-4340-85A3-A5531E510DB2}">
-      <thm15:themeFamily xmlns:thm15="http://schemas.microsoft.com/office/thememl/2012/main" xmlns="" name="Office Theme" id="{62F939B6-93AF-4DB8-9C6B-D6C7DFDC589F}" vid="{4A3C46E8-61CC-4603-A589-7422A47A8E4A}"/>
+      <thm15:themeFamily xmlns:thm15="http://schemas.microsoft.com/office/thememl/2012/main" name="Office Theme" id="{62F939B6-93AF-4DB8-9C6B-D6C7DFDC589F}" vid="{4A3C46E8-61CC-4603-A589-7422A47A8E4A}"/>
     </a:ext>
   </a:extLst>
 </a:theme>
@@ -16265,7 +19473,7 @@
   <a:extraClrSchemeLst/>
   <a:extLst>
     <a:ext uri="{05A4C25C-085E-4340-85A3-A5531E510DB2}">
-      <thm15:themeFamily xmlns:thm15="http://schemas.microsoft.com/office/thememl/2012/main" xmlns="" name="Office Theme" id="{62F939B6-93AF-4DB8-9C6B-D6C7DFDC589F}" vid="{4A3C46E8-61CC-4603-A589-7422A47A8E4A}"/>
+      <thm15:themeFamily xmlns:thm15="http://schemas.microsoft.com/office/thememl/2012/main" name="Office Theme" id="{62F939B6-93AF-4DB8-9C6B-D6C7DFDC589F}" vid="{4A3C46E8-61CC-4603-A589-7422A47A8E4A}"/>
     </a:ext>
   </a:extLst>
 </a:theme>
@@ -16526,7 +19734,7 @@
   <a:extraClrSchemeLst/>
   <a:extLst>
     <a:ext uri="{05A4C25C-085E-4340-85A3-A5531E510DB2}">
-      <thm15:themeFamily xmlns:thm15="http://schemas.microsoft.com/office/thememl/2012/main" xmlns="" name="Office Theme" id="{62F939B6-93AF-4DB8-9C6B-D6C7DFDC589F}" vid="{4A3C46E8-61CC-4603-A589-7422A47A8E4A}"/>
+      <thm15:themeFamily xmlns:thm15="http://schemas.microsoft.com/office/thememl/2012/main" name="Office Theme" id="{62F939B6-93AF-4DB8-9C6B-D6C7DFDC589F}" vid="{4A3C46E8-61CC-4603-A589-7422A47A8E4A}"/>
     </a:ext>
   </a:extLst>
 </a:theme>
@@ -16787,7 +19995,7 @@
   <a:extraClrSchemeLst/>
   <a:extLst>
     <a:ext uri="{05A4C25C-085E-4340-85A3-A5531E510DB2}">
-      <thm15:themeFamily xmlns:thm15="http://schemas.microsoft.com/office/thememl/2012/main" xmlns="" name="Office Theme" id="{62F939B6-93AF-4DB8-9C6B-D6C7DFDC589F}" vid="{4A3C46E8-61CC-4603-A589-7422A47A8E4A}"/>
+      <thm15:themeFamily xmlns:thm15="http://schemas.microsoft.com/office/thememl/2012/main" name="Office Theme" id="{62F939B6-93AF-4DB8-9C6B-D6C7DFDC589F}" vid="{4A3C46E8-61CC-4603-A589-7422A47A8E4A}"/>
     </a:ext>
   </a:extLst>
 </a:theme>

--- a/Documentacion/Base de Datos - Agencia de Viajes.pptx
+++ b/Documentacion/Base de Datos - Agencia de Viajes.pptx
@@ -4,30 +4,28 @@
   <p:sldMasterIdLst>
     <p:sldMasterId id="2147483648" r:id="rId1"/>
     <p:sldMasterId id="2147483660" r:id="rId2"/>
-    <p:sldMasterId id="2147483665" r:id="rId3"/>
-    <p:sldMasterId id="2147483667" r:id="rId4"/>
-    <p:sldMasterId id="2147483671" r:id="rId5"/>
+    <p:sldMasterId id="2147483667" r:id="rId3"/>
+    <p:sldMasterId id="2147483671" r:id="rId4"/>
   </p:sldMasterIdLst>
   <p:notesMasterIdLst>
-    <p:notesMasterId r:id="rId19"/>
+    <p:notesMasterId r:id="rId17"/>
   </p:notesMasterIdLst>
   <p:handoutMasterIdLst>
-    <p:handoutMasterId r:id="rId20"/>
+    <p:handoutMasterId r:id="rId18"/>
   </p:handoutMasterIdLst>
   <p:sldIdLst>
-    <p:sldId id="664" r:id="rId6"/>
-    <p:sldId id="682" r:id="rId7"/>
-    <p:sldId id="689" r:id="rId8"/>
-    <p:sldId id="670" r:id="rId9"/>
-    <p:sldId id="690" r:id="rId10"/>
-    <p:sldId id="696" r:id="rId11"/>
-    <p:sldId id="691" r:id="rId12"/>
-    <p:sldId id="692" r:id="rId13"/>
-    <p:sldId id="693" r:id="rId14"/>
-    <p:sldId id="695" r:id="rId15"/>
-    <p:sldId id="694" r:id="rId16"/>
-    <p:sldId id="669" r:id="rId17"/>
-    <p:sldId id="680" r:id="rId18"/>
+    <p:sldId id="664" r:id="rId5"/>
+    <p:sldId id="682" r:id="rId6"/>
+    <p:sldId id="689" r:id="rId7"/>
+    <p:sldId id="670" r:id="rId8"/>
+    <p:sldId id="690" r:id="rId9"/>
+    <p:sldId id="698" r:id="rId10"/>
+    <p:sldId id="691" r:id="rId11"/>
+    <p:sldId id="692" r:id="rId12"/>
+    <p:sldId id="693" r:id="rId13"/>
+    <p:sldId id="695" r:id="rId14"/>
+    <p:sldId id="694" r:id="rId15"/>
+    <p:sldId id="680" r:id="rId16"/>
   </p:sldIdLst>
   <p:sldSz cx="12192000" cy="6858000"/>
   <p:notesSz cx="6858000" cy="9144000"/>
@@ -128,7 +126,7 @@
   </p:defaultTextStyle>
   <p:extLst>
     <p:ext uri="{EFAFB233-063F-42B5-8137-9DF3F51BA10A}">
-      <p15:sldGuideLst xmlns:p15="http://schemas.microsoft.com/office/powerpoint/2012/main">
+      <p15:sldGuideLst xmlns:p15="http://schemas.microsoft.com/office/powerpoint/2012/main" xmlns="">
         <p15:guide id="1" orient="horz" pos="2131">
           <p15:clr>
             <a:srgbClr val="A4A3A4"/>
@@ -1229,144 +1227,6 @@
 </file>
 
 <file path=ppt/slideLayouts/slideLayout12.xml><?xml version="1.0" encoding="utf-8"?>
-<p:sldLayout xmlns:a="http://schemas.openxmlformats.org/drawingml/2006/main" xmlns:r="http://schemas.openxmlformats.org/officeDocument/2006/relationships" xmlns:p="http://schemas.openxmlformats.org/presentationml/2006/main" type="blank">
-  <p:cSld name="Blank">
-    <p:spTree>
-      <p:nvGrpSpPr>
-        <p:cNvPr id="1" name=""/>
-        <p:cNvGrpSpPr/>
-        <p:nvPr/>
-      </p:nvGrpSpPr>
-      <p:grpSpPr>
-        <a:xfrm>
-          <a:off x="0" y="0"/>
-          <a:ext cx="0" cy="0"/>
-          <a:chOff x="0" y="0"/>
-          <a:chExt cx="0" cy="0"/>
-        </a:xfrm>
-      </p:grpSpPr>
-      <p:sp>
-        <p:nvSpPr>
-          <p:cNvPr id="2" name="Date Placeholder 1"/>
-          <p:cNvSpPr>
-            <a:spLocks noGrp="1"/>
-          </p:cNvSpPr>
-          <p:nvPr>
-            <p:ph type="dt" sz="half" idx="10"/>
-          </p:nvPr>
-        </p:nvSpPr>
-        <p:spPr/>
-        <p:txBody>
-          <a:bodyPr/>
-          <a:lstStyle/>
-          <a:p>
-            <a:fld id="{09BDC11D-C56D-43F7-9324-A802D50A1050}" type="datetimeFigureOut">
-              <a:rPr lang="en-US" smtClean="0">
-                <a:solidFill>
-                  <a:srgbClr val="7E7E7E">
-                    <a:tint val="75000"/>
-                  </a:srgbClr>
-                </a:solidFill>
-              </a:rPr>
-              <a:t>4/16/2020</a:t>
-            </a:fld>
-            <a:endParaRPr lang="en-US">
-              <a:solidFill>
-                <a:srgbClr val="7E7E7E">
-                  <a:tint val="75000"/>
-                </a:srgbClr>
-              </a:solidFill>
-            </a:endParaRPr>
-          </a:p>
-        </p:txBody>
-      </p:sp>
-      <p:sp>
-        <p:nvSpPr>
-          <p:cNvPr id="3" name="Footer Placeholder 2"/>
-          <p:cNvSpPr>
-            <a:spLocks noGrp="1"/>
-          </p:cNvSpPr>
-          <p:nvPr>
-            <p:ph type="ftr" sz="quarter" idx="11"/>
-          </p:nvPr>
-        </p:nvSpPr>
-        <p:spPr/>
-        <p:txBody>
-          <a:bodyPr/>
-          <a:lstStyle/>
-          <a:p>
-            <a:endParaRPr lang="en-US">
-              <a:solidFill>
-                <a:srgbClr val="7E7E7E">
-                  <a:tint val="75000"/>
-                </a:srgbClr>
-              </a:solidFill>
-            </a:endParaRPr>
-          </a:p>
-        </p:txBody>
-      </p:sp>
-      <p:sp>
-        <p:nvSpPr>
-          <p:cNvPr id="4" name="Slide Number Placeholder 3"/>
-          <p:cNvSpPr>
-            <a:spLocks noGrp="1"/>
-          </p:cNvSpPr>
-          <p:nvPr>
-            <p:ph type="sldNum" sz="quarter" idx="12"/>
-          </p:nvPr>
-        </p:nvSpPr>
-        <p:spPr/>
-        <p:txBody>
-          <a:bodyPr/>
-          <a:lstStyle>
-            <a:lvl1pPr>
-              <a:defRPr>
-                <a:latin typeface="Arial" panose="020B0604020202020204" pitchFamily="34" charset="0"/>
-              </a:defRPr>
-            </a:lvl1pPr>
-          </a:lstStyle>
-          <a:p>
-            <a:fld id="{E16EE1C3-4C97-4D89-86D4-AB0FC9C35DCF}" type="slidenum">
-              <a:rPr lang="en-US" smtClean="0">
-                <a:solidFill>
-                  <a:srgbClr val="7E7E7E">
-                    <a:tint val="75000"/>
-                  </a:srgbClr>
-                </a:solidFill>
-              </a:rPr>
-              <a:t>‹Nº›</a:t>
-            </a:fld>
-            <a:endParaRPr lang="en-US">
-              <a:solidFill>
-                <a:srgbClr val="7E7E7E">
-                  <a:tint val="75000"/>
-                </a:srgbClr>
-              </a:solidFill>
-            </a:endParaRPr>
-          </a:p>
-        </p:txBody>
-      </p:sp>
-    </p:spTree>
-  </p:cSld>
-  <p:clrMapOvr>
-    <a:masterClrMapping/>
-  </p:clrMapOvr>
-  <mc:AlternateContent xmlns:mc="http://schemas.openxmlformats.org/markup-compatibility/2006" xmlns:p14="http://schemas.microsoft.com/office/powerpoint/2010/main">
-    <mc:Choice Requires="p14">
-      <p:transition spd="slow" p14:dur="1500">
-        <p:random/>
-      </p:transition>
-    </mc:Choice>
-    <mc:Fallback xmlns="">
-      <p:transition spd="slow">
-        <p:random/>
-      </p:transition>
-    </mc:Fallback>
-  </mc:AlternateContent>
-</p:sldLayout>
-</file>
-
-<file path=ppt/slideLayouts/slideLayout13.xml><?xml version="1.0" encoding="utf-8"?>
 <p:sldLayout xmlns:a="http://schemas.openxmlformats.org/drawingml/2006/main" xmlns:r="http://schemas.openxmlformats.org/officeDocument/2006/relationships" xmlns:p="http://schemas.openxmlformats.org/presentationml/2006/main" type="blank">
   <p:cSld name="Blank">
     <p:spTree>
@@ -4729,7 +4589,7 @@
   </p:cSld>
   <p:clrMap bg1="lt1" tx1="dk1" bg2="lt2" tx2="dk2" accent1="accent1" accent2="accent2" accent3="accent3" accent4="accent4" accent5="accent5" accent6="accent6" hlink="hlink" folHlink="folHlink"/>
   <p:sldLayoutIdLst>
-    <p:sldLayoutId id="2147483666" r:id="rId1"/>
+    <p:sldLayoutId id="2147483668" r:id="rId1"/>
   </p:sldLayoutIdLst>
   <mc:AlternateContent xmlns:mc="http://schemas.openxmlformats.org/markup-compatibility/2006" xmlns:p14="http://schemas.microsoft.com/office/powerpoint/2010/main">
     <mc:Choice Requires="p14">
@@ -5033,604 +4893,6 @@
 </file>
 
 <file path=ppt/slideMasters/slideMaster4.xml><?xml version="1.0" encoding="utf-8"?>
-<p:sldMaster xmlns:a="http://schemas.openxmlformats.org/drawingml/2006/main" xmlns:r="http://schemas.openxmlformats.org/officeDocument/2006/relationships" xmlns:p="http://schemas.openxmlformats.org/presentationml/2006/main">
-  <p:cSld>
-    <p:bg>
-      <p:bgPr>
-        <a:solidFill>
-          <a:schemeClr val="bg1"/>
-        </a:solidFill>
-        <a:effectLst/>
-      </p:bgPr>
-    </p:bg>
-    <p:spTree>
-      <p:nvGrpSpPr>
-        <p:cNvPr id="1" name=""/>
-        <p:cNvGrpSpPr/>
-        <p:nvPr/>
-      </p:nvGrpSpPr>
-      <p:grpSpPr>
-        <a:xfrm>
-          <a:off x="0" y="0"/>
-          <a:ext cx="0" cy="0"/>
-          <a:chOff x="0" y="0"/>
-          <a:chExt cx="0" cy="0"/>
-        </a:xfrm>
-      </p:grpSpPr>
-      <p:sp>
-        <p:nvSpPr>
-          <p:cNvPr id="2" name="Title Placeholder 1"/>
-          <p:cNvSpPr>
-            <a:spLocks noGrp="1"/>
-          </p:cNvSpPr>
-          <p:nvPr>
-            <p:ph type="title"/>
-          </p:nvPr>
-        </p:nvSpPr>
-        <p:spPr>
-          <a:xfrm>
-            <a:off x="838200" y="365129"/>
-            <a:ext cx="10515600" cy="1325563"/>
-          </a:xfrm>
-          <a:prstGeom prst="rect">
-            <a:avLst/>
-          </a:prstGeom>
-        </p:spPr>
-        <p:txBody>
-          <a:bodyPr vert="horz" lIns="182843" tIns="91422" rIns="182843" bIns="91422" rtlCol="0" anchor="ctr">
-            <a:normAutofit/>
-          </a:bodyPr>
-          <a:lstStyle/>
-          <a:p>
-            <a:r>
-              <a:rPr lang="en-US" dirty="0"/>
-              <a:t>Click to edit Master title style</a:t>
-            </a:r>
-          </a:p>
-        </p:txBody>
-      </p:sp>
-      <p:sp>
-        <p:nvSpPr>
-          <p:cNvPr id="3" name="Text Placeholder 2"/>
-          <p:cNvSpPr>
-            <a:spLocks noGrp="1"/>
-          </p:cNvSpPr>
-          <p:nvPr>
-            <p:ph type="body" idx="1"/>
-          </p:nvPr>
-        </p:nvSpPr>
-        <p:spPr>
-          <a:xfrm>
-            <a:off x="838200" y="1825625"/>
-            <a:ext cx="10515600" cy="4351339"/>
-          </a:xfrm>
-          <a:prstGeom prst="rect">
-            <a:avLst/>
-          </a:prstGeom>
-        </p:spPr>
-        <p:txBody>
-          <a:bodyPr vert="horz" lIns="182843" tIns="91422" rIns="182843" bIns="91422" rtlCol="0">
-            <a:normAutofit/>
-          </a:bodyPr>
-          <a:lstStyle/>
-          <a:p>
-            <a:pPr lvl="0"/>
-            <a:r>
-              <a:rPr lang="en-US"/>
-              <a:t>Click to edit Master text styles</a:t>
-            </a:r>
-          </a:p>
-          <a:p>
-            <a:pPr lvl="1"/>
-            <a:r>
-              <a:rPr lang="en-US"/>
-              <a:t>Second level</a:t>
-            </a:r>
-          </a:p>
-          <a:p>
-            <a:pPr lvl="2"/>
-            <a:r>
-              <a:rPr lang="en-US"/>
-              <a:t>Third level</a:t>
-            </a:r>
-          </a:p>
-          <a:p>
-            <a:pPr lvl="3"/>
-            <a:r>
-              <a:rPr lang="en-US"/>
-              <a:t>Fourth level</a:t>
-            </a:r>
-          </a:p>
-          <a:p>
-            <a:pPr lvl="4"/>
-            <a:r>
-              <a:rPr lang="en-US"/>
-              <a:t>Fifth level</a:t>
-            </a:r>
-            <a:endParaRPr lang="en-US" dirty="0"/>
-          </a:p>
-        </p:txBody>
-      </p:sp>
-      <p:sp>
-        <p:nvSpPr>
-          <p:cNvPr id="4" name="Date Placeholder 3"/>
-          <p:cNvSpPr>
-            <a:spLocks noGrp="1"/>
-          </p:cNvSpPr>
-          <p:nvPr>
-            <p:ph type="dt" sz="half" idx="2"/>
-          </p:nvPr>
-        </p:nvSpPr>
-        <p:spPr>
-          <a:xfrm>
-            <a:off x="838200" y="6356355"/>
-            <a:ext cx="2743200" cy="365125"/>
-          </a:xfrm>
-          <a:prstGeom prst="rect">
-            <a:avLst/>
-          </a:prstGeom>
-        </p:spPr>
-        <p:txBody>
-          <a:bodyPr vert="horz" lIns="182843" tIns="91422" rIns="182843" bIns="91422" rtlCol="0" anchor="ctr"/>
-          <a:lstStyle>
-            <a:lvl1pPr algn="l">
-              <a:defRPr sz="1200">
-                <a:solidFill>
-                  <a:schemeClr val="tx1">
-                    <a:tint val="75000"/>
-                  </a:schemeClr>
-                </a:solidFill>
-                <a:latin typeface="Arial" panose="020B0604020202020204" pitchFamily="34" charset="0"/>
-                <a:ea typeface="Arial" panose="020B0604020202020204" pitchFamily="34" charset="0"/>
-                <a:sym typeface="Arial" panose="020B0604020202020204" pitchFamily="34" charset="0"/>
-              </a:defRPr>
-            </a:lvl1pPr>
-          </a:lstStyle>
-          <a:p>
-            <a:pPr fontAlgn="base">
-              <a:spcBef>
-                <a:spcPct val="0"/>
-              </a:spcBef>
-              <a:spcAft>
-                <a:spcPct val="0"/>
-              </a:spcAft>
-            </a:pPr>
-            <a:endParaRPr lang="en-US" dirty="0">
-              <a:solidFill>
-                <a:srgbClr val="7E7E7E">
-                  <a:tint val="75000"/>
-                </a:srgbClr>
-              </a:solidFill>
-            </a:endParaRPr>
-          </a:p>
-        </p:txBody>
-      </p:sp>
-      <p:sp>
-        <p:nvSpPr>
-          <p:cNvPr id="5" name="Footer Placeholder 4"/>
-          <p:cNvSpPr>
-            <a:spLocks noGrp="1"/>
-          </p:cNvSpPr>
-          <p:nvPr>
-            <p:ph type="ftr" sz="quarter" idx="3"/>
-          </p:nvPr>
-        </p:nvSpPr>
-        <p:spPr>
-          <a:xfrm>
-            <a:off x="4038600" y="6356355"/>
-            <a:ext cx="4114800" cy="365125"/>
-          </a:xfrm>
-          <a:prstGeom prst="rect">
-            <a:avLst/>
-          </a:prstGeom>
-        </p:spPr>
-        <p:txBody>
-          <a:bodyPr vert="horz" lIns="182843" tIns="91422" rIns="182843" bIns="91422" rtlCol="0" anchor="ctr"/>
-          <a:lstStyle>
-            <a:lvl1pPr algn="ctr">
-              <a:defRPr sz="1200">
-                <a:solidFill>
-                  <a:schemeClr val="tx1">
-                    <a:tint val="75000"/>
-                  </a:schemeClr>
-                </a:solidFill>
-                <a:latin typeface="Arial" panose="020B0604020202020204" pitchFamily="34" charset="0"/>
-                <a:ea typeface="Arial" panose="020B0604020202020204" pitchFamily="34" charset="0"/>
-                <a:sym typeface="Arial" panose="020B0604020202020204" pitchFamily="34" charset="0"/>
-              </a:defRPr>
-            </a:lvl1pPr>
-          </a:lstStyle>
-          <a:p>
-            <a:pPr fontAlgn="base">
-              <a:spcBef>
-                <a:spcPct val="0"/>
-              </a:spcBef>
-              <a:spcAft>
-                <a:spcPct val="0"/>
-              </a:spcAft>
-            </a:pPr>
-            <a:endParaRPr lang="en-US" dirty="0">
-              <a:solidFill>
-                <a:srgbClr val="7E7E7E">
-                  <a:tint val="75000"/>
-                </a:srgbClr>
-              </a:solidFill>
-            </a:endParaRPr>
-          </a:p>
-        </p:txBody>
-      </p:sp>
-      <p:sp>
-        <p:nvSpPr>
-          <p:cNvPr id="6" name="Slide Number Placeholder 5"/>
-          <p:cNvSpPr>
-            <a:spLocks noGrp="1"/>
-          </p:cNvSpPr>
-          <p:nvPr>
-            <p:ph type="sldNum" sz="quarter" idx="4"/>
-          </p:nvPr>
-        </p:nvSpPr>
-        <p:spPr>
-          <a:xfrm>
-            <a:off x="8610600" y="6356355"/>
-            <a:ext cx="2743200" cy="365125"/>
-          </a:xfrm>
-          <a:prstGeom prst="rect">
-            <a:avLst/>
-          </a:prstGeom>
-        </p:spPr>
-        <p:txBody>
-          <a:bodyPr vert="horz" lIns="182843" tIns="91422" rIns="182843" bIns="91422" rtlCol="0" anchor="ctr"/>
-          <a:lstStyle>
-            <a:lvl1pPr algn="r">
-              <a:defRPr sz="1200">
-                <a:solidFill>
-                  <a:schemeClr val="tx1">
-                    <a:tint val="75000"/>
-                  </a:schemeClr>
-                </a:solidFill>
-                <a:latin typeface="Lato Regular"/>
-              </a:defRPr>
-            </a:lvl1pPr>
-          </a:lstStyle>
-          <a:p>
-            <a:pPr fontAlgn="base">
-              <a:spcBef>
-                <a:spcPct val="0"/>
-              </a:spcBef>
-              <a:spcAft>
-                <a:spcPct val="0"/>
-              </a:spcAft>
-            </a:pPr>
-            <a:fld id="{FCEE2C88-6C8F-484D-AF69-578F576B1F44}" type="slidenum">
-              <a:rPr lang="en-US" smtClean="0">
-                <a:solidFill>
-                  <a:srgbClr val="7E7E7E">
-                    <a:tint val="75000"/>
-                  </a:srgbClr>
-                </a:solidFill>
-                <a:sym typeface="Arial" panose="020B0604020202020204" pitchFamily="34" charset="0"/>
-              </a:rPr>
-              <a:t>‹Nº›</a:t>
-            </a:fld>
-            <a:endParaRPr lang="en-US" dirty="0">
-              <a:solidFill>
-                <a:srgbClr val="7E7E7E">
-                  <a:tint val="75000"/>
-                </a:srgbClr>
-              </a:solidFill>
-              <a:sym typeface="Arial" panose="020B0604020202020204" pitchFamily="34" charset="0"/>
-            </a:endParaRPr>
-          </a:p>
-        </p:txBody>
-      </p:sp>
-    </p:spTree>
-  </p:cSld>
-  <p:clrMap bg1="lt1" tx1="dk1" bg2="lt2" tx2="dk2" accent1="accent1" accent2="accent2" accent3="accent3" accent4="accent4" accent5="accent5" accent6="accent6" hlink="hlink" folHlink="folHlink"/>
-  <p:sldLayoutIdLst>
-    <p:sldLayoutId id="2147483668" r:id="rId1"/>
-  </p:sldLayoutIdLst>
-  <mc:AlternateContent xmlns:mc="http://schemas.openxmlformats.org/markup-compatibility/2006" xmlns:p14="http://schemas.microsoft.com/office/powerpoint/2010/main">
-    <mc:Choice Requires="p14">
-      <p:transition spd="slow" p14:dur="1500">
-        <p:random/>
-      </p:transition>
-    </mc:Choice>
-    <mc:Fallback xmlns="">
-      <p:transition spd="slow">
-        <p:random/>
-      </p:transition>
-    </mc:Fallback>
-  </mc:AlternateContent>
-  <p:hf hdr="0" ftr="0" dt="0"/>
-  <p:txStyles>
-    <p:titleStyle>
-      <a:lvl1pPr algn="l" defTabSz="913765" rtl="0" eaLnBrk="1" latinLnBrk="0" hangingPunct="1">
-        <a:lnSpc>
-          <a:spcPct val="90000"/>
-        </a:lnSpc>
-        <a:spcBef>
-          <a:spcPct val="0"/>
-        </a:spcBef>
-        <a:buNone/>
-        <a:defRPr lang="en-US" sz="3000" kern="1200">
-          <a:solidFill>
-            <a:schemeClr val="tx1"/>
-          </a:solidFill>
-          <a:latin typeface="Arial" panose="020B0604020202020204" pitchFamily="34" charset="0"/>
-          <a:ea typeface="Arial" panose="020B0604020202020204" pitchFamily="34" charset="0"/>
-          <a:cs typeface="+mj-cs"/>
-        </a:defRPr>
-      </a:lvl1pPr>
-    </p:titleStyle>
-    <p:bodyStyle>
-      <a:lvl1pPr marL="228600" indent="-228600" algn="l" defTabSz="913765" rtl="0" eaLnBrk="1" latinLnBrk="0" hangingPunct="1">
-        <a:lnSpc>
-          <a:spcPct val="90000"/>
-        </a:lnSpc>
-        <a:spcBef>
-          <a:spcPts val="1000"/>
-        </a:spcBef>
-        <a:buFont typeface="Arial" panose="020B0604020202020204" pitchFamily="34" charset="0"/>
-        <a:buChar char="•"/>
-        <a:defRPr lang="en-US" sz="2400" kern="1200" dirty="0" smtClean="0">
-          <a:solidFill>
-            <a:schemeClr val="tx1"/>
-          </a:solidFill>
-          <a:effectLst/>
-          <a:latin typeface="Arial" panose="020B0604020202020204" pitchFamily="34" charset="0"/>
-          <a:ea typeface="Arial" panose="020B0604020202020204" pitchFamily="34" charset="0"/>
-          <a:cs typeface="+mn-cs"/>
-        </a:defRPr>
-      </a:lvl1pPr>
-      <a:lvl2pPr marL="685800" indent="-228600" algn="l" defTabSz="913765" rtl="0" eaLnBrk="1" latinLnBrk="0" hangingPunct="1">
-        <a:lnSpc>
-          <a:spcPct val="90000"/>
-        </a:lnSpc>
-        <a:spcBef>
-          <a:spcPts val="500"/>
-        </a:spcBef>
-        <a:buFont typeface="Arial" panose="020B0604020202020204" pitchFamily="34" charset="0"/>
-        <a:buChar char="•"/>
-        <a:defRPr lang="en-US" sz="2000" kern="1200" dirty="0" smtClean="0">
-          <a:solidFill>
-            <a:schemeClr val="tx1"/>
-          </a:solidFill>
-          <a:effectLst/>
-          <a:latin typeface="Arial" panose="020B0604020202020204" pitchFamily="34" charset="0"/>
-          <a:ea typeface="Arial" panose="020B0604020202020204" pitchFamily="34" charset="0"/>
-          <a:cs typeface="+mn-cs"/>
-        </a:defRPr>
-      </a:lvl2pPr>
-      <a:lvl3pPr marL="1142365" indent="-228600" algn="l" defTabSz="913765" rtl="0" eaLnBrk="1" latinLnBrk="0" hangingPunct="1">
-        <a:lnSpc>
-          <a:spcPct val="90000"/>
-        </a:lnSpc>
-        <a:spcBef>
-          <a:spcPts val="500"/>
-        </a:spcBef>
-        <a:buFont typeface="Arial" panose="020B0604020202020204" pitchFamily="34" charset="0"/>
-        <a:buChar char="•"/>
-        <a:defRPr lang="en-US" sz="1800" kern="1200" dirty="0" smtClean="0">
-          <a:solidFill>
-            <a:schemeClr val="tx1"/>
-          </a:solidFill>
-          <a:effectLst/>
-          <a:latin typeface="Arial" panose="020B0604020202020204" pitchFamily="34" charset="0"/>
-          <a:ea typeface="Arial" panose="020B0604020202020204" pitchFamily="34" charset="0"/>
-          <a:cs typeface="+mn-cs"/>
-        </a:defRPr>
-      </a:lvl3pPr>
-      <a:lvl4pPr marL="1599565" indent="-228600" algn="l" defTabSz="913765" rtl="0" eaLnBrk="1" latinLnBrk="0" hangingPunct="1">
-        <a:lnSpc>
-          <a:spcPct val="90000"/>
-        </a:lnSpc>
-        <a:spcBef>
-          <a:spcPts val="500"/>
-        </a:spcBef>
-        <a:buFont typeface="Arial" panose="020B0604020202020204" pitchFamily="34" charset="0"/>
-        <a:buChar char="•"/>
-        <a:defRPr lang="en-US" sz="1600" kern="1200" dirty="0" smtClean="0">
-          <a:solidFill>
-            <a:schemeClr val="tx1"/>
-          </a:solidFill>
-          <a:effectLst/>
-          <a:latin typeface="Arial" panose="020B0604020202020204" pitchFamily="34" charset="0"/>
-          <a:ea typeface="Arial" panose="020B0604020202020204" pitchFamily="34" charset="0"/>
-          <a:cs typeface="+mn-cs"/>
-        </a:defRPr>
-      </a:lvl4pPr>
-      <a:lvl5pPr marL="2056765" indent="-228600" algn="l" defTabSz="913765" rtl="0" eaLnBrk="1" latinLnBrk="0" hangingPunct="1">
-        <a:lnSpc>
-          <a:spcPct val="90000"/>
-        </a:lnSpc>
-        <a:spcBef>
-          <a:spcPts val="500"/>
-        </a:spcBef>
-        <a:buFont typeface="Arial" panose="020B0604020202020204" pitchFamily="34" charset="0"/>
-        <a:buChar char="•"/>
-        <a:defRPr lang="en-US" sz="1600" kern="1200" dirty="0">
-          <a:solidFill>
-            <a:schemeClr val="tx1"/>
-          </a:solidFill>
-          <a:effectLst/>
-          <a:latin typeface="Arial" panose="020B0604020202020204" pitchFamily="34" charset="0"/>
-          <a:ea typeface="Arial" panose="020B0604020202020204" pitchFamily="34" charset="0"/>
-          <a:cs typeface="+mn-cs"/>
-        </a:defRPr>
-      </a:lvl5pPr>
-      <a:lvl6pPr marL="2513965" indent="-228600" algn="l" defTabSz="913765" rtl="0" eaLnBrk="1" latinLnBrk="0" hangingPunct="1">
-        <a:lnSpc>
-          <a:spcPct val="90000"/>
-        </a:lnSpc>
-        <a:spcBef>
-          <a:spcPts val="500"/>
-        </a:spcBef>
-        <a:buFont typeface="Arial" panose="020B0604020202020204" pitchFamily="34" charset="0"/>
-        <a:buChar char="•"/>
-        <a:defRPr sz="1800" kern="1200">
-          <a:solidFill>
-            <a:schemeClr val="tx1"/>
-          </a:solidFill>
-          <a:latin typeface="+mn-lt"/>
-          <a:ea typeface="+mn-ea"/>
-          <a:cs typeface="+mn-cs"/>
-        </a:defRPr>
-      </a:lvl6pPr>
-      <a:lvl7pPr marL="2971165" indent="-228600" algn="l" defTabSz="913765" rtl="0" eaLnBrk="1" latinLnBrk="0" hangingPunct="1">
-        <a:lnSpc>
-          <a:spcPct val="90000"/>
-        </a:lnSpc>
-        <a:spcBef>
-          <a:spcPts val="500"/>
-        </a:spcBef>
-        <a:buFont typeface="Arial" panose="020B0604020202020204" pitchFamily="34" charset="0"/>
-        <a:buChar char="•"/>
-        <a:defRPr sz="1800" kern="1200">
-          <a:solidFill>
-            <a:schemeClr val="tx1"/>
-          </a:solidFill>
-          <a:latin typeface="+mn-lt"/>
-          <a:ea typeface="+mn-ea"/>
-          <a:cs typeface="+mn-cs"/>
-        </a:defRPr>
-      </a:lvl7pPr>
-      <a:lvl8pPr marL="3428365" indent="-228600" algn="l" defTabSz="913765" rtl="0" eaLnBrk="1" latinLnBrk="0" hangingPunct="1">
-        <a:lnSpc>
-          <a:spcPct val="90000"/>
-        </a:lnSpc>
-        <a:spcBef>
-          <a:spcPts val="500"/>
-        </a:spcBef>
-        <a:buFont typeface="Arial" panose="020B0604020202020204" pitchFamily="34" charset="0"/>
-        <a:buChar char="•"/>
-        <a:defRPr sz="1800" kern="1200">
-          <a:solidFill>
-            <a:schemeClr val="tx1"/>
-          </a:solidFill>
-          <a:latin typeface="+mn-lt"/>
-          <a:ea typeface="+mn-ea"/>
-          <a:cs typeface="+mn-cs"/>
-        </a:defRPr>
-      </a:lvl8pPr>
-      <a:lvl9pPr marL="3885565" indent="-228600" algn="l" defTabSz="913765" rtl="0" eaLnBrk="1" latinLnBrk="0" hangingPunct="1">
-        <a:lnSpc>
-          <a:spcPct val="90000"/>
-        </a:lnSpc>
-        <a:spcBef>
-          <a:spcPts val="500"/>
-        </a:spcBef>
-        <a:buFont typeface="Arial" panose="020B0604020202020204" pitchFamily="34" charset="0"/>
-        <a:buChar char="•"/>
-        <a:defRPr sz="1800" kern="1200">
-          <a:solidFill>
-            <a:schemeClr val="tx1"/>
-          </a:solidFill>
-          <a:latin typeface="+mn-lt"/>
-          <a:ea typeface="+mn-ea"/>
-          <a:cs typeface="+mn-cs"/>
-        </a:defRPr>
-      </a:lvl9pPr>
-    </p:bodyStyle>
-    <p:otherStyle>
-      <a:defPPr>
-        <a:defRPr lang="en-US"/>
-      </a:defPPr>
-      <a:lvl1pPr marL="0" algn="l" defTabSz="913765" rtl="0" eaLnBrk="1" latinLnBrk="0" hangingPunct="1">
-        <a:defRPr sz="1800" kern="1200">
-          <a:solidFill>
-            <a:schemeClr val="tx1"/>
-          </a:solidFill>
-          <a:latin typeface="+mn-lt"/>
-          <a:ea typeface="+mn-ea"/>
-          <a:cs typeface="+mn-cs"/>
-        </a:defRPr>
-      </a:lvl1pPr>
-      <a:lvl2pPr marL="457200" algn="l" defTabSz="913765" rtl="0" eaLnBrk="1" latinLnBrk="0" hangingPunct="1">
-        <a:defRPr sz="1800" kern="1200">
-          <a:solidFill>
-            <a:schemeClr val="tx1"/>
-          </a:solidFill>
-          <a:latin typeface="+mn-lt"/>
-          <a:ea typeface="+mn-ea"/>
-          <a:cs typeface="+mn-cs"/>
-        </a:defRPr>
-      </a:lvl2pPr>
-      <a:lvl3pPr marL="913765" algn="l" defTabSz="913765" rtl="0" eaLnBrk="1" latinLnBrk="0" hangingPunct="1">
-        <a:defRPr sz="1800" kern="1200">
-          <a:solidFill>
-            <a:schemeClr val="tx1"/>
-          </a:solidFill>
-          <a:latin typeface="+mn-lt"/>
-          <a:ea typeface="+mn-ea"/>
-          <a:cs typeface="+mn-cs"/>
-        </a:defRPr>
-      </a:lvl3pPr>
-      <a:lvl4pPr marL="1370965" algn="l" defTabSz="913765" rtl="0" eaLnBrk="1" latinLnBrk="0" hangingPunct="1">
-        <a:defRPr sz="1800" kern="1200">
-          <a:solidFill>
-            <a:schemeClr val="tx1"/>
-          </a:solidFill>
-          <a:latin typeface="+mn-lt"/>
-          <a:ea typeface="+mn-ea"/>
-          <a:cs typeface="+mn-cs"/>
-        </a:defRPr>
-      </a:lvl4pPr>
-      <a:lvl5pPr marL="1828165" algn="l" defTabSz="913765" rtl="0" eaLnBrk="1" latinLnBrk="0" hangingPunct="1">
-        <a:defRPr sz="1800" kern="1200">
-          <a:solidFill>
-            <a:schemeClr val="tx1"/>
-          </a:solidFill>
-          <a:latin typeface="+mn-lt"/>
-          <a:ea typeface="+mn-ea"/>
-          <a:cs typeface="+mn-cs"/>
-        </a:defRPr>
-      </a:lvl5pPr>
-      <a:lvl6pPr marL="2285365" algn="l" defTabSz="913765" rtl="0" eaLnBrk="1" latinLnBrk="0" hangingPunct="1">
-        <a:defRPr sz="1800" kern="1200">
-          <a:solidFill>
-            <a:schemeClr val="tx1"/>
-          </a:solidFill>
-          <a:latin typeface="+mn-lt"/>
-          <a:ea typeface="+mn-ea"/>
-          <a:cs typeface="+mn-cs"/>
-        </a:defRPr>
-      </a:lvl6pPr>
-      <a:lvl7pPr marL="2742565" algn="l" defTabSz="913765" rtl="0" eaLnBrk="1" latinLnBrk="0" hangingPunct="1">
-        <a:defRPr sz="1800" kern="1200">
-          <a:solidFill>
-            <a:schemeClr val="tx1"/>
-          </a:solidFill>
-          <a:latin typeface="+mn-lt"/>
-          <a:ea typeface="+mn-ea"/>
-          <a:cs typeface="+mn-cs"/>
-        </a:defRPr>
-      </a:lvl7pPr>
-      <a:lvl8pPr marL="3199765" algn="l" defTabSz="913765" rtl="0" eaLnBrk="1" latinLnBrk="0" hangingPunct="1">
-        <a:defRPr sz="1800" kern="1200">
-          <a:solidFill>
-            <a:schemeClr val="tx1"/>
-          </a:solidFill>
-          <a:latin typeface="+mn-lt"/>
-          <a:ea typeface="+mn-ea"/>
-          <a:cs typeface="+mn-cs"/>
-        </a:defRPr>
-      </a:lvl8pPr>
-      <a:lvl9pPr marL="3656965" algn="l" defTabSz="913765" rtl="0" eaLnBrk="1" latinLnBrk="0" hangingPunct="1">
-        <a:defRPr sz="1800" kern="1200">
-          <a:solidFill>
-            <a:schemeClr val="tx1"/>
-          </a:solidFill>
-          <a:latin typeface="+mn-lt"/>
-          <a:ea typeface="+mn-ea"/>
-          <a:cs typeface="+mn-cs"/>
-        </a:defRPr>
-      </a:lvl9pPr>
-    </p:otherStyle>
-  </p:txStyles>
-</p:sldMaster>
-</file>
-
-<file path=ppt/slideMasters/slideMaster5.xml><?xml version="1.0" encoding="utf-8"?>
 <p:sldMaster xmlns:a="http://schemas.openxmlformats.org/drawingml/2006/main" xmlns:r="http://schemas.openxmlformats.org/officeDocument/2006/relationships" xmlns:p="http://schemas.openxmlformats.org/presentationml/2006/main" preserve="1">
   <p:cSld>
     <p:bg>
@@ -7349,7 +6611,15 @@
                   <a:schemeClr val="bg1"/>
                 </a:solidFill>
               </a:rPr>
-              <a:t>Un Tour-paquete puede visitar uno o muchos sitios turísticos, hoteles, restaurantes, lagos, ruinas </a:t>
+              <a:t>Un Tour-paquete puede visitar uno o muchos sitios turísticos, hoteles, restaurantes, lagos, </a:t>
+            </a:r>
+            <a:r>
+              <a:rPr lang="es-ES" altLang="zh-CN" sz="2000" dirty="0" smtClean="0">
+                <a:solidFill>
+                  <a:schemeClr val="bg1"/>
+                </a:solidFill>
+              </a:rPr>
+              <a:t>ruinas, </a:t>
             </a:r>
             <a:r>
               <a:rPr lang="es-ES" altLang="zh-CN" sz="2000" dirty="0" err="1" smtClean="0">
@@ -7433,44 +6703,28 @@
         </p:nvSpPr>
         <p:spPr>
           <a:xfrm flipH="1">
-            <a:off x="5636572" y="2027597"/>
-            <a:ext cx="5716656" cy="1308677"/>
+            <a:off x="5356436" y="4022119"/>
+            <a:ext cx="5979919" cy="1308677"/>
           </a:xfrm>
           <a:prstGeom prst="chevron">
             <a:avLst>
               <a:gd name="adj" fmla="val 29021"/>
             </a:avLst>
           </a:prstGeom>
-          <a:gradFill flip="none" rotWithShape="1">
-            <a:gsLst>
-              <a:gs pos="0">
-                <a:srgbClr val="F9AC7D"/>
-              </a:gs>
-              <a:gs pos="100000">
-                <a:srgbClr val="F28893"/>
-              </a:gs>
-            </a:gsLst>
-            <a:lin ang="0" scaled="1"/>
-            <a:tileRect/>
-          </a:gradFill>
-          <a:ln>
-            <a:noFill/>
-          </a:ln>
+          <a:ln/>
         </p:spPr>
         <p:style>
-          <a:lnRef idx="2">
-            <a:schemeClr val="accent1">
-              <a:shade val="50000"/>
-            </a:schemeClr>
+          <a:lnRef idx="1">
+            <a:schemeClr val="accent1"/>
           </a:lnRef>
-          <a:fillRef idx="1">
+          <a:fillRef idx="2">
             <a:schemeClr val="accent1"/>
           </a:fillRef>
-          <a:effectRef idx="0">
+          <a:effectRef idx="1">
             <a:schemeClr val="accent1"/>
           </a:effectRef>
           <a:fontRef idx="minor">
-            <a:schemeClr val="lt1"/>
+            <a:schemeClr val="dk1"/>
           </a:fontRef>
         </p:style>
         <p:txBody>
@@ -7585,12 +6839,12 @@
               <a:t>La unión de sitios turísticos y tours-paquetes es el itinerario el cual detallara que lugar se visitara en un </a:t>
             </a:r>
             <a:r>
-              <a:rPr lang="es-ES" altLang="zh-CN" sz="2000" dirty="0" err="1" smtClean="0">
+              <a:rPr lang="es-ES" altLang="zh-CN" sz="2000" dirty="0" smtClean="0">
                 <a:solidFill>
                   <a:schemeClr val="bg1"/>
                 </a:solidFill>
               </a:rPr>
-              <a:t>dia</a:t>
+              <a:t>día </a:t>
             </a:r>
             <a:r>
               <a:rPr lang="es-ES" altLang="zh-CN" sz="2000" dirty="0" smtClean="0">
@@ -7598,7 +6852,7 @@
                   <a:schemeClr val="bg1"/>
                 </a:solidFill>
               </a:rPr>
-              <a:t> determinado</a:t>
+              <a:t>determinado</a:t>
             </a:r>
             <a:endParaRPr lang="zh-CN" altLang="en-US" sz="2000" dirty="0">
               <a:solidFill>
@@ -7616,44 +6870,28 @@
         </p:nvSpPr>
         <p:spPr>
           <a:xfrm flipH="1">
-            <a:off x="5518712" y="3645321"/>
-            <a:ext cx="5716656" cy="1308677"/>
+            <a:off x="2974475" y="2138046"/>
+            <a:ext cx="7620828" cy="654339"/>
           </a:xfrm>
           <a:prstGeom prst="chevron">
             <a:avLst>
               <a:gd name="adj" fmla="val 29021"/>
             </a:avLst>
           </a:prstGeom>
-          <a:gradFill flip="none" rotWithShape="1">
-            <a:gsLst>
-              <a:gs pos="0">
-                <a:srgbClr val="F9AC7D"/>
-              </a:gs>
-              <a:gs pos="100000">
-                <a:srgbClr val="F28893"/>
-              </a:gs>
-            </a:gsLst>
-            <a:lin ang="0" scaled="1"/>
-            <a:tileRect/>
-          </a:gradFill>
-          <a:ln>
-            <a:noFill/>
-          </a:ln>
+          <a:ln/>
         </p:spPr>
         <p:style>
-          <a:lnRef idx="2">
-            <a:schemeClr val="accent1">
-              <a:shade val="50000"/>
-            </a:schemeClr>
+          <a:lnRef idx="1">
+            <a:schemeClr val="accent5"/>
           </a:lnRef>
-          <a:fillRef idx="1">
-            <a:schemeClr val="accent1"/>
+          <a:fillRef idx="2">
+            <a:schemeClr val="accent5"/>
           </a:fillRef>
-          <a:effectRef idx="0">
-            <a:schemeClr val="accent1"/>
+          <a:effectRef idx="1">
+            <a:schemeClr val="accent5"/>
           </a:effectRef>
           <a:fontRef idx="minor">
-            <a:schemeClr val="lt1"/>
+            <a:schemeClr val="dk1"/>
           </a:fontRef>
         </p:style>
         <p:txBody>
@@ -7883,248 +7121,6 @@
           </a:p>
         </p:txBody>
       </p:sp>
-      <p:sp>
-        <p:nvSpPr>
-          <p:cNvPr id="10" name="箭头: V 形 105"/>
-          <p:cNvSpPr/>
-          <p:nvPr/>
-        </p:nvSpPr>
-        <p:spPr>
-          <a:xfrm flipH="1">
-            <a:off x="6313760" y="838200"/>
-            <a:ext cx="5705641" cy="3634648"/>
-          </a:xfrm>
-          <a:prstGeom prst="chevron">
-            <a:avLst>
-              <a:gd name="adj" fmla="val 29021"/>
-            </a:avLst>
-          </a:prstGeom>
-          <a:gradFill flip="none" rotWithShape="1">
-            <a:gsLst>
-              <a:gs pos="0">
-                <a:srgbClr val="F9AC7D"/>
-              </a:gs>
-              <a:gs pos="100000">
-                <a:srgbClr val="F28893"/>
-              </a:gs>
-            </a:gsLst>
-            <a:lin ang="0" scaled="1"/>
-            <a:tileRect/>
-          </a:gradFill>
-          <a:ln>
-            <a:noFill/>
-          </a:ln>
-        </p:spPr>
-        <p:style>
-          <a:lnRef idx="2">
-            <a:schemeClr val="accent1">
-              <a:shade val="50000"/>
-            </a:schemeClr>
-          </a:lnRef>
-          <a:fillRef idx="1">
-            <a:schemeClr val="accent1"/>
-          </a:fillRef>
-          <a:effectRef idx="0">
-            <a:schemeClr val="accent1"/>
-          </a:effectRef>
-          <a:fontRef idx="minor">
-            <a:schemeClr val="lt1"/>
-          </a:fontRef>
-        </p:style>
-        <p:txBody>
-          <a:bodyPr rtlCol="0" anchor="ctr"/>
-          <a:lstStyle>
-            <a:defPPr>
-              <a:defRPr lang="en-US">
-                <a:solidFill>
-                  <a:schemeClr val="lt1"/>
-                </a:solidFill>
-              </a:defRPr>
-            </a:defPPr>
-            <a:lvl1pPr marL="0" algn="l" defTabSz="685800" rtl="0" eaLnBrk="1" latinLnBrk="0" hangingPunct="1">
-              <a:defRPr sz="1350" kern="1200">
-                <a:solidFill>
-                  <a:schemeClr val="lt1"/>
-                </a:solidFill>
-                <a:latin typeface="+mn-lt"/>
-                <a:ea typeface="+mn-ea"/>
-                <a:cs typeface="+mn-cs"/>
-              </a:defRPr>
-            </a:lvl1pPr>
-            <a:lvl2pPr marL="342900" algn="l" defTabSz="685800" rtl="0" eaLnBrk="1" latinLnBrk="0" hangingPunct="1">
-              <a:defRPr sz="1350" kern="1200">
-                <a:solidFill>
-                  <a:schemeClr val="lt1"/>
-                </a:solidFill>
-                <a:latin typeface="+mn-lt"/>
-                <a:ea typeface="+mn-ea"/>
-                <a:cs typeface="+mn-cs"/>
-              </a:defRPr>
-            </a:lvl2pPr>
-            <a:lvl3pPr marL="685800" algn="l" defTabSz="685800" rtl="0" eaLnBrk="1" latinLnBrk="0" hangingPunct="1">
-              <a:defRPr sz="1350" kern="1200">
-                <a:solidFill>
-                  <a:schemeClr val="lt1"/>
-                </a:solidFill>
-                <a:latin typeface="+mn-lt"/>
-                <a:ea typeface="+mn-ea"/>
-                <a:cs typeface="+mn-cs"/>
-              </a:defRPr>
-            </a:lvl3pPr>
-            <a:lvl4pPr marL="1028700" algn="l" defTabSz="685800" rtl="0" eaLnBrk="1" latinLnBrk="0" hangingPunct="1">
-              <a:defRPr sz="1350" kern="1200">
-                <a:solidFill>
-                  <a:schemeClr val="lt1"/>
-                </a:solidFill>
-                <a:latin typeface="+mn-lt"/>
-                <a:ea typeface="+mn-ea"/>
-                <a:cs typeface="+mn-cs"/>
-              </a:defRPr>
-            </a:lvl4pPr>
-            <a:lvl5pPr marL="1371600" algn="l" defTabSz="685800" rtl="0" eaLnBrk="1" latinLnBrk="0" hangingPunct="1">
-              <a:defRPr sz="1350" kern="1200">
-                <a:solidFill>
-                  <a:schemeClr val="lt1"/>
-                </a:solidFill>
-                <a:latin typeface="+mn-lt"/>
-                <a:ea typeface="+mn-ea"/>
-                <a:cs typeface="+mn-cs"/>
-              </a:defRPr>
-            </a:lvl5pPr>
-            <a:lvl6pPr marL="1714500" algn="l" defTabSz="685800" rtl="0" eaLnBrk="1" latinLnBrk="0" hangingPunct="1">
-              <a:defRPr sz="1350" kern="1200">
-                <a:solidFill>
-                  <a:schemeClr val="lt1"/>
-                </a:solidFill>
-                <a:latin typeface="+mn-lt"/>
-                <a:ea typeface="+mn-ea"/>
-                <a:cs typeface="+mn-cs"/>
-              </a:defRPr>
-            </a:lvl6pPr>
-            <a:lvl7pPr marL="2057400" algn="l" defTabSz="685800" rtl="0" eaLnBrk="1" latinLnBrk="0" hangingPunct="1">
-              <a:defRPr sz="1350" kern="1200">
-                <a:solidFill>
-                  <a:schemeClr val="lt1"/>
-                </a:solidFill>
-                <a:latin typeface="+mn-lt"/>
-                <a:ea typeface="+mn-ea"/>
-                <a:cs typeface="+mn-cs"/>
-              </a:defRPr>
-            </a:lvl7pPr>
-            <a:lvl8pPr marL="2400300" algn="l" defTabSz="685800" rtl="0" eaLnBrk="1" latinLnBrk="0" hangingPunct="1">
-              <a:defRPr sz="1350" kern="1200">
-                <a:solidFill>
-                  <a:schemeClr val="lt1"/>
-                </a:solidFill>
-                <a:latin typeface="+mn-lt"/>
-                <a:ea typeface="+mn-ea"/>
-                <a:cs typeface="+mn-cs"/>
-              </a:defRPr>
-            </a:lvl8pPr>
-            <a:lvl9pPr marL="2743200" algn="l" defTabSz="685800" rtl="0" eaLnBrk="1" latinLnBrk="0" hangingPunct="1">
-              <a:defRPr sz="1350" kern="1200">
-                <a:solidFill>
-                  <a:schemeClr val="lt1"/>
-                </a:solidFill>
-                <a:latin typeface="+mn-lt"/>
-                <a:ea typeface="+mn-ea"/>
-                <a:cs typeface="+mn-cs"/>
-              </a:defRPr>
-            </a:lvl9pPr>
-          </a:lstStyle>
-          <a:p>
-            <a:pPr algn="ctr"/>
-            <a:r>
-              <a:rPr lang="es-ES" altLang="zh-CN" sz="2000" dirty="0" smtClean="0">
-                <a:solidFill>
-                  <a:schemeClr val="bg1"/>
-                </a:solidFill>
-              </a:rPr>
-              <a:t>El usuario podrá hacer la cotización de todos los servicios que posee la agencia, tours-paquetes, renta de vehículos, compra de boleos de avión, asesorías migratorias, cargo </a:t>
-            </a:r>
-            <a:r>
-              <a:rPr lang="es-ES" altLang="zh-CN" sz="2000" dirty="0" err="1" smtClean="0">
-                <a:solidFill>
-                  <a:schemeClr val="bg1"/>
-                </a:solidFill>
-              </a:rPr>
-              <a:t>express</a:t>
-            </a:r>
-            <a:r>
-              <a:rPr lang="es-ES" altLang="zh-CN" sz="2000" dirty="0" smtClean="0">
-                <a:solidFill>
-                  <a:schemeClr val="bg1"/>
-                </a:solidFill>
-              </a:rPr>
-              <a:t> </a:t>
-            </a:r>
-            <a:r>
-              <a:rPr lang="es-ES" altLang="zh-CN" sz="2000" dirty="0" err="1" smtClean="0">
-                <a:solidFill>
-                  <a:schemeClr val="bg1"/>
-                </a:solidFill>
-              </a:rPr>
-              <a:t>etc</a:t>
-            </a:r>
-            <a:r>
-              <a:rPr lang="es-ES" altLang="zh-CN" sz="2000" dirty="0" smtClean="0">
-                <a:solidFill>
-                  <a:schemeClr val="bg1"/>
-                </a:solidFill>
-              </a:rPr>
-              <a:t>,</a:t>
-            </a:r>
-          </a:p>
-          <a:p>
-            <a:pPr algn="ctr"/>
-            <a:r>
-              <a:rPr lang="es-ES" altLang="zh-CN" sz="2000" dirty="0" smtClean="0">
-                <a:solidFill>
-                  <a:schemeClr val="bg1"/>
-                </a:solidFill>
-              </a:rPr>
-              <a:t>Los cuales serán enviados a atención al </a:t>
-            </a:r>
-            <a:r>
-              <a:rPr lang="es-ES" altLang="zh-CN" sz="2000" dirty="0" err="1" smtClean="0">
-                <a:solidFill>
-                  <a:schemeClr val="bg1"/>
-                </a:solidFill>
-              </a:rPr>
-              <a:t>cliene</a:t>
-            </a:r>
-            <a:r>
-              <a:rPr lang="es-ES" altLang="zh-CN" sz="2000" dirty="0" smtClean="0">
-                <a:solidFill>
-                  <a:schemeClr val="bg1"/>
-                </a:solidFill>
-              </a:rPr>
-              <a:t> para ser </a:t>
-            </a:r>
-            <a:r>
-              <a:rPr lang="es-ES" altLang="zh-CN" sz="2000" dirty="0" err="1" smtClean="0">
-                <a:solidFill>
-                  <a:schemeClr val="bg1"/>
-                </a:solidFill>
-              </a:rPr>
-              <a:t>aprovados</a:t>
-            </a:r>
-            <a:r>
-              <a:rPr lang="es-ES" altLang="zh-CN" sz="2000" dirty="0" smtClean="0">
-                <a:solidFill>
-                  <a:schemeClr val="bg1"/>
-                </a:solidFill>
-              </a:rPr>
-              <a:t> o rechazados</a:t>
-            </a:r>
-            <a:endParaRPr lang="zh-CN" altLang="en-US" sz="2000" dirty="0">
-              <a:solidFill>
-                <a:schemeClr val="bg1"/>
-              </a:solidFill>
-            </a:endParaRPr>
-          </a:p>
-        </p:txBody>
-      </p:sp>
       <p:pic>
         <p:nvPicPr>
           <p:cNvPr id="6146" name="Picture 2"/>
@@ -8175,6 +7171,237 @@
           <a:extLst/>
         </p:spPr>
       </p:pic>
+      <p:sp>
+        <p:nvSpPr>
+          <p:cNvPr id="10" name="箭头: V 形 105"/>
+          <p:cNvSpPr/>
+          <p:nvPr/>
+        </p:nvSpPr>
+        <p:spPr>
+          <a:xfrm flipH="1">
+            <a:off x="3067049" y="533400"/>
+            <a:ext cx="8952345" cy="1485900"/>
+          </a:xfrm>
+          <a:prstGeom prst="chevron">
+            <a:avLst>
+              <a:gd name="adj" fmla="val 29021"/>
+            </a:avLst>
+          </a:prstGeom>
+          <a:ln/>
+        </p:spPr>
+        <p:style>
+          <a:lnRef idx="1">
+            <a:schemeClr val="accent2"/>
+          </a:lnRef>
+          <a:fillRef idx="2">
+            <a:schemeClr val="accent2"/>
+          </a:fillRef>
+          <a:effectRef idx="1">
+            <a:schemeClr val="accent2"/>
+          </a:effectRef>
+          <a:fontRef idx="minor">
+            <a:schemeClr val="dk1"/>
+          </a:fontRef>
+        </p:style>
+        <p:txBody>
+          <a:bodyPr rtlCol="0" anchor="ctr"/>
+          <a:lstStyle>
+            <a:defPPr>
+              <a:defRPr lang="en-US">
+                <a:solidFill>
+                  <a:schemeClr val="lt1"/>
+                </a:solidFill>
+              </a:defRPr>
+            </a:defPPr>
+            <a:lvl1pPr marL="0" algn="l" defTabSz="685800" rtl="0" eaLnBrk="1" latinLnBrk="0" hangingPunct="1">
+              <a:defRPr sz="1350" kern="1200">
+                <a:solidFill>
+                  <a:schemeClr val="lt1"/>
+                </a:solidFill>
+                <a:latin typeface="+mn-lt"/>
+                <a:ea typeface="+mn-ea"/>
+                <a:cs typeface="+mn-cs"/>
+              </a:defRPr>
+            </a:lvl1pPr>
+            <a:lvl2pPr marL="342900" algn="l" defTabSz="685800" rtl="0" eaLnBrk="1" latinLnBrk="0" hangingPunct="1">
+              <a:defRPr sz="1350" kern="1200">
+                <a:solidFill>
+                  <a:schemeClr val="lt1"/>
+                </a:solidFill>
+                <a:latin typeface="+mn-lt"/>
+                <a:ea typeface="+mn-ea"/>
+                <a:cs typeface="+mn-cs"/>
+              </a:defRPr>
+            </a:lvl2pPr>
+            <a:lvl3pPr marL="685800" algn="l" defTabSz="685800" rtl="0" eaLnBrk="1" latinLnBrk="0" hangingPunct="1">
+              <a:defRPr sz="1350" kern="1200">
+                <a:solidFill>
+                  <a:schemeClr val="lt1"/>
+                </a:solidFill>
+                <a:latin typeface="+mn-lt"/>
+                <a:ea typeface="+mn-ea"/>
+                <a:cs typeface="+mn-cs"/>
+              </a:defRPr>
+            </a:lvl3pPr>
+            <a:lvl4pPr marL="1028700" algn="l" defTabSz="685800" rtl="0" eaLnBrk="1" latinLnBrk="0" hangingPunct="1">
+              <a:defRPr sz="1350" kern="1200">
+                <a:solidFill>
+                  <a:schemeClr val="lt1"/>
+                </a:solidFill>
+                <a:latin typeface="+mn-lt"/>
+                <a:ea typeface="+mn-ea"/>
+                <a:cs typeface="+mn-cs"/>
+              </a:defRPr>
+            </a:lvl4pPr>
+            <a:lvl5pPr marL="1371600" algn="l" defTabSz="685800" rtl="0" eaLnBrk="1" latinLnBrk="0" hangingPunct="1">
+              <a:defRPr sz="1350" kern="1200">
+                <a:solidFill>
+                  <a:schemeClr val="lt1"/>
+                </a:solidFill>
+                <a:latin typeface="+mn-lt"/>
+                <a:ea typeface="+mn-ea"/>
+                <a:cs typeface="+mn-cs"/>
+              </a:defRPr>
+            </a:lvl5pPr>
+            <a:lvl6pPr marL="1714500" algn="l" defTabSz="685800" rtl="0" eaLnBrk="1" latinLnBrk="0" hangingPunct="1">
+              <a:defRPr sz="1350" kern="1200">
+                <a:solidFill>
+                  <a:schemeClr val="lt1"/>
+                </a:solidFill>
+                <a:latin typeface="+mn-lt"/>
+                <a:ea typeface="+mn-ea"/>
+                <a:cs typeface="+mn-cs"/>
+              </a:defRPr>
+            </a:lvl6pPr>
+            <a:lvl7pPr marL="2057400" algn="l" defTabSz="685800" rtl="0" eaLnBrk="1" latinLnBrk="0" hangingPunct="1">
+              <a:defRPr sz="1350" kern="1200">
+                <a:solidFill>
+                  <a:schemeClr val="lt1"/>
+                </a:solidFill>
+                <a:latin typeface="+mn-lt"/>
+                <a:ea typeface="+mn-ea"/>
+                <a:cs typeface="+mn-cs"/>
+              </a:defRPr>
+            </a:lvl7pPr>
+            <a:lvl8pPr marL="2400300" algn="l" defTabSz="685800" rtl="0" eaLnBrk="1" latinLnBrk="0" hangingPunct="1">
+              <a:defRPr sz="1350" kern="1200">
+                <a:solidFill>
+                  <a:schemeClr val="lt1"/>
+                </a:solidFill>
+                <a:latin typeface="+mn-lt"/>
+                <a:ea typeface="+mn-ea"/>
+                <a:cs typeface="+mn-cs"/>
+              </a:defRPr>
+            </a:lvl8pPr>
+            <a:lvl9pPr marL="2743200" algn="l" defTabSz="685800" rtl="0" eaLnBrk="1" latinLnBrk="0" hangingPunct="1">
+              <a:defRPr sz="1350" kern="1200">
+                <a:solidFill>
+                  <a:schemeClr val="lt1"/>
+                </a:solidFill>
+                <a:latin typeface="+mn-lt"/>
+                <a:ea typeface="+mn-ea"/>
+                <a:cs typeface="+mn-cs"/>
+              </a:defRPr>
+            </a:lvl9pPr>
+          </a:lstStyle>
+          <a:p>
+            <a:pPr algn="ctr"/>
+            <a:r>
+              <a:rPr lang="es-ES" altLang="zh-CN" sz="2000" dirty="0" smtClean="0">
+                <a:solidFill>
+                  <a:schemeClr val="bg1"/>
+                </a:solidFill>
+              </a:rPr>
+              <a:t>El usuario podrá hacer la cotización de todos los servicios que posee la agencia, tours-paquetes, renta de vehículos, compra de boleos de avión, asesorías migratorias, cargo </a:t>
+            </a:r>
+            <a:r>
+              <a:rPr lang="es-ES" altLang="zh-CN" sz="2000" dirty="0" err="1" smtClean="0">
+                <a:solidFill>
+                  <a:schemeClr val="bg1"/>
+                </a:solidFill>
+              </a:rPr>
+              <a:t>express</a:t>
+            </a:r>
+            <a:r>
+              <a:rPr lang="es-ES" altLang="zh-CN" sz="2000" dirty="0" smtClean="0">
+                <a:solidFill>
+                  <a:schemeClr val="bg1"/>
+                </a:solidFill>
+              </a:rPr>
+              <a:t>, </a:t>
+            </a:r>
+            <a:r>
+              <a:rPr lang="es-ES" altLang="zh-CN" sz="2000" dirty="0" smtClean="0">
+                <a:solidFill>
+                  <a:schemeClr val="bg1"/>
+                </a:solidFill>
+              </a:rPr>
+              <a:t>etc</a:t>
+            </a:r>
+            <a:r>
+              <a:rPr lang="es-ES" altLang="zh-CN" sz="2000" dirty="0">
+                <a:solidFill>
+                  <a:schemeClr val="bg1"/>
+                </a:solidFill>
+              </a:rPr>
+              <a:t>.</a:t>
+            </a:r>
+            <a:endParaRPr lang="es-ES" altLang="zh-CN" sz="2000" dirty="0" smtClean="0">
+              <a:solidFill>
+                <a:schemeClr val="bg1"/>
+              </a:solidFill>
+            </a:endParaRPr>
+          </a:p>
+          <a:p>
+            <a:pPr algn="ctr"/>
+            <a:r>
+              <a:rPr lang="es-ES" altLang="zh-CN" sz="2000" dirty="0" smtClean="0">
+                <a:solidFill>
+                  <a:schemeClr val="bg1"/>
+                </a:solidFill>
+              </a:rPr>
+              <a:t>Los cuales serán enviados a atención al </a:t>
+            </a:r>
+            <a:r>
+              <a:rPr lang="es-ES" altLang="zh-CN" sz="2000" dirty="0" smtClean="0">
+                <a:solidFill>
+                  <a:schemeClr val="bg1"/>
+                </a:solidFill>
+              </a:rPr>
+              <a:t>cliente </a:t>
+            </a:r>
+            <a:r>
+              <a:rPr lang="es-ES" altLang="zh-CN" sz="2000" dirty="0" smtClean="0">
+                <a:solidFill>
+                  <a:schemeClr val="bg1"/>
+                </a:solidFill>
+              </a:rPr>
+              <a:t>para ser </a:t>
+            </a:r>
+            <a:r>
+              <a:rPr lang="es-ES" altLang="zh-CN" sz="2000" dirty="0" smtClean="0">
+                <a:solidFill>
+                  <a:schemeClr val="bg1"/>
+                </a:solidFill>
+              </a:rPr>
+              <a:t>aprobados </a:t>
+            </a:r>
+            <a:r>
+              <a:rPr lang="es-ES" altLang="zh-CN" sz="2000" dirty="0" smtClean="0">
+                <a:solidFill>
+                  <a:schemeClr val="bg1"/>
+                </a:solidFill>
+              </a:rPr>
+              <a:t>o rechazados</a:t>
+            </a:r>
+            <a:endParaRPr lang="zh-CN" altLang="en-US" sz="2000" dirty="0">
+              <a:solidFill>
+                <a:schemeClr val="bg1"/>
+              </a:solidFill>
+            </a:endParaRPr>
+          </a:p>
+        </p:txBody>
+      </p:sp>
     </p:spTree>
     <p:extLst>
       <p:ext uri="{BB962C8B-B14F-4D97-AF65-F5344CB8AC3E}">
@@ -8224,3720 +7451,6 @@
           <a:chExt cx="0" cy="0"/>
         </a:xfrm>
       </p:grpSpPr>
-      <p:sp>
-        <p:nvSpPr>
-          <p:cNvPr id="26" name="Teardrop 25"/>
-          <p:cNvSpPr/>
-          <p:nvPr/>
-        </p:nvSpPr>
-        <p:spPr>
-          <a:xfrm rot="8100000">
-            <a:off x="1863921" y="1240249"/>
-            <a:ext cx="557707" cy="557707"/>
-          </a:xfrm>
-          <a:prstGeom prst="teardrop">
-            <a:avLst/>
-          </a:prstGeom>
-          <a:solidFill>
-            <a:srgbClr val="D2D0D0"/>
-          </a:solidFill>
-          <a:ln>
-            <a:noFill/>
-          </a:ln>
-        </p:spPr>
-        <p:style>
-          <a:lnRef idx="2">
-            <a:schemeClr val="accent1">
-              <a:shade val="50000"/>
-            </a:schemeClr>
-          </a:lnRef>
-          <a:fillRef idx="1">
-            <a:schemeClr val="accent1"/>
-          </a:fillRef>
-          <a:effectRef idx="0">
-            <a:schemeClr val="accent1"/>
-          </a:effectRef>
-          <a:fontRef idx="minor">
-            <a:schemeClr val="lt1"/>
-          </a:fontRef>
-        </p:style>
-        <p:txBody>
-          <a:bodyPr rtlCol="0" anchor="ctr"/>
-          <a:lstStyle/>
-          <a:p>
-            <a:pPr algn="ctr" fontAlgn="base">
-              <a:spcBef>
-                <a:spcPct val="0"/>
-              </a:spcBef>
-              <a:spcAft>
-                <a:spcPct val="0"/>
-              </a:spcAft>
-            </a:pPr>
-            <a:endParaRPr lang="en-US" sz="2800" dirty="0">
-              <a:solidFill>
-                <a:prstClr val="white"/>
-              </a:solidFill>
-              <a:cs typeface="+mn-ea"/>
-              <a:sym typeface="+mn-lt"/>
-            </a:endParaRPr>
-          </a:p>
-        </p:txBody>
-      </p:sp>
-      <p:cxnSp>
-        <p:nvCxnSpPr>
-          <p:cNvPr id="8" name="Straight Connector 7"/>
-          <p:cNvCxnSpPr/>
-          <p:nvPr/>
-        </p:nvCxnSpPr>
-        <p:spPr>
-          <a:xfrm>
-            <a:off x="815413" y="5637245"/>
-            <a:ext cx="10465163" cy="0"/>
-          </a:xfrm>
-          <a:prstGeom prst="line">
-            <a:avLst/>
-          </a:prstGeom>
-          <a:ln w="12700" cap="flat">
-            <a:solidFill>
-              <a:schemeClr val="bg1">
-                <a:lumMod val="75000"/>
-              </a:schemeClr>
-            </a:solidFill>
-            <a:prstDash val="sysDash"/>
-            <a:round/>
-          </a:ln>
-        </p:spPr>
-        <p:style>
-          <a:lnRef idx="1">
-            <a:schemeClr val="accent1"/>
-          </a:lnRef>
-          <a:fillRef idx="0">
-            <a:schemeClr val="accent1"/>
-          </a:fillRef>
-          <a:effectRef idx="0">
-            <a:schemeClr val="accent1"/>
-          </a:effectRef>
-          <a:fontRef idx="minor">
-            <a:schemeClr val="tx1"/>
-          </a:fontRef>
-        </p:style>
-      </p:cxnSp>
-      <p:cxnSp>
-        <p:nvCxnSpPr>
-          <p:cNvPr id="27" name="Straight Connector 26"/>
-          <p:cNvCxnSpPr>
-            <a:stCxn id="59" idx="1"/>
-            <a:endCxn id="13" idx="0"/>
-          </p:cNvCxnSpPr>
-          <p:nvPr/>
-        </p:nvCxnSpPr>
-        <p:spPr>
-          <a:xfrm>
-            <a:off x="2090097" y="2188711"/>
-            <a:ext cx="64843" cy="3304534"/>
-          </a:xfrm>
-          <a:prstGeom prst="line">
-            <a:avLst/>
-          </a:prstGeom>
-          <a:ln>
-            <a:solidFill>
-              <a:schemeClr val="bg1">
-                <a:lumMod val="75000"/>
-              </a:schemeClr>
-            </a:solidFill>
-          </a:ln>
-        </p:spPr>
-        <p:style>
-          <a:lnRef idx="1">
-            <a:schemeClr val="accent1"/>
-          </a:lnRef>
-          <a:fillRef idx="0">
-            <a:schemeClr val="accent1"/>
-          </a:fillRef>
-          <a:effectRef idx="0">
-            <a:schemeClr val="accent1"/>
-          </a:effectRef>
-          <a:fontRef idx="minor">
-            <a:schemeClr val="tx1"/>
-          </a:fontRef>
-        </p:style>
-      </p:cxnSp>
-      <p:cxnSp>
-        <p:nvCxnSpPr>
-          <p:cNvPr id="39" name="Straight Connector 38"/>
-          <p:cNvCxnSpPr>
-            <a:stCxn id="65" idx="1"/>
-          </p:cNvCxnSpPr>
-          <p:nvPr/>
-        </p:nvCxnSpPr>
-        <p:spPr>
-          <a:xfrm>
-            <a:off x="6710098" y="2188711"/>
-            <a:ext cx="38754" cy="3302892"/>
-          </a:xfrm>
-          <a:prstGeom prst="line">
-            <a:avLst/>
-          </a:prstGeom>
-          <a:ln>
-            <a:solidFill>
-              <a:schemeClr val="bg1">
-                <a:lumMod val="75000"/>
-              </a:schemeClr>
-            </a:solidFill>
-          </a:ln>
-        </p:spPr>
-        <p:style>
-          <a:lnRef idx="1">
-            <a:schemeClr val="accent1"/>
-          </a:lnRef>
-          <a:fillRef idx="0">
-            <a:schemeClr val="accent1"/>
-          </a:fillRef>
-          <a:effectRef idx="0">
-            <a:schemeClr val="accent1"/>
-          </a:effectRef>
-          <a:fontRef idx="minor">
-            <a:schemeClr val="tx1"/>
-          </a:fontRef>
-        </p:style>
-      </p:cxnSp>
-      <p:sp>
-        <p:nvSpPr>
-          <p:cNvPr id="38" name="Teardrop 37"/>
-          <p:cNvSpPr/>
-          <p:nvPr/>
-        </p:nvSpPr>
-        <p:spPr>
-          <a:xfrm rot="8100000">
-            <a:off x="6455195" y="1244008"/>
-            <a:ext cx="557707" cy="557707"/>
-          </a:xfrm>
-          <a:prstGeom prst="teardrop">
-            <a:avLst/>
-          </a:prstGeom>
-          <a:solidFill>
-            <a:srgbClr val="D2D0D0"/>
-          </a:solidFill>
-          <a:ln>
-            <a:noFill/>
-          </a:ln>
-        </p:spPr>
-        <p:style>
-          <a:lnRef idx="2">
-            <a:schemeClr val="accent1">
-              <a:shade val="50000"/>
-            </a:schemeClr>
-          </a:lnRef>
-          <a:fillRef idx="1">
-            <a:schemeClr val="accent1"/>
-          </a:fillRef>
-          <a:effectRef idx="0">
-            <a:schemeClr val="accent1"/>
-          </a:effectRef>
-          <a:fontRef idx="minor">
-            <a:schemeClr val="lt1"/>
-          </a:fontRef>
-        </p:style>
-        <p:txBody>
-          <a:bodyPr rtlCol="0" anchor="ctr"/>
-          <a:lstStyle/>
-          <a:p>
-            <a:pPr algn="ctr" fontAlgn="base">
-              <a:spcBef>
-                <a:spcPct val="0"/>
-              </a:spcBef>
-              <a:spcAft>
-                <a:spcPct val="0"/>
-              </a:spcAft>
-            </a:pPr>
-            <a:endParaRPr lang="en-US" sz="2800" dirty="0">
-              <a:solidFill>
-                <a:prstClr val="white"/>
-              </a:solidFill>
-              <a:cs typeface="+mn-ea"/>
-              <a:sym typeface="+mn-lt"/>
-            </a:endParaRPr>
-          </a:p>
-        </p:txBody>
-      </p:sp>
-      <p:sp>
-        <p:nvSpPr>
-          <p:cNvPr id="55" name="Freeform 100"/>
-          <p:cNvSpPr/>
-          <p:nvPr/>
-        </p:nvSpPr>
-        <p:spPr bwMode="auto">
-          <a:xfrm>
-            <a:off x="6577719" y="1421512"/>
-            <a:ext cx="235099" cy="264899"/>
-          </a:xfrm>
-          <a:custGeom>
-            <a:avLst/>
-            <a:gdLst/>
-            <a:ahLst/>
-            <a:cxnLst>
-              <a:cxn ang="0">
-                <a:pos x="230" y="212"/>
-              </a:cxn>
-              <a:cxn ang="0">
-                <a:pos x="212" y="216"/>
-              </a:cxn>
-              <a:cxn ang="0">
-                <a:pos x="197" y="223"/>
-              </a:cxn>
-              <a:cxn ang="0">
-                <a:pos x="105" y="169"/>
-              </a:cxn>
-              <a:cxn ang="0">
-                <a:pos x="105" y="160"/>
-              </a:cxn>
-              <a:cxn ang="0">
-                <a:pos x="197" y="96"/>
-              </a:cxn>
-              <a:cxn ang="0">
-                <a:pos x="204" y="100"/>
-              </a:cxn>
-              <a:cxn ang="0">
-                <a:pos x="221" y="105"/>
-              </a:cxn>
-              <a:cxn ang="0">
-                <a:pos x="230" y="107"/>
-              </a:cxn>
-              <a:cxn ang="0">
-                <a:pos x="250" y="102"/>
-              </a:cxn>
-              <a:cxn ang="0">
-                <a:pos x="266" y="91"/>
-              </a:cxn>
-              <a:cxn ang="0">
-                <a:pos x="277" y="75"/>
-              </a:cxn>
-              <a:cxn ang="0">
-                <a:pos x="282" y="53"/>
-              </a:cxn>
-              <a:cxn ang="0">
-                <a:pos x="281" y="44"/>
-              </a:cxn>
-              <a:cxn ang="0">
-                <a:pos x="273" y="24"/>
-              </a:cxn>
-              <a:cxn ang="0">
-                <a:pos x="259" y="9"/>
-              </a:cxn>
-              <a:cxn ang="0">
-                <a:pos x="239" y="2"/>
-              </a:cxn>
-              <a:cxn ang="0">
-                <a:pos x="230" y="0"/>
-              </a:cxn>
-              <a:cxn ang="0">
-                <a:pos x="208" y="4"/>
-              </a:cxn>
-              <a:cxn ang="0">
-                <a:pos x="192" y="17"/>
-              </a:cxn>
-              <a:cxn ang="0">
-                <a:pos x="181" y="33"/>
-              </a:cxn>
-              <a:cxn ang="0">
-                <a:pos x="175" y="53"/>
-              </a:cxn>
-              <a:cxn ang="0">
-                <a:pos x="177" y="62"/>
-              </a:cxn>
-              <a:cxn ang="0">
-                <a:pos x="85" y="118"/>
-              </a:cxn>
-              <a:cxn ang="0">
-                <a:pos x="68" y="109"/>
-              </a:cxn>
-              <a:cxn ang="0">
-                <a:pos x="52" y="107"/>
-              </a:cxn>
-              <a:cxn ang="0">
-                <a:pos x="41" y="107"/>
-              </a:cxn>
-              <a:cxn ang="0">
-                <a:pos x="23" y="116"/>
-              </a:cxn>
-              <a:cxn ang="0">
-                <a:pos x="9" y="131"/>
-              </a:cxn>
-              <a:cxn ang="0">
-                <a:pos x="0" y="149"/>
-              </a:cxn>
-              <a:cxn ang="0">
-                <a:pos x="0" y="160"/>
-              </a:cxn>
-              <a:cxn ang="0">
-                <a:pos x="3" y="180"/>
-              </a:cxn>
-              <a:cxn ang="0">
-                <a:pos x="14" y="198"/>
-              </a:cxn>
-              <a:cxn ang="0">
-                <a:pos x="30" y="209"/>
-              </a:cxn>
-              <a:cxn ang="0">
-                <a:pos x="52" y="212"/>
-              </a:cxn>
-              <a:cxn ang="0">
-                <a:pos x="61" y="212"/>
-              </a:cxn>
-              <a:cxn ang="0">
-                <a:pos x="78" y="207"/>
-              </a:cxn>
-              <a:cxn ang="0">
-                <a:pos x="177" y="258"/>
-              </a:cxn>
-              <a:cxn ang="0">
-                <a:pos x="175" y="267"/>
-              </a:cxn>
-              <a:cxn ang="0">
-                <a:pos x="177" y="278"/>
-              </a:cxn>
-              <a:cxn ang="0">
-                <a:pos x="184" y="296"/>
-              </a:cxn>
-              <a:cxn ang="0">
-                <a:pos x="199" y="310"/>
-              </a:cxn>
-              <a:cxn ang="0">
-                <a:pos x="219" y="318"/>
-              </a:cxn>
-              <a:cxn ang="0">
-                <a:pos x="230" y="319"/>
-              </a:cxn>
-              <a:cxn ang="0">
-                <a:pos x="250" y="316"/>
-              </a:cxn>
-              <a:cxn ang="0">
-                <a:pos x="266" y="303"/>
-              </a:cxn>
-              <a:cxn ang="0">
-                <a:pos x="277" y="287"/>
-              </a:cxn>
-              <a:cxn ang="0">
-                <a:pos x="282" y="267"/>
-              </a:cxn>
-              <a:cxn ang="0">
-                <a:pos x="281" y="256"/>
-              </a:cxn>
-              <a:cxn ang="0">
-                <a:pos x="273" y="236"/>
-              </a:cxn>
-              <a:cxn ang="0">
-                <a:pos x="259" y="221"/>
-              </a:cxn>
-              <a:cxn ang="0">
-                <a:pos x="239" y="214"/>
-              </a:cxn>
-              <a:cxn ang="0">
-                <a:pos x="230" y="212"/>
-              </a:cxn>
-            </a:cxnLst>
-            <a:rect l="0" t="0" r="r" b="b"/>
-            <a:pathLst>
-              <a:path w="282" h="319">
-                <a:moveTo>
-                  <a:pt x="230" y="212"/>
-                </a:moveTo>
-                <a:lnTo>
-                  <a:pt x="230" y="212"/>
-                </a:lnTo>
-                <a:lnTo>
-                  <a:pt x="221" y="214"/>
-                </a:lnTo>
-                <a:lnTo>
-                  <a:pt x="212" y="216"/>
-                </a:lnTo>
-                <a:lnTo>
-                  <a:pt x="204" y="220"/>
-                </a:lnTo>
-                <a:lnTo>
-                  <a:pt x="197" y="223"/>
-                </a:lnTo>
-                <a:lnTo>
-                  <a:pt x="105" y="169"/>
-                </a:lnTo>
-                <a:lnTo>
-                  <a:pt x="105" y="169"/>
-                </a:lnTo>
-                <a:lnTo>
-                  <a:pt x="105" y="160"/>
-                </a:lnTo>
-                <a:lnTo>
-                  <a:pt x="105" y="160"/>
-                </a:lnTo>
-                <a:lnTo>
-                  <a:pt x="105" y="151"/>
-                </a:lnTo>
-                <a:lnTo>
-                  <a:pt x="197" y="96"/>
-                </a:lnTo>
-                <a:lnTo>
-                  <a:pt x="197" y="96"/>
-                </a:lnTo>
-                <a:lnTo>
-                  <a:pt x="204" y="100"/>
-                </a:lnTo>
-                <a:lnTo>
-                  <a:pt x="212" y="104"/>
-                </a:lnTo>
-                <a:lnTo>
-                  <a:pt x="221" y="105"/>
-                </a:lnTo>
-                <a:lnTo>
-                  <a:pt x="230" y="107"/>
-                </a:lnTo>
-                <a:lnTo>
-                  <a:pt x="230" y="107"/>
-                </a:lnTo>
-                <a:lnTo>
-                  <a:pt x="239" y="105"/>
-                </a:lnTo>
-                <a:lnTo>
-                  <a:pt x="250" y="102"/>
-                </a:lnTo>
-                <a:lnTo>
-                  <a:pt x="259" y="98"/>
-                </a:lnTo>
-                <a:lnTo>
-                  <a:pt x="266" y="91"/>
-                </a:lnTo>
-                <a:lnTo>
-                  <a:pt x="273" y="84"/>
-                </a:lnTo>
-                <a:lnTo>
-                  <a:pt x="277" y="75"/>
-                </a:lnTo>
-                <a:lnTo>
-                  <a:pt x="281" y="64"/>
-                </a:lnTo>
-                <a:lnTo>
-                  <a:pt x="282" y="53"/>
-                </a:lnTo>
-                <a:lnTo>
-                  <a:pt x="282" y="53"/>
-                </a:lnTo>
-                <a:lnTo>
-                  <a:pt x="281" y="44"/>
-                </a:lnTo>
-                <a:lnTo>
-                  <a:pt x="277" y="33"/>
-                </a:lnTo>
-                <a:lnTo>
-                  <a:pt x="273" y="24"/>
-                </a:lnTo>
-                <a:lnTo>
-                  <a:pt x="266" y="17"/>
-                </a:lnTo>
-                <a:lnTo>
-                  <a:pt x="259" y="9"/>
-                </a:lnTo>
-                <a:lnTo>
-                  <a:pt x="250" y="4"/>
-                </a:lnTo>
-                <a:lnTo>
-                  <a:pt x="239" y="2"/>
-                </a:lnTo>
-                <a:lnTo>
-                  <a:pt x="230" y="0"/>
-                </a:lnTo>
-                <a:lnTo>
-                  <a:pt x="230" y="0"/>
-                </a:lnTo>
-                <a:lnTo>
-                  <a:pt x="219" y="2"/>
-                </a:lnTo>
-                <a:lnTo>
-                  <a:pt x="208" y="4"/>
-                </a:lnTo>
-                <a:lnTo>
-                  <a:pt x="199" y="9"/>
-                </a:lnTo>
-                <a:lnTo>
-                  <a:pt x="192" y="17"/>
-                </a:lnTo>
-                <a:lnTo>
-                  <a:pt x="184" y="24"/>
-                </a:lnTo>
-                <a:lnTo>
-                  <a:pt x="181" y="33"/>
-                </a:lnTo>
-                <a:lnTo>
-                  <a:pt x="177" y="44"/>
-                </a:lnTo>
-                <a:lnTo>
-                  <a:pt x="175" y="53"/>
-                </a:lnTo>
-                <a:lnTo>
-                  <a:pt x="175" y="53"/>
-                </a:lnTo>
-                <a:lnTo>
-                  <a:pt x="177" y="62"/>
-                </a:lnTo>
-                <a:lnTo>
-                  <a:pt x="85" y="118"/>
-                </a:lnTo>
-                <a:lnTo>
-                  <a:pt x="85" y="118"/>
-                </a:lnTo>
-                <a:lnTo>
-                  <a:pt x="78" y="113"/>
-                </a:lnTo>
-                <a:lnTo>
-                  <a:pt x="68" y="109"/>
-                </a:lnTo>
-                <a:lnTo>
-                  <a:pt x="61" y="107"/>
-                </a:lnTo>
-                <a:lnTo>
-                  <a:pt x="52" y="107"/>
-                </a:lnTo>
-                <a:lnTo>
-                  <a:pt x="52" y="107"/>
-                </a:lnTo>
-                <a:lnTo>
-                  <a:pt x="41" y="107"/>
-                </a:lnTo>
-                <a:lnTo>
-                  <a:pt x="30" y="111"/>
-                </a:lnTo>
-                <a:lnTo>
-                  <a:pt x="23" y="116"/>
-                </a:lnTo>
-                <a:lnTo>
-                  <a:pt x="14" y="122"/>
-                </a:lnTo>
-                <a:lnTo>
-                  <a:pt x="9" y="131"/>
-                </a:lnTo>
-                <a:lnTo>
-                  <a:pt x="3" y="140"/>
-                </a:lnTo>
-                <a:lnTo>
-                  <a:pt x="0" y="149"/>
-                </a:lnTo>
-                <a:lnTo>
-                  <a:pt x="0" y="160"/>
-                </a:lnTo>
-                <a:lnTo>
-                  <a:pt x="0" y="160"/>
-                </a:lnTo>
-                <a:lnTo>
-                  <a:pt x="0" y="171"/>
-                </a:lnTo>
-                <a:lnTo>
-                  <a:pt x="3" y="180"/>
-                </a:lnTo>
-                <a:lnTo>
-                  <a:pt x="9" y="189"/>
-                </a:lnTo>
-                <a:lnTo>
-                  <a:pt x="14" y="198"/>
-                </a:lnTo>
-                <a:lnTo>
-                  <a:pt x="23" y="203"/>
-                </a:lnTo>
-                <a:lnTo>
-                  <a:pt x="30" y="209"/>
-                </a:lnTo>
-                <a:lnTo>
-                  <a:pt x="41" y="212"/>
-                </a:lnTo>
-                <a:lnTo>
-                  <a:pt x="52" y="212"/>
-                </a:lnTo>
-                <a:lnTo>
-                  <a:pt x="52" y="212"/>
-                </a:lnTo>
-                <a:lnTo>
-                  <a:pt x="61" y="212"/>
-                </a:lnTo>
-                <a:lnTo>
-                  <a:pt x="68" y="211"/>
-                </a:lnTo>
-                <a:lnTo>
-                  <a:pt x="78" y="207"/>
-                </a:lnTo>
-                <a:lnTo>
-                  <a:pt x="85" y="202"/>
-                </a:lnTo>
-                <a:lnTo>
-                  <a:pt x="177" y="258"/>
-                </a:lnTo>
-                <a:lnTo>
-                  <a:pt x="177" y="258"/>
-                </a:lnTo>
-                <a:lnTo>
-                  <a:pt x="175" y="267"/>
-                </a:lnTo>
-                <a:lnTo>
-                  <a:pt x="175" y="267"/>
-                </a:lnTo>
-                <a:lnTo>
-                  <a:pt x="177" y="278"/>
-                </a:lnTo>
-                <a:lnTo>
-                  <a:pt x="181" y="287"/>
-                </a:lnTo>
-                <a:lnTo>
-                  <a:pt x="184" y="296"/>
-                </a:lnTo>
-                <a:lnTo>
-                  <a:pt x="192" y="303"/>
-                </a:lnTo>
-                <a:lnTo>
-                  <a:pt x="199" y="310"/>
-                </a:lnTo>
-                <a:lnTo>
-                  <a:pt x="208" y="316"/>
-                </a:lnTo>
-                <a:lnTo>
-                  <a:pt x="219" y="318"/>
-                </a:lnTo>
-                <a:lnTo>
-                  <a:pt x="230" y="319"/>
-                </a:lnTo>
-                <a:lnTo>
-                  <a:pt x="230" y="319"/>
-                </a:lnTo>
-                <a:lnTo>
-                  <a:pt x="239" y="318"/>
-                </a:lnTo>
-                <a:lnTo>
-                  <a:pt x="250" y="316"/>
-                </a:lnTo>
-                <a:lnTo>
-                  <a:pt x="259" y="310"/>
-                </a:lnTo>
-                <a:lnTo>
-                  <a:pt x="266" y="303"/>
-                </a:lnTo>
-                <a:lnTo>
-                  <a:pt x="273" y="296"/>
-                </a:lnTo>
-                <a:lnTo>
-                  <a:pt x="277" y="287"/>
-                </a:lnTo>
-                <a:lnTo>
-                  <a:pt x="281" y="278"/>
-                </a:lnTo>
-                <a:lnTo>
-                  <a:pt x="282" y="267"/>
-                </a:lnTo>
-                <a:lnTo>
-                  <a:pt x="282" y="267"/>
-                </a:lnTo>
-                <a:lnTo>
-                  <a:pt x="281" y="256"/>
-                </a:lnTo>
-                <a:lnTo>
-                  <a:pt x="277" y="245"/>
-                </a:lnTo>
-                <a:lnTo>
-                  <a:pt x="273" y="236"/>
-                </a:lnTo>
-                <a:lnTo>
-                  <a:pt x="266" y="229"/>
-                </a:lnTo>
-                <a:lnTo>
-                  <a:pt x="259" y="221"/>
-                </a:lnTo>
-                <a:lnTo>
-                  <a:pt x="250" y="218"/>
-                </a:lnTo>
-                <a:lnTo>
-                  <a:pt x="239" y="214"/>
-                </a:lnTo>
-                <a:lnTo>
-                  <a:pt x="230" y="212"/>
-                </a:lnTo>
-                <a:lnTo>
-                  <a:pt x="230" y="212"/>
-                </a:lnTo>
-                <a:close/>
-              </a:path>
-            </a:pathLst>
-          </a:custGeom>
-          <a:solidFill>
-            <a:schemeClr val="bg1"/>
-          </a:solidFill>
-          <a:ln w="9525">
-            <a:noFill/>
-            <a:round/>
-          </a:ln>
-        </p:spPr>
-        <p:txBody>
-          <a:bodyPr vert="horz" wrap="square" lIns="121920" tIns="60960" rIns="121920" bIns="60960" numCol="1" anchor="t" anchorCtr="0" compatLnSpc="1"/>
-          <a:lstStyle/>
-          <a:p>
-            <a:pPr algn="ctr" fontAlgn="base">
-              <a:spcBef>
-                <a:spcPct val="0"/>
-              </a:spcBef>
-              <a:spcAft>
-                <a:spcPct val="0"/>
-              </a:spcAft>
-            </a:pPr>
-            <a:endParaRPr lang="en-US" sz="2800">
-              <a:solidFill>
-                <a:srgbClr val="000000"/>
-              </a:solidFill>
-              <a:cs typeface="+mn-ea"/>
-              <a:sym typeface="+mn-lt"/>
-            </a:endParaRPr>
-          </a:p>
-        </p:txBody>
-      </p:sp>
-      <p:cxnSp>
-        <p:nvCxnSpPr>
-          <p:cNvPr id="35" name="Straight Connector 34"/>
-          <p:cNvCxnSpPr>
-            <a:endCxn id="15" idx="0"/>
-          </p:cNvCxnSpPr>
-          <p:nvPr/>
-        </p:nvCxnSpPr>
-        <p:spPr>
-          <a:xfrm>
-            <a:off x="4346482" y="3833386"/>
-            <a:ext cx="27673" cy="1659860"/>
-          </a:xfrm>
-          <a:prstGeom prst="line">
-            <a:avLst/>
-          </a:prstGeom>
-          <a:ln>
-            <a:solidFill>
-              <a:schemeClr val="bg1">
-                <a:lumMod val="75000"/>
-              </a:schemeClr>
-            </a:solidFill>
-          </a:ln>
-        </p:spPr>
-        <p:style>
-          <a:lnRef idx="1">
-            <a:schemeClr val="accent1"/>
-          </a:lnRef>
-          <a:fillRef idx="0">
-            <a:schemeClr val="accent1"/>
-          </a:fillRef>
-          <a:effectRef idx="0">
-            <a:schemeClr val="accent1"/>
-          </a:effectRef>
-          <a:fontRef idx="minor">
-            <a:schemeClr val="tx1"/>
-          </a:fontRef>
-        </p:style>
-      </p:cxnSp>
-      <p:cxnSp>
-        <p:nvCxnSpPr>
-          <p:cNvPr id="25" name="Straight Connector 24"/>
-          <p:cNvCxnSpPr/>
-          <p:nvPr/>
-        </p:nvCxnSpPr>
-        <p:spPr>
-          <a:xfrm>
-            <a:off x="9036556" y="4160879"/>
-            <a:ext cx="0" cy="1297251"/>
-          </a:xfrm>
-          <a:prstGeom prst="line">
-            <a:avLst/>
-          </a:prstGeom>
-          <a:ln>
-            <a:solidFill>
-              <a:schemeClr val="bg1">
-                <a:lumMod val="75000"/>
-              </a:schemeClr>
-            </a:solidFill>
-          </a:ln>
-        </p:spPr>
-        <p:style>
-          <a:lnRef idx="1">
-            <a:schemeClr val="accent1"/>
-          </a:lnRef>
-          <a:fillRef idx="0">
-            <a:schemeClr val="accent1"/>
-          </a:fillRef>
-          <a:effectRef idx="0">
-            <a:schemeClr val="accent1"/>
-          </a:effectRef>
-          <a:fontRef idx="minor">
-            <a:schemeClr val="tx1"/>
-          </a:fontRef>
-        </p:style>
-      </p:cxnSp>
-      <p:sp>
-        <p:nvSpPr>
-          <p:cNvPr id="13" name="Oval 12"/>
-          <p:cNvSpPr/>
-          <p:nvPr/>
-        </p:nvSpPr>
-        <p:spPr>
-          <a:xfrm>
-            <a:off x="2058940" y="5493245"/>
-            <a:ext cx="192000" cy="144000"/>
-          </a:xfrm>
-          <a:prstGeom prst="triangle">
-            <a:avLst/>
-          </a:prstGeom>
-          <a:solidFill>
-            <a:srgbClr val="D2D0D0"/>
-          </a:solidFill>
-          <a:ln>
-            <a:noFill/>
-          </a:ln>
-        </p:spPr>
-        <p:style>
-          <a:lnRef idx="2">
-            <a:schemeClr val="accent1">
-              <a:shade val="50000"/>
-            </a:schemeClr>
-          </a:lnRef>
-          <a:fillRef idx="1">
-            <a:schemeClr val="accent1"/>
-          </a:fillRef>
-          <a:effectRef idx="0">
-            <a:schemeClr val="accent1"/>
-          </a:effectRef>
-          <a:fontRef idx="minor">
-            <a:schemeClr val="lt1"/>
-          </a:fontRef>
-        </p:style>
-        <p:txBody>
-          <a:bodyPr rtlCol="0" anchor="ctr"/>
-          <a:lstStyle/>
-          <a:p>
-            <a:pPr algn="ctr" fontAlgn="base">
-              <a:spcBef>
-                <a:spcPct val="0"/>
-              </a:spcBef>
-              <a:spcAft>
-                <a:spcPct val="0"/>
-              </a:spcAft>
-            </a:pPr>
-            <a:endParaRPr lang="en-US" sz="2800">
-              <a:solidFill>
-                <a:prstClr val="white"/>
-              </a:solidFill>
-              <a:cs typeface="+mn-ea"/>
-              <a:sym typeface="+mn-lt"/>
-            </a:endParaRPr>
-          </a:p>
-        </p:txBody>
-      </p:sp>
-      <p:sp>
-        <p:nvSpPr>
-          <p:cNvPr id="17" name="Oval 16"/>
-          <p:cNvSpPr/>
-          <p:nvPr/>
-        </p:nvSpPr>
-        <p:spPr>
-          <a:xfrm>
-            <a:off x="6661701" y="5493245"/>
-            <a:ext cx="192000" cy="144000"/>
-          </a:xfrm>
-          <a:prstGeom prst="triangle">
-            <a:avLst/>
-          </a:prstGeom>
-          <a:solidFill>
-            <a:srgbClr val="D2D0D0"/>
-          </a:solidFill>
-          <a:ln>
-            <a:noFill/>
-          </a:ln>
-        </p:spPr>
-        <p:style>
-          <a:lnRef idx="2">
-            <a:schemeClr val="accent1">
-              <a:shade val="50000"/>
-            </a:schemeClr>
-          </a:lnRef>
-          <a:fillRef idx="1">
-            <a:schemeClr val="accent1"/>
-          </a:fillRef>
-          <a:effectRef idx="0">
-            <a:schemeClr val="accent1"/>
-          </a:effectRef>
-          <a:fontRef idx="minor">
-            <a:schemeClr val="lt1"/>
-          </a:fontRef>
-        </p:style>
-        <p:txBody>
-          <a:bodyPr rtlCol="0" anchor="ctr"/>
-          <a:lstStyle/>
-          <a:p>
-            <a:pPr algn="ctr" fontAlgn="base">
-              <a:spcBef>
-                <a:spcPct val="0"/>
-              </a:spcBef>
-              <a:spcAft>
-                <a:spcPct val="0"/>
-              </a:spcAft>
-            </a:pPr>
-            <a:endParaRPr lang="en-US" sz="2800">
-              <a:solidFill>
-                <a:prstClr val="white"/>
-              </a:solidFill>
-              <a:cs typeface="+mn-ea"/>
-              <a:sym typeface="+mn-lt"/>
-            </a:endParaRPr>
-          </a:p>
-        </p:txBody>
-      </p:sp>
-      <p:sp>
-        <p:nvSpPr>
-          <p:cNvPr id="15" name="Oval 14"/>
-          <p:cNvSpPr/>
-          <p:nvPr/>
-        </p:nvSpPr>
-        <p:spPr>
-          <a:xfrm>
-            <a:off x="4278155" y="5493245"/>
-            <a:ext cx="192000" cy="144000"/>
-          </a:xfrm>
-          <a:prstGeom prst="triangle">
-            <a:avLst/>
-          </a:prstGeom>
-          <a:solidFill>
-            <a:srgbClr val="D2D0D0"/>
-          </a:solidFill>
-          <a:ln>
-            <a:noFill/>
-          </a:ln>
-        </p:spPr>
-        <p:style>
-          <a:lnRef idx="2">
-            <a:schemeClr val="accent1">
-              <a:shade val="50000"/>
-            </a:schemeClr>
-          </a:lnRef>
-          <a:fillRef idx="1">
-            <a:schemeClr val="accent1"/>
-          </a:fillRef>
-          <a:effectRef idx="0">
-            <a:schemeClr val="accent1"/>
-          </a:effectRef>
-          <a:fontRef idx="minor">
-            <a:schemeClr val="lt1"/>
-          </a:fontRef>
-        </p:style>
-        <p:txBody>
-          <a:bodyPr rtlCol="0" anchor="ctr"/>
-          <a:lstStyle/>
-          <a:p>
-            <a:pPr algn="ctr" fontAlgn="base">
-              <a:spcBef>
-                <a:spcPct val="0"/>
-              </a:spcBef>
-              <a:spcAft>
-                <a:spcPct val="0"/>
-              </a:spcAft>
-            </a:pPr>
-            <a:endParaRPr lang="en-US" sz="2800">
-              <a:solidFill>
-                <a:prstClr val="white"/>
-              </a:solidFill>
-              <a:cs typeface="+mn-ea"/>
-              <a:sym typeface="+mn-lt"/>
-            </a:endParaRPr>
-          </a:p>
-        </p:txBody>
-      </p:sp>
-      <p:sp>
-        <p:nvSpPr>
-          <p:cNvPr id="19" name="Oval 18"/>
-          <p:cNvSpPr/>
-          <p:nvPr/>
-        </p:nvSpPr>
-        <p:spPr>
-          <a:xfrm>
-            <a:off x="8962769" y="5493245"/>
-            <a:ext cx="192000" cy="144000"/>
-          </a:xfrm>
-          <a:prstGeom prst="triangle">
-            <a:avLst/>
-          </a:prstGeom>
-          <a:solidFill>
-            <a:srgbClr val="D2D0D0"/>
-          </a:solidFill>
-          <a:ln>
-            <a:noFill/>
-          </a:ln>
-        </p:spPr>
-        <p:style>
-          <a:lnRef idx="2">
-            <a:schemeClr val="accent1">
-              <a:shade val="50000"/>
-            </a:schemeClr>
-          </a:lnRef>
-          <a:fillRef idx="1">
-            <a:schemeClr val="accent1"/>
-          </a:fillRef>
-          <a:effectRef idx="0">
-            <a:schemeClr val="accent1"/>
-          </a:effectRef>
-          <a:fontRef idx="minor">
-            <a:schemeClr val="lt1"/>
-          </a:fontRef>
-        </p:style>
-        <p:txBody>
-          <a:bodyPr rtlCol="0" anchor="ctr"/>
-          <a:lstStyle/>
-          <a:p>
-            <a:pPr algn="ctr" fontAlgn="base">
-              <a:spcBef>
-                <a:spcPct val="0"/>
-              </a:spcBef>
-              <a:spcAft>
-                <a:spcPct val="0"/>
-              </a:spcAft>
-            </a:pPr>
-            <a:endParaRPr lang="en-US" sz="2800">
-              <a:solidFill>
-                <a:prstClr val="white"/>
-              </a:solidFill>
-              <a:cs typeface="+mn-ea"/>
-              <a:sym typeface="+mn-lt"/>
-            </a:endParaRPr>
-          </a:p>
-        </p:txBody>
-      </p:sp>
-      <p:grpSp>
-        <p:nvGrpSpPr>
-          <p:cNvPr id="46" name="组合 45"/>
-          <p:cNvGrpSpPr/>
-          <p:nvPr/>
-        </p:nvGrpSpPr>
-        <p:grpSpPr>
-          <a:xfrm>
-            <a:off x="2090097" y="1978429"/>
-            <a:ext cx="1664240" cy="1665197"/>
-            <a:chOff x="1781020" y="2258204"/>
-            <a:chExt cx="1489227" cy="1248898"/>
-          </a:xfrm>
-        </p:grpSpPr>
-        <p:sp>
-          <p:nvSpPr>
-            <p:cNvPr id="47" name="文本框 46"/>
-            <p:cNvSpPr txBox="1"/>
-            <p:nvPr/>
-          </p:nvSpPr>
-          <p:spPr>
-            <a:xfrm>
-              <a:off x="1843567" y="2651723"/>
-              <a:ext cx="1426680" cy="855379"/>
-            </a:xfrm>
-            <a:prstGeom prst="rect">
-              <a:avLst/>
-            </a:prstGeom>
-            <a:noFill/>
-          </p:spPr>
-          <p:txBody>
-            <a:bodyPr wrap="square" rtlCol="0">
-              <a:spAutoFit/>
-            </a:bodyPr>
-            <a:lstStyle/>
-            <a:p>
-              <a:pPr fontAlgn="base">
-                <a:lnSpc>
-                  <a:spcPct val="130000"/>
-                </a:lnSpc>
-                <a:spcBef>
-                  <a:spcPct val="0"/>
-                </a:spcBef>
-                <a:spcAft>
-                  <a:spcPct val="0"/>
-                </a:spcAft>
-              </a:pPr>
-              <a:r>
-                <a:rPr lang="en-US" altLang="zh-CN" sz="1065" dirty="0">
-                  <a:solidFill>
-                    <a:prstClr val="white">
-                      <a:lumMod val="50000"/>
-                    </a:prstClr>
-                  </a:solidFill>
-                  <a:cs typeface="+mn-ea"/>
-                  <a:sym typeface="+mn-lt"/>
-                </a:rPr>
-                <a:t>Welcome to download this template, please do not </a:t>
-              </a:r>
-              <a:r>
-                <a:rPr lang="en-US" altLang="zh-CN" sz="1065" dirty="0" err="1">
-                  <a:solidFill>
-                    <a:prstClr val="white">
-                      <a:lumMod val="50000"/>
-                    </a:prstClr>
-                  </a:solidFill>
-                  <a:cs typeface="+mn-ea"/>
-                  <a:sym typeface="+mn-lt"/>
-                </a:rPr>
-                <a:t>pirate,Welcome</a:t>
-              </a:r>
-              <a:r>
-                <a:rPr lang="en-US" altLang="zh-CN" sz="1065" dirty="0">
-                  <a:solidFill>
-                    <a:prstClr val="white">
-                      <a:lumMod val="50000"/>
-                    </a:prstClr>
-                  </a:solidFill>
-                  <a:cs typeface="+mn-ea"/>
-                  <a:sym typeface="+mn-lt"/>
-                </a:rPr>
-                <a:t> to download this template, please do not pirate, </a:t>
-              </a:r>
-              <a:endParaRPr lang="zh-CN" altLang="en-US" sz="1065" dirty="0">
-                <a:solidFill>
-                  <a:prstClr val="white">
-                    <a:lumMod val="50000"/>
-                  </a:prstClr>
-                </a:solidFill>
-                <a:cs typeface="+mn-ea"/>
-                <a:sym typeface="+mn-lt"/>
-              </a:endParaRPr>
-            </a:p>
-          </p:txBody>
-        </p:sp>
-        <p:sp>
-          <p:nvSpPr>
-            <p:cNvPr id="59" name="TextBox 76"/>
-            <p:cNvSpPr txBox="1"/>
-            <p:nvPr/>
-          </p:nvSpPr>
-          <p:spPr>
-            <a:xfrm>
-              <a:off x="1781020" y="2258204"/>
-              <a:ext cx="754256" cy="315423"/>
-            </a:xfrm>
-            <a:prstGeom prst="rect">
-              <a:avLst/>
-            </a:prstGeom>
-            <a:noFill/>
-          </p:spPr>
-          <p:txBody>
-            <a:bodyPr wrap="square" rtlCol="0">
-              <a:spAutoFit/>
-            </a:bodyPr>
-            <a:lstStyle>
-              <a:defPPr>
-                <a:defRPr lang="zh-CN"/>
-              </a:defPPr>
-              <a:lvl1pPr algn="ctr">
-                <a:defRPr>
-                  <a:latin typeface="Microsoft YaHei" panose="020B0503020204020204" charset="-122"/>
-                  <a:ea typeface="Microsoft YaHei" panose="020B0503020204020204" charset="-122"/>
-                </a:defRPr>
-              </a:lvl1pPr>
-            </a:lstStyle>
-            <a:p>
-              <a:pPr fontAlgn="base">
-                <a:spcBef>
-                  <a:spcPct val="0"/>
-                </a:spcBef>
-                <a:spcAft>
-                  <a:spcPct val="0"/>
-                </a:spcAft>
-              </a:pPr>
-              <a:r>
-                <a:rPr lang="en-US" altLang="zh-CN" sz="2135">
-                  <a:solidFill>
-                    <a:srgbClr val="000000"/>
-                  </a:solidFill>
-                  <a:latin typeface="+mn-lt"/>
-                  <a:ea typeface="+mn-ea"/>
-                  <a:cs typeface="+mn-ea"/>
-                  <a:sym typeface="+mn-lt"/>
-                </a:rPr>
-                <a:t>SEO</a:t>
-              </a:r>
-              <a:endParaRPr lang="zh-CN" altLang="en-US" sz="2135" dirty="0">
-                <a:solidFill>
-                  <a:srgbClr val="000000"/>
-                </a:solidFill>
-                <a:latin typeface="+mn-lt"/>
-                <a:ea typeface="+mn-ea"/>
-                <a:cs typeface="+mn-ea"/>
-                <a:sym typeface="+mn-lt"/>
-              </a:endParaRPr>
-            </a:p>
-          </p:txBody>
-        </p:sp>
-      </p:grpSp>
-      <p:grpSp>
-        <p:nvGrpSpPr>
-          <p:cNvPr id="63" name="组合 62"/>
-          <p:cNvGrpSpPr/>
-          <p:nvPr/>
-        </p:nvGrpSpPr>
-        <p:grpSpPr>
-          <a:xfrm>
-            <a:off x="6710098" y="1978429"/>
-            <a:ext cx="1625725" cy="1878652"/>
-            <a:chOff x="1781020" y="2258204"/>
-            <a:chExt cx="1454762" cy="1408989"/>
-          </a:xfrm>
-        </p:grpSpPr>
-        <p:sp>
-          <p:nvSpPr>
-            <p:cNvPr id="64" name="文本框 63"/>
-            <p:cNvSpPr txBox="1"/>
-            <p:nvPr/>
-          </p:nvSpPr>
-          <p:spPr>
-            <a:xfrm>
-              <a:off x="1843568" y="2651723"/>
-              <a:ext cx="1392214" cy="1015470"/>
-            </a:xfrm>
-            <a:prstGeom prst="rect">
-              <a:avLst/>
-            </a:prstGeom>
-            <a:noFill/>
-          </p:spPr>
-          <p:txBody>
-            <a:bodyPr wrap="square" rtlCol="0">
-              <a:spAutoFit/>
-            </a:bodyPr>
-            <a:lstStyle/>
-            <a:p>
-              <a:pPr fontAlgn="base">
-                <a:lnSpc>
-                  <a:spcPct val="130000"/>
-                </a:lnSpc>
-                <a:spcBef>
-                  <a:spcPct val="0"/>
-                </a:spcBef>
-                <a:spcAft>
-                  <a:spcPct val="0"/>
-                </a:spcAft>
-              </a:pPr>
-              <a:r>
-                <a:rPr lang="en-US" altLang="zh-CN" sz="1065" dirty="0">
-                  <a:solidFill>
-                    <a:srgbClr val="7E7E7E">
-                      <a:lumMod val="75000"/>
-                      <a:lumOff val="25000"/>
-                    </a:srgbClr>
-                  </a:solidFill>
-                  <a:cs typeface="+mn-ea"/>
-                  <a:sym typeface="+mn-lt"/>
-                </a:rPr>
-                <a:t>Welcome to download this template, please do not </a:t>
-              </a:r>
-              <a:r>
-                <a:rPr lang="en-US" altLang="zh-CN" sz="1065" dirty="0" err="1">
-                  <a:solidFill>
-                    <a:srgbClr val="7E7E7E">
-                      <a:lumMod val="75000"/>
-                      <a:lumOff val="25000"/>
-                    </a:srgbClr>
-                  </a:solidFill>
-                  <a:cs typeface="+mn-ea"/>
-                  <a:sym typeface="+mn-lt"/>
-                </a:rPr>
-                <a:t>pirate,Welcome</a:t>
-              </a:r>
-              <a:r>
-                <a:rPr lang="en-US" altLang="zh-CN" sz="1065" dirty="0">
-                  <a:solidFill>
-                    <a:srgbClr val="7E7E7E">
-                      <a:lumMod val="75000"/>
-                      <a:lumOff val="25000"/>
-                    </a:srgbClr>
-                  </a:solidFill>
-                  <a:cs typeface="+mn-ea"/>
-                  <a:sym typeface="+mn-lt"/>
-                </a:rPr>
-                <a:t> to download this template, please do not pirate, </a:t>
-              </a:r>
-              <a:endParaRPr lang="zh-CN" altLang="en-US" sz="1065" dirty="0">
-                <a:solidFill>
-                  <a:srgbClr val="7E7E7E">
-                    <a:lumMod val="75000"/>
-                    <a:lumOff val="25000"/>
-                  </a:srgbClr>
-                </a:solidFill>
-                <a:cs typeface="+mn-ea"/>
-                <a:sym typeface="+mn-lt"/>
-              </a:endParaRPr>
-            </a:p>
-          </p:txBody>
-        </p:sp>
-        <p:sp>
-          <p:nvSpPr>
-            <p:cNvPr id="65" name="TextBox 76"/>
-            <p:cNvSpPr txBox="1"/>
-            <p:nvPr/>
-          </p:nvSpPr>
-          <p:spPr>
-            <a:xfrm>
-              <a:off x="1781020" y="2258204"/>
-              <a:ext cx="754256" cy="315423"/>
-            </a:xfrm>
-            <a:prstGeom prst="rect">
-              <a:avLst/>
-            </a:prstGeom>
-            <a:noFill/>
-          </p:spPr>
-          <p:txBody>
-            <a:bodyPr wrap="square" rtlCol="0">
-              <a:spAutoFit/>
-            </a:bodyPr>
-            <a:lstStyle>
-              <a:defPPr>
-                <a:defRPr lang="zh-CN"/>
-              </a:defPPr>
-              <a:lvl1pPr algn="ctr">
-                <a:defRPr>
-                  <a:latin typeface="Microsoft YaHei" panose="020B0503020204020204" charset="-122"/>
-                  <a:ea typeface="Microsoft YaHei" panose="020B0503020204020204" charset="-122"/>
-                </a:defRPr>
-              </a:lvl1pPr>
-            </a:lstStyle>
-            <a:p>
-              <a:pPr fontAlgn="base">
-                <a:spcBef>
-                  <a:spcPct val="0"/>
-                </a:spcBef>
-                <a:spcAft>
-                  <a:spcPct val="0"/>
-                </a:spcAft>
-              </a:pPr>
-              <a:r>
-                <a:rPr lang="en-US" altLang="zh-CN" sz="2135">
-                  <a:solidFill>
-                    <a:srgbClr val="000000"/>
-                  </a:solidFill>
-                  <a:latin typeface="+mn-lt"/>
-                  <a:ea typeface="+mn-ea"/>
-                  <a:cs typeface="+mn-ea"/>
-                  <a:sym typeface="+mn-lt"/>
-                </a:rPr>
-                <a:t>SEO</a:t>
-              </a:r>
-              <a:endParaRPr lang="zh-CN" altLang="en-US" sz="2135" dirty="0">
-                <a:solidFill>
-                  <a:srgbClr val="000000"/>
-                </a:solidFill>
-                <a:latin typeface="+mn-lt"/>
-                <a:ea typeface="+mn-ea"/>
-                <a:cs typeface="+mn-ea"/>
-                <a:sym typeface="+mn-lt"/>
-              </a:endParaRPr>
-            </a:p>
-          </p:txBody>
-        </p:sp>
-      </p:grpSp>
-      <p:grpSp>
-        <p:nvGrpSpPr>
-          <p:cNvPr id="4" name="组合 3"/>
-          <p:cNvGrpSpPr/>
-          <p:nvPr/>
-        </p:nvGrpSpPr>
-        <p:grpSpPr>
-          <a:xfrm>
-            <a:off x="8757195" y="2682690"/>
-            <a:ext cx="2043328" cy="2423193"/>
-            <a:chOff x="6650083" y="2444065"/>
-            <a:chExt cx="1532496" cy="1817395"/>
-          </a:xfrm>
-        </p:grpSpPr>
-        <p:sp>
-          <p:nvSpPr>
-            <p:cNvPr id="22" name="Teardrop 21"/>
-            <p:cNvSpPr/>
-            <p:nvPr/>
-          </p:nvSpPr>
-          <p:spPr>
-            <a:xfrm rot="8100000">
-              <a:off x="6650083" y="2444065"/>
-              <a:ext cx="418280" cy="418280"/>
-            </a:xfrm>
-            <a:prstGeom prst="teardrop">
-              <a:avLst/>
-            </a:prstGeom>
-            <a:solidFill>
-              <a:srgbClr val="D2D0D0"/>
-            </a:solidFill>
-            <a:ln>
-              <a:noFill/>
-            </a:ln>
-          </p:spPr>
-          <p:style>
-            <a:lnRef idx="2">
-              <a:schemeClr val="accent1">
-                <a:shade val="50000"/>
-              </a:schemeClr>
-            </a:lnRef>
-            <a:fillRef idx="1">
-              <a:schemeClr val="accent1"/>
-            </a:fillRef>
-            <a:effectRef idx="0">
-              <a:schemeClr val="accent1"/>
-            </a:effectRef>
-            <a:fontRef idx="minor">
-              <a:schemeClr val="lt1"/>
-            </a:fontRef>
-          </p:style>
-          <p:txBody>
-            <a:bodyPr rtlCol="0" anchor="ctr"/>
-            <a:lstStyle/>
-            <a:p>
-              <a:pPr algn="ctr" fontAlgn="base">
-                <a:spcBef>
-                  <a:spcPct val="0"/>
-                </a:spcBef>
-                <a:spcAft>
-                  <a:spcPct val="0"/>
-                </a:spcAft>
-              </a:pPr>
-              <a:endParaRPr lang="en-US" sz="2800" dirty="0">
-                <a:solidFill>
-                  <a:prstClr val="white"/>
-                </a:solidFill>
-                <a:cs typeface="+mn-ea"/>
-                <a:sym typeface="+mn-lt"/>
-              </a:endParaRPr>
-            </a:p>
-          </p:txBody>
-        </p:sp>
-        <p:sp>
-          <p:nvSpPr>
-            <p:cNvPr id="67" name="文本框 66"/>
-            <p:cNvSpPr txBox="1"/>
-            <p:nvPr/>
-          </p:nvSpPr>
-          <p:spPr>
-            <a:xfrm>
-              <a:off x="6903700" y="3406081"/>
-              <a:ext cx="1278879" cy="855379"/>
-            </a:xfrm>
-            <a:prstGeom prst="rect">
-              <a:avLst/>
-            </a:prstGeom>
-            <a:noFill/>
-          </p:spPr>
-          <p:txBody>
-            <a:bodyPr wrap="square" rtlCol="0">
-              <a:spAutoFit/>
-            </a:bodyPr>
-            <a:lstStyle/>
-            <a:p>
-              <a:pPr fontAlgn="base">
-                <a:lnSpc>
-                  <a:spcPct val="130000"/>
-                </a:lnSpc>
-                <a:spcBef>
-                  <a:spcPct val="0"/>
-                </a:spcBef>
-                <a:spcAft>
-                  <a:spcPct val="0"/>
-                </a:spcAft>
-              </a:pPr>
-              <a:r>
-                <a:rPr lang="en-US" altLang="zh-CN" sz="1065" dirty="0">
-                  <a:solidFill>
-                    <a:srgbClr val="7E7E7E">
-                      <a:lumMod val="75000"/>
-                      <a:lumOff val="25000"/>
-                    </a:srgbClr>
-                  </a:solidFill>
-                  <a:cs typeface="+mn-ea"/>
-                  <a:sym typeface="+mn-lt"/>
-                </a:rPr>
-                <a:t>Welcome to download this template, please do not </a:t>
-              </a:r>
-              <a:r>
-                <a:rPr lang="en-US" altLang="zh-CN" sz="1065" dirty="0" err="1">
-                  <a:solidFill>
-                    <a:srgbClr val="7E7E7E">
-                      <a:lumMod val="75000"/>
-                      <a:lumOff val="25000"/>
-                    </a:srgbClr>
-                  </a:solidFill>
-                  <a:cs typeface="+mn-ea"/>
-                  <a:sym typeface="+mn-lt"/>
-                </a:rPr>
-                <a:t>pirate,Welcome</a:t>
-              </a:r>
-              <a:r>
-                <a:rPr lang="en-US" altLang="zh-CN" sz="1065" dirty="0">
-                  <a:solidFill>
-                    <a:srgbClr val="7E7E7E">
-                      <a:lumMod val="75000"/>
-                      <a:lumOff val="25000"/>
-                    </a:srgbClr>
-                  </a:solidFill>
-                  <a:cs typeface="+mn-ea"/>
-                  <a:sym typeface="+mn-lt"/>
-                </a:rPr>
-                <a:t> to download this template, please do not pirate, </a:t>
-              </a:r>
-              <a:endParaRPr lang="zh-CN" altLang="en-US" sz="1065" dirty="0">
-                <a:solidFill>
-                  <a:srgbClr val="7E7E7E">
-                    <a:lumMod val="75000"/>
-                    <a:lumOff val="25000"/>
-                  </a:srgbClr>
-                </a:solidFill>
-                <a:cs typeface="+mn-ea"/>
-                <a:sym typeface="+mn-lt"/>
-              </a:endParaRPr>
-            </a:p>
-          </p:txBody>
-        </p:sp>
-        <p:sp>
-          <p:nvSpPr>
-            <p:cNvPr id="68" name="TextBox 76"/>
-            <p:cNvSpPr txBox="1"/>
-            <p:nvPr/>
-          </p:nvSpPr>
-          <p:spPr>
-            <a:xfrm>
-              <a:off x="6851277" y="3012562"/>
-              <a:ext cx="632172" cy="315423"/>
-            </a:xfrm>
-            <a:prstGeom prst="rect">
-              <a:avLst/>
-            </a:prstGeom>
-            <a:noFill/>
-          </p:spPr>
-          <p:txBody>
-            <a:bodyPr wrap="square" rtlCol="0">
-              <a:spAutoFit/>
-            </a:bodyPr>
-            <a:lstStyle>
-              <a:defPPr>
-                <a:defRPr lang="zh-CN"/>
-              </a:defPPr>
-              <a:lvl1pPr algn="ctr">
-                <a:defRPr>
-                  <a:latin typeface="Microsoft YaHei" panose="020B0503020204020204" charset="-122"/>
-                  <a:ea typeface="Microsoft YaHei" panose="020B0503020204020204" charset="-122"/>
-                </a:defRPr>
-              </a:lvl1pPr>
-            </a:lstStyle>
-            <a:p>
-              <a:pPr fontAlgn="base">
-                <a:spcBef>
-                  <a:spcPct val="0"/>
-                </a:spcBef>
-                <a:spcAft>
-                  <a:spcPct val="0"/>
-                </a:spcAft>
-              </a:pPr>
-              <a:r>
-                <a:rPr lang="en-US" altLang="zh-CN" sz="2135">
-                  <a:solidFill>
-                    <a:srgbClr val="000000"/>
-                  </a:solidFill>
-                  <a:latin typeface="+mn-lt"/>
-                  <a:ea typeface="+mn-ea"/>
-                  <a:cs typeface="+mn-ea"/>
-                  <a:sym typeface="+mn-lt"/>
-                </a:rPr>
-                <a:t>SEO</a:t>
-              </a:r>
-              <a:endParaRPr lang="zh-CN" altLang="en-US" sz="2135" dirty="0">
-                <a:solidFill>
-                  <a:srgbClr val="000000"/>
-                </a:solidFill>
-                <a:latin typeface="+mn-lt"/>
-                <a:ea typeface="+mn-ea"/>
-                <a:cs typeface="+mn-ea"/>
-                <a:sym typeface="+mn-lt"/>
-              </a:endParaRPr>
-            </a:p>
-          </p:txBody>
-        </p:sp>
-        <p:sp>
-          <p:nvSpPr>
-            <p:cNvPr id="71" name="Freeform 24"/>
-            <p:cNvSpPr/>
-            <p:nvPr/>
-          </p:nvSpPr>
-          <p:spPr bwMode="auto">
-            <a:xfrm>
-              <a:off x="6817867" y="2690203"/>
-              <a:ext cx="66821" cy="60556"/>
-            </a:xfrm>
-            <a:custGeom>
-              <a:avLst/>
-              <a:gdLst>
-                <a:gd name="T0" fmla="*/ 36 w 38"/>
-                <a:gd name="T1" fmla="*/ 10 h 30"/>
-                <a:gd name="T2" fmla="*/ 1 w 38"/>
-                <a:gd name="T3" fmla="*/ 11 h 30"/>
-                <a:gd name="T4" fmla="*/ 1 w 38"/>
-                <a:gd name="T5" fmla="*/ 13 h 30"/>
-                <a:gd name="T6" fmla="*/ 19 w 38"/>
-                <a:gd name="T7" fmla="*/ 30 h 30"/>
-                <a:gd name="T8" fmla="*/ 36 w 38"/>
-                <a:gd name="T9" fmla="*/ 13 h 30"/>
-                <a:gd name="T10" fmla="*/ 36 w 38"/>
-                <a:gd name="T11" fmla="*/ 10 h 30"/>
-              </a:gdLst>
-              <a:ahLst/>
-              <a:cxnLst>
-                <a:cxn ang="0">
-                  <a:pos x="T0" y="T1"/>
-                </a:cxn>
-                <a:cxn ang="0">
-                  <a:pos x="T2" y="T3"/>
-                </a:cxn>
-                <a:cxn ang="0">
-                  <a:pos x="T4" y="T5"/>
-                </a:cxn>
-                <a:cxn ang="0">
-                  <a:pos x="T6" y="T7"/>
-                </a:cxn>
-                <a:cxn ang="0">
-                  <a:pos x="T8" y="T9"/>
-                </a:cxn>
-                <a:cxn ang="0">
-                  <a:pos x="T10" y="T11"/>
-                </a:cxn>
-              </a:cxnLst>
-              <a:rect l="0" t="0" r="r" b="b"/>
-              <a:pathLst>
-                <a:path w="38" h="30">
-                  <a:moveTo>
-                    <a:pt x="36" y="10"/>
-                  </a:moveTo>
-                  <a:cubicBezTo>
-                    <a:pt x="26" y="1"/>
-                    <a:pt x="12" y="0"/>
-                    <a:pt x="1" y="11"/>
-                  </a:cubicBezTo>
-                  <a:cubicBezTo>
-                    <a:pt x="0" y="11"/>
-                    <a:pt x="0" y="12"/>
-                    <a:pt x="1" y="13"/>
-                  </a:cubicBezTo>
-                  <a:cubicBezTo>
-                    <a:pt x="19" y="30"/>
-                    <a:pt x="19" y="30"/>
-                    <a:pt x="19" y="30"/>
-                  </a:cubicBezTo>
-                  <a:cubicBezTo>
-                    <a:pt x="36" y="13"/>
-                    <a:pt x="36" y="13"/>
-                    <a:pt x="36" y="13"/>
-                  </a:cubicBezTo>
-                  <a:cubicBezTo>
-                    <a:pt x="38" y="11"/>
-                    <a:pt x="37" y="11"/>
-                    <a:pt x="36" y="10"/>
-                  </a:cubicBezTo>
-                  <a:close/>
-                </a:path>
-              </a:pathLst>
-            </a:custGeom>
-            <a:solidFill>
-              <a:schemeClr val="bg1"/>
-            </a:solidFill>
-            <a:ln>
-              <a:noFill/>
-            </a:ln>
-            <a:extLst>
-              <a:ext uri="{91240B29-F687-4F45-9708-019B960494DF}">
-                <a14:hiddenLine xmlns:a14="http://schemas.microsoft.com/office/drawing/2010/main" w="9525">
-                  <a:solidFill>
-                    <a:srgbClr val="000000"/>
-                  </a:solidFill>
-                  <a:round/>
-                </a14:hiddenLine>
-              </a:ext>
-            </a:extLst>
-          </p:spPr>
-          <p:txBody>
-            <a:bodyPr vert="horz" wrap="square" lIns="121920" tIns="60960" rIns="121920" bIns="60960" numCol="1" anchor="t" anchorCtr="0" compatLnSpc="1"/>
-            <a:lstStyle/>
-            <a:p>
-              <a:pPr>
-                <a:defRPr/>
-              </a:pPr>
-              <a:endParaRPr lang="en-US" sz="2400">
-                <a:solidFill>
-                  <a:prstClr val="black"/>
-                </a:solidFill>
-                <a:cs typeface="+mn-ea"/>
-                <a:sym typeface="+mn-lt"/>
-              </a:endParaRPr>
-            </a:p>
-          </p:txBody>
-        </p:sp>
-        <p:sp>
-          <p:nvSpPr>
-            <p:cNvPr id="72" name="Freeform 25"/>
-            <p:cNvSpPr/>
-            <p:nvPr/>
-          </p:nvSpPr>
-          <p:spPr bwMode="auto">
-            <a:xfrm>
-              <a:off x="6773320" y="2623787"/>
-              <a:ext cx="154201" cy="78136"/>
-            </a:xfrm>
-            <a:custGeom>
-              <a:avLst/>
-              <a:gdLst>
-                <a:gd name="T0" fmla="*/ 87 w 88"/>
-                <a:gd name="T1" fmla="*/ 23 h 39"/>
-                <a:gd name="T2" fmla="*/ 0 w 88"/>
-                <a:gd name="T3" fmla="*/ 24 h 39"/>
-                <a:gd name="T4" fmla="*/ 0 w 88"/>
-                <a:gd name="T5" fmla="*/ 26 h 39"/>
-                <a:gd name="T6" fmla="*/ 13 w 88"/>
-                <a:gd name="T7" fmla="*/ 38 h 39"/>
-                <a:gd name="T8" fmla="*/ 15 w 88"/>
-                <a:gd name="T9" fmla="*/ 38 h 39"/>
-                <a:gd name="T10" fmla="*/ 73 w 88"/>
-                <a:gd name="T11" fmla="*/ 38 h 39"/>
-                <a:gd name="T12" fmla="*/ 75 w 88"/>
-                <a:gd name="T13" fmla="*/ 38 h 39"/>
-                <a:gd name="T14" fmla="*/ 87 w 88"/>
-                <a:gd name="T15" fmla="*/ 26 h 39"/>
-                <a:gd name="T16" fmla="*/ 87 w 88"/>
-                <a:gd name="T17" fmla="*/ 26 h 39"/>
-                <a:gd name="T18" fmla="*/ 87 w 88"/>
-                <a:gd name="T19" fmla="*/ 24 h 39"/>
-                <a:gd name="T20" fmla="*/ 87 w 88"/>
-                <a:gd name="T21" fmla="*/ 23 h 39"/>
-              </a:gdLst>
-              <a:ahLst/>
-              <a:cxnLst>
-                <a:cxn ang="0">
-                  <a:pos x="T0" y="T1"/>
-                </a:cxn>
-                <a:cxn ang="0">
-                  <a:pos x="T2" y="T3"/>
-                </a:cxn>
-                <a:cxn ang="0">
-                  <a:pos x="T4" y="T5"/>
-                </a:cxn>
-                <a:cxn ang="0">
-                  <a:pos x="T6" y="T7"/>
-                </a:cxn>
-                <a:cxn ang="0">
-                  <a:pos x="T8" y="T9"/>
-                </a:cxn>
-                <a:cxn ang="0">
-                  <a:pos x="T10" y="T11"/>
-                </a:cxn>
-                <a:cxn ang="0">
-                  <a:pos x="T12" y="T13"/>
-                </a:cxn>
-                <a:cxn ang="0">
-                  <a:pos x="T14" y="T15"/>
-                </a:cxn>
-                <a:cxn ang="0">
-                  <a:pos x="T16" y="T17"/>
-                </a:cxn>
-                <a:cxn ang="0">
-                  <a:pos x="T18" y="T19"/>
-                </a:cxn>
-                <a:cxn ang="0">
-                  <a:pos x="T20" y="T21"/>
-                </a:cxn>
-              </a:cxnLst>
-              <a:rect l="0" t="0" r="r" b="b"/>
-              <a:pathLst>
-                <a:path w="88" h="39">
-                  <a:moveTo>
-                    <a:pt x="87" y="23"/>
-                  </a:moveTo>
-                  <a:cubicBezTo>
-                    <a:pt x="63" y="0"/>
-                    <a:pt x="24" y="0"/>
-                    <a:pt x="0" y="24"/>
-                  </a:cubicBezTo>
-                  <a:cubicBezTo>
-                    <a:pt x="0" y="24"/>
-                    <a:pt x="0" y="25"/>
-                    <a:pt x="0" y="26"/>
-                  </a:cubicBezTo>
-                  <a:cubicBezTo>
-                    <a:pt x="13" y="38"/>
-                    <a:pt x="13" y="38"/>
-                    <a:pt x="13" y="38"/>
-                  </a:cubicBezTo>
-                  <a:cubicBezTo>
-                    <a:pt x="13" y="39"/>
-                    <a:pt x="14" y="39"/>
-                    <a:pt x="15" y="38"/>
-                  </a:cubicBezTo>
-                  <a:cubicBezTo>
-                    <a:pt x="31" y="22"/>
-                    <a:pt x="57" y="22"/>
-                    <a:pt x="73" y="38"/>
-                  </a:cubicBezTo>
-                  <a:cubicBezTo>
-                    <a:pt x="73" y="39"/>
-                    <a:pt x="74" y="39"/>
-                    <a:pt x="75" y="38"/>
-                  </a:cubicBezTo>
-                  <a:cubicBezTo>
-                    <a:pt x="87" y="26"/>
-                    <a:pt x="87" y="26"/>
-                    <a:pt x="87" y="26"/>
-                  </a:cubicBezTo>
-                  <a:cubicBezTo>
-                    <a:pt x="87" y="26"/>
-                    <a:pt x="87" y="26"/>
-                    <a:pt x="87" y="26"/>
-                  </a:cubicBezTo>
-                  <a:cubicBezTo>
-                    <a:pt x="88" y="25"/>
-                    <a:pt x="88" y="24"/>
-                    <a:pt x="87" y="24"/>
-                  </a:cubicBezTo>
-                  <a:lnTo>
-                    <a:pt x="87" y="23"/>
-                  </a:lnTo>
-                  <a:close/>
-                </a:path>
-              </a:pathLst>
-            </a:custGeom>
-            <a:solidFill>
-              <a:schemeClr val="bg1"/>
-            </a:solidFill>
-            <a:ln>
-              <a:noFill/>
-            </a:ln>
-            <a:extLst>
-              <a:ext uri="{91240B29-F687-4F45-9708-019B960494DF}">
-                <a14:hiddenLine xmlns:a14="http://schemas.microsoft.com/office/drawing/2010/main" w="9525">
-                  <a:solidFill>
-                    <a:srgbClr val="000000"/>
-                  </a:solidFill>
-                  <a:round/>
-                </a14:hiddenLine>
-              </a:ext>
-            </a:extLst>
-          </p:spPr>
-          <p:txBody>
-            <a:bodyPr vert="horz" wrap="square" lIns="121920" tIns="60960" rIns="121920" bIns="60960" numCol="1" anchor="t" anchorCtr="0" compatLnSpc="1"/>
-            <a:lstStyle/>
-            <a:p>
-              <a:pPr>
-                <a:defRPr/>
-              </a:pPr>
-              <a:endParaRPr lang="en-US" sz="2400">
-                <a:solidFill>
-                  <a:prstClr val="black"/>
-                </a:solidFill>
-                <a:cs typeface="+mn-ea"/>
-                <a:sym typeface="+mn-lt"/>
-              </a:endParaRPr>
-            </a:p>
-          </p:txBody>
-        </p:sp>
-        <p:sp>
-          <p:nvSpPr>
-            <p:cNvPr id="73" name="Freeform 26"/>
-            <p:cNvSpPr/>
-            <p:nvPr/>
-          </p:nvSpPr>
-          <p:spPr bwMode="auto">
-            <a:xfrm>
-              <a:off x="6735626" y="2555419"/>
-              <a:ext cx="231302" cy="101577"/>
-            </a:xfrm>
-            <a:custGeom>
-              <a:avLst/>
-              <a:gdLst>
-                <a:gd name="T0" fmla="*/ 131 w 132"/>
-                <a:gd name="T1" fmla="*/ 36 h 51"/>
-                <a:gd name="T2" fmla="*/ 131 w 132"/>
-                <a:gd name="T3" fmla="*/ 36 h 51"/>
-                <a:gd name="T4" fmla="*/ 1 w 132"/>
-                <a:gd name="T5" fmla="*/ 36 h 51"/>
-                <a:gd name="T6" fmla="*/ 1 w 132"/>
-                <a:gd name="T7" fmla="*/ 38 h 51"/>
-                <a:gd name="T8" fmla="*/ 13 w 132"/>
-                <a:gd name="T9" fmla="*/ 51 h 51"/>
-                <a:gd name="T10" fmla="*/ 16 w 132"/>
-                <a:gd name="T11" fmla="*/ 51 h 51"/>
-                <a:gd name="T12" fmla="*/ 116 w 132"/>
-                <a:gd name="T13" fmla="*/ 51 h 51"/>
-                <a:gd name="T14" fmla="*/ 118 w 132"/>
-                <a:gd name="T15" fmla="*/ 51 h 51"/>
-                <a:gd name="T16" fmla="*/ 131 w 132"/>
-                <a:gd name="T17" fmla="*/ 38 h 51"/>
-                <a:gd name="T18" fmla="*/ 131 w 132"/>
-                <a:gd name="T19" fmla="*/ 38 h 51"/>
-                <a:gd name="T20" fmla="*/ 131 w 132"/>
-                <a:gd name="T21" fmla="*/ 36 h 51"/>
-              </a:gdLst>
-              <a:ahLst/>
-              <a:cxnLst>
-                <a:cxn ang="0">
-                  <a:pos x="T0" y="T1"/>
-                </a:cxn>
-                <a:cxn ang="0">
-                  <a:pos x="T2" y="T3"/>
-                </a:cxn>
-                <a:cxn ang="0">
-                  <a:pos x="T4" y="T5"/>
-                </a:cxn>
-                <a:cxn ang="0">
-                  <a:pos x="T6" y="T7"/>
-                </a:cxn>
-                <a:cxn ang="0">
-                  <a:pos x="T8" y="T9"/>
-                </a:cxn>
-                <a:cxn ang="0">
-                  <a:pos x="T10" y="T11"/>
-                </a:cxn>
-                <a:cxn ang="0">
-                  <a:pos x="T12" y="T13"/>
-                </a:cxn>
-                <a:cxn ang="0">
-                  <a:pos x="T14" y="T15"/>
-                </a:cxn>
-                <a:cxn ang="0">
-                  <a:pos x="T16" y="T17"/>
-                </a:cxn>
-                <a:cxn ang="0">
-                  <a:pos x="T18" y="T19"/>
-                </a:cxn>
-                <a:cxn ang="0">
-                  <a:pos x="T20" y="T21"/>
-                </a:cxn>
-              </a:cxnLst>
-              <a:rect l="0" t="0" r="r" b="b"/>
-              <a:pathLst>
-                <a:path w="132" h="51">
-                  <a:moveTo>
-                    <a:pt x="131" y="36"/>
-                  </a:moveTo>
-                  <a:cubicBezTo>
-                    <a:pt x="131" y="36"/>
-                    <a:pt x="131" y="36"/>
-                    <a:pt x="131" y="36"/>
-                  </a:cubicBezTo>
-                  <a:cubicBezTo>
-                    <a:pt x="95" y="0"/>
-                    <a:pt x="36" y="0"/>
-                    <a:pt x="1" y="36"/>
-                  </a:cubicBezTo>
-                  <a:cubicBezTo>
-                    <a:pt x="0" y="37"/>
-                    <a:pt x="0" y="37"/>
-                    <a:pt x="1" y="38"/>
-                  </a:cubicBezTo>
-                  <a:cubicBezTo>
-                    <a:pt x="13" y="51"/>
-                    <a:pt x="13" y="51"/>
-                    <a:pt x="13" y="51"/>
-                  </a:cubicBezTo>
-                  <a:cubicBezTo>
-                    <a:pt x="14" y="51"/>
-                    <a:pt x="15" y="51"/>
-                    <a:pt x="16" y="51"/>
-                  </a:cubicBezTo>
-                  <a:cubicBezTo>
-                    <a:pt x="43" y="23"/>
-                    <a:pt x="88" y="23"/>
-                    <a:pt x="116" y="51"/>
-                  </a:cubicBezTo>
-                  <a:cubicBezTo>
-                    <a:pt x="117" y="51"/>
-                    <a:pt x="118" y="51"/>
-                    <a:pt x="118" y="51"/>
-                  </a:cubicBezTo>
-                  <a:cubicBezTo>
-                    <a:pt x="131" y="38"/>
-                    <a:pt x="131" y="38"/>
-                    <a:pt x="131" y="38"/>
-                  </a:cubicBezTo>
-                  <a:cubicBezTo>
-                    <a:pt x="131" y="38"/>
-                    <a:pt x="131" y="38"/>
-                    <a:pt x="131" y="38"/>
-                  </a:cubicBezTo>
-                  <a:cubicBezTo>
-                    <a:pt x="132" y="37"/>
-                    <a:pt x="132" y="37"/>
-                    <a:pt x="131" y="36"/>
-                  </a:cubicBezTo>
-                  <a:close/>
-                </a:path>
-              </a:pathLst>
-            </a:custGeom>
-            <a:solidFill>
-              <a:schemeClr val="bg1"/>
-            </a:solidFill>
-            <a:ln>
-              <a:noFill/>
-            </a:ln>
-            <a:extLst>
-              <a:ext uri="{91240B29-F687-4F45-9708-019B960494DF}">
-                <a14:hiddenLine xmlns:a14="http://schemas.microsoft.com/office/drawing/2010/main" w="9525">
-                  <a:solidFill>
-                    <a:srgbClr val="000000"/>
-                  </a:solidFill>
-                  <a:round/>
-                </a14:hiddenLine>
-              </a:ext>
-            </a:extLst>
-          </p:spPr>
-          <p:txBody>
-            <a:bodyPr vert="horz" wrap="square" lIns="121920" tIns="60960" rIns="121920" bIns="60960" numCol="1" anchor="t" anchorCtr="0" compatLnSpc="1"/>
-            <a:lstStyle/>
-            <a:p>
-              <a:pPr>
-                <a:defRPr/>
-              </a:pPr>
-              <a:endParaRPr lang="en-US" sz="2400">
-                <a:solidFill>
-                  <a:prstClr val="black"/>
-                </a:solidFill>
-                <a:cs typeface="+mn-ea"/>
-                <a:sym typeface="+mn-lt"/>
-              </a:endParaRPr>
-            </a:p>
-          </p:txBody>
-        </p:sp>
-      </p:grpSp>
-      <p:grpSp>
-        <p:nvGrpSpPr>
-          <p:cNvPr id="3" name="组合 2"/>
-          <p:cNvGrpSpPr/>
-          <p:nvPr/>
-        </p:nvGrpSpPr>
-        <p:grpSpPr>
-          <a:xfrm>
-            <a:off x="4072581" y="2660916"/>
-            <a:ext cx="1979076" cy="2430271"/>
-            <a:chOff x="3506811" y="2444065"/>
-            <a:chExt cx="1484307" cy="1822703"/>
-          </a:xfrm>
-        </p:grpSpPr>
-        <p:sp>
-          <p:nvSpPr>
-            <p:cNvPr id="61" name="文本框 60"/>
-            <p:cNvSpPr txBox="1"/>
-            <p:nvPr/>
-          </p:nvSpPr>
-          <p:spPr>
-            <a:xfrm>
-              <a:off x="3712237" y="3411389"/>
-              <a:ext cx="1278881" cy="855379"/>
-            </a:xfrm>
-            <a:prstGeom prst="rect">
-              <a:avLst/>
-            </a:prstGeom>
-            <a:noFill/>
-          </p:spPr>
-          <p:txBody>
-            <a:bodyPr wrap="square" rtlCol="0">
-              <a:spAutoFit/>
-            </a:bodyPr>
-            <a:lstStyle/>
-            <a:p>
-              <a:pPr fontAlgn="base">
-                <a:lnSpc>
-                  <a:spcPct val="130000"/>
-                </a:lnSpc>
-                <a:spcBef>
-                  <a:spcPct val="0"/>
-                </a:spcBef>
-                <a:spcAft>
-                  <a:spcPct val="0"/>
-                </a:spcAft>
-              </a:pPr>
-              <a:r>
-                <a:rPr lang="en-US" altLang="zh-CN" sz="1065" dirty="0">
-                  <a:solidFill>
-                    <a:prstClr val="white">
-                      <a:lumMod val="50000"/>
-                    </a:prstClr>
-                  </a:solidFill>
-                  <a:cs typeface="+mn-ea"/>
-                  <a:sym typeface="+mn-lt"/>
-                </a:rPr>
-                <a:t>Welcome to download this template, please do not </a:t>
-              </a:r>
-              <a:r>
-                <a:rPr lang="en-US" altLang="zh-CN" sz="1065" dirty="0" err="1">
-                  <a:solidFill>
-                    <a:prstClr val="white">
-                      <a:lumMod val="50000"/>
-                    </a:prstClr>
-                  </a:solidFill>
-                  <a:cs typeface="+mn-ea"/>
-                  <a:sym typeface="+mn-lt"/>
-                </a:rPr>
-                <a:t>pirate,Welcome</a:t>
-              </a:r>
-              <a:r>
-                <a:rPr lang="en-US" altLang="zh-CN" sz="1065" dirty="0">
-                  <a:solidFill>
-                    <a:prstClr val="white">
-                      <a:lumMod val="50000"/>
-                    </a:prstClr>
-                  </a:solidFill>
-                  <a:cs typeface="+mn-ea"/>
-                  <a:sym typeface="+mn-lt"/>
-                </a:rPr>
-                <a:t> to download this template, please do not pirate, </a:t>
-              </a:r>
-              <a:endParaRPr lang="zh-CN" altLang="en-US" sz="1065" dirty="0">
-                <a:solidFill>
-                  <a:prstClr val="white">
-                    <a:lumMod val="50000"/>
-                  </a:prstClr>
-                </a:solidFill>
-                <a:cs typeface="+mn-ea"/>
-                <a:sym typeface="+mn-lt"/>
-              </a:endParaRPr>
-            </a:p>
-          </p:txBody>
-        </p:sp>
-        <p:sp>
-          <p:nvSpPr>
-            <p:cNvPr id="62" name="TextBox 76"/>
-            <p:cNvSpPr txBox="1"/>
-            <p:nvPr/>
-          </p:nvSpPr>
-          <p:spPr>
-            <a:xfrm>
-              <a:off x="3659814" y="3017870"/>
-              <a:ext cx="632172" cy="315423"/>
-            </a:xfrm>
-            <a:prstGeom prst="rect">
-              <a:avLst/>
-            </a:prstGeom>
-            <a:noFill/>
-          </p:spPr>
-          <p:txBody>
-            <a:bodyPr wrap="square" rtlCol="0">
-              <a:spAutoFit/>
-            </a:bodyPr>
-            <a:lstStyle>
-              <a:defPPr>
-                <a:defRPr lang="zh-CN"/>
-              </a:defPPr>
-              <a:lvl1pPr algn="ctr">
-                <a:defRPr>
-                  <a:latin typeface="Microsoft YaHei" panose="020B0503020204020204" charset="-122"/>
-                  <a:ea typeface="Microsoft YaHei" panose="020B0503020204020204" charset="-122"/>
-                </a:defRPr>
-              </a:lvl1pPr>
-            </a:lstStyle>
-            <a:p>
-              <a:pPr fontAlgn="base">
-                <a:spcBef>
-                  <a:spcPct val="0"/>
-                </a:spcBef>
-                <a:spcAft>
-                  <a:spcPct val="0"/>
-                </a:spcAft>
-              </a:pPr>
-              <a:r>
-                <a:rPr lang="en-US" altLang="zh-CN" sz="2135">
-                  <a:solidFill>
-                    <a:srgbClr val="000000"/>
-                  </a:solidFill>
-                  <a:latin typeface="+mn-lt"/>
-                  <a:ea typeface="+mn-ea"/>
-                  <a:cs typeface="+mn-ea"/>
-                  <a:sym typeface="+mn-lt"/>
-                </a:rPr>
-                <a:t>SEO</a:t>
-              </a:r>
-              <a:endParaRPr lang="zh-CN" altLang="en-US" sz="2135" dirty="0">
-                <a:solidFill>
-                  <a:srgbClr val="000000"/>
-                </a:solidFill>
-                <a:latin typeface="+mn-lt"/>
-                <a:ea typeface="+mn-ea"/>
-                <a:cs typeface="+mn-ea"/>
-                <a:sym typeface="+mn-lt"/>
-              </a:endParaRPr>
-            </a:p>
-          </p:txBody>
-        </p:sp>
-        <p:sp>
-          <p:nvSpPr>
-            <p:cNvPr id="34" name="Teardrop 33"/>
-            <p:cNvSpPr/>
-            <p:nvPr/>
-          </p:nvSpPr>
-          <p:spPr>
-            <a:xfrm rot="8100000">
-              <a:off x="3506811" y="2444065"/>
-              <a:ext cx="418280" cy="418280"/>
-            </a:xfrm>
-            <a:prstGeom prst="teardrop">
-              <a:avLst/>
-            </a:prstGeom>
-            <a:solidFill>
-              <a:srgbClr val="D2D0D0"/>
-            </a:solidFill>
-            <a:ln>
-              <a:noFill/>
-            </a:ln>
-          </p:spPr>
-          <p:style>
-            <a:lnRef idx="2">
-              <a:schemeClr val="accent1">
-                <a:shade val="50000"/>
-              </a:schemeClr>
-            </a:lnRef>
-            <a:fillRef idx="1">
-              <a:schemeClr val="accent1"/>
-            </a:fillRef>
-            <a:effectRef idx="0">
-              <a:schemeClr val="accent1"/>
-            </a:effectRef>
-            <a:fontRef idx="minor">
-              <a:schemeClr val="lt1"/>
-            </a:fontRef>
-          </p:style>
-          <p:txBody>
-            <a:bodyPr rtlCol="0" anchor="ctr"/>
-            <a:lstStyle/>
-            <a:p>
-              <a:pPr algn="ctr" fontAlgn="base">
-                <a:spcBef>
-                  <a:spcPct val="0"/>
-                </a:spcBef>
-                <a:spcAft>
-                  <a:spcPct val="0"/>
-                </a:spcAft>
-              </a:pPr>
-              <a:endParaRPr lang="en-US" sz="2800" dirty="0">
-                <a:solidFill>
-                  <a:prstClr val="white"/>
-                </a:solidFill>
-                <a:cs typeface="+mn-ea"/>
-                <a:sym typeface="+mn-lt"/>
-              </a:endParaRPr>
-            </a:p>
-          </p:txBody>
-        </p:sp>
-        <p:sp>
-          <p:nvSpPr>
-            <p:cNvPr id="74" name="Freeform 59"/>
-            <p:cNvSpPr>
-              <a:spLocks noEditPoints="1"/>
-            </p:cNvSpPr>
-            <p:nvPr/>
-          </p:nvSpPr>
-          <p:spPr bwMode="auto">
-            <a:xfrm>
-              <a:off x="3626649" y="2526981"/>
-              <a:ext cx="195689" cy="242391"/>
-            </a:xfrm>
-            <a:custGeom>
-              <a:avLst/>
-              <a:gdLst>
-                <a:gd name="T0" fmla="*/ 108 w 108"/>
-                <a:gd name="T1" fmla="*/ 145 h 145"/>
-                <a:gd name="T2" fmla="*/ 0 w 108"/>
-                <a:gd name="T3" fmla="*/ 145 h 145"/>
-                <a:gd name="T4" fmla="*/ 0 w 108"/>
-                <a:gd name="T5" fmla="*/ 135 h 145"/>
-                <a:gd name="T6" fmla="*/ 13 w 108"/>
-                <a:gd name="T7" fmla="*/ 124 h 145"/>
-                <a:gd name="T8" fmla="*/ 96 w 108"/>
-                <a:gd name="T9" fmla="*/ 124 h 145"/>
-                <a:gd name="T10" fmla="*/ 108 w 108"/>
-                <a:gd name="T11" fmla="*/ 135 h 145"/>
-                <a:gd name="T12" fmla="*/ 108 w 108"/>
-                <a:gd name="T13" fmla="*/ 145 h 145"/>
-                <a:gd name="T14" fmla="*/ 16 w 108"/>
-                <a:gd name="T15" fmla="*/ 116 h 145"/>
-                <a:gd name="T16" fmla="*/ 24 w 108"/>
-                <a:gd name="T17" fmla="*/ 91 h 145"/>
-                <a:gd name="T18" fmla="*/ 85 w 108"/>
-                <a:gd name="T19" fmla="*/ 91 h 145"/>
-                <a:gd name="T20" fmla="*/ 93 w 108"/>
-                <a:gd name="T21" fmla="*/ 116 h 145"/>
-                <a:gd name="T22" fmla="*/ 16 w 108"/>
-                <a:gd name="T23" fmla="*/ 116 h 145"/>
-                <a:gd name="T24" fmla="*/ 28 w 108"/>
-                <a:gd name="T25" fmla="*/ 76 h 145"/>
-                <a:gd name="T26" fmla="*/ 36 w 108"/>
-                <a:gd name="T27" fmla="*/ 51 h 145"/>
-                <a:gd name="T28" fmla="*/ 72 w 108"/>
-                <a:gd name="T29" fmla="*/ 51 h 145"/>
-                <a:gd name="T30" fmla="*/ 80 w 108"/>
-                <a:gd name="T31" fmla="*/ 76 h 145"/>
-                <a:gd name="T32" fmla="*/ 28 w 108"/>
-                <a:gd name="T33" fmla="*/ 76 h 145"/>
-                <a:gd name="T34" fmla="*/ 49 w 108"/>
-                <a:gd name="T35" fmla="*/ 12 h 145"/>
-                <a:gd name="T36" fmla="*/ 60 w 108"/>
-                <a:gd name="T37" fmla="*/ 12 h 145"/>
-                <a:gd name="T38" fmla="*/ 68 w 108"/>
-                <a:gd name="T39" fmla="*/ 36 h 145"/>
-                <a:gd name="T40" fmla="*/ 41 w 108"/>
-                <a:gd name="T41" fmla="*/ 36 h 145"/>
-                <a:gd name="T42" fmla="*/ 49 w 108"/>
-                <a:gd name="T43" fmla="*/ 12 h 145"/>
-              </a:gdLst>
-              <a:ahLst/>
-              <a:cxnLst>
-                <a:cxn ang="0">
-                  <a:pos x="T0" y="T1"/>
-                </a:cxn>
-                <a:cxn ang="0">
-                  <a:pos x="T2" y="T3"/>
-                </a:cxn>
-                <a:cxn ang="0">
-                  <a:pos x="T4" y="T5"/>
-                </a:cxn>
-                <a:cxn ang="0">
-                  <a:pos x="T6" y="T7"/>
-                </a:cxn>
-                <a:cxn ang="0">
-                  <a:pos x="T8" y="T9"/>
-                </a:cxn>
-                <a:cxn ang="0">
-                  <a:pos x="T10" y="T11"/>
-                </a:cxn>
-                <a:cxn ang="0">
-                  <a:pos x="T12" y="T13"/>
-                </a:cxn>
-                <a:cxn ang="0">
-                  <a:pos x="T14" y="T15"/>
-                </a:cxn>
-                <a:cxn ang="0">
-                  <a:pos x="T16" y="T17"/>
-                </a:cxn>
-                <a:cxn ang="0">
-                  <a:pos x="T18" y="T19"/>
-                </a:cxn>
-                <a:cxn ang="0">
-                  <a:pos x="T20" y="T21"/>
-                </a:cxn>
-                <a:cxn ang="0">
-                  <a:pos x="T22" y="T23"/>
-                </a:cxn>
-                <a:cxn ang="0">
-                  <a:pos x="T24" y="T25"/>
-                </a:cxn>
-                <a:cxn ang="0">
-                  <a:pos x="T26" y="T27"/>
-                </a:cxn>
-                <a:cxn ang="0">
-                  <a:pos x="T28" y="T29"/>
-                </a:cxn>
-                <a:cxn ang="0">
-                  <a:pos x="T30" y="T31"/>
-                </a:cxn>
-                <a:cxn ang="0">
-                  <a:pos x="T32" y="T33"/>
-                </a:cxn>
-                <a:cxn ang="0">
-                  <a:pos x="T34" y="T35"/>
-                </a:cxn>
-                <a:cxn ang="0">
-                  <a:pos x="T36" y="T37"/>
-                </a:cxn>
-                <a:cxn ang="0">
-                  <a:pos x="T38" y="T39"/>
-                </a:cxn>
-                <a:cxn ang="0">
-                  <a:pos x="T40" y="T41"/>
-                </a:cxn>
-                <a:cxn ang="0">
-                  <a:pos x="T42" y="T43"/>
-                </a:cxn>
-              </a:cxnLst>
-              <a:rect l="0" t="0" r="r" b="b"/>
-              <a:pathLst>
-                <a:path w="108" h="145">
-                  <a:moveTo>
-                    <a:pt x="108" y="145"/>
-                  </a:moveTo>
-                  <a:cubicBezTo>
-                    <a:pt x="0" y="145"/>
-                    <a:pt x="0" y="145"/>
-                    <a:pt x="0" y="145"/>
-                  </a:cubicBezTo>
-                  <a:cubicBezTo>
-                    <a:pt x="0" y="135"/>
-                    <a:pt x="0" y="135"/>
-                    <a:pt x="0" y="135"/>
-                  </a:cubicBezTo>
-                  <a:cubicBezTo>
-                    <a:pt x="13" y="124"/>
-                    <a:pt x="13" y="124"/>
-                    <a:pt x="13" y="124"/>
-                  </a:cubicBezTo>
-                  <a:cubicBezTo>
-                    <a:pt x="96" y="124"/>
-                    <a:pt x="96" y="124"/>
-                    <a:pt x="96" y="124"/>
-                  </a:cubicBezTo>
-                  <a:cubicBezTo>
-                    <a:pt x="108" y="135"/>
-                    <a:pt x="108" y="135"/>
-                    <a:pt x="108" y="135"/>
-                  </a:cubicBezTo>
-                  <a:lnTo>
-                    <a:pt x="108" y="145"/>
-                  </a:lnTo>
-                  <a:close/>
-                  <a:moveTo>
-                    <a:pt x="16" y="116"/>
-                  </a:moveTo>
-                  <a:cubicBezTo>
-                    <a:pt x="24" y="91"/>
-                    <a:pt x="24" y="91"/>
-                    <a:pt x="24" y="91"/>
-                  </a:cubicBezTo>
-                  <a:cubicBezTo>
-                    <a:pt x="85" y="91"/>
-                    <a:pt x="85" y="91"/>
-                    <a:pt x="85" y="91"/>
-                  </a:cubicBezTo>
-                  <a:cubicBezTo>
-                    <a:pt x="93" y="116"/>
-                    <a:pt x="93" y="116"/>
-                    <a:pt x="93" y="116"/>
-                  </a:cubicBezTo>
-                  <a:lnTo>
-                    <a:pt x="16" y="116"/>
-                  </a:lnTo>
-                  <a:close/>
-                  <a:moveTo>
-                    <a:pt x="28" y="76"/>
-                  </a:moveTo>
-                  <a:cubicBezTo>
-                    <a:pt x="36" y="51"/>
-                    <a:pt x="36" y="51"/>
-                    <a:pt x="36" y="51"/>
-                  </a:cubicBezTo>
-                  <a:cubicBezTo>
-                    <a:pt x="72" y="51"/>
-                    <a:pt x="72" y="51"/>
-                    <a:pt x="72" y="51"/>
-                  </a:cubicBezTo>
-                  <a:cubicBezTo>
-                    <a:pt x="80" y="76"/>
-                    <a:pt x="80" y="76"/>
-                    <a:pt x="80" y="76"/>
-                  </a:cubicBezTo>
-                  <a:lnTo>
-                    <a:pt x="28" y="76"/>
-                  </a:lnTo>
-                  <a:close/>
-                  <a:moveTo>
-                    <a:pt x="49" y="12"/>
-                  </a:moveTo>
-                  <a:cubicBezTo>
-                    <a:pt x="49" y="12"/>
-                    <a:pt x="54" y="0"/>
-                    <a:pt x="60" y="12"/>
-                  </a:cubicBezTo>
-                  <a:cubicBezTo>
-                    <a:pt x="68" y="36"/>
-                    <a:pt x="68" y="36"/>
-                    <a:pt x="68" y="36"/>
-                  </a:cubicBezTo>
-                  <a:cubicBezTo>
-                    <a:pt x="41" y="36"/>
-                    <a:pt x="41" y="36"/>
-                    <a:pt x="41" y="36"/>
-                  </a:cubicBezTo>
-                  <a:lnTo>
-                    <a:pt x="49" y="12"/>
-                  </a:lnTo>
-                  <a:close/>
-                </a:path>
-              </a:pathLst>
-            </a:custGeom>
-            <a:solidFill>
-              <a:schemeClr val="bg1"/>
-            </a:solidFill>
-            <a:ln>
-              <a:noFill/>
-            </a:ln>
-          </p:spPr>
-          <p:txBody>
-            <a:bodyPr vert="horz" wrap="square" lIns="121920" tIns="60960" rIns="121920" bIns="60960" numCol="1" anchor="t" anchorCtr="0" compatLnSpc="1"/>
-            <a:lstStyle/>
-            <a:p>
-              <a:pPr>
-                <a:defRPr/>
-              </a:pPr>
-              <a:endParaRPr lang="en-US" sz="2400">
-                <a:solidFill>
-                  <a:prstClr val="black"/>
-                </a:solidFill>
-                <a:cs typeface="+mn-ea"/>
-                <a:sym typeface="+mn-lt"/>
-              </a:endParaRPr>
-            </a:p>
-          </p:txBody>
-        </p:sp>
-      </p:grpSp>
-      <p:sp>
-        <p:nvSpPr>
-          <p:cNvPr id="76" name="Freeform 23"/>
-          <p:cNvSpPr>
-            <a:spLocks noEditPoints="1"/>
-          </p:cNvSpPr>
-          <p:nvPr/>
-        </p:nvSpPr>
-        <p:spPr bwMode="auto">
-          <a:xfrm>
-            <a:off x="1952915" y="1392627"/>
-            <a:ext cx="355388" cy="325107"/>
-          </a:xfrm>
-          <a:custGeom>
-            <a:avLst/>
-            <a:gdLst/>
-            <a:ahLst/>
-            <a:cxnLst>
-              <a:cxn ang="0">
-                <a:pos x="312" y="110"/>
-              </a:cxn>
-              <a:cxn ang="0">
-                <a:pos x="323" y="138"/>
-              </a:cxn>
-              <a:cxn ang="0">
-                <a:pos x="350" y="127"/>
-              </a:cxn>
-              <a:cxn ang="0">
-                <a:pos x="339" y="100"/>
-              </a:cxn>
-              <a:cxn ang="0">
-                <a:pos x="25" y="100"/>
-              </a:cxn>
-              <a:cxn ang="0">
-                <a:pos x="15" y="127"/>
-              </a:cxn>
-              <a:cxn ang="0">
-                <a:pos x="42" y="138"/>
-              </a:cxn>
-              <a:cxn ang="0">
-                <a:pos x="53" y="110"/>
-              </a:cxn>
-              <a:cxn ang="0">
-                <a:pos x="270" y="60"/>
-              </a:cxn>
-              <a:cxn ang="0">
-                <a:pos x="248" y="69"/>
-              </a:cxn>
-              <a:cxn ang="0">
-                <a:pos x="239" y="91"/>
-              </a:cxn>
-              <a:cxn ang="0">
-                <a:pos x="252" y="116"/>
-              </a:cxn>
-              <a:cxn ang="0">
-                <a:pos x="276" y="121"/>
-              </a:cxn>
-              <a:cxn ang="0">
-                <a:pos x="297" y="103"/>
-              </a:cxn>
-              <a:cxn ang="0">
-                <a:pos x="297" y="80"/>
-              </a:cxn>
-              <a:cxn ang="0">
-                <a:pos x="276" y="62"/>
-              </a:cxn>
-              <a:cxn ang="0">
-                <a:pos x="330" y="183"/>
-              </a:cxn>
-              <a:cxn ang="0">
-                <a:pos x="321" y="152"/>
-              </a:cxn>
-              <a:cxn ang="0">
-                <a:pos x="350" y="158"/>
-              </a:cxn>
-              <a:cxn ang="0">
-                <a:pos x="364" y="185"/>
-              </a:cxn>
-              <a:cxn ang="0">
-                <a:pos x="83" y="63"/>
-              </a:cxn>
-              <a:cxn ang="0">
-                <a:pos x="65" y="85"/>
-              </a:cxn>
-              <a:cxn ang="0">
-                <a:pos x="71" y="109"/>
-              </a:cxn>
-              <a:cxn ang="0">
-                <a:pos x="96" y="121"/>
-              </a:cxn>
-              <a:cxn ang="0">
-                <a:pos x="118" y="112"/>
-              </a:cxn>
-              <a:cxn ang="0">
-                <a:pos x="127" y="91"/>
-              </a:cxn>
-              <a:cxn ang="0">
-                <a:pos x="112" y="65"/>
-              </a:cxn>
-              <a:cxn ang="0">
-                <a:pos x="35" y="150"/>
-              </a:cxn>
-              <a:cxn ang="0">
-                <a:pos x="36" y="176"/>
-              </a:cxn>
-              <a:cxn ang="0">
-                <a:pos x="0" y="185"/>
-              </a:cxn>
-              <a:cxn ang="0">
-                <a:pos x="15" y="158"/>
-              </a:cxn>
-              <a:cxn ang="0">
-                <a:pos x="183" y="0"/>
-              </a:cxn>
-              <a:cxn ang="0">
-                <a:pos x="151" y="13"/>
-              </a:cxn>
-              <a:cxn ang="0">
-                <a:pos x="138" y="45"/>
-              </a:cxn>
-              <a:cxn ang="0">
-                <a:pos x="158" y="81"/>
-              </a:cxn>
-              <a:cxn ang="0">
-                <a:pos x="192" y="89"/>
-              </a:cxn>
-              <a:cxn ang="0">
-                <a:pos x="225" y="62"/>
-              </a:cxn>
-              <a:cxn ang="0">
-                <a:pos x="225" y="27"/>
-              </a:cxn>
-              <a:cxn ang="0">
-                <a:pos x="192" y="0"/>
-              </a:cxn>
-              <a:cxn ang="0">
-                <a:pos x="265" y="174"/>
-              </a:cxn>
-              <a:cxn ang="0">
-                <a:pos x="256" y="136"/>
-              </a:cxn>
-              <a:cxn ang="0">
-                <a:pos x="279" y="136"/>
-              </a:cxn>
-              <a:cxn ang="0">
-                <a:pos x="316" y="165"/>
-              </a:cxn>
-              <a:cxn ang="0">
-                <a:pos x="100" y="272"/>
-              </a:cxn>
-              <a:cxn ang="0">
-                <a:pos x="51" y="165"/>
-              </a:cxn>
-              <a:cxn ang="0">
-                <a:pos x="85" y="136"/>
-              </a:cxn>
-              <a:cxn ang="0">
-                <a:pos x="109" y="136"/>
-              </a:cxn>
-              <a:cxn ang="0">
-                <a:pos x="100" y="174"/>
-              </a:cxn>
-              <a:cxn ang="0">
-                <a:pos x="252" y="159"/>
-              </a:cxn>
-              <a:cxn ang="0">
-                <a:pos x="210" y="109"/>
-              </a:cxn>
-              <a:cxn ang="0">
-                <a:pos x="154" y="109"/>
-              </a:cxn>
-              <a:cxn ang="0">
-                <a:pos x="112" y="159"/>
-              </a:cxn>
-            </a:cxnLst>
-            <a:rect l="0" t="0" r="r" b="b"/>
-            <a:pathLst>
-              <a:path w="364" h="301">
-                <a:moveTo>
-                  <a:pt x="332" y="98"/>
-                </a:moveTo>
-                <a:lnTo>
-                  <a:pt x="332" y="98"/>
-                </a:lnTo>
-                <a:lnTo>
-                  <a:pt x="323" y="100"/>
-                </a:lnTo>
-                <a:lnTo>
-                  <a:pt x="317" y="105"/>
-                </a:lnTo>
-                <a:lnTo>
-                  <a:pt x="312" y="110"/>
-                </a:lnTo>
-                <a:lnTo>
-                  <a:pt x="310" y="120"/>
-                </a:lnTo>
-                <a:lnTo>
-                  <a:pt x="310" y="120"/>
-                </a:lnTo>
-                <a:lnTo>
-                  <a:pt x="312" y="127"/>
-                </a:lnTo>
-                <a:lnTo>
-                  <a:pt x="317" y="134"/>
-                </a:lnTo>
-                <a:lnTo>
-                  <a:pt x="323" y="138"/>
-                </a:lnTo>
-                <a:lnTo>
-                  <a:pt x="332" y="139"/>
-                </a:lnTo>
-                <a:lnTo>
-                  <a:pt x="332" y="139"/>
-                </a:lnTo>
-                <a:lnTo>
-                  <a:pt x="339" y="138"/>
-                </a:lnTo>
-                <a:lnTo>
-                  <a:pt x="346" y="134"/>
-                </a:lnTo>
-                <a:lnTo>
-                  <a:pt x="350" y="127"/>
-                </a:lnTo>
-                <a:lnTo>
-                  <a:pt x="352" y="120"/>
-                </a:lnTo>
-                <a:lnTo>
-                  <a:pt x="352" y="120"/>
-                </a:lnTo>
-                <a:lnTo>
-                  <a:pt x="350" y="110"/>
-                </a:lnTo>
-                <a:lnTo>
-                  <a:pt x="346" y="105"/>
-                </a:lnTo>
-                <a:lnTo>
-                  <a:pt x="339" y="100"/>
-                </a:lnTo>
-                <a:lnTo>
-                  <a:pt x="332" y="98"/>
-                </a:lnTo>
-                <a:lnTo>
-                  <a:pt x="332" y="98"/>
-                </a:lnTo>
-                <a:close/>
-                <a:moveTo>
-                  <a:pt x="35" y="98"/>
-                </a:moveTo>
-                <a:lnTo>
-                  <a:pt x="35" y="98"/>
-                </a:lnTo>
-                <a:lnTo>
-                  <a:pt x="25" y="100"/>
-                </a:lnTo>
-                <a:lnTo>
-                  <a:pt x="20" y="105"/>
-                </a:lnTo>
-                <a:lnTo>
-                  <a:pt x="15" y="110"/>
-                </a:lnTo>
-                <a:lnTo>
-                  <a:pt x="13" y="120"/>
-                </a:lnTo>
-                <a:lnTo>
-                  <a:pt x="13" y="120"/>
-                </a:lnTo>
-                <a:lnTo>
-                  <a:pt x="15" y="127"/>
-                </a:lnTo>
-                <a:lnTo>
-                  <a:pt x="20" y="134"/>
-                </a:lnTo>
-                <a:lnTo>
-                  <a:pt x="25" y="138"/>
-                </a:lnTo>
-                <a:lnTo>
-                  <a:pt x="35" y="139"/>
-                </a:lnTo>
-                <a:lnTo>
-                  <a:pt x="35" y="139"/>
-                </a:lnTo>
-                <a:lnTo>
-                  <a:pt x="42" y="138"/>
-                </a:lnTo>
-                <a:lnTo>
-                  <a:pt x="49" y="134"/>
-                </a:lnTo>
-                <a:lnTo>
-                  <a:pt x="53" y="127"/>
-                </a:lnTo>
-                <a:lnTo>
-                  <a:pt x="54" y="120"/>
-                </a:lnTo>
-                <a:lnTo>
-                  <a:pt x="54" y="120"/>
-                </a:lnTo>
-                <a:lnTo>
-                  <a:pt x="53" y="110"/>
-                </a:lnTo>
-                <a:lnTo>
-                  <a:pt x="49" y="105"/>
-                </a:lnTo>
-                <a:lnTo>
-                  <a:pt x="42" y="100"/>
-                </a:lnTo>
-                <a:lnTo>
-                  <a:pt x="35" y="98"/>
-                </a:lnTo>
-                <a:lnTo>
-                  <a:pt x="35" y="98"/>
-                </a:lnTo>
-                <a:close/>
-                <a:moveTo>
-                  <a:pt x="270" y="60"/>
-                </a:moveTo>
-                <a:lnTo>
-                  <a:pt x="270" y="60"/>
-                </a:lnTo>
-                <a:lnTo>
-                  <a:pt x="263" y="62"/>
-                </a:lnTo>
-                <a:lnTo>
-                  <a:pt x="258" y="63"/>
-                </a:lnTo>
-                <a:lnTo>
-                  <a:pt x="252" y="65"/>
-                </a:lnTo>
-                <a:lnTo>
-                  <a:pt x="248" y="69"/>
-                </a:lnTo>
-                <a:lnTo>
-                  <a:pt x="245" y="74"/>
-                </a:lnTo>
-                <a:lnTo>
-                  <a:pt x="241" y="80"/>
-                </a:lnTo>
-                <a:lnTo>
-                  <a:pt x="239" y="85"/>
-                </a:lnTo>
-                <a:lnTo>
-                  <a:pt x="239" y="91"/>
-                </a:lnTo>
-                <a:lnTo>
-                  <a:pt x="239" y="91"/>
-                </a:lnTo>
-                <a:lnTo>
-                  <a:pt x="239" y="98"/>
-                </a:lnTo>
-                <a:lnTo>
-                  <a:pt x="241" y="103"/>
-                </a:lnTo>
-                <a:lnTo>
-                  <a:pt x="245" y="109"/>
-                </a:lnTo>
-                <a:lnTo>
-                  <a:pt x="248" y="112"/>
-                </a:lnTo>
-                <a:lnTo>
-                  <a:pt x="252" y="116"/>
-                </a:lnTo>
-                <a:lnTo>
-                  <a:pt x="258" y="120"/>
-                </a:lnTo>
-                <a:lnTo>
-                  <a:pt x="263" y="121"/>
-                </a:lnTo>
-                <a:lnTo>
-                  <a:pt x="270" y="121"/>
-                </a:lnTo>
-                <a:lnTo>
-                  <a:pt x="270" y="121"/>
-                </a:lnTo>
-                <a:lnTo>
-                  <a:pt x="276" y="121"/>
-                </a:lnTo>
-                <a:lnTo>
-                  <a:pt x="281" y="120"/>
-                </a:lnTo>
-                <a:lnTo>
-                  <a:pt x="287" y="116"/>
-                </a:lnTo>
-                <a:lnTo>
-                  <a:pt x="292" y="112"/>
-                </a:lnTo>
-                <a:lnTo>
-                  <a:pt x="296" y="109"/>
-                </a:lnTo>
-                <a:lnTo>
-                  <a:pt x="297" y="103"/>
-                </a:lnTo>
-                <a:lnTo>
-                  <a:pt x="299" y="98"/>
-                </a:lnTo>
-                <a:lnTo>
-                  <a:pt x="301" y="91"/>
-                </a:lnTo>
-                <a:lnTo>
-                  <a:pt x="301" y="91"/>
-                </a:lnTo>
-                <a:lnTo>
-                  <a:pt x="299" y="85"/>
-                </a:lnTo>
-                <a:lnTo>
-                  <a:pt x="297" y="80"/>
-                </a:lnTo>
-                <a:lnTo>
-                  <a:pt x="296" y="74"/>
-                </a:lnTo>
-                <a:lnTo>
-                  <a:pt x="292" y="69"/>
-                </a:lnTo>
-                <a:lnTo>
-                  <a:pt x="287" y="65"/>
-                </a:lnTo>
-                <a:lnTo>
-                  <a:pt x="281" y="63"/>
-                </a:lnTo>
-                <a:lnTo>
-                  <a:pt x="276" y="62"/>
-                </a:lnTo>
-                <a:lnTo>
-                  <a:pt x="270" y="60"/>
-                </a:lnTo>
-                <a:lnTo>
-                  <a:pt x="270" y="60"/>
-                </a:lnTo>
-                <a:close/>
-                <a:moveTo>
-                  <a:pt x="364" y="248"/>
-                </a:moveTo>
-                <a:lnTo>
-                  <a:pt x="330" y="248"/>
-                </a:lnTo>
-                <a:lnTo>
-                  <a:pt x="330" y="183"/>
-                </a:lnTo>
-                <a:lnTo>
-                  <a:pt x="330" y="183"/>
-                </a:lnTo>
-                <a:lnTo>
-                  <a:pt x="330" y="176"/>
-                </a:lnTo>
-                <a:lnTo>
-                  <a:pt x="328" y="167"/>
-                </a:lnTo>
-                <a:lnTo>
-                  <a:pt x="321" y="152"/>
-                </a:lnTo>
-                <a:lnTo>
-                  <a:pt x="321" y="152"/>
-                </a:lnTo>
-                <a:lnTo>
-                  <a:pt x="332" y="150"/>
-                </a:lnTo>
-                <a:lnTo>
-                  <a:pt x="332" y="150"/>
-                </a:lnTo>
-                <a:lnTo>
-                  <a:pt x="337" y="152"/>
-                </a:lnTo>
-                <a:lnTo>
-                  <a:pt x="345" y="154"/>
-                </a:lnTo>
-                <a:lnTo>
-                  <a:pt x="350" y="158"/>
-                </a:lnTo>
-                <a:lnTo>
-                  <a:pt x="355" y="161"/>
-                </a:lnTo>
-                <a:lnTo>
-                  <a:pt x="359" y="167"/>
-                </a:lnTo>
-                <a:lnTo>
-                  <a:pt x="363" y="172"/>
-                </a:lnTo>
-                <a:lnTo>
-                  <a:pt x="364" y="178"/>
-                </a:lnTo>
-                <a:lnTo>
-                  <a:pt x="364" y="185"/>
-                </a:lnTo>
-                <a:lnTo>
-                  <a:pt x="364" y="248"/>
-                </a:lnTo>
-                <a:close/>
-                <a:moveTo>
-                  <a:pt x="96" y="60"/>
-                </a:moveTo>
-                <a:lnTo>
-                  <a:pt x="96" y="60"/>
-                </a:lnTo>
-                <a:lnTo>
-                  <a:pt x="89" y="62"/>
-                </a:lnTo>
-                <a:lnTo>
-                  <a:pt x="83" y="63"/>
-                </a:lnTo>
-                <a:lnTo>
-                  <a:pt x="78" y="65"/>
-                </a:lnTo>
-                <a:lnTo>
-                  <a:pt x="74" y="69"/>
-                </a:lnTo>
-                <a:lnTo>
-                  <a:pt x="71" y="74"/>
-                </a:lnTo>
-                <a:lnTo>
-                  <a:pt x="67" y="80"/>
-                </a:lnTo>
-                <a:lnTo>
-                  <a:pt x="65" y="85"/>
-                </a:lnTo>
-                <a:lnTo>
-                  <a:pt x="65" y="91"/>
-                </a:lnTo>
-                <a:lnTo>
-                  <a:pt x="65" y="91"/>
-                </a:lnTo>
-                <a:lnTo>
-                  <a:pt x="65" y="98"/>
-                </a:lnTo>
-                <a:lnTo>
-                  <a:pt x="67" y="103"/>
-                </a:lnTo>
-                <a:lnTo>
-                  <a:pt x="71" y="109"/>
-                </a:lnTo>
-                <a:lnTo>
-                  <a:pt x="74" y="112"/>
-                </a:lnTo>
-                <a:lnTo>
-                  <a:pt x="78" y="116"/>
-                </a:lnTo>
-                <a:lnTo>
-                  <a:pt x="83" y="120"/>
-                </a:lnTo>
-                <a:lnTo>
-                  <a:pt x="89" y="121"/>
-                </a:lnTo>
-                <a:lnTo>
-                  <a:pt x="96" y="121"/>
-                </a:lnTo>
-                <a:lnTo>
-                  <a:pt x="96" y="121"/>
-                </a:lnTo>
-                <a:lnTo>
-                  <a:pt x="102" y="121"/>
-                </a:lnTo>
-                <a:lnTo>
-                  <a:pt x="107" y="120"/>
-                </a:lnTo>
-                <a:lnTo>
-                  <a:pt x="112" y="116"/>
-                </a:lnTo>
-                <a:lnTo>
-                  <a:pt x="118" y="112"/>
-                </a:lnTo>
-                <a:lnTo>
-                  <a:pt x="122" y="109"/>
-                </a:lnTo>
-                <a:lnTo>
-                  <a:pt x="123" y="103"/>
-                </a:lnTo>
-                <a:lnTo>
-                  <a:pt x="125" y="98"/>
-                </a:lnTo>
-                <a:lnTo>
-                  <a:pt x="127" y="91"/>
-                </a:lnTo>
-                <a:lnTo>
-                  <a:pt x="127" y="91"/>
-                </a:lnTo>
-                <a:lnTo>
-                  <a:pt x="125" y="85"/>
-                </a:lnTo>
-                <a:lnTo>
-                  <a:pt x="123" y="80"/>
-                </a:lnTo>
-                <a:lnTo>
-                  <a:pt x="122" y="74"/>
-                </a:lnTo>
-                <a:lnTo>
-                  <a:pt x="118" y="69"/>
-                </a:lnTo>
-                <a:lnTo>
-                  <a:pt x="112" y="65"/>
-                </a:lnTo>
-                <a:lnTo>
-                  <a:pt x="107" y="63"/>
-                </a:lnTo>
-                <a:lnTo>
-                  <a:pt x="102" y="62"/>
-                </a:lnTo>
-                <a:lnTo>
-                  <a:pt x="96" y="60"/>
-                </a:lnTo>
-                <a:lnTo>
-                  <a:pt x="96" y="60"/>
-                </a:lnTo>
-                <a:close/>
-                <a:moveTo>
-                  <a:pt x="35" y="150"/>
-                </a:moveTo>
-                <a:lnTo>
-                  <a:pt x="35" y="150"/>
-                </a:lnTo>
-                <a:lnTo>
-                  <a:pt x="44" y="152"/>
-                </a:lnTo>
-                <a:lnTo>
-                  <a:pt x="44" y="152"/>
-                </a:lnTo>
-                <a:lnTo>
-                  <a:pt x="38" y="167"/>
-                </a:lnTo>
-                <a:lnTo>
-                  <a:pt x="36" y="176"/>
-                </a:lnTo>
-                <a:lnTo>
-                  <a:pt x="35" y="183"/>
-                </a:lnTo>
-                <a:lnTo>
-                  <a:pt x="35" y="248"/>
-                </a:lnTo>
-                <a:lnTo>
-                  <a:pt x="0" y="248"/>
-                </a:lnTo>
-                <a:lnTo>
-                  <a:pt x="0" y="185"/>
-                </a:lnTo>
-                <a:lnTo>
-                  <a:pt x="0" y="185"/>
-                </a:lnTo>
-                <a:lnTo>
-                  <a:pt x="0" y="178"/>
-                </a:lnTo>
-                <a:lnTo>
-                  <a:pt x="2" y="172"/>
-                </a:lnTo>
-                <a:lnTo>
-                  <a:pt x="6" y="167"/>
-                </a:lnTo>
-                <a:lnTo>
-                  <a:pt x="9" y="161"/>
-                </a:lnTo>
-                <a:lnTo>
-                  <a:pt x="15" y="158"/>
-                </a:lnTo>
-                <a:lnTo>
-                  <a:pt x="20" y="154"/>
-                </a:lnTo>
-                <a:lnTo>
-                  <a:pt x="27" y="152"/>
-                </a:lnTo>
-                <a:lnTo>
-                  <a:pt x="35" y="150"/>
-                </a:lnTo>
-                <a:lnTo>
-                  <a:pt x="35" y="150"/>
-                </a:lnTo>
-                <a:close/>
-                <a:moveTo>
-                  <a:pt x="183" y="0"/>
-                </a:moveTo>
-                <a:lnTo>
-                  <a:pt x="183" y="0"/>
-                </a:lnTo>
-                <a:lnTo>
-                  <a:pt x="174" y="0"/>
-                </a:lnTo>
-                <a:lnTo>
-                  <a:pt x="165" y="4"/>
-                </a:lnTo>
-                <a:lnTo>
-                  <a:pt x="158" y="7"/>
-                </a:lnTo>
-                <a:lnTo>
-                  <a:pt x="151" y="13"/>
-                </a:lnTo>
-                <a:lnTo>
-                  <a:pt x="145" y="20"/>
-                </a:lnTo>
-                <a:lnTo>
-                  <a:pt x="141" y="27"/>
-                </a:lnTo>
-                <a:lnTo>
-                  <a:pt x="138" y="36"/>
-                </a:lnTo>
-                <a:lnTo>
-                  <a:pt x="138" y="45"/>
-                </a:lnTo>
-                <a:lnTo>
-                  <a:pt x="138" y="45"/>
-                </a:lnTo>
-                <a:lnTo>
-                  <a:pt x="138" y="54"/>
-                </a:lnTo>
-                <a:lnTo>
-                  <a:pt x="141" y="62"/>
-                </a:lnTo>
-                <a:lnTo>
-                  <a:pt x="145" y="71"/>
-                </a:lnTo>
-                <a:lnTo>
-                  <a:pt x="151" y="76"/>
-                </a:lnTo>
-                <a:lnTo>
-                  <a:pt x="158" y="81"/>
-                </a:lnTo>
-                <a:lnTo>
-                  <a:pt x="165" y="87"/>
-                </a:lnTo>
-                <a:lnTo>
-                  <a:pt x="174" y="89"/>
-                </a:lnTo>
-                <a:lnTo>
-                  <a:pt x="183" y="91"/>
-                </a:lnTo>
-                <a:lnTo>
-                  <a:pt x="183" y="91"/>
-                </a:lnTo>
-                <a:lnTo>
-                  <a:pt x="192" y="89"/>
-                </a:lnTo>
-                <a:lnTo>
-                  <a:pt x="200" y="87"/>
-                </a:lnTo>
-                <a:lnTo>
-                  <a:pt x="209" y="81"/>
-                </a:lnTo>
-                <a:lnTo>
-                  <a:pt x="214" y="76"/>
-                </a:lnTo>
-                <a:lnTo>
-                  <a:pt x="219" y="71"/>
-                </a:lnTo>
-                <a:lnTo>
-                  <a:pt x="225" y="62"/>
-                </a:lnTo>
-                <a:lnTo>
-                  <a:pt x="227" y="54"/>
-                </a:lnTo>
-                <a:lnTo>
-                  <a:pt x="229" y="45"/>
-                </a:lnTo>
-                <a:lnTo>
-                  <a:pt x="229" y="45"/>
-                </a:lnTo>
-                <a:lnTo>
-                  <a:pt x="227" y="36"/>
-                </a:lnTo>
-                <a:lnTo>
-                  <a:pt x="225" y="27"/>
-                </a:lnTo>
-                <a:lnTo>
-                  <a:pt x="219" y="20"/>
-                </a:lnTo>
-                <a:lnTo>
-                  <a:pt x="214" y="13"/>
-                </a:lnTo>
-                <a:lnTo>
-                  <a:pt x="209" y="7"/>
-                </a:lnTo>
-                <a:lnTo>
-                  <a:pt x="200" y="4"/>
-                </a:lnTo>
-                <a:lnTo>
-                  <a:pt x="192" y="0"/>
-                </a:lnTo>
-                <a:lnTo>
-                  <a:pt x="183" y="0"/>
-                </a:lnTo>
-                <a:lnTo>
-                  <a:pt x="183" y="0"/>
-                </a:lnTo>
-                <a:close/>
-                <a:moveTo>
-                  <a:pt x="319" y="272"/>
-                </a:moveTo>
-                <a:lnTo>
-                  <a:pt x="265" y="272"/>
-                </a:lnTo>
-                <a:lnTo>
-                  <a:pt x="265" y="174"/>
-                </a:lnTo>
-                <a:lnTo>
-                  <a:pt x="265" y="174"/>
-                </a:lnTo>
-                <a:lnTo>
-                  <a:pt x="265" y="163"/>
-                </a:lnTo>
-                <a:lnTo>
-                  <a:pt x="263" y="154"/>
-                </a:lnTo>
-                <a:lnTo>
-                  <a:pt x="259" y="145"/>
-                </a:lnTo>
-                <a:lnTo>
-                  <a:pt x="256" y="136"/>
-                </a:lnTo>
-                <a:lnTo>
-                  <a:pt x="256" y="136"/>
-                </a:lnTo>
-                <a:lnTo>
-                  <a:pt x="263" y="134"/>
-                </a:lnTo>
-                <a:lnTo>
-                  <a:pt x="270" y="134"/>
-                </a:lnTo>
-                <a:lnTo>
-                  <a:pt x="270" y="134"/>
-                </a:lnTo>
-                <a:lnTo>
-                  <a:pt x="279" y="136"/>
-                </a:lnTo>
-                <a:lnTo>
-                  <a:pt x="288" y="138"/>
-                </a:lnTo>
-                <a:lnTo>
-                  <a:pt x="297" y="143"/>
-                </a:lnTo>
-                <a:lnTo>
-                  <a:pt x="305" y="149"/>
-                </a:lnTo>
-                <a:lnTo>
-                  <a:pt x="310" y="156"/>
-                </a:lnTo>
-                <a:lnTo>
-                  <a:pt x="316" y="165"/>
-                </a:lnTo>
-                <a:lnTo>
-                  <a:pt x="317" y="174"/>
-                </a:lnTo>
-                <a:lnTo>
-                  <a:pt x="319" y="183"/>
-                </a:lnTo>
-                <a:lnTo>
-                  <a:pt x="319" y="272"/>
-                </a:lnTo>
-                <a:close/>
-                <a:moveTo>
-                  <a:pt x="100" y="174"/>
-                </a:moveTo>
-                <a:lnTo>
-                  <a:pt x="100" y="272"/>
-                </a:lnTo>
-                <a:lnTo>
-                  <a:pt x="45" y="272"/>
-                </a:lnTo>
-                <a:lnTo>
-                  <a:pt x="45" y="183"/>
-                </a:lnTo>
-                <a:lnTo>
-                  <a:pt x="45" y="183"/>
-                </a:lnTo>
-                <a:lnTo>
-                  <a:pt x="47" y="174"/>
-                </a:lnTo>
-                <a:lnTo>
-                  <a:pt x="51" y="165"/>
-                </a:lnTo>
-                <a:lnTo>
-                  <a:pt x="54" y="156"/>
-                </a:lnTo>
-                <a:lnTo>
-                  <a:pt x="60" y="149"/>
-                </a:lnTo>
-                <a:lnTo>
-                  <a:pt x="67" y="143"/>
-                </a:lnTo>
-                <a:lnTo>
-                  <a:pt x="76" y="138"/>
-                </a:lnTo>
-                <a:lnTo>
-                  <a:pt x="85" y="136"/>
-                </a:lnTo>
-                <a:lnTo>
-                  <a:pt x="96" y="134"/>
-                </a:lnTo>
-                <a:lnTo>
-                  <a:pt x="96" y="134"/>
-                </a:lnTo>
-                <a:lnTo>
-                  <a:pt x="103" y="134"/>
-                </a:lnTo>
-                <a:lnTo>
-                  <a:pt x="109" y="136"/>
-                </a:lnTo>
-                <a:lnTo>
-                  <a:pt x="109" y="136"/>
-                </a:lnTo>
-                <a:lnTo>
-                  <a:pt x="105" y="145"/>
-                </a:lnTo>
-                <a:lnTo>
-                  <a:pt x="102" y="154"/>
-                </a:lnTo>
-                <a:lnTo>
-                  <a:pt x="100" y="163"/>
-                </a:lnTo>
-                <a:lnTo>
-                  <a:pt x="100" y="174"/>
-                </a:lnTo>
-                <a:lnTo>
-                  <a:pt x="100" y="174"/>
-                </a:lnTo>
-                <a:close/>
-                <a:moveTo>
-                  <a:pt x="111" y="301"/>
-                </a:moveTo>
-                <a:lnTo>
-                  <a:pt x="254" y="301"/>
-                </a:lnTo>
-                <a:lnTo>
-                  <a:pt x="254" y="174"/>
-                </a:lnTo>
-                <a:lnTo>
-                  <a:pt x="254" y="174"/>
-                </a:lnTo>
-                <a:lnTo>
-                  <a:pt x="252" y="159"/>
-                </a:lnTo>
-                <a:lnTo>
-                  <a:pt x="248" y="145"/>
-                </a:lnTo>
-                <a:lnTo>
-                  <a:pt x="241" y="134"/>
-                </a:lnTo>
-                <a:lnTo>
-                  <a:pt x="232" y="123"/>
-                </a:lnTo>
-                <a:lnTo>
-                  <a:pt x="223" y="114"/>
-                </a:lnTo>
-                <a:lnTo>
-                  <a:pt x="210" y="109"/>
-                </a:lnTo>
-                <a:lnTo>
-                  <a:pt x="198" y="103"/>
-                </a:lnTo>
-                <a:lnTo>
-                  <a:pt x="183" y="101"/>
-                </a:lnTo>
-                <a:lnTo>
-                  <a:pt x="183" y="101"/>
-                </a:lnTo>
-                <a:lnTo>
-                  <a:pt x="169" y="103"/>
-                </a:lnTo>
-                <a:lnTo>
-                  <a:pt x="154" y="109"/>
-                </a:lnTo>
-                <a:lnTo>
-                  <a:pt x="143" y="114"/>
-                </a:lnTo>
-                <a:lnTo>
-                  <a:pt x="132" y="123"/>
-                </a:lnTo>
-                <a:lnTo>
-                  <a:pt x="123" y="134"/>
-                </a:lnTo>
-                <a:lnTo>
-                  <a:pt x="116" y="145"/>
-                </a:lnTo>
-                <a:lnTo>
-                  <a:pt x="112" y="159"/>
-                </a:lnTo>
-                <a:lnTo>
-                  <a:pt x="111" y="174"/>
-                </a:lnTo>
-                <a:lnTo>
-                  <a:pt x="111" y="301"/>
-                </a:lnTo>
-                <a:close/>
-              </a:path>
-            </a:pathLst>
-          </a:custGeom>
-          <a:solidFill>
-            <a:schemeClr val="bg1"/>
-          </a:solidFill>
-          <a:ln w="9525">
-            <a:noFill/>
-            <a:round/>
-          </a:ln>
-        </p:spPr>
-        <p:txBody>
-          <a:bodyPr vert="horz" wrap="square" lIns="121920" tIns="60960" rIns="121920" bIns="60960" numCol="1" anchor="t" anchorCtr="0" compatLnSpc="1"/>
-          <a:lstStyle/>
-          <a:p>
-            <a:pPr algn="ctr" fontAlgn="base">
-              <a:spcBef>
-                <a:spcPct val="0"/>
-              </a:spcBef>
-              <a:spcAft>
-                <a:spcPct val="0"/>
-              </a:spcAft>
-            </a:pPr>
-            <a:endParaRPr lang="en-US" sz="2800">
-              <a:solidFill>
-                <a:srgbClr val="000000"/>
-              </a:solidFill>
-              <a:cs typeface="+mn-ea"/>
-              <a:sym typeface="+mn-lt"/>
-            </a:endParaRPr>
-          </a:p>
-        </p:txBody>
-      </p:sp>
-    </p:spTree>
-  </p:cSld>
-  <p:clrMapOvr>
-    <a:masterClrMapping/>
-  </p:clrMapOvr>
-  <mc:AlternateContent xmlns:mc="http://schemas.openxmlformats.org/markup-compatibility/2006" xmlns:p14="http://schemas.microsoft.com/office/powerpoint/2010/main">
-    <mc:Choice Requires="p14">
-      <p:transition spd="slow" p14:dur="1500">
-        <p:random/>
-      </p:transition>
-    </mc:Choice>
-    <mc:Fallback xmlns="">
-      <p:transition spd="slow">
-        <p:random/>
-      </p:transition>
-    </mc:Fallback>
-  </mc:AlternateContent>
-  <p:timing>
-    <p:tnLst>
-      <p:par>
-        <p:cTn id="1" dur="indefinite" restart="never" nodeType="tmRoot"/>
-      </p:par>
-    </p:tnLst>
-  </p:timing>
-</p:sld>
-</file>
-
-<file path=ppt/slides/slide13.xml><?xml version="1.0" encoding="utf-8"?>
-<p:sld xmlns:a="http://schemas.openxmlformats.org/drawingml/2006/main" xmlns:r="http://schemas.openxmlformats.org/officeDocument/2006/relationships" xmlns:p="http://schemas.openxmlformats.org/presentationml/2006/main">
-  <p:cSld>
-    <p:spTree>
-      <p:nvGrpSpPr>
-        <p:cNvPr id="1" name=""/>
-        <p:cNvGrpSpPr/>
-        <p:nvPr/>
-      </p:nvGrpSpPr>
-      <p:grpSpPr>
-        <a:xfrm>
-          <a:off x="0" y="0"/>
-          <a:ext cx="0" cy="0"/>
-          <a:chOff x="0" y="0"/>
-          <a:chExt cx="0" cy="0"/>
-        </a:xfrm>
-      </p:grpSpPr>
-      <p:sp>
-        <p:nvSpPr>
-          <p:cNvPr id="4" name="文本框 3"/>
-          <p:cNvSpPr txBox="1"/>
-          <p:nvPr/>
-        </p:nvSpPr>
-        <p:spPr>
-          <a:xfrm>
-            <a:off x="605290" y="2549846"/>
-            <a:ext cx="5122575" cy="785215"/>
-          </a:xfrm>
-          <a:prstGeom prst="rect">
-            <a:avLst/>
-          </a:prstGeom>
-          <a:noFill/>
-        </p:spPr>
-        <p:txBody>
-          <a:bodyPr wrap="square" rtlCol="0">
-            <a:spAutoFit/>
-            <a:scene3d>
-              <a:camera prst="orthographicFront"/>
-              <a:lightRig rig="threePt" dir="t"/>
-            </a:scene3d>
-            <a:sp3d contourW="12700"/>
-          </a:bodyPr>
-          <a:lstStyle/>
-          <a:p>
-            <a:pPr fontAlgn="base">
-              <a:lnSpc>
-                <a:spcPct val="110000"/>
-              </a:lnSpc>
-              <a:spcBef>
-                <a:spcPct val="0"/>
-              </a:spcBef>
-              <a:spcAft>
-                <a:spcPct val="0"/>
-              </a:spcAft>
-            </a:pPr>
-            <a:r>
-              <a:rPr lang="en-US" altLang="zh-CN" sz="4400" spc="100">
-                <a:solidFill>
-                  <a:srgbClr val="37302B"/>
-                </a:solidFill>
-                <a:cs typeface="+mn-ea"/>
-                <a:sym typeface="+mn-lt"/>
-              </a:rPr>
-              <a:t> THANKS</a:t>
-            </a:r>
-            <a:endParaRPr lang="en-US" altLang="zh-CN" sz="4400" spc="100" dirty="0">
-              <a:solidFill>
-                <a:srgbClr val="37302B"/>
-              </a:solidFill>
-              <a:cs typeface="+mn-ea"/>
-              <a:sym typeface="+mn-lt"/>
-            </a:endParaRPr>
-          </a:p>
-        </p:txBody>
-      </p:sp>
-      <p:sp>
-        <p:nvSpPr>
-          <p:cNvPr id="5" name="文本框 4"/>
-          <p:cNvSpPr txBox="1"/>
-          <p:nvPr/>
-        </p:nvSpPr>
-        <p:spPr>
-          <a:xfrm>
-            <a:off x="809774" y="3503050"/>
-            <a:ext cx="4943326" cy="743602"/>
-          </a:xfrm>
-          <a:prstGeom prst="rect">
-            <a:avLst/>
-          </a:prstGeom>
-          <a:noFill/>
-        </p:spPr>
-        <p:txBody>
-          <a:bodyPr wrap="square" rtlCol="0">
-            <a:spAutoFit/>
-            <a:scene3d>
-              <a:camera prst="orthographicFront"/>
-              <a:lightRig rig="threePt" dir="t"/>
-            </a:scene3d>
-            <a:sp3d contourW="12700"/>
-          </a:bodyPr>
-          <a:lstStyle/>
-          <a:p>
-            <a:pPr algn="just" fontAlgn="base">
-              <a:lnSpc>
-                <a:spcPct val="114000"/>
-              </a:lnSpc>
-              <a:spcBef>
-                <a:spcPct val="0"/>
-              </a:spcBef>
-              <a:spcAft>
-                <a:spcPct val="0"/>
-              </a:spcAft>
-            </a:pPr>
-            <a:r>
-              <a:rPr lang="en-US" altLang="zh-CN" sz="1265" dirty="0">
-                <a:solidFill>
-                  <a:prstClr val="white">
-                    <a:lumMod val="50000"/>
-                  </a:prstClr>
-                </a:solidFill>
-                <a:cs typeface="+mn-ea"/>
-                <a:sym typeface="+mn-lt"/>
-              </a:rPr>
-              <a:t>The user can demonstrate on a projector or computer, or print the presentation and make it into a film to be used in a wider field. Using PowerPoint, not only can you create presentations</a:t>
-            </a:r>
-          </a:p>
-        </p:txBody>
-      </p:sp>
       <p:grpSp>
         <p:nvGrpSpPr>
           <p:cNvPr id="6" name="组合 5"/>
@@ -12443,112 +7956,6 @@
           </p:style>
         </p:cxnSp>
       </p:grpSp>
-      <p:grpSp>
-        <p:nvGrpSpPr>
-          <p:cNvPr id="21" name="组合 20"/>
-          <p:cNvGrpSpPr/>
-          <p:nvPr/>
-        </p:nvGrpSpPr>
-        <p:grpSpPr>
-          <a:xfrm>
-            <a:off x="826881" y="4667668"/>
-            <a:ext cx="2483131" cy="398780"/>
-            <a:chOff x="716402" y="4452345"/>
-            <a:chExt cx="2483131" cy="398780"/>
-          </a:xfrm>
-        </p:grpSpPr>
-        <p:sp>
-          <p:nvSpPr>
-            <p:cNvPr id="22" name="圆角矩形 21"/>
-            <p:cNvSpPr/>
-            <p:nvPr/>
-          </p:nvSpPr>
-          <p:spPr>
-            <a:xfrm>
-              <a:off x="716402" y="4453940"/>
-              <a:ext cx="2483131" cy="396000"/>
-            </a:xfrm>
-            <a:prstGeom prst="roundRect">
-              <a:avLst>
-                <a:gd name="adj" fmla="val 50000"/>
-              </a:avLst>
-            </a:prstGeom>
-            <a:noFill/>
-            <a:ln>
-              <a:solidFill>
-                <a:schemeClr val="tx1">
-                  <a:lumMod val="50000"/>
-                  <a:lumOff val="50000"/>
-                </a:schemeClr>
-              </a:solidFill>
-            </a:ln>
-          </p:spPr>
-          <p:style>
-            <a:lnRef idx="2">
-              <a:schemeClr val="accent1">
-                <a:shade val="50000"/>
-              </a:schemeClr>
-            </a:lnRef>
-            <a:fillRef idx="1">
-              <a:schemeClr val="accent1"/>
-            </a:fillRef>
-            <a:effectRef idx="0">
-              <a:schemeClr val="accent1"/>
-            </a:effectRef>
-            <a:fontRef idx="minor">
-              <a:schemeClr val="lt1"/>
-            </a:fontRef>
-          </p:style>
-          <p:txBody>
-            <a:bodyPr rtlCol="0" anchor="ctr"/>
-            <a:lstStyle/>
-            <a:p>
-              <a:pPr algn="ctr"/>
-              <a:endParaRPr lang="zh-CN" altLang="en-US">
-                <a:cs typeface="+mn-ea"/>
-                <a:sym typeface="+mn-lt"/>
-              </a:endParaRPr>
-            </a:p>
-          </p:txBody>
-        </p:sp>
-        <p:sp>
-          <p:nvSpPr>
-            <p:cNvPr id="23" name="文本框 22"/>
-            <p:cNvSpPr txBox="1"/>
-            <p:nvPr/>
-          </p:nvSpPr>
-          <p:spPr>
-            <a:xfrm>
-              <a:off x="1028847" y="4452345"/>
-              <a:ext cx="1885951" cy="398780"/>
-            </a:xfrm>
-            <a:prstGeom prst="rect">
-              <a:avLst/>
-            </a:prstGeom>
-            <a:noFill/>
-          </p:spPr>
-          <p:txBody>
-            <a:bodyPr wrap="square" rtlCol="0">
-              <a:spAutoFit/>
-            </a:bodyPr>
-            <a:lstStyle/>
-            <a:p>
-              <a:pPr algn="ctr"/>
-              <a:r>
-                <a:rPr lang="en-US" sz="2000">
-                  <a:cs typeface="+mn-ea"/>
-                  <a:sym typeface="+mn-lt"/>
-                </a:rPr>
-                <a:t>Name</a:t>
-              </a:r>
-              <a:endParaRPr lang="zh-CN" altLang="en-US" sz="2000">
-                <a:cs typeface="+mn-ea"/>
-                <a:sym typeface="+mn-lt"/>
-              </a:endParaRPr>
-            </a:p>
-          </p:txBody>
-        </p:sp>
-      </p:grpSp>
     </p:spTree>
   </p:cSld>
   <p:clrMapOvr>
@@ -12627,222 +8034,6 @@
                             </p:childTnLst>
                           </p:cTn>
                         </p:par>
-                        <p:par>
-                          <p:cTn id="8" fill="hold">
-                            <p:stCondLst>
-                              <p:cond delay="1000"/>
-                            </p:stCondLst>
-                            <p:childTnLst>
-                              <p:par>
-                                <p:cTn id="9" presetID="22" presetClass="exit" presetSubtype="1" fill="hold" grpId="0" nodeType="afterEffect">
-                                  <p:stCondLst>
-                                    <p:cond delay="0"/>
-                                  </p:stCondLst>
-                                  <p:childTnLst>
-                                    <p:animEffect transition="out" filter="wipe(up)">
-                                      <p:cBhvr>
-                                        <p:cTn id="10" dur="750"/>
-                                        <p:tgtEl>
-                                          <p:spTgt spid="4"/>
-                                        </p:tgtEl>
-                                      </p:cBhvr>
-                                    </p:animEffect>
-                                    <p:set>
-                                      <p:cBhvr>
-                                        <p:cTn id="11" dur="1" fill="hold">
-                                          <p:stCondLst>
-                                            <p:cond delay="749"/>
-                                          </p:stCondLst>
-                                        </p:cTn>
-                                        <p:tgtEl>
-                                          <p:spTgt spid="4"/>
-                                        </p:tgtEl>
-                                        <p:attrNameLst>
-                                          <p:attrName>style.visibility</p:attrName>
-                                        </p:attrNameLst>
-                                      </p:cBhvr>
-                                      <p:to>
-                                        <p:strVal val="hidden"/>
-                                      </p:to>
-                                    </p:set>
-                                  </p:childTnLst>
-                                </p:cTn>
-                              </p:par>
-                            </p:childTnLst>
-                          </p:cTn>
-                        </p:par>
-                        <p:par>
-                          <p:cTn id="12" fill="hold">
-                            <p:stCondLst>
-                              <p:cond delay="2000"/>
-                            </p:stCondLst>
-                            <p:childTnLst>
-                              <p:par>
-                                <p:cTn id="13" presetID="2" presetClass="exit" presetSubtype="4" fill="hold" nodeType="afterEffect">
-                                  <p:stCondLst>
-                                    <p:cond delay="0"/>
-                                  </p:stCondLst>
-                                  <p:childTnLst>
-                                    <p:anim calcmode="lin" valueType="num">
-                                      <p:cBhvr additive="base">
-                                        <p:cTn id="14" dur="500"/>
-                                        <p:tgtEl>
-                                          <p:spTgt spid="21"/>
-                                        </p:tgtEl>
-                                        <p:attrNameLst>
-                                          <p:attrName>ppt_x</p:attrName>
-                                        </p:attrNameLst>
-                                      </p:cBhvr>
-                                      <p:tavLst>
-                                        <p:tav tm="0">
-                                          <p:val>
-                                            <p:strVal val="ppt_x"/>
-                                          </p:val>
-                                        </p:tav>
-                                        <p:tav tm="100000">
-                                          <p:val>
-                                            <p:strVal val="ppt_x"/>
-                                          </p:val>
-                                        </p:tav>
-                                      </p:tavLst>
-                                    </p:anim>
-                                    <p:anim calcmode="lin" valueType="num">
-                                      <p:cBhvr additive="base">
-                                        <p:cTn id="15" dur="500"/>
-                                        <p:tgtEl>
-                                          <p:spTgt spid="21"/>
-                                        </p:tgtEl>
-                                        <p:attrNameLst>
-                                          <p:attrName>ppt_y</p:attrName>
-                                        </p:attrNameLst>
-                                      </p:cBhvr>
-                                      <p:tavLst>
-                                        <p:tav tm="0">
-                                          <p:val>
-                                            <p:strVal val="ppt_y"/>
-                                          </p:val>
-                                        </p:tav>
-                                        <p:tav tm="100000">
-                                          <p:val>
-                                            <p:strVal val="1+ppt_h/2"/>
-                                          </p:val>
-                                        </p:tav>
-                                      </p:tavLst>
-                                    </p:anim>
-                                    <p:set>
-                                      <p:cBhvr>
-                                        <p:cTn id="16" dur="1" fill="hold">
-                                          <p:stCondLst>
-                                            <p:cond delay="499"/>
-                                          </p:stCondLst>
-                                        </p:cTn>
-                                        <p:tgtEl>
-                                          <p:spTgt spid="21"/>
-                                        </p:tgtEl>
-                                        <p:attrNameLst>
-                                          <p:attrName>style.visibility</p:attrName>
-                                        </p:attrNameLst>
-                                      </p:cBhvr>
-                                      <p:to>
-                                        <p:strVal val="hidden"/>
-                                      </p:to>
-                                    </p:set>
-                                  </p:childTnLst>
-                                </p:cTn>
-                              </p:par>
-                            </p:childTnLst>
-                          </p:cTn>
-                        </p:par>
-                        <p:par>
-                          <p:cTn id="17" fill="hold">
-                            <p:stCondLst>
-                              <p:cond delay="2500"/>
-                            </p:stCondLst>
-                            <p:childTnLst>
-                              <p:par>
-                                <p:cTn id="18" presetID="42" presetClass="exit" presetSubtype="0" fill="hold" grpId="0" nodeType="afterEffect">
-                                  <p:stCondLst>
-                                    <p:cond delay="0"/>
-                                  </p:stCondLst>
-                                  <p:childTnLst>
-                                    <p:animEffect transition="out" filter="fade">
-                                      <p:cBhvr>
-                                        <p:cTn id="19" dur="500"/>
-                                        <p:tgtEl>
-                                          <p:spTgt spid="5"/>
-                                        </p:tgtEl>
-                                      </p:cBhvr>
-                                    </p:animEffect>
-                                    <p:anim calcmode="lin" valueType="num">
-                                      <p:cBhvr>
-                                        <p:cTn id="20" dur="500"/>
-                                        <p:tgtEl>
-                                          <p:spTgt spid="5"/>
-                                        </p:tgtEl>
-                                        <p:attrNameLst>
-                                          <p:attrName>ppt_x</p:attrName>
-                                        </p:attrNameLst>
-                                      </p:cBhvr>
-                                      <p:tavLst>
-                                        <p:tav tm="0">
-                                          <p:val>
-                                            <p:strVal val="ppt_x"/>
-                                          </p:val>
-                                        </p:tav>
-                                        <p:tav tm="100000">
-                                          <p:val>
-                                            <p:strVal val="ppt_x"/>
-                                          </p:val>
-                                        </p:tav>
-                                      </p:tavLst>
-                                    </p:anim>
-                                    <p:anim calcmode="lin" valueType="num">
-                                      <p:cBhvr>
-                                        <p:cTn id="21" dur="500"/>
-                                        <p:tgtEl>
-                                          <p:spTgt spid="5"/>
-                                        </p:tgtEl>
-                                        <p:attrNameLst>
-                                          <p:attrName>ppt_y</p:attrName>
-                                        </p:attrNameLst>
-                                      </p:cBhvr>
-                                      <p:tavLst>
-                                        <p:tav tm="0">
-                                          <p:val>
-                                            <p:strVal val="ppt_y"/>
-                                          </p:val>
-                                        </p:tav>
-                                        <p:tav tm="100000">
-                                          <p:val>
-                                            <p:strVal val="ppt_y+.1"/>
-                                          </p:val>
-                                        </p:tav>
-                                      </p:tavLst>
-                                    </p:anim>
-                                    <p:set>
-                                      <p:cBhvr>
-                                        <p:cTn id="22" dur="1" fill="hold">
-                                          <p:stCondLst>
-                                            <p:cond delay="499"/>
-                                          </p:stCondLst>
-                                        </p:cTn>
-                                        <p:tgtEl>
-                                          <p:spTgt spid="5"/>
-                                        </p:tgtEl>
-                                        <p:attrNameLst>
-                                          <p:attrName>style.visibility</p:attrName>
-                                        </p:attrNameLst>
-                                      </p:cBhvr>
-                                      <p:to>
-                                        <p:strVal val="hidden"/>
-                                      </p:to>
-                                    </p:set>
-                                  </p:childTnLst>
-                                </p:cTn>
-                              </p:par>
-                            </p:childTnLst>
-                          </p:cTn>
-                        </p:par>
                       </p:childTnLst>
                     </p:cTn>
                   </p:par>
@@ -12867,10 +8058,6 @@
         </p:cTn>
       </p:par>
     </p:tnLst>
-    <p:bldLst>
-      <p:bldP spid="4" grpId="0"/>
-      <p:bldP spid="5" grpId="0"/>
-    </p:bldLst>
   </p:timing>
 </p:sld>
 </file>
@@ -13399,7 +8586,7 @@
       </p:grpSp>
       <p:pic>
         <p:nvPicPr>
-          <p:cNvPr id="2" name="1 Imagen"/>
+          <p:cNvPr id="3" name="2 Imagen"/>
           <p:cNvPicPr>
             <a:picLocks noChangeAspect="1"/>
           </p:cNvPicPr>
@@ -13419,8 +8606,8 @@
         </p:blipFill>
         <p:spPr>
           <a:xfrm>
-            <a:off x="1155966" y="0"/>
-            <a:ext cx="9880068" cy="6858000"/>
+            <a:off x="1117068" y="0"/>
+            <a:ext cx="9957864" cy="6858000"/>
           </a:xfrm>
           <a:prstGeom prst="roundRect">
             <a:avLst>
@@ -13998,15 +9185,7 @@
                   <a:schemeClr val="bg1"/>
                 </a:solidFill>
               </a:rPr>
-              <a:t>En el campo “nivel” se detallara el tipo de </a:t>
-            </a:r>
-            <a:r>
-              <a:rPr lang="es-ES" altLang="zh-CN" sz="2000" dirty="0" smtClean="0">
-                <a:solidFill>
-                  <a:schemeClr val="bg1"/>
-                </a:solidFill>
-              </a:rPr>
-              <a:t>usuario, los cuales pueden ser un cliente normal y un administrador</a:t>
+              <a:t>En el campo “nivel” se detallara el tipo de usuario, los cuales pueden ser un cliente normal y un administrador</a:t>
             </a:r>
             <a:endParaRPr lang="zh-CN" altLang="en-US" sz="2000" dirty="0">
               <a:solidFill>
@@ -14124,173 +9303,6 @@
           </a:p>
         </p:txBody>
       </p:sp>
-      <p:sp>
-        <p:nvSpPr>
-          <p:cNvPr id="10" name="箭头: V 形 105"/>
-          <p:cNvSpPr/>
-          <p:nvPr/>
-        </p:nvSpPr>
-        <p:spPr>
-          <a:xfrm flipH="1">
-            <a:off x="5998774" y="182501"/>
-            <a:ext cx="4941803" cy="1028161"/>
-          </a:xfrm>
-          <a:prstGeom prst="chevron">
-            <a:avLst>
-              <a:gd name="adj" fmla="val 29021"/>
-            </a:avLst>
-          </a:prstGeom>
-          <a:gradFill flip="none" rotWithShape="1">
-            <a:gsLst>
-              <a:gs pos="0">
-                <a:srgbClr val="F9AC7D"/>
-              </a:gs>
-              <a:gs pos="100000">
-                <a:srgbClr val="F28893"/>
-              </a:gs>
-            </a:gsLst>
-            <a:lin ang="0" scaled="1"/>
-            <a:tileRect/>
-          </a:gradFill>
-          <a:ln>
-            <a:noFill/>
-          </a:ln>
-        </p:spPr>
-        <p:style>
-          <a:lnRef idx="2">
-            <a:schemeClr val="accent1">
-              <a:shade val="50000"/>
-            </a:schemeClr>
-          </a:lnRef>
-          <a:fillRef idx="1">
-            <a:schemeClr val="accent1"/>
-          </a:fillRef>
-          <a:effectRef idx="0">
-            <a:schemeClr val="accent1"/>
-          </a:effectRef>
-          <a:fontRef idx="minor">
-            <a:schemeClr val="lt1"/>
-          </a:fontRef>
-        </p:style>
-        <p:txBody>
-          <a:bodyPr rtlCol="0" anchor="ctr"/>
-          <a:lstStyle>
-            <a:defPPr>
-              <a:defRPr lang="en-US">
-                <a:solidFill>
-                  <a:schemeClr val="lt1"/>
-                </a:solidFill>
-              </a:defRPr>
-            </a:defPPr>
-            <a:lvl1pPr marL="0" algn="l" defTabSz="685800" rtl="0" eaLnBrk="1" latinLnBrk="0" hangingPunct="1">
-              <a:defRPr sz="1350" kern="1200">
-                <a:solidFill>
-                  <a:schemeClr val="lt1"/>
-                </a:solidFill>
-                <a:latin typeface="+mn-lt"/>
-                <a:ea typeface="+mn-ea"/>
-                <a:cs typeface="+mn-cs"/>
-              </a:defRPr>
-            </a:lvl1pPr>
-            <a:lvl2pPr marL="342900" algn="l" defTabSz="685800" rtl="0" eaLnBrk="1" latinLnBrk="0" hangingPunct="1">
-              <a:defRPr sz="1350" kern="1200">
-                <a:solidFill>
-                  <a:schemeClr val="lt1"/>
-                </a:solidFill>
-                <a:latin typeface="+mn-lt"/>
-                <a:ea typeface="+mn-ea"/>
-                <a:cs typeface="+mn-cs"/>
-              </a:defRPr>
-            </a:lvl2pPr>
-            <a:lvl3pPr marL="685800" algn="l" defTabSz="685800" rtl="0" eaLnBrk="1" latinLnBrk="0" hangingPunct="1">
-              <a:defRPr sz="1350" kern="1200">
-                <a:solidFill>
-                  <a:schemeClr val="lt1"/>
-                </a:solidFill>
-                <a:latin typeface="+mn-lt"/>
-                <a:ea typeface="+mn-ea"/>
-                <a:cs typeface="+mn-cs"/>
-              </a:defRPr>
-            </a:lvl3pPr>
-            <a:lvl4pPr marL="1028700" algn="l" defTabSz="685800" rtl="0" eaLnBrk="1" latinLnBrk="0" hangingPunct="1">
-              <a:defRPr sz="1350" kern="1200">
-                <a:solidFill>
-                  <a:schemeClr val="lt1"/>
-                </a:solidFill>
-                <a:latin typeface="+mn-lt"/>
-                <a:ea typeface="+mn-ea"/>
-                <a:cs typeface="+mn-cs"/>
-              </a:defRPr>
-            </a:lvl4pPr>
-            <a:lvl5pPr marL="1371600" algn="l" defTabSz="685800" rtl="0" eaLnBrk="1" latinLnBrk="0" hangingPunct="1">
-              <a:defRPr sz="1350" kern="1200">
-                <a:solidFill>
-                  <a:schemeClr val="lt1"/>
-                </a:solidFill>
-                <a:latin typeface="+mn-lt"/>
-                <a:ea typeface="+mn-ea"/>
-                <a:cs typeface="+mn-cs"/>
-              </a:defRPr>
-            </a:lvl5pPr>
-            <a:lvl6pPr marL="1714500" algn="l" defTabSz="685800" rtl="0" eaLnBrk="1" latinLnBrk="0" hangingPunct="1">
-              <a:defRPr sz="1350" kern="1200">
-                <a:solidFill>
-                  <a:schemeClr val="lt1"/>
-                </a:solidFill>
-                <a:latin typeface="+mn-lt"/>
-                <a:ea typeface="+mn-ea"/>
-                <a:cs typeface="+mn-cs"/>
-              </a:defRPr>
-            </a:lvl6pPr>
-            <a:lvl7pPr marL="2057400" algn="l" defTabSz="685800" rtl="0" eaLnBrk="1" latinLnBrk="0" hangingPunct="1">
-              <a:defRPr sz="1350" kern="1200">
-                <a:solidFill>
-                  <a:schemeClr val="lt1"/>
-                </a:solidFill>
-                <a:latin typeface="+mn-lt"/>
-                <a:ea typeface="+mn-ea"/>
-                <a:cs typeface="+mn-cs"/>
-              </a:defRPr>
-            </a:lvl7pPr>
-            <a:lvl8pPr marL="2400300" algn="l" defTabSz="685800" rtl="0" eaLnBrk="1" latinLnBrk="0" hangingPunct="1">
-              <a:defRPr sz="1350" kern="1200">
-                <a:solidFill>
-                  <a:schemeClr val="lt1"/>
-                </a:solidFill>
-                <a:latin typeface="+mn-lt"/>
-                <a:ea typeface="+mn-ea"/>
-                <a:cs typeface="+mn-cs"/>
-              </a:defRPr>
-            </a:lvl8pPr>
-            <a:lvl9pPr marL="2743200" algn="l" defTabSz="685800" rtl="0" eaLnBrk="1" latinLnBrk="0" hangingPunct="1">
-              <a:defRPr sz="1350" kern="1200">
-                <a:solidFill>
-                  <a:schemeClr val="lt1"/>
-                </a:solidFill>
-                <a:latin typeface="+mn-lt"/>
-                <a:ea typeface="+mn-ea"/>
-                <a:cs typeface="+mn-cs"/>
-              </a:defRPr>
-            </a:lvl9pPr>
-          </a:lstStyle>
-          <a:p>
-            <a:pPr algn="ctr"/>
-            <a:r>
-              <a:rPr lang="es-ES" altLang="zh-CN" sz="2000" dirty="0" smtClean="0">
-                <a:solidFill>
-                  <a:schemeClr val="bg1"/>
-                </a:solidFill>
-              </a:rPr>
-              <a:t>El usuario de tipo “cliente” podrá realizar una reserva de uno o muchos vuelos.</a:t>
-            </a:r>
-            <a:endParaRPr lang="zh-CN" altLang="en-US" sz="2000" dirty="0">
-              <a:solidFill>
-                <a:schemeClr val="bg1"/>
-              </a:solidFill>
-            </a:endParaRPr>
-          </a:p>
-        </p:txBody>
-      </p:sp>
       <p:pic>
         <p:nvPicPr>
           <p:cNvPr id="1028" name="Picture 4"/>
@@ -14349,8 +9361,8 @@
         </p:nvSpPr>
         <p:spPr>
           <a:xfrm flipH="1">
-            <a:off x="5883006" y="1432193"/>
-            <a:ext cx="4978615" cy="2379643"/>
+            <a:off x="5711877" y="2163019"/>
+            <a:ext cx="6061344" cy="1733571"/>
           </a:xfrm>
           <a:prstGeom prst="chevron">
             <a:avLst>
@@ -14498,7 +9510,15 @@
                   <a:schemeClr val="bg1"/>
                 </a:solidFill>
               </a:rPr>
-              <a:t>En la tabla vuelo se detallaran los datos generales de un vuelo, los precios por asiento, fecha de salida, si se realizara con escalas, si es con ida y vuelta, la aerolínea, una fot</a:t>
+              <a:t>En la tabla </a:t>
+            </a:r>
+            <a:r>
+              <a:rPr lang="es-ES" altLang="zh-CN" sz="2000" b="1" dirty="0" smtClean="0">
+                <a:solidFill>
+                  <a:schemeClr val="bg1"/>
+                </a:solidFill>
+              </a:rPr>
+              <a:t>vuelo</a:t>
             </a:r>
             <a:r>
               <a:rPr lang="es-ES" altLang="zh-CN" sz="2000" dirty="0" smtClean="0">
@@ -14506,7 +9526,15 @@
                   <a:schemeClr val="bg1"/>
                 </a:solidFill>
               </a:rPr>
-              <a:t>o por para promocionar el vuelo </a:t>
+              <a:t> se detallaran los datos generales de un vuelo, los precios por asiento, fecha de salida, si se realizara con escalas, si es con ida y vuelta, la aerolínea, una foto por para promocionar el </a:t>
+            </a:r>
+            <a:r>
+              <a:rPr lang="es-ES" altLang="zh-CN" sz="2000" dirty="0" smtClean="0">
+                <a:solidFill>
+                  <a:schemeClr val="bg1"/>
+                </a:solidFill>
+              </a:rPr>
+              <a:t>vuelo, </a:t>
             </a:r>
             <a:r>
               <a:rPr lang="es-ES" altLang="zh-CN" sz="2000" dirty="0" err="1" smtClean="0">
@@ -14532,44 +9560,28 @@
         </p:nvSpPr>
         <p:spPr>
           <a:xfrm flipH="1">
-            <a:off x="5901411" y="4196254"/>
-            <a:ext cx="5039166" cy="1488451"/>
+            <a:off x="5883005" y="342899"/>
+            <a:ext cx="5719089" cy="1246055"/>
           </a:xfrm>
           <a:prstGeom prst="chevron">
             <a:avLst>
               <a:gd name="adj" fmla="val 29021"/>
             </a:avLst>
           </a:prstGeom>
-          <a:gradFill flip="none" rotWithShape="1">
-            <a:gsLst>
-              <a:gs pos="0">
-                <a:srgbClr val="F9AC7D"/>
-              </a:gs>
-              <a:gs pos="100000">
-                <a:srgbClr val="F28893"/>
-              </a:gs>
-            </a:gsLst>
-            <a:lin ang="0" scaled="1"/>
-            <a:tileRect/>
-          </a:gradFill>
-          <a:ln>
-            <a:noFill/>
-          </a:ln>
+          <a:ln/>
         </p:spPr>
         <p:style>
-          <a:lnRef idx="2">
-            <a:schemeClr val="accent1">
-              <a:shade val="50000"/>
-            </a:schemeClr>
+          <a:lnRef idx="1">
+            <a:schemeClr val="accent5"/>
           </a:lnRef>
-          <a:fillRef idx="1">
-            <a:schemeClr val="accent1"/>
+          <a:fillRef idx="2">
+            <a:schemeClr val="accent5"/>
           </a:fillRef>
-          <a:effectRef idx="0">
-            <a:schemeClr val="accent1"/>
+          <a:effectRef idx="1">
+            <a:schemeClr val="accent5"/>
           </a:effectRef>
           <a:fontRef idx="minor">
-            <a:schemeClr val="lt1"/>
+            <a:schemeClr val="dk1"/>
           </a:fontRef>
         </p:style>
         <p:txBody>
@@ -14700,12 +9712,12 @@
               <a:t> o con bebes, si se le </a:t>
             </a:r>
             <a:r>
-              <a:rPr lang="es-SV" altLang="zh-CN" sz="2000" dirty="0" err="1" smtClean="0">
+              <a:rPr lang="es-SV" altLang="zh-CN" sz="2000" dirty="0" smtClean="0">
                 <a:solidFill>
                   <a:schemeClr val="bg1"/>
                 </a:solidFill>
               </a:rPr>
-              <a:t>hara</a:t>
+              <a:t>hará </a:t>
             </a:r>
             <a:r>
               <a:rPr lang="es-SV" altLang="zh-CN" sz="2000" dirty="0" smtClean="0">
@@ -14713,7 +9725,23 @@
                   <a:schemeClr val="bg1"/>
                 </a:solidFill>
               </a:rPr>
-              <a:t> un descuento et</a:t>
+              <a:t>un </a:t>
+            </a:r>
+            <a:r>
+              <a:rPr lang="es-SV" altLang="zh-CN" sz="2000" smtClean="0">
+                <a:solidFill>
+                  <a:schemeClr val="bg1"/>
+                </a:solidFill>
+              </a:rPr>
+              <a:t>descuento </a:t>
+            </a:r>
+            <a:r>
+              <a:rPr lang="es-SV" altLang="zh-CN" sz="2000" smtClean="0">
+                <a:solidFill>
+                  <a:schemeClr val="bg1"/>
+                </a:solidFill>
+              </a:rPr>
+              <a:t>etc.</a:t>
             </a:r>
             <a:endParaRPr lang="zh-CN" altLang="en-US" sz="2000" dirty="0">
               <a:solidFill>
@@ -14753,6 +9781,157 @@
           </a:prstGeom>
         </p:spPr>
       </p:pic>
+      <p:sp>
+        <p:nvSpPr>
+          <p:cNvPr id="10" name="箭头: V 形 105"/>
+          <p:cNvSpPr/>
+          <p:nvPr/>
+        </p:nvSpPr>
+        <p:spPr>
+          <a:xfrm flipH="1">
+            <a:off x="4074723" y="4931243"/>
+            <a:ext cx="5621724" cy="753462"/>
+          </a:xfrm>
+          <a:prstGeom prst="chevron">
+            <a:avLst>
+              <a:gd name="adj" fmla="val 29021"/>
+            </a:avLst>
+          </a:prstGeom>
+          <a:ln/>
+        </p:spPr>
+        <p:style>
+          <a:lnRef idx="1">
+            <a:schemeClr val="accent2"/>
+          </a:lnRef>
+          <a:fillRef idx="2">
+            <a:schemeClr val="accent2"/>
+          </a:fillRef>
+          <a:effectRef idx="1">
+            <a:schemeClr val="accent2"/>
+          </a:effectRef>
+          <a:fontRef idx="minor">
+            <a:schemeClr val="dk1"/>
+          </a:fontRef>
+        </p:style>
+        <p:txBody>
+          <a:bodyPr rtlCol="0" anchor="ctr"/>
+          <a:lstStyle>
+            <a:defPPr>
+              <a:defRPr lang="en-US">
+                <a:solidFill>
+                  <a:schemeClr val="lt1"/>
+                </a:solidFill>
+              </a:defRPr>
+            </a:defPPr>
+            <a:lvl1pPr marL="0" algn="l" defTabSz="685800" rtl="0" eaLnBrk="1" latinLnBrk="0" hangingPunct="1">
+              <a:defRPr sz="1350" kern="1200">
+                <a:solidFill>
+                  <a:schemeClr val="lt1"/>
+                </a:solidFill>
+                <a:latin typeface="+mn-lt"/>
+                <a:ea typeface="+mn-ea"/>
+                <a:cs typeface="+mn-cs"/>
+              </a:defRPr>
+            </a:lvl1pPr>
+            <a:lvl2pPr marL="342900" algn="l" defTabSz="685800" rtl="0" eaLnBrk="1" latinLnBrk="0" hangingPunct="1">
+              <a:defRPr sz="1350" kern="1200">
+                <a:solidFill>
+                  <a:schemeClr val="lt1"/>
+                </a:solidFill>
+                <a:latin typeface="+mn-lt"/>
+                <a:ea typeface="+mn-ea"/>
+                <a:cs typeface="+mn-cs"/>
+              </a:defRPr>
+            </a:lvl2pPr>
+            <a:lvl3pPr marL="685800" algn="l" defTabSz="685800" rtl="0" eaLnBrk="1" latinLnBrk="0" hangingPunct="1">
+              <a:defRPr sz="1350" kern="1200">
+                <a:solidFill>
+                  <a:schemeClr val="lt1"/>
+                </a:solidFill>
+                <a:latin typeface="+mn-lt"/>
+                <a:ea typeface="+mn-ea"/>
+                <a:cs typeface="+mn-cs"/>
+              </a:defRPr>
+            </a:lvl3pPr>
+            <a:lvl4pPr marL="1028700" algn="l" defTabSz="685800" rtl="0" eaLnBrk="1" latinLnBrk="0" hangingPunct="1">
+              <a:defRPr sz="1350" kern="1200">
+                <a:solidFill>
+                  <a:schemeClr val="lt1"/>
+                </a:solidFill>
+                <a:latin typeface="+mn-lt"/>
+                <a:ea typeface="+mn-ea"/>
+                <a:cs typeface="+mn-cs"/>
+              </a:defRPr>
+            </a:lvl4pPr>
+            <a:lvl5pPr marL="1371600" algn="l" defTabSz="685800" rtl="0" eaLnBrk="1" latinLnBrk="0" hangingPunct="1">
+              <a:defRPr sz="1350" kern="1200">
+                <a:solidFill>
+                  <a:schemeClr val="lt1"/>
+                </a:solidFill>
+                <a:latin typeface="+mn-lt"/>
+                <a:ea typeface="+mn-ea"/>
+                <a:cs typeface="+mn-cs"/>
+              </a:defRPr>
+            </a:lvl5pPr>
+            <a:lvl6pPr marL="1714500" algn="l" defTabSz="685800" rtl="0" eaLnBrk="1" latinLnBrk="0" hangingPunct="1">
+              <a:defRPr sz="1350" kern="1200">
+                <a:solidFill>
+                  <a:schemeClr val="lt1"/>
+                </a:solidFill>
+                <a:latin typeface="+mn-lt"/>
+                <a:ea typeface="+mn-ea"/>
+                <a:cs typeface="+mn-cs"/>
+              </a:defRPr>
+            </a:lvl6pPr>
+            <a:lvl7pPr marL="2057400" algn="l" defTabSz="685800" rtl="0" eaLnBrk="1" latinLnBrk="0" hangingPunct="1">
+              <a:defRPr sz="1350" kern="1200">
+                <a:solidFill>
+                  <a:schemeClr val="lt1"/>
+                </a:solidFill>
+                <a:latin typeface="+mn-lt"/>
+                <a:ea typeface="+mn-ea"/>
+                <a:cs typeface="+mn-cs"/>
+              </a:defRPr>
+            </a:lvl7pPr>
+            <a:lvl8pPr marL="2400300" algn="l" defTabSz="685800" rtl="0" eaLnBrk="1" latinLnBrk="0" hangingPunct="1">
+              <a:defRPr sz="1350" kern="1200">
+                <a:solidFill>
+                  <a:schemeClr val="lt1"/>
+                </a:solidFill>
+                <a:latin typeface="+mn-lt"/>
+                <a:ea typeface="+mn-ea"/>
+                <a:cs typeface="+mn-cs"/>
+              </a:defRPr>
+            </a:lvl8pPr>
+            <a:lvl9pPr marL="2743200" algn="l" defTabSz="685800" rtl="0" eaLnBrk="1" latinLnBrk="0" hangingPunct="1">
+              <a:defRPr sz="1350" kern="1200">
+                <a:solidFill>
+                  <a:schemeClr val="lt1"/>
+                </a:solidFill>
+                <a:latin typeface="+mn-lt"/>
+                <a:ea typeface="+mn-ea"/>
+                <a:cs typeface="+mn-cs"/>
+              </a:defRPr>
+            </a:lvl9pPr>
+          </a:lstStyle>
+          <a:p>
+            <a:pPr algn="ctr"/>
+            <a:r>
+              <a:rPr lang="es-ES" altLang="zh-CN" sz="2000" dirty="0" smtClean="0">
+                <a:solidFill>
+                  <a:schemeClr val="bg1"/>
+                </a:solidFill>
+              </a:rPr>
+              <a:t>El usuario de tipo “cliente” podrá realizar una reserva de uno o muchos vuelos.</a:t>
+            </a:r>
+            <a:endParaRPr lang="zh-CN" altLang="en-US" sz="2000" dirty="0">
+              <a:solidFill>
+                <a:schemeClr val="bg1"/>
+              </a:solidFill>
+            </a:endParaRPr>
+          </a:p>
+        </p:txBody>
+      </p:sp>
     </p:spTree>
   </p:cSld>
   <p:clrMapOvr>
@@ -14856,9 +10035,183 @@
           </a:p>
         </p:txBody>
       </p:sp>
+      <p:sp>
+        <p:nvSpPr>
+          <p:cNvPr id="10" name="箭头: V 形 108"/>
+          <p:cNvSpPr/>
+          <p:nvPr/>
+        </p:nvSpPr>
+        <p:spPr>
+          <a:xfrm>
+            <a:off x="171450" y="2613820"/>
+            <a:ext cx="4191000" cy="1254978"/>
+          </a:xfrm>
+          <a:prstGeom prst="chevron">
+            <a:avLst>
+              <a:gd name="adj" fmla="val 29021"/>
+            </a:avLst>
+          </a:prstGeom>
+          <a:gradFill>
+            <a:gsLst>
+              <a:gs pos="99000">
+                <a:srgbClr val="FF7F75"/>
+              </a:gs>
+              <a:gs pos="0">
+                <a:srgbClr val="FD6A9E"/>
+              </a:gs>
+            </a:gsLst>
+            <a:lin ang="0" scaled="1"/>
+          </a:gradFill>
+          <a:ln>
+            <a:noFill/>
+          </a:ln>
+        </p:spPr>
+        <p:style>
+          <a:lnRef idx="2">
+            <a:schemeClr val="accent1">
+              <a:shade val="50000"/>
+            </a:schemeClr>
+          </a:lnRef>
+          <a:fillRef idx="1">
+            <a:schemeClr val="accent1"/>
+          </a:fillRef>
+          <a:effectRef idx="0">
+            <a:schemeClr val="accent1"/>
+          </a:effectRef>
+          <a:fontRef idx="minor">
+            <a:schemeClr val="lt1"/>
+          </a:fontRef>
+        </p:style>
+        <p:txBody>
+          <a:bodyPr rtlCol="0" anchor="ctr"/>
+          <a:lstStyle>
+            <a:defPPr>
+              <a:defRPr lang="en-US">
+                <a:solidFill>
+                  <a:schemeClr val="lt1"/>
+                </a:solidFill>
+              </a:defRPr>
+            </a:defPPr>
+            <a:lvl1pPr marL="0" algn="l" defTabSz="685800" rtl="0" eaLnBrk="1" latinLnBrk="0" hangingPunct="1">
+              <a:defRPr sz="1350" kern="1200">
+                <a:solidFill>
+                  <a:schemeClr val="lt1"/>
+                </a:solidFill>
+                <a:latin typeface="+mn-lt"/>
+                <a:ea typeface="+mn-ea"/>
+                <a:cs typeface="+mn-cs"/>
+              </a:defRPr>
+            </a:lvl1pPr>
+            <a:lvl2pPr marL="342900" algn="l" defTabSz="685800" rtl="0" eaLnBrk="1" latinLnBrk="0" hangingPunct="1">
+              <a:defRPr sz="1350" kern="1200">
+                <a:solidFill>
+                  <a:schemeClr val="lt1"/>
+                </a:solidFill>
+                <a:latin typeface="+mn-lt"/>
+                <a:ea typeface="+mn-ea"/>
+                <a:cs typeface="+mn-cs"/>
+              </a:defRPr>
+            </a:lvl2pPr>
+            <a:lvl3pPr marL="685800" algn="l" defTabSz="685800" rtl="0" eaLnBrk="1" latinLnBrk="0" hangingPunct="1">
+              <a:defRPr sz="1350" kern="1200">
+                <a:solidFill>
+                  <a:schemeClr val="lt1"/>
+                </a:solidFill>
+                <a:latin typeface="+mn-lt"/>
+                <a:ea typeface="+mn-ea"/>
+                <a:cs typeface="+mn-cs"/>
+              </a:defRPr>
+            </a:lvl3pPr>
+            <a:lvl4pPr marL="1028700" algn="l" defTabSz="685800" rtl="0" eaLnBrk="1" latinLnBrk="0" hangingPunct="1">
+              <a:defRPr sz="1350" kern="1200">
+                <a:solidFill>
+                  <a:schemeClr val="lt1"/>
+                </a:solidFill>
+                <a:latin typeface="+mn-lt"/>
+                <a:ea typeface="+mn-ea"/>
+                <a:cs typeface="+mn-cs"/>
+              </a:defRPr>
+            </a:lvl4pPr>
+            <a:lvl5pPr marL="1371600" algn="l" defTabSz="685800" rtl="0" eaLnBrk="1" latinLnBrk="0" hangingPunct="1">
+              <a:defRPr sz="1350" kern="1200">
+                <a:solidFill>
+                  <a:schemeClr val="lt1"/>
+                </a:solidFill>
+                <a:latin typeface="+mn-lt"/>
+                <a:ea typeface="+mn-ea"/>
+                <a:cs typeface="+mn-cs"/>
+              </a:defRPr>
+            </a:lvl5pPr>
+            <a:lvl6pPr marL="1714500" algn="l" defTabSz="685800" rtl="0" eaLnBrk="1" latinLnBrk="0" hangingPunct="1">
+              <a:defRPr sz="1350" kern="1200">
+                <a:solidFill>
+                  <a:schemeClr val="lt1"/>
+                </a:solidFill>
+                <a:latin typeface="+mn-lt"/>
+                <a:ea typeface="+mn-ea"/>
+                <a:cs typeface="+mn-cs"/>
+              </a:defRPr>
+            </a:lvl6pPr>
+            <a:lvl7pPr marL="2057400" algn="l" defTabSz="685800" rtl="0" eaLnBrk="1" latinLnBrk="0" hangingPunct="1">
+              <a:defRPr sz="1350" kern="1200">
+                <a:solidFill>
+                  <a:schemeClr val="lt1"/>
+                </a:solidFill>
+                <a:latin typeface="+mn-lt"/>
+                <a:ea typeface="+mn-ea"/>
+                <a:cs typeface="+mn-cs"/>
+              </a:defRPr>
+            </a:lvl7pPr>
+            <a:lvl8pPr marL="2400300" algn="l" defTabSz="685800" rtl="0" eaLnBrk="1" latinLnBrk="0" hangingPunct="1">
+              <a:defRPr sz="1350" kern="1200">
+                <a:solidFill>
+                  <a:schemeClr val="lt1"/>
+                </a:solidFill>
+                <a:latin typeface="+mn-lt"/>
+                <a:ea typeface="+mn-ea"/>
+                <a:cs typeface="+mn-cs"/>
+              </a:defRPr>
+            </a:lvl8pPr>
+            <a:lvl9pPr marL="2743200" algn="l" defTabSz="685800" rtl="0" eaLnBrk="1" latinLnBrk="0" hangingPunct="1">
+              <a:defRPr sz="1350" kern="1200">
+                <a:solidFill>
+                  <a:schemeClr val="lt1"/>
+                </a:solidFill>
+                <a:latin typeface="+mn-lt"/>
+                <a:ea typeface="+mn-ea"/>
+                <a:cs typeface="+mn-cs"/>
+              </a:defRPr>
+            </a:lvl9pPr>
+          </a:lstStyle>
+          <a:p>
+            <a:pPr algn="ctr"/>
+            <a:r>
+              <a:rPr lang="es-ES" altLang="zh-CN" sz="1600" dirty="0">
+                <a:solidFill>
+                  <a:schemeClr val="bg1"/>
+                </a:solidFill>
+              </a:rPr>
+              <a:t>El será capaz de realizar el registro de vehículos para que aparezcan en la pagina web y sean visibles para los clientes detallando todas las características </a:t>
+            </a:r>
+            <a:r>
+              <a:rPr lang="es-ES" altLang="zh-CN" sz="1600" dirty="0" smtClean="0">
+                <a:solidFill>
+                  <a:schemeClr val="bg1"/>
+                </a:solidFill>
+              </a:rPr>
+              <a:t>posibles</a:t>
+            </a:r>
+            <a:endParaRPr lang="zh-CN" altLang="en-US" sz="1600" dirty="0">
+              <a:solidFill>
+                <a:schemeClr val="bg1"/>
+              </a:solidFill>
+            </a:endParaRPr>
+          </a:p>
+        </p:txBody>
+      </p:sp>
       <p:pic>
         <p:nvPicPr>
-          <p:cNvPr id="2050" name="Picture 2"/>
+          <p:cNvPr id="1027" name="Picture 3"/>
           <p:cNvPicPr>
             <a:picLocks noChangeAspect="1" noChangeArrowheads="1"/>
           </p:cNvPicPr>
@@ -14879,8 +10232,8 @@
         </p:blipFill>
         <p:spPr bwMode="auto">
           <a:xfrm>
-            <a:off x="309563" y="211839"/>
-            <a:ext cx="8829675" cy="4876800"/>
+            <a:off x="4362450" y="1006704"/>
+            <a:ext cx="7769577" cy="3214233"/>
           </a:xfrm>
           <a:prstGeom prst="roundRect">
             <a:avLst>
@@ -14894,7 +10247,7 @@
           </a:solidFill>
           <a:ln w="9525">
             <a:solidFill>
-              <a:schemeClr val="tx1"/>
+              <a:srgbClr val="DBDADA"/>
             </a:solidFill>
             <a:miter lim="800000"/>
             <a:headEnd/>
@@ -14903,69 +10256,168 @@
           <a:effectLst>
             <a:reflection blurRad="12700" stA="38000" endPos="28000" dist="5000" dir="5400000" sy="-100000" algn="bl" rotWithShape="0"/>
           </a:effectLst>
-          <a:extLst/>
+          <a:extLst>
+            <a:ext uri="{909E8E84-426E-40DD-AFC4-6F175D3DCCD1}">
+              <a14:hiddenFill xmlns:a14="http://schemas.microsoft.com/office/drawing/2010/main">
+                <a:solidFill>
+                  <a:schemeClr val="accent1"/>
+                </a:solidFill>
+              </a14:hiddenFill>
+            </a:ext>
+          </a:extLst>
         </p:spPr>
       </p:pic>
-      <p:pic>
-        <p:nvPicPr>
-          <p:cNvPr id="2" name="Imagen 1"/>
-          <p:cNvPicPr>
-            <a:picLocks noChangeAspect="1"/>
-          </p:cNvPicPr>
+      <p:sp>
+        <p:nvSpPr>
+          <p:cNvPr id="13" name="箭头: V 形 108"/>
+          <p:cNvSpPr/>
           <p:nvPr/>
-        </p:nvPicPr>
-        <p:blipFill>
-          <a:blip r:embed="rId3">
-            <a:extLst>
-              <a:ext uri="{28A0092B-C50C-407E-A947-70E740481C1C}">
-                <a14:useLocalDpi xmlns:a14="http://schemas.microsoft.com/office/drawing/2010/main" val="0"/>
-              </a:ext>
-            </a:extLst>
-          </a:blip>
-          <a:stretch>
-            <a:fillRect/>
-          </a:stretch>
-        </p:blipFill>
+        </p:nvSpPr>
         <p:spPr>
           <a:xfrm>
-            <a:off x="6329882" y="0"/>
-            <a:ext cx="1581371" cy="1895740"/>
+            <a:off x="171450" y="1514162"/>
+            <a:ext cx="4191000" cy="944337"/>
           </a:xfrm>
-          <a:prstGeom prst="rect">
-            <a:avLst/>
+          <a:prstGeom prst="chevron">
+            <a:avLst>
+              <a:gd name="adj" fmla="val 29021"/>
+            </a:avLst>
           </a:prstGeom>
+          <a:ln/>
         </p:spPr>
-      </p:pic>
-      <p:pic>
-        <p:nvPicPr>
-          <p:cNvPr id="3" name="Imagen 2"/>
-          <p:cNvPicPr>
-            <a:picLocks noChangeAspect="1"/>
-          </p:cNvPicPr>
-          <p:nvPr/>
-        </p:nvPicPr>
-        <p:blipFill>
-          <a:blip r:embed="rId4">
-            <a:extLst>
-              <a:ext uri="{28A0092B-C50C-407E-A947-70E740481C1C}">
-                <a14:useLocalDpi xmlns:a14="http://schemas.microsoft.com/office/drawing/2010/main" val="0"/>
-              </a:ext>
-            </a:extLst>
-          </a:blip>
-          <a:stretch>
-            <a:fillRect/>
-          </a:stretch>
-        </p:blipFill>
-        <p:spPr>
-          <a:xfrm>
-            <a:off x="7469675" y="2544319"/>
-            <a:ext cx="1505160" cy="1895740"/>
-          </a:xfrm>
-          <a:prstGeom prst="rect">
-            <a:avLst/>
-          </a:prstGeom>
-        </p:spPr>
-      </p:pic>
+        <p:style>
+          <a:lnRef idx="1">
+            <a:schemeClr val="accent2"/>
+          </a:lnRef>
+          <a:fillRef idx="2">
+            <a:schemeClr val="accent2"/>
+          </a:fillRef>
+          <a:effectRef idx="1">
+            <a:schemeClr val="accent2"/>
+          </a:effectRef>
+          <a:fontRef idx="minor">
+            <a:schemeClr val="dk1"/>
+          </a:fontRef>
+        </p:style>
+        <p:txBody>
+          <a:bodyPr rtlCol="0" anchor="ctr"/>
+          <a:lstStyle>
+            <a:defPPr>
+              <a:defRPr lang="en-US">
+                <a:solidFill>
+                  <a:schemeClr val="lt1"/>
+                </a:solidFill>
+              </a:defRPr>
+            </a:defPPr>
+            <a:lvl1pPr marL="0" algn="l" defTabSz="685800" rtl="0" eaLnBrk="1" latinLnBrk="0" hangingPunct="1">
+              <a:defRPr sz="1350" kern="1200">
+                <a:solidFill>
+                  <a:schemeClr val="lt1"/>
+                </a:solidFill>
+                <a:latin typeface="+mn-lt"/>
+                <a:ea typeface="+mn-ea"/>
+                <a:cs typeface="+mn-cs"/>
+              </a:defRPr>
+            </a:lvl1pPr>
+            <a:lvl2pPr marL="342900" algn="l" defTabSz="685800" rtl="0" eaLnBrk="1" latinLnBrk="0" hangingPunct="1">
+              <a:defRPr sz="1350" kern="1200">
+                <a:solidFill>
+                  <a:schemeClr val="lt1"/>
+                </a:solidFill>
+                <a:latin typeface="+mn-lt"/>
+                <a:ea typeface="+mn-ea"/>
+                <a:cs typeface="+mn-cs"/>
+              </a:defRPr>
+            </a:lvl2pPr>
+            <a:lvl3pPr marL="685800" algn="l" defTabSz="685800" rtl="0" eaLnBrk="1" latinLnBrk="0" hangingPunct="1">
+              <a:defRPr sz="1350" kern="1200">
+                <a:solidFill>
+                  <a:schemeClr val="lt1"/>
+                </a:solidFill>
+                <a:latin typeface="+mn-lt"/>
+                <a:ea typeface="+mn-ea"/>
+                <a:cs typeface="+mn-cs"/>
+              </a:defRPr>
+            </a:lvl3pPr>
+            <a:lvl4pPr marL="1028700" algn="l" defTabSz="685800" rtl="0" eaLnBrk="1" latinLnBrk="0" hangingPunct="1">
+              <a:defRPr sz="1350" kern="1200">
+                <a:solidFill>
+                  <a:schemeClr val="lt1"/>
+                </a:solidFill>
+                <a:latin typeface="+mn-lt"/>
+                <a:ea typeface="+mn-ea"/>
+                <a:cs typeface="+mn-cs"/>
+              </a:defRPr>
+            </a:lvl4pPr>
+            <a:lvl5pPr marL="1371600" algn="l" defTabSz="685800" rtl="0" eaLnBrk="1" latinLnBrk="0" hangingPunct="1">
+              <a:defRPr sz="1350" kern="1200">
+                <a:solidFill>
+                  <a:schemeClr val="lt1"/>
+                </a:solidFill>
+                <a:latin typeface="+mn-lt"/>
+                <a:ea typeface="+mn-ea"/>
+                <a:cs typeface="+mn-cs"/>
+              </a:defRPr>
+            </a:lvl5pPr>
+            <a:lvl6pPr marL="1714500" algn="l" defTabSz="685800" rtl="0" eaLnBrk="1" latinLnBrk="0" hangingPunct="1">
+              <a:defRPr sz="1350" kern="1200">
+                <a:solidFill>
+                  <a:schemeClr val="lt1"/>
+                </a:solidFill>
+                <a:latin typeface="+mn-lt"/>
+                <a:ea typeface="+mn-ea"/>
+                <a:cs typeface="+mn-cs"/>
+              </a:defRPr>
+            </a:lvl6pPr>
+            <a:lvl7pPr marL="2057400" algn="l" defTabSz="685800" rtl="0" eaLnBrk="1" latinLnBrk="0" hangingPunct="1">
+              <a:defRPr sz="1350" kern="1200">
+                <a:solidFill>
+                  <a:schemeClr val="lt1"/>
+                </a:solidFill>
+                <a:latin typeface="+mn-lt"/>
+                <a:ea typeface="+mn-ea"/>
+                <a:cs typeface="+mn-cs"/>
+              </a:defRPr>
+            </a:lvl7pPr>
+            <a:lvl8pPr marL="2400300" algn="l" defTabSz="685800" rtl="0" eaLnBrk="1" latinLnBrk="0" hangingPunct="1">
+              <a:defRPr sz="1350" kern="1200">
+                <a:solidFill>
+                  <a:schemeClr val="lt1"/>
+                </a:solidFill>
+                <a:latin typeface="+mn-lt"/>
+                <a:ea typeface="+mn-ea"/>
+                <a:cs typeface="+mn-cs"/>
+              </a:defRPr>
+            </a:lvl8pPr>
+            <a:lvl9pPr marL="2743200" algn="l" defTabSz="685800" rtl="0" eaLnBrk="1" latinLnBrk="0" hangingPunct="1">
+              <a:defRPr sz="1350" kern="1200">
+                <a:solidFill>
+                  <a:schemeClr val="lt1"/>
+                </a:solidFill>
+                <a:latin typeface="+mn-lt"/>
+                <a:ea typeface="+mn-ea"/>
+                <a:cs typeface="+mn-cs"/>
+              </a:defRPr>
+            </a:lvl9pPr>
+          </a:lstStyle>
+          <a:p>
+            <a:pPr algn="ctr"/>
+            <a:r>
+              <a:rPr lang="es-ES" altLang="zh-CN" sz="1600" dirty="0">
+                <a:solidFill>
+                  <a:schemeClr val="bg1"/>
+                </a:solidFill>
+              </a:rPr>
+              <a:t>El cliente será capaz de rentar el vehículo que desee y que este disponible </a:t>
+            </a:r>
+            <a:endParaRPr lang="zh-CN" altLang="en-US" sz="1600" dirty="0">
+              <a:solidFill>
+                <a:schemeClr val="bg1"/>
+              </a:solidFill>
+            </a:endParaRPr>
+          </a:p>
+        </p:txBody>
+      </p:sp>
     </p:spTree>
     <p:extLst>
       <p:ext uri="{BB962C8B-B14F-4D97-AF65-F5344CB8AC3E}">
@@ -15017,49 +10469,131 @@
       </p:grpSpPr>
       <p:sp>
         <p:nvSpPr>
-          <p:cNvPr id="2" name="Marcador de número de diapositiva 1"/>
-          <p:cNvSpPr>
-            <a:spLocks noGrp="1"/>
-          </p:cNvSpPr>
-          <p:nvPr>
-            <p:ph type="sldNum" sz="quarter" idx="12"/>
-          </p:nvPr>
+          <p:cNvPr id="34" name="Rectangle 33"/>
+          <p:cNvSpPr/>
+          <p:nvPr/>
         </p:nvSpPr>
-        <p:spPr/>
+        <p:spPr>
+          <a:xfrm>
+            <a:off x="0" y="6115607"/>
+            <a:ext cx="12192000" cy="1047733"/>
+          </a:xfrm>
+          <a:prstGeom prst="rect">
+            <a:avLst/>
+          </a:prstGeom>
+          <a:solidFill>
+            <a:srgbClr val="D2D0D0"/>
+          </a:solidFill>
+          <a:ln>
+            <a:noFill/>
+          </a:ln>
+        </p:spPr>
+        <p:style>
+          <a:lnRef idx="2">
+            <a:schemeClr val="accent1">
+              <a:shade val="50000"/>
+            </a:schemeClr>
+          </a:lnRef>
+          <a:fillRef idx="1">
+            <a:schemeClr val="accent1"/>
+          </a:fillRef>
+          <a:effectRef idx="0">
+            <a:schemeClr val="accent1"/>
+          </a:effectRef>
+          <a:fontRef idx="minor">
+            <a:schemeClr val="lt1"/>
+          </a:fontRef>
+        </p:style>
         <p:txBody>
-          <a:bodyPr/>
+          <a:bodyPr rtlCol="0" anchor="ctr"/>
           <a:lstStyle/>
           <a:p>
-            <a:fld id="{E16EE1C3-4C97-4D89-86D4-AB0FC9C35DCF}" type="slidenum">
-              <a:rPr lang="en-US" smtClean="0">
-                <a:solidFill>
-                  <a:srgbClr val="7E7E7E">
-                    <a:tint val="75000"/>
-                  </a:srgbClr>
-                </a:solidFill>
-              </a:rPr>
-              <a:t>6</a:t>
-            </a:fld>
-            <a:endParaRPr lang="en-US">
+            <a:pPr algn="ctr" fontAlgn="base">
+              <a:spcBef>
+                <a:spcPct val="0"/>
+              </a:spcBef>
+              <a:spcAft>
+                <a:spcPct val="0"/>
+              </a:spcAft>
+            </a:pPr>
+            <a:endParaRPr lang="en-US" sz="2800">
               <a:solidFill>
-                <a:srgbClr val="7E7E7E">
-                  <a:tint val="75000"/>
-                </a:srgbClr>
+                <a:prstClr val="white"/>
               </a:solidFill>
+              <a:cs typeface="+mn-ea"/>
+              <a:sym typeface="+mn-lt"/>
             </a:endParaRPr>
           </a:p>
         </p:txBody>
       </p:sp>
+      <p:pic>
+        <p:nvPicPr>
+          <p:cNvPr id="2050" name="Picture 2"/>
+          <p:cNvPicPr>
+            <a:picLocks noChangeAspect="1" noChangeArrowheads="1"/>
+          </p:cNvPicPr>
+          <p:nvPr/>
+        </p:nvPicPr>
+        <p:blipFill>
+          <a:blip r:embed="rId2">
+            <a:extLst>
+              <a:ext uri="{28A0092B-C50C-407E-A947-70E740481C1C}">
+                <a14:useLocalDpi xmlns:a14="http://schemas.microsoft.com/office/drawing/2010/main" val="0"/>
+              </a:ext>
+            </a:extLst>
+          </a:blip>
+          <a:srcRect/>
+          <a:stretch>
+            <a:fillRect/>
+          </a:stretch>
+        </p:blipFill>
+        <p:spPr bwMode="auto">
+          <a:xfrm>
+            <a:off x="666750" y="509455"/>
+            <a:ext cx="6057900" cy="6130018"/>
+          </a:xfrm>
+          <a:prstGeom prst="roundRect">
+            <a:avLst>
+              <a:gd name="adj" fmla="val 8594"/>
+            </a:avLst>
+          </a:prstGeom>
+          <a:solidFill>
+            <a:srgbClr val="FFFFFF">
+              <a:shade val="85000"/>
+            </a:srgbClr>
+          </a:solidFill>
+          <a:ln w="9525">
+            <a:solidFill>
+              <a:schemeClr val="tx1"/>
+            </a:solidFill>
+            <a:miter lim="800000"/>
+            <a:headEnd/>
+            <a:tailEnd/>
+          </a:ln>
+          <a:effectLst>
+            <a:reflection blurRad="12700" stA="38000" endPos="28000" dist="5000" dir="5400000" sy="-100000" algn="bl" rotWithShape="0"/>
+          </a:effectLst>
+          <a:extLst>
+            <a:ext uri="{909E8E84-426E-40DD-AFC4-6F175D3DCCD1}">
+              <a14:hiddenFill xmlns:a14="http://schemas.microsoft.com/office/drawing/2010/main">
+                <a:solidFill>
+                  <a:schemeClr val="accent1"/>
+                </a:solidFill>
+              </a14:hiddenFill>
+            </a:ext>
+          </a:extLst>
+        </p:spPr>
+      </p:pic>
       <p:sp>
         <p:nvSpPr>
-          <p:cNvPr id="3" name="箭头: V 形 105"/>
+          <p:cNvPr id="7" name="箭头: V 形 105"/>
           <p:cNvSpPr/>
           <p:nvPr/>
         </p:nvSpPr>
         <p:spPr>
           <a:xfrm flipH="1">
-            <a:off x="5697187" y="360021"/>
-            <a:ext cx="5826825" cy="1611998"/>
+            <a:off x="5372100" y="1249383"/>
+            <a:ext cx="5010150" cy="1481793"/>
           </a:xfrm>
           <a:prstGeom prst="chevron">
             <a:avLst>
@@ -15202,14 +10736,14 @@
           <a:p>
             <a:pPr algn="ctr"/>
             <a:r>
-              <a:rPr lang="es-ES" altLang="zh-CN" sz="2000" dirty="0" smtClean="0">
+              <a:rPr lang="es-ES" altLang="zh-CN" sz="1800" dirty="0" smtClean="0">
                 <a:solidFill>
                   <a:schemeClr val="bg1"/>
                 </a:solidFill>
               </a:rPr>
-              <a:t>El será capaz de realizar el registro de vehículos para que aparezcan en la pagina web y sean visibles para los clientes detallando todas las características posibles</a:t>
-            </a:r>
-            <a:endParaRPr lang="zh-CN" altLang="en-US" sz="2000" dirty="0">
+              <a:t>La tabla de agencia estarán los datos generales de las distintas agencias de rentas de vehículos con las que se tiene convenio </a:t>
+            </a:r>
+            <a:endParaRPr lang="zh-CN" altLang="en-US" sz="1800" dirty="0">
               <a:solidFill>
                 <a:schemeClr val="bg1"/>
               </a:solidFill>
@@ -15219,14 +10753,14 @@
       </p:sp>
       <p:sp>
         <p:nvSpPr>
-          <p:cNvPr id="4" name="箭头: V 形 105"/>
+          <p:cNvPr id="8" name="箭头: V 形 105"/>
           <p:cNvSpPr/>
           <p:nvPr/>
         </p:nvSpPr>
         <p:spPr>
           <a:xfrm flipH="1">
-            <a:off x="287536" y="275914"/>
-            <a:ext cx="5233750" cy="1696105"/>
+            <a:off x="6724649" y="4141847"/>
+            <a:ext cx="4013933" cy="1135003"/>
           </a:xfrm>
           <a:prstGeom prst="chevron">
             <a:avLst>
@@ -15369,174 +10903,7 @@
           <a:p>
             <a:pPr algn="ctr"/>
             <a:r>
-              <a:rPr lang="es-ES" altLang="zh-CN" sz="2000" dirty="0" smtClean="0">
-                <a:solidFill>
-                  <a:schemeClr val="bg1"/>
-                </a:solidFill>
-              </a:rPr>
-              <a:t>La tabla de agencia estarán los datos generales de las distintas agencias de rentas de vehículos con las que se tiene convenio </a:t>
-            </a:r>
-            <a:endParaRPr lang="zh-CN" altLang="en-US" sz="2000" dirty="0">
-              <a:solidFill>
-                <a:schemeClr val="bg1"/>
-              </a:solidFill>
-            </a:endParaRPr>
-          </a:p>
-        </p:txBody>
-      </p:sp>
-      <p:sp>
-        <p:nvSpPr>
-          <p:cNvPr id="5" name="箭头: V 形 105"/>
-          <p:cNvSpPr/>
-          <p:nvPr/>
-        </p:nvSpPr>
-        <p:spPr>
-          <a:xfrm flipH="1">
-            <a:off x="153497" y="2411350"/>
-            <a:ext cx="5233750" cy="1696105"/>
-          </a:xfrm>
-          <a:prstGeom prst="chevron">
-            <a:avLst>
-              <a:gd name="adj" fmla="val 29021"/>
-            </a:avLst>
-          </a:prstGeom>
-          <a:gradFill flip="none" rotWithShape="1">
-            <a:gsLst>
-              <a:gs pos="0">
-                <a:srgbClr val="F9AC7D"/>
-              </a:gs>
-              <a:gs pos="100000">
-                <a:srgbClr val="F28893"/>
-              </a:gs>
-            </a:gsLst>
-            <a:lin ang="0" scaled="1"/>
-            <a:tileRect/>
-          </a:gradFill>
-          <a:ln>
-            <a:noFill/>
-          </a:ln>
-        </p:spPr>
-        <p:style>
-          <a:lnRef idx="2">
-            <a:schemeClr val="accent1">
-              <a:shade val="50000"/>
-            </a:schemeClr>
-          </a:lnRef>
-          <a:fillRef idx="1">
-            <a:schemeClr val="accent1"/>
-          </a:fillRef>
-          <a:effectRef idx="0">
-            <a:schemeClr val="accent1"/>
-          </a:effectRef>
-          <a:fontRef idx="minor">
-            <a:schemeClr val="lt1"/>
-          </a:fontRef>
-        </p:style>
-        <p:txBody>
-          <a:bodyPr rtlCol="0" anchor="ctr"/>
-          <a:lstStyle>
-            <a:defPPr>
-              <a:defRPr lang="en-US">
-                <a:solidFill>
-                  <a:schemeClr val="lt1"/>
-                </a:solidFill>
-              </a:defRPr>
-            </a:defPPr>
-            <a:lvl1pPr marL="0" algn="l" defTabSz="685800" rtl="0" eaLnBrk="1" latinLnBrk="0" hangingPunct="1">
-              <a:defRPr sz="1350" kern="1200">
-                <a:solidFill>
-                  <a:schemeClr val="lt1"/>
-                </a:solidFill>
-                <a:latin typeface="+mn-lt"/>
-                <a:ea typeface="+mn-ea"/>
-                <a:cs typeface="+mn-cs"/>
-              </a:defRPr>
-            </a:lvl1pPr>
-            <a:lvl2pPr marL="342900" algn="l" defTabSz="685800" rtl="0" eaLnBrk="1" latinLnBrk="0" hangingPunct="1">
-              <a:defRPr sz="1350" kern="1200">
-                <a:solidFill>
-                  <a:schemeClr val="lt1"/>
-                </a:solidFill>
-                <a:latin typeface="+mn-lt"/>
-                <a:ea typeface="+mn-ea"/>
-                <a:cs typeface="+mn-cs"/>
-              </a:defRPr>
-            </a:lvl2pPr>
-            <a:lvl3pPr marL="685800" algn="l" defTabSz="685800" rtl="0" eaLnBrk="1" latinLnBrk="0" hangingPunct="1">
-              <a:defRPr sz="1350" kern="1200">
-                <a:solidFill>
-                  <a:schemeClr val="lt1"/>
-                </a:solidFill>
-                <a:latin typeface="+mn-lt"/>
-                <a:ea typeface="+mn-ea"/>
-                <a:cs typeface="+mn-cs"/>
-              </a:defRPr>
-            </a:lvl3pPr>
-            <a:lvl4pPr marL="1028700" algn="l" defTabSz="685800" rtl="0" eaLnBrk="1" latinLnBrk="0" hangingPunct="1">
-              <a:defRPr sz="1350" kern="1200">
-                <a:solidFill>
-                  <a:schemeClr val="lt1"/>
-                </a:solidFill>
-                <a:latin typeface="+mn-lt"/>
-                <a:ea typeface="+mn-ea"/>
-                <a:cs typeface="+mn-cs"/>
-              </a:defRPr>
-            </a:lvl4pPr>
-            <a:lvl5pPr marL="1371600" algn="l" defTabSz="685800" rtl="0" eaLnBrk="1" latinLnBrk="0" hangingPunct="1">
-              <a:defRPr sz="1350" kern="1200">
-                <a:solidFill>
-                  <a:schemeClr val="lt1"/>
-                </a:solidFill>
-                <a:latin typeface="+mn-lt"/>
-                <a:ea typeface="+mn-ea"/>
-                <a:cs typeface="+mn-cs"/>
-              </a:defRPr>
-            </a:lvl5pPr>
-            <a:lvl6pPr marL="1714500" algn="l" defTabSz="685800" rtl="0" eaLnBrk="1" latinLnBrk="0" hangingPunct="1">
-              <a:defRPr sz="1350" kern="1200">
-                <a:solidFill>
-                  <a:schemeClr val="lt1"/>
-                </a:solidFill>
-                <a:latin typeface="+mn-lt"/>
-                <a:ea typeface="+mn-ea"/>
-                <a:cs typeface="+mn-cs"/>
-              </a:defRPr>
-            </a:lvl6pPr>
-            <a:lvl7pPr marL="2057400" algn="l" defTabSz="685800" rtl="0" eaLnBrk="1" latinLnBrk="0" hangingPunct="1">
-              <a:defRPr sz="1350" kern="1200">
-                <a:solidFill>
-                  <a:schemeClr val="lt1"/>
-                </a:solidFill>
-                <a:latin typeface="+mn-lt"/>
-                <a:ea typeface="+mn-ea"/>
-                <a:cs typeface="+mn-cs"/>
-              </a:defRPr>
-            </a:lvl7pPr>
-            <a:lvl8pPr marL="2400300" algn="l" defTabSz="685800" rtl="0" eaLnBrk="1" latinLnBrk="0" hangingPunct="1">
-              <a:defRPr sz="1350" kern="1200">
-                <a:solidFill>
-                  <a:schemeClr val="lt1"/>
-                </a:solidFill>
-                <a:latin typeface="+mn-lt"/>
-                <a:ea typeface="+mn-ea"/>
-                <a:cs typeface="+mn-cs"/>
-              </a:defRPr>
-            </a:lvl8pPr>
-            <a:lvl9pPr marL="2743200" algn="l" defTabSz="685800" rtl="0" eaLnBrk="1" latinLnBrk="0" hangingPunct="1">
-              <a:defRPr sz="1350" kern="1200">
-                <a:solidFill>
-                  <a:schemeClr val="lt1"/>
-                </a:solidFill>
-                <a:latin typeface="+mn-lt"/>
-                <a:ea typeface="+mn-ea"/>
-                <a:cs typeface="+mn-cs"/>
-              </a:defRPr>
-            </a:lvl9pPr>
-          </a:lstStyle>
-          <a:p>
-            <a:pPr algn="ctr"/>
-            <a:r>
-              <a:rPr lang="es-ES" altLang="zh-CN" sz="2000" dirty="0" smtClean="0">
+              <a:rPr lang="es-ES" altLang="zh-CN" sz="1600" dirty="0" smtClean="0">
                 <a:solidFill>
                   <a:schemeClr val="bg1"/>
                 </a:solidFill>
@@ -15544,7 +10911,7 @@
               <a:t>Además de eso el vehículo llevara un </a:t>
             </a:r>
             <a:r>
-              <a:rPr lang="es-ES" altLang="zh-CN" sz="2000" dirty="0" err="1" smtClean="0">
+              <a:rPr lang="es-ES" altLang="zh-CN" sz="1600" dirty="0" err="1" smtClean="0">
                 <a:solidFill>
                   <a:schemeClr val="bg1"/>
                 </a:solidFill>
@@ -15552,181 +10919,14 @@
               <a:t>recod</a:t>
             </a:r>
             <a:r>
-              <a:rPr lang="es-ES" altLang="zh-CN" sz="2000" dirty="0" smtClean="0">
+              <a:rPr lang="es-ES" altLang="zh-CN" sz="1600" dirty="0" smtClean="0">
                 <a:solidFill>
                   <a:schemeClr val="bg1"/>
                 </a:solidFill>
               </a:rPr>
               <a:t> de todos los mantenimientos que se le han efectuado y si esta disponible o no</a:t>
             </a:r>
-            <a:endParaRPr lang="zh-CN" altLang="en-US" sz="2000" dirty="0">
-              <a:solidFill>
-                <a:schemeClr val="bg1"/>
-              </a:solidFill>
-            </a:endParaRPr>
-          </a:p>
-        </p:txBody>
-      </p:sp>
-      <p:sp>
-        <p:nvSpPr>
-          <p:cNvPr id="6" name="箭头: V 形 105"/>
-          <p:cNvSpPr/>
-          <p:nvPr/>
-        </p:nvSpPr>
-        <p:spPr>
-          <a:xfrm flipH="1">
-            <a:off x="5993724" y="2411350"/>
-            <a:ext cx="5233750" cy="1696105"/>
-          </a:xfrm>
-          <a:prstGeom prst="chevron">
-            <a:avLst>
-              <a:gd name="adj" fmla="val 29021"/>
-            </a:avLst>
-          </a:prstGeom>
-          <a:gradFill flip="none" rotWithShape="1">
-            <a:gsLst>
-              <a:gs pos="0">
-                <a:srgbClr val="F9AC7D"/>
-              </a:gs>
-              <a:gs pos="100000">
-                <a:srgbClr val="F28893"/>
-              </a:gs>
-            </a:gsLst>
-            <a:lin ang="0" scaled="1"/>
-            <a:tileRect/>
-          </a:gradFill>
-          <a:ln>
-            <a:noFill/>
-          </a:ln>
-        </p:spPr>
-        <p:style>
-          <a:lnRef idx="2">
-            <a:schemeClr val="accent1">
-              <a:shade val="50000"/>
-            </a:schemeClr>
-          </a:lnRef>
-          <a:fillRef idx="1">
-            <a:schemeClr val="accent1"/>
-          </a:fillRef>
-          <a:effectRef idx="0">
-            <a:schemeClr val="accent1"/>
-          </a:effectRef>
-          <a:fontRef idx="minor">
-            <a:schemeClr val="lt1"/>
-          </a:fontRef>
-        </p:style>
-        <p:txBody>
-          <a:bodyPr rtlCol="0" anchor="ctr"/>
-          <a:lstStyle>
-            <a:defPPr>
-              <a:defRPr lang="en-US">
-                <a:solidFill>
-                  <a:schemeClr val="lt1"/>
-                </a:solidFill>
-              </a:defRPr>
-            </a:defPPr>
-            <a:lvl1pPr marL="0" algn="l" defTabSz="685800" rtl="0" eaLnBrk="1" latinLnBrk="0" hangingPunct="1">
-              <a:defRPr sz="1350" kern="1200">
-                <a:solidFill>
-                  <a:schemeClr val="lt1"/>
-                </a:solidFill>
-                <a:latin typeface="+mn-lt"/>
-                <a:ea typeface="+mn-ea"/>
-                <a:cs typeface="+mn-cs"/>
-              </a:defRPr>
-            </a:lvl1pPr>
-            <a:lvl2pPr marL="342900" algn="l" defTabSz="685800" rtl="0" eaLnBrk="1" latinLnBrk="0" hangingPunct="1">
-              <a:defRPr sz="1350" kern="1200">
-                <a:solidFill>
-                  <a:schemeClr val="lt1"/>
-                </a:solidFill>
-                <a:latin typeface="+mn-lt"/>
-                <a:ea typeface="+mn-ea"/>
-                <a:cs typeface="+mn-cs"/>
-              </a:defRPr>
-            </a:lvl2pPr>
-            <a:lvl3pPr marL="685800" algn="l" defTabSz="685800" rtl="0" eaLnBrk="1" latinLnBrk="0" hangingPunct="1">
-              <a:defRPr sz="1350" kern="1200">
-                <a:solidFill>
-                  <a:schemeClr val="lt1"/>
-                </a:solidFill>
-                <a:latin typeface="+mn-lt"/>
-                <a:ea typeface="+mn-ea"/>
-                <a:cs typeface="+mn-cs"/>
-              </a:defRPr>
-            </a:lvl3pPr>
-            <a:lvl4pPr marL="1028700" algn="l" defTabSz="685800" rtl="0" eaLnBrk="1" latinLnBrk="0" hangingPunct="1">
-              <a:defRPr sz="1350" kern="1200">
-                <a:solidFill>
-                  <a:schemeClr val="lt1"/>
-                </a:solidFill>
-                <a:latin typeface="+mn-lt"/>
-                <a:ea typeface="+mn-ea"/>
-                <a:cs typeface="+mn-cs"/>
-              </a:defRPr>
-            </a:lvl4pPr>
-            <a:lvl5pPr marL="1371600" algn="l" defTabSz="685800" rtl="0" eaLnBrk="1" latinLnBrk="0" hangingPunct="1">
-              <a:defRPr sz="1350" kern="1200">
-                <a:solidFill>
-                  <a:schemeClr val="lt1"/>
-                </a:solidFill>
-                <a:latin typeface="+mn-lt"/>
-                <a:ea typeface="+mn-ea"/>
-                <a:cs typeface="+mn-cs"/>
-              </a:defRPr>
-            </a:lvl5pPr>
-            <a:lvl6pPr marL="1714500" algn="l" defTabSz="685800" rtl="0" eaLnBrk="1" latinLnBrk="0" hangingPunct="1">
-              <a:defRPr sz="1350" kern="1200">
-                <a:solidFill>
-                  <a:schemeClr val="lt1"/>
-                </a:solidFill>
-                <a:latin typeface="+mn-lt"/>
-                <a:ea typeface="+mn-ea"/>
-                <a:cs typeface="+mn-cs"/>
-              </a:defRPr>
-            </a:lvl6pPr>
-            <a:lvl7pPr marL="2057400" algn="l" defTabSz="685800" rtl="0" eaLnBrk="1" latinLnBrk="0" hangingPunct="1">
-              <a:defRPr sz="1350" kern="1200">
-                <a:solidFill>
-                  <a:schemeClr val="lt1"/>
-                </a:solidFill>
-                <a:latin typeface="+mn-lt"/>
-                <a:ea typeface="+mn-ea"/>
-                <a:cs typeface="+mn-cs"/>
-              </a:defRPr>
-            </a:lvl7pPr>
-            <a:lvl8pPr marL="2400300" algn="l" defTabSz="685800" rtl="0" eaLnBrk="1" latinLnBrk="0" hangingPunct="1">
-              <a:defRPr sz="1350" kern="1200">
-                <a:solidFill>
-                  <a:schemeClr val="lt1"/>
-                </a:solidFill>
-                <a:latin typeface="+mn-lt"/>
-                <a:ea typeface="+mn-ea"/>
-                <a:cs typeface="+mn-cs"/>
-              </a:defRPr>
-            </a:lvl8pPr>
-            <a:lvl9pPr marL="2743200" algn="l" defTabSz="685800" rtl="0" eaLnBrk="1" latinLnBrk="0" hangingPunct="1">
-              <a:defRPr sz="1350" kern="1200">
-                <a:solidFill>
-                  <a:schemeClr val="lt1"/>
-                </a:solidFill>
-                <a:latin typeface="+mn-lt"/>
-                <a:ea typeface="+mn-ea"/>
-                <a:cs typeface="+mn-cs"/>
-              </a:defRPr>
-            </a:lvl9pPr>
-          </a:lstStyle>
-          <a:p>
-            <a:pPr algn="ctr"/>
-            <a:r>
-              <a:rPr lang="es-ES" altLang="zh-CN" sz="2000" dirty="0" smtClean="0">
-                <a:solidFill>
-                  <a:schemeClr val="bg1"/>
-                </a:solidFill>
-              </a:rPr>
-              <a:t>El cliente será capaz de rentar el vehículo que desee y que este disponible </a:t>
-            </a:r>
-            <a:endParaRPr lang="zh-CN" altLang="en-US" sz="2000" dirty="0">
+            <a:endParaRPr lang="zh-CN" altLang="en-US" sz="1600" dirty="0">
               <a:solidFill>
                 <a:schemeClr val="bg1"/>
               </a:solidFill>
@@ -15737,7 +10937,7 @@
     </p:spTree>
     <p:extLst>
       <p:ext uri="{BB962C8B-B14F-4D97-AF65-F5344CB8AC3E}">
-        <p14:creationId xmlns:p14="http://schemas.microsoft.com/office/powerpoint/2010/main" val="2323609180"/>
+        <p14:creationId xmlns:p14="http://schemas.microsoft.com/office/powerpoint/2010/main" val="3576959721"/>
       </p:ext>
     </p:extLst>
   </p:cSld>
@@ -15756,6 +10956,13 @@
       </p:transition>
     </mc:Fallback>
   </mc:AlternateContent>
+  <p:timing>
+    <p:tnLst>
+      <p:par>
+        <p:cTn id="1" dur="indefinite" restart="never" nodeType="tmRoot"/>
+      </p:par>
+    </p:tnLst>
+  </p:timing>
 </p:sld>
 </file>
 
@@ -15835,181 +11042,6 @@
           </a:p>
         </p:txBody>
       </p:sp>
-      <p:sp>
-        <p:nvSpPr>
-          <p:cNvPr id="10" name="箭头: V 形 105"/>
-          <p:cNvSpPr/>
-          <p:nvPr/>
-        </p:nvSpPr>
-        <p:spPr>
-          <a:xfrm flipH="1">
-            <a:off x="6589182" y="53311"/>
-            <a:ext cx="4941803" cy="640750"/>
-          </a:xfrm>
-          <a:prstGeom prst="chevron">
-            <a:avLst>
-              <a:gd name="adj" fmla="val 29021"/>
-            </a:avLst>
-          </a:prstGeom>
-          <a:gradFill flip="none" rotWithShape="1">
-            <a:gsLst>
-              <a:gs pos="0">
-                <a:srgbClr val="F9AC7D"/>
-              </a:gs>
-              <a:gs pos="100000">
-                <a:srgbClr val="F28893"/>
-              </a:gs>
-            </a:gsLst>
-            <a:lin ang="0" scaled="1"/>
-            <a:tileRect/>
-          </a:gradFill>
-          <a:ln>
-            <a:noFill/>
-          </a:ln>
-        </p:spPr>
-        <p:style>
-          <a:lnRef idx="2">
-            <a:schemeClr val="accent1">
-              <a:shade val="50000"/>
-            </a:schemeClr>
-          </a:lnRef>
-          <a:fillRef idx="1">
-            <a:schemeClr val="accent1"/>
-          </a:fillRef>
-          <a:effectRef idx="0">
-            <a:schemeClr val="accent1"/>
-          </a:effectRef>
-          <a:fontRef idx="minor">
-            <a:schemeClr val="lt1"/>
-          </a:fontRef>
-        </p:style>
-        <p:txBody>
-          <a:bodyPr rtlCol="0" anchor="ctr"/>
-          <a:lstStyle>
-            <a:defPPr>
-              <a:defRPr lang="en-US">
-                <a:solidFill>
-                  <a:schemeClr val="lt1"/>
-                </a:solidFill>
-              </a:defRPr>
-            </a:defPPr>
-            <a:lvl1pPr marL="0" algn="l" defTabSz="685800" rtl="0" eaLnBrk="1" latinLnBrk="0" hangingPunct="1">
-              <a:defRPr sz="1350" kern="1200">
-                <a:solidFill>
-                  <a:schemeClr val="lt1"/>
-                </a:solidFill>
-                <a:latin typeface="+mn-lt"/>
-                <a:ea typeface="+mn-ea"/>
-                <a:cs typeface="+mn-cs"/>
-              </a:defRPr>
-            </a:lvl1pPr>
-            <a:lvl2pPr marL="342900" algn="l" defTabSz="685800" rtl="0" eaLnBrk="1" latinLnBrk="0" hangingPunct="1">
-              <a:defRPr sz="1350" kern="1200">
-                <a:solidFill>
-                  <a:schemeClr val="lt1"/>
-                </a:solidFill>
-                <a:latin typeface="+mn-lt"/>
-                <a:ea typeface="+mn-ea"/>
-                <a:cs typeface="+mn-cs"/>
-              </a:defRPr>
-            </a:lvl2pPr>
-            <a:lvl3pPr marL="685800" algn="l" defTabSz="685800" rtl="0" eaLnBrk="1" latinLnBrk="0" hangingPunct="1">
-              <a:defRPr sz="1350" kern="1200">
-                <a:solidFill>
-                  <a:schemeClr val="lt1"/>
-                </a:solidFill>
-                <a:latin typeface="+mn-lt"/>
-                <a:ea typeface="+mn-ea"/>
-                <a:cs typeface="+mn-cs"/>
-              </a:defRPr>
-            </a:lvl3pPr>
-            <a:lvl4pPr marL="1028700" algn="l" defTabSz="685800" rtl="0" eaLnBrk="1" latinLnBrk="0" hangingPunct="1">
-              <a:defRPr sz="1350" kern="1200">
-                <a:solidFill>
-                  <a:schemeClr val="lt1"/>
-                </a:solidFill>
-                <a:latin typeface="+mn-lt"/>
-                <a:ea typeface="+mn-ea"/>
-                <a:cs typeface="+mn-cs"/>
-              </a:defRPr>
-            </a:lvl4pPr>
-            <a:lvl5pPr marL="1371600" algn="l" defTabSz="685800" rtl="0" eaLnBrk="1" latinLnBrk="0" hangingPunct="1">
-              <a:defRPr sz="1350" kern="1200">
-                <a:solidFill>
-                  <a:schemeClr val="lt1"/>
-                </a:solidFill>
-                <a:latin typeface="+mn-lt"/>
-                <a:ea typeface="+mn-ea"/>
-                <a:cs typeface="+mn-cs"/>
-              </a:defRPr>
-            </a:lvl5pPr>
-            <a:lvl6pPr marL="1714500" algn="l" defTabSz="685800" rtl="0" eaLnBrk="1" latinLnBrk="0" hangingPunct="1">
-              <a:defRPr sz="1350" kern="1200">
-                <a:solidFill>
-                  <a:schemeClr val="lt1"/>
-                </a:solidFill>
-                <a:latin typeface="+mn-lt"/>
-                <a:ea typeface="+mn-ea"/>
-                <a:cs typeface="+mn-cs"/>
-              </a:defRPr>
-            </a:lvl6pPr>
-            <a:lvl7pPr marL="2057400" algn="l" defTabSz="685800" rtl="0" eaLnBrk="1" latinLnBrk="0" hangingPunct="1">
-              <a:defRPr sz="1350" kern="1200">
-                <a:solidFill>
-                  <a:schemeClr val="lt1"/>
-                </a:solidFill>
-                <a:latin typeface="+mn-lt"/>
-                <a:ea typeface="+mn-ea"/>
-                <a:cs typeface="+mn-cs"/>
-              </a:defRPr>
-            </a:lvl7pPr>
-            <a:lvl8pPr marL="2400300" algn="l" defTabSz="685800" rtl="0" eaLnBrk="1" latinLnBrk="0" hangingPunct="1">
-              <a:defRPr sz="1350" kern="1200">
-                <a:solidFill>
-                  <a:schemeClr val="lt1"/>
-                </a:solidFill>
-                <a:latin typeface="+mn-lt"/>
-                <a:ea typeface="+mn-ea"/>
-                <a:cs typeface="+mn-cs"/>
-              </a:defRPr>
-            </a:lvl8pPr>
-            <a:lvl9pPr marL="2743200" algn="l" defTabSz="685800" rtl="0" eaLnBrk="1" latinLnBrk="0" hangingPunct="1">
-              <a:defRPr sz="1350" kern="1200">
-                <a:solidFill>
-                  <a:schemeClr val="lt1"/>
-                </a:solidFill>
-                <a:latin typeface="+mn-lt"/>
-                <a:ea typeface="+mn-ea"/>
-                <a:cs typeface="+mn-cs"/>
-              </a:defRPr>
-            </a:lvl9pPr>
-          </a:lstStyle>
-          <a:p>
-            <a:pPr algn="ctr"/>
-            <a:r>
-              <a:rPr lang="es-ES" altLang="zh-CN" sz="2000" dirty="0" smtClean="0">
-                <a:solidFill>
-                  <a:schemeClr val="bg1"/>
-                </a:solidFill>
-              </a:rPr>
-              <a:t>El </a:t>
-            </a:r>
-            <a:r>
-              <a:rPr lang="es-ES" altLang="zh-CN" sz="2000" dirty="0" smtClean="0">
-                <a:solidFill>
-                  <a:schemeClr val="bg1"/>
-                </a:solidFill>
-              </a:rPr>
-              <a:t>usuario será capaz de realizar una o muchas encomiendas</a:t>
-            </a:r>
-            <a:endParaRPr lang="zh-CN" altLang="en-US" sz="2000" dirty="0">
-              <a:solidFill>
-                <a:schemeClr val="bg1"/>
-              </a:solidFill>
-            </a:endParaRPr>
-          </a:p>
-        </p:txBody>
-      </p:sp>
       <p:pic>
         <p:nvPicPr>
           <p:cNvPr id="3075" name="Picture 3"/>
@@ -16062,50 +11094,34 @@
       </p:pic>
       <p:sp>
         <p:nvSpPr>
-          <p:cNvPr id="5" name="箭头: V 形 105"/>
+          <p:cNvPr id="10" name="箭头: V 形 105"/>
           <p:cNvSpPr/>
           <p:nvPr/>
         </p:nvSpPr>
         <p:spPr>
           <a:xfrm flipH="1">
-            <a:off x="6457950" y="733241"/>
-            <a:ext cx="5734048" cy="1040473"/>
+            <a:off x="2817282" y="368532"/>
+            <a:ext cx="4941803" cy="640750"/>
           </a:xfrm>
           <a:prstGeom prst="chevron">
             <a:avLst>
               <a:gd name="adj" fmla="val 29021"/>
             </a:avLst>
           </a:prstGeom>
-          <a:gradFill flip="none" rotWithShape="1">
-            <a:gsLst>
-              <a:gs pos="0">
-                <a:srgbClr val="F9AC7D"/>
-              </a:gs>
-              <a:gs pos="100000">
-                <a:srgbClr val="F28893"/>
-              </a:gs>
-            </a:gsLst>
-            <a:lin ang="0" scaled="1"/>
-            <a:tileRect/>
-          </a:gradFill>
-          <a:ln>
-            <a:noFill/>
-          </a:ln>
+          <a:ln/>
         </p:spPr>
         <p:style>
-          <a:lnRef idx="2">
-            <a:schemeClr val="accent1">
-              <a:shade val="50000"/>
-            </a:schemeClr>
+          <a:lnRef idx="1">
+            <a:schemeClr val="accent2"/>
           </a:lnRef>
-          <a:fillRef idx="1">
-            <a:schemeClr val="accent1"/>
+          <a:fillRef idx="2">
+            <a:schemeClr val="accent2"/>
           </a:fillRef>
-          <a:effectRef idx="0">
-            <a:schemeClr val="accent1"/>
+          <a:effectRef idx="1">
+            <a:schemeClr val="accent2"/>
           </a:effectRef>
           <a:fontRef idx="minor">
-            <a:schemeClr val="lt1"/>
+            <a:schemeClr val="dk1"/>
           </a:fontRef>
         </p:style>
         <p:txBody>
@@ -16217,9 +11233,160 @@
                   <a:schemeClr val="bg1"/>
                 </a:solidFill>
               </a:rPr>
+              <a:t>El usuario será capaz de realizar una o muchas encomiendas</a:t>
+            </a:r>
+            <a:endParaRPr lang="zh-CN" altLang="en-US" sz="2000" dirty="0">
+              <a:solidFill>
+                <a:schemeClr val="bg1"/>
+              </a:solidFill>
+            </a:endParaRPr>
+          </a:p>
+        </p:txBody>
+      </p:sp>
+      <p:sp>
+        <p:nvSpPr>
+          <p:cNvPr id="5" name="箭头: V 形 105"/>
+          <p:cNvSpPr/>
+          <p:nvPr/>
+        </p:nvSpPr>
+        <p:spPr>
+          <a:xfrm flipH="1">
+            <a:off x="4482486" y="1391498"/>
+            <a:ext cx="6553198" cy="764432"/>
+          </a:xfrm>
+          <a:prstGeom prst="chevron">
+            <a:avLst>
+              <a:gd name="adj" fmla="val 29021"/>
+            </a:avLst>
+          </a:prstGeom>
+          <a:ln/>
+        </p:spPr>
+        <p:style>
+          <a:lnRef idx="1">
+            <a:schemeClr val="accent4"/>
+          </a:lnRef>
+          <a:fillRef idx="2">
+            <a:schemeClr val="accent4"/>
+          </a:fillRef>
+          <a:effectRef idx="1">
+            <a:schemeClr val="accent4"/>
+          </a:effectRef>
+          <a:fontRef idx="minor">
+            <a:schemeClr val="dk1"/>
+          </a:fontRef>
+        </p:style>
+        <p:txBody>
+          <a:bodyPr rtlCol="0" anchor="ctr"/>
+          <a:lstStyle>
+            <a:defPPr>
+              <a:defRPr lang="en-US">
+                <a:solidFill>
+                  <a:schemeClr val="lt1"/>
+                </a:solidFill>
+              </a:defRPr>
+            </a:defPPr>
+            <a:lvl1pPr marL="0" algn="l" defTabSz="685800" rtl="0" eaLnBrk="1" latinLnBrk="0" hangingPunct="1">
+              <a:defRPr sz="1350" kern="1200">
+                <a:solidFill>
+                  <a:schemeClr val="lt1"/>
+                </a:solidFill>
+                <a:latin typeface="+mn-lt"/>
+                <a:ea typeface="+mn-ea"/>
+                <a:cs typeface="+mn-cs"/>
+              </a:defRPr>
+            </a:lvl1pPr>
+            <a:lvl2pPr marL="342900" algn="l" defTabSz="685800" rtl="0" eaLnBrk="1" latinLnBrk="0" hangingPunct="1">
+              <a:defRPr sz="1350" kern="1200">
+                <a:solidFill>
+                  <a:schemeClr val="lt1"/>
+                </a:solidFill>
+                <a:latin typeface="+mn-lt"/>
+                <a:ea typeface="+mn-ea"/>
+                <a:cs typeface="+mn-cs"/>
+              </a:defRPr>
+            </a:lvl2pPr>
+            <a:lvl3pPr marL="685800" algn="l" defTabSz="685800" rtl="0" eaLnBrk="1" latinLnBrk="0" hangingPunct="1">
+              <a:defRPr sz="1350" kern="1200">
+                <a:solidFill>
+                  <a:schemeClr val="lt1"/>
+                </a:solidFill>
+                <a:latin typeface="+mn-lt"/>
+                <a:ea typeface="+mn-ea"/>
+                <a:cs typeface="+mn-cs"/>
+              </a:defRPr>
+            </a:lvl3pPr>
+            <a:lvl4pPr marL="1028700" algn="l" defTabSz="685800" rtl="0" eaLnBrk="1" latinLnBrk="0" hangingPunct="1">
+              <a:defRPr sz="1350" kern="1200">
+                <a:solidFill>
+                  <a:schemeClr val="lt1"/>
+                </a:solidFill>
+                <a:latin typeface="+mn-lt"/>
+                <a:ea typeface="+mn-ea"/>
+                <a:cs typeface="+mn-cs"/>
+              </a:defRPr>
+            </a:lvl4pPr>
+            <a:lvl5pPr marL="1371600" algn="l" defTabSz="685800" rtl="0" eaLnBrk="1" latinLnBrk="0" hangingPunct="1">
+              <a:defRPr sz="1350" kern="1200">
+                <a:solidFill>
+                  <a:schemeClr val="lt1"/>
+                </a:solidFill>
+                <a:latin typeface="+mn-lt"/>
+                <a:ea typeface="+mn-ea"/>
+                <a:cs typeface="+mn-cs"/>
+              </a:defRPr>
+            </a:lvl5pPr>
+            <a:lvl6pPr marL="1714500" algn="l" defTabSz="685800" rtl="0" eaLnBrk="1" latinLnBrk="0" hangingPunct="1">
+              <a:defRPr sz="1350" kern="1200">
+                <a:solidFill>
+                  <a:schemeClr val="lt1"/>
+                </a:solidFill>
+                <a:latin typeface="+mn-lt"/>
+                <a:ea typeface="+mn-ea"/>
+                <a:cs typeface="+mn-cs"/>
+              </a:defRPr>
+            </a:lvl6pPr>
+            <a:lvl7pPr marL="2057400" algn="l" defTabSz="685800" rtl="0" eaLnBrk="1" latinLnBrk="0" hangingPunct="1">
+              <a:defRPr sz="1350" kern="1200">
+                <a:solidFill>
+                  <a:schemeClr val="lt1"/>
+                </a:solidFill>
+                <a:latin typeface="+mn-lt"/>
+                <a:ea typeface="+mn-ea"/>
+                <a:cs typeface="+mn-cs"/>
+              </a:defRPr>
+            </a:lvl7pPr>
+            <a:lvl8pPr marL="2400300" algn="l" defTabSz="685800" rtl="0" eaLnBrk="1" latinLnBrk="0" hangingPunct="1">
+              <a:defRPr sz="1350" kern="1200">
+                <a:solidFill>
+                  <a:schemeClr val="lt1"/>
+                </a:solidFill>
+                <a:latin typeface="+mn-lt"/>
+                <a:ea typeface="+mn-ea"/>
+                <a:cs typeface="+mn-cs"/>
+              </a:defRPr>
+            </a:lvl8pPr>
+            <a:lvl9pPr marL="2743200" algn="l" defTabSz="685800" rtl="0" eaLnBrk="1" latinLnBrk="0" hangingPunct="1">
+              <a:defRPr sz="1350" kern="1200">
+                <a:solidFill>
+                  <a:schemeClr val="lt1"/>
+                </a:solidFill>
+                <a:latin typeface="+mn-lt"/>
+                <a:ea typeface="+mn-ea"/>
+                <a:cs typeface="+mn-cs"/>
+              </a:defRPr>
+            </a:lvl9pPr>
+          </a:lstStyle>
+          <a:p>
+            <a:pPr algn="ctr"/>
+            <a:r>
+              <a:rPr lang="es-ES" altLang="zh-CN" sz="1800" dirty="0" smtClean="0">
+                <a:solidFill>
+                  <a:schemeClr val="bg1"/>
+                </a:solidFill>
+              </a:rPr>
               <a:t>una encomienda esta formada por uno o muchos y estos productos pueden estar en muchas encomiendas</a:t>
             </a:r>
-            <a:endParaRPr lang="zh-CN" altLang="en-US" sz="2000" dirty="0">
+            <a:endParaRPr lang="zh-CN" altLang="en-US" sz="1800" dirty="0">
               <a:solidFill>
                 <a:schemeClr val="bg1"/>
               </a:solidFill>
@@ -16235,7 +11402,7 @@
         </p:nvSpPr>
         <p:spPr>
           <a:xfrm flipH="1">
-            <a:off x="6457950" y="1819028"/>
+            <a:off x="6457950" y="4321100"/>
             <a:ext cx="5734048" cy="1794507"/>
           </a:xfrm>
           <a:prstGeom prst="chevron">
@@ -16243,36 +11410,20 @@
               <a:gd name="adj" fmla="val 29021"/>
             </a:avLst>
           </a:prstGeom>
-          <a:gradFill flip="none" rotWithShape="1">
-            <a:gsLst>
-              <a:gs pos="0">
-                <a:srgbClr val="F9AC7D"/>
-              </a:gs>
-              <a:gs pos="100000">
-                <a:srgbClr val="F28893"/>
-              </a:gs>
-            </a:gsLst>
-            <a:lin ang="0" scaled="1"/>
-            <a:tileRect/>
-          </a:gradFill>
-          <a:ln>
-            <a:noFill/>
-          </a:ln>
+          <a:ln/>
         </p:spPr>
         <p:style>
-          <a:lnRef idx="2">
-            <a:schemeClr val="accent1">
-              <a:shade val="50000"/>
-            </a:schemeClr>
+          <a:lnRef idx="1">
+            <a:schemeClr val="accent1"/>
           </a:lnRef>
-          <a:fillRef idx="1">
+          <a:fillRef idx="2">
             <a:schemeClr val="accent1"/>
           </a:fillRef>
-          <a:effectRef idx="0">
+          <a:effectRef idx="1">
             <a:schemeClr val="accent1"/>
           </a:effectRef>
           <a:fontRef idx="minor">
-            <a:schemeClr val="lt1"/>
+            <a:schemeClr val="dk1"/>
           </a:fontRef>
         </p:style>
         <p:txBody>
@@ -16385,173 +11536,6 @@
                 </a:solidFill>
               </a:rPr>
               <a:t>Los productos pueden deben de ser de una categoría en especifico, alimentos, medicina, documentación, el administrador podrá registrar si un producto es permitido o no </a:t>
-            </a:r>
-            <a:endParaRPr lang="zh-CN" altLang="en-US" sz="2000" dirty="0">
-              <a:solidFill>
-                <a:schemeClr val="bg1"/>
-              </a:solidFill>
-            </a:endParaRPr>
-          </a:p>
-        </p:txBody>
-      </p:sp>
-      <p:sp>
-        <p:nvSpPr>
-          <p:cNvPr id="7" name="箭头: V 形 105"/>
-          <p:cNvSpPr/>
-          <p:nvPr/>
-        </p:nvSpPr>
-        <p:spPr>
-          <a:xfrm flipH="1">
-            <a:off x="6589180" y="3698020"/>
-            <a:ext cx="5602819" cy="862960"/>
-          </a:xfrm>
-          <a:prstGeom prst="chevron">
-            <a:avLst>
-              <a:gd name="adj" fmla="val 29021"/>
-            </a:avLst>
-          </a:prstGeom>
-          <a:gradFill flip="none" rotWithShape="1">
-            <a:gsLst>
-              <a:gs pos="0">
-                <a:srgbClr val="F9AC7D"/>
-              </a:gs>
-              <a:gs pos="100000">
-                <a:srgbClr val="F28893"/>
-              </a:gs>
-            </a:gsLst>
-            <a:lin ang="0" scaled="1"/>
-            <a:tileRect/>
-          </a:gradFill>
-          <a:ln>
-            <a:noFill/>
-          </a:ln>
-        </p:spPr>
-        <p:style>
-          <a:lnRef idx="2">
-            <a:schemeClr val="accent1">
-              <a:shade val="50000"/>
-            </a:schemeClr>
-          </a:lnRef>
-          <a:fillRef idx="1">
-            <a:schemeClr val="accent1"/>
-          </a:fillRef>
-          <a:effectRef idx="0">
-            <a:schemeClr val="accent1"/>
-          </a:effectRef>
-          <a:fontRef idx="minor">
-            <a:schemeClr val="lt1"/>
-          </a:fontRef>
-        </p:style>
-        <p:txBody>
-          <a:bodyPr rtlCol="0" anchor="ctr"/>
-          <a:lstStyle>
-            <a:defPPr>
-              <a:defRPr lang="en-US">
-                <a:solidFill>
-                  <a:schemeClr val="lt1"/>
-                </a:solidFill>
-              </a:defRPr>
-            </a:defPPr>
-            <a:lvl1pPr marL="0" algn="l" defTabSz="685800" rtl="0" eaLnBrk="1" latinLnBrk="0" hangingPunct="1">
-              <a:defRPr sz="1350" kern="1200">
-                <a:solidFill>
-                  <a:schemeClr val="lt1"/>
-                </a:solidFill>
-                <a:latin typeface="+mn-lt"/>
-                <a:ea typeface="+mn-ea"/>
-                <a:cs typeface="+mn-cs"/>
-              </a:defRPr>
-            </a:lvl1pPr>
-            <a:lvl2pPr marL="342900" algn="l" defTabSz="685800" rtl="0" eaLnBrk="1" latinLnBrk="0" hangingPunct="1">
-              <a:defRPr sz="1350" kern="1200">
-                <a:solidFill>
-                  <a:schemeClr val="lt1"/>
-                </a:solidFill>
-                <a:latin typeface="+mn-lt"/>
-                <a:ea typeface="+mn-ea"/>
-                <a:cs typeface="+mn-cs"/>
-              </a:defRPr>
-            </a:lvl2pPr>
-            <a:lvl3pPr marL="685800" algn="l" defTabSz="685800" rtl="0" eaLnBrk="1" latinLnBrk="0" hangingPunct="1">
-              <a:defRPr sz="1350" kern="1200">
-                <a:solidFill>
-                  <a:schemeClr val="lt1"/>
-                </a:solidFill>
-                <a:latin typeface="+mn-lt"/>
-                <a:ea typeface="+mn-ea"/>
-                <a:cs typeface="+mn-cs"/>
-              </a:defRPr>
-            </a:lvl3pPr>
-            <a:lvl4pPr marL="1028700" algn="l" defTabSz="685800" rtl="0" eaLnBrk="1" latinLnBrk="0" hangingPunct="1">
-              <a:defRPr sz="1350" kern="1200">
-                <a:solidFill>
-                  <a:schemeClr val="lt1"/>
-                </a:solidFill>
-                <a:latin typeface="+mn-lt"/>
-                <a:ea typeface="+mn-ea"/>
-                <a:cs typeface="+mn-cs"/>
-              </a:defRPr>
-            </a:lvl4pPr>
-            <a:lvl5pPr marL="1371600" algn="l" defTabSz="685800" rtl="0" eaLnBrk="1" latinLnBrk="0" hangingPunct="1">
-              <a:defRPr sz="1350" kern="1200">
-                <a:solidFill>
-                  <a:schemeClr val="lt1"/>
-                </a:solidFill>
-                <a:latin typeface="+mn-lt"/>
-                <a:ea typeface="+mn-ea"/>
-                <a:cs typeface="+mn-cs"/>
-              </a:defRPr>
-            </a:lvl5pPr>
-            <a:lvl6pPr marL="1714500" algn="l" defTabSz="685800" rtl="0" eaLnBrk="1" latinLnBrk="0" hangingPunct="1">
-              <a:defRPr sz="1350" kern="1200">
-                <a:solidFill>
-                  <a:schemeClr val="lt1"/>
-                </a:solidFill>
-                <a:latin typeface="+mn-lt"/>
-                <a:ea typeface="+mn-ea"/>
-                <a:cs typeface="+mn-cs"/>
-              </a:defRPr>
-            </a:lvl6pPr>
-            <a:lvl7pPr marL="2057400" algn="l" defTabSz="685800" rtl="0" eaLnBrk="1" latinLnBrk="0" hangingPunct="1">
-              <a:defRPr sz="1350" kern="1200">
-                <a:solidFill>
-                  <a:schemeClr val="lt1"/>
-                </a:solidFill>
-                <a:latin typeface="+mn-lt"/>
-                <a:ea typeface="+mn-ea"/>
-                <a:cs typeface="+mn-cs"/>
-              </a:defRPr>
-            </a:lvl7pPr>
-            <a:lvl8pPr marL="2400300" algn="l" defTabSz="685800" rtl="0" eaLnBrk="1" latinLnBrk="0" hangingPunct="1">
-              <a:defRPr sz="1350" kern="1200">
-                <a:solidFill>
-                  <a:schemeClr val="lt1"/>
-                </a:solidFill>
-                <a:latin typeface="+mn-lt"/>
-                <a:ea typeface="+mn-ea"/>
-                <a:cs typeface="+mn-cs"/>
-              </a:defRPr>
-            </a:lvl8pPr>
-            <a:lvl9pPr marL="2743200" algn="l" defTabSz="685800" rtl="0" eaLnBrk="1" latinLnBrk="0" hangingPunct="1">
-              <a:defRPr sz="1350" kern="1200">
-                <a:solidFill>
-                  <a:schemeClr val="lt1"/>
-                </a:solidFill>
-                <a:latin typeface="+mn-lt"/>
-                <a:ea typeface="+mn-ea"/>
-                <a:cs typeface="+mn-cs"/>
-              </a:defRPr>
-            </a:lvl9pPr>
-          </a:lstStyle>
-          <a:p>
-            <a:pPr algn="ctr"/>
-            <a:r>
-              <a:rPr lang="es-ES" altLang="zh-CN" sz="2000" dirty="0" smtClean="0">
-                <a:solidFill>
-                  <a:schemeClr val="bg1"/>
-                </a:solidFill>
-              </a:rPr>
-              <a:t>Los productos pueden tener distintas reglas, tarifa por cantidad, unidad de medición etc.</a:t>
             </a:r>
             <a:endParaRPr lang="zh-CN" altLang="en-US" sz="2000" dirty="0">
               <a:solidFill>
@@ -16569,7 +11553,7 @@
         </p:nvSpPr>
         <p:spPr>
           <a:xfrm flipH="1">
-            <a:off x="6495589" y="4690780"/>
+            <a:off x="6096000" y="2378437"/>
             <a:ext cx="5696407" cy="1335448"/>
           </a:xfrm>
           <a:prstGeom prst="chevron">
@@ -16737,6 +11721,73 @@
               <a:t> detallara el avance en carretera que ha hecho una encomienda</a:t>
             </a:r>
             <a:endParaRPr lang="zh-CN" altLang="en-US" sz="2000" dirty="0">
+              <a:solidFill>
+                <a:schemeClr val="bg1"/>
+              </a:solidFill>
+            </a:endParaRPr>
+          </a:p>
+        </p:txBody>
+      </p:sp>
+      <p:sp>
+        <p:nvSpPr>
+          <p:cNvPr id="3" name="2 Llamada con línea 3 (borde y barra de énfasis)"/>
+          <p:cNvSpPr/>
+          <p:nvPr/>
+        </p:nvSpPr>
+        <p:spPr>
+          <a:xfrm>
+            <a:off x="971550" y="3276600"/>
+            <a:ext cx="1845732" cy="1333630"/>
+          </a:xfrm>
+          <a:prstGeom prst="accentBorderCallout3">
+            <a:avLst>
+              <a:gd name="adj1" fmla="val 18750"/>
+              <a:gd name="adj2" fmla="val -8333"/>
+              <a:gd name="adj3" fmla="val 18750"/>
+              <a:gd name="adj4" fmla="val -16667"/>
+              <a:gd name="adj5" fmla="val 100000"/>
+              <a:gd name="adj6" fmla="val -16667"/>
+              <a:gd name="adj7" fmla="val 186459"/>
+              <a:gd name="adj8" fmla="val 117407"/>
+            </a:avLst>
+          </a:prstGeom>
+        </p:spPr>
+        <p:style>
+          <a:lnRef idx="1">
+            <a:schemeClr val="accent1"/>
+          </a:lnRef>
+          <a:fillRef idx="2">
+            <a:schemeClr val="accent1"/>
+          </a:fillRef>
+          <a:effectRef idx="1">
+            <a:schemeClr val="accent1"/>
+          </a:effectRef>
+          <a:fontRef idx="minor">
+            <a:schemeClr val="dk1"/>
+          </a:fontRef>
+        </p:style>
+        <p:txBody>
+          <a:bodyPr rtlCol="0" anchor="ctr"/>
+          <a:lstStyle/>
+          <a:p>
+            <a:pPr algn="ctr"/>
+            <a:r>
+              <a:rPr lang="es-ES" altLang="zh-CN" sz="1400" dirty="0">
+                <a:solidFill>
+                  <a:schemeClr val="bg1"/>
+                </a:solidFill>
+              </a:rPr>
+              <a:t>Los productos pueden tener distintas reglas, tarifa por cantidad, unidad de medición etc</a:t>
+            </a:r>
+            <a:r>
+              <a:rPr lang="es-ES" altLang="zh-CN" sz="1400" dirty="0" smtClean="0">
+                <a:solidFill>
+                  <a:schemeClr val="bg1"/>
+                </a:solidFill>
+              </a:rPr>
+              <a:t>.</a:t>
+            </a:r>
+            <a:endParaRPr lang="zh-CN" altLang="en-US" sz="1400" dirty="0">
               <a:solidFill>
                 <a:schemeClr val="bg1"/>
               </a:solidFill>
@@ -16852,181 +11903,6 @@
           </a:p>
         </p:txBody>
       </p:sp>
-      <p:sp>
-        <p:nvSpPr>
-          <p:cNvPr id="10" name="箭头: V 形 105"/>
-          <p:cNvSpPr/>
-          <p:nvPr/>
-        </p:nvSpPr>
-        <p:spPr>
-          <a:xfrm flipH="1">
-            <a:off x="6687238" y="79448"/>
-            <a:ext cx="5504760" cy="1028161"/>
-          </a:xfrm>
-          <a:prstGeom prst="chevron">
-            <a:avLst>
-              <a:gd name="adj" fmla="val 29021"/>
-            </a:avLst>
-          </a:prstGeom>
-          <a:gradFill flip="none" rotWithShape="1">
-            <a:gsLst>
-              <a:gs pos="0">
-                <a:srgbClr val="F9AC7D"/>
-              </a:gs>
-              <a:gs pos="100000">
-                <a:srgbClr val="F28893"/>
-              </a:gs>
-            </a:gsLst>
-            <a:lin ang="0" scaled="1"/>
-            <a:tileRect/>
-          </a:gradFill>
-          <a:ln>
-            <a:noFill/>
-          </a:ln>
-        </p:spPr>
-        <p:style>
-          <a:lnRef idx="2">
-            <a:schemeClr val="accent1">
-              <a:shade val="50000"/>
-            </a:schemeClr>
-          </a:lnRef>
-          <a:fillRef idx="1">
-            <a:schemeClr val="accent1"/>
-          </a:fillRef>
-          <a:effectRef idx="0">
-            <a:schemeClr val="accent1"/>
-          </a:effectRef>
-          <a:fontRef idx="minor">
-            <a:schemeClr val="lt1"/>
-          </a:fontRef>
-        </p:style>
-        <p:txBody>
-          <a:bodyPr rtlCol="0" anchor="ctr"/>
-          <a:lstStyle>
-            <a:defPPr>
-              <a:defRPr lang="en-US">
-                <a:solidFill>
-                  <a:schemeClr val="lt1"/>
-                </a:solidFill>
-              </a:defRPr>
-            </a:defPPr>
-            <a:lvl1pPr marL="0" algn="l" defTabSz="685800" rtl="0" eaLnBrk="1" latinLnBrk="0" hangingPunct="1">
-              <a:defRPr sz="1350" kern="1200">
-                <a:solidFill>
-                  <a:schemeClr val="lt1"/>
-                </a:solidFill>
-                <a:latin typeface="+mn-lt"/>
-                <a:ea typeface="+mn-ea"/>
-                <a:cs typeface="+mn-cs"/>
-              </a:defRPr>
-            </a:lvl1pPr>
-            <a:lvl2pPr marL="342900" algn="l" defTabSz="685800" rtl="0" eaLnBrk="1" latinLnBrk="0" hangingPunct="1">
-              <a:defRPr sz="1350" kern="1200">
-                <a:solidFill>
-                  <a:schemeClr val="lt1"/>
-                </a:solidFill>
-                <a:latin typeface="+mn-lt"/>
-                <a:ea typeface="+mn-ea"/>
-                <a:cs typeface="+mn-cs"/>
-              </a:defRPr>
-            </a:lvl2pPr>
-            <a:lvl3pPr marL="685800" algn="l" defTabSz="685800" rtl="0" eaLnBrk="1" latinLnBrk="0" hangingPunct="1">
-              <a:defRPr sz="1350" kern="1200">
-                <a:solidFill>
-                  <a:schemeClr val="lt1"/>
-                </a:solidFill>
-                <a:latin typeface="+mn-lt"/>
-                <a:ea typeface="+mn-ea"/>
-                <a:cs typeface="+mn-cs"/>
-              </a:defRPr>
-            </a:lvl3pPr>
-            <a:lvl4pPr marL="1028700" algn="l" defTabSz="685800" rtl="0" eaLnBrk="1" latinLnBrk="0" hangingPunct="1">
-              <a:defRPr sz="1350" kern="1200">
-                <a:solidFill>
-                  <a:schemeClr val="lt1"/>
-                </a:solidFill>
-                <a:latin typeface="+mn-lt"/>
-                <a:ea typeface="+mn-ea"/>
-                <a:cs typeface="+mn-cs"/>
-              </a:defRPr>
-            </a:lvl4pPr>
-            <a:lvl5pPr marL="1371600" algn="l" defTabSz="685800" rtl="0" eaLnBrk="1" latinLnBrk="0" hangingPunct="1">
-              <a:defRPr sz="1350" kern="1200">
-                <a:solidFill>
-                  <a:schemeClr val="lt1"/>
-                </a:solidFill>
-                <a:latin typeface="+mn-lt"/>
-                <a:ea typeface="+mn-ea"/>
-                <a:cs typeface="+mn-cs"/>
-              </a:defRPr>
-            </a:lvl5pPr>
-            <a:lvl6pPr marL="1714500" algn="l" defTabSz="685800" rtl="0" eaLnBrk="1" latinLnBrk="0" hangingPunct="1">
-              <a:defRPr sz="1350" kern="1200">
-                <a:solidFill>
-                  <a:schemeClr val="lt1"/>
-                </a:solidFill>
-                <a:latin typeface="+mn-lt"/>
-                <a:ea typeface="+mn-ea"/>
-                <a:cs typeface="+mn-cs"/>
-              </a:defRPr>
-            </a:lvl6pPr>
-            <a:lvl7pPr marL="2057400" algn="l" defTabSz="685800" rtl="0" eaLnBrk="1" latinLnBrk="0" hangingPunct="1">
-              <a:defRPr sz="1350" kern="1200">
-                <a:solidFill>
-                  <a:schemeClr val="lt1"/>
-                </a:solidFill>
-                <a:latin typeface="+mn-lt"/>
-                <a:ea typeface="+mn-ea"/>
-                <a:cs typeface="+mn-cs"/>
-              </a:defRPr>
-            </a:lvl7pPr>
-            <a:lvl8pPr marL="2400300" algn="l" defTabSz="685800" rtl="0" eaLnBrk="1" latinLnBrk="0" hangingPunct="1">
-              <a:defRPr sz="1350" kern="1200">
-                <a:solidFill>
-                  <a:schemeClr val="lt1"/>
-                </a:solidFill>
-                <a:latin typeface="+mn-lt"/>
-                <a:ea typeface="+mn-ea"/>
-                <a:cs typeface="+mn-cs"/>
-              </a:defRPr>
-            </a:lvl8pPr>
-            <a:lvl9pPr marL="2743200" algn="l" defTabSz="685800" rtl="0" eaLnBrk="1" latinLnBrk="0" hangingPunct="1">
-              <a:defRPr sz="1350" kern="1200">
-                <a:solidFill>
-                  <a:schemeClr val="lt1"/>
-                </a:solidFill>
-                <a:latin typeface="+mn-lt"/>
-                <a:ea typeface="+mn-ea"/>
-                <a:cs typeface="+mn-cs"/>
-              </a:defRPr>
-            </a:lvl9pPr>
-          </a:lstStyle>
-          <a:p>
-            <a:pPr algn="ctr"/>
-            <a:r>
-              <a:rPr lang="es-ES" altLang="zh-CN" sz="2000" dirty="0" smtClean="0">
-                <a:solidFill>
-                  <a:schemeClr val="bg1"/>
-                </a:solidFill>
-              </a:rPr>
-              <a:t>El </a:t>
-            </a:r>
-            <a:r>
-              <a:rPr lang="es-ES" altLang="zh-CN" sz="2000" dirty="0" smtClean="0">
-                <a:solidFill>
-                  <a:schemeClr val="bg1"/>
-                </a:solidFill>
-              </a:rPr>
-              <a:t>usuario puede solicitar una asesoría migratoria, para la realización de una asesoría </a:t>
-            </a:r>
-            <a:endParaRPr lang="zh-CN" altLang="en-US" sz="2000" dirty="0">
-              <a:solidFill>
-                <a:schemeClr val="bg1"/>
-              </a:solidFill>
-            </a:endParaRPr>
-          </a:p>
-        </p:txBody>
-      </p:sp>
       <p:pic>
         <p:nvPicPr>
           <p:cNvPr id="4098" name="Picture 2"/>
@@ -17050,8 +11926,8 @@
         </p:blipFill>
         <p:spPr bwMode="auto">
           <a:xfrm>
-            <a:off x="471488" y="290059"/>
-            <a:ext cx="6058459" cy="6569961"/>
+            <a:off x="1892481" y="290059"/>
+            <a:ext cx="6634162" cy="6569961"/>
           </a:xfrm>
           <a:prstGeom prst="roundRect">
             <a:avLst>
@@ -17079,355 +11955,13 @@
       </p:pic>
       <p:sp>
         <p:nvSpPr>
-          <p:cNvPr id="5" name="箭头: V 形 105"/>
-          <p:cNvSpPr/>
-          <p:nvPr/>
-        </p:nvSpPr>
-        <p:spPr>
-          <a:xfrm flipH="1">
-            <a:off x="6687240" y="1211719"/>
-            <a:ext cx="5504760" cy="1028161"/>
-          </a:xfrm>
-          <a:prstGeom prst="chevron">
-            <a:avLst>
-              <a:gd name="adj" fmla="val 29021"/>
-            </a:avLst>
-          </a:prstGeom>
-          <a:gradFill flip="none" rotWithShape="1">
-            <a:gsLst>
-              <a:gs pos="0">
-                <a:srgbClr val="F9AC7D"/>
-              </a:gs>
-              <a:gs pos="100000">
-                <a:srgbClr val="F28893"/>
-              </a:gs>
-            </a:gsLst>
-            <a:lin ang="0" scaled="1"/>
-            <a:tileRect/>
-          </a:gradFill>
-          <a:ln>
-            <a:noFill/>
-          </a:ln>
-        </p:spPr>
-        <p:style>
-          <a:lnRef idx="2">
-            <a:schemeClr val="accent1">
-              <a:shade val="50000"/>
-            </a:schemeClr>
-          </a:lnRef>
-          <a:fillRef idx="1">
-            <a:schemeClr val="accent1"/>
-          </a:fillRef>
-          <a:effectRef idx="0">
-            <a:schemeClr val="accent1"/>
-          </a:effectRef>
-          <a:fontRef idx="minor">
-            <a:schemeClr val="lt1"/>
-          </a:fontRef>
-        </p:style>
-        <p:txBody>
-          <a:bodyPr rtlCol="0" anchor="ctr"/>
-          <a:lstStyle>
-            <a:defPPr>
-              <a:defRPr lang="en-US">
-                <a:solidFill>
-                  <a:schemeClr val="lt1"/>
-                </a:solidFill>
-              </a:defRPr>
-            </a:defPPr>
-            <a:lvl1pPr marL="0" algn="l" defTabSz="685800" rtl="0" eaLnBrk="1" latinLnBrk="0" hangingPunct="1">
-              <a:defRPr sz="1350" kern="1200">
-                <a:solidFill>
-                  <a:schemeClr val="lt1"/>
-                </a:solidFill>
-                <a:latin typeface="+mn-lt"/>
-                <a:ea typeface="+mn-ea"/>
-                <a:cs typeface="+mn-cs"/>
-              </a:defRPr>
-            </a:lvl1pPr>
-            <a:lvl2pPr marL="342900" algn="l" defTabSz="685800" rtl="0" eaLnBrk="1" latinLnBrk="0" hangingPunct="1">
-              <a:defRPr sz="1350" kern="1200">
-                <a:solidFill>
-                  <a:schemeClr val="lt1"/>
-                </a:solidFill>
-                <a:latin typeface="+mn-lt"/>
-                <a:ea typeface="+mn-ea"/>
-                <a:cs typeface="+mn-cs"/>
-              </a:defRPr>
-            </a:lvl2pPr>
-            <a:lvl3pPr marL="685800" algn="l" defTabSz="685800" rtl="0" eaLnBrk="1" latinLnBrk="0" hangingPunct="1">
-              <a:defRPr sz="1350" kern="1200">
-                <a:solidFill>
-                  <a:schemeClr val="lt1"/>
-                </a:solidFill>
-                <a:latin typeface="+mn-lt"/>
-                <a:ea typeface="+mn-ea"/>
-                <a:cs typeface="+mn-cs"/>
-              </a:defRPr>
-            </a:lvl3pPr>
-            <a:lvl4pPr marL="1028700" algn="l" defTabSz="685800" rtl="0" eaLnBrk="1" latinLnBrk="0" hangingPunct="1">
-              <a:defRPr sz="1350" kern="1200">
-                <a:solidFill>
-                  <a:schemeClr val="lt1"/>
-                </a:solidFill>
-                <a:latin typeface="+mn-lt"/>
-                <a:ea typeface="+mn-ea"/>
-                <a:cs typeface="+mn-cs"/>
-              </a:defRPr>
-            </a:lvl4pPr>
-            <a:lvl5pPr marL="1371600" algn="l" defTabSz="685800" rtl="0" eaLnBrk="1" latinLnBrk="0" hangingPunct="1">
-              <a:defRPr sz="1350" kern="1200">
-                <a:solidFill>
-                  <a:schemeClr val="lt1"/>
-                </a:solidFill>
-                <a:latin typeface="+mn-lt"/>
-                <a:ea typeface="+mn-ea"/>
-                <a:cs typeface="+mn-cs"/>
-              </a:defRPr>
-            </a:lvl5pPr>
-            <a:lvl6pPr marL="1714500" algn="l" defTabSz="685800" rtl="0" eaLnBrk="1" latinLnBrk="0" hangingPunct="1">
-              <a:defRPr sz="1350" kern="1200">
-                <a:solidFill>
-                  <a:schemeClr val="lt1"/>
-                </a:solidFill>
-                <a:latin typeface="+mn-lt"/>
-                <a:ea typeface="+mn-ea"/>
-                <a:cs typeface="+mn-cs"/>
-              </a:defRPr>
-            </a:lvl6pPr>
-            <a:lvl7pPr marL="2057400" algn="l" defTabSz="685800" rtl="0" eaLnBrk="1" latinLnBrk="0" hangingPunct="1">
-              <a:defRPr sz="1350" kern="1200">
-                <a:solidFill>
-                  <a:schemeClr val="lt1"/>
-                </a:solidFill>
-                <a:latin typeface="+mn-lt"/>
-                <a:ea typeface="+mn-ea"/>
-                <a:cs typeface="+mn-cs"/>
-              </a:defRPr>
-            </a:lvl7pPr>
-            <a:lvl8pPr marL="2400300" algn="l" defTabSz="685800" rtl="0" eaLnBrk="1" latinLnBrk="0" hangingPunct="1">
-              <a:defRPr sz="1350" kern="1200">
-                <a:solidFill>
-                  <a:schemeClr val="lt1"/>
-                </a:solidFill>
-                <a:latin typeface="+mn-lt"/>
-                <a:ea typeface="+mn-ea"/>
-                <a:cs typeface="+mn-cs"/>
-              </a:defRPr>
-            </a:lvl8pPr>
-            <a:lvl9pPr marL="2743200" algn="l" defTabSz="685800" rtl="0" eaLnBrk="1" latinLnBrk="0" hangingPunct="1">
-              <a:defRPr sz="1350" kern="1200">
-                <a:solidFill>
-                  <a:schemeClr val="lt1"/>
-                </a:solidFill>
-                <a:latin typeface="+mn-lt"/>
-                <a:ea typeface="+mn-ea"/>
-                <a:cs typeface="+mn-cs"/>
-              </a:defRPr>
-            </a:lvl9pPr>
-          </a:lstStyle>
-          <a:p>
-            <a:pPr algn="ctr"/>
-            <a:r>
-              <a:rPr lang="es-ES" altLang="zh-CN" sz="2000" dirty="0" smtClean="0">
-                <a:solidFill>
-                  <a:schemeClr val="bg1"/>
-                </a:solidFill>
-              </a:rPr>
-              <a:t>En la asesoría se llenaran todos los datos migratorios de los clientes y así llevar un registro para una futura </a:t>
-            </a:r>
-            <a:r>
-              <a:rPr lang="es-ES" altLang="zh-CN" sz="2000" dirty="0" err="1" smtClean="0">
-                <a:solidFill>
-                  <a:schemeClr val="bg1"/>
-                </a:solidFill>
-              </a:rPr>
-              <a:t>asesoria</a:t>
-            </a:r>
-            <a:endParaRPr lang="zh-CN" altLang="en-US" sz="2000" dirty="0">
-              <a:solidFill>
-                <a:schemeClr val="bg1"/>
-              </a:solidFill>
-            </a:endParaRPr>
-          </a:p>
-        </p:txBody>
-      </p:sp>
-      <p:sp>
-        <p:nvSpPr>
-          <p:cNvPr id="6" name="箭头: V 形 105"/>
-          <p:cNvSpPr/>
-          <p:nvPr/>
-        </p:nvSpPr>
-        <p:spPr>
-          <a:xfrm flipH="1">
-            <a:off x="6608593" y="2388607"/>
-            <a:ext cx="5504760" cy="1313730"/>
-          </a:xfrm>
-          <a:prstGeom prst="chevron">
-            <a:avLst>
-              <a:gd name="adj" fmla="val 29021"/>
-            </a:avLst>
-          </a:prstGeom>
-          <a:gradFill flip="none" rotWithShape="1">
-            <a:gsLst>
-              <a:gs pos="0">
-                <a:srgbClr val="F9AC7D"/>
-              </a:gs>
-              <a:gs pos="100000">
-                <a:srgbClr val="F28893"/>
-              </a:gs>
-            </a:gsLst>
-            <a:lin ang="0" scaled="1"/>
-            <a:tileRect/>
-          </a:gradFill>
-          <a:ln>
-            <a:noFill/>
-          </a:ln>
-        </p:spPr>
-        <p:style>
-          <a:lnRef idx="2">
-            <a:schemeClr val="accent1">
-              <a:shade val="50000"/>
-            </a:schemeClr>
-          </a:lnRef>
-          <a:fillRef idx="1">
-            <a:schemeClr val="accent1"/>
-          </a:fillRef>
-          <a:effectRef idx="0">
-            <a:schemeClr val="accent1"/>
-          </a:effectRef>
-          <a:fontRef idx="minor">
-            <a:schemeClr val="lt1"/>
-          </a:fontRef>
-        </p:style>
-        <p:txBody>
-          <a:bodyPr rtlCol="0" anchor="ctr"/>
-          <a:lstStyle>
-            <a:defPPr>
-              <a:defRPr lang="en-US">
-                <a:solidFill>
-                  <a:schemeClr val="lt1"/>
-                </a:solidFill>
-              </a:defRPr>
-            </a:defPPr>
-            <a:lvl1pPr marL="0" algn="l" defTabSz="685800" rtl="0" eaLnBrk="1" latinLnBrk="0" hangingPunct="1">
-              <a:defRPr sz="1350" kern="1200">
-                <a:solidFill>
-                  <a:schemeClr val="lt1"/>
-                </a:solidFill>
-                <a:latin typeface="+mn-lt"/>
-                <a:ea typeface="+mn-ea"/>
-                <a:cs typeface="+mn-cs"/>
-              </a:defRPr>
-            </a:lvl1pPr>
-            <a:lvl2pPr marL="342900" algn="l" defTabSz="685800" rtl="0" eaLnBrk="1" latinLnBrk="0" hangingPunct="1">
-              <a:defRPr sz="1350" kern="1200">
-                <a:solidFill>
-                  <a:schemeClr val="lt1"/>
-                </a:solidFill>
-                <a:latin typeface="+mn-lt"/>
-                <a:ea typeface="+mn-ea"/>
-                <a:cs typeface="+mn-cs"/>
-              </a:defRPr>
-            </a:lvl2pPr>
-            <a:lvl3pPr marL="685800" algn="l" defTabSz="685800" rtl="0" eaLnBrk="1" latinLnBrk="0" hangingPunct="1">
-              <a:defRPr sz="1350" kern="1200">
-                <a:solidFill>
-                  <a:schemeClr val="lt1"/>
-                </a:solidFill>
-                <a:latin typeface="+mn-lt"/>
-                <a:ea typeface="+mn-ea"/>
-                <a:cs typeface="+mn-cs"/>
-              </a:defRPr>
-            </a:lvl3pPr>
-            <a:lvl4pPr marL="1028700" algn="l" defTabSz="685800" rtl="0" eaLnBrk="1" latinLnBrk="0" hangingPunct="1">
-              <a:defRPr sz="1350" kern="1200">
-                <a:solidFill>
-                  <a:schemeClr val="lt1"/>
-                </a:solidFill>
-                <a:latin typeface="+mn-lt"/>
-                <a:ea typeface="+mn-ea"/>
-                <a:cs typeface="+mn-cs"/>
-              </a:defRPr>
-            </a:lvl4pPr>
-            <a:lvl5pPr marL="1371600" algn="l" defTabSz="685800" rtl="0" eaLnBrk="1" latinLnBrk="0" hangingPunct="1">
-              <a:defRPr sz="1350" kern="1200">
-                <a:solidFill>
-                  <a:schemeClr val="lt1"/>
-                </a:solidFill>
-                <a:latin typeface="+mn-lt"/>
-                <a:ea typeface="+mn-ea"/>
-                <a:cs typeface="+mn-cs"/>
-              </a:defRPr>
-            </a:lvl5pPr>
-            <a:lvl6pPr marL="1714500" algn="l" defTabSz="685800" rtl="0" eaLnBrk="1" latinLnBrk="0" hangingPunct="1">
-              <a:defRPr sz="1350" kern="1200">
-                <a:solidFill>
-                  <a:schemeClr val="lt1"/>
-                </a:solidFill>
-                <a:latin typeface="+mn-lt"/>
-                <a:ea typeface="+mn-ea"/>
-                <a:cs typeface="+mn-cs"/>
-              </a:defRPr>
-            </a:lvl6pPr>
-            <a:lvl7pPr marL="2057400" algn="l" defTabSz="685800" rtl="0" eaLnBrk="1" latinLnBrk="0" hangingPunct="1">
-              <a:defRPr sz="1350" kern="1200">
-                <a:solidFill>
-                  <a:schemeClr val="lt1"/>
-                </a:solidFill>
-                <a:latin typeface="+mn-lt"/>
-                <a:ea typeface="+mn-ea"/>
-                <a:cs typeface="+mn-cs"/>
-              </a:defRPr>
-            </a:lvl7pPr>
-            <a:lvl8pPr marL="2400300" algn="l" defTabSz="685800" rtl="0" eaLnBrk="1" latinLnBrk="0" hangingPunct="1">
-              <a:defRPr sz="1350" kern="1200">
-                <a:solidFill>
-                  <a:schemeClr val="lt1"/>
-                </a:solidFill>
-                <a:latin typeface="+mn-lt"/>
-                <a:ea typeface="+mn-ea"/>
-                <a:cs typeface="+mn-cs"/>
-              </a:defRPr>
-            </a:lvl8pPr>
-            <a:lvl9pPr marL="2743200" algn="l" defTabSz="685800" rtl="0" eaLnBrk="1" latinLnBrk="0" hangingPunct="1">
-              <a:defRPr sz="1350" kern="1200">
-                <a:solidFill>
-                  <a:schemeClr val="lt1"/>
-                </a:solidFill>
-                <a:latin typeface="+mn-lt"/>
-                <a:ea typeface="+mn-ea"/>
-                <a:cs typeface="+mn-cs"/>
-              </a:defRPr>
-            </a:lvl9pPr>
-          </a:lstStyle>
-          <a:p>
-            <a:pPr algn="ctr"/>
-            <a:r>
-              <a:rPr lang="es-ES" altLang="zh-CN" sz="2000" dirty="0" smtClean="0">
-                <a:solidFill>
-                  <a:schemeClr val="bg1"/>
-                </a:solidFill>
-              </a:rPr>
-              <a:t>La asesoría se hace a través de un formulario migratorio (actualmente se realiza a mano y luego es llenado en la pagina de la embajada americana)</a:t>
-            </a:r>
-            <a:endParaRPr lang="zh-CN" altLang="en-US" sz="2000" dirty="0">
-              <a:solidFill>
-                <a:schemeClr val="bg1"/>
-              </a:solidFill>
-            </a:endParaRPr>
-          </a:p>
-        </p:txBody>
-      </p:sp>
-      <p:sp>
-        <p:nvSpPr>
           <p:cNvPr id="7" name="箭头: V 形 105"/>
           <p:cNvSpPr/>
           <p:nvPr/>
         </p:nvSpPr>
         <p:spPr>
           <a:xfrm flipH="1">
-            <a:off x="6687238" y="3851064"/>
+            <a:off x="3971203" y="5466872"/>
             <a:ext cx="5504760" cy="1075446"/>
           </a:xfrm>
           <a:prstGeom prst="chevron">
@@ -17435,36 +11969,20 @@
               <a:gd name="adj" fmla="val 29021"/>
             </a:avLst>
           </a:prstGeom>
-          <a:gradFill flip="none" rotWithShape="1">
-            <a:gsLst>
-              <a:gs pos="0">
-                <a:srgbClr val="F9AC7D"/>
-              </a:gs>
-              <a:gs pos="100000">
-                <a:srgbClr val="F28893"/>
-              </a:gs>
-            </a:gsLst>
-            <a:lin ang="0" scaled="1"/>
-            <a:tileRect/>
-          </a:gradFill>
-          <a:ln>
-            <a:noFill/>
-          </a:ln>
+          <a:ln/>
         </p:spPr>
         <p:style>
-          <a:lnRef idx="2">
-            <a:schemeClr val="accent1">
-              <a:shade val="50000"/>
-            </a:schemeClr>
+          <a:lnRef idx="1">
+            <a:schemeClr val="accent4"/>
           </a:lnRef>
-          <a:fillRef idx="1">
-            <a:schemeClr val="accent1"/>
+          <a:fillRef idx="2">
+            <a:schemeClr val="accent4"/>
           </a:fillRef>
-          <a:effectRef idx="0">
-            <a:schemeClr val="accent1"/>
+          <a:effectRef idx="1">
+            <a:schemeClr val="accent4"/>
           </a:effectRef>
           <a:fontRef idx="minor">
-            <a:schemeClr val="lt1"/>
+            <a:schemeClr val="dk1"/>
           </a:fontRef>
         </p:style>
         <p:txBody>
@@ -17594,44 +12112,28 @@
         </p:nvSpPr>
         <p:spPr>
           <a:xfrm flipH="1">
-            <a:off x="6687240" y="4983335"/>
-            <a:ext cx="5504760" cy="1075446"/>
+            <a:off x="8679041" y="3409950"/>
+            <a:ext cx="3512957" cy="1676400"/>
           </a:xfrm>
           <a:prstGeom prst="chevron">
             <a:avLst>
               <a:gd name="adj" fmla="val 29021"/>
             </a:avLst>
           </a:prstGeom>
-          <a:gradFill flip="none" rotWithShape="1">
-            <a:gsLst>
-              <a:gs pos="0">
-                <a:srgbClr val="F9AC7D"/>
-              </a:gs>
-              <a:gs pos="100000">
-                <a:srgbClr val="F28893"/>
-              </a:gs>
-            </a:gsLst>
-            <a:lin ang="0" scaled="1"/>
-            <a:tileRect/>
-          </a:gradFill>
-          <a:ln>
-            <a:noFill/>
-          </a:ln>
+          <a:ln/>
         </p:spPr>
         <p:style>
-          <a:lnRef idx="2">
-            <a:schemeClr val="accent1">
-              <a:shade val="50000"/>
-            </a:schemeClr>
+          <a:lnRef idx="1">
+            <a:schemeClr val="accent5"/>
           </a:lnRef>
-          <a:fillRef idx="1">
-            <a:schemeClr val="accent1"/>
+          <a:fillRef idx="2">
+            <a:schemeClr val="accent5"/>
           </a:fillRef>
-          <a:effectRef idx="0">
-            <a:schemeClr val="accent1"/>
+          <a:effectRef idx="1">
+            <a:schemeClr val="accent5"/>
           </a:effectRef>
           <a:fontRef idx="minor">
-            <a:schemeClr val="lt1"/>
+            <a:schemeClr val="dk1"/>
           </a:fontRef>
         </p:style>
         <p:txBody>
@@ -17738,14 +12240,307 @@
           <a:p>
             <a:pPr algn="ctr"/>
             <a:r>
-              <a:rPr lang="es-ES" altLang="zh-CN" sz="2000" dirty="0" smtClean="0">
+              <a:rPr lang="es-ES" altLang="zh-CN" sz="1600" dirty="0" smtClean="0">
                 <a:solidFill>
                   <a:schemeClr val="bg1"/>
                 </a:solidFill>
               </a:rPr>
-              <a:t>Los Usuarios podrán realizar sitas para el pago de servicios si no desean hacerlo a través de internet, o para la cotización de otros servicios</a:t>
-            </a:r>
-            <a:endParaRPr lang="zh-CN" altLang="en-US" sz="2000" dirty="0">
+              <a:t>Los Usuarios podrán realizar </a:t>
+            </a:r>
+            <a:r>
+              <a:rPr lang="es-ES" altLang="zh-CN" sz="1600" dirty="0" smtClean="0">
+                <a:solidFill>
+                  <a:schemeClr val="bg1"/>
+                </a:solidFill>
+              </a:rPr>
+              <a:t>citas </a:t>
+            </a:r>
+            <a:r>
+              <a:rPr lang="es-ES" altLang="zh-CN" sz="1600" dirty="0" smtClean="0">
+                <a:solidFill>
+                  <a:schemeClr val="bg1"/>
+                </a:solidFill>
+              </a:rPr>
+              <a:t>para el pago de servicios si no desean hacerlo a través de internet, o para la cotización de otros servicios</a:t>
+            </a:r>
+            <a:endParaRPr lang="zh-CN" altLang="en-US" sz="1600" dirty="0">
+              <a:solidFill>
+                <a:schemeClr val="bg1"/>
+              </a:solidFill>
+            </a:endParaRPr>
+          </a:p>
+        </p:txBody>
+      </p:sp>
+      <p:sp>
+        <p:nvSpPr>
+          <p:cNvPr id="9" name="箭头: V 形 41"/>
+          <p:cNvSpPr/>
+          <p:nvPr/>
+        </p:nvSpPr>
+        <p:spPr>
+          <a:xfrm>
+            <a:off x="2124611" y="423409"/>
+            <a:ext cx="3971389" cy="1028161"/>
+          </a:xfrm>
+          <a:prstGeom prst="chevron">
+            <a:avLst>
+              <a:gd name="adj" fmla="val 29021"/>
+            </a:avLst>
+          </a:prstGeom>
+          <a:ln/>
+        </p:spPr>
+        <p:style>
+          <a:lnRef idx="1">
+            <a:schemeClr val="accent2"/>
+          </a:lnRef>
+          <a:fillRef idx="2">
+            <a:schemeClr val="accent2"/>
+          </a:fillRef>
+          <a:effectRef idx="1">
+            <a:schemeClr val="accent2"/>
+          </a:effectRef>
+          <a:fontRef idx="minor">
+            <a:schemeClr val="dk1"/>
+          </a:fontRef>
+        </p:style>
+        <p:txBody>
+          <a:bodyPr rtlCol="0" anchor="ctr"/>
+          <a:lstStyle>
+            <a:defPPr>
+              <a:defRPr lang="en-US">
+                <a:solidFill>
+                  <a:schemeClr val="lt1"/>
+                </a:solidFill>
+              </a:defRPr>
+            </a:defPPr>
+            <a:lvl1pPr marL="0" algn="l" defTabSz="685800" rtl="0" eaLnBrk="1" latinLnBrk="0" hangingPunct="1">
+              <a:defRPr sz="1350" kern="1200">
+                <a:solidFill>
+                  <a:schemeClr val="lt1"/>
+                </a:solidFill>
+                <a:latin typeface="+mn-lt"/>
+                <a:ea typeface="+mn-ea"/>
+                <a:cs typeface="+mn-cs"/>
+              </a:defRPr>
+            </a:lvl1pPr>
+            <a:lvl2pPr marL="342900" algn="l" defTabSz="685800" rtl="0" eaLnBrk="1" latinLnBrk="0" hangingPunct="1">
+              <a:defRPr sz="1350" kern="1200">
+                <a:solidFill>
+                  <a:schemeClr val="lt1"/>
+                </a:solidFill>
+                <a:latin typeface="+mn-lt"/>
+                <a:ea typeface="+mn-ea"/>
+                <a:cs typeface="+mn-cs"/>
+              </a:defRPr>
+            </a:lvl2pPr>
+            <a:lvl3pPr marL="685800" algn="l" defTabSz="685800" rtl="0" eaLnBrk="1" latinLnBrk="0" hangingPunct="1">
+              <a:defRPr sz="1350" kern="1200">
+                <a:solidFill>
+                  <a:schemeClr val="lt1"/>
+                </a:solidFill>
+                <a:latin typeface="+mn-lt"/>
+                <a:ea typeface="+mn-ea"/>
+                <a:cs typeface="+mn-cs"/>
+              </a:defRPr>
+            </a:lvl3pPr>
+            <a:lvl4pPr marL="1028700" algn="l" defTabSz="685800" rtl="0" eaLnBrk="1" latinLnBrk="0" hangingPunct="1">
+              <a:defRPr sz="1350" kern="1200">
+                <a:solidFill>
+                  <a:schemeClr val="lt1"/>
+                </a:solidFill>
+                <a:latin typeface="+mn-lt"/>
+                <a:ea typeface="+mn-ea"/>
+                <a:cs typeface="+mn-cs"/>
+              </a:defRPr>
+            </a:lvl4pPr>
+            <a:lvl5pPr marL="1371600" algn="l" defTabSz="685800" rtl="0" eaLnBrk="1" latinLnBrk="0" hangingPunct="1">
+              <a:defRPr sz="1350" kern="1200">
+                <a:solidFill>
+                  <a:schemeClr val="lt1"/>
+                </a:solidFill>
+                <a:latin typeface="+mn-lt"/>
+                <a:ea typeface="+mn-ea"/>
+                <a:cs typeface="+mn-cs"/>
+              </a:defRPr>
+            </a:lvl5pPr>
+            <a:lvl6pPr marL="1714500" algn="l" defTabSz="685800" rtl="0" eaLnBrk="1" latinLnBrk="0" hangingPunct="1">
+              <a:defRPr sz="1350" kern="1200">
+                <a:solidFill>
+                  <a:schemeClr val="lt1"/>
+                </a:solidFill>
+                <a:latin typeface="+mn-lt"/>
+                <a:ea typeface="+mn-ea"/>
+                <a:cs typeface="+mn-cs"/>
+              </a:defRPr>
+            </a:lvl6pPr>
+            <a:lvl7pPr marL="2057400" algn="l" defTabSz="685800" rtl="0" eaLnBrk="1" latinLnBrk="0" hangingPunct="1">
+              <a:defRPr sz="1350" kern="1200">
+                <a:solidFill>
+                  <a:schemeClr val="lt1"/>
+                </a:solidFill>
+                <a:latin typeface="+mn-lt"/>
+                <a:ea typeface="+mn-ea"/>
+                <a:cs typeface="+mn-cs"/>
+              </a:defRPr>
+            </a:lvl7pPr>
+            <a:lvl8pPr marL="2400300" algn="l" defTabSz="685800" rtl="0" eaLnBrk="1" latinLnBrk="0" hangingPunct="1">
+              <a:defRPr sz="1350" kern="1200">
+                <a:solidFill>
+                  <a:schemeClr val="lt1"/>
+                </a:solidFill>
+                <a:latin typeface="+mn-lt"/>
+                <a:ea typeface="+mn-ea"/>
+                <a:cs typeface="+mn-cs"/>
+              </a:defRPr>
+            </a:lvl8pPr>
+            <a:lvl9pPr marL="2743200" algn="l" defTabSz="685800" rtl="0" eaLnBrk="1" latinLnBrk="0" hangingPunct="1">
+              <a:defRPr sz="1350" kern="1200">
+                <a:solidFill>
+                  <a:schemeClr val="lt1"/>
+                </a:solidFill>
+                <a:latin typeface="+mn-lt"/>
+                <a:ea typeface="+mn-ea"/>
+                <a:cs typeface="+mn-cs"/>
+              </a:defRPr>
+            </a:lvl9pPr>
+          </a:lstStyle>
+          <a:p>
+            <a:pPr algn="ctr"/>
+            <a:r>
+              <a:rPr lang="es-ES" altLang="zh-CN" sz="1600" dirty="0">
+                <a:solidFill>
+                  <a:schemeClr val="bg1"/>
+                </a:solidFill>
+              </a:rPr>
+              <a:t>El usuario puede solicitar una asesoría migratoria, para la realización de una asesoría </a:t>
+            </a:r>
+            <a:endParaRPr lang="zh-CN" altLang="en-US" sz="1600" dirty="0">
+              <a:solidFill>
+                <a:schemeClr val="bg1"/>
+              </a:solidFill>
+            </a:endParaRPr>
+          </a:p>
+        </p:txBody>
+      </p:sp>
+      <p:sp>
+        <p:nvSpPr>
+          <p:cNvPr id="2" name="1 Llamada con línea 3"/>
+          <p:cNvSpPr/>
+          <p:nvPr/>
+        </p:nvSpPr>
+        <p:spPr>
+          <a:xfrm>
+            <a:off x="1094652" y="1837571"/>
+            <a:ext cx="4277447" cy="1248529"/>
+          </a:xfrm>
+          <a:prstGeom prst="borderCallout3">
+            <a:avLst>
+              <a:gd name="adj1" fmla="val 18750"/>
+              <a:gd name="adj2" fmla="val -8333"/>
+              <a:gd name="adj3" fmla="val 18750"/>
+              <a:gd name="adj4" fmla="val -16667"/>
+              <a:gd name="adj5" fmla="val 100000"/>
+              <a:gd name="adj6" fmla="val -16667"/>
+              <a:gd name="adj7" fmla="val 151712"/>
+              <a:gd name="adj8" fmla="val 86760"/>
+            </a:avLst>
+          </a:prstGeom>
+        </p:spPr>
+        <p:style>
+          <a:lnRef idx="1">
+            <a:schemeClr val="accent1"/>
+          </a:lnRef>
+          <a:fillRef idx="2">
+            <a:schemeClr val="accent1"/>
+          </a:fillRef>
+          <a:effectRef idx="1">
+            <a:schemeClr val="accent1"/>
+          </a:effectRef>
+          <a:fontRef idx="minor">
+            <a:schemeClr val="dk1"/>
+          </a:fontRef>
+        </p:style>
+        <p:txBody>
+          <a:bodyPr rtlCol="0" anchor="ctr"/>
+          <a:lstStyle/>
+          <a:p>
+            <a:pPr algn="ctr"/>
+            <a:r>
+              <a:rPr lang="es-ES" altLang="zh-CN" dirty="0">
+                <a:solidFill>
+                  <a:schemeClr val="bg1"/>
+                </a:solidFill>
+              </a:rPr>
+              <a:t>En la asesoría se llenaran todos los datos migratorios de los clientes y así llevar un registro para una futura </a:t>
+            </a:r>
+            <a:r>
+              <a:rPr lang="es-ES" altLang="zh-CN" dirty="0" smtClean="0">
+                <a:solidFill>
+                  <a:schemeClr val="bg1"/>
+                </a:solidFill>
+              </a:rPr>
+              <a:t>asesoría</a:t>
+            </a:r>
+            <a:endParaRPr lang="zh-CN" altLang="en-US" dirty="0">
+              <a:solidFill>
+                <a:schemeClr val="bg1"/>
+              </a:solidFill>
+            </a:endParaRPr>
+          </a:p>
+        </p:txBody>
+      </p:sp>
+      <p:sp>
+        <p:nvSpPr>
+          <p:cNvPr id="11" name="10 Llamada con línea 3"/>
+          <p:cNvSpPr/>
+          <p:nvPr/>
+        </p:nvSpPr>
+        <p:spPr>
+          <a:xfrm>
+            <a:off x="8686800" y="423409"/>
+            <a:ext cx="3505200" cy="1652425"/>
+          </a:xfrm>
+          <a:prstGeom prst="borderCallout3">
+            <a:avLst>
+              <a:gd name="adj1" fmla="val 105720"/>
+              <a:gd name="adj2" fmla="val 50009"/>
+              <a:gd name="adj3" fmla="val 144813"/>
+              <a:gd name="adj4" fmla="val 50235"/>
+              <a:gd name="adj5" fmla="val 143671"/>
+              <a:gd name="adj6" fmla="val 50431"/>
+              <a:gd name="adj7" fmla="val 185482"/>
+              <a:gd name="adj8" fmla="val -79660"/>
+            </a:avLst>
+          </a:prstGeom>
+        </p:spPr>
+        <p:style>
+          <a:lnRef idx="1">
+            <a:schemeClr val="accent1"/>
+          </a:lnRef>
+          <a:fillRef idx="2">
+            <a:schemeClr val="accent1"/>
+          </a:fillRef>
+          <a:effectRef idx="1">
+            <a:schemeClr val="accent1"/>
+          </a:effectRef>
+          <a:fontRef idx="minor">
+            <a:schemeClr val="dk1"/>
+          </a:fontRef>
+        </p:style>
+        <p:txBody>
+          <a:bodyPr rtlCol="0" anchor="ctr"/>
+          <a:lstStyle/>
+          <a:p>
+            <a:pPr algn="ctr"/>
+            <a:r>
+              <a:rPr lang="es-ES" altLang="zh-CN" dirty="0">
+                <a:solidFill>
+                  <a:schemeClr val="bg1"/>
+                </a:solidFill>
+              </a:rPr>
+              <a:t>La asesoría se hace a través de un formulario migratorio (actualmente se realiza a mano y luego es llenado en la pagina de la embajada americana)</a:t>
+            </a:r>
+            <a:endParaRPr lang="zh-CN" altLang="en-US" dirty="0">
               <a:solidFill>
                 <a:schemeClr val="bg1"/>
               </a:solidFill>
@@ -17861,173 +12656,6 @@
           </a:p>
         </p:txBody>
       </p:sp>
-      <p:sp>
-        <p:nvSpPr>
-          <p:cNvPr id="10" name="箭头: V 形 105"/>
-          <p:cNvSpPr/>
-          <p:nvPr/>
-        </p:nvSpPr>
-        <p:spPr>
-          <a:xfrm flipH="1">
-            <a:off x="6762749" y="0"/>
-            <a:ext cx="5429250" cy="1551543"/>
-          </a:xfrm>
-          <a:prstGeom prst="chevron">
-            <a:avLst>
-              <a:gd name="adj" fmla="val 29021"/>
-            </a:avLst>
-          </a:prstGeom>
-          <a:gradFill flip="none" rotWithShape="1">
-            <a:gsLst>
-              <a:gs pos="0">
-                <a:srgbClr val="F9AC7D"/>
-              </a:gs>
-              <a:gs pos="100000">
-                <a:srgbClr val="F28893"/>
-              </a:gs>
-            </a:gsLst>
-            <a:lin ang="0" scaled="1"/>
-            <a:tileRect/>
-          </a:gradFill>
-          <a:ln>
-            <a:noFill/>
-          </a:ln>
-        </p:spPr>
-        <p:style>
-          <a:lnRef idx="2">
-            <a:schemeClr val="accent1">
-              <a:shade val="50000"/>
-            </a:schemeClr>
-          </a:lnRef>
-          <a:fillRef idx="1">
-            <a:schemeClr val="accent1"/>
-          </a:fillRef>
-          <a:effectRef idx="0">
-            <a:schemeClr val="accent1"/>
-          </a:effectRef>
-          <a:fontRef idx="minor">
-            <a:schemeClr val="lt1"/>
-          </a:fontRef>
-        </p:style>
-        <p:txBody>
-          <a:bodyPr rtlCol="0" anchor="ctr"/>
-          <a:lstStyle>
-            <a:defPPr>
-              <a:defRPr lang="en-US">
-                <a:solidFill>
-                  <a:schemeClr val="lt1"/>
-                </a:solidFill>
-              </a:defRPr>
-            </a:defPPr>
-            <a:lvl1pPr marL="0" algn="l" defTabSz="685800" rtl="0" eaLnBrk="1" latinLnBrk="0" hangingPunct="1">
-              <a:defRPr sz="1350" kern="1200">
-                <a:solidFill>
-                  <a:schemeClr val="lt1"/>
-                </a:solidFill>
-                <a:latin typeface="+mn-lt"/>
-                <a:ea typeface="+mn-ea"/>
-                <a:cs typeface="+mn-cs"/>
-              </a:defRPr>
-            </a:lvl1pPr>
-            <a:lvl2pPr marL="342900" algn="l" defTabSz="685800" rtl="0" eaLnBrk="1" latinLnBrk="0" hangingPunct="1">
-              <a:defRPr sz="1350" kern="1200">
-                <a:solidFill>
-                  <a:schemeClr val="lt1"/>
-                </a:solidFill>
-                <a:latin typeface="+mn-lt"/>
-                <a:ea typeface="+mn-ea"/>
-                <a:cs typeface="+mn-cs"/>
-              </a:defRPr>
-            </a:lvl2pPr>
-            <a:lvl3pPr marL="685800" algn="l" defTabSz="685800" rtl="0" eaLnBrk="1" latinLnBrk="0" hangingPunct="1">
-              <a:defRPr sz="1350" kern="1200">
-                <a:solidFill>
-                  <a:schemeClr val="lt1"/>
-                </a:solidFill>
-                <a:latin typeface="+mn-lt"/>
-                <a:ea typeface="+mn-ea"/>
-                <a:cs typeface="+mn-cs"/>
-              </a:defRPr>
-            </a:lvl3pPr>
-            <a:lvl4pPr marL="1028700" algn="l" defTabSz="685800" rtl="0" eaLnBrk="1" latinLnBrk="0" hangingPunct="1">
-              <a:defRPr sz="1350" kern="1200">
-                <a:solidFill>
-                  <a:schemeClr val="lt1"/>
-                </a:solidFill>
-                <a:latin typeface="+mn-lt"/>
-                <a:ea typeface="+mn-ea"/>
-                <a:cs typeface="+mn-cs"/>
-              </a:defRPr>
-            </a:lvl4pPr>
-            <a:lvl5pPr marL="1371600" algn="l" defTabSz="685800" rtl="0" eaLnBrk="1" latinLnBrk="0" hangingPunct="1">
-              <a:defRPr sz="1350" kern="1200">
-                <a:solidFill>
-                  <a:schemeClr val="lt1"/>
-                </a:solidFill>
-                <a:latin typeface="+mn-lt"/>
-                <a:ea typeface="+mn-ea"/>
-                <a:cs typeface="+mn-cs"/>
-              </a:defRPr>
-            </a:lvl5pPr>
-            <a:lvl6pPr marL="1714500" algn="l" defTabSz="685800" rtl="0" eaLnBrk="1" latinLnBrk="0" hangingPunct="1">
-              <a:defRPr sz="1350" kern="1200">
-                <a:solidFill>
-                  <a:schemeClr val="lt1"/>
-                </a:solidFill>
-                <a:latin typeface="+mn-lt"/>
-                <a:ea typeface="+mn-ea"/>
-                <a:cs typeface="+mn-cs"/>
-              </a:defRPr>
-            </a:lvl6pPr>
-            <a:lvl7pPr marL="2057400" algn="l" defTabSz="685800" rtl="0" eaLnBrk="1" latinLnBrk="0" hangingPunct="1">
-              <a:defRPr sz="1350" kern="1200">
-                <a:solidFill>
-                  <a:schemeClr val="lt1"/>
-                </a:solidFill>
-                <a:latin typeface="+mn-lt"/>
-                <a:ea typeface="+mn-ea"/>
-                <a:cs typeface="+mn-cs"/>
-              </a:defRPr>
-            </a:lvl7pPr>
-            <a:lvl8pPr marL="2400300" algn="l" defTabSz="685800" rtl="0" eaLnBrk="1" latinLnBrk="0" hangingPunct="1">
-              <a:defRPr sz="1350" kern="1200">
-                <a:solidFill>
-                  <a:schemeClr val="lt1"/>
-                </a:solidFill>
-                <a:latin typeface="+mn-lt"/>
-                <a:ea typeface="+mn-ea"/>
-                <a:cs typeface="+mn-cs"/>
-              </a:defRPr>
-            </a:lvl8pPr>
-            <a:lvl9pPr marL="2743200" algn="l" defTabSz="685800" rtl="0" eaLnBrk="1" latinLnBrk="0" hangingPunct="1">
-              <a:defRPr sz="1350" kern="1200">
-                <a:solidFill>
-                  <a:schemeClr val="lt1"/>
-                </a:solidFill>
-                <a:latin typeface="+mn-lt"/>
-                <a:ea typeface="+mn-ea"/>
-                <a:cs typeface="+mn-cs"/>
-              </a:defRPr>
-            </a:lvl9pPr>
-          </a:lstStyle>
-          <a:p>
-            <a:pPr algn="ctr"/>
-            <a:r>
-              <a:rPr lang="es-SV" altLang="zh-CN" sz="2000" dirty="0" smtClean="0">
-                <a:solidFill>
-                  <a:schemeClr val="bg1"/>
-                </a:solidFill>
-              </a:rPr>
-              <a:t>La tabla tours-paquetes detallaran la información general de los viajes costos fechas entre otros datos y un tipo para diferenciar si es un paquete o tour</a:t>
-            </a:r>
-            <a:endParaRPr lang="zh-CN" altLang="en-US" sz="2000" dirty="0">
-              <a:solidFill>
-                <a:schemeClr val="bg1"/>
-              </a:solidFill>
-            </a:endParaRPr>
-          </a:p>
-        </p:txBody>
-      </p:sp>
       <p:pic>
         <p:nvPicPr>
           <p:cNvPr id="5122" name="Picture 2"/>
@@ -18116,8 +12744,8 @@
         </p:nvSpPr>
         <p:spPr>
           <a:xfrm flipH="1">
-            <a:off x="6762749" y="1673255"/>
-            <a:ext cx="5429250" cy="1028161"/>
+            <a:off x="4200525" y="663605"/>
+            <a:ext cx="6705599" cy="1028161"/>
           </a:xfrm>
           <a:prstGeom prst="chevron">
             <a:avLst>
@@ -18283,8 +12911,8 @@
         </p:nvSpPr>
         <p:spPr>
           <a:xfrm flipH="1">
-            <a:off x="6762749" y="2823128"/>
-            <a:ext cx="5429250" cy="1207782"/>
+            <a:off x="6343651" y="3820554"/>
+            <a:ext cx="5600699" cy="1207782"/>
           </a:xfrm>
           <a:prstGeom prst="chevron">
             <a:avLst>
@@ -18435,6 +13063,69 @@
               <a:t>Un usuario puede realizar reservas detallando cuantos asientos desea, si los ocupara un bebe, niño o adulto, y si es apto a un descuento</a:t>
             </a:r>
             <a:endParaRPr lang="zh-CN" altLang="en-US" sz="2000" dirty="0">
+              <a:solidFill>
+                <a:schemeClr val="bg1"/>
+              </a:solidFill>
+            </a:endParaRPr>
+          </a:p>
+        </p:txBody>
+      </p:sp>
+      <p:sp>
+        <p:nvSpPr>
+          <p:cNvPr id="3" name="2 Llamada con línea 1"/>
+          <p:cNvSpPr/>
+          <p:nvPr/>
+        </p:nvSpPr>
+        <p:spPr>
+          <a:xfrm>
+            <a:off x="4857750" y="2054229"/>
+            <a:ext cx="6038850" cy="1189494"/>
+          </a:xfrm>
+          <a:prstGeom prst="borderCallout1">
+            <a:avLst>
+              <a:gd name="adj1" fmla="val 18750"/>
+              <a:gd name="adj2" fmla="val -8333"/>
+              <a:gd name="adj3" fmla="val 125312"/>
+              <a:gd name="adj4" fmla="val -44011"/>
+            </a:avLst>
+          </a:prstGeom>
+        </p:spPr>
+        <p:style>
+          <a:lnRef idx="1">
+            <a:schemeClr val="accent4"/>
+          </a:lnRef>
+          <a:fillRef idx="2">
+            <a:schemeClr val="accent4"/>
+          </a:fillRef>
+          <a:effectRef idx="1">
+            <a:schemeClr val="accent4"/>
+          </a:effectRef>
+          <a:fontRef idx="minor">
+            <a:schemeClr val="dk1"/>
+          </a:fontRef>
+        </p:style>
+        <p:txBody>
+          <a:bodyPr rtlCol="0" anchor="ctr"/>
+          <a:lstStyle/>
+          <a:p>
+            <a:pPr algn="ctr"/>
+            <a:r>
+              <a:rPr lang="es-SV" altLang="zh-CN" dirty="0">
+                <a:solidFill>
+                  <a:schemeClr val="bg1"/>
+                </a:solidFill>
+              </a:rPr>
+              <a:t>La tabla tours-paquetes detallaran la información general de los viajes costos fechas entre otros datos y un tipo para diferenciar si es un paquete o </a:t>
+            </a:r>
+            <a:r>
+              <a:rPr lang="es-SV" altLang="zh-CN" dirty="0" smtClean="0">
+                <a:solidFill>
+                  <a:schemeClr val="bg1"/>
+                </a:solidFill>
+              </a:rPr>
+              <a:t>tour</a:t>
+            </a:r>
+            <a:endParaRPr lang="zh-CN" altLang="en-US" dirty="0">
               <a:solidFill>
                 <a:schemeClr val="bg1"/>
               </a:solidFill>
@@ -18669,7 +13360,7 @@
   <a:extraClrSchemeLst/>
   <a:extLst>
     <a:ext uri="{05A4C25C-085E-4340-85A3-A5531E510DB2}">
-      <thm15:themeFamily xmlns:thm15="http://schemas.microsoft.com/office/thememl/2012/main" name="Office Theme" id="{62F939B6-93AF-4DB8-9C6B-D6C7DFDC589F}" vid="{4A3C46E8-61CC-4603-A589-7422A47A8E4A}"/>
+      <thm15:themeFamily xmlns:thm15="http://schemas.microsoft.com/office/thememl/2012/main" xmlns="" name="Office Theme" id="{62F939B6-93AF-4DB8-9C6B-D6C7DFDC589F}" vid="{4A3C46E8-61CC-4603-A589-7422A47A8E4A}"/>
     </a:ext>
   </a:extLst>
 </a:theme>
@@ -18870,214 +13561,13 @@
   <a:extraClrSchemeLst/>
   <a:extLst>
     <a:ext uri="{05A4C25C-085E-4340-85A3-A5531E510DB2}">
-      <thm15:themeFamily xmlns:thm15="http://schemas.microsoft.com/office/thememl/2012/main" name="Office Theme" id="{62F939B6-93AF-4DB8-9C6B-D6C7DFDC589F}" vid="{4A3C46E8-61CC-4603-A589-7422A47A8E4A}"/>
+      <thm15:themeFamily xmlns:thm15="http://schemas.microsoft.com/office/thememl/2012/main" xmlns="" name="Office Theme" id="{62F939B6-93AF-4DB8-9C6B-D6C7DFDC589F}" vid="{4A3C46E8-61CC-4603-A589-7422A47A8E4A}"/>
     </a:ext>
   </a:extLst>
 </a:theme>
 </file>
 
 <file path=ppt/theme/theme3.xml><?xml version="1.0" encoding="utf-8"?>
-<a:theme xmlns:a="http://schemas.openxmlformats.org/drawingml/2006/main" name="1_Default Theme">
-  <a:themeElements>
-    <a:clrScheme name="Motagua - Coloured 6 - Light">
-      <a:dk1>
-        <a:srgbClr val="7E7E7E"/>
-      </a:dk1>
-      <a:lt1>
-        <a:sysClr val="window" lastClr="FFFFFF"/>
-      </a:lt1>
-      <a:dk2>
-        <a:srgbClr val="6B6B6B"/>
-      </a:dk2>
-      <a:lt2>
-        <a:srgbClr val="FFFFFF"/>
-      </a:lt2>
-      <a:accent1>
-        <a:srgbClr val="81B94F"/>
-      </a:accent1>
-      <a:accent2>
-        <a:srgbClr val="46A4DB"/>
-      </a:accent2>
-      <a:accent3>
-        <a:srgbClr val="E5583A"/>
-      </a:accent3>
-      <a:accent4>
-        <a:srgbClr val="F9B439"/>
-      </a:accent4>
-      <a:accent5>
-        <a:srgbClr val="7C69A8"/>
-      </a:accent5>
-      <a:accent6>
-        <a:srgbClr val="404F64"/>
-      </a:accent6>
-      <a:hlink>
-        <a:srgbClr val="F33B48"/>
-      </a:hlink>
-      <a:folHlink>
-        <a:srgbClr val="FFC000"/>
-      </a:folHlink>
-    </a:clrScheme>
-    <a:fontScheme name="zpmzolqr">
-      <a:majorFont>
-        <a:latin typeface="Arial"/>
-        <a:ea typeface="Arial"/>
-        <a:cs typeface=""/>
-      </a:majorFont>
-      <a:minorFont>
-        <a:latin typeface="Arial"/>
-        <a:ea typeface="Arial"/>
-        <a:cs typeface=""/>
-      </a:minorFont>
-    </a:fontScheme>
-    <a:fmtScheme name="Office">
-      <a:fillStyleLst>
-        <a:solidFill>
-          <a:schemeClr val="phClr"/>
-        </a:solidFill>
-        <a:gradFill rotWithShape="1">
-          <a:gsLst>
-            <a:gs pos="0">
-              <a:schemeClr val="phClr">
-                <a:lumMod val="110000"/>
-                <a:satMod val="105000"/>
-                <a:tint val="67000"/>
-              </a:schemeClr>
-            </a:gs>
-            <a:gs pos="50000">
-              <a:schemeClr val="phClr">
-                <a:lumMod val="105000"/>
-                <a:satMod val="103000"/>
-                <a:tint val="73000"/>
-              </a:schemeClr>
-            </a:gs>
-            <a:gs pos="100000">
-              <a:schemeClr val="phClr">
-                <a:lumMod val="105000"/>
-                <a:satMod val="109000"/>
-                <a:tint val="81000"/>
-              </a:schemeClr>
-            </a:gs>
-          </a:gsLst>
-          <a:lin ang="5400000" scaled="0"/>
-        </a:gradFill>
-        <a:gradFill rotWithShape="1">
-          <a:gsLst>
-            <a:gs pos="0">
-              <a:schemeClr val="phClr">
-                <a:satMod val="103000"/>
-                <a:lumMod val="102000"/>
-                <a:tint val="94000"/>
-              </a:schemeClr>
-            </a:gs>
-            <a:gs pos="50000">
-              <a:schemeClr val="phClr">
-                <a:satMod val="110000"/>
-                <a:lumMod val="100000"/>
-                <a:shade val="100000"/>
-              </a:schemeClr>
-            </a:gs>
-            <a:gs pos="100000">
-              <a:schemeClr val="phClr">
-                <a:lumMod val="99000"/>
-                <a:satMod val="120000"/>
-                <a:shade val="78000"/>
-              </a:schemeClr>
-            </a:gs>
-          </a:gsLst>
-          <a:lin ang="5400000" scaled="0"/>
-        </a:gradFill>
-      </a:fillStyleLst>
-      <a:lnStyleLst>
-        <a:ln w="6350" cap="flat" cmpd="sng" algn="ctr">
-          <a:solidFill>
-            <a:schemeClr val="phClr"/>
-          </a:solidFill>
-          <a:prstDash val="solid"/>
-          <a:miter lim="800000"/>
-        </a:ln>
-        <a:ln w="12700" cap="flat" cmpd="sng" algn="ctr">
-          <a:solidFill>
-            <a:schemeClr val="phClr"/>
-          </a:solidFill>
-          <a:prstDash val="solid"/>
-          <a:miter lim="800000"/>
-        </a:ln>
-        <a:ln w="19050" cap="flat" cmpd="sng" algn="ctr">
-          <a:solidFill>
-            <a:schemeClr val="phClr"/>
-          </a:solidFill>
-          <a:prstDash val="solid"/>
-          <a:miter lim="800000"/>
-        </a:ln>
-      </a:lnStyleLst>
-      <a:effectStyleLst>
-        <a:effectStyle>
-          <a:effectLst/>
-        </a:effectStyle>
-        <a:effectStyle>
-          <a:effectLst/>
-        </a:effectStyle>
-        <a:effectStyle>
-          <a:effectLst>
-            <a:outerShdw blurRad="57150" dist="19050" dir="5400000" algn="ctr" rotWithShape="0">
-              <a:srgbClr val="000000">
-                <a:alpha val="63000"/>
-              </a:srgbClr>
-            </a:outerShdw>
-          </a:effectLst>
-        </a:effectStyle>
-      </a:effectStyleLst>
-      <a:bgFillStyleLst>
-        <a:solidFill>
-          <a:schemeClr val="phClr"/>
-        </a:solidFill>
-        <a:solidFill>
-          <a:schemeClr val="phClr">
-            <a:tint val="95000"/>
-            <a:satMod val="170000"/>
-          </a:schemeClr>
-        </a:solidFill>
-        <a:gradFill rotWithShape="1">
-          <a:gsLst>
-            <a:gs pos="0">
-              <a:schemeClr val="phClr">
-                <a:tint val="93000"/>
-                <a:satMod val="150000"/>
-                <a:shade val="98000"/>
-                <a:lumMod val="102000"/>
-              </a:schemeClr>
-            </a:gs>
-            <a:gs pos="50000">
-              <a:schemeClr val="phClr">
-                <a:tint val="98000"/>
-                <a:satMod val="130000"/>
-                <a:shade val="90000"/>
-                <a:lumMod val="103000"/>
-              </a:schemeClr>
-            </a:gs>
-            <a:gs pos="100000">
-              <a:schemeClr val="phClr">
-                <a:shade val="63000"/>
-                <a:satMod val="120000"/>
-              </a:schemeClr>
-            </a:gs>
-          </a:gsLst>
-          <a:lin ang="5400000" scaled="0"/>
-        </a:gradFill>
-      </a:bgFillStyleLst>
-    </a:fmtScheme>
-  </a:themeElements>
-  <a:objectDefaults/>
-  <a:extraClrSchemeLst/>
-  <a:extLst>
-    <a:ext uri="{05A4C25C-085E-4340-85A3-A5531E510DB2}">
-      <thm15:themeFamily xmlns:thm15="http://schemas.microsoft.com/office/thememl/2012/main" name="Office Theme" id="{62F939B6-93AF-4DB8-9C6B-D6C7DFDC589F}" vid="{4A3C46E8-61CC-4603-A589-7422A47A8E4A}"/>
-    </a:ext>
-  </a:extLst>
-</a:theme>
-</file>
-
-<file path=ppt/theme/theme4.xml><?xml version="1.0" encoding="utf-8"?>
 <a:theme xmlns:a="http://schemas.openxmlformats.org/drawingml/2006/main" name="2_Default Theme">
   <a:themeElements>
     <a:clrScheme name="Motagua - Coloured 6 - Light">
@@ -19272,13 +13762,13 @@
   <a:extraClrSchemeLst/>
   <a:extLst>
     <a:ext uri="{05A4C25C-085E-4340-85A3-A5531E510DB2}">
-      <thm15:themeFamily xmlns:thm15="http://schemas.microsoft.com/office/thememl/2012/main" name="Office Theme" id="{62F939B6-93AF-4DB8-9C6B-D6C7DFDC589F}" vid="{4A3C46E8-61CC-4603-A589-7422A47A8E4A}"/>
+      <thm15:themeFamily xmlns:thm15="http://schemas.microsoft.com/office/thememl/2012/main" xmlns="" name="Office Theme" id="{62F939B6-93AF-4DB8-9C6B-D6C7DFDC589F}" vid="{4A3C46E8-61CC-4603-A589-7422A47A8E4A}"/>
     </a:ext>
   </a:extLst>
 </a:theme>
 </file>
 
-<file path=ppt/theme/theme5.xml><?xml version="1.0" encoding="utf-8"?>
+<file path=ppt/theme/theme4.xml><?xml version="1.0" encoding="utf-8"?>
 <a:theme xmlns:a="http://schemas.openxmlformats.org/drawingml/2006/main" name="2_Office Theme">
   <a:themeElements>
     <a:clrScheme name="Office">
@@ -19473,13 +13963,13 @@
   <a:extraClrSchemeLst/>
   <a:extLst>
     <a:ext uri="{05A4C25C-085E-4340-85A3-A5531E510DB2}">
-      <thm15:themeFamily xmlns:thm15="http://schemas.microsoft.com/office/thememl/2012/main" name="Office Theme" id="{62F939B6-93AF-4DB8-9C6B-D6C7DFDC589F}" vid="{4A3C46E8-61CC-4603-A589-7422A47A8E4A}"/>
+      <thm15:themeFamily xmlns:thm15="http://schemas.microsoft.com/office/thememl/2012/main" xmlns="" name="Office Theme" id="{62F939B6-93AF-4DB8-9C6B-D6C7DFDC589F}" vid="{4A3C46E8-61CC-4603-A589-7422A47A8E4A}"/>
     </a:ext>
   </a:extLst>
 </a:theme>
 </file>
 
-<file path=ppt/theme/theme6.xml><?xml version="1.0" encoding="utf-8"?>
+<file path=ppt/theme/theme5.xml><?xml version="1.0" encoding="utf-8"?>
 <a:theme xmlns:a="http://schemas.openxmlformats.org/drawingml/2006/main" name="Office 主题​​">
   <a:themeElements>
     <a:clrScheme name="Office">
@@ -19734,13 +14224,13 @@
   <a:extraClrSchemeLst/>
   <a:extLst>
     <a:ext uri="{05A4C25C-085E-4340-85A3-A5531E510DB2}">
-      <thm15:themeFamily xmlns:thm15="http://schemas.microsoft.com/office/thememl/2012/main" name="Office Theme" id="{62F939B6-93AF-4DB8-9C6B-D6C7DFDC589F}" vid="{4A3C46E8-61CC-4603-A589-7422A47A8E4A}"/>
+      <thm15:themeFamily xmlns:thm15="http://schemas.microsoft.com/office/thememl/2012/main" xmlns="" name="Office Theme" id="{62F939B6-93AF-4DB8-9C6B-D6C7DFDC589F}" vid="{4A3C46E8-61CC-4603-A589-7422A47A8E4A}"/>
     </a:ext>
   </a:extLst>
 </a:theme>
 </file>
 
-<file path=ppt/theme/theme7.xml><?xml version="1.0" encoding="utf-8"?>
+<file path=ppt/theme/theme6.xml><?xml version="1.0" encoding="utf-8"?>
 <a:theme xmlns:a="http://schemas.openxmlformats.org/drawingml/2006/main" name="Office 主题">
   <a:themeElements>
     <a:clrScheme name="Office">
@@ -19995,7 +14485,7 @@
   <a:extraClrSchemeLst/>
   <a:extLst>
     <a:ext uri="{05A4C25C-085E-4340-85A3-A5531E510DB2}">
-      <thm15:themeFamily xmlns:thm15="http://schemas.microsoft.com/office/thememl/2012/main" name="Office Theme" id="{62F939B6-93AF-4DB8-9C6B-D6C7DFDC589F}" vid="{4A3C46E8-61CC-4603-A589-7422A47A8E4A}"/>
+      <thm15:themeFamily xmlns:thm15="http://schemas.microsoft.com/office/thememl/2012/main" xmlns="" name="Office Theme" id="{62F939B6-93AF-4DB8-9C6B-D6C7DFDC589F}" vid="{4A3C46E8-61CC-4603-A589-7422A47A8E4A}"/>
     </a:ext>
   </a:extLst>
 </a:theme>
